--- a/doc/SCALLOP_INF1-120419.pptx
+++ b/doc/SCALLOP_INF1-120419.pptx
@@ -7,19 +7,22 @@
   <p:sldIdLst>
     <p:sldId id="256" r:id="rId2"/>
     <p:sldId id="273" r:id="rId3"/>
-    <p:sldId id="274" r:id="rId4"/>
-    <p:sldId id="275" r:id="rId5"/>
-    <p:sldId id="276" r:id="rId6"/>
-    <p:sldId id="277" r:id="rId7"/>
-    <p:sldId id="272" r:id="rId8"/>
-    <p:sldId id="265" r:id="rId9"/>
-    <p:sldId id="266" r:id="rId10"/>
-    <p:sldId id="264" r:id="rId11"/>
-    <p:sldId id="267" r:id="rId12"/>
-    <p:sldId id="268" r:id="rId13"/>
-    <p:sldId id="269" r:id="rId14"/>
-    <p:sldId id="270" r:id="rId15"/>
-    <p:sldId id="271" r:id="rId16"/>
+    <p:sldId id="275" r:id="rId4"/>
+    <p:sldId id="274" r:id="rId5"/>
+    <p:sldId id="278" r:id="rId6"/>
+    <p:sldId id="276" r:id="rId7"/>
+    <p:sldId id="279" r:id="rId8"/>
+    <p:sldId id="280" r:id="rId9"/>
+    <p:sldId id="277" r:id="rId10"/>
+    <p:sldId id="272" r:id="rId11"/>
+    <p:sldId id="265" r:id="rId12"/>
+    <p:sldId id="266" r:id="rId13"/>
+    <p:sldId id="264" r:id="rId14"/>
+    <p:sldId id="267" r:id="rId15"/>
+    <p:sldId id="268" r:id="rId16"/>
+    <p:sldId id="269" r:id="rId17"/>
+    <p:sldId id="270" r:id="rId18"/>
+    <p:sldId id="271" r:id="rId19"/>
   </p:sldIdLst>
   <p:sldSz cx="12192000" cy="6858000"/>
   <p:notesSz cx="6858000" cy="9144000"/>
@@ -3425,11 +3428,7 @@
           <a:p>
             <a:r>
               <a:rPr lang="en-GB" dirty="0" smtClean="0"/>
-              <a:t>12</a:t>
-            </a:r>
-            <a:r>
-              <a:rPr lang="en-GB" dirty="0" smtClean="0"/>
-              <a:t>/4/2019</a:t>
+              <a:t>12/4/2019</a:t>
             </a:r>
             <a:endParaRPr lang="en-GB" dirty="0"/>
           </a:p>
@@ -3467,13 +3466,7 @@
       </p:grpSpPr>
       <p:sp>
         <p:nvSpPr>
-          <p:cNvPr id="2" name="Title 1">
-            <a:extLst>
-              <a:ext uri="{FF2B5EF4-FFF2-40B4-BE49-F238E27FC236}">
-                <a16:creationId xmlns:a16="http://schemas.microsoft.com/office/drawing/2014/main" id="{0B706D4B-56BB-4904-95C8-C7317B2F9042}"/>
-              </a:ext>
-            </a:extLst>
-          </p:cNvPr>
+          <p:cNvPr id="2" name="Title 1"/>
           <p:cNvSpPr>
             <a:spLocks noGrp="1"/>
           </p:cNvSpPr>
@@ -3489,7 +3482,7 @@
             <a:pPr algn="ctr"/>
             <a:r>
               <a:rPr lang="en-GB" b="1" dirty="0" smtClean="0"/>
-              <a:t>Updates I</a:t>
+              <a:t>Landmarks from earlier slides</a:t>
             </a:r>
             <a:endParaRPr lang="en-GB" b="1" dirty="0"/>
           </a:p>
@@ -3497,13 +3490,7 @@
       </p:sp>
       <p:sp>
         <p:nvSpPr>
-          <p:cNvPr id="3" name="Content Placeholder 2">
-            <a:extLst>
-              <a:ext uri="{FF2B5EF4-FFF2-40B4-BE49-F238E27FC236}">
-                <a16:creationId xmlns:a16="http://schemas.microsoft.com/office/drawing/2014/main" id="{779C168B-FE2B-48BB-9F71-190FE784313F}"/>
-              </a:ext>
-            </a:extLst>
-          </p:cNvPr>
+          <p:cNvPr id="3" name="Content Placeholder 2"/>
           <p:cNvSpPr>
             <a:spLocks noGrp="1"/>
           </p:cNvSpPr>
@@ -3513,112 +3500,18 @@
         </p:nvSpPr>
         <p:spPr/>
         <p:txBody>
-          <a:bodyPr>
-            <a:normAutofit lnSpcReduction="10000"/>
-          </a:bodyPr>
+          <a:bodyPr/>
           <a:lstStyle/>
           <a:p>
             <a:r>
               <a:rPr lang="en-GB" dirty="0" smtClean="0"/>
-              <a:t>29 chromosomes remain to be analysed for KORA + ARTN reanalysing at TRYGGVE (smaller size). normalised level </a:t>
-            </a:r>
-            <a:r>
-              <a:rPr lang="en-GB" smtClean="0"/>
-              <a:t>~ age+sex+PC1-5+genotype </a:t>
-            </a:r>
+              <a:t>8/3/19</a:t>
+            </a:r>
+          </a:p>
+          <a:p>
             <a:r>
               <a:rPr lang="en-GB" dirty="0" smtClean="0"/>
-              <a:t>under additive model with SNPTEST.</a:t>
-            </a:r>
-          </a:p>
-          <a:p>
-            <a:r>
-              <a:rPr lang="en-GB" dirty="0" err="1" smtClean="0"/>
-              <a:t>BioFinder</a:t>
-            </a:r>
-            <a:r>
-              <a:rPr lang="en-GB" dirty="0" smtClean="0"/>
-              <a:t>, </a:t>
-            </a:r>
-            <a:r>
-              <a:rPr lang="en-GB" dirty="0" err="1" smtClean="0"/>
-              <a:t>MadCam</a:t>
-            </a:r>
-            <a:r>
-              <a:rPr lang="en-GB" dirty="0" smtClean="0"/>
-              <a:t> and RECOMBINE were available – these were from Anders beside STANLEY lah1/swe6 with </a:t>
-            </a:r>
-            <a:r>
-              <a:rPr lang="en-GB" dirty="0" err="1" smtClean="0"/>
-              <a:t>qctool</a:t>
-            </a:r>
-            <a:r>
-              <a:rPr lang="en-GB" dirty="0" smtClean="0"/>
-              <a:t> –</a:t>
-            </a:r>
-            <a:r>
-              <a:rPr lang="en-GB" dirty="0" err="1" smtClean="0"/>
-              <a:t>snp</a:t>
-            </a:r>
-            <a:r>
-              <a:rPr lang="en-GB" dirty="0" smtClean="0"/>
-              <a:t>-stats pending while </a:t>
-            </a:r>
-            <a:r>
-              <a:rPr lang="en-GB" dirty="0" err="1" smtClean="0"/>
-              <a:t>MadCam</a:t>
-            </a:r>
-            <a:r>
-              <a:rPr lang="en-GB" dirty="0" smtClean="0"/>
-              <a:t> has RSQ_IMP.</a:t>
-            </a:r>
-          </a:p>
-          <a:p>
-            <a:r>
-              <a:rPr lang="en-GB" dirty="0" smtClean="0"/>
-              <a:t>NSPHS has PLINK results but no </a:t>
-            </a:r>
-            <a:r>
-              <a:rPr lang="en-GB" dirty="0" err="1" smtClean="0"/>
-              <a:t>qctool</a:t>
-            </a:r>
-            <a:r>
-              <a:rPr lang="en-GB" dirty="0" smtClean="0"/>
-              <a:t> -</a:t>
-            </a:r>
-            <a:r>
-              <a:rPr lang="en-GB" dirty="0" err="1" smtClean="0"/>
-              <a:t>snp</a:t>
-            </a:r>
-            <a:r>
-              <a:rPr lang="en-GB" dirty="0" smtClean="0"/>
-              <a:t>-stats (in touch with </a:t>
-            </a:r>
-            <a:r>
-              <a:rPr lang="en-US" dirty="0"/>
-              <a:t>Åsa Johansson </a:t>
-            </a:r>
-            <a:r>
-              <a:rPr lang="en-US" dirty="0" smtClean="0"/>
-              <a:t>on 21/2</a:t>
-            </a:r>
-            <a:r>
-              <a:rPr lang="en-GB" dirty="0" smtClean="0"/>
-              <a:t>).</a:t>
-            </a:r>
-          </a:p>
-          <a:p>
-            <a:r>
-              <a:rPr lang="en-GB" dirty="0" smtClean="0"/>
-              <a:t>The number of problematic proteins was reduced from 22 to three, </a:t>
-            </a:r>
-            <a:r>
-              <a:rPr lang="en-GB" dirty="0" err="1" smtClean="0"/>
-              <a:t>IFN.gamma</a:t>
-            </a:r>
-            <a:r>
-              <a:rPr lang="en-GB" dirty="0" smtClean="0"/>
-              <a:t>, IL.22.RA1 and TSLP and then none with MAF set to MAF&gt;0.1 for STABILITY (N=2,951), second to INTERVAL (N=4,996).</a:t>
+              <a:t>29/11/18</a:t>
             </a:r>
             <a:endParaRPr lang="en-GB" dirty="0"/>
           </a:p>
@@ -3627,7 +3520,7 @@
     </p:spTree>
     <p:extLst>
       <p:ext uri="{BB962C8B-B14F-4D97-AF65-F5344CB8AC3E}">
-        <p14:creationId xmlns:p14="http://schemas.microsoft.com/office/powerpoint/2010/main" val="435210134"/>
+        <p14:creationId xmlns:p14="http://schemas.microsoft.com/office/powerpoint/2010/main" val="3032432137"/>
       </p:ext>
     </p:extLst>
   </p:cSld>
@@ -3672,7 +3565,15 @@
             <a:pPr algn="ctr"/>
             <a:r>
               <a:rPr lang="en-GB" b="1" dirty="0" smtClean="0"/>
-              <a:t>Updates II</a:t>
+              <a:t>A </a:t>
+            </a:r>
+            <a:r>
+              <a:rPr lang="en-GB" b="1" dirty="0"/>
+              <a:t>brief summary (</a:t>
+            </a:r>
+            <a:r>
+              <a:rPr lang="en-GB" b="1" dirty="0" smtClean="0"/>
+              <a:t>29/11/18)</a:t>
             </a:r>
             <a:endParaRPr lang="en-GB" b="1" dirty="0"/>
           </a:p>
@@ -3690,63 +3591,46 @@
         </p:nvSpPr>
         <p:spPr/>
         <p:txBody>
-          <a:bodyPr/>
-          <a:lstStyle/>
-          <a:p>
-            <a:r>
-              <a:rPr lang="en-GB" dirty="0" smtClean="0"/>
-              <a:t>STANLEY added to meta-</a:t>
-            </a:r>
-            <a:r>
-              <a:rPr lang="en-GB" dirty="0" err="1" smtClean="0"/>
-              <a:t>snalysis</a:t>
-            </a:r>
-            <a:r>
-              <a:rPr lang="en-GB" dirty="0" smtClean="0"/>
-              <a:t> when per-SNP sample sizes are available from study description (results from PLINK dosage analysis, with INFO but no N).</a:t>
-            </a:r>
-          </a:p>
-          <a:p>
-            <a:r>
-              <a:rPr lang="en-GB" dirty="0" smtClean="0"/>
-              <a:t>INFO from </a:t>
-            </a:r>
-            <a:r>
-              <a:rPr lang="en-GB" dirty="0" err="1" smtClean="0"/>
-              <a:t>qctool</a:t>
-            </a:r>
-            <a:r>
-              <a:rPr lang="en-GB" dirty="0" smtClean="0"/>
-              <a:t> –</a:t>
-            </a:r>
-            <a:r>
-              <a:rPr lang="en-GB" dirty="0" err="1" smtClean="0"/>
-              <a:t>snp</a:t>
-            </a:r>
-            <a:r>
-              <a:rPr lang="en-GB" dirty="0" smtClean="0"/>
-              <a:t>-stats was added to INTERVAL.</a:t>
-            </a:r>
-          </a:p>
-          <a:p>
-            <a:r>
-              <a:rPr lang="en-GB" dirty="0" smtClean="0"/>
-              <a:t>Side projects: R/gap, FM-pipeline, EWAS-fusion, etc. updated and results from FM-pipeline but pending on validation.</a:t>
-            </a:r>
-          </a:p>
-          <a:p>
-            <a:r>
-              <a:rPr lang="en-GB" dirty="0" smtClean="0"/>
-              <a:t>INF1.paper.docx at INF/doc as placeholder for paper draft; cohort description needs to be added – an Excel spreadsheet was made available from the (updated) analysis plan and comments are welcome to consolidate.</a:t>
-            </a:r>
-            <a:endParaRPr lang="en-GB" dirty="0"/>
+          <a:bodyPr>
+            <a:normAutofit/>
+          </a:bodyPr>
+          <a:lstStyle/>
+          <a:p>
+            <a:r>
+              <a:rPr lang="en-GB" dirty="0"/>
+              <a:t>It is still at a very early stage of the analysis.</a:t>
+            </a:r>
+          </a:p>
+          <a:p>
+            <a:r>
+              <a:rPr lang="en-GB" dirty="0"/>
+              <a:t>Results from INTERVAL and benchmarks from meta-analysis were reassuring.</a:t>
+            </a:r>
+          </a:p>
+          <a:p>
+            <a:r>
+              <a:rPr lang="en-GB" dirty="0"/>
+              <a:t>This was based on stricter criteria on –ld-r2 of the PLINK –clump procedure which was somewhat hampered is its inability to handle small p-value.</a:t>
+            </a:r>
+          </a:p>
+          <a:p>
+            <a:r>
+              <a:rPr lang="en-GB" dirty="0"/>
+              <a:t>It is worthwhile to explore approaches.</a:t>
+            </a:r>
+          </a:p>
+          <a:p>
+            <a:r>
+              <a:rPr lang="en-GB" dirty="0"/>
+              <a:t>There will be further effort on the meta-analysis QC.</a:t>
+            </a:r>
           </a:p>
         </p:txBody>
       </p:sp>
     </p:spTree>
     <p:extLst>
       <p:ext uri="{BB962C8B-B14F-4D97-AF65-F5344CB8AC3E}">
-        <p14:creationId xmlns:p14="http://schemas.microsoft.com/office/powerpoint/2010/main" val="3409810465"/>
+        <p14:creationId xmlns:p14="http://schemas.microsoft.com/office/powerpoint/2010/main" val="1462860847"/>
       </p:ext>
     </p:extLst>
   </p:cSld>
@@ -3775,6 +3659,367 @@
       </p:grpSpPr>
       <p:sp>
         <p:nvSpPr>
+          <p:cNvPr id="2" name="Title 1">
+            <a:extLst>
+              <a:ext uri="{FF2B5EF4-FFF2-40B4-BE49-F238E27FC236}">
+                <a16:creationId xmlns:a16="http://schemas.microsoft.com/office/drawing/2014/main" id="{0B706D4B-56BB-4904-95C8-C7317B2F9042}"/>
+              </a:ext>
+            </a:extLst>
+          </p:cNvPr>
+          <p:cNvSpPr>
+            <a:spLocks noGrp="1"/>
+          </p:cNvSpPr>
+          <p:nvPr>
+            <p:ph type="title"/>
+          </p:nvPr>
+        </p:nvSpPr>
+        <p:spPr/>
+        <p:txBody>
+          <a:bodyPr/>
+          <a:lstStyle/>
+          <a:p>
+            <a:pPr algn="ctr"/>
+            <a:r>
+              <a:rPr lang="en-GB" b="1" dirty="0" smtClean="0"/>
+              <a:t>On </a:t>
+            </a:r>
+            <a:r>
+              <a:rPr lang="en-GB" b="1" dirty="0"/>
+              <a:t>next steps (</a:t>
+            </a:r>
+            <a:r>
+              <a:rPr lang="en-GB" b="1" dirty="0" smtClean="0"/>
+              <a:t>29/11/18)</a:t>
+            </a:r>
+            <a:endParaRPr lang="en-GB" b="1" dirty="0"/>
+          </a:p>
+        </p:txBody>
+      </p:sp>
+      <p:sp>
+        <p:nvSpPr>
+          <p:cNvPr id="3" name="Content Placeholder 2">
+            <a:extLst>
+              <a:ext uri="{FF2B5EF4-FFF2-40B4-BE49-F238E27FC236}">
+                <a16:creationId xmlns:a16="http://schemas.microsoft.com/office/drawing/2014/main" id="{779C168B-FE2B-48BB-9F71-190FE784313F}"/>
+              </a:ext>
+            </a:extLst>
+          </p:cNvPr>
+          <p:cNvSpPr>
+            <a:spLocks noGrp="1"/>
+          </p:cNvSpPr>
+          <p:nvPr>
+            <p:ph idx="1"/>
+          </p:nvPr>
+        </p:nvSpPr>
+        <p:spPr/>
+        <p:txBody>
+          <a:bodyPr>
+            <a:normAutofit lnSpcReduction="10000"/>
+          </a:bodyPr>
+          <a:lstStyle/>
+          <a:p>
+            <a:r>
+              <a:rPr lang="en-GB" dirty="0"/>
+              <a:t>KORA individual level data analysis will be conducted centrally.</a:t>
+            </a:r>
+          </a:p>
+          <a:p>
+            <a:r>
+              <a:rPr lang="en-GB" dirty="0"/>
+              <a:t>Additional studies such as COMBINE will be added.</a:t>
+            </a:r>
+          </a:p>
+          <a:p>
+            <a:r>
+              <a:rPr lang="en-GB" dirty="0"/>
+              <a:t>For cohorts contributing results on PLINK, information such as effect allele (frequency), imputation quality is recommended on a per-cohort basis via </a:t>
+            </a:r>
+            <a:r>
+              <a:rPr lang="en-GB" dirty="0" err="1"/>
+              <a:t>qctool</a:t>
+            </a:r>
+            <a:r>
+              <a:rPr lang="en-GB" dirty="0"/>
+              <a:t> as noted in SCALLOP_INF_I_analysis_plan.md.</a:t>
+            </a:r>
+          </a:p>
+          <a:p>
+            <a:r>
+              <a:rPr lang="en-GB" dirty="0"/>
+              <a:t>The QC will be refined and downstream analysis strengthened -- the experiments were based on 1000Genomes extracted from </a:t>
+            </a:r>
+            <a:r>
+              <a:rPr lang="en-GB" dirty="0" err="1"/>
+              <a:t>LocusZoom</a:t>
+            </a:r>
+            <a:r>
+              <a:rPr lang="en-GB" dirty="0"/>
+              <a:t> 1.4 at </a:t>
+            </a:r>
+            <a:r>
+              <a:rPr lang="en-GB" dirty="0" err="1"/>
+              <a:t>tryggve</a:t>
+            </a:r>
+            <a:r>
+              <a:rPr lang="en-GB" dirty="0"/>
+              <a:t> when there was issues with the up-/down-load. A more desirable reference panel would be INTERVAL, </a:t>
+            </a:r>
+            <a:r>
+              <a:rPr lang="en-GB" dirty="0" err="1"/>
+              <a:t>UKBiobank</a:t>
+            </a:r>
+            <a:r>
+              <a:rPr lang="en-GB" dirty="0"/>
+              <a:t>, both involving HRC+UK10K. </a:t>
+            </a:r>
+            <a:r>
+              <a:rPr lang="en-GB" dirty="0" err="1"/>
+              <a:t>Finemapping</a:t>
+            </a:r>
+            <a:r>
+              <a:rPr lang="en-GB" dirty="0"/>
+              <a:t> is set to involve PLINK, GCTA, </a:t>
+            </a:r>
+            <a:r>
+              <a:rPr lang="en-GB" dirty="0" err="1"/>
+              <a:t>finemap</a:t>
+            </a:r>
+            <a:r>
+              <a:rPr lang="en-GB" dirty="0"/>
+              <a:t>, and JAM, among others.</a:t>
+            </a:r>
+          </a:p>
+        </p:txBody>
+      </p:sp>
+    </p:spTree>
+    <p:extLst>
+      <p:ext uri="{BB962C8B-B14F-4D97-AF65-F5344CB8AC3E}">
+        <p14:creationId xmlns:p14="http://schemas.microsoft.com/office/powerpoint/2010/main" val="1025794882"/>
+      </p:ext>
+    </p:extLst>
+  </p:cSld>
+  <p:clrMapOvr>
+    <a:masterClrMapping/>
+  </p:clrMapOvr>
+</p:sld>
+</file>
+
+<file path=ppt/slides/slide13.xml><?xml version="1.0" encoding="utf-8"?>
+<p:sld xmlns:a="http://schemas.openxmlformats.org/drawingml/2006/main" xmlns:r="http://schemas.openxmlformats.org/officeDocument/2006/relationships" xmlns:p="http://schemas.openxmlformats.org/presentationml/2006/main">
+  <p:cSld>
+    <p:spTree>
+      <p:nvGrpSpPr>
+        <p:cNvPr id="1" name=""/>
+        <p:cNvGrpSpPr/>
+        <p:nvPr/>
+      </p:nvGrpSpPr>
+      <p:grpSpPr>
+        <a:xfrm>
+          <a:off x="0" y="0"/>
+          <a:ext cx="0" cy="0"/>
+          <a:chOff x="0" y="0"/>
+          <a:chExt cx="0" cy="0"/>
+        </a:xfrm>
+      </p:grpSpPr>
+      <p:sp>
+        <p:nvSpPr>
+          <p:cNvPr id="2" name="Title 1">
+            <a:extLst>
+              <a:ext uri="{FF2B5EF4-FFF2-40B4-BE49-F238E27FC236}">
+                <a16:creationId xmlns:a16="http://schemas.microsoft.com/office/drawing/2014/main" id="{0B706D4B-56BB-4904-95C8-C7317B2F9042}"/>
+              </a:ext>
+            </a:extLst>
+          </p:cNvPr>
+          <p:cNvSpPr>
+            <a:spLocks noGrp="1"/>
+          </p:cNvSpPr>
+          <p:nvPr>
+            <p:ph type="title"/>
+          </p:nvPr>
+        </p:nvSpPr>
+        <p:spPr/>
+        <p:txBody>
+          <a:bodyPr/>
+          <a:lstStyle/>
+          <a:p>
+            <a:pPr algn="ctr"/>
+            <a:r>
+              <a:rPr lang="en-GB" b="1" dirty="0" smtClean="0"/>
+              <a:t>Updates </a:t>
+            </a:r>
+            <a:r>
+              <a:rPr lang="en-GB" b="1" dirty="0"/>
+              <a:t>I </a:t>
+            </a:r>
+            <a:r>
+              <a:rPr lang="en-GB" b="1" dirty="0" smtClean="0"/>
+              <a:t>(</a:t>
+            </a:r>
+            <a:r>
+              <a:rPr lang="en-GB" b="1" dirty="0"/>
+              <a:t>8</a:t>
+            </a:r>
+            <a:r>
+              <a:rPr lang="en-GB" b="1" dirty="0" smtClean="0"/>
+              <a:t>/3/19)</a:t>
+            </a:r>
+            <a:endParaRPr lang="en-GB" b="1" dirty="0"/>
+          </a:p>
+        </p:txBody>
+      </p:sp>
+      <p:sp>
+        <p:nvSpPr>
+          <p:cNvPr id="3" name="Content Placeholder 2">
+            <a:extLst>
+              <a:ext uri="{FF2B5EF4-FFF2-40B4-BE49-F238E27FC236}">
+                <a16:creationId xmlns:a16="http://schemas.microsoft.com/office/drawing/2014/main" id="{779C168B-FE2B-48BB-9F71-190FE784313F}"/>
+              </a:ext>
+            </a:extLst>
+          </p:cNvPr>
+          <p:cNvSpPr>
+            <a:spLocks noGrp="1"/>
+          </p:cNvSpPr>
+          <p:nvPr>
+            <p:ph idx="1"/>
+          </p:nvPr>
+        </p:nvSpPr>
+        <p:spPr/>
+        <p:txBody>
+          <a:bodyPr>
+            <a:normAutofit lnSpcReduction="10000"/>
+          </a:bodyPr>
+          <a:lstStyle/>
+          <a:p>
+            <a:r>
+              <a:rPr lang="en-GB" dirty="0" smtClean="0"/>
+              <a:t>29 chromosomes remain to be analysed for KORA + ARTN reanalysing at TRYGGVE (smaller size). normalised level ~ age+sex+PC1-5+genotype under additive model with SNPTEST.</a:t>
+            </a:r>
+          </a:p>
+          <a:p>
+            <a:r>
+              <a:rPr lang="en-GB" dirty="0" err="1" smtClean="0"/>
+              <a:t>BioFinder</a:t>
+            </a:r>
+            <a:r>
+              <a:rPr lang="en-GB" dirty="0" smtClean="0"/>
+              <a:t>, </a:t>
+            </a:r>
+            <a:r>
+              <a:rPr lang="en-GB" dirty="0" err="1" smtClean="0"/>
+              <a:t>MadCam</a:t>
+            </a:r>
+            <a:r>
+              <a:rPr lang="en-GB" dirty="0" smtClean="0"/>
+              <a:t> and RECOMBINE were available – these were from Anders beside STANLEY lah1/swe6 with </a:t>
+            </a:r>
+            <a:r>
+              <a:rPr lang="en-GB" dirty="0" err="1" smtClean="0"/>
+              <a:t>qctool</a:t>
+            </a:r>
+            <a:r>
+              <a:rPr lang="en-GB" dirty="0" smtClean="0"/>
+              <a:t> –</a:t>
+            </a:r>
+            <a:r>
+              <a:rPr lang="en-GB" dirty="0" err="1" smtClean="0"/>
+              <a:t>snp</a:t>
+            </a:r>
+            <a:r>
+              <a:rPr lang="en-GB" dirty="0" smtClean="0"/>
+              <a:t>-stats pending while </a:t>
+            </a:r>
+            <a:r>
+              <a:rPr lang="en-GB" dirty="0" err="1" smtClean="0"/>
+              <a:t>MadCam</a:t>
+            </a:r>
+            <a:r>
+              <a:rPr lang="en-GB" dirty="0" smtClean="0"/>
+              <a:t> has RSQ_IMP.</a:t>
+            </a:r>
+          </a:p>
+          <a:p>
+            <a:r>
+              <a:rPr lang="en-GB" dirty="0" smtClean="0"/>
+              <a:t>NSPHS has PLINK results but no </a:t>
+            </a:r>
+            <a:r>
+              <a:rPr lang="en-GB" dirty="0" err="1" smtClean="0"/>
+              <a:t>qctool</a:t>
+            </a:r>
+            <a:r>
+              <a:rPr lang="en-GB" dirty="0" smtClean="0"/>
+              <a:t> -</a:t>
+            </a:r>
+            <a:r>
+              <a:rPr lang="en-GB" dirty="0" err="1" smtClean="0"/>
+              <a:t>snp</a:t>
+            </a:r>
+            <a:r>
+              <a:rPr lang="en-GB" dirty="0" smtClean="0"/>
+              <a:t>-stats (in touch with </a:t>
+            </a:r>
+            <a:r>
+              <a:rPr lang="en-US" dirty="0"/>
+              <a:t>Åsa Johansson </a:t>
+            </a:r>
+            <a:r>
+              <a:rPr lang="en-US" dirty="0" smtClean="0"/>
+              <a:t>on 21/2</a:t>
+            </a:r>
+            <a:r>
+              <a:rPr lang="en-GB" dirty="0" smtClean="0"/>
+              <a:t>).</a:t>
+            </a:r>
+          </a:p>
+          <a:p>
+            <a:r>
+              <a:rPr lang="en-GB" dirty="0" smtClean="0"/>
+              <a:t>The number of problematic proteins was reduced from 22 to three, </a:t>
+            </a:r>
+            <a:r>
+              <a:rPr lang="en-GB" dirty="0" err="1" smtClean="0"/>
+              <a:t>IFN.gamma</a:t>
+            </a:r>
+            <a:r>
+              <a:rPr lang="en-GB" dirty="0" smtClean="0"/>
+              <a:t>, IL.22.RA1 and TSLP and then none with MAF set to MAF&gt;0.1 for STABILITY (N=2,951), second to INTERVAL (N=4,996).</a:t>
+            </a:r>
+            <a:endParaRPr lang="en-GB" dirty="0"/>
+          </a:p>
+        </p:txBody>
+      </p:sp>
+    </p:spTree>
+    <p:extLst>
+      <p:ext uri="{BB962C8B-B14F-4D97-AF65-F5344CB8AC3E}">
+        <p14:creationId xmlns:p14="http://schemas.microsoft.com/office/powerpoint/2010/main" val="435210134"/>
+      </p:ext>
+    </p:extLst>
+  </p:cSld>
+  <p:clrMapOvr>
+    <a:masterClrMapping/>
+  </p:clrMapOvr>
+</p:sld>
+</file>
+
+<file path=ppt/slides/slide14.xml><?xml version="1.0" encoding="utf-8"?>
+<p:sld xmlns:a="http://schemas.openxmlformats.org/drawingml/2006/main" xmlns:r="http://schemas.openxmlformats.org/officeDocument/2006/relationships" xmlns:p="http://schemas.openxmlformats.org/presentationml/2006/main">
+  <p:cSld>
+    <p:spTree>
+      <p:nvGrpSpPr>
+        <p:cNvPr id="1" name=""/>
+        <p:cNvGrpSpPr/>
+        <p:nvPr/>
+      </p:nvGrpSpPr>
+      <p:grpSpPr>
+        <a:xfrm>
+          <a:off x="0" y="0"/>
+          <a:ext cx="0" cy="0"/>
+          <a:chOff x="0" y="0"/>
+          <a:chExt cx="0" cy="0"/>
+        </a:xfrm>
+      </p:grpSpPr>
+      <p:sp>
+        <p:nvSpPr>
           <p:cNvPr id="2" name="Title 1"/>
           <p:cNvSpPr>
             <a:spLocks noGrp="1"/>
@@ -3791,7 +4036,134 @@
             <a:pPr algn="ctr"/>
             <a:r>
               <a:rPr lang="en-GB" b="1" dirty="0" smtClean="0"/>
-              <a:t>Next steps</a:t>
+              <a:t>Updates </a:t>
+            </a:r>
+            <a:r>
+              <a:rPr lang="en-GB" b="1" dirty="0"/>
+              <a:t>II (8/3/19)</a:t>
+            </a:r>
+            <a:endParaRPr lang="en-GB" b="1" dirty="0"/>
+          </a:p>
+        </p:txBody>
+      </p:sp>
+      <p:sp>
+        <p:nvSpPr>
+          <p:cNvPr id="3" name="Content Placeholder 2"/>
+          <p:cNvSpPr>
+            <a:spLocks noGrp="1"/>
+          </p:cNvSpPr>
+          <p:nvPr>
+            <p:ph idx="1"/>
+          </p:nvPr>
+        </p:nvSpPr>
+        <p:spPr/>
+        <p:txBody>
+          <a:bodyPr/>
+          <a:lstStyle/>
+          <a:p>
+            <a:r>
+              <a:rPr lang="en-GB" dirty="0" smtClean="0"/>
+              <a:t>STANLEY added to meta-</a:t>
+            </a:r>
+            <a:r>
+              <a:rPr lang="en-GB" dirty="0" err="1" smtClean="0"/>
+              <a:t>snalysis</a:t>
+            </a:r>
+            <a:r>
+              <a:rPr lang="en-GB" dirty="0" smtClean="0"/>
+              <a:t> when per-SNP sample sizes are available from study description (results from PLINK dosage analysis, with INFO but no N).</a:t>
+            </a:r>
+          </a:p>
+          <a:p>
+            <a:r>
+              <a:rPr lang="en-GB" dirty="0" smtClean="0"/>
+              <a:t>INFO from </a:t>
+            </a:r>
+            <a:r>
+              <a:rPr lang="en-GB" dirty="0" err="1" smtClean="0"/>
+              <a:t>qctool</a:t>
+            </a:r>
+            <a:r>
+              <a:rPr lang="en-GB" dirty="0" smtClean="0"/>
+              <a:t> –</a:t>
+            </a:r>
+            <a:r>
+              <a:rPr lang="en-GB" dirty="0" err="1" smtClean="0"/>
+              <a:t>snp</a:t>
+            </a:r>
+            <a:r>
+              <a:rPr lang="en-GB" dirty="0" smtClean="0"/>
+              <a:t>-stats was added to INTERVAL.</a:t>
+            </a:r>
+          </a:p>
+          <a:p>
+            <a:r>
+              <a:rPr lang="en-GB" dirty="0" smtClean="0"/>
+              <a:t>Side projects: R/gap, FM-pipeline, EWAS-fusion, etc. updated and results from FM-pipeline but pending on validation.</a:t>
+            </a:r>
+          </a:p>
+          <a:p>
+            <a:r>
+              <a:rPr lang="en-GB" dirty="0" smtClean="0"/>
+              <a:t>INF1.paper.docx at INF/doc as placeholder for paper draft; cohort description needs to be added – an Excel spreadsheet was made available from the (updated) analysis plan and comments are welcome to consolidate.</a:t>
+            </a:r>
+            <a:endParaRPr lang="en-GB" dirty="0"/>
+          </a:p>
+        </p:txBody>
+      </p:sp>
+    </p:spTree>
+    <p:extLst>
+      <p:ext uri="{BB962C8B-B14F-4D97-AF65-F5344CB8AC3E}">
+        <p14:creationId xmlns:p14="http://schemas.microsoft.com/office/powerpoint/2010/main" val="3409810465"/>
+      </p:ext>
+    </p:extLst>
+  </p:cSld>
+  <p:clrMapOvr>
+    <a:masterClrMapping/>
+  </p:clrMapOvr>
+</p:sld>
+</file>
+
+<file path=ppt/slides/slide15.xml><?xml version="1.0" encoding="utf-8"?>
+<p:sld xmlns:a="http://schemas.openxmlformats.org/drawingml/2006/main" xmlns:r="http://schemas.openxmlformats.org/officeDocument/2006/relationships" xmlns:p="http://schemas.openxmlformats.org/presentationml/2006/main">
+  <p:cSld>
+    <p:spTree>
+      <p:nvGrpSpPr>
+        <p:cNvPr id="1" name=""/>
+        <p:cNvGrpSpPr/>
+        <p:nvPr/>
+      </p:nvGrpSpPr>
+      <p:grpSpPr>
+        <a:xfrm>
+          <a:off x="0" y="0"/>
+          <a:ext cx="0" cy="0"/>
+          <a:chOff x="0" y="0"/>
+          <a:chExt cx="0" cy="0"/>
+        </a:xfrm>
+      </p:grpSpPr>
+      <p:sp>
+        <p:nvSpPr>
+          <p:cNvPr id="2" name="Title 1"/>
+          <p:cNvSpPr>
+            <a:spLocks noGrp="1"/>
+          </p:cNvSpPr>
+          <p:nvPr>
+            <p:ph type="title"/>
+          </p:nvPr>
+        </p:nvSpPr>
+        <p:spPr/>
+        <p:txBody>
+          <a:bodyPr/>
+          <a:lstStyle/>
+          <a:p>
+            <a:pPr algn="ctr"/>
+            <a:r>
+              <a:rPr lang="en-GB" b="1" dirty="0" smtClean="0"/>
+              <a:t>Next </a:t>
+            </a:r>
+            <a:r>
+              <a:rPr lang="en-GB" b="1" dirty="0"/>
+              <a:t>steps (8/3/19)</a:t>
             </a:r>
             <a:endParaRPr lang="en-GB" b="1" dirty="0"/>
           </a:p>
@@ -3881,7 +4253,7 @@
 </p:sld>
 </file>
 
-<file path=ppt/slides/slide13.xml><?xml version="1.0" encoding="utf-8"?>
+<file path=ppt/slides/slide16.xml><?xml version="1.0" encoding="utf-8"?>
 <p:sld xmlns:a="http://schemas.openxmlformats.org/drawingml/2006/main" xmlns:r="http://schemas.openxmlformats.org/officeDocument/2006/relationships" xmlns:p="http://schemas.openxmlformats.org/presentationml/2006/main">
   <p:cSld>
     <p:spTree>
@@ -3959,7 +4331,7 @@
 </p:sld>
 </file>
 
-<file path=ppt/slides/slide14.xml><?xml version="1.0" encoding="utf-8"?>
+<file path=ppt/slides/slide17.xml><?xml version="1.0" encoding="utf-8"?>
 <p:sld xmlns:a="http://schemas.openxmlformats.org/drawingml/2006/main" xmlns:r="http://schemas.openxmlformats.org/officeDocument/2006/relationships" xmlns:p="http://schemas.openxmlformats.org/presentationml/2006/main">
   <p:cSld>
     <p:spTree>
@@ -4037,7 +4409,7 @@
 </p:sld>
 </file>
 
-<file path=ppt/slides/slide15.xml><?xml version="1.0" encoding="utf-8"?>
+<file path=ppt/slides/slide18.xml><?xml version="1.0" encoding="utf-8"?>
 <p:sld xmlns:a="http://schemas.openxmlformats.org/drawingml/2006/main" xmlns:r="http://schemas.openxmlformats.org/officeDocument/2006/relationships" xmlns:p="http://schemas.openxmlformats.org/presentationml/2006/main">
   <p:cSld>
     <p:spTree>
@@ -4072,7 +4444,15 @@
             <a:pPr algn="ctr"/>
             <a:r>
               <a:rPr lang="en-US" b="1" dirty="0" smtClean="0"/>
-              <a:t>Points from discussion</a:t>
+              <a:t>Points from </a:t>
+            </a:r>
+            <a:r>
+              <a:rPr lang="en-US" b="1" dirty="0" smtClean="0"/>
+              <a:t>discussion</a:t>
+            </a:r>
+            <a:r>
+              <a:rPr lang="en-GB" b="1" dirty="0"/>
+              <a:t> (8/3/19)</a:t>
             </a:r>
             <a:endParaRPr lang="en-GB" b="1" dirty="0"/>
           </a:p>
@@ -5880,8 +6260,8 @@
           <a:p>
             <a:pPr algn="ctr"/>
             <a:r>
-              <a:rPr lang="en-GB" b="1" dirty="0" err="1" smtClean="0"/>
-              <a:t>llod</a:t>
+              <a:rPr lang="en-GB" b="1" dirty="0" smtClean="0"/>
+              <a:t>Analysis for KORA</a:t>
             </a:r>
             <a:endParaRPr lang="en-GB" b="1" dirty="0"/>
           </a:p>
@@ -5902,6 +6282,51 @@
           <a:bodyPr/>
           <a:lstStyle/>
           <a:p>
+            <a:r>
+              <a:rPr lang="en-GB" dirty="0" smtClean="0"/>
+              <a:t>Initial attempt with BOLT-LMM on OPG/TNFSF14 with success/failure</a:t>
+            </a:r>
+          </a:p>
+          <a:p>
+            <a:r>
+              <a:rPr lang="en-GB" dirty="0" smtClean="0"/>
+              <a:t>Switch to SNPTEST with PCA1-PCA5/covariate adjustment</a:t>
+            </a:r>
+          </a:p>
+          <a:p>
+            <a:r>
+              <a:rPr lang="en-GB" dirty="0" smtClean="0"/>
+              <a:t>Exclusion of six related individuals</a:t>
+            </a:r>
+          </a:p>
+          <a:p>
+            <a:r>
+              <a:rPr lang="en-GB" dirty="0" smtClean="0"/>
+              <a:t>INFO score was compared between SNPTEST and </a:t>
+            </a:r>
+            <a:r>
+              <a:rPr lang="en-GB" dirty="0" err="1" smtClean="0"/>
+              <a:t>qctool</a:t>
+            </a:r>
+            <a:r>
+              <a:rPr lang="en-GB" dirty="0" smtClean="0"/>
+              <a:t> –</a:t>
+            </a:r>
+            <a:r>
+              <a:rPr lang="en-GB" dirty="0" err="1" smtClean="0"/>
+              <a:t>snp</a:t>
+            </a:r>
+            <a:r>
+              <a:rPr lang="en-GB" dirty="0" smtClean="0"/>
+              <a:t>-stats</a:t>
+            </a:r>
+            <a:endParaRPr lang="en-GB" dirty="0" smtClean="0"/>
+          </a:p>
+          <a:p>
+            <a:r>
+              <a:rPr lang="en-GB" dirty="0" smtClean="0"/>
+              <a:t>The final sample size N=1064</a:t>
+            </a:r>
             <a:endParaRPr lang="en-GB" dirty="0"/>
           </a:p>
         </p:txBody>
@@ -5909,7 +6334,7 @@
     </p:spTree>
     <p:extLst>
       <p:ext uri="{BB962C8B-B14F-4D97-AF65-F5344CB8AC3E}">
-        <p14:creationId xmlns:p14="http://schemas.microsoft.com/office/powerpoint/2010/main" val="979399102"/>
+        <p14:creationId xmlns:p14="http://schemas.microsoft.com/office/powerpoint/2010/main" val="2298769052"/>
       </p:ext>
     </p:extLst>
   </p:cSld>
@@ -5954,7 +6379,11 @@
             <a:pPr algn="ctr"/>
             <a:r>
               <a:rPr lang="en-GB" b="1" dirty="0" smtClean="0"/>
-              <a:t>Analysis for KORA</a:t>
+              <a:t>A point on </a:t>
+            </a:r>
+            <a:r>
+              <a:rPr lang="en-GB" b="1" dirty="0" err="1" smtClean="0"/>
+              <a:t>llod</a:t>
             </a:r>
             <a:endParaRPr lang="en-GB" b="1" dirty="0"/>
           </a:p>
@@ -5975,14 +6404,60 @@
           <a:bodyPr/>
           <a:lstStyle/>
           <a:p>
-            <a:endParaRPr lang="en-GB"/>
+            <a:r>
+              <a:rPr lang="en-GB" dirty="0" smtClean="0"/>
+              <a:t>An attempt was made by using </a:t>
+            </a:r>
+            <a:r>
+              <a:rPr lang="en-GB" dirty="0" err="1" smtClean="0"/>
+              <a:t>llod</a:t>
+            </a:r>
+            <a:r>
+              <a:rPr lang="en-GB" dirty="0" smtClean="0"/>
+              <a:t>/2.</a:t>
+            </a:r>
+          </a:p>
+          <a:p>
+            <a:r>
+              <a:rPr lang="en-GB" dirty="0" smtClean="0"/>
+              <a:t>Busy Manhattan plots is largely related to this.</a:t>
+            </a:r>
+          </a:p>
+          <a:p>
+            <a:r>
+              <a:rPr lang="en-GB" dirty="0" smtClean="0"/>
+              <a:t>Setting higher MAF </a:t>
+            </a:r>
+            <a:r>
+              <a:rPr lang="en-GB" dirty="0" err="1" smtClean="0"/>
+              <a:t>cutoff</a:t>
+            </a:r>
+            <a:r>
+              <a:rPr lang="en-GB" dirty="0" smtClean="0"/>
+              <a:t> could alleviate P-values.</a:t>
+            </a:r>
+          </a:p>
+          <a:p>
+            <a:r>
+              <a:rPr lang="en-GB" dirty="0" smtClean="0"/>
+              <a:t>The final decision was to discard those with high %</a:t>
+            </a:r>
+            <a:r>
+              <a:rPr lang="en-GB" dirty="0" err="1" smtClean="0"/>
+              <a:t>llod</a:t>
+            </a:r>
+            <a:r>
+              <a:rPr lang="en-GB" dirty="0" smtClean="0"/>
+              <a:t>.</a:t>
+            </a:r>
+            <a:endParaRPr lang="en-GB" dirty="0"/>
           </a:p>
         </p:txBody>
       </p:sp>
     </p:spTree>
     <p:extLst>
       <p:ext uri="{BB962C8B-B14F-4D97-AF65-F5344CB8AC3E}">
-        <p14:creationId xmlns:p14="http://schemas.microsoft.com/office/powerpoint/2010/main" val="2298769052"/>
+        <p14:creationId xmlns:p14="http://schemas.microsoft.com/office/powerpoint/2010/main" val="979399102"/>
       </p:ext>
     </p:extLst>
   </p:cSld>
@@ -6027,7 +6502,7 @@
             <a:pPr algn="ctr"/>
             <a:r>
               <a:rPr lang="en-GB" b="1" dirty="0" smtClean="0"/>
-              <a:t>METAL</a:t>
+              <a:t>Manhattan plots</a:t>
             </a:r>
             <a:endParaRPr lang="en-GB" b="1" dirty="0"/>
           </a:p>
@@ -6048,14 +6523,31 @@
           <a:bodyPr/>
           <a:lstStyle/>
           <a:p>
-            <a:endParaRPr lang="en-GB"/>
+            <a:r>
+              <a:rPr lang="en-GB" dirty="0" smtClean="0"/>
+              <a:t>The plots were produced for each protein from each cohort.</a:t>
+            </a:r>
+          </a:p>
+          <a:p>
+            <a:r>
+              <a:rPr lang="en-GB" dirty="0" smtClean="0"/>
+              <a:t>It indicates that </a:t>
+            </a:r>
+            <a:r>
+              <a:rPr lang="en-GB" dirty="0" err="1" smtClean="0"/>
+              <a:t>sumstats</a:t>
+            </a:r>
+            <a:r>
+              <a:rPr lang="en-GB" dirty="0" smtClean="0"/>
+              <a:t> are generally satisfactory.</a:t>
+            </a:r>
           </a:p>
         </p:txBody>
       </p:sp>
     </p:spTree>
     <p:extLst>
       <p:ext uri="{BB962C8B-B14F-4D97-AF65-F5344CB8AC3E}">
-        <p14:creationId xmlns:p14="http://schemas.microsoft.com/office/powerpoint/2010/main" val="3002967337"/>
+        <p14:creationId xmlns:p14="http://schemas.microsoft.com/office/powerpoint/2010/main" val="1815722324"/>
       </p:ext>
     </p:extLst>
   </p:cSld>
@@ -6100,7 +6592,7 @@
             <a:pPr algn="ctr"/>
             <a:r>
               <a:rPr lang="en-GB" b="1" dirty="0" smtClean="0"/>
-              <a:t>General structure of analysis</a:t>
+              <a:t>METAL</a:t>
             </a:r>
             <a:endParaRPr lang="en-GB" b="1" dirty="0"/>
           </a:p>
@@ -6122,15 +6614,35 @@
           <a:lstStyle/>
           <a:p>
             <a:r>
+              <a:rPr lang="en-GB" dirty="0"/>
+              <a:t>GC lambda was not </a:t>
+            </a:r>
+            <a:r>
               <a:rPr lang="en-GB" dirty="0" smtClean="0"/>
-              <a:t>Discovery, replication</a:t>
-            </a:r>
+              <a:t>considered on cohort level.</a:t>
+            </a:r>
+            <a:endParaRPr lang="en-GB" dirty="0"/>
           </a:p>
           <a:p>
             <a:r>
               <a:rPr lang="en-GB" dirty="0" smtClean="0"/>
-              <a:t>Power issues</a:t>
-            </a:r>
+              <a:t>Beta/se</a:t>
+            </a:r>
+            <a:endParaRPr lang="en-GB" dirty="0"/>
+          </a:p>
+          <a:p>
+            <a:r>
+              <a:rPr lang="en-GB" dirty="0"/>
+              <a:t>N</a:t>
+            </a:r>
+          </a:p>
+          <a:p>
+            <a:r>
+              <a:rPr lang="en-GB" dirty="0"/>
+              <a:t>LLOD%</a:t>
+            </a:r>
+          </a:p>
+          <a:p>
             <a:endParaRPr lang="en-GB" dirty="0"/>
           </a:p>
         </p:txBody>
@@ -6138,7 +6650,7 @@
     </p:spTree>
     <p:extLst>
       <p:ext uri="{BB962C8B-B14F-4D97-AF65-F5344CB8AC3E}">
-        <p14:creationId xmlns:p14="http://schemas.microsoft.com/office/powerpoint/2010/main" val="1596982311"/>
+        <p14:creationId xmlns:p14="http://schemas.microsoft.com/office/powerpoint/2010/main" val="3002967337"/>
       </p:ext>
     </p:extLst>
   </p:cSld>
@@ -6183,7 +6695,11 @@
             <a:pPr algn="ctr"/>
             <a:r>
               <a:rPr lang="en-GB" b="1" dirty="0" smtClean="0"/>
-              <a:t>Earlier slides</a:t>
+              <a:t>Use of </a:t>
+            </a:r>
+            <a:r>
+              <a:rPr lang="en-GB" b="1" dirty="0" err="1" smtClean="0"/>
+              <a:t>sumstats</a:t>
             </a:r>
             <a:endParaRPr lang="en-GB" b="1" dirty="0"/>
           </a:p>
@@ -6204,14 +6720,60 @@
           <a:bodyPr/>
           <a:lstStyle/>
           <a:p>
-            <a:endParaRPr lang="en-GB"/>
+            <a:r>
+              <a:rPr lang="en-GB" dirty="0" smtClean="0"/>
+              <a:t>PLINK –clump</a:t>
+            </a:r>
+          </a:p>
+          <a:p>
+            <a:r>
+              <a:rPr lang="en-GB" dirty="0" smtClean="0"/>
+              <a:t>GCTA –</a:t>
+            </a:r>
+            <a:r>
+              <a:rPr lang="en-GB" dirty="0" err="1" smtClean="0"/>
+              <a:t>cojo</a:t>
+            </a:r>
+            <a:endParaRPr lang="en-GB" dirty="0" smtClean="0"/>
+          </a:p>
+          <a:p>
+            <a:r>
+              <a:rPr lang="en-GB" dirty="0" err="1" smtClean="0"/>
+              <a:t>Finemapping</a:t>
+            </a:r>
+            <a:endParaRPr lang="en-GB" dirty="0" smtClean="0"/>
+          </a:p>
+          <a:p>
+            <a:r>
+              <a:rPr lang="en-GB" dirty="0" smtClean="0"/>
+              <a:t>Annotation</a:t>
+            </a:r>
+          </a:p>
+          <a:p>
+            <a:r>
+              <a:rPr lang="en-GB" dirty="0"/>
+              <a:t>LDSC analysis</a:t>
+            </a:r>
+            <a:r>
+              <a:rPr lang="en-GB" dirty="0" smtClean="0"/>
+              <a:t>?</a:t>
+            </a:r>
+          </a:p>
+          <a:p>
+            <a:r>
+              <a:rPr lang="en-GB" dirty="0"/>
+              <a:t>Quantitative trait/disease outcomes, e.g., CVD, lung function.</a:t>
+            </a:r>
+          </a:p>
+          <a:p>
+            <a:endParaRPr lang="en-GB" dirty="0"/>
           </a:p>
         </p:txBody>
       </p:sp>
     </p:spTree>
     <p:extLst>
       <p:ext uri="{BB962C8B-B14F-4D97-AF65-F5344CB8AC3E}">
-        <p14:creationId xmlns:p14="http://schemas.microsoft.com/office/powerpoint/2010/main" val="3032432137"/>
+        <p14:creationId xmlns:p14="http://schemas.microsoft.com/office/powerpoint/2010/main" val="2840599358"/>
       </p:ext>
     </p:extLst>
   </p:cSld>
@@ -6256,15 +6818,7 @@
             <a:pPr algn="ctr"/>
             <a:r>
               <a:rPr lang="en-GB" b="1" dirty="0" smtClean="0"/>
-              <a:t>A </a:t>
-            </a:r>
-            <a:r>
-              <a:rPr lang="en-GB" b="1" dirty="0"/>
-              <a:t>brief summary (</a:t>
-            </a:r>
-            <a:r>
-              <a:rPr lang="en-GB" b="1" dirty="0" smtClean="0"/>
-              <a:t>29/11/18)</a:t>
+              <a:t>Results</a:t>
             </a:r>
             <a:endParaRPr lang="en-GB" b="1" dirty="0"/>
           </a:p>
@@ -6282,46 +6836,55 @@
         </p:nvSpPr>
         <p:spPr/>
         <p:txBody>
-          <a:bodyPr>
-            <a:normAutofit/>
-          </a:bodyPr>
-          <a:lstStyle/>
-          <a:p>
-            <a:r>
-              <a:rPr lang="en-GB" dirty="0"/>
-              <a:t>It is still at a very early stage of the analysis.</a:t>
-            </a:r>
-          </a:p>
-          <a:p>
-            <a:r>
-              <a:rPr lang="en-GB" dirty="0"/>
-              <a:t>Results from INTERVAL and benchmarks from meta-analysis were reassuring.</a:t>
-            </a:r>
-          </a:p>
-          <a:p>
-            <a:r>
-              <a:rPr lang="en-GB" dirty="0"/>
-              <a:t>This was based on stricter criteria on –ld-r2 of the PLINK –clump procedure which was somewhat hampered is its inability to handle small p-value.</a:t>
-            </a:r>
-          </a:p>
-          <a:p>
-            <a:r>
-              <a:rPr lang="en-GB" dirty="0"/>
-              <a:t>It is worthwhile to explore approaches.</a:t>
-            </a:r>
-          </a:p>
-          <a:p>
-            <a:r>
-              <a:rPr lang="en-GB" dirty="0"/>
-              <a:t>There will be further effort on the meta-analysis QC.</a:t>
-            </a:r>
+          <a:bodyPr/>
+          <a:lstStyle/>
+          <a:p>
+            <a:r>
+              <a:rPr lang="en-GB" dirty="0" err="1" smtClean="0"/>
+              <a:t>Mahattan</a:t>
+            </a:r>
+            <a:r>
+              <a:rPr lang="en-GB" dirty="0" smtClean="0"/>
+              <a:t> plots by protein by cohort</a:t>
+            </a:r>
+          </a:p>
+          <a:p>
+            <a:r>
+              <a:rPr lang="en-GB" dirty="0" err="1" smtClean="0"/>
+              <a:t>sumstats+Manhattan</a:t>
+            </a:r>
+            <a:r>
+              <a:rPr lang="en-GB" dirty="0" smtClean="0"/>
+              <a:t>/Q-Q/</a:t>
+            </a:r>
+            <a:r>
+              <a:rPr lang="en-GB" dirty="0" err="1" smtClean="0"/>
+              <a:t>LocusZoom</a:t>
+            </a:r>
+            <a:r>
+              <a:rPr lang="en-GB" dirty="0" smtClean="0"/>
+              <a:t> plots</a:t>
+            </a:r>
+          </a:p>
+          <a:p>
+            <a:r>
+              <a:rPr lang="en-GB" dirty="0" smtClean="0"/>
+              <a:t>PLINK –clump –clump-r2=0 and 0.1</a:t>
+            </a:r>
+          </a:p>
+          <a:p>
+            <a:r>
+              <a:rPr lang="en-GB" smtClean="0"/>
+              <a:t>cis/trans classification</a:t>
+            </a:r>
+            <a:endParaRPr lang="en-GB" dirty="0"/>
           </a:p>
         </p:txBody>
       </p:sp>
     </p:spTree>
     <p:extLst>
       <p:ext uri="{BB962C8B-B14F-4D97-AF65-F5344CB8AC3E}">
-        <p14:creationId xmlns:p14="http://schemas.microsoft.com/office/powerpoint/2010/main" val="1462860847"/>
+        <p14:creationId xmlns:p14="http://schemas.microsoft.com/office/powerpoint/2010/main" val="101094381"/>
       </p:ext>
     </p:extLst>
   </p:cSld>
@@ -6350,13 +6913,7 @@
       </p:grpSpPr>
       <p:sp>
         <p:nvSpPr>
-          <p:cNvPr id="2" name="Title 1">
-            <a:extLst>
-              <a:ext uri="{FF2B5EF4-FFF2-40B4-BE49-F238E27FC236}">
-                <a16:creationId xmlns:a16="http://schemas.microsoft.com/office/drawing/2014/main" id="{0B706D4B-56BB-4904-95C8-C7317B2F9042}"/>
-              </a:ext>
-            </a:extLst>
-          </p:cNvPr>
+          <p:cNvPr id="2" name="Title 1"/>
           <p:cNvSpPr>
             <a:spLocks noGrp="1"/>
           </p:cNvSpPr>
@@ -6372,15 +6929,11 @@
             <a:pPr algn="ctr"/>
             <a:r>
               <a:rPr lang="en-GB" b="1" dirty="0" smtClean="0"/>
-              <a:t>On </a:t>
-            </a:r>
-            <a:r>
-              <a:rPr lang="en-GB" b="1" dirty="0"/>
-              <a:t>next steps (</a:t>
+              <a:t>A general sketch </a:t>
             </a:r>
             <a:r>
               <a:rPr lang="en-GB" b="1" dirty="0" smtClean="0"/>
-              <a:t>29/11/18)</a:t>
+              <a:t>of analysis</a:t>
             </a:r>
             <a:endParaRPr lang="en-GB" b="1" dirty="0"/>
           </a:p>
@@ -6388,13 +6941,7 @@
       </p:sp>
       <p:sp>
         <p:nvSpPr>
-          <p:cNvPr id="3" name="Content Placeholder 2">
-            <a:extLst>
-              <a:ext uri="{FF2B5EF4-FFF2-40B4-BE49-F238E27FC236}">
-                <a16:creationId xmlns:a16="http://schemas.microsoft.com/office/drawing/2014/main" id="{779C168B-FE2B-48BB-9F71-190FE784313F}"/>
-              </a:ext>
-            </a:extLst>
-          </p:cNvPr>
+          <p:cNvPr id="3" name="Content Placeholder 2"/>
           <p:cNvSpPr>
             <a:spLocks noGrp="1"/>
           </p:cNvSpPr>
@@ -6404,88 +6951,51 @@
         </p:nvSpPr>
         <p:spPr/>
         <p:txBody>
-          <a:bodyPr>
-            <a:normAutofit lnSpcReduction="10000"/>
-          </a:bodyPr>
-          <a:lstStyle/>
-          <a:p>
-            <a:r>
-              <a:rPr lang="en-GB" dirty="0"/>
-              <a:t>KORA individual level data analysis will be conducted centrally.</a:t>
-            </a:r>
-          </a:p>
-          <a:p>
-            <a:r>
-              <a:rPr lang="en-GB" dirty="0"/>
-              <a:t>Additional studies such as COMBINE will be added.</a:t>
-            </a:r>
-          </a:p>
-          <a:p>
-            <a:r>
-              <a:rPr lang="en-GB" dirty="0"/>
-              <a:t>For cohorts contributing results on PLINK, information such as effect allele (frequency), imputation quality is recommended on a per-cohort basis via </a:t>
-            </a:r>
-            <a:r>
-              <a:rPr lang="en-GB" dirty="0" err="1"/>
-              <a:t>qctool</a:t>
-            </a:r>
-            <a:r>
-              <a:rPr lang="en-GB" dirty="0"/>
-              <a:t> as noted in SCALLOP_INF_I_analysis_plan.md.</a:t>
-            </a:r>
-          </a:p>
-          <a:p>
-            <a:r>
-              <a:rPr lang="en-GB" dirty="0"/>
-              <a:t>The QC will be refined and downstream analysis strengthened -- the experiments were based on 1000Genomes extracted from </a:t>
-            </a:r>
-            <a:r>
-              <a:rPr lang="en-GB" dirty="0" err="1"/>
-              <a:t>LocusZoom</a:t>
-            </a:r>
-            <a:r>
-              <a:rPr lang="en-GB" dirty="0"/>
-              <a:t> 1.4 at </a:t>
-            </a:r>
-            <a:r>
-              <a:rPr lang="en-GB" dirty="0" err="1"/>
-              <a:t>tryggve</a:t>
-            </a:r>
-            <a:r>
-              <a:rPr lang="en-GB" dirty="0"/>
-              <a:t> when there was issues with the up-/down-load. A more desirable reference panel would be INTERVAL, </a:t>
-            </a:r>
-            <a:r>
-              <a:rPr lang="en-GB" dirty="0" err="1"/>
-              <a:t>UKBiobank</a:t>
-            </a:r>
-            <a:r>
-              <a:rPr lang="en-GB" dirty="0"/>
-              <a:t>, both involving HRC+UK10K. </a:t>
-            </a:r>
-            <a:r>
-              <a:rPr lang="en-GB" dirty="0" err="1"/>
-              <a:t>Finemapping</a:t>
-            </a:r>
-            <a:r>
-              <a:rPr lang="en-GB" dirty="0"/>
-              <a:t> is set to involve PLINK, GCTA, </a:t>
-            </a:r>
-            <a:r>
-              <a:rPr lang="en-GB" dirty="0" err="1"/>
-              <a:t>finemap</a:t>
-            </a:r>
-            <a:r>
-              <a:rPr lang="en-GB" dirty="0"/>
-              <a:t>, and JAM, among others.</a:t>
-            </a:r>
+          <a:bodyPr/>
+          <a:lstStyle/>
+          <a:p>
+            <a:r>
+              <a:rPr lang="en-GB" dirty="0" smtClean="0"/>
+              <a:t>Discovery, </a:t>
+            </a:r>
+            <a:r>
+              <a:rPr lang="en-GB" dirty="0" smtClean="0"/>
+              <a:t>replication.</a:t>
+            </a:r>
+            <a:endParaRPr lang="en-GB" dirty="0" smtClean="0"/>
+          </a:p>
+          <a:p>
+            <a:r>
+              <a:rPr lang="en-GB" dirty="0" smtClean="0"/>
+              <a:t>Power </a:t>
+            </a:r>
+            <a:r>
+              <a:rPr lang="en-GB" dirty="0" smtClean="0"/>
+              <a:t>issues.</a:t>
+            </a:r>
+            <a:endParaRPr lang="en-GB" dirty="0"/>
+          </a:p>
+          <a:p>
+            <a:r>
+              <a:rPr lang="en-GB" dirty="0" smtClean="0"/>
+              <a:t>Cohort </a:t>
+            </a:r>
+            <a:r>
+              <a:rPr lang="en-GB" dirty="0" err="1" smtClean="0"/>
+              <a:t>descriptives</a:t>
+            </a:r>
+            <a:r>
+              <a:rPr lang="en-GB" dirty="0" smtClean="0"/>
+              <a:t> to be requested.</a:t>
+            </a:r>
+            <a:endParaRPr lang="en-GB" dirty="0"/>
           </a:p>
         </p:txBody>
       </p:sp>
     </p:spTree>
     <p:extLst>
       <p:ext uri="{BB962C8B-B14F-4D97-AF65-F5344CB8AC3E}">
-        <p14:creationId xmlns:p14="http://schemas.microsoft.com/office/powerpoint/2010/main" val="1025794882"/>
+        <p14:creationId xmlns:p14="http://schemas.microsoft.com/office/powerpoint/2010/main" val="1596982311"/>
       </p:ext>
     </p:extLst>
   </p:cSld>

--- a/doc/SCALLOP_INF1-120419.pptx
+++ b/doc/SCALLOP_INF1-120419.pptx
@@ -9,20 +9,21 @@
     <p:sldId id="273" r:id="rId3"/>
     <p:sldId id="275" r:id="rId4"/>
     <p:sldId id="274" r:id="rId5"/>
-    <p:sldId id="278" r:id="rId6"/>
-    <p:sldId id="276" r:id="rId7"/>
-    <p:sldId id="279" r:id="rId8"/>
-    <p:sldId id="280" r:id="rId9"/>
-    <p:sldId id="277" r:id="rId10"/>
-    <p:sldId id="272" r:id="rId11"/>
-    <p:sldId id="265" r:id="rId12"/>
-    <p:sldId id="266" r:id="rId13"/>
-    <p:sldId id="264" r:id="rId14"/>
-    <p:sldId id="267" r:id="rId15"/>
-    <p:sldId id="268" r:id="rId16"/>
-    <p:sldId id="269" r:id="rId17"/>
-    <p:sldId id="270" r:id="rId18"/>
-    <p:sldId id="271" r:id="rId19"/>
+    <p:sldId id="281" r:id="rId6"/>
+    <p:sldId id="278" r:id="rId7"/>
+    <p:sldId id="276" r:id="rId8"/>
+    <p:sldId id="279" r:id="rId9"/>
+    <p:sldId id="280" r:id="rId10"/>
+    <p:sldId id="277" r:id="rId11"/>
+    <p:sldId id="272" r:id="rId12"/>
+    <p:sldId id="265" r:id="rId13"/>
+    <p:sldId id="266" r:id="rId14"/>
+    <p:sldId id="264" r:id="rId15"/>
+    <p:sldId id="267" r:id="rId16"/>
+    <p:sldId id="268" r:id="rId17"/>
+    <p:sldId id="269" r:id="rId18"/>
+    <p:sldId id="270" r:id="rId19"/>
+    <p:sldId id="271" r:id="rId20"/>
   </p:sldIdLst>
   <p:sldSz cx="12192000" cy="6858000"/>
   <p:notesSz cx="6858000" cy="9144000"/>
@@ -3482,7 +3483,7 @@
             <a:pPr algn="ctr"/>
             <a:r>
               <a:rPr lang="en-GB" b="1" dirty="0" smtClean="0"/>
-              <a:t>Landmarks from earlier slides</a:t>
+              <a:t>A general sketch of analysis</a:t>
             </a:r>
             <a:endParaRPr lang="en-GB" b="1" dirty="0"/>
           </a:p>
@@ -3505,13 +3506,54 @@
           <a:p>
             <a:r>
               <a:rPr lang="en-GB" dirty="0" smtClean="0"/>
-              <a:t>8/3/19</a:t>
-            </a:r>
-          </a:p>
-          <a:p>
+              <a:t>GCTA –</a:t>
+            </a:r>
+            <a:r>
+              <a:rPr lang="en-GB" dirty="0" err="1" smtClean="0"/>
+              <a:t>cojo</a:t>
+            </a:r>
             <a:r>
               <a:rPr lang="en-GB" dirty="0" smtClean="0"/>
-              <a:t>29/11/18</a:t>
+              <a:t> appears to provide good compromise between r2=0, 0.1</a:t>
+            </a:r>
+          </a:p>
+          <a:p>
+            <a:r>
+              <a:rPr lang="en-GB" dirty="0" smtClean="0"/>
+              <a:t>Discovery</a:t>
+            </a:r>
+            <a:r>
+              <a:rPr lang="en-GB" dirty="0" smtClean="0"/>
+              <a:t>, replication.</a:t>
+            </a:r>
+          </a:p>
+          <a:p>
+            <a:r>
+              <a:rPr lang="en-GB" dirty="0" smtClean="0"/>
+              <a:t>Power issues.</a:t>
+            </a:r>
+            <a:endParaRPr lang="en-GB" dirty="0"/>
+          </a:p>
+          <a:p>
+            <a:r>
+              <a:rPr lang="en-GB" dirty="0" smtClean="0"/>
+              <a:t>Cohort </a:t>
+            </a:r>
+            <a:r>
+              <a:rPr lang="en-GB" dirty="0" err="1" smtClean="0"/>
+              <a:t>descriptives</a:t>
+            </a:r>
+            <a:r>
+              <a:rPr lang="en-GB" dirty="0" smtClean="0"/>
+              <a:t> </a:t>
+            </a:r>
+            <a:r>
+              <a:rPr lang="en-GB" dirty="0" smtClean="0"/>
+              <a:t>need to </a:t>
+            </a:r>
+            <a:r>
+              <a:rPr lang="en-GB" dirty="0" smtClean="0"/>
+              <a:t>be requested.</a:t>
             </a:r>
             <a:endParaRPr lang="en-GB" dirty="0"/>
           </a:p>
@@ -3520,7 +3562,7 @@
     </p:spTree>
     <p:extLst>
       <p:ext uri="{BB962C8B-B14F-4D97-AF65-F5344CB8AC3E}">
-        <p14:creationId xmlns:p14="http://schemas.microsoft.com/office/powerpoint/2010/main" val="3032432137"/>
+        <p14:creationId xmlns:p14="http://schemas.microsoft.com/office/powerpoint/2010/main" val="1596982311"/>
       </p:ext>
     </p:extLst>
   </p:cSld>
@@ -3565,15 +3607,7 @@
             <a:pPr algn="ctr"/>
             <a:r>
               <a:rPr lang="en-GB" b="1" dirty="0" smtClean="0"/>
-              <a:t>A </a:t>
-            </a:r>
-            <a:r>
-              <a:rPr lang="en-GB" b="1" dirty="0"/>
-              <a:t>brief summary (</a:t>
-            </a:r>
-            <a:r>
-              <a:rPr lang="en-GB" b="1" dirty="0" smtClean="0"/>
-              <a:t>29/11/18)</a:t>
+              <a:t>Landmarks from earlier slides</a:t>
             </a:r>
             <a:endParaRPr lang="en-GB" b="1" dirty="0"/>
           </a:p>
@@ -3591,46 +3625,27 @@
         </p:nvSpPr>
         <p:spPr/>
         <p:txBody>
-          <a:bodyPr>
-            <a:normAutofit/>
-          </a:bodyPr>
+          <a:bodyPr/>
           <a:lstStyle/>
           <a:p>
             <a:r>
-              <a:rPr lang="en-GB" dirty="0"/>
-              <a:t>It is still at a very early stage of the analysis.</a:t>
-            </a:r>
-          </a:p>
-          <a:p>
-            <a:r>
-              <a:rPr lang="en-GB" dirty="0"/>
-              <a:t>Results from INTERVAL and benchmarks from meta-analysis were reassuring.</a:t>
-            </a:r>
-          </a:p>
-          <a:p>
-            <a:r>
-              <a:rPr lang="en-GB" dirty="0"/>
-              <a:t>This was based on stricter criteria on –ld-r2 of the PLINK –clump procedure which was somewhat hampered is its inability to handle small p-value.</a:t>
-            </a:r>
-          </a:p>
-          <a:p>
-            <a:r>
-              <a:rPr lang="en-GB" dirty="0"/>
-              <a:t>It is worthwhile to explore approaches.</a:t>
-            </a:r>
-          </a:p>
-          <a:p>
-            <a:r>
-              <a:rPr lang="en-GB" dirty="0"/>
-              <a:t>There will be further effort on the meta-analysis QC.</a:t>
-            </a:r>
+              <a:rPr lang="en-GB" dirty="0" smtClean="0"/>
+              <a:t>8/3/19</a:t>
+            </a:r>
+          </a:p>
+          <a:p>
+            <a:r>
+              <a:rPr lang="en-GB" dirty="0" smtClean="0"/>
+              <a:t>29/11/18</a:t>
+            </a:r>
+            <a:endParaRPr lang="en-GB" dirty="0"/>
           </a:p>
         </p:txBody>
       </p:sp>
     </p:spTree>
     <p:extLst>
       <p:ext uri="{BB962C8B-B14F-4D97-AF65-F5344CB8AC3E}">
-        <p14:creationId xmlns:p14="http://schemas.microsoft.com/office/powerpoint/2010/main" val="1462860847"/>
+        <p14:creationId xmlns:p14="http://schemas.microsoft.com/office/powerpoint/2010/main" val="3032432137"/>
       </p:ext>
     </p:extLst>
   </p:cSld>
@@ -3659,13 +3674,7 @@
       </p:grpSpPr>
       <p:sp>
         <p:nvSpPr>
-          <p:cNvPr id="2" name="Title 1">
-            <a:extLst>
-              <a:ext uri="{FF2B5EF4-FFF2-40B4-BE49-F238E27FC236}">
-                <a16:creationId xmlns:a16="http://schemas.microsoft.com/office/drawing/2014/main" id="{0B706D4B-56BB-4904-95C8-C7317B2F9042}"/>
-              </a:ext>
-            </a:extLst>
-          </p:cNvPr>
+          <p:cNvPr id="2" name="Title 1"/>
           <p:cNvSpPr>
             <a:spLocks noGrp="1"/>
           </p:cNvSpPr>
@@ -3681,11 +3690,11 @@
             <a:pPr algn="ctr"/>
             <a:r>
               <a:rPr lang="en-GB" b="1" dirty="0" smtClean="0"/>
-              <a:t>On </a:t>
+              <a:t>A </a:t>
             </a:r>
             <a:r>
               <a:rPr lang="en-GB" b="1" dirty="0"/>
-              <a:t>next steps (</a:t>
+              <a:t>brief summary (</a:t>
             </a:r>
             <a:r>
               <a:rPr lang="en-GB" b="1" dirty="0" smtClean="0"/>
@@ -3697,13 +3706,7 @@
       </p:sp>
       <p:sp>
         <p:nvSpPr>
-          <p:cNvPr id="3" name="Content Placeholder 2">
-            <a:extLst>
-              <a:ext uri="{FF2B5EF4-FFF2-40B4-BE49-F238E27FC236}">
-                <a16:creationId xmlns:a16="http://schemas.microsoft.com/office/drawing/2014/main" id="{779C168B-FE2B-48BB-9F71-190FE784313F}"/>
-              </a:ext>
-            </a:extLst>
-          </p:cNvPr>
+          <p:cNvPr id="3" name="Content Placeholder 2"/>
           <p:cNvSpPr>
             <a:spLocks noGrp="1"/>
           </p:cNvSpPr>
@@ -3714,79 +3717,37 @@
         <p:spPr/>
         <p:txBody>
           <a:bodyPr>
-            <a:normAutofit lnSpcReduction="10000"/>
+            <a:normAutofit/>
           </a:bodyPr>
           <a:lstStyle/>
           <a:p>
             <a:r>
               <a:rPr lang="en-GB" dirty="0"/>
-              <a:t>KORA individual level data analysis will be conducted centrally.</a:t>
+              <a:t>It is still at a very early stage of the analysis.</a:t>
             </a:r>
           </a:p>
           <a:p>
             <a:r>
               <a:rPr lang="en-GB" dirty="0"/>
-              <a:t>Additional studies such as COMBINE will be added.</a:t>
+              <a:t>Results from INTERVAL and benchmarks from meta-analysis were reassuring.</a:t>
             </a:r>
           </a:p>
           <a:p>
             <a:r>
               <a:rPr lang="en-GB" dirty="0"/>
-              <a:t>For cohorts contributing results on PLINK, information such as effect allele (frequency), imputation quality is recommended on a per-cohort basis via </a:t>
-            </a:r>
-            <a:r>
-              <a:rPr lang="en-GB" dirty="0" err="1"/>
-              <a:t>qctool</a:t>
-            </a:r>
+              <a:t>This was based on stricter criteria on –ld-r2 of the PLINK –clump procedure which was somewhat hampered is its inability to handle small p-value.</a:t>
+            </a:r>
+          </a:p>
+          <a:p>
             <a:r>
               <a:rPr lang="en-GB" dirty="0"/>
-              <a:t> as noted in SCALLOP_INF_I_analysis_plan.md.</a:t>
+              <a:t>It is worthwhile to explore approaches.</a:t>
             </a:r>
           </a:p>
           <a:p>
             <a:r>
               <a:rPr lang="en-GB" dirty="0"/>
-              <a:t>The QC will be refined and downstream analysis strengthened -- the experiments were based on 1000Genomes extracted from </a:t>
-            </a:r>
-            <a:r>
-              <a:rPr lang="en-GB" dirty="0" err="1"/>
-              <a:t>LocusZoom</a:t>
-            </a:r>
-            <a:r>
-              <a:rPr lang="en-GB" dirty="0"/>
-              <a:t> 1.4 at </a:t>
-            </a:r>
-            <a:r>
-              <a:rPr lang="en-GB" dirty="0" err="1"/>
-              <a:t>tryggve</a:t>
-            </a:r>
-            <a:r>
-              <a:rPr lang="en-GB" dirty="0"/>
-              <a:t> when there was issues with the up-/down-load. A more desirable reference panel would be INTERVAL, </a:t>
-            </a:r>
-            <a:r>
-              <a:rPr lang="en-GB" dirty="0" err="1"/>
-              <a:t>UKBiobank</a:t>
-            </a:r>
-            <a:r>
-              <a:rPr lang="en-GB" dirty="0"/>
-              <a:t>, both involving HRC+UK10K. </a:t>
-            </a:r>
-            <a:r>
-              <a:rPr lang="en-GB" dirty="0" err="1"/>
-              <a:t>Finemapping</a:t>
-            </a:r>
-            <a:r>
-              <a:rPr lang="en-GB" dirty="0"/>
-              <a:t> is set to involve PLINK, GCTA, </a:t>
-            </a:r>
-            <a:r>
-              <a:rPr lang="en-GB" dirty="0" err="1"/>
-              <a:t>finemap</a:t>
-            </a:r>
-            <a:r>
-              <a:rPr lang="en-GB" dirty="0"/>
-              <a:t>, and JAM, among others.</a:t>
+              <a:t>There will be further effort on the meta-analysis QC.</a:t>
             </a:r>
           </a:p>
         </p:txBody>
@@ -3794,7 +3755,7 @@
     </p:spTree>
     <p:extLst>
       <p:ext uri="{BB962C8B-B14F-4D97-AF65-F5344CB8AC3E}">
-        <p14:creationId xmlns:p14="http://schemas.microsoft.com/office/powerpoint/2010/main" val="1025794882"/>
+        <p14:creationId xmlns:p14="http://schemas.microsoft.com/office/powerpoint/2010/main" val="1462860847"/>
       </p:ext>
     </p:extLst>
   </p:cSld>
@@ -3845,23 +3806,15 @@
             <a:pPr algn="ctr"/>
             <a:r>
               <a:rPr lang="en-GB" b="1" dirty="0" smtClean="0"/>
-              <a:t>Updates </a:t>
+              <a:t>On </a:t>
             </a:r>
             <a:r>
               <a:rPr lang="en-GB" b="1" dirty="0"/>
-              <a:t>I </a:t>
+              <a:t>next steps (</a:t>
             </a:r>
             <a:r>
               <a:rPr lang="en-GB" b="1" dirty="0" smtClean="0"/>
-              <a:t>(</a:t>
-            </a:r>
-            <a:r>
-              <a:rPr lang="en-GB" b="1" dirty="0"/>
-              <a:t>8</a:t>
-            </a:r>
-            <a:r>
-              <a:rPr lang="en-GB" b="1" dirty="0" smtClean="0"/>
-              <a:t>/3/19)</a:t>
+              <a:t>29/11/18)</a:t>
             </a:r>
             <a:endParaRPr lang="en-GB" b="1" dirty="0"/>
           </a:p>
@@ -3891,107 +3844,82 @@
           <a:lstStyle/>
           <a:p>
             <a:r>
-              <a:rPr lang="en-GB" dirty="0" smtClean="0"/>
-              <a:t>29 chromosomes remain to be analysed for KORA + ARTN reanalysing at TRYGGVE (smaller size). normalised level ~ age+sex+PC1-5+genotype under additive model with SNPTEST.</a:t>
-            </a:r>
-          </a:p>
-          <a:p>
-            <a:r>
-              <a:rPr lang="en-GB" dirty="0" err="1" smtClean="0"/>
-              <a:t>BioFinder</a:t>
-            </a:r>
-            <a:r>
-              <a:rPr lang="en-GB" dirty="0" smtClean="0"/>
-              <a:t>, </a:t>
-            </a:r>
-            <a:r>
-              <a:rPr lang="en-GB" dirty="0" err="1" smtClean="0"/>
-              <a:t>MadCam</a:t>
-            </a:r>
-            <a:r>
-              <a:rPr lang="en-GB" dirty="0" smtClean="0"/>
-              <a:t> and RECOMBINE were available – these were from Anders beside STANLEY lah1/swe6 with </a:t>
-            </a:r>
-            <a:r>
-              <a:rPr lang="en-GB" dirty="0" err="1" smtClean="0"/>
+              <a:rPr lang="en-GB" dirty="0"/>
+              <a:t>KORA individual level data analysis will be conducted centrally.</a:t>
+            </a:r>
+          </a:p>
+          <a:p>
+            <a:r>
+              <a:rPr lang="en-GB" dirty="0"/>
+              <a:t>Additional studies such as COMBINE will be added.</a:t>
+            </a:r>
+          </a:p>
+          <a:p>
+            <a:r>
+              <a:rPr lang="en-GB" dirty="0"/>
+              <a:t>For cohorts contributing results on PLINK, information such as effect allele (frequency), imputation quality is recommended on a per-cohort basis via </a:t>
+            </a:r>
+            <a:r>
+              <a:rPr lang="en-GB" dirty="0" err="1"/>
               <a:t>qctool</a:t>
             </a:r>
             <a:r>
-              <a:rPr lang="en-GB" dirty="0" smtClean="0"/>
-              <a:t> –</a:t>
-            </a:r>
-            <a:r>
-              <a:rPr lang="en-GB" dirty="0" err="1" smtClean="0"/>
-              <a:t>snp</a:t>
-            </a:r>
-            <a:r>
-              <a:rPr lang="en-GB" dirty="0" smtClean="0"/>
-              <a:t>-stats pending while </a:t>
-            </a:r>
-            <a:r>
-              <a:rPr lang="en-GB" dirty="0" err="1" smtClean="0"/>
-              <a:t>MadCam</a:t>
-            </a:r>
-            <a:r>
-              <a:rPr lang="en-GB" dirty="0" smtClean="0"/>
-              <a:t> has RSQ_IMP.</a:t>
-            </a:r>
-          </a:p>
-          <a:p>
-            <a:r>
-              <a:rPr lang="en-GB" dirty="0" smtClean="0"/>
-              <a:t>NSPHS has PLINK results but no </a:t>
-            </a:r>
-            <a:r>
-              <a:rPr lang="en-GB" dirty="0" err="1" smtClean="0"/>
-              <a:t>qctool</a:t>
-            </a:r>
-            <a:r>
-              <a:rPr lang="en-GB" dirty="0" smtClean="0"/>
-              <a:t> -</a:t>
-            </a:r>
-            <a:r>
-              <a:rPr lang="en-GB" dirty="0" err="1" smtClean="0"/>
-              <a:t>snp</a:t>
-            </a:r>
-            <a:r>
-              <a:rPr lang="en-GB" dirty="0" smtClean="0"/>
-              <a:t>-stats (in touch with </a:t>
-            </a:r>
-            <a:r>
-              <a:rPr lang="en-US" dirty="0"/>
-              <a:t>Åsa Johansson </a:t>
-            </a:r>
-            <a:r>
-              <a:rPr lang="en-US" dirty="0" smtClean="0"/>
-              <a:t>on 21/2</a:t>
-            </a:r>
-            <a:r>
-              <a:rPr lang="en-GB" dirty="0" smtClean="0"/>
-              <a:t>).</a:t>
-            </a:r>
-          </a:p>
-          <a:p>
-            <a:r>
-              <a:rPr lang="en-GB" dirty="0" smtClean="0"/>
-              <a:t>The number of problematic proteins was reduced from 22 to three, </a:t>
-            </a:r>
-            <a:r>
-              <a:rPr lang="en-GB" dirty="0" err="1" smtClean="0"/>
-              <a:t>IFN.gamma</a:t>
-            </a:r>
-            <a:r>
-              <a:rPr lang="en-GB" dirty="0" smtClean="0"/>
-              <a:t>, IL.22.RA1 and TSLP and then none with MAF set to MAF&gt;0.1 for STABILITY (N=2,951), second to INTERVAL (N=4,996).</a:t>
-            </a:r>
-            <a:endParaRPr lang="en-GB" dirty="0"/>
+              <a:rPr lang="en-GB" dirty="0"/>
+              <a:t> as noted in SCALLOP_INF_I_analysis_plan.md.</a:t>
+            </a:r>
+          </a:p>
+          <a:p>
+            <a:r>
+              <a:rPr lang="en-GB" dirty="0"/>
+              <a:t>The QC will be refined and downstream analysis strengthened -- the experiments were based on 1000Genomes extracted from </a:t>
+            </a:r>
+            <a:r>
+              <a:rPr lang="en-GB" dirty="0" err="1"/>
+              <a:t>LocusZoom</a:t>
+            </a:r>
+            <a:r>
+              <a:rPr lang="en-GB" dirty="0"/>
+              <a:t> 1.4 at </a:t>
+            </a:r>
+            <a:r>
+              <a:rPr lang="en-GB" dirty="0" err="1"/>
+              <a:t>tryggve</a:t>
+            </a:r>
+            <a:r>
+              <a:rPr lang="en-GB" dirty="0"/>
+              <a:t> when there was issues with the up-/down-load. A more desirable reference panel would be INTERVAL, </a:t>
+            </a:r>
+            <a:r>
+              <a:rPr lang="en-GB" dirty="0" err="1"/>
+              <a:t>UKBiobank</a:t>
+            </a:r>
+            <a:r>
+              <a:rPr lang="en-GB" dirty="0"/>
+              <a:t>, both involving HRC+UK10K. </a:t>
+            </a:r>
+            <a:r>
+              <a:rPr lang="en-GB" dirty="0" err="1"/>
+              <a:t>Finemapping</a:t>
+            </a:r>
+            <a:r>
+              <a:rPr lang="en-GB" dirty="0"/>
+              <a:t> is set to involve PLINK, GCTA, </a:t>
+            </a:r>
+            <a:r>
+              <a:rPr lang="en-GB" dirty="0" err="1"/>
+              <a:t>finemap</a:t>
+            </a:r>
+            <a:r>
+              <a:rPr lang="en-GB" dirty="0"/>
+              <a:t>, and JAM, among others.</a:t>
+            </a:r>
           </a:p>
         </p:txBody>
       </p:sp>
     </p:spTree>
     <p:extLst>
       <p:ext uri="{BB962C8B-B14F-4D97-AF65-F5344CB8AC3E}">
-        <p14:creationId xmlns:p14="http://schemas.microsoft.com/office/powerpoint/2010/main" val="435210134"/>
+        <p14:creationId xmlns:p14="http://schemas.microsoft.com/office/powerpoint/2010/main" val="1025794882"/>
       </p:ext>
     </p:extLst>
   </p:cSld>
@@ -4020,7 +3948,13 @@
       </p:grpSpPr>
       <p:sp>
         <p:nvSpPr>
-          <p:cNvPr id="2" name="Title 1"/>
+          <p:cNvPr id="2" name="Title 1">
+            <a:extLst>
+              <a:ext uri="{FF2B5EF4-FFF2-40B4-BE49-F238E27FC236}">
+                <a16:creationId xmlns:a16="http://schemas.microsoft.com/office/drawing/2014/main" id="{0B706D4B-56BB-4904-95C8-C7317B2F9042}"/>
+              </a:ext>
+            </a:extLst>
+          </p:cNvPr>
           <p:cNvSpPr>
             <a:spLocks noGrp="1"/>
           </p:cNvSpPr>
@@ -4040,7 +3974,19 @@
             </a:r>
             <a:r>
               <a:rPr lang="en-GB" b="1" dirty="0"/>
-              <a:t>II (8/3/19)</a:t>
+              <a:t>I </a:t>
+            </a:r>
+            <a:r>
+              <a:rPr lang="en-GB" b="1" dirty="0" smtClean="0"/>
+              <a:t>(</a:t>
+            </a:r>
+            <a:r>
+              <a:rPr lang="en-GB" b="1" dirty="0"/>
+              <a:t>8</a:t>
+            </a:r>
+            <a:r>
+              <a:rPr lang="en-GB" b="1" dirty="0" smtClean="0"/>
+              <a:t>/3/19)</a:t>
             </a:r>
             <a:endParaRPr lang="en-GB" b="1" dirty="0"/>
           </a:p>
@@ -4048,7 +3994,13 @@
       </p:sp>
       <p:sp>
         <p:nvSpPr>
-          <p:cNvPr id="3" name="Content Placeholder 2"/>
+          <p:cNvPr id="3" name="Content Placeholder 2">
+            <a:extLst>
+              <a:ext uri="{FF2B5EF4-FFF2-40B4-BE49-F238E27FC236}">
+                <a16:creationId xmlns:a16="http://schemas.microsoft.com/office/drawing/2014/main" id="{779C168B-FE2B-48BB-9F71-190FE784313F}"/>
+              </a:ext>
+            </a:extLst>
+          </p:cNvPr>
           <p:cNvSpPr>
             <a:spLocks noGrp="1"/>
           </p:cNvSpPr>
@@ -4058,26 +4010,32 @@
         </p:nvSpPr>
         <p:spPr/>
         <p:txBody>
-          <a:bodyPr/>
+          <a:bodyPr>
+            <a:normAutofit lnSpcReduction="10000"/>
+          </a:bodyPr>
           <a:lstStyle/>
           <a:p>
             <a:r>
               <a:rPr lang="en-GB" dirty="0" smtClean="0"/>
-              <a:t>STANLEY added to meta-</a:t>
-            </a:r>
+              <a:t>29 chromosomes remain to be analysed for KORA + ARTN reanalysing at TRYGGVE (smaller size). normalised level ~ age+sex+PC1-5+genotype under additive model with SNPTEST.</a:t>
+            </a:r>
+          </a:p>
+          <a:p>
             <a:r>
               <a:rPr lang="en-GB" dirty="0" err="1" smtClean="0"/>
-              <a:t>snalysis</a:t>
+              <a:t>BioFinder</a:t>
             </a:r>
             <a:r>
               <a:rPr lang="en-GB" dirty="0" smtClean="0"/>
-              <a:t> when per-SNP sample sizes are available from study description (results from PLINK dosage analysis, with INFO but no N).</a:t>
-            </a:r>
-          </a:p>
-          <a:p>
+              <a:t>, </a:t>
+            </a:r>
+            <a:r>
+              <a:rPr lang="en-GB" dirty="0" err="1" smtClean="0"/>
+              <a:t>MadCam</a:t>
+            </a:r>
             <a:r>
               <a:rPr lang="en-GB" dirty="0" smtClean="0"/>
-              <a:t>INFO from </a:t>
+              <a:t> and RECOMBINE were available – these were from Anders beside STANLEY lah1/swe6 with </a:t>
             </a:r>
             <a:r>
               <a:rPr lang="en-GB" dirty="0" err="1" smtClean="0"/>
@@ -4093,19 +4051,63 @@
             </a:r>
             <a:r>
               <a:rPr lang="en-GB" dirty="0" smtClean="0"/>
-              <a:t>-stats was added to INTERVAL.</a:t>
-            </a:r>
-          </a:p>
-          <a:p>
+              <a:t>-stats pending while </a:t>
+            </a:r>
+            <a:r>
+              <a:rPr lang="en-GB" dirty="0" err="1" smtClean="0"/>
+              <a:t>MadCam</a:t>
+            </a:r>
             <a:r>
               <a:rPr lang="en-GB" dirty="0" smtClean="0"/>
-              <a:t>Side projects: R/gap, FM-pipeline, EWAS-fusion, etc. updated and results from FM-pipeline but pending on validation.</a:t>
+              <a:t> has RSQ_IMP.</a:t>
             </a:r>
           </a:p>
           <a:p>
             <a:r>
               <a:rPr lang="en-GB" dirty="0" smtClean="0"/>
-              <a:t>INF1.paper.docx at INF/doc as placeholder for paper draft; cohort description needs to be added – an Excel spreadsheet was made available from the (updated) analysis plan and comments are welcome to consolidate.</a:t>
+              <a:t>NSPHS has PLINK results but no </a:t>
+            </a:r>
+            <a:r>
+              <a:rPr lang="en-GB" dirty="0" err="1" smtClean="0"/>
+              <a:t>qctool</a:t>
+            </a:r>
+            <a:r>
+              <a:rPr lang="en-GB" dirty="0" smtClean="0"/>
+              <a:t> -</a:t>
+            </a:r>
+            <a:r>
+              <a:rPr lang="en-GB" dirty="0" err="1" smtClean="0"/>
+              <a:t>snp</a:t>
+            </a:r>
+            <a:r>
+              <a:rPr lang="en-GB" dirty="0" smtClean="0"/>
+              <a:t>-stats (in touch with </a:t>
+            </a:r>
+            <a:r>
+              <a:rPr lang="en-US" dirty="0"/>
+              <a:t>Åsa Johansson </a:t>
+            </a:r>
+            <a:r>
+              <a:rPr lang="en-US" dirty="0" smtClean="0"/>
+              <a:t>on 21/2</a:t>
+            </a:r>
+            <a:r>
+              <a:rPr lang="en-GB" dirty="0" smtClean="0"/>
+              <a:t>).</a:t>
+            </a:r>
+          </a:p>
+          <a:p>
+            <a:r>
+              <a:rPr lang="en-GB" dirty="0" smtClean="0"/>
+              <a:t>The number of problematic proteins was reduced from 22 to three, </a:t>
+            </a:r>
+            <a:r>
+              <a:rPr lang="en-GB" dirty="0" err="1" smtClean="0"/>
+              <a:t>IFN.gamma</a:t>
+            </a:r>
+            <a:r>
+              <a:rPr lang="en-GB" dirty="0" smtClean="0"/>
+              <a:t>, IL.22.RA1 and TSLP and then none with MAF set to MAF&gt;0.1 for STABILITY (N=2,951), second to INTERVAL (N=4,996).</a:t>
             </a:r>
             <a:endParaRPr lang="en-GB" dirty="0"/>
           </a:p>
@@ -4114,7 +4116,7 @@
     </p:spTree>
     <p:extLst>
       <p:ext uri="{BB962C8B-B14F-4D97-AF65-F5344CB8AC3E}">
-        <p14:creationId xmlns:p14="http://schemas.microsoft.com/office/powerpoint/2010/main" val="3409810465"/>
+        <p14:creationId xmlns:p14="http://schemas.microsoft.com/office/powerpoint/2010/main" val="435210134"/>
       </p:ext>
     </p:extLst>
   </p:cSld>
@@ -4159,13 +4161,134 @@
             <a:pPr algn="ctr"/>
             <a:r>
               <a:rPr lang="en-GB" b="1" dirty="0" smtClean="0"/>
+              <a:t>Updates </a:t>
+            </a:r>
+            <a:r>
+              <a:rPr lang="en-GB" b="1" dirty="0"/>
+              <a:t>II (8/3/19)</a:t>
+            </a:r>
+          </a:p>
+        </p:txBody>
+      </p:sp>
+      <p:sp>
+        <p:nvSpPr>
+          <p:cNvPr id="3" name="Content Placeholder 2"/>
+          <p:cNvSpPr>
+            <a:spLocks noGrp="1"/>
+          </p:cNvSpPr>
+          <p:nvPr>
+            <p:ph idx="1"/>
+          </p:nvPr>
+        </p:nvSpPr>
+        <p:spPr/>
+        <p:txBody>
+          <a:bodyPr/>
+          <a:lstStyle/>
+          <a:p>
+            <a:r>
+              <a:rPr lang="en-GB" dirty="0" smtClean="0"/>
+              <a:t>STANLEY added to meta-</a:t>
+            </a:r>
+            <a:r>
+              <a:rPr lang="en-GB" dirty="0" err="1" smtClean="0"/>
+              <a:t>snalysis</a:t>
+            </a:r>
+            <a:r>
+              <a:rPr lang="en-GB" dirty="0" smtClean="0"/>
+              <a:t> when per-SNP sample sizes are available from study description (results from PLINK dosage analysis, with INFO but no N).</a:t>
+            </a:r>
+          </a:p>
+          <a:p>
+            <a:r>
+              <a:rPr lang="en-GB" dirty="0" smtClean="0"/>
+              <a:t>INFO from </a:t>
+            </a:r>
+            <a:r>
+              <a:rPr lang="en-GB" dirty="0" err="1" smtClean="0"/>
+              <a:t>qctool</a:t>
+            </a:r>
+            <a:r>
+              <a:rPr lang="en-GB" dirty="0" smtClean="0"/>
+              <a:t> –</a:t>
+            </a:r>
+            <a:r>
+              <a:rPr lang="en-GB" dirty="0" err="1" smtClean="0"/>
+              <a:t>snp</a:t>
+            </a:r>
+            <a:r>
+              <a:rPr lang="en-GB" dirty="0" smtClean="0"/>
+              <a:t>-stats was added to INTERVAL.</a:t>
+            </a:r>
+          </a:p>
+          <a:p>
+            <a:r>
+              <a:rPr lang="en-GB" dirty="0" smtClean="0"/>
+              <a:t>Side projects: R/gap, FM-pipeline, EWAS-fusion, etc. updated and results from FM-pipeline but pending on validation.</a:t>
+            </a:r>
+          </a:p>
+          <a:p>
+            <a:r>
+              <a:rPr lang="en-GB" dirty="0" smtClean="0"/>
+              <a:t>INF1.paper.docx at INF/doc as placeholder for paper draft; cohort description needs to be added – an Excel spreadsheet was made available from the (updated) analysis plan and comments are welcome to consolidate.</a:t>
+            </a:r>
+            <a:endParaRPr lang="en-GB" dirty="0"/>
+          </a:p>
+        </p:txBody>
+      </p:sp>
+    </p:spTree>
+    <p:extLst>
+      <p:ext uri="{BB962C8B-B14F-4D97-AF65-F5344CB8AC3E}">
+        <p14:creationId xmlns:p14="http://schemas.microsoft.com/office/powerpoint/2010/main" val="3409810465"/>
+      </p:ext>
+    </p:extLst>
+  </p:cSld>
+  <p:clrMapOvr>
+    <a:masterClrMapping/>
+  </p:clrMapOvr>
+</p:sld>
+</file>
+
+<file path=ppt/slides/slide16.xml><?xml version="1.0" encoding="utf-8"?>
+<p:sld xmlns:a="http://schemas.openxmlformats.org/drawingml/2006/main" xmlns:r="http://schemas.openxmlformats.org/officeDocument/2006/relationships" xmlns:p="http://schemas.openxmlformats.org/presentationml/2006/main">
+  <p:cSld>
+    <p:spTree>
+      <p:nvGrpSpPr>
+        <p:cNvPr id="1" name=""/>
+        <p:cNvGrpSpPr/>
+        <p:nvPr/>
+      </p:nvGrpSpPr>
+      <p:grpSpPr>
+        <a:xfrm>
+          <a:off x="0" y="0"/>
+          <a:ext cx="0" cy="0"/>
+          <a:chOff x="0" y="0"/>
+          <a:chExt cx="0" cy="0"/>
+        </a:xfrm>
+      </p:grpSpPr>
+      <p:sp>
+        <p:nvSpPr>
+          <p:cNvPr id="2" name="Title 1"/>
+          <p:cNvSpPr>
+            <a:spLocks noGrp="1"/>
+          </p:cNvSpPr>
+          <p:nvPr>
+            <p:ph type="title"/>
+          </p:nvPr>
+        </p:nvSpPr>
+        <p:spPr/>
+        <p:txBody>
+          <a:bodyPr/>
+          <a:lstStyle/>
+          <a:p>
+            <a:pPr algn="ctr"/>
+            <a:r>
+              <a:rPr lang="en-GB" b="1" dirty="0" smtClean="0"/>
               <a:t>Next </a:t>
             </a:r>
             <a:r>
               <a:rPr lang="en-GB" b="1" dirty="0"/>
               <a:t>steps (8/3/19)</a:t>
             </a:r>
-            <a:endParaRPr lang="en-GB" b="1" dirty="0"/>
           </a:p>
         </p:txBody>
       </p:sp>
@@ -4253,7 +4376,7 @@
 </p:sld>
 </file>
 
-<file path=ppt/slides/slide16.xml><?xml version="1.0" encoding="utf-8"?>
+<file path=ppt/slides/slide17.xml><?xml version="1.0" encoding="utf-8"?>
 <p:sld xmlns:a="http://schemas.openxmlformats.org/drawingml/2006/main" xmlns:r="http://schemas.openxmlformats.org/officeDocument/2006/relationships" xmlns:p="http://schemas.openxmlformats.org/presentationml/2006/main">
   <p:cSld>
     <p:spTree>
@@ -4331,7 +4454,7 @@
 </p:sld>
 </file>
 
-<file path=ppt/slides/slide17.xml><?xml version="1.0" encoding="utf-8"?>
+<file path=ppt/slides/slide18.xml><?xml version="1.0" encoding="utf-8"?>
 <p:sld xmlns:a="http://schemas.openxmlformats.org/drawingml/2006/main" xmlns:r="http://schemas.openxmlformats.org/officeDocument/2006/relationships" xmlns:p="http://schemas.openxmlformats.org/presentationml/2006/main">
   <p:cSld>
     <p:spTree>
@@ -4409,7 +4532,7 @@
 </p:sld>
 </file>
 
-<file path=ppt/slides/slide18.xml><?xml version="1.0" encoding="utf-8"?>
+<file path=ppt/slides/slide19.xml><?xml version="1.0" encoding="utf-8"?>
 <p:sld xmlns:a="http://schemas.openxmlformats.org/drawingml/2006/main" xmlns:r="http://schemas.openxmlformats.org/officeDocument/2006/relationships" xmlns:p="http://schemas.openxmlformats.org/presentationml/2006/main">
   <p:cSld>
     <p:spTree>
@@ -4444,17 +4567,12 @@
             <a:pPr algn="ctr"/>
             <a:r>
               <a:rPr lang="en-US" b="1" dirty="0" smtClean="0"/>
-              <a:t>Points from </a:t>
-            </a:r>
-            <a:r>
-              <a:rPr lang="en-US" b="1" dirty="0" smtClean="0"/>
-              <a:t>discussion</a:t>
+              <a:t>Points from discussion</a:t>
             </a:r>
             <a:r>
               <a:rPr lang="en-GB" b="1" dirty="0"/>
               <a:t> (8/3/19)</a:t>
             </a:r>
-            <a:endParaRPr lang="en-GB" b="1" dirty="0"/>
           </a:p>
         </p:txBody>
       </p:sp>
@@ -6320,7 +6438,6 @@
               <a:rPr lang="en-GB" dirty="0" smtClean="0"/>
               <a:t>-stats</a:t>
             </a:r>
-            <a:endParaRPr lang="en-GB" dirty="0" smtClean="0"/>
           </a:p>
           <a:p>
             <a:r>
@@ -6502,52 +6619,1191 @@
             <a:pPr algn="ctr"/>
             <a:r>
               <a:rPr lang="en-GB" b="1" dirty="0" smtClean="0"/>
-              <a:t>Manhattan plots</a:t>
+              <a:t>LLOD%</a:t>
             </a:r>
             <a:endParaRPr lang="en-GB" b="1" dirty="0"/>
           </a:p>
         </p:txBody>
       </p:sp>
-      <p:sp>
-        <p:nvSpPr>
-          <p:cNvPr id="3" name="Content Placeholder 2"/>
-          <p:cNvSpPr>
-            <a:spLocks noGrp="1"/>
-          </p:cNvSpPr>
+      <p:graphicFrame>
+        <p:nvGraphicFramePr>
+          <p:cNvPr id="6" name="Content Placeholder 5"/>
+          <p:cNvGraphicFramePr>
+            <a:graphicFrameLocks noGrp="1"/>
+          </p:cNvGraphicFramePr>
           <p:nvPr>
             <p:ph idx="1"/>
-          </p:nvPr>
-        </p:nvSpPr>
-        <p:spPr/>
-        <p:txBody>
-          <a:bodyPr/>
-          <a:lstStyle/>
-          <a:p>
-            <a:r>
-              <a:rPr lang="en-GB" dirty="0" smtClean="0"/>
-              <a:t>The plots were produced for each protein from each cohort.</a:t>
-            </a:r>
-          </a:p>
-          <a:p>
-            <a:r>
-              <a:rPr lang="en-GB" dirty="0" smtClean="0"/>
-              <a:t>It indicates that </a:t>
-            </a:r>
-            <a:r>
-              <a:rPr lang="en-GB" dirty="0" err="1" smtClean="0"/>
-              <a:t>sumstats</a:t>
-            </a:r>
-            <a:r>
-              <a:rPr lang="en-GB" dirty="0" smtClean="0"/>
-              <a:t> are generally satisfactory.</a:t>
-            </a:r>
-          </a:p>
-        </p:txBody>
-      </p:sp>
+            <p:extLst>
+              <p:ext uri="{D42A27DB-BD31-4B8C-83A1-F6EECF244321}">
+                <p14:modId xmlns:p14="http://schemas.microsoft.com/office/powerpoint/2010/main" val="4127268847"/>
+              </p:ext>
+            </p:extLst>
+          </p:nvPr>
+        </p:nvGraphicFramePr>
+        <p:xfrm>
+          <a:off x="838200" y="1825625"/>
+          <a:ext cx="10515600" cy="4827724"/>
+        </p:xfrm>
+        <a:graphic>
+          <a:graphicData uri="http://schemas.openxmlformats.org/drawingml/2006/table">
+            <a:tbl>
+              <a:tblPr firstRow="1" bandRow="1">
+                <a:tableStyleId>{5C22544A-7EE6-4342-B048-85BDC9FD1C3A}</a:tableStyleId>
+              </a:tblPr>
+              <a:tblGrid>
+                <a:gridCol w="2628900">
+                  <a:extLst>
+                    <a:ext uri="{9D8B030D-6E8A-4147-A177-3AD203B41FA5}">
+                      <a16:colId xmlns:a16="http://schemas.microsoft.com/office/drawing/2014/main" val="1139059030"/>
+                    </a:ext>
+                  </a:extLst>
+                </a:gridCol>
+                <a:gridCol w="2628900">
+                  <a:extLst>
+                    <a:ext uri="{9D8B030D-6E8A-4147-A177-3AD203B41FA5}">
+                      <a16:colId xmlns:a16="http://schemas.microsoft.com/office/drawing/2014/main" val="2316377376"/>
+                    </a:ext>
+                  </a:extLst>
+                </a:gridCol>
+                <a:gridCol w="2628900">
+                  <a:extLst>
+                    <a:ext uri="{9D8B030D-6E8A-4147-A177-3AD203B41FA5}">
+                      <a16:colId xmlns:a16="http://schemas.microsoft.com/office/drawing/2014/main" val="3075619873"/>
+                    </a:ext>
+                  </a:extLst>
+                </a:gridCol>
+                <a:gridCol w="2628900">
+                  <a:extLst>
+                    <a:ext uri="{9D8B030D-6E8A-4147-A177-3AD203B41FA5}">
+                      <a16:colId xmlns:a16="http://schemas.microsoft.com/office/drawing/2014/main" val="80889694"/>
+                    </a:ext>
+                  </a:extLst>
+                </a:gridCol>
+              </a:tblGrid>
+              <a:tr h="377644">
+                <a:tc>
+                  <a:txBody>
+                    <a:bodyPr/>
+                    <a:lstStyle/>
+                    <a:p>
+                      <a:r>
+                        <a:rPr lang="en-GB" dirty="0" smtClean="0"/>
+                        <a:t>Protein</a:t>
+                      </a:r>
+                      <a:endParaRPr lang="en-GB" dirty="0"/>
+                    </a:p>
+                  </a:txBody>
+                  <a:tcPr/>
+                </a:tc>
+                <a:tc>
+                  <a:txBody>
+                    <a:bodyPr/>
+                    <a:lstStyle/>
+                    <a:p>
+                      <a:pPr algn="l"/>
+                      <a:r>
+                        <a:rPr lang="en-GB" dirty="0" smtClean="0"/>
+                        <a:t>&gt;LLOD%</a:t>
+                      </a:r>
+                      <a:endParaRPr lang="en-GB" dirty="0"/>
+                    </a:p>
+                  </a:txBody>
+                  <a:tcPr/>
+                </a:tc>
+                <a:tc>
+                  <a:txBody>
+                    <a:bodyPr/>
+                    <a:lstStyle/>
+                    <a:p>
+                      <a:r>
+                        <a:rPr lang="en-GB" dirty="0" smtClean="0"/>
+                        <a:t>Protein (continued)</a:t>
+                      </a:r>
+                      <a:endParaRPr lang="en-GB" dirty="0"/>
+                    </a:p>
+                  </a:txBody>
+                  <a:tcPr/>
+                </a:tc>
+                <a:tc>
+                  <a:txBody>
+                    <a:bodyPr/>
+                    <a:lstStyle/>
+                    <a:p>
+                      <a:pPr algn="l"/>
+                      <a:r>
+                        <a:rPr lang="en-GB" dirty="0" smtClean="0"/>
+                        <a:t>&gt;LLOD% (continued)</a:t>
+                      </a:r>
+                      <a:endParaRPr lang="en-GB" dirty="0"/>
+                    </a:p>
+                  </a:txBody>
+                  <a:tcPr/>
+                </a:tc>
+                <a:extLst>
+                  <a:ext uri="{0D108BD9-81ED-4DB2-BD59-A6C34878D82A}">
+                    <a16:rowId xmlns:a16="http://schemas.microsoft.com/office/drawing/2014/main" val="2303799647"/>
+                  </a:ext>
+                </a:extLst>
+              </a:tr>
+              <a:tr h="370840">
+                <a:tc>
+                  <a:txBody>
+                    <a:bodyPr/>
+                    <a:lstStyle/>
+                    <a:p>
+                      <a:pPr algn="l" fontAlgn="b"/>
+                      <a:r>
+                        <a:rPr lang="en-GB" sz="1600" b="0" i="0" u="none" strike="noStrike" dirty="0">
+                          <a:solidFill>
+                            <a:srgbClr val="000000"/>
+                          </a:solidFill>
+                          <a:effectLst/>
+                          <a:latin typeface="Calibri" panose="020F0502020204030204" pitchFamily="34" charset="0"/>
+                        </a:rPr>
+                        <a:t>L.15RA</a:t>
+                      </a:r>
+                    </a:p>
+                  </a:txBody>
+                  <a:tcPr marL="7620" marR="7620" marT="7620" marB="0" anchor="b"/>
+                </a:tc>
+                <a:tc>
+                  <a:txBody>
+                    <a:bodyPr/>
+                    <a:lstStyle/>
+                    <a:p>
+                      <a:pPr algn="l" fontAlgn="b"/>
+                      <a:r>
+                        <a:rPr lang="en-GB" sz="1600" b="0" i="0" u="none" strike="noStrike">
+                          <a:solidFill>
+                            <a:srgbClr val="000000"/>
+                          </a:solidFill>
+                          <a:effectLst/>
+                          <a:latin typeface="Calibri" panose="020F0502020204030204" pitchFamily="34" charset="0"/>
+                        </a:rPr>
+                        <a:t>0.841</a:t>
+                      </a:r>
+                    </a:p>
+                  </a:txBody>
+                  <a:tcPr marL="7620" marR="7620" marT="7620" marB="0" anchor="b"/>
+                </a:tc>
+                <a:tc>
+                  <a:txBody>
+                    <a:bodyPr/>
+                    <a:lstStyle/>
+                    <a:p>
+                      <a:pPr algn="l" fontAlgn="b"/>
+                      <a:r>
+                        <a:rPr lang="en-GB" sz="1600" b="0" i="0" u="none" strike="noStrike">
+                          <a:solidFill>
+                            <a:srgbClr val="000000"/>
+                          </a:solidFill>
+                          <a:effectLst/>
+                          <a:latin typeface="Calibri" panose="020F0502020204030204" pitchFamily="34" charset="0"/>
+                        </a:rPr>
+                        <a:t>IL13</a:t>
+                      </a:r>
+                    </a:p>
+                  </a:txBody>
+                  <a:tcPr marL="7620" marR="7620" marT="7620" marB="0" anchor="b"/>
+                </a:tc>
+                <a:tc>
+                  <a:txBody>
+                    <a:bodyPr/>
+                    <a:lstStyle/>
+                    <a:p>
+                      <a:pPr algn="l" fontAlgn="b"/>
+                      <a:r>
+                        <a:rPr lang="en-GB" sz="1600" b="0" i="0" u="none" strike="noStrike">
+                          <a:solidFill>
+                            <a:srgbClr val="000000"/>
+                          </a:solidFill>
+                          <a:effectLst/>
+                          <a:latin typeface="Calibri" panose="020F0502020204030204" pitchFamily="34" charset="0"/>
+                        </a:rPr>
+                        <a:t>0.062</a:t>
+                      </a:r>
+                    </a:p>
+                  </a:txBody>
+                  <a:tcPr marL="7620" marR="7620" marT="7620" marB="0" anchor="b"/>
+                </a:tc>
+                <a:extLst>
+                  <a:ext uri="{0D108BD9-81ED-4DB2-BD59-A6C34878D82A}">
+                    <a16:rowId xmlns:a16="http://schemas.microsoft.com/office/drawing/2014/main" val="2586687149"/>
+                  </a:ext>
+                </a:extLst>
+              </a:tr>
+              <a:tr h="370840">
+                <a:tc>
+                  <a:txBody>
+                    <a:bodyPr/>
+                    <a:lstStyle/>
+                    <a:p>
+                      <a:pPr algn="l" fontAlgn="b"/>
+                      <a:r>
+                        <a:rPr lang="en-GB" sz="1600" b="0" i="0" u="none" strike="noStrike" dirty="0">
+                          <a:solidFill>
+                            <a:srgbClr val="000000"/>
+                          </a:solidFill>
+                          <a:effectLst/>
+                          <a:latin typeface="Calibri" panose="020F0502020204030204" pitchFamily="34" charset="0"/>
+                        </a:rPr>
+                        <a:t>ST1A1</a:t>
+                      </a:r>
+                    </a:p>
+                  </a:txBody>
+                  <a:tcPr marL="7620" marR="7620" marT="7620" marB="0" anchor="b"/>
+                </a:tc>
+                <a:tc>
+                  <a:txBody>
+                    <a:bodyPr/>
+                    <a:lstStyle/>
+                    <a:p>
+                      <a:pPr algn="l" fontAlgn="b"/>
+                      <a:r>
+                        <a:rPr lang="en-GB" sz="1600" b="0" i="0" u="none" strike="noStrike">
+                          <a:solidFill>
+                            <a:srgbClr val="000000"/>
+                          </a:solidFill>
+                          <a:effectLst/>
+                          <a:latin typeface="Calibri" panose="020F0502020204030204" pitchFamily="34" charset="0"/>
+                        </a:rPr>
+                        <a:t>0.808</a:t>
+                      </a:r>
+                    </a:p>
+                  </a:txBody>
+                  <a:tcPr marL="7620" marR="7620" marT="7620" marB="0" anchor="b"/>
+                </a:tc>
+                <a:tc>
+                  <a:txBody>
+                    <a:bodyPr/>
+                    <a:lstStyle/>
+                    <a:p>
+                      <a:pPr algn="l" fontAlgn="b"/>
+                      <a:r>
+                        <a:rPr lang="en-GB" sz="1600" b="0" i="0" u="none" strike="noStrike">
+                          <a:solidFill>
+                            <a:srgbClr val="000000"/>
+                          </a:solidFill>
+                          <a:effectLst/>
+                          <a:latin typeface="Calibri" panose="020F0502020204030204" pitchFamily="34" charset="0"/>
+                        </a:rPr>
+                        <a:t>IL.20RA</a:t>
+                      </a:r>
+                    </a:p>
+                  </a:txBody>
+                  <a:tcPr marL="7620" marR="7620" marT="7620" marB="0" anchor="b"/>
+                </a:tc>
+                <a:tc>
+                  <a:txBody>
+                    <a:bodyPr/>
+                    <a:lstStyle/>
+                    <a:p>
+                      <a:pPr algn="l" fontAlgn="b"/>
+                      <a:r>
+                        <a:rPr lang="en-GB" sz="1600" b="0" i="0" u="none" strike="noStrike">
+                          <a:solidFill>
+                            <a:srgbClr val="000000"/>
+                          </a:solidFill>
+                          <a:effectLst/>
+                          <a:latin typeface="Calibri" panose="020F0502020204030204" pitchFamily="34" charset="0"/>
+                        </a:rPr>
+                        <a:t>0.057</a:t>
+                      </a:r>
+                    </a:p>
+                  </a:txBody>
+                  <a:tcPr marL="7620" marR="7620" marT="7620" marB="0" anchor="b"/>
+                </a:tc>
+                <a:extLst>
+                  <a:ext uri="{0D108BD9-81ED-4DB2-BD59-A6C34878D82A}">
+                    <a16:rowId xmlns:a16="http://schemas.microsoft.com/office/drawing/2014/main" val="2582555723"/>
+                  </a:ext>
+                </a:extLst>
+              </a:tr>
+              <a:tr h="370840">
+                <a:tc>
+                  <a:txBody>
+                    <a:bodyPr/>
+                    <a:lstStyle/>
+                    <a:p>
+                      <a:pPr algn="l" fontAlgn="b"/>
+                      <a:r>
+                        <a:rPr lang="en-GB" sz="1600" b="0" i="0" u="none" strike="noStrike" dirty="0">
+                          <a:solidFill>
+                            <a:srgbClr val="000000"/>
+                          </a:solidFill>
+                          <a:effectLst/>
+                          <a:latin typeface="Calibri" panose="020F0502020204030204" pitchFamily="34" charset="0"/>
+                        </a:rPr>
+                        <a:t>MCP.3</a:t>
+                      </a:r>
+                    </a:p>
+                  </a:txBody>
+                  <a:tcPr marL="7620" marR="7620" marT="7620" marB="0" anchor="b"/>
+                </a:tc>
+                <a:tc>
+                  <a:txBody>
+                    <a:bodyPr/>
+                    <a:lstStyle/>
+                    <a:p>
+                      <a:pPr algn="l" fontAlgn="b"/>
+                      <a:r>
+                        <a:rPr lang="en-GB" sz="1600" b="0" i="0" u="none" strike="noStrike">
+                          <a:solidFill>
+                            <a:srgbClr val="000000"/>
+                          </a:solidFill>
+                          <a:effectLst/>
+                          <a:latin typeface="Calibri" panose="020F0502020204030204" pitchFamily="34" charset="0"/>
+                        </a:rPr>
+                        <a:t>0.804</a:t>
+                      </a:r>
+                    </a:p>
+                  </a:txBody>
+                  <a:tcPr marL="7620" marR="7620" marT="7620" marB="0" anchor="b"/>
+                </a:tc>
+                <a:tc>
+                  <a:txBody>
+                    <a:bodyPr/>
+                    <a:lstStyle/>
+                    <a:p>
+                      <a:pPr algn="l" fontAlgn="b"/>
+                      <a:r>
+                        <a:rPr lang="en-GB" sz="1600" b="0" i="0" u="none" strike="noStrike">
+                          <a:solidFill>
+                            <a:srgbClr val="000000"/>
+                          </a:solidFill>
+                          <a:effectLst/>
+                          <a:latin typeface="Calibri" panose="020F0502020204030204" pitchFamily="34" charset="0"/>
+                        </a:rPr>
+                        <a:t>IL.24</a:t>
+                      </a:r>
+                    </a:p>
+                  </a:txBody>
+                  <a:tcPr marL="7620" marR="7620" marT="7620" marB="0" anchor="b"/>
+                </a:tc>
+                <a:tc>
+                  <a:txBody>
+                    <a:bodyPr/>
+                    <a:lstStyle/>
+                    <a:p>
+                      <a:pPr algn="l" fontAlgn="b"/>
+                      <a:r>
+                        <a:rPr lang="en-GB" sz="1600" b="0" i="0" u="none" strike="noStrike">
+                          <a:solidFill>
+                            <a:srgbClr val="000000"/>
+                          </a:solidFill>
+                          <a:effectLst/>
+                          <a:latin typeface="Calibri" panose="020F0502020204030204" pitchFamily="34" charset="0"/>
+                        </a:rPr>
+                        <a:t>0.051</a:t>
+                      </a:r>
+                    </a:p>
+                  </a:txBody>
+                  <a:tcPr marL="7620" marR="7620" marT="7620" marB="0" anchor="b"/>
+                </a:tc>
+                <a:extLst>
+                  <a:ext uri="{0D108BD9-81ED-4DB2-BD59-A6C34878D82A}">
+                    <a16:rowId xmlns:a16="http://schemas.microsoft.com/office/drawing/2014/main" val="3690476276"/>
+                  </a:ext>
+                </a:extLst>
+              </a:tr>
+              <a:tr h="370840">
+                <a:tc>
+                  <a:txBody>
+                    <a:bodyPr/>
+                    <a:lstStyle/>
+                    <a:p>
+                      <a:pPr algn="l" fontAlgn="b"/>
+                      <a:r>
+                        <a:rPr lang="en-GB" sz="1600" b="0" i="0" u="none" strike="noStrike" dirty="0">
+                          <a:solidFill>
+                            <a:srgbClr val="000000"/>
+                          </a:solidFill>
+                          <a:effectLst/>
+                          <a:latin typeface="Calibri" panose="020F0502020204030204" pitchFamily="34" charset="0"/>
+                        </a:rPr>
+                        <a:t>FGF.5</a:t>
+                      </a:r>
+                    </a:p>
+                  </a:txBody>
+                  <a:tcPr marL="7620" marR="7620" marT="7620" marB="0" anchor="b"/>
+                </a:tc>
+                <a:tc>
+                  <a:txBody>
+                    <a:bodyPr/>
+                    <a:lstStyle/>
+                    <a:p>
+                      <a:pPr algn="l" fontAlgn="b"/>
+                      <a:r>
+                        <a:rPr lang="en-GB" sz="1600" b="0" i="0" u="none" strike="noStrike">
+                          <a:solidFill>
+                            <a:srgbClr val="000000"/>
+                          </a:solidFill>
+                          <a:effectLst/>
+                          <a:latin typeface="Calibri" panose="020F0502020204030204" pitchFamily="34" charset="0"/>
+                        </a:rPr>
+                        <a:t>0.652</a:t>
+                      </a:r>
+                    </a:p>
+                  </a:txBody>
+                  <a:tcPr marL="7620" marR="7620" marT="7620" marB="0" anchor="b"/>
+                </a:tc>
+                <a:tc>
+                  <a:txBody>
+                    <a:bodyPr/>
+                    <a:lstStyle/>
+                    <a:p>
+                      <a:pPr algn="l" fontAlgn="b"/>
+                      <a:r>
+                        <a:rPr lang="en-GB" sz="1600" b="0" i="0" u="none" strike="noStrike">
+                          <a:solidFill>
+                            <a:srgbClr val="000000"/>
+                          </a:solidFill>
+                          <a:effectLst/>
+                          <a:latin typeface="Calibri" panose="020F0502020204030204" pitchFamily="34" charset="0"/>
+                        </a:rPr>
+                        <a:t>IL.20</a:t>
+                      </a:r>
+                    </a:p>
+                  </a:txBody>
+                  <a:tcPr marL="7620" marR="7620" marT="7620" marB="0" anchor="b"/>
+                </a:tc>
+                <a:tc>
+                  <a:txBody>
+                    <a:bodyPr/>
+                    <a:lstStyle/>
+                    <a:p>
+                      <a:pPr algn="l" fontAlgn="b"/>
+                      <a:r>
+                        <a:rPr lang="en-GB" sz="1600" b="0" i="0" u="none" strike="noStrike">
+                          <a:solidFill>
+                            <a:srgbClr val="000000"/>
+                          </a:solidFill>
+                          <a:effectLst/>
+                          <a:latin typeface="Calibri" panose="020F0502020204030204" pitchFamily="34" charset="0"/>
+                        </a:rPr>
+                        <a:t>0.046</a:t>
+                      </a:r>
+                    </a:p>
+                  </a:txBody>
+                  <a:tcPr marL="7620" marR="7620" marT="7620" marB="0" anchor="b"/>
+                </a:tc>
+                <a:extLst>
+                  <a:ext uri="{0D108BD9-81ED-4DB2-BD59-A6C34878D82A}">
+                    <a16:rowId xmlns:a16="http://schemas.microsoft.com/office/drawing/2014/main" val="269389694"/>
+                  </a:ext>
+                </a:extLst>
+              </a:tr>
+              <a:tr h="370840">
+                <a:tc>
+                  <a:txBody>
+                    <a:bodyPr/>
+                    <a:lstStyle/>
+                    <a:p>
+                      <a:pPr algn="l" fontAlgn="b"/>
+                      <a:r>
+                        <a:rPr lang="en-GB" sz="1600" b="0" i="0" u="none" strike="noStrike" dirty="0">
+                          <a:solidFill>
+                            <a:srgbClr val="000000"/>
+                          </a:solidFill>
+                          <a:effectLst/>
+                          <a:latin typeface="Calibri" panose="020F0502020204030204" pitchFamily="34" charset="0"/>
+                        </a:rPr>
+                        <a:t>AXIN1</a:t>
+                      </a:r>
+                    </a:p>
+                  </a:txBody>
+                  <a:tcPr marL="7620" marR="7620" marT="7620" marB="0" anchor="b"/>
+                </a:tc>
+                <a:tc>
+                  <a:txBody>
+                    <a:bodyPr/>
+                    <a:lstStyle/>
+                    <a:p>
+                      <a:pPr algn="l" fontAlgn="b"/>
+                      <a:r>
+                        <a:rPr lang="en-GB" sz="1600" b="0" i="0" u="none" strike="noStrike">
+                          <a:solidFill>
+                            <a:srgbClr val="000000"/>
+                          </a:solidFill>
+                          <a:effectLst/>
+                          <a:latin typeface="Calibri" panose="020F0502020204030204" pitchFamily="34" charset="0"/>
+                        </a:rPr>
+                        <a:t>0.425</a:t>
+                      </a:r>
+                    </a:p>
+                  </a:txBody>
+                  <a:tcPr marL="7620" marR="7620" marT="7620" marB="0" anchor="b"/>
+                </a:tc>
+                <a:tc>
+                  <a:txBody>
+                    <a:bodyPr/>
+                    <a:lstStyle/>
+                    <a:p>
+                      <a:pPr algn="l" fontAlgn="b"/>
+                      <a:r>
+                        <a:rPr lang="en-GB" sz="1600" b="0" i="0" u="none" strike="noStrike">
+                          <a:solidFill>
+                            <a:srgbClr val="000000"/>
+                          </a:solidFill>
+                          <a:effectLst/>
+                          <a:latin typeface="Calibri" panose="020F0502020204030204" pitchFamily="34" charset="0"/>
+                        </a:rPr>
+                        <a:t>NRTN</a:t>
+                      </a:r>
+                    </a:p>
+                  </a:txBody>
+                  <a:tcPr marL="7620" marR="7620" marT="7620" marB="0" anchor="b"/>
+                </a:tc>
+                <a:tc>
+                  <a:txBody>
+                    <a:bodyPr/>
+                    <a:lstStyle/>
+                    <a:p>
+                      <a:pPr algn="l" fontAlgn="b"/>
+                      <a:r>
+                        <a:rPr lang="en-GB" sz="1600" b="0" i="0" u="none" strike="noStrike">
+                          <a:solidFill>
+                            <a:srgbClr val="000000"/>
+                          </a:solidFill>
+                          <a:effectLst/>
+                          <a:latin typeface="Calibri" panose="020F0502020204030204" pitchFamily="34" charset="0"/>
+                        </a:rPr>
+                        <a:t>0.039</a:t>
+                      </a:r>
+                    </a:p>
+                  </a:txBody>
+                  <a:tcPr marL="7620" marR="7620" marT="7620" marB="0" anchor="b"/>
+                </a:tc>
+                <a:extLst>
+                  <a:ext uri="{0D108BD9-81ED-4DB2-BD59-A6C34878D82A}">
+                    <a16:rowId xmlns:a16="http://schemas.microsoft.com/office/drawing/2014/main" val="15900228"/>
+                  </a:ext>
+                </a:extLst>
+              </a:tr>
+              <a:tr h="370840">
+                <a:tc>
+                  <a:txBody>
+                    <a:bodyPr/>
+                    <a:lstStyle/>
+                    <a:p>
+                      <a:pPr algn="l" fontAlgn="b"/>
+                      <a:r>
+                        <a:rPr lang="en-GB" sz="1600" b="0" i="0" u="none" strike="noStrike" dirty="0">
+                          <a:solidFill>
+                            <a:srgbClr val="000000"/>
+                          </a:solidFill>
+                          <a:effectLst/>
+                          <a:latin typeface="Calibri" panose="020F0502020204030204" pitchFamily="34" charset="0"/>
+                        </a:rPr>
+                        <a:t>IL.17A</a:t>
+                      </a:r>
+                    </a:p>
+                  </a:txBody>
+                  <a:tcPr marL="7620" marR="7620" marT="7620" marB="0" anchor="b"/>
+                </a:tc>
+                <a:tc>
+                  <a:txBody>
+                    <a:bodyPr/>
+                    <a:lstStyle/>
+                    <a:p>
+                      <a:pPr algn="l" fontAlgn="b"/>
+                      <a:r>
+                        <a:rPr lang="en-GB" sz="1600" b="0" i="0" u="none" strike="noStrike">
+                          <a:solidFill>
+                            <a:srgbClr val="000000"/>
+                          </a:solidFill>
+                          <a:effectLst/>
+                          <a:latin typeface="Calibri" panose="020F0502020204030204" pitchFamily="34" charset="0"/>
+                        </a:rPr>
+                        <a:t>0.380</a:t>
+                      </a:r>
+                    </a:p>
+                  </a:txBody>
+                  <a:tcPr marL="7620" marR="7620" marT="7620" marB="0" anchor="b"/>
+                </a:tc>
+                <a:tc>
+                  <a:txBody>
+                    <a:bodyPr/>
+                    <a:lstStyle/>
+                    <a:p>
+                      <a:pPr algn="l" fontAlgn="b"/>
+                      <a:r>
+                        <a:rPr lang="en-GB" sz="1600" b="0" i="0" u="none" strike="noStrike">
+                          <a:solidFill>
+                            <a:srgbClr val="000000"/>
+                          </a:solidFill>
+                          <a:effectLst/>
+                          <a:latin typeface="Calibri" panose="020F0502020204030204" pitchFamily="34" charset="0"/>
+                        </a:rPr>
+                        <a:t>ARTN</a:t>
+                      </a:r>
+                    </a:p>
+                  </a:txBody>
+                  <a:tcPr marL="7620" marR="7620" marT="7620" marB="0" anchor="b"/>
+                </a:tc>
+                <a:tc>
+                  <a:txBody>
+                    <a:bodyPr/>
+                    <a:lstStyle/>
+                    <a:p>
+                      <a:pPr algn="l" fontAlgn="b"/>
+                      <a:r>
+                        <a:rPr lang="en-GB" sz="1600" b="0" i="0" u="none" strike="noStrike">
+                          <a:solidFill>
+                            <a:srgbClr val="000000"/>
+                          </a:solidFill>
+                          <a:effectLst/>
+                          <a:latin typeface="Calibri" panose="020F0502020204030204" pitchFamily="34" charset="0"/>
+                        </a:rPr>
+                        <a:t>0.035</a:t>
+                      </a:r>
+                    </a:p>
+                  </a:txBody>
+                  <a:tcPr marL="7620" marR="7620" marT="7620" marB="0" anchor="b"/>
+                </a:tc>
+                <a:extLst>
+                  <a:ext uri="{0D108BD9-81ED-4DB2-BD59-A6C34878D82A}">
+                    <a16:rowId xmlns:a16="http://schemas.microsoft.com/office/drawing/2014/main" val="675643637"/>
+                  </a:ext>
+                </a:extLst>
+              </a:tr>
+              <a:tr h="370840">
+                <a:tc>
+                  <a:txBody>
+                    <a:bodyPr/>
+                    <a:lstStyle/>
+                    <a:p>
+                      <a:pPr algn="l" fontAlgn="b"/>
+                      <a:r>
+                        <a:rPr lang="en-GB" sz="1600" b="0" i="0" u="none" strike="noStrike" dirty="0">
+                          <a:solidFill>
+                            <a:srgbClr val="000000"/>
+                          </a:solidFill>
+                          <a:effectLst/>
+                          <a:latin typeface="Calibri" panose="020F0502020204030204" pitchFamily="34" charset="0"/>
+                        </a:rPr>
+                        <a:t>IL.17C</a:t>
+                      </a:r>
+                    </a:p>
+                  </a:txBody>
+                  <a:tcPr marL="7620" marR="7620" marT="7620" marB="0" anchor="b"/>
+                </a:tc>
+                <a:tc>
+                  <a:txBody>
+                    <a:bodyPr/>
+                    <a:lstStyle/>
+                    <a:p>
+                      <a:pPr algn="l" fontAlgn="b"/>
+                      <a:r>
+                        <a:rPr lang="en-GB" sz="1600" b="0" i="0" u="none" strike="noStrike">
+                          <a:solidFill>
+                            <a:srgbClr val="000000"/>
+                          </a:solidFill>
+                          <a:effectLst/>
+                          <a:latin typeface="Calibri" panose="020F0502020204030204" pitchFamily="34" charset="0"/>
+                        </a:rPr>
+                        <a:t>0.369</a:t>
+                      </a:r>
+                    </a:p>
+                  </a:txBody>
+                  <a:tcPr marL="7620" marR="7620" marT="7620" marB="0" anchor="b"/>
+                </a:tc>
+                <a:tc>
+                  <a:txBody>
+                    <a:bodyPr/>
+                    <a:lstStyle/>
+                    <a:p>
+                      <a:pPr algn="l" fontAlgn="b"/>
+                      <a:r>
+                        <a:rPr lang="en-GB" sz="1600" b="0" i="0" u="none" strike="noStrike">
+                          <a:solidFill>
+                            <a:srgbClr val="000000"/>
+                          </a:solidFill>
+                          <a:effectLst/>
+                          <a:latin typeface="Calibri" panose="020F0502020204030204" pitchFamily="34" charset="0"/>
+                        </a:rPr>
+                        <a:t>IL.1.alpha</a:t>
+                      </a:r>
+                    </a:p>
+                  </a:txBody>
+                  <a:tcPr marL="7620" marR="7620" marT="7620" marB="0" anchor="b"/>
+                </a:tc>
+                <a:tc>
+                  <a:txBody>
+                    <a:bodyPr/>
+                    <a:lstStyle/>
+                    <a:p>
+                      <a:pPr algn="l" fontAlgn="b"/>
+                      <a:r>
+                        <a:rPr lang="en-GB" sz="1600" b="0" i="0" u="none" strike="noStrike">
+                          <a:solidFill>
+                            <a:srgbClr val="000000"/>
+                          </a:solidFill>
+                          <a:effectLst/>
+                          <a:latin typeface="Calibri" panose="020F0502020204030204" pitchFamily="34" charset="0"/>
+                        </a:rPr>
+                        <a:t>0.025</a:t>
+                      </a:r>
+                    </a:p>
+                  </a:txBody>
+                  <a:tcPr marL="7620" marR="7620" marT="7620" marB="0" anchor="b"/>
+                </a:tc>
+                <a:extLst>
+                  <a:ext uri="{0D108BD9-81ED-4DB2-BD59-A6C34878D82A}">
+                    <a16:rowId xmlns:a16="http://schemas.microsoft.com/office/drawing/2014/main" val="3210588123"/>
+                  </a:ext>
+                </a:extLst>
+              </a:tr>
+              <a:tr h="370840">
+                <a:tc>
+                  <a:txBody>
+                    <a:bodyPr/>
+                    <a:lstStyle/>
+                    <a:p>
+                      <a:pPr algn="l" fontAlgn="b"/>
+                      <a:r>
+                        <a:rPr lang="en-GB" sz="1600" b="0" i="0" u="none" strike="noStrike">
+                          <a:solidFill>
+                            <a:srgbClr val="000000"/>
+                          </a:solidFill>
+                          <a:effectLst/>
+                          <a:latin typeface="Calibri" panose="020F0502020204030204" pitchFamily="34" charset="0"/>
+                        </a:rPr>
+                        <a:t>IL4</a:t>
+                      </a:r>
+                    </a:p>
+                  </a:txBody>
+                  <a:tcPr marL="7620" marR="7620" marT="7620" marB="0" anchor="b"/>
+                </a:tc>
+                <a:tc>
+                  <a:txBody>
+                    <a:bodyPr/>
+                    <a:lstStyle/>
+                    <a:p>
+                      <a:pPr algn="l" fontAlgn="b"/>
+                      <a:r>
+                        <a:rPr lang="en-GB" sz="1600" b="0" i="0" u="none" strike="noStrike">
+                          <a:solidFill>
+                            <a:srgbClr val="000000"/>
+                          </a:solidFill>
+                          <a:effectLst/>
+                          <a:latin typeface="Calibri" panose="020F0502020204030204" pitchFamily="34" charset="0"/>
+                        </a:rPr>
+                        <a:t>0.171</a:t>
+                      </a:r>
+                    </a:p>
+                  </a:txBody>
+                  <a:tcPr marL="7620" marR="7620" marT="7620" marB="0" anchor="b"/>
+                </a:tc>
+                <a:tc>
+                  <a:txBody>
+                    <a:bodyPr/>
+                    <a:lstStyle/>
+                    <a:p>
+                      <a:pPr algn="l" fontAlgn="b"/>
+                      <a:r>
+                        <a:rPr lang="en-GB" sz="1600" b="0" i="0" u="none" strike="noStrike">
+                          <a:solidFill>
+                            <a:srgbClr val="000000"/>
+                          </a:solidFill>
+                          <a:effectLst/>
+                          <a:latin typeface="Calibri" panose="020F0502020204030204" pitchFamily="34" charset="0"/>
+                        </a:rPr>
+                        <a:t>IL.2RB</a:t>
+                      </a:r>
+                    </a:p>
+                  </a:txBody>
+                  <a:tcPr marL="7620" marR="7620" marT="7620" marB="0" anchor="b"/>
+                </a:tc>
+                <a:tc>
+                  <a:txBody>
+                    <a:bodyPr/>
+                    <a:lstStyle/>
+                    <a:p>
+                      <a:pPr algn="l" fontAlgn="b"/>
+                      <a:r>
+                        <a:rPr lang="en-GB" sz="1600" b="0" i="0" u="none" strike="noStrike">
+                          <a:solidFill>
+                            <a:srgbClr val="000000"/>
+                          </a:solidFill>
+                          <a:effectLst/>
+                          <a:latin typeface="Calibri" panose="020F0502020204030204" pitchFamily="34" charset="0"/>
+                        </a:rPr>
+                        <a:t>0.023</a:t>
+                      </a:r>
+                    </a:p>
+                  </a:txBody>
+                  <a:tcPr marL="7620" marR="7620" marT="7620" marB="0" anchor="b"/>
+                </a:tc>
+                <a:extLst>
+                  <a:ext uri="{0D108BD9-81ED-4DB2-BD59-A6C34878D82A}">
+                    <a16:rowId xmlns:a16="http://schemas.microsoft.com/office/drawing/2014/main" val="955584402"/>
+                  </a:ext>
+                </a:extLst>
+              </a:tr>
+              <a:tr h="370840">
+                <a:tc>
+                  <a:txBody>
+                    <a:bodyPr/>
+                    <a:lstStyle/>
+                    <a:p>
+                      <a:pPr algn="l" fontAlgn="b"/>
+                      <a:r>
+                        <a:rPr lang="en-GB" sz="1600" b="0" i="0" u="none" strike="noStrike">
+                          <a:solidFill>
+                            <a:srgbClr val="000000"/>
+                          </a:solidFill>
+                          <a:effectLst/>
+                          <a:latin typeface="Calibri" panose="020F0502020204030204" pitchFamily="34" charset="0"/>
+                        </a:rPr>
+                        <a:t>IL5</a:t>
+                      </a:r>
+                    </a:p>
+                  </a:txBody>
+                  <a:tcPr marL="7620" marR="7620" marT="7620" marB="0" anchor="b"/>
+                </a:tc>
+                <a:tc>
+                  <a:txBody>
+                    <a:bodyPr/>
+                    <a:lstStyle/>
+                    <a:p>
+                      <a:pPr algn="l" fontAlgn="b"/>
+                      <a:r>
+                        <a:rPr lang="en-GB" sz="1600" b="0" i="0" u="none" strike="noStrike">
+                          <a:solidFill>
+                            <a:srgbClr val="000000"/>
+                          </a:solidFill>
+                          <a:effectLst/>
+                          <a:latin typeface="Calibri" panose="020F0502020204030204" pitchFamily="34" charset="0"/>
+                        </a:rPr>
+                        <a:t>0.162</a:t>
+                      </a:r>
+                    </a:p>
+                  </a:txBody>
+                  <a:tcPr marL="7620" marR="7620" marT="7620" marB="0" anchor="b"/>
+                </a:tc>
+                <a:tc>
+                  <a:txBody>
+                    <a:bodyPr/>
+                    <a:lstStyle/>
+                    <a:p>
+                      <a:pPr algn="l" fontAlgn="b"/>
+                      <a:r>
+                        <a:rPr lang="en-GB" sz="1600" b="0" i="0" u="none" strike="noStrike" dirty="0">
+                          <a:solidFill>
+                            <a:srgbClr val="000000"/>
+                          </a:solidFill>
+                          <a:effectLst/>
+                          <a:latin typeface="Calibri" panose="020F0502020204030204" pitchFamily="34" charset="0"/>
+                        </a:rPr>
+                        <a:t>IL33</a:t>
+                      </a:r>
+                    </a:p>
+                  </a:txBody>
+                  <a:tcPr marL="7620" marR="7620" marT="7620" marB="0" anchor="b"/>
+                </a:tc>
+                <a:tc>
+                  <a:txBody>
+                    <a:bodyPr/>
+                    <a:lstStyle/>
+                    <a:p>
+                      <a:pPr algn="l" fontAlgn="b"/>
+                      <a:r>
+                        <a:rPr lang="en-GB" sz="1600" b="0" i="0" u="none" strike="noStrike">
+                          <a:solidFill>
+                            <a:srgbClr val="000000"/>
+                          </a:solidFill>
+                          <a:effectLst/>
+                          <a:latin typeface="Calibri" panose="020F0502020204030204" pitchFamily="34" charset="0"/>
+                        </a:rPr>
+                        <a:t>0.014</a:t>
+                      </a:r>
+                    </a:p>
+                  </a:txBody>
+                  <a:tcPr marL="7620" marR="7620" marT="7620" marB="0" anchor="b"/>
+                </a:tc>
+                <a:extLst>
+                  <a:ext uri="{0D108BD9-81ED-4DB2-BD59-A6C34878D82A}">
+                    <a16:rowId xmlns:a16="http://schemas.microsoft.com/office/drawing/2014/main" val="1328683294"/>
+                  </a:ext>
+                </a:extLst>
+              </a:tr>
+              <a:tr h="370840">
+                <a:tc>
+                  <a:txBody>
+                    <a:bodyPr/>
+                    <a:lstStyle/>
+                    <a:p>
+                      <a:pPr algn="l" fontAlgn="b"/>
+                      <a:r>
+                        <a:rPr lang="en-GB" sz="1600" b="0" i="0" u="none" strike="noStrike">
+                          <a:solidFill>
+                            <a:srgbClr val="000000"/>
+                          </a:solidFill>
+                          <a:effectLst/>
+                          <a:latin typeface="Calibri" panose="020F0502020204030204" pitchFamily="34" charset="0"/>
+                        </a:rPr>
+                        <a:t>IL.10RA</a:t>
+                      </a:r>
+                    </a:p>
+                  </a:txBody>
+                  <a:tcPr marL="7620" marR="7620" marT="7620" marB="0" anchor="b"/>
+                </a:tc>
+                <a:tc>
+                  <a:txBody>
+                    <a:bodyPr/>
+                    <a:lstStyle/>
+                    <a:p>
+                      <a:pPr algn="l" fontAlgn="b"/>
+                      <a:r>
+                        <a:rPr lang="en-GB" sz="1600" b="0" i="0" u="none" strike="noStrike">
+                          <a:solidFill>
+                            <a:srgbClr val="000000"/>
+                          </a:solidFill>
+                          <a:effectLst/>
+                          <a:latin typeface="Calibri" panose="020F0502020204030204" pitchFamily="34" charset="0"/>
+                        </a:rPr>
+                        <a:t>0.149</a:t>
+                      </a:r>
+                    </a:p>
+                  </a:txBody>
+                  <a:tcPr marL="7620" marR="7620" marT="7620" marB="0" anchor="b"/>
+                </a:tc>
+                <a:tc>
+                  <a:txBody>
+                    <a:bodyPr/>
+                    <a:lstStyle/>
+                    <a:p>
+                      <a:pPr algn="l" fontAlgn="b"/>
+                      <a:r>
+                        <a:rPr lang="en-GB" sz="1600" b="0" i="0" u="none" strike="noStrike" dirty="0" err="1">
+                          <a:solidFill>
+                            <a:srgbClr val="FF0000"/>
+                          </a:solidFill>
+                          <a:effectLst/>
+                          <a:latin typeface="Calibri" panose="020F0502020204030204" pitchFamily="34" charset="0"/>
+                        </a:rPr>
+                        <a:t>IFN.gamma</a:t>
+                      </a:r>
+                      <a:endParaRPr lang="en-GB" sz="1600" b="0" i="0" u="none" strike="noStrike" dirty="0">
+                        <a:solidFill>
+                          <a:srgbClr val="FF0000"/>
+                        </a:solidFill>
+                        <a:effectLst/>
+                        <a:latin typeface="Calibri" panose="020F0502020204030204" pitchFamily="34" charset="0"/>
+                      </a:endParaRPr>
+                    </a:p>
+                  </a:txBody>
+                  <a:tcPr marL="7620" marR="7620" marT="7620" marB="0" anchor="b"/>
+                </a:tc>
+                <a:tc>
+                  <a:txBody>
+                    <a:bodyPr/>
+                    <a:lstStyle/>
+                    <a:p>
+                      <a:pPr algn="l" fontAlgn="b"/>
+                      <a:r>
+                        <a:rPr lang="en-GB" sz="1600" b="0" i="0" u="none" strike="noStrike" dirty="0">
+                          <a:solidFill>
+                            <a:srgbClr val="FF0000"/>
+                          </a:solidFill>
+                          <a:effectLst/>
+                          <a:latin typeface="Calibri" panose="020F0502020204030204" pitchFamily="34" charset="0"/>
+                        </a:rPr>
+                        <a:t>0.007</a:t>
+                      </a:r>
+                    </a:p>
+                  </a:txBody>
+                  <a:tcPr marL="7620" marR="7620" marT="7620" marB="0" anchor="b"/>
+                </a:tc>
+                <a:extLst>
+                  <a:ext uri="{0D108BD9-81ED-4DB2-BD59-A6C34878D82A}">
+                    <a16:rowId xmlns:a16="http://schemas.microsoft.com/office/drawing/2014/main" val="3034416076"/>
+                  </a:ext>
+                </a:extLst>
+              </a:tr>
+              <a:tr h="370840">
+                <a:tc>
+                  <a:txBody>
+                    <a:bodyPr/>
+                    <a:lstStyle/>
+                    <a:p>
+                      <a:pPr algn="l" fontAlgn="b"/>
+                      <a:r>
+                        <a:rPr lang="en-GB" sz="1600" b="0" i="0" u="none" strike="noStrike">
+                          <a:solidFill>
+                            <a:srgbClr val="000000"/>
+                          </a:solidFill>
+                          <a:effectLst/>
+                          <a:latin typeface="Calibri" panose="020F0502020204030204" pitchFamily="34" charset="0"/>
+                        </a:rPr>
+                        <a:t>TNF</a:t>
+                      </a:r>
+                    </a:p>
+                  </a:txBody>
+                  <a:tcPr marL="7620" marR="7620" marT="7620" marB="0" anchor="b"/>
+                </a:tc>
+                <a:tc>
+                  <a:txBody>
+                    <a:bodyPr/>
+                    <a:lstStyle/>
+                    <a:p>
+                      <a:pPr algn="l" fontAlgn="b"/>
+                      <a:r>
+                        <a:rPr lang="en-GB" sz="1600" b="0" i="0" u="none" strike="noStrike">
+                          <a:solidFill>
+                            <a:srgbClr val="000000"/>
+                          </a:solidFill>
+                          <a:effectLst/>
+                          <a:latin typeface="Calibri" panose="020F0502020204030204" pitchFamily="34" charset="0"/>
+                        </a:rPr>
+                        <a:t>0.096</a:t>
+                      </a:r>
+                    </a:p>
+                  </a:txBody>
+                  <a:tcPr marL="7620" marR="7620" marT="7620" marB="0" anchor="b"/>
+                </a:tc>
+                <a:tc>
+                  <a:txBody>
+                    <a:bodyPr/>
+                    <a:lstStyle/>
+                    <a:p>
+                      <a:pPr algn="l" fontAlgn="b"/>
+                      <a:r>
+                        <a:rPr lang="en-GB" sz="1600" b="0" i="0" u="none" strike="noStrike" dirty="0">
+                          <a:solidFill>
+                            <a:srgbClr val="FF0000"/>
+                          </a:solidFill>
+                          <a:effectLst/>
+                          <a:latin typeface="Calibri" panose="020F0502020204030204" pitchFamily="34" charset="0"/>
+                        </a:rPr>
+                        <a:t>TSLP</a:t>
+                      </a:r>
+                    </a:p>
+                  </a:txBody>
+                  <a:tcPr marL="7620" marR="7620" marT="7620" marB="0" anchor="b"/>
+                </a:tc>
+                <a:tc>
+                  <a:txBody>
+                    <a:bodyPr/>
+                    <a:lstStyle/>
+                    <a:p>
+                      <a:pPr algn="l" fontAlgn="b"/>
+                      <a:r>
+                        <a:rPr lang="en-GB" sz="1600" b="0" i="0" u="none" strike="noStrike">
+                          <a:solidFill>
+                            <a:srgbClr val="FF0000"/>
+                          </a:solidFill>
+                          <a:effectLst/>
+                          <a:latin typeface="Calibri" panose="020F0502020204030204" pitchFamily="34" charset="0"/>
+                        </a:rPr>
+                        <a:t>0.005</a:t>
+                      </a:r>
+                    </a:p>
+                  </a:txBody>
+                  <a:tcPr marL="7620" marR="7620" marT="7620" marB="0" anchor="b"/>
+                </a:tc>
+                <a:extLst>
+                  <a:ext uri="{0D108BD9-81ED-4DB2-BD59-A6C34878D82A}">
+                    <a16:rowId xmlns:a16="http://schemas.microsoft.com/office/drawing/2014/main" val="2489448543"/>
+                  </a:ext>
+                </a:extLst>
+              </a:tr>
+              <a:tr h="370840">
+                <a:tc>
+                  <a:txBody>
+                    <a:bodyPr/>
+                    <a:lstStyle/>
+                    <a:p>
+                      <a:pPr algn="l" fontAlgn="b"/>
+                      <a:r>
+                        <a:rPr lang="en-GB" sz="1600" b="0" i="0" u="none" strike="noStrike">
+                          <a:solidFill>
+                            <a:srgbClr val="000000"/>
+                          </a:solidFill>
+                          <a:effectLst/>
+                          <a:latin typeface="Calibri" panose="020F0502020204030204" pitchFamily="34" charset="0"/>
+                        </a:rPr>
+                        <a:t>LIF</a:t>
+                      </a:r>
+                    </a:p>
+                  </a:txBody>
+                  <a:tcPr marL="7620" marR="7620" marT="7620" marB="0" anchor="b"/>
+                </a:tc>
+                <a:tc>
+                  <a:txBody>
+                    <a:bodyPr/>
+                    <a:lstStyle/>
+                    <a:p>
+                      <a:pPr algn="l" fontAlgn="b"/>
+                      <a:r>
+                        <a:rPr lang="en-GB" sz="1600" b="0" i="0" u="none" strike="noStrike" dirty="0">
+                          <a:solidFill>
+                            <a:srgbClr val="000000"/>
+                          </a:solidFill>
+                          <a:effectLst/>
+                          <a:latin typeface="Calibri" panose="020F0502020204030204" pitchFamily="34" charset="0"/>
+                        </a:rPr>
+                        <a:t>0.064</a:t>
+                      </a:r>
+                    </a:p>
+                  </a:txBody>
+                  <a:tcPr marL="7620" marR="7620" marT="7620" marB="0" anchor="b"/>
+                </a:tc>
+                <a:tc>
+                  <a:txBody>
+                    <a:bodyPr/>
+                    <a:lstStyle/>
+                    <a:p>
+                      <a:pPr algn="l" fontAlgn="b"/>
+                      <a:r>
+                        <a:rPr lang="en-GB" sz="1600" b="0" i="0" u="none" strike="noStrike">
+                          <a:solidFill>
+                            <a:srgbClr val="FF0000"/>
+                          </a:solidFill>
+                          <a:effectLst/>
+                          <a:latin typeface="Calibri" panose="020F0502020204030204" pitchFamily="34" charset="0"/>
+                        </a:rPr>
+                        <a:t>IL.22.RA1</a:t>
+                      </a:r>
+                    </a:p>
+                  </a:txBody>
+                  <a:tcPr marL="7620" marR="7620" marT="7620" marB="0" anchor="b"/>
+                </a:tc>
+                <a:tc>
+                  <a:txBody>
+                    <a:bodyPr/>
+                    <a:lstStyle/>
+                    <a:p>
+                      <a:pPr algn="l" fontAlgn="b"/>
+                      <a:r>
+                        <a:rPr lang="en-GB" sz="1600" b="0" i="0" u="none" strike="noStrike" dirty="0">
+                          <a:solidFill>
+                            <a:srgbClr val="FF0000"/>
+                          </a:solidFill>
+                          <a:effectLst/>
+                          <a:latin typeface="Calibri" panose="020F0502020204030204" pitchFamily="34" charset="0"/>
+                        </a:rPr>
+                        <a:t>0.003</a:t>
+                      </a:r>
+                    </a:p>
+                  </a:txBody>
+                  <a:tcPr marL="7620" marR="7620" marT="7620" marB="0" anchor="b"/>
+                </a:tc>
+                <a:extLst>
+                  <a:ext uri="{0D108BD9-81ED-4DB2-BD59-A6C34878D82A}">
+                    <a16:rowId xmlns:a16="http://schemas.microsoft.com/office/drawing/2014/main" val="794876426"/>
+                  </a:ext>
+                </a:extLst>
+              </a:tr>
+            </a:tbl>
+          </a:graphicData>
+        </a:graphic>
+      </p:graphicFrame>
     </p:spTree>
     <p:extLst>
       <p:ext uri="{BB962C8B-B14F-4D97-AF65-F5344CB8AC3E}">
-        <p14:creationId xmlns:p14="http://schemas.microsoft.com/office/powerpoint/2010/main" val="1815722324"/>
+        <p14:creationId xmlns:p14="http://schemas.microsoft.com/office/powerpoint/2010/main" val="861538899"/>
       </p:ext>
     </p:extLst>
   </p:cSld>
@@ -6592,7 +7848,7 @@
             <a:pPr algn="ctr"/>
             <a:r>
               <a:rPr lang="en-GB" b="1" dirty="0" smtClean="0"/>
-              <a:t>METAL</a:t>
+              <a:t>Manhattan plots</a:t>
             </a:r>
             <a:endParaRPr lang="en-GB" b="1" dirty="0"/>
           </a:p>
@@ -6614,43 +7870,30 @@
           <a:lstStyle/>
           <a:p>
             <a:r>
-              <a:rPr lang="en-GB" dirty="0"/>
-              <a:t>GC lambda was not </a:t>
-            </a:r>
-            <a:r>
               <a:rPr lang="en-GB" dirty="0" smtClean="0"/>
-              <a:t>considered on cohort level.</a:t>
-            </a:r>
-            <a:endParaRPr lang="en-GB" dirty="0"/>
+              <a:t>The plots were produced for each protein from each cohort.</a:t>
+            </a:r>
           </a:p>
           <a:p>
             <a:r>
               <a:rPr lang="en-GB" dirty="0" smtClean="0"/>
-              <a:t>Beta/se</a:t>
-            </a:r>
-            <a:endParaRPr lang="en-GB" dirty="0"/>
-          </a:p>
-          <a:p>
-            <a:r>
-              <a:rPr lang="en-GB" dirty="0"/>
-              <a:t>N</a:t>
-            </a:r>
-          </a:p>
-          <a:p>
-            <a:r>
-              <a:rPr lang="en-GB" dirty="0"/>
-              <a:t>LLOD%</a:t>
-            </a:r>
-          </a:p>
-          <a:p>
-            <a:endParaRPr lang="en-GB" dirty="0"/>
+              <a:t>It indicates that </a:t>
+            </a:r>
+            <a:r>
+              <a:rPr lang="en-GB" dirty="0" err="1" smtClean="0"/>
+              <a:t>sumstats</a:t>
+            </a:r>
+            <a:r>
+              <a:rPr lang="en-GB" dirty="0" smtClean="0"/>
+              <a:t> are generally satisfactory.</a:t>
+            </a:r>
           </a:p>
         </p:txBody>
       </p:sp>
     </p:spTree>
     <p:extLst>
       <p:ext uri="{BB962C8B-B14F-4D97-AF65-F5344CB8AC3E}">
-        <p14:creationId xmlns:p14="http://schemas.microsoft.com/office/powerpoint/2010/main" val="3002967337"/>
+        <p14:creationId xmlns:p14="http://schemas.microsoft.com/office/powerpoint/2010/main" val="1815722324"/>
       </p:ext>
     </p:extLst>
   </p:cSld>
@@ -6695,11 +7938,7 @@
             <a:pPr algn="ctr"/>
             <a:r>
               <a:rPr lang="en-GB" b="1" dirty="0" smtClean="0"/>
-              <a:t>Use of </a:t>
-            </a:r>
-            <a:r>
-              <a:rPr lang="en-GB" b="1" dirty="0" err="1" smtClean="0"/>
-              <a:t>sumstats</a:t>
+              <a:t>METAL</a:t>
             </a:r>
             <a:endParaRPr lang="en-GB" b="1" dirty="0"/>
           </a:p>
@@ -6721,48 +7960,32 @@
           <a:lstStyle/>
           <a:p>
             <a:r>
+              <a:rPr lang="en-GB" dirty="0"/>
+              <a:t>GC lambda was not </a:t>
+            </a:r>
+            <a:r>
               <a:rPr lang="en-GB" dirty="0" smtClean="0"/>
-              <a:t>PLINK –clump</a:t>
-            </a:r>
+              <a:t>considered on cohort level.</a:t>
+            </a:r>
+            <a:endParaRPr lang="en-GB" dirty="0"/>
           </a:p>
           <a:p>
             <a:r>
               <a:rPr lang="en-GB" dirty="0" smtClean="0"/>
-              <a:t>GCTA –</a:t>
-            </a:r>
-            <a:r>
-              <a:rPr lang="en-GB" dirty="0" err="1" smtClean="0"/>
-              <a:t>cojo</a:t>
-            </a:r>
-            <a:endParaRPr lang="en-GB" dirty="0" smtClean="0"/>
-          </a:p>
-          <a:p>
-            <a:r>
-              <a:rPr lang="en-GB" dirty="0" err="1" smtClean="0"/>
-              <a:t>Finemapping</a:t>
-            </a:r>
-            <a:endParaRPr lang="en-GB" dirty="0" smtClean="0"/>
-          </a:p>
-          <a:p>
-            <a:r>
-              <a:rPr lang="en-GB" dirty="0" smtClean="0"/>
-              <a:t>Annotation</a:t>
-            </a:r>
+              <a:t>Beta/se</a:t>
+            </a:r>
+            <a:endParaRPr lang="en-GB" dirty="0"/>
           </a:p>
           <a:p>
             <a:r>
               <a:rPr lang="en-GB" dirty="0"/>
-              <a:t>LDSC analysis</a:t>
-            </a:r>
-            <a:r>
-              <a:rPr lang="en-GB" dirty="0" smtClean="0"/>
-              <a:t>?</a:t>
+              <a:t>N</a:t>
             </a:r>
           </a:p>
           <a:p>
             <a:r>
               <a:rPr lang="en-GB" dirty="0"/>
-              <a:t>Quantitative trait/disease outcomes, e.g., CVD, lung function.</a:t>
+              <a:t>LLOD%</a:t>
             </a:r>
           </a:p>
           <a:p>
@@ -6773,7 +7996,7 @@
     </p:spTree>
     <p:extLst>
       <p:ext uri="{BB962C8B-B14F-4D97-AF65-F5344CB8AC3E}">
-        <p14:creationId xmlns:p14="http://schemas.microsoft.com/office/powerpoint/2010/main" val="2840599358"/>
+        <p14:creationId xmlns:p14="http://schemas.microsoft.com/office/powerpoint/2010/main" val="3002967337"/>
       </p:ext>
     </p:extLst>
   </p:cSld>
@@ -6818,7 +8041,11 @@
             <a:pPr algn="ctr"/>
             <a:r>
               <a:rPr lang="en-GB" b="1" dirty="0" smtClean="0"/>
-              <a:t>Results</a:t>
+              <a:t>Use of </a:t>
+            </a:r>
+            <a:r>
+              <a:rPr lang="en-GB" b="1" dirty="0" err="1" smtClean="0"/>
+              <a:t>sumstats</a:t>
             </a:r>
             <a:endParaRPr lang="en-GB" b="1" dirty="0"/>
           </a:p>
@@ -6840,43 +8067,51 @@
           <a:lstStyle/>
           <a:p>
             <a:r>
+              <a:rPr lang="en-GB" dirty="0" smtClean="0"/>
+              <a:t>PLINK –clump</a:t>
+            </a:r>
+          </a:p>
+          <a:p>
+            <a:r>
+              <a:rPr lang="en-GB" dirty="0" smtClean="0"/>
+              <a:t>GCTA –</a:t>
+            </a:r>
+            <a:r>
               <a:rPr lang="en-GB" dirty="0" err="1" smtClean="0"/>
-              <a:t>Mahattan</a:t>
-            </a:r>
+              <a:t>cojo</a:t>
+            </a:r>
+            <a:endParaRPr lang="en-GB" dirty="0" smtClean="0"/>
+          </a:p>
+          <a:p>
+            <a:r>
+              <a:rPr lang="en-GB" dirty="0" err="1" smtClean="0"/>
+              <a:t>Finemapping</a:t>
+            </a:r>
+            <a:endParaRPr lang="en-GB" dirty="0" smtClean="0"/>
+          </a:p>
+          <a:p>
             <a:r>
               <a:rPr lang="en-GB" dirty="0" smtClean="0"/>
-              <a:t> plots by protein by cohort</a:t>
-            </a:r>
-          </a:p>
-          <a:p>
-            <a:r>
-              <a:rPr lang="en-GB" dirty="0" err="1" smtClean="0"/>
-              <a:t>sumstats+Manhattan</a:t>
+              <a:t>Annotation</a:t>
+            </a:r>
+          </a:p>
+          <a:p>
+            <a:r>
+              <a:rPr lang="en-GB" dirty="0"/>
+              <a:t>LDSC analysis</a:t>
             </a:r>
             <a:r>
               <a:rPr lang="en-GB" dirty="0" smtClean="0"/>
-              <a:t>/Q-Q/</a:t>
-            </a:r>
-            <a:r>
-              <a:rPr lang="en-GB" dirty="0" err="1" smtClean="0"/>
-              <a:t>LocusZoom</a:t>
-            </a:r>
-            <a:r>
-              <a:rPr lang="en-GB" dirty="0" smtClean="0"/>
-              <a:t> plots</a:t>
-            </a:r>
-          </a:p>
-          <a:p>
-            <a:r>
-              <a:rPr lang="en-GB" dirty="0" smtClean="0"/>
-              <a:t>PLINK –clump –clump-r2=0 and 0.1</a:t>
-            </a:r>
-          </a:p>
-          <a:p>
-            <a:r>
-              <a:rPr lang="en-GB" smtClean="0"/>
-              <a:t>cis/trans classification</a:t>
-            </a:r>
+              <a:t>?</a:t>
+            </a:r>
+          </a:p>
+          <a:p>
+            <a:r>
+              <a:rPr lang="en-GB" dirty="0"/>
+              <a:t>Quantitative trait/disease outcomes, e.g., CVD, lung function.</a:t>
+            </a:r>
+          </a:p>
+          <a:p>
             <a:endParaRPr lang="en-GB" dirty="0"/>
           </a:p>
         </p:txBody>
@@ -6884,7 +8119,7 @@
     </p:spTree>
     <p:extLst>
       <p:ext uri="{BB962C8B-B14F-4D97-AF65-F5344CB8AC3E}">
-        <p14:creationId xmlns:p14="http://schemas.microsoft.com/office/powerpoint/2010/main" val="101094381"/>
+        <p14:creationId xmlns:p14="http://schemas.microsoft.com/office/powerpoint/2010/main" val="2840599358"/>
       </p:ext>
     </p:extLst>
   </p:cSld>
@@ -6929,11 +8164,7 @@
             <a:pPr algn="ctr"/>
             <a:r>
               <a:rPr lang="en-GB" b="1" dirty="0" smtClean="0"/>
-              <a:t>A general sketch </a:t>
-            </a:r>
-            <a:r>
-              <a:rPr lang="en-GB" b="1" dirty="0" smtClean="0"/>
-              <a:t>of analysis</a:t>
+              <a:t>Results</a:t>
             </a:r>
             <a:endParaRPr lang="en-GB" b="1" dirty="0"/>
           </a:p>
@@ -6955,38 +8186,42 @@
           <a:lstStyle/>
           <a:p>
             <a:r>
+              <a:rPr lang="en-GB" dirty="0" err="1" smtClean="0"/>
+              <a:t>Mahattan</a:t>
+            </a:r>
+            <a:r>
               <a:rPr lang="en-GB" dirty="0" smtClean="0"/>
-              <a:t>Discovery, </a:t>
+              <a:t> plots by protein by cohort</a:t>
+            </a:r>
+          </a:p>
+          <a:p>
+            <a:r>
+              <a:rPr lang="en-GB" dirty="0" err="1" smtClean="0"/>
+              <a:t>sumstats+Manhattan</a:t>
             </a:r>
             <a:r>
               <a:rPr lang="en-GB" dirty="0" smtClean="0"/>
-              <a:t>replication.</a:t>
-            </a:r>
-            <a:endParaRPr lang="en-GB" dirty="0" smtClean="0"/>
-          </a:p>
-          <a:p>
+              <a:t>/Q-Q/</a:t>
+            </a:r>
+            <a:r>
+              <a:rPr lang="en-GB" dirty="0" err="1" smtClean="0"/>
+              <a:t>LocusZoom</a:t>
+            </a:r>
             <a:r>
               <a:rPr lang="en-GB" dirty="0" smtClean="0"/>
-              <a:t>Power </a:t>
-            </a:r>
+              <a:t> plots</a:t>
+            </a:r>
+          </a:p>
+          <a:p>
             <a:r>
               <a:rPr lang="en-GB" dirty="0" smtClean="0"/>
-              <a:t>issues.</a:t>
-            </a:r>
-            <a:endParaRPr lang="en-GB" dirty="0"/>
-          </a:p>
-          <a:p>
-            <a:r>
-              <a:rPr lang="en-GB" dirty="0" smtClean="0"/>
-              <a:t>Cohort </a:t>
-            </a:r>
-            <a:r>
-              <a:rPr lang="en-GB" dirty="0" err="1" smtClean="0"/>
-              <a:t>descriptives</a:t>
-            </a:r>
-            <a:r>
-              <a:rPr lang="en-GB" dirty="0" smtClean="0"/>
-              <a:t> to be requested.</a:t>
+              <a:t>PLINK –clump –clump-r2=0 and 0.1</a:t>
+            </a:r>
+          </a:p>
+          <a:p>
+            <a:r>
+              <a:rPr lang="en-GB" smtClean="0"/>
+              <a:t>cis/trans classification</a:t>
             </a:r>
             <a:endParaRPr lang="en-GB" dirty="0"/>
           </a:p>
@@ -6995,7 +8230,7 @@
     </p:spTree>
     <p:extLst>
       <p:ext uri="{BB962C8B-B14F-4D97-AF65-F5344CB8AC3E}">
-        <p14:creationId xmlns:p14="http://schemas.microsoft.com/office/powerpoint/2010/main" val="1596982311"/>
+        <p14:creationId xmlns:p14="http://schemas.microsoft.com/office/powerpoint/2010/main" val="101094381"/>
       </p:ext>
     </p:extLst>
   </p:cSld>

--- a/doc/SCALLOP_INF1-120419.pptx
+++ b/doc/SCALLOP_INF1-120419.pptx
@@ -8,10 +8,10 @@
     <p:sldId id="256" r:id="rId2"/>
     <p:sldId id="273" r:id="rId3"/>
     <p:sldId id="275" r:id="rId4"/>
-    <p:sldId id="274" r:id="rId5"/>
-    <p:sldId id="281" r:id="rId6"/>
-    <p:sldId id="278" r:id="rId7"/>
-    <p:sldId id="276" r:id="rId8"/>
+    <p:sldId id="276" r:id="rId5"/>
+    <p:sldId id="274" r:id="rId6"/>
+    <p:sldId id="281" r:id="rId7"/>
+    <p:sldId id="278" r:id="rId8"/>
     <p:sldId id="279" r:id="rId9"/>
     <p:sldId id="280" r:id="rId10"/>
     <p:sldId id="277" r:id="rId11"/>
@@ -279,7 +279,7 @@
           <a:p>
             <a:fld id="{E1BC1721-5CED-45EF-BE6E-B0E4EE9D0A2D}" type="datetimeFigureOut">
               <a:rPr lang="en-GB" smtClean="0"/>
-              <a:t>04/04/2019</a:t>
+              <a:t>05/04/2019</a:t>
             </a:fld>
             <a:endParaRPr lang="en-GB"/>
           </a:p>
@@ -479,7 +479,7 @@
           <a:p>
             <a:fld id="{E1BC1721-5CED-45EF-BE6E-B0E4EE9D0A2D}" type="datetimeFigureOut">
               <a:rPr lang="en-GB" smtClean="0"/>
-              <a:t>04/04/2019</a:t>
+              <a:t>05/04/2019</a:t>
             </a:fld>
             <a:endParaRPr lang="en-GB"/>
           </a:p>
@@ -689,7 +689,7 @@
           <a:p>
             <a:fld id="{E1BC1721-5CED-45EF-BE6E-B0E4EE9D0A2D}" type="datetimeFigureOut">
               <a:rPr lang="en-GB" smtClean="0"/>
-              <a:t>04/04/2019</a:t>
+              <a:t>05/04/2019</a:t>
             </a:fld>
             <a:endParaRPr lang="en-GB"/>
           </a:p>
@@ -889,7 +889,7 @@
           <a:p>
             <a:fld id="{E1BC1721-5CED-45EF-BE6E-B0E4EE9D0A2D}" type="datetimeFigureOut">
               <a:rPr lang="en-GB" smtClean="0"/>
-              <a:t>04/04/2019</a:t>
+              <a:t>05/04/2019</a:t>
             </a:fld>
             <a:endParaRPr lang="en-GB"/>
           </a:p>
@@ -1165,7 +1165,7 @@
           <a:p>
             <a:fld id="{E1BC1721-5CED-45EF-BE6E-B0E4EE9D0A2D}" type="datetimeFigureOut">
               <a:rPr lang="en-GB" smtClean="0"/>
-              <a:t>04/04/2019</a:t>
+              <a:t>05/04/2019</a:t>
             </a:fld>
             <a:endParaRPr lang="en-GB"/>
           </a:p>
@@ -1433,7 +1433,7 @@
           <a:p>
             <a:fld id="{E1BC1721-5CED-45EF-BE6E-B0E4EE9D0A2D}" type="datetimeFigureOut">
               <a:rPr lang="en-GB" smtClean="0"/>
-              <a:t>04/04/2019</a:t>
+              <a:t>05/04/2019</a:t>
             </a:fld>
             <a:endParaRPr lang="en-GB"/>
           </a:p>
@@ -1848,7 +1848,7 @@
           <a:p>
             <a:fld id="{E1BC1721-5CED-45EF-BE6E-B0E4EE9D0A2D}" type="datetimeFigureOut">
               <a:rPr lang="en-GB" smtClean="0"/>
-              <a:t>04/04/2019</a:t>
+              <a:t>05/04/2019</a:t>
             </a:fld>
             <a:endParaRPr lang="en-GB"/>
           </a:p>
@@ -1990,7 +1990,7 @@
           <a:p>
             <a:fld id="{E1BC1721-5CED-45EF-BE6E-B0E4EE9D0A2D}" type="datetimeFigureOut">
               <a:rPr lang="en-GB" smtClean="0"/>
-              <a:t>04/04/2019</a:t>
+              <a:t>05/04/2019</a:t>
             </a:fld>
             <a:endParaRPr lang="en-GB"/>
           </a:p>
@@ -2103,7 +2103,7 @@
           <a:p>
             <a:fld id="{E1BC1721-5CED-45EF-BE6E-B0E4EE9D0A2D}" type="datetimeFigureOut">
               <a:rPr lang="en-GB" smtClean="0"/>
-              <a:t>04/04/2019</a:t>
+              <a:t>05/04/2019</a:t>
             </a:fld>
             <a:endParaRPr lang="en-GB"/>
           </a:p>
@@ -2416,7 +2416,7 @@
           <a:p>
             <a:fld id="{E1BC1721-5CED-45EF-BE6E-B0E4EE9D0A2D}" type="datetimeFigureOut">
               <a:rPr lang="en-GB" smtClean="0"/>
-              <a:t>04/04/2019</a:t>
+              <a:t>05/04/2019</a:t>
             </a:fld>
             <a:endParaRPr lang="en-GB"/>
           </a:p>
@@ -2705,7 +2705,7 @@
           <a:p>
             <a:fld id="{E1BC1721-5CED-45EF-BE6E-B0E4EE9D0A2D}" type="datetimeFigureOut">
               <a:rPr lang="en-GB" smtClean="0"/>
-              <a:t>04/04/2019</a:t>
+              <a:t>05/04/2019</a:t>
             </a:fld>
             <a:endParaRPr lang="en-GB"/>
           </a:p>
@@ -2948,7 +2948,7 @@
           <a:p>
             <a:fld id="{E1BC1721-5CED-45EF-BE6E-B0E4EE9D0A2D}" type="datetimeFigureOut">
               <a:rPr lang="en-GB" smtClean="0"/>
-              <a:t>04/04/2019</a:t>
+              <a:t>05/04/2019</a:t>
             </a:fld>
             <a:endParaRPr lang="en-GB"/>
           </a:p>
@@ -3506,7 +3506,11 @@
           <a:p>
             <a:r>
               <a:rPr lang="en-GB" dirty="0" smtClean="0"/>
-              <a:t>GCTA –</a:t>
+              <a:t>GCTA </a:t>
+            </a:r>
+            <a:r>
+              <a:rPr lang="en-GB" dirty="0" smtClean="0"/>
+              <a:t>–</a:t>
             </a:r>
             <a:r>
               <a:rPr lang="en-GB" dirty="0" err="1" smtClean="0"/>
@@ -3514,17 +3518,21 @@
             </a:r>
             <a:r>
               <a:rPr lang="en-GB" dirty="0" smtClean="0"/>
-              <a:t> appears to provide good compromise between r2=0, 0.1</a:t>
-            </a:r>
-          </a:p>
-          <a:p>
-            <a:r>
-              <a:rPr lang="en-GB" dirty="0" smtClean="0"/>
-              <a:t>Discovery</a:t>
-            </a:r>
-            <a:r>
-              <a:rPr lang="en-GB" dirty="0" smtClean="0"/>
-              <a:t>, replication.</a:t>
+              <a:t> appears to </a:t>
+            </a:r>
+            <a:r>
+              <a:rPr lang="en-GB" dirty="0" smtClean="0"/>
+              <a:t>be a good </a:t>
+            </a:r>
+            <a:r>
+              <a:rPr lang="en-GB" dirty="0" smtClean="0"/>
+              <a:t>compromise between r2=0, 0.1</a:t>
+            </a:r>
+          </a:p>
+          <a:p>
+            <a:r>
+              <a:rPr lang="en-GB" dirty="0" smtClean="0"/>
+              <a:t>Discovery, replication.</a:t>
             </a:r>
           </a:p>
           <a:p>
@@ -3537,23 +3545,29 @@
           <a:p>
             <a:r>
               <a:rPr lang="en-GB" dirty="0" smtClean="0"/>
-              <a:t>Cohort </a:t>
+              <a:t>Additional information on genotyping and cohort characteristics needs </a:t>
+            </a:r>
+            <a:r>
+              <a:rPr lang="en-GB" dirty="0" smtClean="0"/>
+              <a:t>to be requested</a:t>
+            </a:r>
+            <a:r>
+              <a:rPr lang="en-GB" dirty="0" smtClean="0"/>
+              <a:t>.</a:t>
+            </a:r>
+          </a:p>
+          <a:p>
+            <a:r>
+              <a:rPr lang="en-GB" dirty="0" smtClean="0"/>
+              <a:t>Elementary summary statistics such as h2 from INTERVAL, with KORA relatively small for GCTA and </a:t>
             </a:r>
             <a:r>
               <a:rPr lang="en-GB" dirty="0" err="1" smtClean="0"/>
-              <a:t>descriptives</a:t>
-            </a:r>
-            <a:r>
-              <a:rPr lang="en-GB" dirty="0" smtClean="0"/>
-              <a:t> </a:t>
-            </a:r>
-            <a:r>
-              <a:rPr lang="en-GB" dirty="0" smtClean="0"/>
-              <a:t>need to </a:t>
-            </a:r>
-            <a:r>
-              <a:rPr lang="en-GB" dirty="0" smtClean="0"/>
-              <a:t>be requested.</a:t>
+              <a:t>and</a:t>
+            </a:r>
+            <a:r>
+              <a:rPr lang="en-GB" dirty="0" smtClean="0"/>
+              <a:t> INF1 for HESS.</a:t>
             </a:r>
             <a:endParaRPr lang="en-GB" dirty="0"/>
           </a:p>
@@ -3630,13 +3644,30 @@
           <a:p>
             <a:r>
               <a:rPr lang="en-GB" dirty="0" smtClean="0"/>
-              <a:t>8/3/19</a:t>
-            </a:r>
-          </a:p>
-          <a:p>
-            <a:r>
-              <a:rPr lang="en-GB" dirty="0" smtClean="0"/>
-              <a:t>29/11/18</a:t>
+              <a:t>8/3/19 – Recognition of MAF </a:t>
+            </a:r>
+            <a:r>
+              <a:rPr lang="en-GB" dirty="0" err="1" smtClean="0"/>
+              <a:t>cutoff</a:t>
+            </a:r>
+            <a:r>
+              <a:rPr lang="en-GB" dirty="0" smtClean="0"/>
+              <a:t> on </a:t>
+            </a:r>
+            <a:r>
+              <a:rPr lang="en-GB" dirty="0" err="1" smtClean="0"/>
+              <a:t>IFN.gamma</a:t>
+            </a:r>
+            <a:r>
+              <a:rPr lang="en-GB" dirty="0" smtClean="0"/>
+              <a:t>, IL.22.RA1, TSLP</a:t>
+            </a:r>
+            <a:endParaRPr lang="en-GB" dirty="0" smtClean="0"/>
+          </a:p>
+          <a:p>
+            <a:r>
+              <a:rPr lang="en-GB" dirty="0" smtClean="0"/>
+              <a:t>29/11/18 – 22 proteins with busy Manhattan plots</a:t>
             </a:r>
             <a:endParaRPr lang="en-GB" dirty="0"/>
           </a:p>
@@ -4779,14 +4810,14 @@
             <p:ph idx="1"/>
             <p:extLst>
               <p:ext uri="{D42A27DB-BD31-4B8C-83A1-F6EECF244321}">
-                <p14:modId xmlns:p14="http://schemas.microsoft.com/office/powerpoint/2010/main" val="2021918972"/>
+                <p14:modId xmlns:p14="http://schemas.microsoft.com/office/powerpoint/2010/main" val="492672833"/>
               </p:ext>
             </p:extLst>
           </p:nvPr>
         </p:nvGraphicFramePr>
         <p:xfrm>
           <a:off x="838200" y="1097280"/>
-          <a:ext cx="10515600" cy="5760720"/>
+          <a:ext cx="10515600" cy="5194300"/>
         </p:xfrm>
         <a:graphic>
           <a:graphicData uri="http://schemas.openxmlformats.org/drawingml/2006/table">
@@ -4795,35 +4826,35 @@
                 <a:tableStyleId>{5C22544A-7EE6-4342-B048-85BDC9FD1C3A}</a:tableStyleId>
               </a:tblPr>
               <a:tblGrid>
-                <a:gridCol w="2103120">
+                <a:gridCol w="1486989">
                   <a:extLst>
                     <a:ext uri="{9D8B030D-6E8A-4147-A177-3AD203B41FA5}">
                       <a16:colId xmlns:a16="http://schemas.microsoft.com/office/drawing/2014/main" val="8756346"/>
                     </a:ext>
                   </a:extLst>
                 </a:gridCol>
-                <a:gridCol w="2103120">
+                <a:gridCol w="5738948">
                   <a:extLst>
                     <a:ext uri="{9D8B030D-6E8A-4147-A177-3AD203B41FA5}">
                       <a16:colId xmlns:a16="http://schemas.microsoft.com/office/drawing/2014/main" val="3701625291"/>
                     </a:ext>
                   </a:extLst>
                 </a:gridCol>
-                <a:gridCol w="2103120">
+                <a:gridCol w="1680754">
                   <a:extLst>
                     <a:ext uri="{9D8B030D-6E8A-4147-A177-3AD203B41FA5}">
                       <a16:colId xmlns:a16="http://schemas.microsoft.com/office/drawing/2014/main" val="2289324825"/>
                     </a:ext>
                   </a:extLst>
                 </a:gridCol>
-                <a:gridCol w="2103120">
+                <a:gridCol w="566058">
                   <a:extLst>
                     <a:ext uri="{9D8B030D-6E8A-4147-A177-3AD203B41FA5}">
                       <a16:colId xmlns:a16="http://schemas.microsoft.com/office/drawing/2014/main" val="14541980"/>
                     </a:ext>
                   </a:extLst>
                 </a:gridCol>
-                <a:gridCol w="2103120">
+                <a:gridCol w="1042851">
                   <a:extLst>
                     <a:ext uri="{9D8B030D-6E8A-4147-A177-3AD203B41FA5}">
                       <a16:colId xmlns:a16="http://schemas.microsoft.com/office/drawing/2014/main" val="840097387"/>
@@ -4839,15 +4870,18 @@
                     <a:p>
                       <a:pPr algn="l" fontAlgn="b"/>
                       <a:r>
-                        <a:rPr lang="en-GB" sz="1200" b="1" i="0" u="none" strike="noStrike" dirty="0">
-                          <a:solidFill>
-                            <a:srgbClr val="000000"/>
-                          </a:solidFill>
-                          <a:effectLst/>
-                          <a:latin typeface="Calibri" panose="020F0502020204030204" pitchFamily="34" charset="0"/>
+                        <a:rPr lang="en-GB" sz="1800" u="none" strike="noStrike" dirty="0">
+                          <a:effectLst/>
                         </a:rPr>
                         <a:t>Name</a:t>
                       </a:r>
+                      <a:endParaRPr lang="en-GB" sz="1800" b="1" i="0" u="none" strike="noStrike" dirty="0">
+                        <a:solidFill>
+                          <a:schemeClr val="tx1"/>
+                        </a:solidFill>
+                        <a:effectLst/>
+                        <a:latin typeface="Calibri" panose="020F0502020204030204" pitchFamily="34" charset="0"/>
+                      </a:endParaRPr>
                     </a:p>
                   </a:txBody>
                   <a:tcPr marL="7620" marR="7620" marT="7620" marB="0" anchor="b"/>
@@ -4859,15 +4893,18 @@
                     <a:p>
                       <a:pPr algn="l" fontAlgn="b"/>
                       <a:r>
-                        <a:rPr lang="en-GB" sz="1200" b="1" i="0" u="none" strike="noStrike">
-                          <a:solidFill>
-                            <a:srgbClr val="000000"/>
-                          </a:solidFill>
-                          <a:effectLst/>
-                          <a:latin typeface="Calibri" panose="020F0502020204030204" pitchFamily="34" charset="0"/>
+                        <a:rPr lang="en-GB" sz="1800" u="none" strike="noStrike" dirty="0">
+                          <a:effectLst/>
                         </a:rPr>
                         <a:t>Website</a:t>
                       </a:r>
+                      <a:endParaRPr lang="en-GB" sz="1800" b="1" i="0" u="none" strike="noStrike" dirty="0">
+                        <a:solidFill>
+                          <a:schemeClr val="tx1"/>
+                        </a:solidFill>
+                        <a:effectLst/>
+                        <a:latin typeface="Calibri" panose="020F0502020204030204" pitchFamily="34" charset="0"/>
+                      </a:endParaRPr>
                     </a:p>
                   </a:txBody>
                   <a:tcPr marL="7620" marR="7620" marT="7620" marB="0" anchor="b"/>
@@ -4879,15 +4916,18 @@
                     <a:p>
                       <a:pPr algn="l" fontAlgn="b"/>
                       <a:r>
-                        <a:rPr lang="en-GB" sz="1200" b="1" i="0" u="none" strike="noStrike" dirty="0">
-                          <a:solidFill>
-                            <a:srgbClr val="000000"/>
-                          </a:solidFill>
-                          <a:effectLst/>
-                          <a:latin typeface="Calibri" panose="020F0502020204030204" pitchFamily="34" charset="0"/>
+                        <a:rPr lang="en-GB" sz="1800" u="none" strike="noStrike" dirty="0">
+                          <a:effectLst/>
                         </a:rPr>
                         <a:t>Design</a:t>
                       </a:r>
+                      <a:endParaRPr lang="en-GB" sz="1800" b="1" i="0" u="none" strike="noStrike" dirty="0">
+                        <a:solidFill>
+                          <a:schemeClr val="tx1"/>
+                        </a:solidFill>
+                        <a:effectLst/>
+                        <a:latin typeface="Calibri" panose="020F0502020204030204" pitchFamily="34" charset="0"/>
+                      </a:endParaRPr>
                     </a:p>
                   </a:txBody>
                   <a:tcPr marL="7620" marR="7620" marT="7620" marB="0" anchor="b"/>
@@ -4899,15 +4939,18 @@
                     <a:p>
                       <a:pPr algn="l" fontAlgn="b"/>
                       <a:r>
-                        <a:rPr lang="en-GB" sz="1200" b="1" i="0" u="none" strike="noStrike">
-                          <a:solidFill>
-                            <a:srgbClr val="000000"/>
-                          </a:solidFill>
-                          <a:effectLst/>
-                          <a:latin typeface="Calibri" panose="020F0502020204030204" pitchFamily="34" charset="0"/>
+                        <a:rPr lang="en-GB" sz="1800" u="none" strike="noStrike" dirty="0">
+                          <a:effectLst/>
                         </a:rPr>
                         <a:t>N</a:t>
                       </a:r>
+                      <a:endParaRPr lang="en-GB" sz="1800" b="1" i="0" u="none" strike="noStrike" dirty="0">
+                        <a:solidFill>
+                          <a:schemeClr val="tx1"/>
+                        </a:solidFill>
+                        <a:effectLst/>
+                        <a:latin typeface="Calibri" panose="020F0502020204030204" pitchFamily="34" charset="0"/>
+                      </a:endParaRPr>
                     </a:p>
                   </a:txBody>
                   <a:tcPr marL="7620" marR="7620" marT="7620" marB="0" anchor="b"/>
@@ -4919,15 +4962,18 @@
                     <a:p>
                       <a:pPr algn="l" fontAlgn="b"/>
                       <a:r>
-                        <a:rPr lang="en-GB" sz="1200" b="1" i="0" u="none" strike="noStrike">
-                          <a:solidFill>
-                            <a:srgbClr val="000000"/>
-                          </a:solidFill>
-                          <a:effectLst/>
-                          <a:latin typeface="Calibri" panose="020F0502020204030204" pitchFamily="34" charset="0"/>
+                        <a:rPr lang="en-GB" sz="1800" u="none" strike="noStrike" dirty="0">
+                          <a:effectLst/>
                         </a:rPr>
                         <a:t>Institution</a:t>
                       </a:r>
+                      <a:endParaRPr lang="en-GB" sz="1800" b="1" i="0" u="none" strike="noStrike" dirty="0">
+                        <a:solidFill>
+                          <a:schemeClr val="tx1"/>
+                        </a:solidFill>
+                        <a:effectLst/>
+                        <a:latin typeface="Calibri" panose="020F0502020204030204" pitchFamily="34" charset="0"/>
+                      </a:endParaRPr>
                     </a:p>
                   </a:txBody>
                   <a:tcPr marL="7620" marR="7620" marT="7620" marB="0" anchor="b"/>
@@ -4946,15 +4992,18 @@
                     <a:p>
                       <a:pPr algn="l" fontAlgn="ctr"/>
                       <a:r>
-                        <a:rPr lang="en-GB" sz="1200" b="0" i="0" u="none" strike="noStrike" dirty="0">
-                          <a:solidFill>
-                            <a:srgbClr val="000000"/>
-                          </a:solidFill>
-                          <a:effectLst/>
-                          <a:latin typeface="Arial" panose="020B0604020202020204" pitchFamily="34" charset="0"/>
+                        <a:rPr lang="en-GB" sz="1200" u="none" strike="noStrike" dirty="0">
+                          <a:effectLst/>
                         </a:rPr>
                         <a:t>NSPHS</a:t>
                       </a:r>
+                      <a:endParaRPr lang="en-GB" sz="1200" b="0" i="0" u="none" strike="noStrike" dirty="0">
+                        <a:solidFill>
+                          <a:srgbClr val="000000"/>
+                        </a:solidFill>
+                        <a:effectLst/>
+                        <a:latin typeface="Arial" panose="020B0604020202020204" pitchFamily="34" charset="0"/>
+                      </a:endParaRPr>
                     </a:p>
                   </a:txBody>
                   <a:tcPr marL="7620" marR="7620" marT="7620" marB="0" anchor="ctr"/>
@@ -4966,15 +5015,18 @@
                     <a:p>
                       <a:pPr algn="l" fontAlgn="ctr"/>
                       <a:r>
-                        <a:rPr lang="en-GB" sz="1200" b="0" i="0" u="none" strike="noStrike">
-                          <a:solidFill>
-                            <a:srgbClr val="000000"/>
-                          </a:solidFill>
-                          <a:effectLst/>
-                          <a:latin typeface="Arial" panose="020B0604020202020204" pitchFamily="34" charset="0"/>
+                        <a:rPr lang="en-GB" sz="1200" u="none" strike="noStrike" dirty="0">
+                          <a:effectLst/>
                         </a:rPr>
                         <a:t>www.ncbi.nlm.nih.gov/pubmed/20568910</a:t>
                       </a:r>
+                      <a:endParaRPr lang="en-GB" sz="1200" b="0" i="0" u="none" strike="noStrike" dirty="0">
+                        <a:solidFill>
+                          <a:srgbClr val="000000"/>
+                        </a:solidFill>
+                        <a:effectLst/>
+                        <a:latin typeface="Arial" panose="020B0604020202020204" pitchFamily="34" charset="0"/>
+                      </a:endParaRPr>
                     </a:p>
                   </a:txBody>
                   <a:tcPr marL="7620" marR="7620" marT="7620" marB="0" anchor="ctr"/>
@@ -4986,15 +5038,18 @@
                     <a:p>
                       <a:pPr algn="l" fontAlgn="ctr"/>
                       <a:r>
-                        <a:rPr lang="en-GB" sz="1200" b="0" i="0" u="none" strike="noStrike">
-                          <a:solidFill>
-                            <a:srgbClr val="000000"/>
-                          </a:solidFill>
-                          <a:effectLst/>
-                          <a:latin typeface="Arial" panose="020B0604020202020204" pitchFamily="34" charset="0"/>
+                        <a:rPr lang="en-GB" sz="1200" u="none" strike="noStrike" dirty="0">
+                          <a:effectLst/>
                         </a:rPr>
                         <a:t>population study Sweden</a:t>
                       </a:r>
+                      <a:endParaRPr lang="en-GB" sz="1200" b="0" i="0" u="none" strike="noStrike" dirty="0">
+                        <a:solidFill>
+                          <a:srgbClr val="000000"/>
+                        </a:solidFill>
+                        <a:effectLst/>
+                        <a:latin typeface="Arial" panose="020B0604020202020204" pitchFamily="34" charset="0"/>
+                      </a:endParaRPr>
                     </a:p>
                   </a:txBody>
                   <a:tcPr marL="7620" marR="7620" marT="7620" marB="0" anchor="ctr"/>
@@ -5006,15 +5061,21 @@
                     <a:p>
                       <a:pPr algn="l" fontAlgn="b"/>
                       <a:r>
-                        <a:rPr lang="en-GB" sz="1200" b="0" i="0" u="none" strike="noStrike" dirty="0">
+                        <a:rPr lang="en-GB" sz="1200" u="none" strike="noStrike" dirty="0">
                           <a:solidFill>
                             <a:srgbClr val="FF0000"/>
                           </a:solidFill>
                           <a:effectLst/>
-                          <a:latin typeface="Calibri" panose="020F0502020204030204" pitchFamily="34" charset="0"/>
                         </a:rPr>
                         <a:t>866</a:t>
                       </a:r>
+                      <a:endParaRPr lang="en-GB" sz="1200" b="0" i="0" u="none" strike="noStrike" dirty="0">
+                        <a:solidFill>
+                          <a:srgbClr val="FF0000"/>
+                        </a:solidFill>
+                        <a:effectLst/>
+                        <a:latin typeface="Calibri" panose="020F0502020204030204" pitchFamily="34" charset="0"/>
+                      </a:endParaRPr>
                     </a:p>
                   </a:txBody>
                   <a:tcPr marL="7620" marR="7620" marT="7620" marB="0" anchor="b"/>
@@ -5026,15 +5087,18 @@
                     <a:p>
                       <a:pPr algn="l" fontAlgn="ctr"/>
                       <a:r>
-                        <a:rPr lang="en-GB" sz="1200" b="0" i="0" u="none" strike="noStrike">
-                          <a:solidFill>
-                            <a:srgbClr val="000000"/>
-                          </a:solidFill>
-                          <a:effectLst/>
-                          <a:latin typeface="Arial" panose="020B0604020202020204" pitchFamily="34" charset="0"/>
+                        <a:rPr lang="en-GB" sz="1200" u="none" strike="noStrike" dirty="0">
+                          <a:effectLst/>
                         </a:rPr>
                         <a:t>Uppsala</a:t>
                       </a:r>
+                      <a:endParaRPr lang="en-GB" sz="1200" b="0" i="0" u="none" strike="noStrike" dirty="0">
+                        <a:solidFill>
+                          <a:srgbClr val="000000"/>
+                        </a:solidFill>
+                        <a:effectLst/>
+                        <a:latin typeface="Arial" panose="020B0604020202020204" pitchFamily="34" charset="0"/>
+                      </a:endParaRPr>
                     </a:p>
                   </a:txBody>
                   <a:tcPr marL="7620" marR="7620" marT="7620" marB="0" anchor="ctr"/>
@@ -5053,12 +5117,8 @@
                     <a:p>
                       <a:pPr algn="l" fontAlgn="ctr"/>
                       <a:r>
-                        <a:rPr lang="en-GB" sz="1200" b="0" i="0" u="none" strike="noStrike" dirty="0" err="1">
-                          <a:solidFill>
-                            <a:srgbClr val="000000"/>
-                          </a:solidFill>
-                          <a:effectLst/>
-                          <a:latin typeface="Arial" panose="020B0604020202020204" pitchFamily="34" charset="0"/>
+                        <a:rPr lang="en-GB" sz="1200" u="none" strike="noStrike" dirty="0" err="1">
+                          <a:effectLst/>
                         </a:rPr>
                         <a:t>Pfizer.trials</a:t>
                       </a:r>
@@ -5080,15 +5140,18 @@
                     <a:p>
                       <a:pPr algn="l" fontAlgn="b"/>
                       <a:r>
-                        <a:rPr lang="en-GB" sz="1200" b="0" i="0" u="none" strike="noStrike">
-                          <a:solidFill>
-                            <a:srgbClr val="000000"/>
-                          </a:solidFill>
-                          <a:effectLst/>
-                          <a:latin typeface="Calibri" panose="020F0502020204030204" pitchFamily="34" charset="0"/>
+                        <a:rPr lang="en-GB" sz="1200" u="none" strike="noStrike" dirty="0">
+                          <a:effectLst/>
                         </a:rPr>
                         <a:t>www.pfizer.com</a:t>
                       </a:r>
+                      <a:endParaRPr lang="en-GB" sz="1200" b="0" i="0" u="none" strike="noStrike" dirty="0">
+                        <a:solidFill>
+                          <a:srgbClr val="000000"/>
+                        </a:solidFill>
+                        <a:effectLst/>
+                        <a:latin typeface="Calibri" panose="020F0502020204030204" pitchFamily="34" charset="0"/>
+                      </a:endParaRPr>
                     </a:p>
                   </a:txBody>
                   <a:tcPr marL="7620" marR="7620" marT="7620" marB="0" anchor="b"/>
@@ -5100,15 +5163,18 @@
                     <a:p>
                       <a:pPr algn="l" fontAlgn="ctr"/>
                       <a:r>
-                        <a:rPr lang="en-GB" sz="1200" b="0" i="0" u="none" strike="noStrike">
-                          <a:solidFill>
-                            <a:srgbClr val="000000"/>
-                          </a:solidFill>
-                          <a:effectLst/>
-                          <a:latin typeface="Arial" panose="020B0604020202020204" pitchFamily="34" charset="0"/>
+                        <a:rPr lang="en-GB" sz="1200" u="none" strike="noStrike">
+                          <a:effectLst/>
                         </a:rPr>
                         <a:t>rheumatoid</a:t>
                       </a:r>
+                      <a:endParaRPr lang="en-GB" sz="1200" b="0" i="0" u="none" strike="noStrike">
+                        <a:solidFill>
+                          <a:srgbClr val="000000"/>
+                        </a:solidFill>
+                        <a:effectLst/>
+                        <a:latin typeface="Arial" panose="020B0604020202020204" pitchFamily="34" charset="0"/>
+                      </a:endParaRPr>
                     </a:p>
                   </a:txBody>
                   <a:tcPr marL="7620" marR="7620" marT="7620" marB="0" anchor="ctr"/>
@@ -5120,15 +5186,18 @@
                     <a:p>
                       <a:pPr algn="l" fontAlgn="b"/>
                       <a:r>
-                        <a:rPr lang="en-GB" sz="1200" b="0" i="0" u="none" strike="noStrike">
-                          <a:solidFill>
-                            <a:srgbClr val="000000"/>
-                          </a:solidFill>
-                          <a:effectLst/>
-                          <a:latin typeface="Calibri" panose="020F0502020204030204" pitchFamily="34" charset="0"/>
+                        <a:rPr lang="en-GB" sz="1200" u="none" strike="noStrike">
+                          <a:effectLst/>
                         </a:rPr>
                         <a:t>185</a:t>
                       </a:r>
+                      <a:endParaRPr lang="en-GB" sz="1200" b="0" i="0" u="none" strike="noStrike">
+                        <a:solidFill>
+                          <a:srgbClr val="000000"/>
+                        </a:solidFill>
+                        <a:effectLst/>
+                        <a:latin typeface="Calibri" panose="020F0502020204030204" pitchFamily="34" charset="0"/>
+                      </a:endParaRPr>
                     </a:p>
                   </a:txBody>
                   <a:tcPr marL="7620" marR="7620" marT="7620" marB="0" anchor="b"/>
@@ -5140,15 +5209,18 @@
                     <a:p>
                       <a:pPr algn="l" fontAlgn="ctr"/>
                       <a:r>
-                        <a:rPr lang="en-GB" sz="1200" b="0" i="0" u="none" strike="noStrike">
-                          <a:solidFill>
-                            <a:srgbClr val="000000"/>
-                          </a:solidFill>
-                          <a:effectLst/>
-                          <a:latin typeface="Arial" panose="020B0604020202020204" pitchFamily="34" charset="0"/>
+                        <a:rPr lang="en-GB" sz="1200" u="none" strike="noStrike">
+                          <a:effectLst/>
                         </a:rPr>
                         <a:t>Pfizer</a:t>
                       </a:r>
+                      <a:endParaRPr lang="en-GB" sz="1200" b="0" i="0" u="none" strike="noStrike">
+                        <a:solidFill>
+                          <a:srgbClr val="000000"/>
+                        </a:solidFill>
+                        <a:effectLst/>
+                        <a:latin typeface="Arial" panose="020B0604020202020204" pitchFamily="34" charset="0"/>
+                      </a:endParaRPr>
                     </a:p>
                   </a:txBody>
                   <a:tcPr marL="7620" marR="7620" marT="7620" marB="0" anchor="ctr"/>
@@ -5167,15 +5239,18 @@
                     <a:p>
                       <a:pPr algn="l" fontAlgn="ctr"/>
                       <a:r>
-                        <a:rPr lang="en-GB" sz="1200" b="0" i="0" u="none" strike="noStrike" dirty="0">
-                          <a:solidFill>
-                            <a:srgbClr val="000000"/>
-                          </a:solidFill>
-                          <a:effectLst/>
-                          <a:latin typeface="Arial" panose="020B0604020202020204" pitchFamily="34" charset="0"/>
+                        <a:rPr lang="en-GB" sz="1200" u="none" strike="noStrike" dirty="0">
+                          <a:effectLst/>
                         </a:rPr>
                         <a:t>STABILITY</a:t>
                       </a:r>
+                      <a:endParaRPr lang="en-GB" sz="1200" b="0" i="0" u="none" strike="noStrike" dirty="0">
+                        <a:solidFill>
+                          <a:srgbClr val="000000"/>
+                        </a:solidFill>
+                        <a:effectLst/>
+                        <a:latin typeface="Arial" panose="020B0604020202020204" pitchFamily="34" charset="0"/>
+                      </a:endParaRPr>
                     </a:p>
                   </a:txBody>
                   <a:tcPr marL="7620" marR="7620" marT="7620" marB="0" anchor="ctr"/>
@@ -5187,15 +5262,18 @@
                     <a:p>
                       <a:pPr algn="l" fontAlgn="ctr"/>
                       <a:r>
-                        <a:rPr lang="en-GB" sz="1200" b="0" i="0" u="none" strike="noStrike">
-                          <a:solidFill>
-                            <a:srgbClr val="000000"/>
-                          </a:solidFill>
-                          <a:effectLst/>
-                          <a:latin typeface="Arial" panose="020B0604020202020204" pitchFamily="34" charset="0"/>
+                        <a:rPr lang="en-GB" sz="1200" u="none" strike="noStrike" dirty="0">
+                          <a:effectLst/>
                         </a:rPr>
                         <a:t>https://clinicaltrials.gov/ct2/show/NCT00799903</a:t>
                       </a:r>
+                      <a:endParaRPr lang="en-GB" sz="1200" b="0" i="0" u="none" strike="noStrike" dirty="0">
+                        <a:solidFill>
+                          <a:srgbClr val="000000"/>
+                        </a:solidFill>
+                        <a:effectLst/>
+                        <a:latin typeface="Arial" panose="020B0604020202020204" pitchFamily="34" charset="0"/>
+                      </a:endParaRPr>
                     </a:p>
                   </a:txBody>
                   <a:tcPr marL="7620" marR="7620" marT="7620" marB="0" anchor="ctr"/>
@@ -5207,15 +5285,18 @@
                     <a:p>
                       <a:pPr algn="l" fontAlgn="ctr"/>
                       <a:r>
-                        <a:rPr lang="en-GB" sz="1200" b="0" i="0" u="none" strike="noStrike">
-                          <a:solidFill>
-                            <a:srgbClr val="000000"/>
-                          </a:solidFill>
-                          <a:effectLst/>
-                          <a:latin typeface="Arial" panose="020B0604020202020204" pitchFamily="34" charset="0"/>
+                        <a:rPr lang="en-GB" sz="1200" u="none" strike="noStrike">
+                          <a:effectLst/>
                         </a:rPr>
                         <a:t>atherosclerosis</a:t>
                       </a:r>
+                      <a:endParaRPr lang="en-GB" sz="1200" b="0" i="0" u="none" strike="noStrike">
+                        <a:solidFill>
+                          <a:srgbClr val="000000"/>
+                        </a:solidFill>
+                        <a:effectLst/>
+                        <a:latin typeface="Arial" panose="020B0604020202020204" pitchFamily="34" charset="0"/>
+                      </a:endParaRPr>
                     </a:p>
                   </a:txBody>
                   <a:tcPr marL="7620" marR="7620" marT="7620" marB="0" anchor="ctr"/>
@@ -5227,15 +5308,18 @@
                     <a:p>
                       <a:pPr algn="l" fontAlgn="b"/>
                       <a:r>
-                        <a:rPr lang="en-GB" sz="1200" b="0" i="0" u="none" strike="noStrike" dirty="0">
-                          <a:solidFill>
-                            <a:srgbClr val="000000"/>
-                          </a:solidFill>
-                          <a:effectLst/>
-                          <a:latin typeface="Calibri" panose="020F0502020204030204" pitchFamily="34" charset="0"/>
+                        <a:rPr lang="en-GB" sz="1200" u="none" strike="noStrike" dirty="0">
+                          <a:effectLst/>
                         </a:rPr>
                         <a:t>2951</a:t>
                       </a:r>
+                      <a:endParaRPr lang="en-GB" sz="1200" b="0" i="0" u="none" strike="noStrike" dirty="0">
+                        <a:solidFill>
+                          <a:srgbClr val="000000"/>
+                        </a:solidFill>
+                        <a:effectLst/>
+                        <a:latin typeface="Calibri" panose="020F0502020204030204" pitchFamily="34" charset="0"/>
+                      </a:endParaRPr>
                     </a:p>
                   </a:txBody>
                   <a:tcPr marL="7620" marR="7620" marT="7620" marB="0" anchor="b"/>
@@ -5247,15 +5331,18 @@
                     <a:p>
                       <a:pPr algn="l" fontAlgn="ctr"/>
                       <a:r>
-                        <a:rPr lang="en-GB" sz="1200" b="0" i="0" u="none" strike="noStrike">
-                          <a:solidFill>
-                            <a:srgbClr val="000000"/>
-                          </a:solidFill>
-                          <a:effectLst/>
-                          <a:latin typeface="Arial" panose="020B0604020202020204" pitchFamily="34" charset="0"/>
+                        <a:rPr lang="en-GB" sz="1200" u="none" strike="noStrike">
+                          <a:effectLst/>
                         </a:rPr>
                         <a:t>Uppsala</a:t>
                       </a:r>
+                      <a:endParaRPr lang="en-GB" sz="1200" b="0" i="0" u="none" strike="noStrike">
+                        <a:solidFill>
+                          <a:srgbClr val="000000"/>
+                        </a:solidFill>
+                        <a:effectLst/>
+                        <a:latin typeface="Arial" panose="020B0604020202020204" pitchFamily="34" charset="0"/>
+                      </a:endParaRPr>
                     </a:p>
                   </a:txBody>
                   <a:tcPr marL="7620" marR="7620" marT="7620" marB="0" anchor="ctr"/>
@@ -5274,15 +5361,18 @@
                     <a:p>
                       <a:pPr algn="l" fontAlgn="ctr"/>
                       <a:r>
-                        <a:rPr lang="en-GB" sz="1200" b="0" i="0" u="none" strike="noStrike" dirty="0">
-                          <a:solidFill>
-                            <a:srgbClr val="000000"/>
-                          </a:solidFill>
-                          <a:effectLst/>
-                          <a:latin typeface="Arial" panose="020B0604020202020204" pitchFamily="34" charset="0"/>
+                        <a:rPr lang="en-GB" sz="1200" u="none" strike="noStrike" dirty="0">
+                          <a:effectLst/>
                         </a:rPr>
                         <a:t>STANLEY swe6</a:t>
                       </a:r>
+                      <a:endParaRPr lang="en-GB" sz="1200" b="0" i="0" u="none" strike="noStrike" dirty="0">
+                        <a:solidFill>
+                          <a:srgbClr val="000000"/>
+                        </a:solidFill>
+                        <a:effectLst/>
+                        <a:latin typeface="Arial" panose="020B0604020202020204" pitchFamily="34" charset="0"/>
+                      </a:endParaRPr>
                     </a:p>
                   </a:txBody>
                   <a:tcPr marL="7620" marR="7620" marT="7620" marB="0" anchor="ctr"/>
@@ -5294,15 +5384,18 @@
                     <a:p>
                       <a:pPr algn="l" fontAlgn="ctr"/>
                       <a:r>
-                        <a:rPr lang="en-GB" sz="1200" b="0" i="0" u="none" strike="noStrike" dirty="0">
-                          <a:solidFill>
-                            <a:srgbClr val="000000"/>
-                          </a:solidFill>
-                          <a:effectLst/>
-                          <a:latin typeface="Arial" panose="020B0604020202020204" pitchFamily="34" charset="0"/>
+                        <a:rPr lang="en-GB" sz="1200" u="none" strike="noStrike" dirty="0">
+                          <a:effectLst/>
                         </a:rPr>
                         <a:t>www.ki.se/meb/stanleyswebic-studien</a:t>
                       </a:r>
+                      <a:endParaRPr lang="en-GB" sz="1200" b="0" i="0" u="none" strike="noStrike" dirty="0">
+                        <a:solidFill>
+                          <a:srgbClr val="000000"/>
+                        </a:solidFill>
+                        <a:effectLst/>
+                        <a:latin typeface="Arial" panose="020B0604020202020204" pitchFamily="34" charset="0"/>
+                      </a:endParaRPr>
                     </a:p>
                   </a:txBody>
                   <a:tcPr marL="7620" marR="7620" marT="7620" marB="0" anchor="ctr"/>
@@ -5314,15 +5407,18 @@
                     <a:p>
                       <a:pPr algn="l" fontAlgn="ctr"/>
                       <a:r>
-                        <a:rPr lang="en-GB" sz="1200" b="0" i="0" u="none" strike="noStrike">
-                          <a:solidFill>
-                            <a:srgbClr val="000000"/>
-                          </a:solidFill>
-                          <a:effectLst/>
-                          <a:latin typeface="Arial" panose="020B0604020202020204" pitchFamily="34" charset="0"/>
+                        <a:rPr lang="en-GB" sz="1200" u="none" strike="noStrike" dirty="0">
+                          <a:effectLst/>
                         </a:rPr>
                         <a:t>bipolar, depression</a:t>
                       </a:r>
+                      <a:endParaRPr lang="en-GB" sz="1200" b="0" i="0" u="none" strike="noStrike" dirty="0">
+                        <a:solidFill>
+                          <a:srgbClr val="000000"/>
+                        </a:solidFill>
+                        <a:effectLst/>
+                        <a:latin typeface="Arial" panose="020B0604020202020204" pitchFamily="34" charset="0"/>
+                      </a:endParaRPr>
                     </a:p>
                   </a:txBody>
                   <a:tcPr marL="7620" marR="7620" marT="7620" marB="0" anchor="ctr"/>
@@ -5334,15 +5430,21 @@
                     <a:p>
                       <a:pPr algn="l" fontAlgn="b"/>
                       <a:r>
-                        <a:rPr lang="en-GB" sz="1200" b="0" i="0" u="none" strike="noStrike" dirty="0">
+                        <a:rPr lang="en-GB" sz="1200" u="none" strike="noStrike" dirty="0">
                           <a:solidFill>
                             <a:srgbClr val="FF0000"/>
                           </a:solidFill>
                           <a:effectLst/>
-                          <a:latin typeface="Calibri" panose="020F0502020204030204" pitchFamily="34" charset="0"/>
                         </a:rPr>
                         <a:t>300</a:t>
                       </a:r>
+                      <a:endParaRPr lang="en-GB" sz="1200" b="0" i="0" u="none" strike="noStrike" dirty="0">
+                        <a:solidFill>
+                          <a:srgbClr val="FF0000"/>
+                        </a:solidFill>
+                        <a:effectLst/>
+                        <a:latin typeface="Calibri" panose="020F0502020204030204" pitchFamily="34" charset="0"/>
+                      </a:endParaRPr>
                     </a:p>
                   </a:txBody>
                   <a:tcPr marL="7620" marR="7620" marT="7620" marB="0" anchor="b"/>
@@ -5354,15 +5456,18 @@
                     <a:p>
                       <a:pPr algn="l" fontAlgn="b"/>
                       <a:r>
-                        <a:rPr lang="en-GB" sz="1200" b="0" i="0" u="none" strike="noStrike">
-                          <a:solidFill>
-                            <a:srgbClr val="000000"/>
-                          </a:solidFill>
-                          <a:effectLst/>
-                          <a:latin typeface="Calibri" panose="020F0502020204030204" pitchFamily="34" charset="0"/>
+                        <a:rPr lang="en-GB" sz="1200" u="none" strike="noStrike">
+                          <a:effectLst/>
                         </a:rPr>
                         <a:t>Karolinska</a:t>
                       </a:r>
+                      <a:endParaRPr lang="en-GB" sz="1200" b="0" i="0" u="none" strike="noStrike">
+                        <a:solidFill>
+                          <a:srgbClr val="000000"/>
+                        </a:solidFill>
+                        <a:effectLst/>
+                        <a:latin typeface="Calibri" panose="020F0502020204030204" pitchFamily="34" charset="0"/>
+                      </a:endParaRPr>
                     </a:p>
                   </a:txBody>
                   <a:tcPr marL="7620" marR="7620" marT="7620" marB="0" anchor="b"/>
@@ -5381,15 +5486,18 @@
                     <a:p>
                       <a:pPr algn="l" fontAlgn="ctr"/>
                       <a:r>
-                        <a:rPr lang="en-GB" sz="1200" b="0" i="0" u="none" strike="noStrike">
-                          <a:solidFill>
-                            <a:srgbClr val="000000"/>
-                          </a:solidFill>
-                          <a:effectLst/>
-                          <a:latin typeface="Arial" panose="020B0604020202020204" pitchFamily="34" charset="0"/>
+                        <a:rPr lang="en-GB" sz="1200" u="none" strike="noStrike">
+                          <a:effectLst/>
                         </a:rPr>
                         <a:t>STANLEY lah1</a:t>
                       </a:r>
+                      <a:endParaRPr lang="en-GB" sz="1200" b="0" i="0" u="none" strike="noStrike">
+                        <a:solidFill>
+                          <a:srgbClr val="000000"/>
+                        </a:solidFill>
+                        <a:effectLst/>
+                        <a:latin typeface="Arial" panose="020B0604020202020204" pitchFamily="34" charset="0"/>
+                      </a:endParaRPr>
                     </a:p>
                   </a:txBody>
                   <a:tcPr marL="7620" marR="7620" marT="7620" marB="0" anchor="ctr"/>
@@ -5401,15 +5509,18 @@
                     <a:p>
                       <a:pPr algn="l" fontAlgn="ctr"/>
                       <a:r>
-                        <a:rPr lang="en-GB" sz="1200" b="0" i="0" u="none" strike="noStrike" dirty="0">
-                          <a:solidFill>
-                            <a:srgbClr val="000000"/>
-                          </a:solidFill>
-                          <a:effectLst/>
-                          <a:latin typeface="Arial" panose="020B0604020202020204" pitchFamily="34" charset="0"/>
+                        <a:rPr lang="en-GB" sz="1200" u="none" strike="noStrike" dirty="0">
+                          <a:effectLst/>
                         </a:rPr>
                         <a:t>www.ki.se/meb/stanleyswebic-studien</a:t>
                       </a:r>
+                      <a:endParaRPr lang="en-GB" sz="1200" b="0" i="0" u="none" strike="noStrike" dirty="0">
+                        <a:solidFill>
+                          <a:srgbClr val="000000"/>
+                        </a:solidFill>
+                        <a:effectLst/>
+                        <a:latin typeface="Arial" panose="020B0604020202020204" pitchFamily="34" charset="0"/>
+                      </a:endParaRPr>
                     </a:p>
                   </a:txBody>
                   <a:tcPr marL="7620" marR="7620" marT="7620" marB="0" anchor="ctr"/>
@@ -5421,15 +5532,18 @@
                     <a:p>
                       <a:pPr algn="l" fontAlgn="ctr"/>
                       <a:r>
-                        <a:rPr lang="en-GB" sz="1200" b="0" i="0" u="none" strike="noStrike">
-                          <a:solidFill>
-                            <a:srgbClr val="000000"/>
-                          </a:solidFill>
-                          <a:effectLst/>
-                          <a:latin typeface="Arial" panose="020B0604020202020204" pitchFamily="34" charset="0"/>
+                        <a:rPr lang="en-GB" sz="1200" u="none" strike="noStrike" dirty="0">
+                          <a:effectLst/>
                         </a:rPr>
                         <a:t>bipolar, depression</a:t>
                       </a:r>
+                      <a:endParaRPr lang="en-GB" sz="1200" b="0" i="0" u="none" strike="noStrike" dirty="0">
+                        <a:solidFill>
+                          <a:srgbClr val="000000"/>
+                        </a:solidFill>
+                        <a:effectLst/>
+                        <a:latin typeface="Arial" panose="020B0604020202020204" pitchFamily="34" charset="0"/>
+                      </a:endParaRPr>
                     </a:p>
                   </a:txBody>
                   <a:tcPr marL="7620" marR="7620" marT="7620" marB="0" anchor="ctr"/>
@@ -5441,15 +5555,21 @@
                     <a:p>
                       <a:pPr algn="l" fontAlgn="b"/>
                       <a:r>
-                        <a:rPr lang="en-GB" sz="1200" b="0" i="0" u="none" strike="noStrike" dirty="0">
+                        <a:rPr lang="en-GB" sz="1200" u="none" strike="noStrike" dirty="0">
                           <a:solidFill>
                             <a:srgbClr val="FF0000"/>
                           </a:solidFill>
                           <a:effectLst/>
-                          <a:latin typeface="Calibri" panose="020F0502020204030204" pitchFamily="34" charset="0"/>
                         </a:rPr>
                         <a:t>344</a:t>
                       </a:r>
+                      <a:endParaRPr lang="en-GB" sz="1200" b="0" i="0" u="none" strike="noStrike" dirty="0">
+                        <a:solidFill>
+                          <a:srgbClr val="FF0000"/>
+                        </a:solidFill>
+                        <a:effectLst/>
+                        <a:latin typeface="Calibri" panose="020F0502020204030204" pitchFamily="34" charset="0"/>
+                      </a:endParaRPr>
                     </a:p>
                   </a:txBody>
                   <a:tcPr marL="7620" marR="7620" marT="7620" marB="0" anchor="b"/>
@@ -5461,15 +5581,18 @@
                     <a:p>
                       <a:pPr algn="l" fontAlgn="b"/>
                       <a:r>
-                        <a:rPr lang="en-GB" sz="1200" b="0" i="0" u="none" strike="noStrike">
-                          <a:solidFill>
-                            <a:srgbClr val="000000"/>
-                          </a:solidFill>
-                          <a:effectLst/>
-                          <a:latin typeface="Calibri" panose="020F0502020204030204" pitchFamily="34" charset="0"/>
+                        <a:rPr lang="en-GB" sz="1200" u="none" strike="noStrike">
+                          <a:effectLst/>
                         </a:rPr>
                         <a:t>Karolinska</a:t>
                       </a:r>
+                      <a:endParaRPr lang="en-GB" sz="1200" b="0" i="0" u="none" strike="noStrike">
+                        <a:solidFill>
+                          <a:srgbClr val="000000"/>
+                        </a:solidFill>
+                        <a:effectLst/>
+                        <a:latin typeface="Calibri" panose="020F0502020204030204" pitchFamily="34" charset="0"/>
+                      </a:endParaRPr>
                     </a:p>
                   </a:txBody>
                   <a:tcPr marL="7620" marR="7620" marT="7620" marB="0" anchor="b"/>
@@ -5488,15 +5611,18 @@
                     <a:p>
                       <a:pPr algn="l" fontAlgn="ctr"/>
                       <a:r>
-                        <a:rPr lang="en-GB" sz="1200" b="0" i="0" u="none" strike="noStrike">
-                          <a:solidFill>
-                            <a:srgbClr val="000000"/>
-                          </a:solidFill>
-                          <a:effectLst/>
-                          <a:latin typeface="Arial" panose="020B0604020202020204" pitchFamily="34" charset="0"/>
+                        <a:rPr lang="en-GB" sz="1200" u="none" strike="noStrike">
+                          <a:effectLst/>
                         </a:rPr>
                         <a:t>BioFinder</a:t>
                       </a:r>
+                      <a:endParaRPr lang="en-GB" sz="1200" b="0" i="0" u="none" strike="noStrike">
+                        <a:solidFill>
+                          <a:srgbClr val="000000"/>
+                        </a:solidFill>
+                        <a:effectLst/>
+                        <a:latin typeface="Arial" panose="020B0604020202020204" pitchFamily="34" charset="0"/>
+                      </a:endParaRPr>
                     </a:p>
                   </a:txBody>
                   <a:tcPr marL="7620" marR="7620" marT="7620" marB="0" anchor="ctr"/>
@@ -5508,15 +5634,18 @@
                     <a:p>
                       <a:pPr algn="l" fontAlgn="ctr"/>
                       <a:r>
-                        <a:rPr lang="en-GB" sz="1200" b="0" i="0" u="none" strike="noStrike" dirty="0">
-                          <a:solidFill>
-                            <a:srgbClr val="000000"/>
-                          </a:solidFill>
-                          <a:effectLst/>
-                          <a:latin typeface="Arial" panose="020B0604020202020204" pitchFamily="34" charset="0"/>
+                        <a:rPr lang="en-GB" sz="1200" u="none" strike="noStrike" dirty="0">
+                          <a:effectLst/>
                         </a:rPr>
                         <a:t>http://biofinder.se</a:t>
                       </a:r>
+                      <a:endParaRPr lang="en-GB" sz="1200" b="0" i="0" u="none" strike="noStrike" dirty="0">
+                        <a:solidFill>
+                          <a:srgbClr val="000000"/>
+                        </a:solidFill>
+                        <a:effectLst/>
+                        <a:latin typeface="Arial" panose="020B0604020202020204" pitchFamily="34" charset="0"/>
+                      </a:endParaRPr>
                     </a:p>
                   </a:txBody>
                   <a:tcPr marL="7620" marR="7620" marT="7620" marB="0" anchor="ctr"/>
@@ -5528,15 +5657,18 @@
                     <a:p>
                       <a:pPr algn="l" fontAlgn="ctr"/>
                       <a:r>
-                        <a:rPr lang="en-GB" sz="1200" b="0" i="0" u="none" strike="noStrike" dirty="0">
-                          <a:solidFill>
-                            <a:srgbClr val="000000"/>
-                          </a:solidFill>
-                          <a:effectLst/>
-                          <a:latin typeface="Arial" panose="020B0604020202020204" pitchFamily="34" charset="0"/>
+                        <a:rPr lang="en-GB" sz="1200" u="none" strike="noStrike" dirty="0">
+                          <a:effectLst/>
                         </a:rPr>
                         <a:t>dementia</a:t>
                       </a:r>
+                      <a:endParaRPr lang="en-GB" sz="1200" b="0" i="0" u="none" strike="noStrike" dirty="0">
+                        <a:solidFill>
+                          <a:srgbClr val="000000"/>
+                        </a:solidFill>
+                        <a:effectLst/>
+                        <a:latin typeface="Arial" panose="020B0604020202020204" pitchFamily="34" charset="0"/>
+                      </a:endParaRPr>
                     </a:p>
                   </a:txBody>
                   <a:tcPr marL="7620" marR="7620" marT="7620" marB="0" anchor="ctr"/>
@@ -5548,15 +5680,18 @@
                     <a:p>
                       <a:pPr algn="l" fontAlgn="b"/>
                       <a:r>
-                        <a:rPr lang="en-GB" sz="1200" b="0" i="0" u="none" strike="noStrike">
-                          <a:solidFill>
-                            <a:srgbClr val="000000"/>
-                          </a:solidFill>
-                          <a:effectLst/>
-                          <a:latin typeface="Calibri" panose="020F0502020204030204" pitchFamily="34" charset="0"/>
+                        <a:rPr lang="en-GB" sz="1200" u="none" strike="noStrike">
+                          <a:effectLst/>
                         </a:rPr>
                         <a:t>1496</a:t>
                       </a:r>
+                      <a:endParaRPr lang="en-GB" sz="1200" b="0" i="0" u="none" strike="noStrike">
+                        <a:solidFill>
+                          <a:srgbClr val="000000"/>
+                        </a:solidFill>
+                        <a:effectLst/>
+                        <a:latin typeface="Calibri" panose="020F0502020204030204" pitchFamily="34" charset="0"/>
+                      </a:endParaRPr>
                     </a:p>
                   </a:txBody>
                   <a:tcPr marL="7620" marR="7620" marT="7620" marB="0" anchor="b"/>
@@ -5568,15 +5703,18 @@
                     <a:p>
                       <a:pPr algn="l" fontAlgn="b"/>
                       <a:r>
-                        <a:rPr lang="en-GB" sz="1200" b="0" i="0" u="none" strike="noStrike">
-                          <a:solidFill>
-                            <a:srgbClr val="000000"/>
-                          </a:solidFill>
-                          <a:effectLst/>
-                          <a:latin typeface="Calibri" panose="020F0502020204030204" pitchFamily="34" charset="0"/>
+                        <a:rPr lang="en-GB" sz="1200" u="none" strike="noStrike">
+                          <a:effectLst/>
                         </a:rPr>
                         <a:t>Karolinska</a:t>
                       </a:r>
+                      <a:endParaRPr lang="en-GB" sz="1200" b="0" i="0" u="none" strike="noStrike">
+                        <a:solidFill>
+                          <a:srgbClr val="000000"/>
+                        </a:solidFill>
+                        <a:effectLst/>
+                        <a:latin typeface="Calibri" panose="020F0502020204030204" pitchFamily="34" charset="0"/>
+                      </a:endParaRPr>
                     </a:p>
                   </a:txBody>
                   <a:tcPr marL="7620" marR="7620" marT="7620" marB="0" anchor="b"/>
@@ -5595,15 +5733,18 @@
                     <a:p>
                       <a:pPr algn="l" fontAlgn="ctr"/>
                       <a:r>
-                        <a:rPr lang="en-GB" sz="1200" b="0" i="0" u="none" strike="noStrike">
-                          <a:solidFill>
-                            <a:srgbClr val="000000"/>
-                          </a:solidFill>
-                          <a:effectLst/>
-                          <a:latin typeface="Arial" panose="020B0604020202020204" pitchFamily="34" charset="0"/>
+                        <a:rPr lang="en-GB" sz="1200" u="none" strike="noStrike">
+                          <a:effectLst/>
                         </a:rPr>
                         <a:t>COMBINE.RECOMBINE</a:t>
                       </a:r>
+                      <a:endParaRPr lang="en-GB" sz="1200" b="0" i="0" u="none" strike="noStrike">
+                        <a:solidFill>
+                          <a:srgbClr val="000000"/>
+                        </a:solidFill>
+                        <a:effectLst/>
+                        <a:latin typeface="Arial" panose="020B0604020202020204" pitchFamily="34" charset="0"/>
+                      </a:endParaRPr>
                     </a:p>
                   </a:txBody>
                   <a:tcPr marL="7620" marR="7620" marT="7620" marB="0" anchor="ctr"/>
@@ -5615,15 +5756,18 @@
                     <a:p>
                       <a:pPr algn="l" fontAlgn="ctr"/>
                       <a:r>
-                        <a:rPr lang="en-GB" sz="1200" b="0" i="0" u="none" strike="noStrike">
-                          <a:solidFill>
-                            <a:srgbClr val="000000"/>
-                          </a:solidFill>
-                          <a:effectLst/>
-                          <a:latin typeface="Arial" panose="020B0604020202020204" pitchFamily="34" charset="0"/>
+                        <a:rPr lang="en-GB" sz="1200" u="none" strike="noStrike" dirty="0">
+                          <a:effectLst/>
                         </a:rPr>
                         <a:t>www.combinesweden.se/</a:t>
                       </a:r>
+                      <a:endParaRPr lang="en-GB" sz="1200" b="0" i="0" u="none" strike="noStrike" dirty="0">
+                        <a:solidFill>
+                          <a:srgbClr val="000000"/>
+                        </a:solidFill>
+                        <a:effectLst/>
+                        <a:latin typeface="Arial" panose="020B0604020202020204" pitchFamily="34" charset="0"/>
+                      </a:endParaRPr>
                     </a:p>
                   </a:txBody>
                   <a:tcPr marL="7620" marR="7620" marT="7620" marB="0" anchor="ctr"/>
@@ -5635,15 +5779,18 @@
                     <a:p>
                       <a:pPr algn="l" fontAlgn="ctr"/>
                       <a:r>
-                        <a:rPr lang="en-GB" sz="1200" b="0" i="0" u="none" strike="noStrike" dirty="0">
-                          <a:solidFill>
-                            <a:srgbClr val="000000"/>
-                          </a:solidFill>
-                          <a:effectLst/>
-                          <a:latin typeface="Arial" panose="020B0604020202020204" pitchFamily="34" charset="0"/>
+                        <a:rPr lang="en-GB" sz="1200" u="none" strike="noStrike" dirty="0">
+                          <a:effectLst/>
                         </a:rPr>
                         <a:t>rheumatoid</a:t>
                       </a:r>
+                      <a:endParaRPr lang="en-GB" sz="1200" b="0" i="0" u="none" strike="noStrike" dirty="0">
+                        <a:solidFill>
+                          <a:srgbClr val="000000"/>
+                        </a:solidFill>
+                        <a:effectLst/>
+                        <a:latin typeface="Arial" panose="020B0604020202020204" pitchFamily="34" charset="0"/>
+                      </a:endParaRPr>
                     </a:p>
                   </a:txBody>
                   <a:tcPr marL="7620" marR="7620" marT="7620" marB="0" anchor="ctr"/>
@@ -5655,15 +5802,18 @@
                     <a:p>
                       <a:pPr algn="l" fontAlgn="b"/>
                       <a:r>
-                        <a:rPr lang="en-GB" sz="1200" b="0" i="0" u="none" strike="noStrike">
-                          <a:solidFill>
-                            <a:srgbClr val="000000"/>
-                          </a:solidFill>
-                          <a:effectLst/>
-                          <a:latin typeface="Calibri" panose="020F0502020204030204" pitchFamily="34" charset="0"/>
+                        <a:rPr lang="en-GB" sz="1200" u="none" strike="noStrike">
+                          <a:effectLst/>
                         </a:rPr>
                         <a:t>860</a:t>
                       </a:r>
+                      <a:endParaRPr lang="en-GB" sz="1200" b="0" i="0" u="none" strike="noStrike">
+                        <a:solidFill>
+                          <a:srgbClr val="000000"/>
+                        </a:solidFill>
+                        <a:effectLst/>
+                        <a:latin typeface="Calibri" panose="020F0502020204030204" pitchFamily="34" charset="0"/>
+                      </a:endParaRPr>
                     </a:p>
                   </a:txBody>
                   <a:tcPr marL="7620" marR="7620" marT="7620" marB="0" anchor="b"/>
@@ -5675,15 +5825,18 @@
                     <a:p>
                       <a:pPr algn="l" fontAlgn="b"/>
                       <a:r>
-                        <a:rPr lang="en-GB" sz="1200" b="0" i="0" u="none" strike="noStrike">
-                          <a:solidFill>
-                            <a:srgbClr val="000000"/>
-                          </a:solidFill>
-                          <a:effectLst/>
-                          <a:latin typeface="Calibri" panose="020F0502020204030204" pitchFamily="34" charset="0"/>
+                        <a:rPr lang="en-GB" sz="1200" u="none" strike="noStrike">
+                          <a:effectLst/>
                         </a:rPr>
                         <a:t>Karolinska</a:t>
                       </a:r>
+                      <a:endParaRPr lang="en-GB" sz="1200" b="0" i="0" u="none" strike="noStrike">
+                        <a:solidFill>
+                          <a:srgbClr val="000000"/>
+                        </a:solidFill>
+                        <a:effectLst/>
+                        <a:latin typeface="Calibri" panose="020F0502020204030204" pitchFamily="34" charset="0"/>
+                      </a:endParaRPr>
                     </a:p>
                   </a:txBody>
                   <a:tcPr marL="7620" marR="7620" marT="7620" marB="0" anchor="b"/>
@@ -5702,15 +5855,18 @@
                     <a:p>
                       <a:pPr algn="l" fontAlgn="ctr"/>
                       <a:r>
-                        <a:rPr lang="en-GB" sz="1200" b="0" i="0" u="none" strike="noStrike">
-                          <a:solidFill>
-                            <a:srgbClr val="000000"/>
-                          </a:solidFill>
-                          <a:effectLst/>
-                          <a:latin typeface="Arial" panose="020B0604020202020204" pitchFamily="34" charset="0"/>
+                        <a:rPr lang="en-GB" sz="1200" u="none" strike="noStrike">
+                          <a:effectLst/>
                         </a:rPr>
                         <a:t>Estonian Biobank</a:t>
                       </a:r>
+                      <a:endParaRPr lang="en-GB" sz="1200" b="0" i="0" u="none" strike="noStrike">
+                        <a:solidFill>
+                          <a:srgbClr val="000000"/>
+                        </a:solidFill>
+                        <a:effectLst/>
+                        <a:latin typeface="Arial" panose="020B0604020202020204" pitchFamily="34" charset="0"/>
+                      </a:endParaRPr>
                     </a:p>
                   </a:txBody>
                   <a:tcPr marL="7620" marR="7620" marT="7620" marB="0" anchor="ctr"/>
@@ -5722,15 +5878,18 @@
                     <a:p>
                       <a:pPr algn="l" fontAlgn="ctr"/>
                       <a:r>
-                        <a:rPr lang="en-GB" sz="1200" b="0" i="0" u="none" strike="noStrike">
-                          <a:solidFill>
-                            <a:srgbClr val="000000"/>
-                          </a:solidFill>
-                          <a:effectLst/>
-                          <a:latin typeface="Arial" panose="020B0604020202020204" pitchFamily="34" charset="0"/>
+                        <a:rPr lang="en-GB" sz="1200" u="none" strike="noStrike" dirty="0">
+                          <a:effectLst/>
                         </a:rPr>
                         <a:t>www.geenivaramu.ee/en/access-biobank </a:t>
                       </a:r>
+                      <a:endParaRPr lang="en-GB" sz="1200" b="0" i="0" u="none" strike="noStrike" dirty="0">
+                        <a:solidFill>
+                          <a:srgbClr val="000000"/>
+                        </a:solidFill>
+                        <a:effectLst/>
+                        <a:latin typeface="Arial" panose="020B0604020202020204" pitchFamily="34" charset="0"/>
+                      </a:endParaRPr>
                     </a:p>
                   </a:txBody>
                   <a:tcPr marL="7620" marR="7620" marT="7620" marB="0" anchor="ctr"/>
@@ -5742,15 +5901,18 @@
                     <a:p>
                       <a:pPr algn="l" fontAlgn="ctr"/>
                       <a:r>
-                        <a:rPr lang="en-GB" sz="1200" b="0" i="0" u="none" strike="noStrike" dirty="0">
-                          <a:solidFill>
-                            <a:srgbClr val="000000"/>
-                          </a:solidFill>
-                          <a:effectLst/>
-                          <a:latin typeface="Arial" panose="020B0604020202020204" pitchFamily="34" charset="0"/>
+                        <a:rPr lang="en-GB" sz="1200" u="none" strike="noStrike" dirty="0">
+                          <a:effectLst/>
                         </a:rPr>
                         <a:t>population study Estonia</a:t>
                       </a:r>
+                      <a:endParaRPr lang="en-GB" sz="1200" b="0" i="0" u="none" strike="noStrike" dirty="0">
+                        <a:solidFill>
+                          <a:srgbClr val="000000"/>
+                        </a:solidFill>
+                        <a:effectLst/>
+                        <a:latin typeface="Arial" panose="020B0604020202020204" pitchFamily="34" charset="0"/>
+                      </a:endParaRPr>
                     </a:p>
                   </a:txBody>
                   <a:tcPr marL="7620" marR="7620" marT="7620" marB="0" anchor="ctr"/>
@@ -5762,15 +5924,18 @@
                     <a:p>
                       <a:pPr algn="l" fontAlgn="b"/>
                       <a:r>
-                        <a:rPr lang="en-GB" sz="1200" b="0" i="0" u="none" strike="noStrike">
-                          <a:solidFill>
-                            <a:srgbClr val="000000"/>
-                          </a:solidFill>
-                          <a:effectLst/>
-                          <a:latin typeface="Calibri" panose="020F0502020204030204" pitchFamily="34" charset="0"/>
+                        <a:rPr lang="en-GB" sz="1200" u="none" strike="noStrike">
+                          <a:effectLst/>
                         </a:rPr>
                         <a:t>487</a:t>
                       </a:r>
+                      <a:endParaRPr lang="en-GB" sz="1200" b="0" i="0" u="none" strike="noStrike">
+                        <a:solidFill>
+                          <a:srgbClr val="000000"/>
+                        </a:solidFill>
+                        <a:effectLst/>
+                        <a:latin typeface="Calibri" panose="020F0502020204030204" pitchFamily="34" charset="0"/>
+                      </a:endParaRPr>
                     </a:p>
                   </a:txBody>
                   <a:tcPr marL="7620" marR="7620" marT="7620" marB="0" anchor="b"/>
@@ -5782,15 +5947,18 @@
                     <a:p>
                       <a:pPr algn="l" fontAlgn="ctr"/>
                       <a:r>
-                        <a:rPr lang="en-GB" sz="1200" b="0" i="0" u="none" strike="noStrike">
-                          <a:solidFill>
-                            <a:srgbClr val="000000"/>
-                          </a:solidFill>
-                          <a:effectLst/>
-                          <a:latin typeface="Arial" panose="020B0604020202020204" pitchFamily="34" charset="0"/>
+                        <a:rPr lang="en-GB" sz="1200" u="none" strike="noStrike">
+                          <a:effectLst/>
                         </a:rPr>
                         <a:t>Tartu</a:t>
                       </a:r>
+                      <a:endParaRPr lang="en-GB" sz="1200" b="0" i="0" u="none" strike="noStrike">
+                        <a:solidFill>
+                          <a:srgbClr val="000000"/>
+                        </a:solidFill>
+                        <a:effectLst/>
+                        <a:latin typeface="Arial" panose="020B0604020202020204" pitchFamily="34" charset="0"/>
+                      </a:endParaRPr>
                     </a:p>
                   </a:txBody>
                   <a:tcPr marL="7620" marR="7620" marT="7620" marB="0" anchor="ctr"/>
@@ -5809,15 +5977,18 @@
                     <a:p>
                       <a:pPr algn="l" fontAlgn="ctr"/>
                       <a:r>
-                        <a:rPr lang="en-GB" sz="1200" b="0" i="0" u="none" strike="noStrike">
-                          <a:solidFill>
-                            <a:srgbClr val="000000"/>
-                          </a:solidFill>
-                          <a:effectLst/>
-                          <a:latin typeface="Arial" panose="020B0604020202020204" pitchFamily="34" charset="0"/>
+                        <a:rPr lang="en-GB" sz="1200" u="none" strike="noStrike">
+                          <a:effectLst/>
                         </a:rPr>
                         <a:t>INTERVAL</a:t>
                       </a:r>
+                      <a:endParaRPr lang="en-GB" sz="1200" b="0" i="0" u="none" strike="noStrike">
+                        <a:solidFill>
+                          <a:srgbClr val="000000"/>
+                        </a:solidFill>
+                        <a:effectLst/>
+                        <a:latin typeface="Arial" panose="020B0604020202020204" pitchFamily="34" charset="0"/>
+                      </a:endParaRPr>
                     </a:p>
                   </a:txBody>
                   <a:tcPr marL="7620" marR="7620" marT="7620" marB="0" anchor="ctr"/>
@@ -5829,15 +6000,18 @@
                     <a:p>
                       <a:pPr algn="l" fontAlgn="ctr"/>
                       <a:r>
-                        <a:rPr lang="en-GB" sz="1200" b="0" i="0" u="none" strike="noStrike">
-                          <a:solidFill>
-                            <a:srgbClr val="000000"/>
-                          </a:solidFill>
-                          <a:effectLst/>
-                          <a:latin typeface="Arial" panose="020B0604020202020204" pitchFamily="34" charset="0"/>
+                        <a:rPr lang="en-GB" sz="1200" u="none" strike="noStrike" dirty="0">
+                          <a:effectLst/>
                         </a:rPr>
                         <a:t>www.intervalstudy.org.uk/</a:t>
                       </a:r>
+                      <a:endParaRPr lang="en-GB" sz="1200" b="0" i="0" u="none" strike="noStrike" dirty="0">
+                        <a:solidFill>
+                          <a:srgbClr val="000000"/>
+                        </a:solidFill>
+                        <a:effectLst/>
+                        <a:latin typeface="Arial" panose="020B0604020202020204" pitchFamily="34" charset="0"/>
+                      </a:endParaRPr>
                     </a:p>
                   </a:txBody>
                   <a:tcPr marL="7620" marR="7620" marT="7620" marB="0" anchor="ctr"/>
@@ -5849,15 +6023,18 @@
                     <a:p>
                       <a:pPr algn="l" fontAlgn="ctr"/>
                       <a:r>
-                        <a:rPr lang="en-GB" sz="1200" b="0" i="0" u="none" strike="noStrike" dirty="0">
-                          <a:solidFill>
-                            <a:srgbClr val="000000"/>
-                          </a:solidFill>
-                          <a:effectLst/>
-                          <a:latin typeface="Arial" panose="020B0604020202020204" pitchFamily="34" charset="0"/>
+                        <a:rPr lang="en-GB" sz="1200" u="none" strike="noStrike" dirty="0">
+                          <a:effectLst/>
                         </a:rPr>
                         <a:t>blood donors England</a:t>
                       </a:r>
+                      <a:endParaRPr lang="en-GB" sz="1200" b="0" i="0" u="none" strike="noStrike" dirty="0">
+                        <a:solidFill>
+                          <a:srgbClr val="000000"/>
+                        </a:solidFill>
+                        <a:effectLst/>
+                        <a:latin typeface="Arial" panose="020B0604020202020204" pitchFamily="34" charset="0"/>
+                      </a:endParaRPr>
                     </a:p>
                   </a:txBody>
                   <a:tcPr marL="7620" marR="7620" marT="7620" marB="0" anchor="ctr"/>
@@ -5869,15 +6046,18 @@
                     <a:p>
                       <a:pPr algn="l" fontAlgn="b"/>
                       <a:r>
-                        <a:rPr lang="en-GB" sz="1200" b="0" i="0" u="none" strike="noStrike" dirty="0">
-                          <a:solidFill>
-                            <a:srgbClr val="000000"/>
-                          </a:solidFill>
-                          <a:effectLst/>
-                          <a:latin typeface="Calibri" panose="020F0502020204030204" pitchFamily="34" charset="0"/>
+                        <a:rPr lang="en-GB" sz="1200" u="none" strike="noStrike" dirty="0">
+                          <a:effectLst/>
                         </a:rPr>
                         <a:t>4902</a:t>
                       </a:r>
+                      <a:endParaRPr lang="en-GB" sz="1200" b="0" i="0" u="none" strike="noStrike" dirty="0">
+                        <a:solidFill>
+                          <a:srgbClr val="000000"/>
+                        </a:solidFill>
+                        <a:effectLst/>
+                        <a:latin typeface="Calibri" panose="020F0502020204030204" pitchFamily="34" charset="0"/>
+                      </a:endParaRPr>
                     </a:p>
                   </a:txBody>
                   <a:tcPr marL="7620" marR="7620" marT="7620" marB="0" anchor="b"/>
@@ -5889,15 +6069,18 @@
                     <a:p>
                       <a:pPr algn="l" fontAlgn="ctr"/>
                       <a:r>
-                        <a:rPr lang="en-GB" sz="1200" b="0" i="0" u="none" strike="noStrike">
-                          <a:solidFill>
-                            <a:srgbClr val="000000"/>
-                          </a:solidFill>
-                          <a:effectLst/>
-                          <a:latin typeface="Arial" panose="020B0604020202020204" pitchFamily="34" charset="0"/>
+                        <a:rPr lang="en-GB" sz="1200" u="none" strike="noStrike">
+                          <a:effectLst/>
                         </a:rPr>
                         <a:t>Cambridge</a:t>
                       </a:r>
+                      <a:endParaRPr lang="en-GB" sz="1200" b="0" i="0" u="none" strike="noStrike">
+                        <a:solidFill>
+                          <a:srgbClr val="000000"/>
+                        </a:solidFill>
+                        <a:effectLst/>
+                        <a:latin typeface="Arial" panose="020B0604020202020204" pitchFamily="34" charset="0"/>
+                      </a:endParaRPr>
                     </a:p>
                   </a:txBody>
                   <a:tcPr marL="7620" marR="7620" marT="7620" marB="0" anchor="ctr"/>
@@ -5916,15 +6099,18 @@
                     <a:p>
                       <a:pPr algn="l" fontAlgn="ctr"/>
                       <a:r>
-                        <a:rPr lang="en-GB" sz="1200" b="0" i="0" u="none" strike="noStrike">
-                          <a:solidFill>
-                            <a:srgbClr val="000000"/>
-                          </a:solidFill>
-                          <a:effectLst/>
-                          <a:latin typeface="Arial" panose="020B0604020202020204" pitchFamily="34" charset="0"/>
+                        <a:rPr lang="en-GB" sz="1200" u="none" strike="noStrike">
+                          <a:effectLst/>
                         </a:rPr>
                         <a:t>KORA F4</a:t>
                       </a:r>
+                      <a:endParaRPr lang="en-GB" sz="1200" b="0" i="0" u="none" strike="noStrike">
+                        <a:solidFill>
+                          <a:srgbClr val="000000"/>
+                        </a:solidFill>
+                        <a:effectLst/>
+                        <a:latin typeface="Arial" panose="020B0604020202020204" pitchFamily="34" charset="0"/>
+                      </a:endParaRPr>
                     </a:p>
                   </a:txBody>
                   <a:tcPr marL="7620" marR="7620" marT="7620" marB="0" anchor="ctr"/>
@@ -5936,15 +6122,18 @@
                     <a:p>
                       <a:pPr algn="l" fontAlgn="ctr"/>
                       <a:r>
-                        <a:rPr lang="en-GB" sz="1200" b="0" i="0" u="none" strike="noStrike">
-                          <a:solidFill>
-                            <a:srgbClr val="000000"/>
-                          </a:solidFill>
-                          <a:effectLst/>
-                          <a:latin typeface="Arial" panose="020B0604020202020204" pitchFamily="34" charset="0"/>
+                        <a:rPr lang="en-GB" sz="1200" u="none" strike="noStrike" dirty="0">
+                          <a:effectLst/>
                         </a:rPr>
                         <a:t>https://www.ncbi.nlm.nih.gov/pubmed/16032513/</a:t>
                       </a:r>
+                      <a:endParaRPr lang="en-GB" sz="1200" b="0" i="0" u="none" strike="noStrike" dirty="0">
+                        <a:solidFill>
+                          <a:srgbClr val="000000"/>
+                        </a:solidFill>
+                        <a:effectLst/>
+                        <a:latin typeface="Arial" panose="020B0604020202020204" pitchFamily="34" charset="0"/>
+                      </a:endParaRPr>
                     </a:p>
                   </a:txBody>
                   <a:tcPr marL="7620" marR="7620" marT="7620" marB="0" anchor="ctr"/>
@@ -5956,15 +6145,18 @@
                     <a:p>
                       <a:pPr algn="l" fontAlgn="ctr"/>
                       <a:r>
-                        <a:rPr lang="en-GB" sz="1200" b="0" i="0" u="none" strike="noStrike">
-                          <a:solidFill>
-                            <a:srgbClr val="000000"/>
-                          </a:solidFill>
-                          <a:effectLst/>
-                          <a:latin typeface="Arial" panose="020B0604020202020204" pitchFamily="34" charset="0"/>
+                        <a:rPr lang="en-GB" sz="1200" u="none" strike="noStrike" dirty="0">
+                          <a:effectLst/>
                         </a:rPr>
                         <a:t>population study Germany</a:t>
                       </a:r>
+                      <a:endParaRPr lang="en-GB" sz="1200" b="0" i="0" u="none" strike="noStrike" dirty="0">
+                        <a:solidFill>
+                          <a:srgbClr val="000000"/>
+                        </a:solidFill>
+                        <a:effectLst/>
+                        <a:latin typeface="Arial" panose="020B0604020202020204" pitchFamily="34" charset="0"/>
+                      </a:endParaRPr>
                     </a:p>
                   </a:txBody>
                   <a:tcPr marL="7620" marR="7620" marT="7620" marB="0" anchor="ctr"/>
@@ -5976,15 +6168,18 @@
                     <a:p>
                       <a:pPr algn="l" fontAlgn="b"/>
                       <a:r>
-                        <a:rPr lang="en-GB" sz="1200" b="0" i="0" u="none" strike="noStrike" dirty="0">
-                          <a:solidFill>
-                            <a:srgbClr val="000000"/>
-                          </a:solidFill>
-                          <a:effectLst/>
-                          <a:latin typeface="Calibri" panose="020F0502020204030204" pitchFamily="34" charset="0"/>
+                        <a:rPr lang="en-GB" sz="1200" u="none" strike="noStrike" dirty="0">
+                          <a:effectLst/>
                         </a:rPr>
                         <a:t>1064</a:t>
                       </a:r>
+                      <a:endParaRPr lang="en-GB" sz="1200" b="0" i="0" u="none" strike="noStrike" dirty="0">
+                        <a:solidFill>
+                          <a:srgbClr val="000000"/>
+                        </a:solidFill>
+                        <a:effectLst/>
+                        <a:latin typeface="Calibri" panose="020F0502020204030204" pitchFamily="34" charset="0"/>
+                      </a:endParaRPr>
                     </a:p>
                   </a:txBody>
                   <a:tcPr marL="7620" marR="7620" marT="7620" marB="0" anchor="b"/>
@@ -5996,15 +6191,18 @@
                     <a:p>
                       <a:pPr algn="l" fontAlgn="ctr"/>
                       <a:r>
-                        <a:rPr lang="en-GB" sz="1200" b="0" i="0" u="none" strike="noStrike">
-                          <a:solidFill>
-                            <a:srgbClr val="000000"/>
-                          </a:solidFill>
-                          <a:effectLst/>
-                          <a:latin typeface="Arial" panose="020B0604020202020204" pitchFamily="34" charset="0"/>
+                        <a:rPr lang="en-GB" sz="1200" u="none" strike="noStrike">
+                          <a:effectLst/>
                         </a:rPr>
                         <a:t>Helmholz</a:t>
                       </a:r>
+                      <a:endParaRPr lang="en-GB" sz="1200" b="0" i="0" u="none" strike="noStrike">
+                        <a:solidFill>
+                          <a:srgbClr val="000000"/>
+                        </a:solidFill>
+                        <a:effectLst/>
+                        <a:latin typeface="Arial" panose="020B0604020202020204" pitchFamily="34" charset="0"/>
+                      </a:endParaRPr>
                     </a:p>
                   </a:txBody>
                   <a:tcPr marL="7620" marR="7620" marT="7620" marB="0" anchor="ctr"/>
@@ -6023,15 +6221,18 @@
                     <a:p>
                       <a:pPr algn="l" fontAlgn="ctr"/>
                       <a:r>
-                        <a:rPr lang="en-GB" sz="1200" b="0" i="0" u="none" strike="noStrike">
-                          <a:solidFill>
-                            <a:srgbClr val="000000"/>
-                          </a:solidFill>
-                          <a:effectLst/>
-                          <a:latin typeface="Arial" panose="020B0604020202020204" pitchFamily="34" charset="0"/>
+                        <a:rPr lang="en-GB" sz="1200" u="none" strike="noStrike">
+                          <a:effectLst/>
                         </a:rPr>
                         <a:t>ORCADES</a:t>
                       </a:r>
+                      <a:endParaRPr lang="en-GB" sz="1200" b="0" i="0" u="none" strike="noStrike">
+                        <a:solidFill>
+                          <a:srgbClr val="000000"/>
+                        </a:solidFill>
+                        <a:effectLst/>
+                        <a:latin typeface="Arial" panose="020B0604020202020204" pitchFamily="34" charset="0"/>
+                      </a:endParaRPr>
                     </a:p>
                   </a:txBody>
                   <a:tcPr marL="7620" marR="7620" marT="7620" marB="0" anchor="ctr"/>
@@ -6043,15 +6244,18 @@
                     <a:p>
                       <a:pPr algn="l" fontAlgn="ctr"/>
                       <a:r>
-                        <a:rPr lang="en-GB" sz="1200" b="0" i="0" u="none" strike="noStrike" dirty="0">
-                          <a:solidFill>
-                            <a:srgbClr val="000000"/>
-                          </a:solidFill>
-                          <a:effectLst/>
-                          <a:latin typeface="Arial" panose="020B0604020202020204" pitchFamily="34" charset="0"/>
+                        <a:rPr lang="en-GB" sz="1200" u="none" strike="noStrike" dirty="0">
+                          <a:effectLst/>
                         </a:rPr>
                         <a:t>https://www.ed.ac.uk/usher/molecular-epidemiology/our-studies/the-orkney-complex-disease-study</a:t>
                       </a:r>
+                      <a:endParaRPr lang="en-GB" sz="1200" b="0" i="0" u="none" strike="noStrike" dirty="0">
+                        <a:solidFill>
+                          <a:srgbClr val="000000"/>
+                        </a:solidFill>
+                        <a:effectLst/>
+                        <a:latin typeface="Arial" panose="020B0604020202020204" pitchFamily="34" charset="0"/>
+                      </a:endParaRPr>
                     </a:p>
                   </a:txBody>
                   <a:tcPr marL="7620" marR="7620" marT="7620" marB="0" anchor="ctr"/>
@@ -6063,15 +6267,18 @@
                     <a:p>
                       <a:pPr algn="l" fontAlgn="ctr"/>
                       <a:r>
-                        <a:rPr lang="en-GB" sz="1200" b="0" i="0" u="none" strike="noStrike">
-                          <a:solidFill>
-                            <a:srgbClr val="000000"/>
-                          </a:solidFill>
-                          <a:effectLst/>
-                          <a:latin typeface="Arial" panose="020B0604020202020204" pitchFamily="34" charset="0"/>
+                        <a:rPr lang="en-GB" sz="1200" u="none" strike="noStrike" dirty="0">
+                          <a:effectLst/>
                         </a:rPr>
                         <a:t>population isolate Orkney</a:t>
                       </a:r>
+                      <a:endParaRPr lang="en-GB" sz="1200" b="0" i="0" u="none" strike="noStrike" dirty="0">
+                        <a:solidFill>
+                          <a:srgbClr val="000000"/>
+                        </a:solidFill>
+                        <a:effectLst/>
+                        <a:latin typeface="Arial" panose="020B0604020202020204" pitchFamily="34" charset="0"/>
+                      </a:endParaRPr>
                     </a:p>
                   </a:txBody>
                   <a:tcPr marL="7620" marR="7620" marT="7620" marB="0" anchor="ctr"/>
@@ -6083,15 +6290,18 @@
                     <a:p>
                       <a:pPr algn="l" fontAlgn="b"/>
                       <a:r>
-                        <a:rPr lang="en-GB" sz="1200" b="0" i="0" u="none" strike="noStrike" dirty="0">
-                          <a:solidFill>
-                            <a:srgbClr val="000000"/>
-                          </a:solidFill>
-                          <a:effectLst/>
-                          <a:latin typeface="Calibri" panose="020F0502020204030204" pitchFamily="34" charset="0"/>
+                        <a:rPr lang="en-GB" sz="1200" u="none" strike="noStrike" dirty="0">
+                          <a:effectLst/>
                         </a:rPr>
                         <a:t>981</a:t>
                       </a:r>
+                      <a:endParaRPr lang="en-GB" sz="1200" b="0" i="0" u="none" strike="noStrike" dirty="0">
+                        <a:solidFill>
+                          <a:srgbClr val="000000"/>
+                        </a:solidFill>
+                        <a:effectLst/>
+                        <a:latin typeface="Calibri" panose="020F0502020204030204" pitchFamily="34" charset="0"/>
+                      </a:endParaRPr>
                     </a:p>
                   </a:txBody>
                   <a:tcPr marL="7620" marR="7620" marT="7620" marB="0" anchor="b"/>
@@ -6103,15 +6313,18 @@
                     <a:p>
                       <a:pPr algn="l" fontAlgn="ctr"/>
                       <a:r>
-                        <a:rPr lang="en-GB" sz="1200" b="0" i="0" u="none" strike="noStrike" dirty="0">
-                          <a:solidFill>
-                            <a:srgbClr val="000000"/>
-                          </a:solidFill>
-                          <a:effectLst/>
-                          <a:latin typeface="Arial" panose="020B0604020202020204" pitchFamily="34" charset="0"/>
+                        <a:rPr lang="en-GB" sz="1200" u="none" strike="noStrike" dirty="0">
+                          <a:effectLst/>
                         </a:rPr>
                         <a:t>Edinburgh</a:t>
                       </a:r>
+                      <a:endParaRPr lang="en-GB" sz="1200" b="0" i="0" u="none" strike="noStrike" dirty="0">
+                        <a:solidFill>
+                          <a:srgbClr val="000000"/>
+                        </a:solidFill>
+                        <a:effectLst/>
+                        <a:latin typeface="Arial" panose="020B0604020202020204" pitchFamily="34" charset="0"/>
+                      </a:endParaRPr>
                     </a:p>
                   </a:txBody>
                   <a:tcPr marL="7620" marR="7620" marT="7620" marB="0" anchor="ctr"/>
@@ -6130,15 +6343,18 @@
                     <a:p>
                       <a:pPr algn="l" fontAlgn="ctr"/>
                       <a:r>
-                        <a:rPr lang="en-GB" sz="1200" b="0" i="0" u="none" strike="noStrike">
-                          <a:solidFill>
-                            <a:srgbClr val="000000"/>
-                          </a:solidFill>
-                          <a:effectLst/>
-                          <a:latin typeface="Arial" panose="020B0604020202020204" pitchFamily="34" charset="0"/>
+                        <a:rPr lang="en-GB" sz="1200" u="none" strike="noStrike">
+                          <a:effectLst/>
                         </a:rPr>
                         <a:t>VIS</a:t>
                       </a:r>
+                      <a:endParaRPr lang="en-GB" sz="1200" b="0" i="0" u="none" strike="noStrike">
+                        <a:solidFill>
+                          <a:srgbClr val="000000"/>
+                        </a:solidFill>
+                        <a:effectLst/>
+                        <a:latin typeface="Arial" panose="020B0604020202020204" pitchFamily="34" charset="0"/>
+                      </a:endParaRPr>
                     </a:p>
                   </a:txBody>
                   <a:tcPr marL="7620" marR="7620" marT="7620" marB="0" anchor="ctr"/>
@@ -6150,15 +6366,18 @@
                     <a:p>
                       <a:pPr algn="l" fontAlgn="ctr"/>
                       <a:r>
-                        <a:rPr lang="en-GB" sz="1200" b="0" i="0" u="none" strike="noStrike">
-                          <a:solidFill>
-                            <a:srgbClr val="000000"/>
-                          </a:solidFill>
-                          <a:effectLst/>
-                          <a:latin typeface="Arial" panose="020B0604020202020204" pitchFamily="34" charset="0"/>
+                        <a:rPr lang="en-GB" sz="1200" u="none" strike="noStrike">
+                          <a:effectLst/>
                         </a:rPr>
                         <a:t>https://www.ed.ac.uk/usher/molecular-epidemiology/our-studies/croatian-studies</a:t>
                       </a:r>
+                      <a:endParaRPr lang="en-GB" sz="1200" b="0" i="0" u="none" strike="noStrike">
+                        <a:solidFill>
+                          <a:srgbClr val="000000"/>
+                        </a:solidFill>
+                        <a:effectLst/>
+                        <a:latin typeface="Arial" panose="020B0604020202020204" pitchFamily="34" charset="0"/>
+                      </a:endParaRPr>
                     </a:p>
                   </a:txBody>
                   <a:tcPr marL="7620" marR="7620" marT="7620" marB="0" anchor="ctr"/>
@@ -6170,15 +6389,18 @@
                     <a:p>
                       <a:pPr algn="l" fontAlgn="ctr"/>
                       <a:r>
-                        <a:rPr lang="en-GB" sz="1200" b="0" i="0" u="none" strike="noStrike">
-                          <a:solidFill>
-                            <a:srgbClr val="000000"/>
-                          </a:solidFill>
-                          <a:effectLst/>
-                          <a:latin typeface="Arial" panose="020B0604020202020204" pitchFamily="34" charset="0"/>
+                        <a:rPr lang="en-GB" sz="1200" u="none" strike="noStrike" dirty="0">
+                          <a:effectLst/>
                         </a:rPr>
                         <a:t>population isolate Croatia</a:t>
                       </a:r>
+                      <a:endParaRPr lang="en-GB" sz="1200" b="0" i="0" u="none" strike="noStrike" dirty="0">
+                        <a:solidFill>
+                          <a:srgbClr val="000000"/>
+                        </a:solidFill>
+                        <a:effectLst/>
+                        <a:latin typeface="Arial" panose="020B0604020202020204" pitchFamily="34" charset="0"/>
+                      </a:endParaRPr>
                     </a:p>
                   </a:txBody>
                   <a:tcPr marL="7620" marR="7620" marT="7620" marB="0" anchor="ctr"/>
@@ -6190,15 +6412,18 @@
                     <a:p>
                       <a:pPr algn="l" fontAlgn="b"/>
                       <a:r>
-                        <a:rPr lang="en-GB" sz="1200" b="0" i="0" u="none" strike="noStrike">
-                          <a:solidFill>
-                            <a:srgbClr val="000000"/>
-                          </a:solidFill>
-                          <a:effectLst/>
-                          <a:latin typeface="Calibri" panose="020F0502020204030204" pitchFamily="34" charset="0"/>
+                        <a:rPr lang="en-GB" sz="1200" u="none" strike="noStrike" dirty="0">
+                          <a:effectLst/>
                         </a:rPr>
                         <a:t>899</a:t>
                       </a:r>
+                      <a:endParaRPr lang="en-GB" sz="1200" b="0" i="0" u="none" strike="noStrike" dirty="0">
+                        <a:solidFill>
+                          <a:srgbClr val="000000"/>
+                        </a:solidFill>
+                        <a:effectLst/>
+                        <a:latin typeface="Calibri" panose="020F0502020204030204" pitchFamily="34" charset="0"/>
+                      </a:endParaRPr>
                     </a:p>
                   </a:txBody>
                   <a:tcPr marL="7620" marR="7620" marT="7620" marB="0" anchor="b"/>
@@ -6210,15 +6435,18 @@
                     <a:p>
                       <a:pPr algn="l" fontAlgn="ctr"/>
                       <a:r>
-                        <a:rPr lang="en-GB" sz="1200" b="0" i="0" u="none" strike="noStrike" dirty="0">
-                          <a:solidFill>
-                            <a:srgbClr val="000000"/>
-                          </a:solidFill>
-                          <a:effectLst/>
-                          <a:latin typeface="Arial" panose="020B0604020202020204" pitchFamily="34" charset="0"/>
+                        <a:rPr lang="en-GB" sz="1200" u="none" strike="noStrike" dirty="0">
+                          <a:effectLst/>
                         </a:rPr>
                         <a:t>Edinburgh</a:t>
                       </a:r>
+                      <a:endParaRPr lang="en-GB" sz="1200" b="0" i="0" u="none" strike="noStrike" dirty="0">
+                        <a:solidFill>
+                          <a:srgbClr val="000000"/>
+                        </a:solidFill>
+                        <a:effectLst/>
+                        <a:latin typeface="Arial" panose="020B0604020202020204" pitchFamily="34" charset="0"/>
+                      </a:endParaRPr>
                     </a:p>
                   </a:txBody>
                   <a:tcPr marL="7620" marR="7620" marT="7620" marB="0" anchor="ctr"/>
@@ -6237,15 +6465,18 @@
                     <a:p>
                       <a:pPr algn="l" fontAlgn="ctr"/>
                       <a:r>
-                        <a:rPr lang="en-GB" sz="1200" b="0" i="0" u="none" strike="noStrike">
-                          <a:solidFill>
-                            <a:srgbClr val="000000"/>
-                          </a:solidFill>
-                          <a:effectLst/>
-                          <a:latin typeface="Arial" panose="020B0604020202020204" pitchFamily="34" charset="0"/>
+                        <a:rPr lang="en-GB" sz="1200" u="none" strike="noStrike">
+                          <a:effectLst/>
                         </a:rPr>
                         <a:t>Total</a:t>
                       </a:r>
+                      <a:endParaRPr lang="en-GB" sz="1200" b="0" i="0" u="none" strike="noStrike">
+                        <a:solidFill>
+                          <a:srgbClr val="000000"/>
+                        </a:solidFill>
+                        <a:effectLst/>
+                        <a:latin typeface="Arial" panose="020B0604020202020204" pitchFamily="34" charset="0"/>
+                      </a:endParaRPr>
                     </a:p>
                   </a:txBody>
                   <a:tcPr marL="7620" marR="7620" marT="7620" marB="0" anchor="ctr"/>
@@ -6291,15 +6522,18 @@
                     <a:p>
                       <a:pPr algn="l" fontAlgn="b"/>
                       <a:r>
-                        <a:rPr lang="en-GB" sz="1200" b="0" i="0" u="none" strike="noStrike">
-                          <a:solidFill>
-                            <a:srgbClr val="000000"/>
-                          </a:solidFill>
-                          <a:effectLst/>
-                          <a:latin typeface="Calibri" panose="020F0502020204030204" pitchFamily="34" charset="0"/>
+                        <a:rPr lang="en-GB" sz="1200" u="none" strike="noStrike" dirty="0">
+                          <a:effectLst/>
                         </a:rPr>
                         <a:t>15335</a:t>
                       </a:r>
+                      <a:endParaRPr lang="en-GB" sz="1200" b="0" i="0" u="none" strike="noStrike" dirty="0">
+                        <a:solidFill>
+                          <a:srgbClr val="000000"/>
+                        </a:solidFill>
+                        <a:effectLst/>
+                        <a:latin typeface="Calibri" panose="020F0502020204030204" pitchFamily="34" charset="0"/>
+                      </a:endParaRPr>
                     </a:p>
                   </a:txBody>
                   <a:tcPr marL="7620" marR="7620" marT="7620" marB="0" anchor="b"/>
@@ -6402,14 +6636,36 @@
           <a:p>
             <a:r>
               <a:rPr lang="en-GB" dirty="0" smtClean="0"/>
-              <a:t>Initial attempt with BOLT-LMM on OPG/TNFSF14 with success/failure</a:t>
-            </a:r>
-          </a:p>
-          <a:p>
-            <a:r>
-              <a:rPr lang="en-GB" dirty="0" smtClean="0"/>
-              <a:t>Switch to SNPTEST with PCA1-PCA5/covariate adjustment</a:t>
-            </a:r>
+              <a:t>S</a:t>
+            </a:r>
+            <a:r>
+              <a:rPr lang="en-GB" dirty="0" smtClean="0"/>
+              <a:t>uccess/failure with</a:t>
+            </a:r>
+            <a:r>
+              <a:rPr lang="en-GB" dirty="0" smtClean="0"/>
+              <a:t> </a:t>
+            </a:r>
+            <a:r>
+              <a:rPr lang="en-GB" dirty="0" smtClean="0"/>
+              <a:t>BOLT-LMM on </a:t>
+            </a:r>
+            <a:r>
+              <a:rPr lang="en-GB" dirty="0" smtClean="0"/>
+              <a:t>OPG/TNFSF14</a:t>
+            </a:r>
+            <a:endParaRPr lang="en-GB" dirty="0" smtClean="0"/>
+          </a:p>
+          <a:p>
+            <a:r>
+              <a:rPr lang="en-GB" dirty="0" smtClean="0"/>
+              <a:t>Switch to SNPTEST </a:t>
+            </a:r>
+            <a:r>
+              <a:rPr lang="en-GB" dirty="0" smtClean="0"/>
+              <a:t>on transformed measurement ~ age+sex+PC1-PC5</a:t>
+            </a:r>
+            <a:endParaRPr lang="en-GB" dirty="0" smtClean="0"/>
           </a:p>
           <a:p>
             <a:r>
@@ -6442,7 +6698,11 @@
           <a:p>
             <a:r>
               <a:rPr lang="en-GB" dirty="0" smtClean="0"/>
-              <a:t>The final sample size N=1064</a:t>
+              <a:t>Final </a:t>
+            </a:r>
+            <a:r>
+              <a:rPr lang="en-GB" dirty="0" smtClean="0"/>
+              <a:t>sample size N=1064</a:t>
             </a:r>
             <a:endParaRPr lang="en-GB" dirty="0"/>
           </a:p>
@@ -6496,11 +6756,7 @@
             <a:pPr algn="ctr"/>
             <a:r>
               <a:rPr lang="en-GB" b="1" dirty="0" smtClean="0"/>
-              <a:t>A point on </a:t>
-            </a:r>
-            <a:r>
-              <a:rPr lang="en-GB" b="1" dirty="0" err="1" smtClean="0"/>
-              <a:t>llod</a:t>
+              <a:t>METAL</a:t>
             </a:r>
             <a:endParaRPr lang="en-GB" b="1" dirty="0"/>
           </a:p>
@@ -6522,51 +6778,41 @@
           <a:lstStyle/>
           <a:p>
             <a:r>
-              <a:rPr lang="en-GB" dirty="0" smtClean="0"/>
-              <a:t>An attempt was made by using </a:t>
-            </a:r>
-            <a:r>
-              <a:rPr lang="en-GB" dirty="0" err="1" smtClean="0"/>
-              <a:t>llod</a:t>
-            </a:r>
-            <a:r>
-              <a:rPr lang="en-GB" dirty="0" smtClean="0"/>
-              <a:t>/2.</a:t>
-            </a:r>
-          </a:p>
-          <a:p>
-            <a:r>
-              <a:rPr lang="en-GB" dirty="0" smtClean="0"/>
-              <a:t>Busy Manhattan plots is largely related to this.</a:t>
-            </a:r>
-          </a:p>
-          <a:p>
-            <a:r>
-              <a:rPr lang="en-GB" dirty="0" smtClean="0"/>
-              <a:t>Setting higher MAF </a:t>
-            </a:r>
-            <a:r>
-              <a:rPr lang="en-GB" dirty="0" err="1" smtClean="0"/>
-              <a:t>cutoff</a:t>
-            </a:r>
-            <a:r>
-              <a:rPr lang="en-GB" dirty="0" smtClean="0"/>
-              <a:t> could alleviate P-values.</a:t>
-            </a:r>
-          </a:p>
-          <a:p>
-            <a:r>
-              <a:rPr lang="en-GB" dirty="0" smtClean="0"/>
-              <a:t>The final decision was to discard those with high %</a:t>
-            </a:r>
-            <a:r>
-              <a:rPr lang="en-GB" dirty="0" err="1" smtClean="0"/>
-              <a:t>llod</a:t>
-            </a:r>
-            <a:r>
-              <a:rPr lang="en-GB" dirty="0" smtClean="0"/>
-              <a:t>.</a:t>
-            </a:r>
+              <a:rPr lang="en-GB" dirty="0"/>
+              <a:t>GC </a:t>
+            </a:r>
+            <a:r>
+              <a:rPr lang="en-GB" dirty="0" smtClean="0"/>
+              <a:t>correction not </a:t>
+            </a:r>
+            <a:r>
+              <a:rPr lang="en-GB" dirty="0" smtClean="0"/>
+              <a:t>considered on cohort level.</a:t>
+            </a:r>
+            <a:endParaRPr lang="en-GB" dirty="0"/>
+          </a:p>
+          <a:p>
+            <a:r>
+              <a:rPr lang="en-GB" dirty="0" smtClean="0"/>
+              <a:t>Beta/se</a:t>
+            </a:r>
+            <a:endParaRPr lang="en-GB" dirty="0"/>
+          </a:p>
+          <a:p>
+            <a:r>
+              <a:rPr lang="en-GB" dirty="0" smtClean="0"/>
+              <a:t>N&gt;=10</a:t>
+            </a:r>
+            <a:endParaRPr lang="en-GB" dirty="0"/>
+          </a:p>
+          <a:p>
+            <a:r>
+              <a:rPr lang="en-GB" dirty="0" smtClean="0"/>
+              <a:t>84% above LLOD</a:t>
+            </a:r>
+            <a:endParaRPr lang="en-GB" dirty="0"/>
+          </a:p>
+          <a:p>
             <a:endParaRPr lang="en-GB" dirty="0"/>
           </a:p>
         </p:txBody>
@@ -6574,7 +6820,7 @@
     </p:spTree>
     <p:extLst>
       <p:ext uri="{BB962C8B-B14F-4D97-AF65-F5344CB8AC3E}">
-        <p14:creationId xmlns:p14="http://schemas.microsoft.com/office/powerpoint/2010/main" val="979399102"/>
+        <p14:creationId xmlns:p14="http://schemas.microsoft.com/office/powerpoint/2010/main" val="3002967337"/>
       </p:ext>
     </p:extLst>
   </p:cSld>
@@ -6619,7 +6865,148 @@
             <a:pPr algn="ctr"/>
             <a:r>
               <a:rPr lang="en-GB" b="1" dirty="0" smtClean="0"/>
-              <a:t>LLOD%</a:t>
+              <a:t>A point on </a:t>
+            </a:r>
+            <a:r>
+              <a:rPr lang="en-GB" b="1" dirty="0" err="1" smtClean="0"/>
+              <a:t>llod</a:t>
+            </a:r>
+            <a:endParaRPr lang="en-GB" b="1" dirty="0"/>
+          </a:p>
+        </p:txBody>
+      </p:sp>
+      <p:sp>
+        <p:nvSpPr>
+          <p:cNvPr id="3" name="Content Placeholder 2"/>
+          <p:cNvSpPr>
+            <a:spLocks noGrp="1"/>
+          </p:cNvSpPr>
+          <p:nvPr>
+            <p:ph idx="1"/>
+          </p:nvPr>
+        </p:nvSpPr>
+        <p:spPr/>
+        <p:txBody>
+          <a:bodyPr/>
+          <a:lstStyle/>
+          <a:p>
+            <a:r>
+              <a:rPr lang="en-GB" dirty="0" smtClean="0"/>
+              <a:t>An attempt was made by using </a:t>
+            </a:r>
+            <a:r>
+              <a:rPr lang="en-GB" dirty="0" err="1" smtClean="0"/>
+              <a:t>llod</a:t>
+            </a:r>
+            <a:r>
+              <a:rPr lang="en-GB" dirty="0" smtClean="0"/>
+              <a:t>/2.</a:t>
+            </a:r>
+          </a:p>
+          <a:p>
+            <a:r>
+              <a:rPr lang="en-GB" dirty="0" smtClean="0"/>
+              <a:t>Busy Manhattan plots is largely related to this.</a:t>
+            </a:r>
+          </a:p>
+          <a:p>
+            <a:r>
+              <a:rPr lang="en-GB" dirty="0" err="1" smtClean="0"/>
+              <a:t>Alough</a:t>
+            </a:r>
+            <a:r>
+              <a:rPr lang="en-GB" dirty="0" smtClean="0"/>
+              <a:t> higher </a:t>
+            </a:r>
+            <a:r>
+              <a:rPr lang="en-GB" dirty="0" smtClean="0"/>
+              <a:t>MAF </a:t>
+            </a:r>
+            <a:r>
+              <a:rPr lang="en-GB" dirty="0" err="1" smtClean="0"/>
+              <a:t>cutoff</a:t>
+            </a:r>
+            <a:r>
+              <a:rPr lang="en-GB" dirty="0" smtClean="0"/>
+              <a:t> could alleviate </a:t>
+            </a:r>
+            <a:r>
+              <a:rPr lang="en-GB" dirty="0" smtClean="0"/>
+              <a:t>P-values, the </a:t>
+            </a:r>
+            <a:r>
+              <a:rPr lang="en-GB" dirty="0" smtClean="0"/>
+              <a:t>associate proteins with low &gt;</a:t>
+            </a:r>
+            <a:r>
+              <a:rPr lang="en-GB" dirty="0" err="1" smtClean="0"/>
+              <a:t>llod</a:t>
+            </a:r>
+            <a:r>
+              <a:rPr lang="en-GB" dirty="0" smtClean="0"/>
+              <a:t>% were </a:t>
+            </a:r>
+            <a:r>
+              <a:rPr lang="en-GB" dirty="0" smtClean="0"/>
+              <a:t>discarded.</a:t>
+            </a:r>
+            <a:endParaRPr lang="en-GB" dirty="0"/>
+          </a:p>
+        </p:txBody>
+      </p:sp>
+    </p:spTree>
+    <p:extLst>
+      <p:ext uri="{BB962C8B-B14F-4D97-AF65-F5344CB8AC3E}">
+        <p14:creationId xmlns:p14="http://schemas.microsoft.com/office/powerpoint/2010/main" val="979399102"/>
+      </p:ext>
+    </p:extLst>
+  </p:cSld>
+  <p:clrMapOvr>
+    <a:masterClrMapping/>
+  </p:clrMapOvr>
+</p:sld>
+</file>
+
+<file path=ppt/slides/slide6.xml><?xml version="1.0" encoding="utf-8"?>
+<p:sld xmlns:a="http://schemas.openxmlformats.org/drawingml/2006/main" xmlns:r="http://schemas.openxmlformats.org/officeDocument/2006/relationships" xmlns:p="http://schemas.openxmlformats.org/presentationml/2006/main">
+  <p:cSld>
+    <p:spTree>
+      <p:nvGrpSpPr>
+        <p:cNvPr id="1" name=""/>
+        <p:cNvGrpSpPr/>
+        <p:nvPr/>
+      </p:nvGrpSpPr>
+      <p:grpSpPr>
+        <a:xfrm>
+          <a:off x="0" y="0"/>
+          <a:ext cx="0" cy="0"/>
+          <a:chOff x="0" y="0"/>
+          <a:chExt cx="0" cy="0"/>
+        </a:xfrm>
+      </p:grpSpPr>
+      <p:sp>
+        <p:nvSpPr>
+          <p:cNvPr id="2" name="Title 1"/>
+          <p:cNvSpPr>
+            <a:spLocks noGrp="1"/>
+          </p:cNvSpPr>
+          <p:nvPr>
+            <p:ph type="title"/>
+          </p:nvPr>
+        </p:nvSpPr>
+        <p:spPr/>
+        <p:txBody>
+          <a:bodyPr/>
+          <a:lstStyle/>
+          <a:p>
+            <a:pPr algn="ctr"/>
+            <a:r>
+              <a:rPr lang="en-GB" b="1" dirty="0" smtClean="0"/>
+              <a:t>&gt;LLOD</a:t>
+            </a:r>
+            <a:r>
+              <a:rPr lang="en-GB" b="1" dirty="0" smtClean="0"/>
+              <a:t>%</a:t>
             </a:r>
             <a:endParaRPr lang="en-GB" b="1" dirty="0"/>
           </a:p>
@@ -7813,96 +8200,6 @@
 </p:sld>
 </file>
 
-<file path=ppt/slides/slide6.xml><?xml version="1.0" encoding="utf-8"?>
-<p:sld xmlns:a="http://schemas.openxmlformats.org/drawingml/2006/main" xmlns:r="http://schemas.openxmlformats.org/officeDocument/2006/relationships" xmlns:p="http://schemas.openxmlformats.org/presentationml/2006/main">
-  <p:cSld>
-    <p:spTree>
-      <p:nvGrpSpPr>
-        <p:cNvPr id="1" name=""/>
-        <p:cNvGrpSpPr/>
-        <p:nvPr/>
-      </p:nvGrpSpPr>
-      <p:grpSpPr>
-        <a:xfrm>
-          <a:off x="0" y="0"/>
-          <a:ext cx="0" cy="0"/>
-          <a:chOff x="0" y="0"/>
-          <a:chExt cx="0" cy="0"/>
-        </a:xfrm>
-      </p:grpSpPr>
-      <p:sp>
-        <p:nvSpPr>
-          <p:cNvPr id="2" name="Title 1"/>
-          <p:cNvSpPr>
-            <a:spLocks noGrp="1"/>
-          </p:cNvSpPr>
-          <p:nvPr>
-            <p:ph type="title"/>
-          </p:nvPr>
-        </p:nvSpPr>
-        <p:spPr/>
-        <p:txBody>
-          <a:bodyPr/>
-          <a:lstStyle/>
-          <a:p>
-            <a:pPr algn="ctr"/>
-            <a:r>
-              <a:rPr lang="en-GB" b="1" dirty="0" smtClean="0"/>
-              <a:t>Manhattan plots</a:t>
-            </a:r>
-            <a:endParaRPr lang="en-GB" b="1" dirty="0"/>
-          </a:p>
-        </p:txBody>
-      </p:sp>
-      <p:sp>
-        <p:nvSpPr>
-          <p:cNvPr id="3" name="Content Placeholder 2"/>
-          <p:cNvSpPr>
-            <a:spLocks noGrp="1"/>
-          </p:cNvSpPr>
-          <p:nvPr>
-            <p:ph idx="1"/>
-          </p:nvPr>
-        </p:nvSpPr>
-        <p:spPr/>
-        <p:txBody>
-          <a:bodyPr/>
-          <a:lstStyle/>
-          <a:p>
-            <a:r>
-              <a:rPr lang="en-GB" dirty="0" smtClean="0"/>
-              <a:t>The plots were produced for each protein from each cohort.</a:t>
-            </a:r>
-          </a:p>
-          <a:p>
-            <a:r>
-              <a:rPr lang="en-GB" dirty="0" smtClean="0"/>
-              <a:t>It indicates that </a:t>
-            </a:r>
-            <a:r>
-              <a:rPr lang="en-GB" dirty="0" err="1" smtClean="0"/>
-              <a:t>sumstats</a:t>
-            </a:r>
-            <a:r>
-              <a:rPr lang="en-GB" dirty="0" smtClean="0"/>
-              <a:t> are generally satisfactory.</a:t>
-            </a:r>
-          </a:p>
-        </p:txBody>
-      </p:sp>
-    </p:spTree>
-    <p:extLst>
-      <p:ext uri="{BB962C8B-B14F-4D97-AF65-F5344CB8AC3E}">
-        <p14:creationId xmlns:p14="http://schemas.microsoft.com/office/powerpoint/2010/main" val="1815722324"/>
-      </p:ext>
-    </p:extLst>
-  </p:cSld>
-  <p:clrMapOvr>
-    <a:masterClrMapping/>
-  </p:clrMapOvr>
-</p:sld>
-</file>
-
 <file path=ppt/slides/slide7.xml><?xml version="1.0" encoding="utf-8"?>
 <p:sld xmlns:a="http://schemas.openxmlformats.org/drawingml/2006/main" xmlns:r="http://schemas.openxmlformats.org/officeDocument/2006/relationships" xmlns:p="http://schemas.openxmlformats.org/presentationml/2006/main">
   <p:cSld>
@@ -7938,7 +8235,7 @@
             <a:pPr algn="ctr"/>
             <a:r>
               <a:rPr lang="en-GB" b="1" dirty="0" smtClean="0"/>
-              <a:t>METAL</a:t>
+              <a:t>Manhattan plots</a:t>
             </a:r>
             <a:endParaRPr lang="en-GB" b="1" dirty="0"/>
           </a:p>
@@ -7960,43 +8257,40 @@
           <a:lstStyle/>
           <a:p>
             <a:r>
-              <a:rPr lang="en-GB" dirty="0"/>
-              <a:t>GC lambda was not </a:t>
-            </a:r>
-            <a:r>
-              <a:rPr lang="en-GB" dirty="0" smtClean="0"/>
-              <a:t>considered on cohort level.</a:t>
-            </a:r>
-            <a:endParaRPr lang="en-GB" dirty="0"/>
-          </a:p>
-          <a:p>
-            <a:r>
-              <a:rPr lang="en-GB" dirty="0" smtClean="0"/>
-              <a:t>Beta/se</a:t>
-            </a:r>
-            <a:endParaRPr lang="en-GB" dirty="0"/>
-          </a:p>
-          <a:p>
-            <a:r>
-              <a:rPr lang="en-GB" dirty="0"/>
-              <a:t>N</a:t>
-            </a:r>
-          </a:p>
-          <a:p>
-            <a:r>
-              <a:rPr lang="en-GB" dirty="0"/>
-              <a:t>LLOD%</a:t>
-            </a:r>
-          </a:p>
-          <a:p>
-            <a:endParaRPr lang="en-GB" dirty="0"/>
+              <a:rPr lang="en-GB" dirty="0" smtClean="0"/>
+              <a:t>QCGWAS only desirable for small number of (problematic) proteins.</a:t>
+            </a:r>
+          </a:p>
+          <a:p>
+            <a:r>
+              <a:rPr lang="en-GB" dirty="0" smtClean="0"/>
+              <a:t>Manhattan </a:t>
+            </a:r>
+            <a:r>
+              <a:rPr lang="en-GB" dirty="0" smtClean="0"/>
+              <a:t>plots were produced for each protein from each cohort.</a:t>
+            </a:r>
+          </a:p>
+          <a:p>
+            <a:r>
+              <a:rPr lang="en-GB" dirty="0" smtClean="0"/>
+              <a:t>It indicates that </a:t>
+            </a:r>
+            <a:r>
+              <a:rPr lang="en-GB" dirty="0" err="1" smtClean="0"/>
+              <a:t>sumstats</a:t>
+            </a:r>
+            <a:r>
+              <a:rPr lang="en-GB" dirty="0" smtClean="0"/>
+              <a:t> are generally satisfactory.</a:t>
+            </a:r>
           </a:p>
         </p:txBody>
       </p:sp>
     </p:spTree>
     <p:extLst>
       <p:ext uri="{BB962C8B-B14F-4D97-AF65-F5344CB8AC3E}">
-        <p14:creationId xmlns:p14="http://schemas.microsoft.com/office/powerpoint/2010/main" val="3002967337"/>
+        <p14:creationId xmlns:p14="http://schemas.microsoft.com/office/powerpoint/2010/main" val="1815722324"/>
       </p:ext>
     </p:extLst>
   </p:cSld>
@@ -8068,10 +8362,23 @@
           <a:p>
             <a:r>
               <a:rPr lang="en-GB" dirty="0" smtClean="0"/>
-              <a:t>PLINK –clump</a:t>
-            </a:r>
-          </a:p>
-          <a:p>
+              <a:t>Identification of independent signals with r2=0, 0.1</a:t>
+            </a:r>
+            <a:endParaRPr lang="en-GB" dirty="0" smtClean="0"/>
+          </a:p>
+          <a:p>
+            <a:pPr lvl="1"/>
+            <a:r>
+              <a:rPr lang="en-GB" dirty="0" smtClean="0"/>
+              <a:t>PLINK </a:t>
+            </a:r>
+            <a:r>
+              <a:rPr lang="en-GB" dirty="0" smtClean="0"/>
+              <a:t>–clump</a:t>
+            </a:r>
+          </a:p>
+          <a:p>
+            <a:pPr lvl="1"/>
             <a:r>
               <a:rPr lang="en-GB" dirty="0" smtClean="0"/>
               <a:t>GCTA –</a:t>
@@ -8092,18 +8399,16 @@
           <a:p>
             <a:r>
               <a:rPr lang="en-GB" dirty="0" smtClean="0"/>
-              <a:t>Annotation</a:t>
-            </a:r>
-          </a:p>
-          <a:p>
-            <a:r>
-              <a:rPr lang="en-GB" dirty="0"/>
               <a:t>LDSC analysis</a:t>
             </a:r>
-            <a:r>
-              <a:rPr lang="en-GB" dirty="0" smtClean="0"/>
-              <a:t>?</a:t>
-            </a:r>
+            <a:endParaRPr lang="en-GB" dirty="0"/>
+          </a:p>
+          <a:p>
+            <a:r>
+              <a:rPr lang="en-GB" dirty="0" smtClean="0"/>
+              <a:t>Pathway analysis?</a:t>
+            </a:r>
+            <a:endParaRPr lang="en-GB" dirty="0" smtClean="0"/>
           </a:p>
           <a:p>
             <a:r>
@@ -8186,15 +8491,31 @@
           <a:lstStyle/>
           <a:p>
             <a:r>
+              <a:rPr lang="en-GB" dirty="0" smtClean="0"/>
+              <a:t>/scratch/jhz22/INF/</a:t>
+            </a:r>
+          </a:p>
+          <a:p>
+            <a:pPr lvl="1"/>
+            <a:r>
+              <a:rPr lang="en-GB" dirty="0" smtClean="0"/>
+              <a:t>plots/ contains </a:t>
+            </a:r>
+            <a:r>
               <a:rPr lang="en-GB" dirty="0" err="1" smtClean="0"/>
               <a:t>Mahattan</a:t>
             </a:r>
             <a:r>
               <a:rPr lang="en-GB" dirty="0" smtClean="0"/>
-              <a:t> plots by protein by cohort</a:t>
-            </a:r>
-          </a:p>
-          <a:p>
+              <a:t> plots for participating cohorts</a:t>
+            </a:r>
+          </a:p>
+          <a:p>
+            <a:pPr lvl="1"/>
+            <a:r>
+              <a:rPr lang="en-GB" dirty="0" smtClean="0"/>
+              <a:t>METAL/ contains meta-analysed </a:t>
+            </a:r>
             <a:r>
               <a:rPr lang="en-GB" dirty="0" err="1" smtClean="0"/>
               <a:t>sumstats+Manhattan</a:t>
@@ -8209,19 +8530,23 @@
             </a:r>
             <a:r>
               <a:rPr lang="en-GB" dirty="0" smtClean="0"/>
-              <a:t> plots</a:t>
-            </a:r>
-          </a:p>
-          <a:p>
-            <a:r>
-              <a:rPr lang="en-GB" dirty="0" smtClean="0"/>
-              <a:t>PLINK –clump –clump-r2=0 and 0.1</a:t>
+              <a:t> </a:t>
+            </a:r>
+            <a:r>
+              <a:rPr lang="en-GB" dirty="0" smtClean="0"/>
+              <a:t>plots</a:t>
+            </a:r>
+          </a:p>
+          <a:p>
+            <a:r>
+              <a:rPr lang="en-GB" dirty="0" smtClean="0"/>
+              <a:t>cis/trans classification tables was generated via customised programs.</a:t>
             </a:r>
           </a:p>
           <a:p>
             <a:r>
               <a:rPr lang="en-GB" smtClean="0"/>
-              <a:t>cis/trans classification</a:t>
+              <a:t>doc/INF1.paper.xlsx </a:t>
             </a:r>
             <a:endParaRPr lang="en-GB" dirty="0"/>
           </a:p>

--- a/doc/SCALLOP_INF1-120419.pptx
+++ b/doc/SCALLOP_INF1-120419.pptx
@@ -3506,68 +3506,42 @@
           <a:p>
             <a:r>
               <a:rPr lang="en-GB" dirty="0" smtClean="0"/>
-              <a:t>GCTA </a:t>
-            </a:r>
-            <a:r>
-              <a:rPr lang="en-GB" dirty="0" smtClean="0"/>
-              <a:t>–</a:t>
-            </a:r>
-            <a:r>
-              <a:rPr lang="en-GB" dirty="0" err="1" smtClean="0"/>
-              <a:t>cojo</a:t>
-            </a:r>
-            <a:r>
-              <a:rPr lang="en-GB" dirty="0" smtClean="0"/>
-              <a:t> appears to </a:t>
-            </a:r>
-            <a:r>
-              <a:rPr lang="en-GB" dirty="0" smtClean="0"/>
-              <a:t>be a good </a:t>
-            </a:r>
-            <a:r>
-              <a:rPr lang="en-GB" dirty="0" smtClean="0"/>
-              <a:t>compromise between r2=0, 0.1</a:t>
-            </a:r>
-          </a:p>
-          <a:p>
-            <a:r>
-              <a:rPr lang="en-GB" dirty="0" smtClean="0"/>
-              <a:t>Discovery, replication.</a:t>
-            </a:r>
-          </a:p>
-          <a:p>
-            <a:r>
-              <a:rPr lang="en-GB" dirty="0" smtClean="0"/>
-              <a:t>Power issues.</a:t>
+              <a:t>Discovery</a:t>
+            </a:r>
+            <a:r>
+              <a:rPr lang="en-GB" dirty="0" smtClean="0"/>
+              <a:t>, replication.</a:t>
+            </a:r>
+          </a:p>
+          <a:p>
+            <a:r>
+              <a:rPr lang="en-GB" dirty="0" smtClean="0"/>
+              <a:t>Power </a:t>
+            </a:r>
+            <a:r>
+              <a:rPr lang="en-GB" dirty="0" smtClean="0"/>
+              <a:t>issues – plots of effect size from INTERVAL vs INF1 are helpful.</a:t>
             </a:r>
             <a:endParaRPr lang="en-GB" dirty="0"/>
           </a:p>
           <a:p>
             <a:r>
               <a:rPr lang="en-GB" dirty="0" smtClean="0"/>
-              <a:t>Additional information on genotyping and cohort characteristics needs </a:t>
-            </a:r>
-            <a:r>
-              <a:rPr lang="en-GB" dirty="0" smtClean="0"/>
-              <a:t>to be requested</a:t>
-            </a:r>
-            <a:r>
-              <a:rPr lang="en-GB" dirty="0" smtClean="0"/>
-              <a:t>.</a:t>
-            </a:r>
-          </a:p>
-          <a:p>
-            <a:r>
-              <a:rPr lang="en-GB" dirty="0" smtClean="0"/>
-              <a:t>Elementary summary statistics such as h2 from INTERVAL, with KORA relatively small for GCTA and </a:t>
-            </a:r>
-            <a:r>
-              <a:rPr lang="en-GB" dirty="0" err="1" smtClean="0"/>
-              <a:t>and</a:t>
-            </a:r>
-            <a:r>
-              <a:rPr lang="en-GB" dirty="0" smtClean="0"/>
-              <a:t> INF1 for HESS.</a:t>
+              <a:t>Additional information on genotyping and cohort characteristics needs to be requested.</a:t>
+            </a:r>
+          </a:p>
+          <a:p>
+            <a:r>
+              <a:rPr lang="en-GB" dirty="0" smtClean="0"/>
+              <a:t>Elementary summary statistics such as h2 from INTERVAL, with KORA relatively small for GCTA </a:t>
+            </a:r>
+            <a:r>
+              <a:rPr lang="en-GB" dirty="0" smtClean="0"/>
+              <a:t>as with INF1 </a:t>
+            </a:r>
+            <a:r>
+              <a:rPr lang="en-GB" dirty="0" smtClean="0"/>
+              <a:t>for HESS.</a:t>
             </a:r>
             <a:endParaRPr lang="en-GB" dirty="0"/>
           </a:p>
@@ -3621,7 +3595,7 @@
             <a:pPr algn="ctr"/>
             <a:r>
               <a:rPr lang="en-GB" b="1" dirty="0" smtClean="0"/>
-              <a:t>Landmarks from earlier slides</a:t>
+              <a:t>Landmarks</a:t>
             </a:r>
             <a:endParaRPr lang="en-GB" b="1" dirty="0"/>
           </a:p>
@@ -3662,7 +3636,6 @@
               <a:rPr lang="en-GB" dirty="0" smtClean="0"/>
               <a:t>, IL.22.RA1, TSLP</a:t>
             </a:r>
-            <a:endParaRPr lang="en-GB" dirty="0" smtClean="0"/>
           </a:p>
           <a:p>
             <a:r>
@@ -6636,36 +6609,14 @@
           <a:p>
             <a:r>
               <a:rPr lang="en-GB" dirty="0" smtClean="0"/>
-              <a:t>S</a:t>
-            </a:r>
-            <a:r>
-              <a:rPr lang="en-GB" dirty="0" smtClean="0"/>
-              <a:t>uccess/failure with</a:t>
-            </a:r>
-            <a:r>
-              <a:rPr lang="en-GB" dirty="0" smtClean="0"/>
-              <a:t> </a:t>
-            </a:r>
-            <a:r>
-              <a:rPr lang="en-GB" dirty="0" smtClean="0"/>
-              <a:t>BOLT-LMM on </a:t>
-            </a:r>
-            <a:r>
-              <a:rPr lang="en-GB" dirty="0" smtClean="0"/>
-              <a:t>OPG/TNFSF14</a:t>
-            </a:r>
-            <a:endParaRPr lang="en-GB" dirty="0" smtClean="0"/>
-          </a:p>
-          <a:p>
-            <a:r>
-              <a:rPr lang="en-GB" dirty="0" smtClean="0"/>
-              <a:t>Switch to SNPTEST </a:t>
-            </a:r>
-            <a:r>
-              <a:rPr lang="en-GB" dirty="0" smtClean="0"/>
-              <a:t>on transformed measurement ~ age+sex+PC1-PC5</a:t>
-            </a:r>
-            <a:endParaRPr lang="en-GB" dirty="0" smtClean="0"/>
+              <a:t>Success/failure with BOLT-LMM on OPG/TNFSF14</a:t>
+            </a:r>
+          </a:p>
+          <a:p>
+            <a:r>
+              <a:rPr lang="en-GB" dirty="0" smtClean="0"/>
+              <a:t>Switch to SNPTEST on transformed measurement ~ age+sex+PC1-PC5</a:t>
+            </a:r>
           </a:p>
           <a:p>
             <a:r>
@@ -6698,11 +6649,7 @@
           <a:p>
             <a:r>
               <a:rPr lang="en-GB" dirty="0" smtClean="0"/>
-              <a:t>Final </a:t>
-            </a:r>
-            <a:r>
-              <a:rPr lang="en-GB" dirty="0" smtClean="0"/>
-              <a:t>sample size N=1064</a:t>
+              <a:t>Final sample size N=1064</a:t>
             </a:r>
             <a:endParaRPr lang="en-GB" dirty="0"/>
           </a:p>
@@ -6783,18 +6730,14 @@
             </a:r>
             <a:r>
               <a:rPr lang="en-GB" dirty="0" smtClean="0"/>
-              <a:t>correction not </a:t>
-            </a:r>
-            <a:r>
-              <a:rPr lang="en-GB" dirty="0" smtClean="0"/>
-              <a:t>considered on cohort level.</a:t>
+              <a:t>correction not considered on cohort level.</a:t>
             </a:r>
             <a:endParaRPr lang="en-GB" dirty="0"/>
           </a:p>
           <a:p>
             <a:r>
               <a:rPr lang="en-GB" dirty="0" smtClean="0"/>
-              <a:t>Beta/se</a:t>
+              <a:t>Based on effect size</a:t>
             </a:r>
             <a:endParaRPr lang="en-GB" dirty="0"/>
           </a:p>
@@ -6868,8 +6811,8 @@
               <a:t>A point on </a:t>
             </a:r>
             <a:r>
-              <a:rPr lang="en-GB" b="1" dirty="0" err="1" smtClean="0"/>
-              <a:t>llod</a:t>
+              <a:rPr lang="en-GB" b="1" dirty="0" smtClean="0"/>
+              <a:t>LLOD</a:t>
             </a:r>
             <a:endParaRPr lang="en-GB" b="1" dirty="0"/>
           </a:p>
@@ -6912,15 +6855,15 @@
           <a:p>
             <a:r>
               <a:rPr lang="en-GB" dirty="0" err="1" smtClean="0"/>
-              <a:t>Alough</a:t>
-            </a:r>
-            <a:r>
-              <a:rPr lang="en-GB" dirty="0" smtClean="0"/>
-              <a:t> higher </a:t>
-            </a:r>
-            <a:r>
-              <a:rPr lang="en-GB" dirty="0" smtClean="0"/>
-              <a:t>MAF </a:t>
+              <a:t>Altough</a:t>
+            </a:r>
+            <a:r>
+              <a:rPr lang="en-GB" dirty="0" smtClean="0"/>
+              <a:t> </a:t>
+            </a:r>
+            <a:r>
+              <a:rPr lang="en-GB" dirty="0" smtClean="0"/>
+              <a:t>higher MAF </a:t>
             </a:r>
             <a:r>
               <a:rPr lang="en-GB" dirty="0" err="1" smtClean="0"/>
@@ -6928,27 +6871,31 @@
             </a:r>
             <a:r>
               <a:rPr lang="en-GB" dirty="0" smtClean="0"/>
-              <a:t> could alleviate </a:t>
-            </a:r>
-            <a:r>
-              <a:rPr lang="en-GB" dirty="0" smtClean="0"/>
-              <a:t>P-values, the </a:t>
-            </a:r>
-            <a:r>
-              <a:rPr lang="en-GB" dirty="0" smtClean="0"/>
-              <a:t>associate proteins with low &gt;</a:t>
-            </a:r>
-            <a:r>
-              <a:rPr lang="en-GB" dirty="0" err="1" smtClean="0"/>
-              <a:t>llod</a:t>
-            </a:r>
-            <a:r>
-              <a:rPr lang="en-GB" dirty="0" smtClean="0"/>
-              <a:t>% were </a:t>
-            </a:r>
-            <a:r>
-              <a:rPr lang="en-GB" dirty="0" smtClean="0"/>
-              <a:t>discarded.</a:t>
+              <a:t> could </a:t>
+            </a:r>
+            <a:r>
+              <a:rPr lang="en-GB" dirty="0" smtClean="0"/>
+              <a:t>do away with busy (excessive number </a:t>
+            </a:r>
+            <a:r>
+              <a:rPr lang="en-GB" smtClean="0"/>
+              <a:t>of significant hits) Manhattan </a:t>
+            </a:r>
+            <a:r>
+              <a:rPr lang="en-GB" dirty="0" smtClean="0"/>
+              <a:t>plots, the </a:t>
+            </a:r>
+            <a:r>
+              <a:rPr lang="en-GB" dirty="0" smtClean="0"/>
+              <a:t>associate proteins with low </a:t>
+            </a:r>
+            <a:r>
+              <a:rPr lang="en-GB" dirty="0" smtClean="0"/>
+              <a:t>&gt;LLOD% </a:t>
+            </a:r>
+            <a:r>
+              <a:rPr lang="en-GB" dirty="0" smtClean="0"/>
+              <a:t>were discarded.</a:t>
             </a:r>
             <a:endParaRPr lang="en-GB" dirty="0"/>
           </a:p>
@@ -7002,11 +6949,7 @@
             <a:pPr algn="ctr"/>
             <a:r>
               <a:rPr lang="en-GB" b="1" dirty="0" smtClean="0"/>
-              <a:t>&gt;LLOD</a:t>
-            </a:r>
-            <a:r>
-              <a:rPr lang="en-GB" b="1" dirty="0" smtClean="0"/>
-              <a:t>%</a:t>
+              <a:t>&gt;LLOD%</a:t>
             </a:r>
             <a:endParaRPr lang="en-GB" b="1" dirty="0"/>
           </a:p>
@@ -8264,11 +8207,7 @@
           <a:p>
             <a:r>
               <a:rPr lang="en-GB" dirty="0" smtClean="0"/>
-              <a:t>Manhattan </a:t>
-            </a:r>
-            <a:r>
-              <a:rPr lang="en-GB" dirty="0" smtClean="0"/>
-              <a:t>plots were produced for each protein from each cohort.</a:t>
+              <a:t>Manhattan plots were produced for each protein from each cohort.</a:t>
             </a:r>
           </a:p>
           <a:p>
@@ -8282,8 +8221,27 @@
             </a:r>
             <a:r>
               <a:rPr lang="en-GB" dirty="0" smtClean="0"/>
-              <a:t> are generally satisfactory.</a:t>
-            </a:r>
+              <a:t> are generally satisfactory</a:t>
+            </a:r>
+            <a:r>
+              <a:rPr lang="en-GB" dirty="0" smtClean="0"/>
+              <a:t>.</a:t>
+            </a:r>
+          </a:p>
+          <a:p>
+            <a:r>
+              <a:rPr lang="en-GB" dirty="0" smtClean="0"/>
+              <a:t>Manhattan/Q-Q/</a:t>
+            </a:r>
+            <a:r>
+              <a:rPr lang="en-GB" dirty="0" err="1" smtClean="0"/>
+              <a:t>LocusZoom</a:t>
+            </a:r>
+            <a:r>
+              <a:rPr lang="en-GB" dirty="0" smtClean="0"/>
+              <a:t> plots are also generated for meta-data.</a:t>
+            </a:r>
+            <a:endParaRPr lang="en-GB" dirty="0" smtClean="0"/>
           </a:p>
         </p:txBody>
       </p:sp>
@@ -8362,7 +8320,19 @@
           <a:p>
             <a:r>
               <a:rPr lang="en-GB" dirty="0" smtClean="0"/>
-              <a:t>Identification of independent signals with r2=0, 0.1</a:t>
+              <a:t>Identification of independent signals with </a:t>
+            </a:r>
+            <a:r>
+              <a:rPr lang="en-GB" dirty="0" smtClean="0"/>
+              <a:t>1KG, UK10K+1KG and r2=0</a:t>
+            </a:r>
+            <a:r>
+              <a:rPr lang="en-GB" dirty="0" smtClean="0"/>
+              <a:t>, </a:t>
+            </a:r>
+            <a:r>
+              <a:rPr lang="en-GB" dirty="0" smtClean="0"/>
+              <a:t>0.1 and contrast with INTERVAL.</a:t>
             </a:r>
             <a:endParaRPr lang="en-GB" dirty="0" smtClean="0"/>
           </a:p>
@@ -8370,11 +8340,7 @@
             <a:pPr lvl="1"/>
             <a:r>
               <a:rPr lang="en-GB" dirty="0" smtClean="0"/>
-              <a:t>PLINK </a:t>
-            </a:r>
-            <a:r>
-              <a:rPr lang="en-GB" dirty="0" smtClean="0"/>
-              <a:t>–clump</a:t>
+              <a:t>PLINK –clump</a:t>
             </a:r>
           </a:p>
           <a:p>
@@ -8408,7 +8374,6 @@
               <a:rPr lang="en-GB" dirty="0" smtClean="0"/>
               <a:t>Pathway analysis?</a:t>
             </a:r>
-            <a:endParaRPr lang="en-GB" dirty="0" smtClean="0"/>
           </a:p>
           <a:p>
             <a:r>
@@ -8487,7 +8452,9 @@
         </p:nvSpPr>
         <p:spPr/>
         <p:txBody>
-          <a:bodyPr/>
+          <a:bodyPr>
+            <a:normAutofit lnSpcReduction="10000"/>
+          </a:bodyPr>
           <a:lstStyle/>
           <a:p>
             <a:r>
@@ -8498,23 +8465,54 @@
           <a:p>
             <a:pPr lvl="1"/>
             <a:r>
-              <a:rPr lang="en-GB" dirty="0" smtClean="0"/>
-              <a:t>plots/ contains </a:t>
-            </a:r>
-            <a:r>
               <a:rPr lang="en-GB" dirty="0" err="1" smtClean="0"/>
-              <a:t>Mahattan</a:t>
-            </a:r>
-            <a:r>
-              <a:rPr lang="en-GB" dirty="0" smtClean="0"/>
-              <a:t> plots for participating cohorts</a:t>
+              <a:t>sumstats</a:t>
+            </a:r>
+            <a:r>
+              <a:rPr lang="en-GB" dirty="0" smtClean="0"/>
+              <a:t>/INTERVAL on GWAS </a:t>
+            </a:r>
+            <a:r>
+              <a:rPr lang="en-GB" dirty="0" err="1" smtClean="0"/>
+              <a:t>sumstats</a:t>
+            </a:r>
+            <a:r>
+              <a:rPr lang="en-GB" dirty="0" smtClean="0"/>
+              <a:t> from INTERVAL</a:t>
             </a:r>
           </a:p>
           <a:p>
             <a:pPr lvl="1"/>
             <a:r>
               <a:rPr lang="en-GB" dirty="0" smtClean="0"/>
-              <a:t>METAL/ contains meta-analysed </a:t>
+              <a:t>plots</a:t>
+            </a:r>
+            <a:r>
+              <a:rPr lang="en-GB" dirty="0" smtClean="0"/>
+              <a:t>/ </a:t>
+            </a:r>
+            <a:r>
+              <a:rPr lang="en-GB" dirty="0" smtClean="0"/>
+              <a:t>on Manhattan </a:t>
+            </a:r>
+            <a:r>
+              <a:rPr lang="en-GB" dirty="0" smtClean="0"/>
+              <a:t>plots for participating cohorts</a:t>
+            </a:r>
+          </a:p>
+          <a:p>
+            <a:pPr lvl="1"/>
+            <a:r>
+              <a:rPr lang="en-GB" dirty="0" smtClean="0"/>
+              <a:t>METAL/ </a:t>
+            </a:r>
+            <a:r>
+              <a:rPr lang="en-GB" dirty="0" smtClean="0"/>
+              <a:t>on </a:t>
+            </a:r>
+            <a:r>
+              <a:rPr lang="en-GB" dirty="0" smtClean="0"/>
+              <a:t>meta-analysed </a:t>
             </a:r>
             <a:r>
               <a:rPr lang="en-GB" dirty="0" err="1" smtClean="0"/>
@@ -8538,16 +8536,65 @@
             </a:r>
           </a:p>
           <a:p>
-            <a:r>
-              <a:rPr lang="en-GB" dirty="0" smtClean="0"/>
-              <a:t>cis/trans classification tables was generated via customised programs.</a:t>
-            </a:r>
-          </a:p>
-          <a:p>
-            <a:r>
-              <a:rPr lang="en-GB" smtClean="0"/>
+            <a:pPr lvl="1"/>
+            <a:r>
+              <a:rPr lang="en-GB" dirty="0" err="1" smtClean="0"/>
+              <a:t>cojo</a:t>
+            </a:r>
+            <a:r>
+              <a:rPr lang="en-GB" dirty="0" smtClean="0"/>
+              <a:t>/ on conditional analysis with 1KG, UK10K+1KG</a:t>
+            </a:r>
+            <a:endParaRPr lang="en-GB" dirty="0" smtClean="0"/>
+          </a:p>
+          <a:p>
+            <a:r>
+              <a:rPr lang="en-GB" dirty="0" smtClean="0"/>
+              <a:t>cis/trans classification tables was generated via customised </a:t>
+            </a:r>
+            <a:r>
+              <a:rPr lang="en-GB" dirty="0" smtClean="0"/>
+              <a:t>programs</a:t>
+            </a:r>
+            <a:endParaRPr lang="en-GB" dirty="0" smtClean="0"/>
+          </a:p>
+          <a:p>
+            <a:r>
+              <a:rPr lang="en-GB" dirty="0" smtClean="0"/>
               <a:t>doc/INF1.paper.xlsx </a:t>
             </a:r>
+            <a:r>
+              <a:rPr lang="en-GB" dirty="0" smtClean="0"/>
+              <a:t>collects clumping/</a:t>
+            </a:r>
+            <a:r>
+              <a:rPr lang="en-GB" dirty="0" err="1" smtClean="0"/>
+              <a:t>cojo</a:t>
+            </a:r>
+            <a:r>
+              <a:rPr lang="en-GB" dirty="0" smtClean="0"/>
+              <a:t> results</a:t>
+            </a:r>
+          </a:p>
+          <a:p>
+            <a:r>
+              <a:rPr lang="en-GB" dirty="0" smtClean="0"/>
+              <a:t>INTERVAL and INF1 share similarity in both number of signals and cis/trans classification, while UK10K+1KG reference panel gave more signals than </a:t>
+            </a:r>
+            <a:r>
+              <a:rPr lang="en-GB" dirty="0"/>
+              <a:t>1KG. GCTA –</a:t>
+            </a:r>
+            <a:r>
+              <a:rPr lang="en-GB" dirty="0" err="1"/>
+              <a:t>cojo</a:t>
+            </a:r>
+            <a:r>
+              <a:rPr lang="en-GB" dirty="0"/>
+              <a:t> appears to be a good compromise between r2=0, 0.1</a:t>
+            </a:r>
+          </a:p>
+          <a:p>
             <a:endParaRPr lang="en-GB" dirty="0"/>
           </a:p>
         </p:txBody>

--- a/doc/SCALLOP_INF1-120419.pptx
+++ b/doc/SCALLOP_INF1-120419.pptx
@@ -3506,21 +3506,13 @@
           <a:p>
             <a:r>
               <a:rPr lang="en-GB" dirty="0" smtClean="0"/>
-              <a:t>Discovery</a:t>
-            </a:r>
+              <a:t>Discovery, replication.</a:t>
+            </a:r>
+          </a:p>
+          <a:p>
             <a:r>
               <a:rPr lang="en-GB" dirty="0" smtClean="0"/>
-              <a:t>, replication.</a:t>
-            </a:r>
-          </a:p>
-          <a:p>
-            <a:r>
-              <a:rPr lang="en-GB" dirty="0" smtClean="0"/>
-              <a:t>Power </a:t>
-            </a:r>
-            <a:r>
-              <a:rPr lang="en-GB" dirty="0" smtClean="0"/>
-              <a:t>issues – plots of effect size from INTERVAL vs INF1 are helpful.</a:t>
+              <a:t>Power issues – plots of effect size from INTERVAL vs INF1 are helpful.</a:t>
             </a:r>
             <a:endParaRPr lang="en-GB" dirty="0"/>
           </a:p>
@@ -3533,15 +3525,7 @@
           <a:p>
             <a:r>
               <a:rPr lang="en-GB" dirty="0" smtClean="0"/>
-              <a:t>Elementary summary statistics such as h2 from INTERVAL, with KORA relatively small for GCTA </a:t>
-            </a:r>
-            <a:r>
-              <a:rPr lang="en-GB" dirty="0" smtClean="0"/>
-              <a:t>as with INF1 </a:t>
-            </a:r>
-            <a:r>
-              <a:rPr lang="en-GB" dirty="0" smtClean="0"/>
-              <a:t>for HESS.</a:t>
+              <a:t>Elementary summary statistics such as h2 from INTERVAL, with KORA relatively small for GCTA as with INF1 for HESS.</a:t>
             </a:r>
             <a:endParaRPr lang="en-GB" dirty="0"/>
           </a:p>
@@ -6808,11 +6792,7 @@
             <a:pPr algn="ctr"/>
             <a:r>
               <a:rPr lang="en-GB" b="1" dirty="0" smtClean="0"/>
-              <a:t>A point on </a:t>
-            </a:r>
-            <a:r>
-              <a:rPr lang="en-GB" b="1" dirty="0" smtClean="0"/>
-              <a:t>LLOD</a:t>
+              <a:t>A point on LLOD</a:t>
             </a:r>
             <a:endParaRPr lang="en-GB" b="1" dirty="0"/>
           </a:p>
@@ -6859,11 +6839,7 @@
             </a:r>
             <a:r>
               <a:rPr lang="en-GB" dirty="0" smtClean="0"/>
-              <a:t> </a:t>
-            </a:r>
-            <a:r>
-              <a:rPr lang="en-GB" dirty="0" smtClean="0"/>
-              <a:t>higher MAF </a:t>
+              <a:t> higher MAF </a:t>
             </a:r>
             <a:r>
               <a:rPr lang="en-GB" dirty="0" err="1" smtClean="0"/>
@@ -6871,11 +6847,7 @@
             </a:r>
             <a:r>
               <a:rPr lang="en-GB" dirty="0" smtClean="0"/>
-              <a:t> could </a:t>
-            </a:r>
-            <a:r>
-              <a:rPr lang="en-GB" dirty="0" smtClean="0"/>
-              <a:t>do away with busy (excessive number </a:t>
+              <a:t> could do away with busy (excessive number </a:t>
             </a:r>
             <a:r>
               <a:rPr lang="en-GB" smtClean="0"/>
@@ -6883,19 +6855,7 @@
             </a:r>
             <a:r>
               <a:rPr lang="en-GB" dirty="0" smtClean="0"/>
-              <a:t>plots, the </a:t>
-            </a:r>
-            <a:r>
-              <a:rPr lang="en-GB" dirty="0" smtClean="0"/>
-              <a:t>associate proteins with low </a:t>
-            </a:r>
-            <a:r>
-              <a:rPr lang="en-GB" dirty="0" smtClean="0"/>
-              <a:t>&gt;LLOD% </a:t>
-            </a:r>
-            <a:r>
-              <a:rPr lang="en-GB" dirty="0" smtClean="0"/>
-              <a:t>were discarded.</a:t>
+              <a:t>plots, the associate proteins with low &gt;LLOD% were discarded.</a:t>
             </a:r>
             <a:endParaRPr lang="en-GB" dirty="0"/>
           </a:p>
@@ -8221,11 +8181,7 @@
             </a:r>
             <a:r>
               <a:rPr lang="en-GB" dirty="0" smtClean="0"/>
-              <a:t> are generally satisfactory</a:t>
-            </a:r>
-            <a:r>
-              <a:rPr lang="en-GB" dirty="0" smtClean="0"/>
-              <a:t>.</a:t>
+              <a:t> are generally satisfactory.</a:t>
             </a:r>
           </a:p>
           <a:p>
@@ -8241,7 +8197,6 @@
               <a:rPr lang="en-GB" dirty="0" smtClean="0"/>
               <a:t> plots are also generated for meta-data.</a:t>
             </a:r>
-            <a:endParaRPr lang="en-GB" dirty="0" smtClean="0"/>
           </a:p>
         </p:txBody>
       </p:sp>
@@ -8320,21 +8275,8 @@
           <a:p>
             <a:r>
               <a:rPr lang="en-GB" dirty="0" smtClean="0"/>
-              <a:t>Identification of independent signals with </a:t>
-            </a:r>
-            <a:r>
-              <a:rPr lang="en-GB" dirty="0" smtClean="0"/>
-              <a:t>1KG, UK10K+1KG and r2=0</a:t>
-            </a:r>
-            <a:r>
-              <a:rPr lang="en-GB" dirty="0" smtClean="0"/>
-              <a:t>, </a:t>
-            </a:r>
-            <a:r>
-              <a:rPr lang="en-GB" dirty="0" smtClean="0"/>
-              <a:t>0.1 and contrast with INTERVAL.</a:t>
-            </a:r>
-            <a:endParaRPr lang="en-GB" dirty="0" smtClean="0"/>
+              <a:t>Identification of independent signals with 1KG, UK10K+1KG and r2=0, 0.1 and contrast with INTERVAL.</a:t>
+            </a:r>
           </a:p>
           <a:p>
             <a:pPr lvl="1"/>
@@ -8453,7 +8395,7 @@
         <p:spPr/>
         <p:txBody>
           <a:bodyPr>
-            <a:normAutofit lnSpcReduction="10000"/>
+            <a:normAutofit fontScale="92500" lnSpcReduction="10000"/>
           </a:bodyPr>
           <a:lstStyle/>
           <a:p>
@@ -8485,34 +8427,14 @@
             <a:pPr lvl="1"/>
             <a:r>
               <a:rPr lang="en-GB" dirty="0" smtClean="0"/>
-              <a:t>plots</a:t>
-            </a:r>
+              <a:t>plots/ on Manhattan plots for participating cohorts</a:t>
+            </a:r>
+          </a:p>
+          <a:p>
+            <a:pPr lvl="1"/>
             <a:r>
               <a:rPr lang="en-GB" dirty="0" smtClean="0"/>
-              <a:t>/ </a:t>
-            </a:r>
-            <a:r>
-              <a:rPr lang="en-GB" dirty="0" smtClean="0"/>
-              <a:t>on Manhattan </a:t>
-            </a:r>
-            <a:r>
-              <a:rPr lang="en-GB" dirty="0" smtClean="0"/>
-              <a:t>plots for participating cohorts</a:t>
-            </a:r>
-          </a:p>
-          <a:p>
-            <a:pPr lvl="1"/>
-            <a:r>
-              <a:rPr lang="en-GB" dirty="0" smtClean="0"/>
-              <a:t>METAL/ </a:t>
-            </a:r>
-            <a:r>
-              <a:rPr lang="en-GB" dirty="0" smtClean="0"/>
-              <a:t>on </a:t>
-            </a:r>
-            <a:r>
-              <a:rPr lang="en-GB" dirty="0" smtClean="0"/>
-              <a:t>meta-analysed </a:t>
+              <a:t>METAL/ on meta-analysed </a:t>
             </a:r>
             <a:r>
               <a:rPr lang="en-GB" dirty="0" err="1" smtClean="0"/>
@@ -8538,6 +8460,18 @@
           <a:p>
             <a:pPr lvl="1"/>
             <a:r>
+              <a:rPr lang="en-GB" dirty="0" smtClean="0"/>
+              <a:t>clumping/ on PLINK –</a:t>
+            </a:r>
+            <a:r>
+              <a:rPr lang="en-GB" smtClean="0"/>
+              <a:t>clump analysis</a:t>
+            </a:r>
+            <a:endParaRPr lang="en-GB" dirty="0" smtClean="0"/>
+          </a:p>
+          <a:p>
+            <a:pPr lvl="1"/>
+            <a:r>
               <a:rPr lang="en-GB" dirty="0" err="1" smtClean="0"/>
               <a:t>cojo</a:t>
             </a:r>
@@ -8545,27 +8479,17 @@
               <a:rPr lang="en-GB" dirty="0" smtClean="0"/>
               <a:t>/ on conditional analysis with 1KG, UK10K+1KG</a:t>
             </a:r>
-            <a:endParaRPr lang="en-GB" dirty="0" smtClean="0"/>
           </a:p>
           <a:p>
             <a:r>
               <a:rPr lang="en-GB" dirty="0" smtClean="0"/>
-              <a:t>cis/trans classification tables was generated via customised </a:t>
-            </a:r>
+              <a:t>cis/trans classification tables was generated via customised programs</a:t>
+            </a:r>
+          </a:p>
+          <a:p>
             <a:r>
               <a:rPr lang="en-GB" dirty="0" smtClean="0"/>
-              <a:t>programs</a:t>
-            </a:r>
-            <a:endParaRPr lang="en-GB" dirty="0" smtClean="0"/>
-          </a:p>
-          <a:p>
-            <a:r>
-              <a:rPr lang="en-GB" dirty="0" smtClean="0"/>
-              <a:t>doc/INF1.paper.xlsx </a:t>
-            </a:r>
-            <a:r>
-              <a:rPr lang="en-GB" dirty="0" smtClean="0"/>
-              <a:t>collects clumping/</a:t>
+              <a:t>doc/INF1.paper.xlsx collects clumping/</a:t>
             </a:r>
             <a:r>
               <a:rPr lang="en-GB" dirty="0" err="1" smtClean="0"/>

--- a/doc/SCALLOP_INF1-120419.pptx
+++ b/doc/SCALLOP_INF1-120419.pptx
@@ -279,7 +279,7 @@
           <a:p>
             <a:fld id="{E1BC1721-5CED-45EF-BE6E-B0E4EE9D0A2D}" type="datetimeFigureOut">
               <a:rPr lang="en-GB" smtClean="0"/>
-              <a:t>05/04/2019</a:t>
+              <a:t>08/04/2019</a:t>
             </a:fld>
             <a:endParaRPr lang="en-GB"/>
           </a:p>
@@ -479,7 +479,7 @@
           <a:p>
             <a:fld id="{E1BC1721-5CED-45EF-BE6E-B0E4EE9D0A2D}" type="datetimeFigureOut">
               <a:rPr lang="en-GB" smtClean="0"/>
-              <a:t>05/04/2019</a:t>
+              <a:t>08/04/2019</a:t>
             </a:fld>
             <a:endParaRPr lang="en-GB"/>
           </a:p>
@@ -689,7 +689,7 @@
           <a:p>
             <a:fld id="{E1BC1721-5CED-45EF-BE6E-B0E4EE9D0A2D}" type="datetimeFigureOut">
               <a:rPr lang="en-GB" smtClean="0"/>
-              <a:t>05/04/2019</a:t>
+              <a:t>08/04/2019</a:t>
             </a:fld>
             <a:endParaRPr lang="en-GB"/>
           </a:p>
@@ -889,7 +889,7 @@
           <a:p>
             <a:fld id="{E1BC1721-5CED-45EF-BE6E-B0E4EE9D0A2D}" type="datetimeFigureOut">
               <a:rPr lang="en-GB" smtClean="0"/>
-              <a:t>05/04/2019</a:t>
+              <a:t>08/04/2019</a:t>
             </a:fld>
             <a:endParaRPr lang="en-GB"/>
           </a:p>
@@ -1165,7 +1165,7 @@
           <a:p>
             <a:fld id="{E1BC1721-5CED-45EF-BE6E-B0E4EE9D0A2D}" type="datetimeFigureOut">
               <a:rPr lang="en-GB" smtClean="0"/>
-              <a:t>05/04/2019</a:t>
+              <a:t>08/04/2019</a:t>
             </a:fld>
             <a:endParaRPr lang="en-GB"/>
           </a:p>
@@ -1433,7 +1433,7 @@
           <a:p>
             <a:fld id="{E1BC1721-5CED-45EF-BE6E-B0E4EE9D0A2D}" type="datetimeFigureOut">
               <a:rPr lang="en-GB" smtClean="0"/>
-              <a:t>05/04/2019</a:t>
+              <a:t>08/04/2019</a:t>
             </a:fld>
             <a:endParaRPr lang="en-GB"/>
           </a:p>
@@ -1848,7 +1848,7 @@
           <a:p>
             <a:fld id="{E1BC1721-5CED-45EF-BE6E-B0E4EE9D0A2D}" type="datetimeFigureOut">
               <a:rPr lang="en-GB" smtClean="0"/>
-              <a:t>05/04/2019</a:t>
+              <a:t>08/04/2019</a:t>
             </a:fld>
             <a:endParaRPr lang="en-GB"/>
           </a:p>
@@ -1990,7 +1990,7 @@
           <a:p>
             <a:fld id="{E1BC1721-5CED-45EF-BE6E-B0E4EE9D0A2D}" type="datetimeFigureOut">
               <a:rPr lang="en-GB" smtClean="0"/>
-              <a:t>05/04/2019</a:t>
+              <a:t>08/04/2019</a:t>
             </a:fld>
             <a:endParaRPr lang="en-GB"/>
           </a:p>
@@ -2103,7 +2103,7 @@
           <a:p>
             <a:fld id="{E1BC1721-5CED-45EF-BE6E-B0E4EE9D0A2D}" type="datetimeFigureOut">
               <a:rPr lang="en-GB" smtClean="0"/>
-              <a:t>05/04/2019</a:t>
+              <a:t>08/04/2019</a:t>
             </a:fld>
             <a:endParaRPr lang="en-GB"/>
           </a:p>
@@ -2416,7 +2416,7 @@
           <a:p>
             <a:fld id="{E1BC1721-5CED-45EF-BE6E-B0E4EE9D0A2D}" type="datetimeFigureOut">
               <a:rPr lang="en-GB" smtClean="0"/>
-              <a:t>05/04/2019</a:t>
+              <a:t>08/04/2019</a:t>
             </a:fld>
             <a:endParaRPr lang="en-GB"/>
           </a:p>
@@ -2705,7 +2705,7 @@
           <a:p>
             <a:fld id="{E1BC1721-5CED-45EF-BE6E-B0E4EE9D0A2D}" type="datetimeFigureOut">
               <a:rPr lang="en-GB" smtClean="0"/>
-              <a:t>05/04/2019</a:t>
+              <a:t>08/04/2019</a:t>
             </a:fld>
             <a:endParaRPr lang="en-GB"/>
           </a:p>
@@ -2948,7 +2948,7 @@
           <a:p>
             <a:fld id="{E1BC1721-5CED-45EF-BE6E-B0E4EE9D0A2D}" type="datetimeFigureOut">
               <a:rPr lang="en-GB" smtClean="0"/>
-              <a:t>05/04/2019</a:t>
+              <a:t>08/04/2019</a:t>
             </a:fld>
             <a:endParaRPr lang="en-GB"/>
           </a:p>
@@ -3506,8 +3506,31 @@
           <a:p>
             <a:r>
               <a:rPr lang="en-GB" dirty="0" smtClean="0"/>
-              <a:t>Discovery, replication.</a:t>
-            </a:r>
+              <a:t>Discovery, </a:t>
+            </a:r>
+            <a:r>
+              <a:rPr lang="en-GB" dirty="0" smtClean="0"/>
+              <a:t>replication – INTERVAL, meta-analysis, NSPHS.</a:t>
+            </a:r>
+          </a:p>
+          <a:p>
+            <a:r>
+              <a:rPr lang="en-GB" dirty="0" smtClean="0"/>
+              <a:t>GCTA –</a:t>
+            </a:r>
+            <a:r>
+              <a:rPr lang="en-GB" dirty="0" err="1" smtClean="0"/>
+              <a:t>cojo</a:t>
+            </a:r>
+            <a:r>
+              <a:rPr lang="en-GB" dirty="0"/>
+              <a:t> </a:t>
+            </a:r>
+            <a:r>
+              <a:rPr lang="en-GB" dirty="0" smtClean="0"/>
+              <a:t>analysis.</a:t>
+            </a:r>
+            <a:endParaRPr lang="en-GB" dirty="0" smtClean="0"/>
           </a:p>
           <a:p>
             <a:r>
@@ -3525,7 +3548,15 @@
           <a:p>
             <a:r>
               <a:rPr lang="en-GB" dirty="0" smtClean="0"/>
-              <a:t>Elementary summary statistics such as h2 from INTERVAL, with KORA relatively small for GCTA as with INF1 for HESS.</a:t>
+              <a:t>Elementary summary statistics such as h2 from INTERVAL, with KORA relatively small for GCTA </a:t>
+            </a:r>
+            <a:r>
+              <a:rPr lang="en-GB" dirty="0" smtClean="0"/>
+              <a:t>and possibly with INF1 </a:t>
+            </a:r>
+            <a:r>
+              <a:rPr lang="en-GB" dirty="0" smtClean="0"/>
+              <a:t>for HESS.</a:t>
             </a:r>
             <a:endParaRPr lang="en-GB" dirty="0"/>
           </a:p>
@@ -3602,7 +3633,17 @@
           <a:p>
             <a:r>
               <a:rPr lang="en-GB" dirty="0" smtClean="0"/>
-              <a:t>8/3/19 – Recognition of MAF </a:t>
+              <a:t>27/3/19 – cross-reference with INTERVAL on INTERVAL genotype data, which showed great similarity with INF1, esp. w.r.t. cis signals.</a:t>
+            </a:r>
+          </a:p>
+          <a:p>
+            <a:r>
+              <a:rPr lang="en-GB" dirty="0" smtClean="0"/>
+              <a:t>8/3/19 </a:t>
+            </a:r>
+            <a:r>
+              <a:rPr lang="en-GB" dirty="0" smtClean="0"/>
+              <a:t>– Recognition of MAF </a:t>
             </a:r>
             <a:r>
               <a:rPr lang="en-GB" dirty="0" err="1" smtClean="0"/>
@@ -3618,13 +3659,22 @@
             </a:r>
             <a:r>
               <a:rPr lang="en-GB" dirty="0" smtClean="0"/>
-              <a:t>, IL.22.RA1, TSLP</a:t>
-            </a:r>
-          </a:p>
-          <a:p>
-            <a:r>
-              <a:rPr lang="en-GB" dirty="0" smtClean="0"/>
-              <a:t>29/11/18 – 22 proteins with busy Manhattan plots</a:t>
+              <a:t>, IL.22.RA1, </a:t>
+            </a:r>
+            <a:r>
+              <a:rPr lang="en-GB" dirty="0" smtClean="0"/>
+              <a:t>TSLP.</a:t>
+            </a:r>
+            <a:endParaRPr lang="en-GB" dirty="0" smtClean="0"/>
+          </a:p>
+          <a:p>
+            <a:r>
+              <a:rPr lang="en-GB" dirty="0" smtClean="0"/>
+              <a:t>29/11/18 – 22 proteins with busy Manhattan </a:t>
+            </a:r>
+            <a:r>
+              <a:rPr lang="en-GB" dirty="0" smtClean="0"/>
+              <a:t>plots.</a:t>
             </a:r>
             <a:endParaRPr lang="en-GB" dirty="0"/>
           </a:p>
@@ -6570,7 +6620,11 @@
             <a:pPr algn="ctr"/>
             <a:r>
               <a:rPr lang="en-GB" b="1" dirty="0" smtClean="0"/>
-              <a:t>Analysis for KORA</a:t>
+              <a:t>Association analysis </a:t>
+            </a:r>
+            <a:r>
+              <a:rPr lang="en-GB" b="1" dirty="0" smtClean="0"/>
+              <a:t>for KORA</a:t>
             </a:r>
             <a:endParaRPr lang="en-GB" b="1" dirty="0"/>
           </a:p>
@@ -6593,7 +6647,11 @@
           <a:p>
             <a:r>
               <a:rPr lang="en-GB" dirty="0" smtClean="0"/>
-              <a:t>Success/failure with BOLT-LMM on OPG/TNFSF14</a:t>
+              <a:t>Pilot with success/failure </a:t>
+            </a:r>
+            <a:r>
+              <a:rPr lang="en-GB" dirty="0" smtClean="0"/>
+              <a:t>with BOLT-LMM on OPG/TNFSF14</a:t>
             </a:r>
           </a:p>
           <a:p>
@@ -6633,7 +6691,17 @@
           <a:p>
             <a:r>
               <a:rPr lang="en-GB" dirty="0" smtClean="0"/>
-              <a:t>Final sample size N=1064</a:t>
+              <a:t>Final sample size </a:t>
+            </a:r>
+            <a:r>
+              <a:rPr lang="en-GB" dirty="0" smtClean="0"/>
+              <a:t>N=1064</a:t>
+            </a:r>
+          </a:p>
+          <a:p>
+            <a:r>
+              <a:rPr lang="en-GB" dirty="0" smtClean="0"/>
+              <a:t>Several disruptions on cardio/TRYGGVE and FGF.5 for #SNPs</a:t>
             </a:r>
             <a:endParaRPr lang="en-GB" dirty="0"/>
           </a:p>
@@ -6687,7 +6755,7 @@
             <a:pPr algn="ctr"/>
             <a:r>
               <a:rPr lang="en-GB" b="1" dirty="0" smtClean="0"/>
-              <a:t>METAL</a:t>
+              <a:t>Meta-analysis through METAL</a:t>
             </a:r>
             <a:endParaRPr lang="en-GB" b="1" dirty="0"/>
           </a:p>
@@ -6709,7 +6777,13 @@
           <a:lstStyle/>
           <a:p>
             <a:r>
-              <a:rPr lang="en-GB" dirty="0"/>
+              <a:rPr lang="en-GB" dirty="0" smtClean="0"/>
+              <a:t>Carried out on TRYGGVE with the latest release.</a:t>
+            </a:r>
+          </a:p>
+          <a:p>
+            <a:r>
+              <a:rPr lang="en-GB" dirty="0" smtClean="0"/>
               <a:t>GC </a:t>
             </a:r>
             <a:r>
@@ -6721,21 +6795,33 @@
           <a:p>
             <a:r>
               <a:rPr lang="en-GB" dirty="0" smtClean="0"/>
-              <a:t>Based on effect size</a:t>
+              <a:t>Based on effect </a:t>
+            </a:r>
+            <a:r>
+              <a:rPr lang="en-GB" dirty="0" smtClean="0"/>
+              <a:t>size.</a:t>
             </a:r>
             <a:endParaRPr lang="en-GB" dirty="0"/>
           </a:p>
           <a:p>
             <a:r>
               <a:rPr lang="en-GB" dirty="0" smtClean="0"/>
-              <a:t>N&gt;=10</a:t>
+              <a:t>N&gt;=</a:t>
+            </a:r>
+            <a:r>
+              <a:rPr lang="en-GB" dirty="0" smtClean="0"/>
+              <a:t>10.</a:t>
             </a:r>
             <a:endParaRPr lang="en-GB" dirty="0"/>
           </a:p>
           <a:p>
             <a:r>
               <a:rPr lang="en-GB" dirty="0" smtClean="0"/>
-              <a:t>84% above LLOD</a:t>
+              <a:t>84% above </a:t>
+            </a:r>
+            <a:r>
+              <a:rPr lang="en-GB" dirty="0" smtClean="0"/>
+              <a:t>LLOD.</a:t>
             </a:r>
             <a:endParaRPr lang="en-GB" dirty="0"/>
           </a:p>
@@ -6834,12 +6920,12 @@
           </a:p>
           <a:p>
             <a:r>
-              <a:rPr lang="en-GB" dirty="0" err="1" smtClean="0"/>
-              <a:t>Altough</a:t>
-            </a:r>
-            <a:r>
-              <a:rPr lang="en-GB" dirty="0" smtClean="0"/>
-              <a:t> higher MAF </a:t>
+              <a:rPr lang="en-GB" dirty="0" smtClean="0"/>
+              <a:t>Although </a:t>
+            </a:r>
+            <a:r>
+              <a:rPr lang="en-GB" dirty="0" smtClean="0"/>
+              <a:t>higher MAF </a:t>
             </a:r>
             <a:r>
               <a:rPr lang="en-GB" dirty="0" err="1" smtClean="0"/>
@@ -6847,15 +6933,7 @@
             </a:r>
             <a:r>
               <a:rPr lang="en-GB" dirty="0" smtClean="0"/>
-              <a:t> could do away with busy (excessive number </a:t>
-            </a:r>
-            <a:r>
-              <a:rPr lang="en-GB" smtClean="0"/>
-              <a:t>of significant hits) Manhattan </a:t>
-            </a:r>
-            <a:r>
-              <a:rPr lang="en-GB" dirty="0" smtClean="0"/>
-              <a:t>plots, the associate proteins with low &gt;LLOD% were discarded.</a:t>
+              <a:t> could do away with busy (excessive number of significant hits) Manhattan plots, the associate proteins with low &gt;LLOD% were discarded.</a:t>
             </a:r>
             <a:endParaRPr lang="en-GB" dirty="0"/>
           </a:p>
@@ -8181,22 +8259,13 @@
             </a:r>
             <a:r>
               <a:rPr lang="en-GB" dirty="0" smtClean="0"/>
-              <a:t> are generally satisfactory.</a:t>
-            </a:r>
-          </a:p>
-          <a:p>
-            <a:r>
-              <a:rPr lang="en-GB" dirty="0" smtClean="0"/>
-              <a:t>Manhattan/Q-Q/</a:t>
-            </a:r>
-            <a:r>
-              <a:rPr lang="en-GB" dirty="0" err="1" smtClean="0"/>
-              <a:t>LocusZoom</a:t>
-            </a:r>
-            <a:r>
-              <a:rPr lang="en-GB" dirty="0" smtClean="0"/>
-              <a:t> plots are also generated for meta-data.</a:t>
-            </a:r>
+              <a:t> are generally satisfactory</a:t>
+            </a:r>
+            <a:r>
+              <a:rPr lang="en-GB" dirty="0" smtClean="0"/>
+              <a:t>.</a:t>
+            </a:r>
+            <a:endParaRPr lang="en-GB" dirty="0" smtClean="0"/>
           </a:p>
         </p:txBody>
       </p:sp>
@@ -8275,7 +8344,31 @@
           <a:p>
             <a:r>
               <a:rPr lang="en-GB" dirty="0" smtClean="0"/>
-              <a:t>Identification of independent signals with 1KG, UK10K+1KG and r2=0, 0.1 and contrast with INTERVAL.</a:t>
+              <a:t>Identification of independent signals with </a:t>
+            </a:r>
+            <a:r>
+              <a:rPr lang="en-GB" dirty="0" smtClean="0"/>
+              <a:t>1KG (built from </a:t>
+            </a:r>
+            <a:r>
+              <a:rPr lang="en-GB" dirty="0" err="1" smtClean="0"/>
+              <a:t>LocusZoom</a:t>
+            </a:r>
+            <a:r>
+              <a:rPr lang="en-GB" dirty="0" smtClean="0"/>
+              <a:t> 1.4 and also curated databases at cardio), </a:t>
+            </a:r>
+            <a:r>
+              <a:rPr lang="en-GB" dirty="0" smtClean="0"/>
+              <a:t>UK10K+1KG </a:t>
+            </a:r>
+            <a:r>
+              <a:rPr lang="en-GB" dirty="0" smtClean="0"/>
+              <a:t>(INTERVAL genotypes) and </a:t>
+            </a:r>
+            <a:r>
+              <a:rPr lang="en-GB" dirty="0" smtClean="0"/>
+              <a:t>r2=0, 0.1 and contrast with INTERVAL.</a:t>
             </a:r>
           </a:p>
           <a:p>
@@ -8299,22 +8392,42 @@
           </a:p>
           <a:p>
             <a:r>
+              <a:rPr lang="en-GB" dirty="0" smtClean="0"/>
+              <a:t>Manhattan/Q-Q/</a:t>
+            </a:r>
+            <a:r>
+              <a:rPr lang="en-GB" dirty="0" err="1" smtClean="0"/>
+              <a:t>LocusZoom</a:t>
+            </a:r>
+            <a:r>
+              <a:rPr lang="en-GB" dirty="0" smtClean="0"/>
+              <a:t>/</a:t>
+            </a:r>
+            <a:r>
+              <a:rPr lang="en-GB" dirty="0" smtClean="0"/>
+              <a:t>forest plots, loose ends (</a:t>
+            </a:r>
+            <a:r>
+              <a:rPr lang="en-GB" dirty="0" err="1" smtClean="0"/>
+              <a:t>rsid</a:t>
+            </a:r>
+            <a:r>
+              <a:rPr lang="en-GB" dirty="0" smtClean="0"/>
+              <a:t> instead of SNPID and right allele labelling/effect size) for the latter two are being done.</a:t>
+            </a:r>
+          </a:p>
+          <a:p>
+            <a:r>
               <a:rPr lang="en-GB" dirty="0" err="1" smtClean="0"/>
               <a:t>Finemapping</a:t>
             </a:r>
-            <a:endParaRPr lang="en-GB" dirty="0" smtClean="0"/>
-          </a:p>
-          <a:p>
-            <a:r>
-              <a:rPr lang="en-GB" dirty="0" smtClean="0"/>
-              <a:t>LDSC analysis</a:t>
-            </a:r>
-            <a:endParaRPr lang="en-GB" dirty="0"/>
-          </a:p>
-          <a:p>
-            <a:r>
-              <a:rPr lang="en-GB" dirty="0" smtClean="0"/>
-              <a:t>Pathway analysis?</a:t>
+            <a:r>
+              <a:rPr lang="en-GB" dirty="0" smtClean="0"/>
+              <a:t>, LDSC analysis, pathway </a:t>
+            </a:r>
+            <a:r>
+              <a:rPr lang="en-GB" dirty="0" smtClean="0"/>
+              <a:t>analysis?</a:t>
             </a:r>
           </a:p>
           <a:p>
@@ -8324,6 +8437,9 @@
             </a:r>
           </a:p>
           <a:p>
+            <a:pPr marL="0" indent="0">
+              <a:buNone/>
+            </a:pPr>
             <a:endParaRPr lang="en-GB" dirty="0"/>
           </a:p>
         </p:txBody>
@@ -8450,24 +8566,15 @@
             </a:r>
             <a:r>
               <a:rPr lang="en-GB" dirty="0" smtClean="0"/>
-              <a:t> </a:t>
-            </a:r>
-            <a:r>
-              <a:rPr lang="en-GB" dirty="0" smtClean="0"/>
-              <a:t>plots</a:t>
+              <a:t> plots</a:t>
             </a:r>
           </a:p>
           <a:p>
             <a:pPr lvl="1"/>
             <a:r>
               <a:rPr lang="en-GB" dirty="0" smtClean="0"/>
-              <a:t>clumping/ on PLINK –</a:t>
-            </a:r>
-            <a:r>
-              <a:rPr lang="en-GB" smtClean="0"/>
-              <a:t>clump analysis</a:t>
-            </a:r>
-            <a:endParaRPr lang="en-GB" dirty="0" smtClean="0"/>
+              <a:t>clumping/ on PLINK –clump analysis</a:t>
+            </a:r>
           </a:p>
           <a:p>
             <a:pPr lvl="1"/>
@@ -8488,8 +8595,24 @@
           </a:p>
           <a:p>
             <a:r>
-              <a:rPr lang="en-GB" dirty="0" smtClean="0"/>
-              <a:t>doc/INF1.paper.xlsx collects clumping/</a:t>
+              <a:rPr lang="en-GB" u="sng" dirty="0">
+                <a:hlinkClick r:id="rId2"/>
+              </a:rPr>
+              <a:t>https://</a:t>
+            </a:r>
+            <a:r>
+              <a:rPr lang="en-GB" u="sng" dirty="0" smtClean="0">
+                <a:hlinkClick r:id="rId2"/>
+              </a:rPr>
+              <a:t>github.com/jinghuazhao/INF/blob/master/doc/INF1.paper.xlsx</a:t>
+            </a:r>
+            <a:r>
+              <a:rPr lang="en-GB" dirty="0" smtClean="0"/>
+              <a:t> </a:t>
+            </a:r>
+            <a:r>
+              <a:rPr lang="en-GB" dirty="0" smtClean="0"/>
+              <a:t>collects clumping/</a:t>
             </a:r>
             <a:r>
               <a:rPr lang="en-GB" dirty="0" err="1" smtClean="0"/>

--- a/doc/SCALLOP_INF1-120419.pptx
+++ b/doc/SCALLOP_INF1-120419.pptx
@@ -14,16 +14,18 @@
     <p:sldId id="278" r:id="rId8"/>
     <p:sldId id="279" r:id="rId9"/>
     <p:sldId id="280" r:id="rId10"/>
-    <p:sldId id="277" r:id="rId11"/>
-    <p:sldId id="272" r:id="rId12"/>
-    <p:sldId id="265" r:id="rId13"/>
-    <p:sldId id="266" r:id="rId14"/>
-    <p:sldId id="264" r:id="rId15"/>
-    <p:sldId id="267" r:id="rId16"/>
-    <p:sldId id="268" r:id="rId17"/>
-    <p:sldId id="269" r:id="rId18"/>
-    <p:sldId id="270" r:id="rId19"/>
-    <p:sldId id="271" r:id="rId20"/>
+    <p:sldId id="282" r:id="rId11"/>
+    <p:sldId id="283" r:id="rId12"/>
+    <p:sldId id="277" r:id="rId13"/>
+    <p:sldId id="272" r:id="rId14"/>
+    <p:sldId id="265" r:id="rId15"/>
+    <p:sldId id="266" r:id="rId16"/>
+    <p:sldId id="264" r:id="rId17"/>
+    <p:sldId id="267" r:id="rId18"/>
+    <p:sldId id="268" r:id="rId19"/>
+    <p:sldId id="269" r:id="rId20"/>
+    <p:sldId id="270" r:id="rId21"/>
+    <p:sldId id="271" r:id="rId22"/>
   </p:sldIdLst>
   <p:sldSz cx="12192000" cy="6858000"/>
   <p:notesSz cx="6858000" cy="9144000"/>
@@ -279,7 +281,7 @@
           <a:p>
             <a:fld id="{E1BC1721-5CED-45EF-BE6E-B0E4EE9D0A2D}" type="datetimeFigureOut">
               <a:rPr lang="en-GB" smtClean="0"/>
-              <a:t>08/04/2019</a:t>
+              <a:t>09/04/2019</a:t>
             </a:fld>
             <a:endParaRPr lang="en-GB"/>
           </a:p>
@@ -479,7 +481,7 @@
           <a:p>
             <a:fld id="{E1BC1721-5CED-45EF-BE6E-B0E4EE9D0A2D}" type="datetimeFigureOut">
               <a:rPr lang="en-GB" smtClean="0"/>
-              <a:t>08/04/2019</a:t>
+              <a:t>09/04/2019</a:t>
             </a:fld>
             <a:endParaRPr lang="en-GB"/>
           </a:p>
@@ -689,7 +691,7 @@
           <a:p>
             <a:fld id="{E1BC1721-5CED-45EF-BE6E-B0E4EE9D0A2D}" type="datetimeFigureOut">
               <a:rPr lang="en-GB" smtClean="0"/>
-              <a:t>08/04/2019</a:t>
+              <a:t>09/04/2019</a:t>
             </a:fld>
             <a:endParaRPr lang="en-GB"/>
           </a:p>
@@ -889,7 +891,7 @@
           <a:p>
             <a:fld id="{E1BC1721-5CED-45EF-BE6E-B0E4EE9D0A2D}" type="datetimeFigureOut">
               <a:rPr lang="en-GB" smtClean="0"/>
-              <a:t>08/04/2019</a:t>
+              <a:t>09/04/2019</a:t>
             </a:fld>
             <a:endParaRPr lang="en-GB"/>
           </a:p>
@@ -1165,7 +1167,7 @@
           <a:p>
             <a:fld id="{E1BC1721-5CED-45EF-BE6E-B0E4EE9D0A2D}" type="datetimeFigureOut">
               <a:rPr lang="en-GB" smtClean="0"/>
-              <a:t>08/04/2019</a:t>
+              <a:t>09/04/2019</a:t>
             </a:fld>
             <a:endParaRPr lang="en-GB"/>
           </a:p>
@@ -1433,7 +1435,7 @@
           <a:p>
             <a:fld id="{E1BC1721-5CED-45EF-BE6E-B0E4EE9D0A2D}" type="datetimeFigureOut">
               <a:rPr lang="en-GB" smtClean="0"/>
-              <a:t>08/04/2019</a:t>
+              <a:t>09/04/2019</a:t>
             </a:fld>
             <a:endParaRPr lang="en-GB"/>
           </a:p>
@@ -1848,7 +1850,7 @@
           <a:p>
             <a:fld id="{E1BC1721-5CED-45EF-BE6E-B0E4EE9D0A2D}" type="datetimeFigureOut">
               <a:rPr lang="en-GB" smtClean="0"/>
-              <a:t>08/04/2019</a:t>
+              <a:t>09/04/2019</a:t>
             </a:fld>
             <a:endParaRPr lang="en-GB"/>
           </a:p>
@@ -1990,7 +1992,7 @@
           <a:p>
             <a:fld id="{E1BC1721-5CED-45EF-BE6E-B0E4EE9D0A2D}" type="datetimeFigureOut">
               <a:rPr lang="en-GB" smtClean="0"/>
-              <a:t>08/04/2019</a:t>
+              <a:t>09/04/2019</a:t>
             </a:fld>
             <a:endParaRPr lang="en-GB"/>
           </a:p>
@@ -2103,7 +2105,7 @@
           <a:p>
             <a:fld id="{E1BC1721-5CED-45EF-BE6E-B0E4EE9D0A2D}" type="datetimeFigureOut">
               <a:rPr lang="en-GB" smtClean="0"/>
-              <a:t>08/04/2019</a:t>
+              <a:t>09/04/2019</a:t>
             </a:fld>
             <a:endParaRPr lang="en-GB"/>
           </a:p>
@@ -2416,7 +2418,7 @@
           <a:p>
             <a:fld id="{E1BC1721-5CED-45EF-BE6E-B0E4EE9D0A2D}" type="datetimeFigureOut">
               <a:rPr lang="en-GB" smtClean="0"/>
-              <a:t>08/04/2019</a:t>
+              <a:t>09/04/2019</a:t>
             </a:fld>
             <a:endParaRPr lang="en-GB"/>
           </a:p>
@@ -2705,7 +2707,7 @@
           <a:p>
             <a:fld id="{E1BC1721-5CED-45EF-BE6E-B0E4EE9D0A2D}" type="datetimeFigureOut">
               <a:rPr lang="en-GB" smtClean="0"/>
-              <a:t>08/04/2019</a:t>
+              <a:t>09/04/2019</a:t>
             </a:fld>
             <a:endParaRPr lang="en-GB"/>
           </a:p>
@@ -2948,7 +2950,7 @@
           <a:p>
             <a:fld id="{E1BC1721-5CED-45EF-BE6E-B0E4EE9D0A2D}" type="datetimeFigureOut">
               <a:rPr lang="en-GB" smtClean="0"/>
-              <a:t>08/04/2019</a:t>
+              <a:t>09/04/2019</a:t>
             </a:fld>
             <a:endParaRPr lang="en-GB"/>
           </a:p>
@@ -3475,7 +3477,12 @@
             <p:ph type="title"/>
           </p:nvPr>
         </p:nvSpPr>
-        <p:spPr/>
+        <p:spPr>
+          <a:xfrm>
+            <a:off x="838200" y="365125"/>
+            <a:ext cx="5405846" cy="1325563"/>
+          </a:xfrm>
+        </p:spPr>
         <p:txBody>
           <a:bodyPr/>
           <a:lstStyle/>
@@ -3483,89 +3490,79 @@
             <a:pPr algn="ctr"/>
             <a:r>
               <a:rPr lang="en-GB" b="1" dirty="0" smtClean="0"/>
-              <a:t>A general sketch of analysis</a:t>
+              <a:t>OPG </a:t>
+            </a:r>
+            <a:r>
+              <a:rPr lang="en-GB" b="1" smtClean="0"/>
+              <a:t>(chr8)</a:t>
             </a:r>
             <a:endParaRPr lang="en-GB" b="1" dirty="0"/>
           </a:p>
         </p:txBody>
       </p:sp>
-      <p:sp>
-        <p:nvSpPr>
-          <p:cNvPr id="3" name="Content Placeholder 2"/>
-          <p:cNvSpPr>
-            <a:spLocks noGrp="1"/>
-          </p:cNvSpPr>
+      <p:pic>
+        <p:nvPicPr>
+          <p:cNvPr id="4" name="Content Placeholder 3"/>
+          <p:cNvPicPr>
+            <a:picLocks noGrp="1" noChangeAspect="1"/>
+          </p:cNvPicPr>
           <p:nvPr>
             <p:ph idx="1"/>
           </p:nvPr>
-        </p:nvSpPr>
-        <p:spPr/>
-        <p:txBody>
-          <a:bodyPr/>
-          <a:lstStyle/>
-          <a:p>
-            <a:r>
-              <a:rPr lang="en-GB" dirty="0" smtClean="0"/>
-              <a:t>Discovery, </a:t>
-            </a:r>
-            <a:r>
-              <a:rPr lang="en-GB" dirty="0" smtClean="0"/>
-              <a:t>replication – INTERVAL, meta-analysis, NSPHS.</a:t>
-            </a:r>
-          </a:p>
-          <a:p>
-            <a:r>
-              <a:rPr lang="en-GB" dirty="0" smtClean="0"/>
-              <a:t>GCTA –</a:t>
-            </a:r>
-            <a:r>
-              <a:rPr lang="en-GB" dirty="0" err="1" smtClean="0"/>
-              <a:t>cojo</a:t>
-            </a:r>
-            <a:r>
-              <a:rPr lang="en-GB" dirty="0"/>
-              <a:t> </a:t>
-            </a:r>
-            <a:r>
-              <a:rPr lang="en-GB" dirty="0" smtClean="0"/>
-              <a:t>analysis.</a:t>
-            </a:r>
-            <a:endParaRPr lang="en-GB" dirty="0" smtClean="0"/>
-          </a:p>
-          <a:p>
-            <a:r>
-              <a:rPr lang="en-GB" dirty="0" smtClean="0"/>
-              <a:t>Power issues – plots of effect size from INTERVAL vs INF1 are helpful.</a:t>
-            </a:r>
-            <a:endParaRPr lang="en-GB" dirty="0"/>
-          </a:p>
-          <a:p>
-            <a:r>
-              <a:rPr lang="en-GB" dirty="0" smtClean="0"/>
-              <a:t>Additional information on genotyping and cohort characteristics needs to be requested.</a:t>
-            </a:r>
-          </a:p>
-          <a:p>
-            <a:r>
-              <a:rPr lang="en-GB" dirty="0" smtClean="0"/>
-              <a:t>Elementary summary statistics such as h2 from INTERVAL, with KORA relatively small for GCTA </a:t>
-            </a:r>
-            <a:r>
-              <a:rPr lang="en-GB" dirty="0" smtClean="0"/>
-              <a:t>and possibly with INF1 </a:t>
-            </a:r>
-            <a:r>
-              <a:rPr lang="en-GB" dirty="0" smtClean="0"/>
-              <a:t>for HESS.</a:t>
-            </a:r>
-            <a:endParaRPr lang="en-GB" dirty="0"/>
-          </a:p>
-        </p:txBody>
-      </p:sp>
+        </p:nvPicPr>
+        <p:blipFill>
+          <a:blip r:embed="rId2" cstate="hqprint">
+            <a:extLst>
+              <a:ext uri="{28A0092B-C50C-407E-A947-70E740481C1C}">
+                <a14:useLocalDpi xmlns:a14="http://schemas.microsoft.com/office/drawing/2010/main" val="0"/>
+              </a:ext>
+            </a:extLst>
+          </a:blip>
+          <a:stretch>
+            <a:fillRect/>
+          </a:stretch>
+        </p:blipFill>
+        <p:spPr>
+          <a:xfrm>
+            <a:off x="1055211" y="1773374"/>
+            <a:ext cx="4351338" cy="4351338"/>
+          </a:xfrm>
+        </p:spPr>
+      </p:pic>
+      <p:pic>
+        <p:nvPicPr>
+          <p:cNvPr id="5" name="Picture 4"/>
+          <p:cNvPicPr>
+            <a:picLocks noChangeAspect="1"/>
+          </p:cNvPicPr>
+          <p:nvPr/>
+        </p:nvPicPr>
+        <p:blipFill>
+          <a:blip r:embed="rId3" cstate="print">
+            <a:extLst>
+              <a:ext uri="{28A0092B-C50C-407E-A947-70E740481C1C}">
+                <a14:useLocalDpi xmlns:a14="http://schemas.microsoft.com/office/drawing/2010/main" val="0"/>
+              </a:ext>
+            </a:extLst>
+          </a:blip>
+          <a:stretch>
+            <a:fillRect/>
+          </a:stretch>
+        </p:blipFill>
+        <p:spPr>
+          <a:xfrm>
+            <a:off x="5619205" y="0"/>
+            <a:ext cx="6858000" cy="6858000"/>
+          </a:xfrm>
+          <a:prstGeom prst="rect">
+            <a:avLst/>
+          </a:prstGeom>
+        </p:spPr>
+      </p:pic>
     </p:spTree>
     <p:extLst>
       <p:ext uri="{BB962C8B-B14F-4D97-AF65-F5344CB8AC3E}">
-        <p14:creationId xmlns:p14="http://schemas.microsoft.com/office/powerpoint/2010/main" val="1596982311"/>
+        <p14:creationId xmlns:p14="http://schemas.microsoft.com/office/powerpoint/2010/main" val="1196687135"/>
       </p:ext>
     </p:extLst>
   </p:cSld>
@@ -3602,7 +3599,12 @@
             <p:ph type="title"/>
           </p:nvPr>
         </p:nvSpPr>
-        <p:spPr/>
+        <p:spPr>
+          <a:xfrm>
+            <a:off x="838200" y="365125"/>
+            <a:ext cx="3664131" cy="1325563"/>
+          </a:xfrm>
+        </p:spPr>
         <p:txBody>
           <a:bodyPr/>
           <a:lstStyle/>
@@ -3610,80 +3612,75 @@
             <a:pPr algn="ctr"/>
             <a:r>
               <a:rPr lang="en-GB" b="1" dirty="0" smtClean="0"/>
-              <a:t>Landmarks</a:t>
+              <a:t>OPG (chr17)</a:t>
             </a:r>
             <a:endParaRPr lang="en-GB" b="1" dirty="0"/>
           </a:p>
         </p:txBody>
       </p:sp>
-      <p:sp>
-        <p:nvSpPr>
-          <p:cNvPr id="3" name="Content Placeholder 2"/>
-          <p:cNvSpPr>
-            <a:spLocks noGrp="1"/>
-          </p:cNvSpPr>
+      <p:pic>
+        <p:nvPicPr>
+          <p:cNvPr id="4" name="Content Placeholder 3"/>
+          <p:cNvPicPr>
+            <a:picLocks noGrp="1" noChangeAspect="1"/>
+          </p:cNvPicPr>
           <p:nvPr>
             <p:ph idx="1"/>
           </p:nvPr>
-        </p:nvSpPr>
-        <p:spPr/>
-        <p:txBody>
-          <a:bodyPr/>
-          <a:lstStyle/>
-          <a:p>
-            <a:r>
-              <a:rPr lang="en-GB" dirty="0" smtClean="0"/>
-              <a:t>27/3/19 – cross-reference with INTERVAL on INTERVAL genotype data, which showed great similarity with INF1, esp. w.r.t. cis signals.</a:t>
-            </a:r>
-          </a:p>
-          <a:p>
-            <a:r>
-              <a:rPr lang="en-GB" dirty="0" smtClean="0"/>
-              <a:t>8/3/19 </a:t>
-            </a:r>
-            <a:r>
-              <a:rPr lang="en-GB" dirty="0" smtClean="0"/>
-              <a:t>– Recognition of MAF </a:t>
-            </a:r>
-            <a:r>
-              <a:rPr lang="en-GB" dirty="0" err="1" smtClean="0"/>
-              <a:t>cutoff</a:t>
-            </a:r>
-            <a:r>
-              <a:rPr lang="en-GB" dirty="0" smtClean="0"/>
-              <a:t> on </a:t>
-            </a:r>
-            <a:r>
-              <a:rPr lang="en-GB" dirty="0" err="1" smtClean="0"/>
-              <a:t>IFN.gamma</a:t>
-            </a:r>
-            <a:r>
-              <a:rPr lang="en-GB" dirty="0" smtClean="0"/>
-              <a:t>, IL.22.RA1, </a:t>
-            </a:r>
-            <a:r>
-              <a:rPr lang="en-GB" dirty="0" smtClean="0"/>
-              <a:t>TSLP.</a:t>
-            </a:r>
-            <a:endParaRPr lang="en-GB" dirty="0" smtClean="0"/>
-          </a:p>
-          <a:p>
-            <a:r>
-              <a:rPr lang="en-GB" dirty="0" smtClean="0"/>
-              <a:t>29/11/18 – 22 proteins with busy Manhattan </a:t>
-            </a:r>
-            <a:r>
-              <a:rPr lang="en-GB" dirty="0" smtClean="0"/>
-              <a:t>plots.</a:t>
-            </a:r>
-            <a:endParaRPr lang="en-GB" dirty="0"/>
-          </a:p>
-        </p:txBody>
-      </p:sp>
+        </p:nvPicPr>
+        <p:blipFill>
+          <a:blip r:embed="rId2" cstate="hqprint">
+            <a:extLst>
+              <a:ext uri="{28A0092B-C50C-407E-A947-70E740481C1C}">
+                <a14:useLocalDpi xmlns:a14="http://schemas.microsoft.com/office/drawing/2010/main" val="0"/>
+              </a:ext>
+            </a:extLst>
+          </a:blip>
+          <a:stretch>
+            <a:fillRect/>
+          </a:stretch>
+        </p:blipFill>
+        <p:spPr>
+          <a:xfrm>
+            <a:off x="1090045" y="1964962"/>
+            <a:ext cx="4351338" cy="4351338"/>
+          </a:xfrm>
+        </p:spPr>
+      </p:pic>
+      <p:pic>
+        <p:nvPicPr>
+          <p:cNvPr id="5" name="Picture 4"/>
+          <p:cNvPicPr>
+            <a:picLocks noChangeAspect="1"/>
+          </p:cNvPicPr>
+          <p:nvPr/>
+        </p:nvPicPr>
+        <p:blipFill>
+          <a:blip r:embed="rId3" cstate="print">
+            <a:extLst>
+              <a:ext uri="{28A0092B-C50C-407E-A947-70E740481C1C}">
+                <a14:useLocalDpi xmlns:a14="http://schemas.microsoft.com/office/drawing/2010/main" val="0"/>
+              </a:ext>
+            </a:extLst>
+          </a:blip>
+          <a:stretch>
+            <a:fillRect/>
+          </a:stretch>
+        </p:blipFill>
+        <p:spPr>
+          <a:xfrm>
+            <a:off x="5305700" y="0"/>
+            <a:ext cx="6858000" cy="6858000"/>
+          </a:xfrm>
+          <a:prstGeom prst="rect">
+            <a:avLst/>
+          </a:prstGeom>
+        </p:spPr>
+      </p:pic>
     </p:spTree>
     <p:extLst>
       <p:ext uri="{BB962C8B-B14F-4D97-AF65-F5344CB8AC3E}">
-        <p14:creationId xmlns:p14="http://schemas.microsoft.com/office/powerpoint/2010/main" val="3032432137"/>
+        <p14:creationId xmlns:p14="http://schemas.microsoft.com/office/powerpoint/2010/main" val="4186901552"/>
       </p:ext>
     </p:extLst>
   </p:cSld>
@@ -3728,15 +3725,7 @@
             <a:pPr algn="ctr"/>
             <a:r>
               <a:rPr lang="en-GB" b="1" dirty="0" smtClean="0"/>
-              <a:t>A </a:t>
-            </a:r>
-            <a:r>
-              <a:rPr lang="en-GB" b="1" dirty="0"/>
-              <a:t>brief summary (</a:t>
-            </a:r>
-            <a:r>
-              <a:rPr lang="en-GB" b="1" dirty="0" smtClean="0"/>
-              <a:t>29/11/18)</a:t>
+              <a:t>A general sketch of analysis</a:t>
             </a:r>
             <a:endParaRPr lang="en-GB" b="1" dirty="0"/>
           </a:p>
@@ -3754,46 +3743,58 @@
         </p:nvSpPr>
         <p:spPr/>
         <p:txBody>
-          <a:bodyPr>
-            <a:normAutofit/>
-          </a:bodyPr>
+          <a:bodyPr/>
           <a:lstStyle/>
           <a:p>
             <a:r>
+              <a:rPr lang="en-GB" dirty="0" smtClean="0"/>
+              <a:t>Discovery, replication – INTERVAL, meta-analysis, NSPHS.</a:t>
+            </a:r>
+          </a:p>
+          <a:p>
+            <a:r>
+              <a:rPr lang="en-GB" dirty="0" smtClean="0"/>
+              <a:t>GCTA –</a:t>
+            </a:r>
+            <a:r>
+              <a:rPr lang="en-GB" dirty="0" err="1" smtClean="0"/>
+              <a:t>cojo</a:t>
+            </a:r>
+            <a:r>
               <a:rPr lang="en-GB" dirty="0"/>
-              <a:t>It is still at a very early stage of the analysis.</a:t>
-            </a:r>
-          </a:p>
-          <a:p>
-            <a:r>
-              <a:rPr lang="en-GB" dirty="0"/>
-              <a:t>Results from INTERVAL and benchmarks from meta-analysis were reassuring.</a:t>
-            </a:r>
-          </a:p>
-          <a:p>
-            <a:r>
-              <a:rPr lang="en-GB" dirty="0"/>
-              <a:t>This was based on stricter criteria on –ld-r2 of the PLINK –clump procedure which was somewhat hampered is its inability to handle small p-value.</a:t>
-            </a:r>
-          </a:p>
-          <a:p>
-            <a:r>
-              <a:rPr lang="en-GB" dirty="0"/>
-              <a:t>It is worthwhile to explore approaches.</a:t>
-            </a:r>
-          </a:p>
-          <a:p>
-            <a:r>
-              <a:rPr lang="en-GB" dirty="0"/>
-              <a:t>There will be further effort on the meta-analysis QC.</a:t>
-            </a:r>
+              <a:t> </a:t>
+            </a:r>
+            <a:r>
+              <a:rPr lang="en-GB" dirty="0" smtClean="0"/>
+              <a:t>analysis.</a:t>
+            </a:r>
+          </a:p>
+          <a:p>
+            <a:r>
+              <a:rPr lang="en-GB" dirty="0" smtClean="0"/>
+              <a:t>Power issues – plots of effect size from INTERVAL vs INF1 are helpful.</a:t>
+            </a:r>
+            <a:endParaRPr lang="en-GB" dirty="0"/>
+          </a:p>
+          <a:p>
+            <a:r>
+              <a:rPr lang="en-GB" dirty="0" smtClean="0"/>
+              <a:t>Additional information on genotyping and cohort characteristics needs to be requested.</a:t>
+            </a:r>
+          </a:p>
+          <a:p>
+            <a:r>
+              <a:rPr lang="en-GB" dirty="0" smtClean="0"/>
+              <a:t>Elementary summary statistics such as h2 from INTERVAL, with KORA relatively small for GCTA and possibly with INF1 for HESS.</a:t>
+            </a:r>
+            <a:endParaRPr lang="en-GB" dirty="0"/>
           </a:p>
         </p:txBody>
       </p:sp>
     </p:spTree>
     <p:extLst>
       <p:ext uri="{BB962C8B-B14F-4D97-AF65-F5344CB8AC3E}">
-        <p14:creationId xmlns:p14="http://schemas.microsoft.com/office/powerpoint/2010/main" val="1462860847"/>
+        <p14:creationId xmlns:p14="http://schemas.microsoft.com/office/powerpoint/2010/main" val="1596982311"/>
       </p:ext>
     </p:extLst>
   </p:cSld>
@@ -3822,13 +3823,7 @@
       </p:grpSpPr>
       <p:sp>
         <p:nvSpPr>
-          <p:cNvPr id="2" name="Title 1">
-            <a:extLst>
-              <a:ext uri="{FF2B5EF4-FFF2-40B4-BE49-F238E27FC236}">
-                <a16:creationId xmlns:a16="http://schemas.microsoft.com/office/drawing/2014/main" id="{0B706D4B-56BB-4904-95C8-C7317B2F9042}"/>
-              </a:ext>
-            </a:extLst>
-          </p:cNvPr>
+          <p:cNvPr id="2" name="Title 1"/>
           <p:cNvSpPr>
             <a:spLocks noGrp="1"/>
           </p:cNvSpPr>
@@ -3844,15 +3839,7 @@
             <a:pPr algn="ctr"/>
             <a:r>
               <a:rPr lang="en-GB" b="1" dirty="0" smtClean="0"/>
-              <a:t>On </a:t>
-            </a:r>
-            <a:r>
-              <a:rPr lang="en-GB" b="1" dirty="0"/>
-              <a:t>next steps (</a:t>
-            </a:r>
-            <a:r>
-              <a:rPr lang="en-GB" b="1" dirty="0" smtClean="0"/>
-              <a:t>29/11/18)</a:t>
+              <a:t>Landmarks</a:t>
             </a:r>
             <a:endParaRPr lang="en-GB" b="1" dirty="0"/>
           </a:p>
@@ -3860,13 +3847,7 @@
       </p:sp>
       <p:sp>
         <p:nvSpPr>
-          <p:cNvPr id="3" name="Content Placeholder 2">
-            <a:extLst>
-              <a:ext uri="{FF2B5EF4-FFF2-40B4-BE49-F238E27FC236}">
-                <a16:creationId xmlns:a16="http://schemas.microsoft.com/office/drawing/2014/main" id="{779C168B-FE2B-48BB-9F71-190FE784313F}"/>
-              </a:ext>
-            </a:extLst>
-          </p:cNvPr>
+          <p:cNvPr id="3" name="Content Placeholder 2"/>
           <p:cNvSpPr>
             <a:spLocks noGrp="1"/>
           </p:cNvSpPr>
@@ -3876,88 +3857,49 @@
         </p:nvSpPr>
         <p:spPr/>
         <p:txBody>
-          <a:bodyPr>
-            <a:normAutofit lnSpcReduction="10000"/>
-          </a:bodyPr>
+          <a:bodyPr/>
           <a:lstStyle/>
           <a:p>
             <a:r>
-              <a:rPr lang="en-GB" dirty="0"/>
-              <a:t>KORA individual level data analysis will be conducted centrally.</a:t>
-            </a:r>
-          </a:p>
-          <a:p>
-            <a:r>
-              <a:rPr lang="en-GB" dirty="0"/>
-              <a:t>Additional studies such as COMBINE will be added.</a:t>
-            </a:r>
-          </a:p>
-          <a:p>
-            <a:r>
-              <a:rPr lang="en-GB" dirty="0"/>
-              <a:t>For cohorts contributing results on PLINK, information such as effect allele (frequency), imputation quality is recommended on a per-cohort basis via </a:t>
-            </a:r>
-            <a:r>
-              <a:rPr lang="en-GB" dirty="0" err="1"/>
-              <a:t>qctool</a:t>
-            </a:r>
-            <a:r>
-              <a:rPr lang="en-GB" dirty="0"/>
-              <a:t> as noted in SCALLOP_INF_I_analysis_plan.md.</a:t>
-            </a:r>
-          </a:p>
-          <a:p>
-            <a:r>
-              <a:rPr lang="en-GB" dirty="0"/>
-              <a:t>The QC will be refined and downstream analysis strengthened -- the experiments were based on 1000Genomes extracted from </a:t>
-            </a:r>
-            <a:r>
-              <a:rPr lang="en-GB" dirty="0" err="1"/>
-              <a:t>LocusZoom</a:t>
-            </a:r>
-            <a:r>
-              <a:rPr lang="en-GB" dirty="0"/>
-              <a:t> 1.4 at </a:t>
-            </a:r>
-            <a:r>
-              <a:rPr lang="en-GB" dirty="0" err="1"/>
-              <a:t>tryggve</a:t>
-            </a:r>
-            <a:r>
-              <a:rPr lang="en-GB" dirty="0"/>
-              <a:t> when there was issues with the up-/down-load. A more desirable reference panel would be INTERVAL, </a:t>
-            </a:r>
-            <a:r>
-              <a:rPr lang="en-GB" dirty="0" err="1"/>
-              <a:t>UKBiobank</a:t>
-            </a:r>
-            <a:r>
-              <a:rPr lang="en-GB" dirty="0"/>
-              <a:t>, both involving HRC+UK10K. </a:t>
-            </a:r>
-            <a:r>
-              <a:rPr lang="en-GB" dirty="0" err="1"/>
-              <a:t>Finemapping</a:t>
-            </a:r>
-            <a:r>
-              <a:rPr lang="en-GB" dirty="0"/>
-              <a:t> is set to involve PLINK, GCTA, </a:t>
-            </a:r>
-            <a:r>
-              <a:rPr lang="en-GB" dirty="0" err="1"/>
-              <a:t>finemap</a:t>
-            </a:r>
-            <a:r>
-              <a:rPr lang="en-GB" dirty="0"/>
-              <a:t>, and JAM, among others.</a:t>
-            </a:r>
+              <a:rPr lang="en-GB" dirty="0" smtClean="0"/>
+              <a:t>27/3/19 – cross-reference with INTERVAL on INTERVAL genotype data, which showed great similarity with INF1, esp. w.r.t. cis signals.</a:t>
+            </a:r>
+          </a:p>
+          <a:p>
+            <a:r>
+              <a:rPr lang="en-GB" dirty="0" smtClean="0"/>
+              <a:t>8/3/19 – Recognition of MAF </a:t>
+            </a:r>
+            <a:r>
+              <a:rPr lang="en-GB" dirty="0" err="1" smtClean="0"/>
+              <a:t>cutoff</a:t>
+            </a:r>
+            <a:r>
+              <a:rPr lang="en-GB" dirty="0" smtClean="0"/>
+              <a:t> on </a:t>
+            </a:r>
+            <a:r>
+              <a:rPr lang="en-GB" dirty="0" err="1" smtClean="0"/>
+              <a:t>IFN.gamma</a:t>
+            </a:r>
+            <a:r>
+              <a:rPr lang="en-GB" dirty="0" smtClean="0"/>
+              <a:t>, IL.22.RA1, TSLP.</a:t>
+            </a:r>
+          </a:p>
+          <a:p>
+            <a:r>
+              <a:rPr lang="en-GB" dirty="0" smtClean="0"/>
+              <a:t>29/11/18 – 22 proteins with busy Manhattan plots.</a:t>
+            </a:r>
+            <a:endParaRPr lang="en-GB" dirty="0"/>
           </a:p>
         </p:txBody>
       </p:sp>
     </p:spTree>
     <p:extLst>
       <p:ext uri="{BB962C8B-B14F-4D97-AF65-F5344CB8AC3E}">
-        <p14:creationId xmlns:p14="http://schemas.microsoft.com/office/powerpoint/2010/main" val="1025794882"/>
+        <p14:creationId xmlns:p14="http://schemas.microsoft.com/office/powerpoint/2010/main" val="3032432137"/>
       </p:ext>
     </p:extLst>
   </p:cSld>
@@ -3986,13 +3928,7 @@
       </p:grpSpPr>
       <p:sp>
         <p:nvSpPr>
-          <p:cNvPr id="2" name="Title 1">
-            <a:extLst>
-              <a:ext uri="{FF2B5EF4-FFF2-40B4-BE49-F238E27FC236}">
-                <a16:creationId xmlns:a16="http://schemas.microsoft.com/office/drawing/2014/main" id="{0B706D4B-56BB-4904-95C8-C7317B2F9042}"/>
-              </a:ext>
-            </a:extLst>
-          </p:cNvPr>
+          <p:cNvPr id="2" name="Title 1"/>
           <p:cNvSpPr>
             <a:spLocks noGrp="1"/>
           </p:cNvSpPr>
@@ -4008,23 +3944,15 @@
             <a:pPr algn="ctr"/>
             <a:r>
               <a:rPr lang="en-GB" b="1" dirty="0" smtClean="0"/>
-              <a:t>Updates </a:t>
+              <a:t>A </a:t>
             </a:r>
             <a:r>
               <a:rPr lang="en-GB" b="1" dirty="0"/>
-              <a:t>I </a:t>
+              <a:t>brief summary (</a:t>
             </a:r>
             <a:r>
               <a:rPr lang="en-GB" b="1" dirty="0" smtClean="0"/>
-              <a:t>(</a:t>
-            </a:r>
-            <a:r>
-              <a:rPr lang="en-GB" b="1" dirty="0"/>
-              <a:t>8</a:t>
-            </a:r>
-            <a:r>
-              <a:rPr lang="en-GB" b="1" dirty="0" smtClean="0"/>
-              <a:t>/3/19)</a:t>
+              <a:t>29/11/18)</a:t>
             </a:r>
             <a:endParaRPr lang="en-GB" b="1" dirty="0"/>
           </a:p>
@@ -4032,13 +3960,7 @@
       </p:sp>
       <p:sp>
         <p:nvSpPr>
-          <p:cNvPr id="3" name="Content Placeholder 2">
-            <a:extLst>
-              <a:ext uri="{FF2B5EF4-FFF2-40B4-BE49-F238E27FC236}">
-                <a16:creationId xmlns:a16="http://schemas.microsoft.com/office/drawing/2014/main" id="{779C168B-FE2B-48BB-9F71-190FE784313F}"/>
-              </a:ext>
-            </a:extLst>
-          </p:cNvPr>
+          <p:cNvPr id="3" name="Content Placeholder 2"/>
           <p:cNvSpPr>
             <a:spLocks noGrp="1"/>
           </p:cNvSpPr>
@@ -4049,112 +3971,45 @@
         <p:spPr/>
         <p:txBody>
           <a:bodyPr>
-            <a:normAutofit lnSpcReduction="10000"/>
+            <a:normAutofit/>
           </a:bodyPr>
           <a:lstStyle/>
           <a:p>
             <a:r>
-              <a:rPr lang="en-GB" dirty="0" smtClean="0"/>
-              <a:t>29 chromosomes remain to be analysed for KORA + ARTN reanalysing at TRYGGVE (smaller size). normalised level ~ age+sex+PC1-5+genotype under additive model with SNPTEST.</a:t>
-            </a:r>
-          </a:p>
-          <a:p>
-            <a:r>
-              <a:rPr lang="en-GB" dirty="0" err="1" smtClean="0"/>
-              <a:t>BioFinder</a:t>
-            </a:r>
-            <a:r>
-              <a:rPr lang="en-GB" dirty="0" smtClean="0"/>
-              <a:t>, </a:t>
-            </a:r>
-            <a:r>
-              <a:rPr lang="en-GB" dirty="0" err="1" smtClean="0"/>
-              <a:t>MadCam</a:t>
-            </a:r>
-            <a:r>
-              <a:rPr lang="en-GB" dirty="0" smtClean="0"/>
-              <a:t> and RECOMBINE were available – these were from Anders beside STANLEY lah1/swe6 with </a:t>
-            </a:r>
-            <a:r>
-              <a:rPr lang="en-GB" dirty="0" err="1" smtClean="0"/>
-              <a:t>qctool</a:t>
-            </a:r>
-            <a:r>
-              <a:rPr lang="en-GB" dirty="0" smtClean="0"/>
-              <a:t> –</a:t>
-            </a:r>
-            <a:r>
-              <a:rPr lang="en-GB" dirty="0" err="1" smtClean="0"/>
-              <a:t>snp</a:t>
-            </a:r>
-            <a:r>
-              <a:rPr lang="en-GB" dirty="0" smtClean="0"/>
-              <a:t>-stats pending while </a:t>
-            </a:r>
-            <a:r>
-              <a:rPr lang="en-GB" dirty="0" err="1" smtClean="0"/>
-              <a:t>MadCam</a:t>
-            </a:r>
-            <a:r>
-              <a:rPr lang="en-GB" dirty="0" smtClean="0"/>
-              <a:t> has RSQ_IMP.</a:t>
-            </a:r>
-          </a:p>
-          <a:p>
-            <a:r>
-              <a:rPr lang="en-GB" dirty="0" smtClean="0"/>
-              <a:t>NSPHS has PLINK results but no </a:t>
-            </a:r>
-            <a:r>
-              <a:rPr lang="en-GB" dirty="0" err="1" smtClean="0"/>
-              <a:t>qctool</a:t>
-            </a:r>
-            <a:r>
-              <a:rPr lang="en-GB" dirty="0" smtClean="0"/>
-              <a:t> -</a:t>
-            </a:r>
-            <a:r>
-              <a:rPr lang="en-GB" dirty="0" err="1" smtClean="0"/>
-              <a:t>snp</a:t>
-            </a:r>
-            <a:r>
-              <a:rPr lang="en-GB" dirty="0" smtClean="0"/>
-              <a:t>-stats (in touch with </a:t>
-            </a:r>
-            <a:r>
-              <a:rPr lang="en-US" dirty="0"/>
-              <a:t>Åsa Johansson </a:t>
-            </a:r>
-            <a:r>
-              <a:rPr lang="en-US" dirty="0" smtClean="0"/>
-              <a:t>on 21/2</a:t>
-            </a:r>
-            <a:r>
-              <a:rPr lang="en-GB" dirty="0" smtClean="0"/>
-              <a:t>).</a:t>
-            </a:r>
-          </a:p>
-          <a:p>
-            <a:r>
-              <a:rPr lang="en-GB" dirty="0" smtClean="0"/>
-              <a:t>The number of problematic proteins was reduced from 22 to three, </a:t>
-            </a:r>
-            <a:r>
-              <a:rPr lang="en-GB" dirty="0" err="1" smtClean="0"/>
-              <a:t>IFN.gamma</a:t>
-            </a:r>
-            <a:r>
-              <a:rPr lang="en-GB" dirty="0" smtClean="0"/>
-              <a:t>, IL.22.RA1 and TSLP and then none with MAF set to MAF&gt;0.1 for STABILITY (N=2,951), second to INTERVAL (N=4,996).</a:t>
-            </a:r>
-            <a:endParaRPr lang="en-GB" dirty="0"/>
+              <a:rPr lang="en-GB" dirty="0"/>
+              <a:t>It is still at a very early stage of the analysis.</a:t>
+            </a:r>
+          </a:p>
+          <a:p>
+            <a:r>
+              <a:rPr lang="en-GB" dirty="0"/>
+              <a:t>Results from INTERVAL and benchmarks from meta-analysis were reassuring.</a:t>
+            </a:r>
+          </a:p>
+          <a:p>
+            <a:r>
+              <a:rPr lang="en-GB" dirty="0"/>
+              <a:t>This was based on stricter criteria on –ld-r2 of the PLINK –clump procedure which was somewhat hampered is its inability to handle small p-value.</a:t>
+            </a:r>
+          </a:p>
+          <a:p>
+            <a:r>
+              <a:rPr lang="en-GB" dirty="0"/>
+              <a:t>It is worthwhile to explore approaches.</a:t>
+            </a:r>
+          </a:p>
+          <a:p>
+            <a:r>
+              <a:rPr lang="en-GB" dirty="0"/>
+              <a:t>There will be further effort on the meta-analysis QC.</a:t>
+            </a:r>
           </a:p>
         </p:txBody>
       </p:sp>
     </p:spTree>
     <p:extLst>
       <p:ext uri="{BB962C8B-B14F-4D97-AF65-F5344CB8AC3E}">
-        <p14:creationId xmlns:p14="http://schemas.microsoft.com/office/powerpoint/2010/main" val="435210134"/>
+        <p14:creationId xmlns:p14="http://schemas.microsoft.com/office/powerpoint/2010/main" val="1462860847"/>
       </p:ext>
     </p:extLst>
   </p:cSld>
@@ -4183,7 +4038,13 @@
       </p:grpSpPr>
       <p:sp>
         <p:nvSpPr>
-          <p:cNvPr id="2" name="Title 1"/>
+          <p:cNvPr id="2" name="Title 1">
+            <a:extLst>
+              <a:ext uri="{FF2B5EF4-FFF2-40B4-BE49-F238E27FC236}">
+                <a16:creationId xmlns:a16="http://schemas.microsoft.com/office/drawing/2014/main" id="{0B706D4B-56BB-4904-95C8-C7317B2F9042}"/>
+              </a:ext>
+            </a:extLst>
+          </p:cNvPr>
           <p:cNvSpPr>
             <a:spLocks noGrp="1"/>
           </p:cNvSpPr>
@@ -4199,18 +4060,29 @@
             <a:pPr algn="ctr"/>
             <a:r>
               <a:rPr lang="en-GB" b="1" dirty="0" smtClean="0"/>
-              <a:t>Updates </a:t>
+              <a:t>On </a:t>
             </a:r>
             <a:r>
               <a:rPr lang="en-GB" b="1" dirty="0"/>
-              <a:t>II (8/3/19)</a:t>
-            </a:r>
-          </a:p>
-        </p:txBody>
-      </p:sp>
-      <p:sp>
-        <p:nvSpPr>
-          <p:cNvPr id="3" name="Content Placeholder 2"/>
+              <a:t>next steps (</a:t>
+            </a:r>
+            <a:r>
+              <a:rPr lang="en-GB" b="1" dirty="0" smtClean="0"/>
+              <a:t>29/11/18)</a:t>
+            </a:r>
+            <a:endParaRPr lang="en-GB" b="1" dirty="0"/>
+          </a:p>
+        </p:txBody>
+      </p:sp>
+      <p:sp>
+        <p:nvSpPr>
+          <p:cNvPr id="3" name="Content Placeholder 2">
+            <a:extLst>
+              <a:ext uri="{FF2B5EF4-FFF2-40B4-BE49-F238E27FC236}">
+                <a16:creationId xmlns:a16="http://schemas.microsoft.com/office/drawing/2014/main" id="{779C168B-FE2B-48BB-9F71-190FE784313F}"/>
+              </a:ext>
+            </a:extLst>
+          </p:cNvPr>
           <p:cNvSpPr>
             <a:spLocks noGrp="1"/>
           </p:cNvSpPr>
@@ -4220,63 +4092,88 @@
         </p:nvSpPr>
         <p:spPr/>
         <p:txBody>
-          <a:bodyPr/>
+          <a:bodyPr>
+            <a:normAutofit lnSpcReduction="10000"/>
+          </a:bodyPr>
           <a:lstStyle/>
           <a:p>
             <a:r>
-              <a:rPr lang="en-GB" dirty="0" smtClean="0"/>
-              <a:t>STANLEY added to meta-</a:t>
-            </a:r>
-            <a:r>
-              <a:rPr lang="en-GB" dirty="0" err="1" smtClean="0"/>
-              <a:t>snalysis</a:t>
-            </a:r>
-            <a:r>
-              <a:rPr lang="en-GB" dirty="0" smtClean="0"/>
-              <a:t> when per-SNP sample sizes are available from study description (results from PLINK dosage analysis, with INFO but no N).</a:t>
-            </a:r>
-          </a:p>
-          <a:p>
-            <a:r>
-              <a:rPr lang="en-GB" dirty="0" smtClean="0"/>
-              <a:t>INFO from </a:t>
-            </a:r>
-            <a:r>
-              <a:rPr lang="en-GB" dirty="0" err="1" smtClean="0"/>
+              <a:rPr lang="en-GB" dirty="0"/>
+              <a:t>KORA individual level data analysis will be conducted centrally.</a:t>
+            </a:r>
+          </a:p>
+          <a:p>
+            <a:r>
+              <a:rPr lang="en-GB" dirty="0"/>
+              <a:t>Additional studies such as COMBINE will be added.</a:t>
+            </a:r>
+          </a:p>
+          <a:p>
+            <a:r>
+              <a:rPr lang="en-GB" dirty="0"/>
+              <a:t>For cohorts contributing results on PLINK, information such as effect allele (frequency), imputation quality is recommended on a per-cohort basis via </a:t>
+            </a:r>
+            <a:r>
+              <a:rPr lang="en-GB" dirty="0" err="1"/>
               <a:t>qctool</a:t>
             </a:r>
             <a:r>
-              <a:rPr lang="en-GB" dirty="0" smtClean="0"/>
-              <a:t> –</a:t>
-            </a:r>
-            <a:r>
-              <a:rPr lang="en-GB" dirty="0" err="1" smtClean="0"/>
-              <a:t>snp</a:t>
-            </a:r>
-            <a:r>
-              <a:rPr lang="en-GB" dirty="0" smtClean="0"/>
-              <a:t>-stats was added to INTERVAL.</a:t>
-            </a:r>
-          </a:p>
-          <a:p>
-            <a:r>
-              <a:rPr lang="en-GB" dirty="0" smtClean="0"/>
-              <a:t>Side projects: R/gap, FM-pipeline, EWAS-fusion, etc. updated and results from FM-pipeline but pending on validation.</a:t>
-            </a:r>
-          </a:p>
-          <a:p>
-            <a:r>
-              <a:rPr lang="en-GB" dirty="0" smtClean="0"/>
-              <a:t>INF1.paper.docx at INF/doc as placeholder for paper draft; cohort description needs to be added – an Excel spreadsheet was made available from the (updated) analysis plan and comments are welcome to consolidate.</a:t>
-            </a:r>
-            <a:endParaRPr lang="en-GB" dirty="0"/>
+              <a:rPr lang="en-GB" dirty="0"/>
+              <a:t> as noted in SCALLOP_INF_I_analysis_plan.md.</a:t>
+            </a:r>
+          </a:p>
+          <a:p>
+            <a:r>
+              <a:rPr lang="en-GB" dirty="0"/>
+              <a:t>The QC will be refined and downstream analysis strengthened -- the experiments were based on 1000Genomes extracted from </a:t>
+            </a:r>
+            <a:r>
+              <a:rPr lang="en-GB" dirty="0" err="1"/>
+              <a:t>LocusZoom</a:t>
+            </a:r>
+            <a:r>
+              <a:rPr lang="en-GB" dirty="0"/>
+              <a:t> 1.4 at </a:t>
+            </a:r>
+            <a:r>
+              <a:rPr lang="en-GB" dirty="0" err="1"/>
+              <a:t>tryggve</a:t>
+            </a:r>
+            <a:r>
+              <a:rPr lang="en-GB" dirty="0"/>
+              <a:t> when there was issues with the up-/down-load. A more desirable reference panel would be INTERVAL, </a:t>
+            </a:r>
+            <a:r>
+              <a:rPr lang="en-GB" dirty="0" err="1"/>
+              <a:t>UKBiobank</a:t>
+            </a:r>
+            <a:r>
+              <a:rPr lang="en-GB" dirty="0"/>
+              <a:t>, both involving HRC+UK10K. </a:t>
+            </a:r>
+            <a:r>
+              <a:rPr lang="en-GB" dirty="0" err="1"/>
+              <a:t>Finemapping</a:t>
+            </a:r>
+            <a:r>
+              <a:rPr lang="en-GB" dirty="0"/>
+              <a:t> is set to involve PLINK, GCTA, </a:t>
+            </a:r>
+            <a:r>
+              <a:rPr lang="en-GB" dirty="0" err="1"/>
+              <a:t>finemap</a:t>
+            </a:r>
+            <a:r>
+              <a:rPr lang="en-GB" dirty="0"/>
+              <a:t>, and JAM, among others.</a:t>
+            </a:r>
           </a:p>
         </p:txBody>
       </p:sp>
     </p:spTree>
     <p:extLst>
       <p:ext uri="{BB962C8B-B14F-4D97-AF65-F5344CB8AC3E}">
-        <p14:creationId xmlns:p14="http://schemas.microsoft.com/office/powerpoint/2010/main" val="3409810465"/>
+        <p14:creationId xmlns:p14="http://schemas.microsoft.com/office/powerpoint/2010/main" val="1025794882"/>
       </p:ext>
     </p:extLst>
   </p:cSld>
@@ -4305,6 +4202,325 @@
       </p:grpSpPr>
       <p:sp>
         <p:nvSpPr>
+          <p:cNvPr id="2" name="Title 1">
+            <a:extLst>
+              <a:ext uri="{FF2B5EF4-FFF2-40B4-BE49-F238E27FC236}">
+                <a16:creationId xmlns:a16="http://schemas.microsoft.com/office/drawing/2014/main" id="{0B706D4B-56BB-4904-95C8-C7317B2F9042}"/>
+              </a:ext>
+            </a:extLst>
+          </p:cNvPr>
+          <p:cNvSpPr>
+            <a:spLocks noGrp="1"/>
+          </p:cNvSpPr>
+          <p:nvPr>
+            <p:ph type="title"/>
+          </p:nvPr>
+        </p:nvSpPr>
+        <p:spPr/>
+        <p:txBody>
+          <a:bodyPr/>
+          <a:lstStyle/>
+          <a:p>
+            <a:pPr algn="ctr"/>
+            <a:r>
+              <a:rPr lang="en-GB" b="1" dirty="0" smtClean="0"/>
+              <a:t>Updates </a:t>
+            </a:r>
+            <a:r>
+              <a:rPr lang="en-GB" b="1" dirty="0"/>
+              <a:t>I </a:t>
+            </a:r>
+            <a:r>
+              <a:rPr lang="en-GB" b="1" dirty="0" smtClean="0"/>
+              <a:t>(</a:t>
+            </a:r>
+            <a:r>
+              <a:rPr lang="en-GB" b="1" dirty="0"/>
+              <a:t>8</a:t>
+            </a:r>
+            <a:r>
+              <a:rPr lang="en-GB" b="1" dirty="0" smtClean="0"/>
+              <a:t>/3/19)</a:t>
+            </a:r>
+            <a:endParaRPr lang="en-GB" b="1" dirty="0"/>
+          </a:p>
+        </p:txBody>
+      </p:sp>
+      <p:sp>
+        <p:nvSpPr>
+          <p:cNvPr id="3" name="Content Placeholder 2">
+            <a:extLst>
+              <a:ext uri="{FF2B5EF4-FFF2-40B4-BE49-F238E27FC236}">
+                <a16:creationId xmlns:a16="http://schemas.microsoft.com/office/drawing/2014/main" id="{779C168B-FE2B-48BB-9F71-190FE784313F}"/>
+              </a:ext>
+            </a:extLst>
+          </p:cNvPr>
+          <p:cNvSpPr>
+            <a:spLocks noGrp="1"/>
+          </p:cNvSpPr>
+          <p:nvPr>
+            <p:ph idx="1"/>
+          </p:nvPr>
+        </p:nvSpPr>
+        <p:spPr/>
+        <p:txBody>
+          <a:bodyPr>
+            <a:normAutofit lnSpcReduction="10000"/>
+          </a:bodyPr>
+          <a:lstStyle/>
+          <a:p>
+            <a:r>
+              <a:rPr lang="en-GB" dirty="0" smtClean="0"/>
+              <a:t>29 chromosomes remain to be analysed for KORA + ARTN reanalysing at TRYGGVE (smaller size). normalised level ~ age+sex+PC1-5+genotype under additive model with SNPTEST.</a:t>
+            </a:r>
+          </a:p>
+          <a:p>
+            <a:r>
+              <a:rPr lang="en-GB" dirty="0" err="1" smtClean="0"/>
+              <a:t>BioFinder</a:t>
+            </a:r>
+            <a:r>
+              <a:rPr lang="en-GB" dirty="0" smtClean="0"/>
+              <a:t>, </a:t>
+            </a:r>
+            <a:r>
+              <a:rPr lang="en-GB" dirty="0" err="1" smtClean="0"/>
+              <a:t>MadCam</a:t>
+            </a:r>
+            <a:r>
+              <a:rPr lang="en-GB" dirty="0" smtClean="0"/>
+              <a:t> and RECOMBINE were available – these were from Anders beside STANLEY lah1/swe6 with </a:t>
+            </a:r>
+            <a:r>
+              <a:rPr lang="en-GB" dirty="0" err="1" smtClean="0"/>
+              <a:t>qctool</a:t>
+            </a:r>
+            <a:r>
+              <a:rPr lang="en-GB" dirty="0" smtClean="0"/>
+              <a:t> –</a:t>
+            </a:r>
+            <a:r>
+              <a:rPr lang="en-GB" dirty="0" err="1" smtClean="0"/>
+              <a:t>snp</a:t>
+            </a:r>
+            <a:r>
+              <a:rPr lang="en-GB" dirty="0" smtClean="0"/>
+              <a:t>-stats pending while </a:t>
+            </a:r>
+            <a:r>
+              <a:rPr lang="en-GB" dirty="0" err="1" smtClean="0"/>
+              <a:t>MadCam</a:t>
+            </a:r>
+            <a:r>
+              <a:rPr lang="en-GB" dirty="0" smtClean="0"/>
+              <a:t> has RSQ_IMP.</a:t>
+            </a:r>
+          </a:p>
+          <a:p>
+            <a:r>
+              <a:rPr lang="en-GB" dirty="0" smtClean="0"/>
+              <a:t>NSPHS has PLINK results but no </a:t>
+            </a:r>
+            <a:r>
+              <a:rPr lang="en-GB" dirty="0" err="1" smtClean="0"/>
+              <a:t>qctool</a:t>
+            </a:r>
+            <a:r>
+              <a:rPr lang="en-GB" dirty="0" smtClean="0"/>
+              <a:t> -</a:t>
+            </a:r>
+            <a:r>
+              <a:rPr lang="en-GB" dirty="0" err="1" smtClean="0"/>
+              <a:t>snp</a:t>
+            </a:r>
+            <a:r>
+              <a:rPr lang="en-GB" dirty="0" smtClean="0"/>
+              <a:t>-stats (in touch with </a:t>
+            </a:r>
+            <a:r>
+              <a:rPr lang="en-US" dirty="0"/>
+              <a:t>Åsa Johansson </a:t>
+            </a:r>
+            <a:r>
+              <a:rPr lang="en-US" dirty="0" smtClean="0"/>
+              <a:t>on 21/2</a:t>
+            </a:r>
+            <a:r>
+              <a:rPr lang="en-GB" dirty="0" smtClean="0"/>
+              <a:t>).</a:t>
+            </a:r>
+          </a:p>
+          <a:p>
+            <a:r>
+              <a:rPr lang="en-GB" dirty="0" smtClean="0"/>
+              <a:t>The number of problematic proteins was reduced from 22 to three, </a:t>
+            </a:r>
+            <a:r>
+              <a:rPr lang="en-GB" dirty="0" err="1" smtClean="0"/>
+              <a:t>IFN.gamma</a:t>
+            </a:r>
+            <a:r>
+              <a:rPr lang="en-GB" dirty="0" smtClean="0"/>
+              <a:t>, IL.22.RA1 and TSLP and then none with MAF set to MAF&gt;0.1 for STABILITY (N=2,951), second to INTERVAL (N=4,996).</a:t>
+            </a:r>
+            <a:endParaRPr lang="en-GB" dirty="0"/>
+          </a:p>
+        </p:txBody>
+      </p:sp>
+    </p:spTree>
+    <p:extLst>
+      <p:ext uri="{BB962C8B-B14F-4D97-AF65-F5344CB8AC3E}">
+        <p14:creationId xmlns:p14="http://schemas.microsoft.com/office/powerpoint/2010/main" val="435210134"/>
+      </p:ext>
+    </p:extLst>
+  </p:cSld>
+  <p:clrMapOvr>
+    <a:masterClrMapping/>
+  </p:clrMapOvr>
+</p:sld>
+</file>
+
+<file path=ppt/slides/slide17.xml><?xml version="1.0" encoding="utf-8"?>
+<p:sld xmlns:a="http://schemas.openxmlformats.org/drawingml/2006/main" xmlns:r="http://schemas.openxmlformats.org/officeDocument/2006/relationships" xmlns:p="http://schemas.openxmlformats.org/presentationml/2006/main">
+  <p:cSld>
+    <p:spTree>
+      <p:nvGrpSpPr>
+        <p:cNvPr id="1" name=""/>
+        <p:cNvGrpSpPr/>
+        <p:nvPr/>
+      </p:nvGrpSpPr>
+      <p:grpSpPr>
+        <a:xfrm>
+          <a:off x="0" y="0"/>
+          <a:ext cx="0" cy="0"/>
+          <a:chOff x="0" y="0"/>
+          <a:chExt cx="0" cy="0"/>
+        </a:xfrm>
+      </p:grpSpPr>
+      <p:sp>
+        <p:nvSpPr>
+          <p:cNvPr id="2" name="Title 1"/>
+          <p:cNvSpPr>
+            <a:spLocks noGrp="1"/>
+          </p:cNvSpPr>
+          <p:nvPr>
+            <p:ph type="title"/>
+          </p:nvPr>
+        </p:nvSpPr>
+        <p:spPr/>
+        <p:txBody>
+          <a:bodyPr/>
+          <a:lstStyle/>
+          <a:p>
+            <a:pPr algn="ctr"/>
+            <a:r>
+              <a:rPr lang="en-GB" b="1" dirty="0" smtClean="0"/>
+              <a:t>Updates </a:t>
+            </a:r>
+            <a:r>
+              <a:rPr lang="en-GB" b="1" dirty="0"/>
+              <a:t>II (8/3/19)</a:t>
+            </a:r>
+          </a:p>
+        </p:txBody>
+      </p:sp>
+      <p:sp>
+        <p:nvSpPr>
+          <p:cNvPr id="3" name="Content Placeholder 2"/>
+          <p:cNvSpPr>
+            <a:spLocks noGrp="1"/>
+          </p:cNvSpPr>
+          <p:nvPr>
+            <p:ph idx="1"/>
+          </p:nvPr>
+        </p:nvSpPr>
+        <p:spPr/>
+        <p:txBody>
+          <a:bodyPr/>
+          <a:lstStyle/>
+          <a:p>
+            <a:r>
+              <a:rPr lang="en-GB" dirty="0" smtClean="0"/>
+              <a:t>STANLEY added to meta-</a:t>
+            </a:r>
+            <a:r>
+              <a:rPr lang="en-GB" dirty="0" err="1" smtClean="0"/>
+              <a:t>snalysis</a:t>
+            </a:r>
+            <a:r>
+              <a:rPr lang="en-GB" dirty="0" smtClean="0"/>
+              <a:t> when per-SNP sample sizes are available from study description (results from PLINK dosage analysis, with INFO but no N).</a:t>
+            </a:r>
+          </a:p>
+          <a:p>
+            <a:r>
+              <a:rPr lang="en-GB" dirty="0" smtClean="0"/>
+              <a:t>INFO from </a:t>
+            </a:r>
+            <a:r>
+              <a:rPr lang="en-GB" dirty="0" err="1" smtClean="0"/>
+              <a:t>qctool</a:t>
+            </a:r>
+            <a:r>
+              <a:rPr lang="en-GB" dirty="0" smtClean="0"/>
+              <a:t> –</a:t>
+            </a:r>
+            <a:r>
+              <a:rPr lang="en-GB" dirty="0" err="1" smtClean="0"/>
+              <a:t>snp</a:t>
+            </a:r>
+            <a:r>
+              <a:rPr lang="en-GB" dirty="0" smtClean="0"/>
+              <a:t>-stats was added to INTERVAL.</a:t>
+            </a:r>
+          </a:p>
+          <a:p>
+            <a:r>
+              <a:rPr lang="en-GB" dirty="0" smtClean="0"/>
+              <a:t>Side projects: R/gap, FM-pipeline, EWAS-fusion, etc. updated and results from FM-pipeline but pending on validation.</a:t>
+            </a:r>
+          </a:p>
+          <a:p>
+            <a:r>
+              <a:rPr lang="en-GB" dirty="0" smtClean="0"/>
+              <a:t>INF1.paper.docx at INF/doc as placeholder for paper draft; cohort description needs to be added – an Excel spreadsheet was made available from the (updated) analysis plan and comments are welcome to consolidate.</a:t>
+            </a:r>
+            <a:endParaRPr lang="en-GB" dirty="0"/>
+          </a:p>
+        </p:txBody>
+      </p:sp>
+    </p:spTree>
+    <p:extLst>
+      <p:ext uri="{BB962C8B-B14F-4D97-AF65-F5344CB8AC3E}">
+        <p14:creationId xmlns:p14="http://schemas.microsoft.com/office/powerpoint/2010/main" val="3409810465"/>
+      </p:ext>
+    </p:extLst>
+  </p:cSld>
+  <p:clrMapOvr>
+    <a:masterClrMapping/>
+  </p:clrMapOvr>
+</p:sld>
+</file>
+
+<file path=ppt/slides/slide18.xml><?xml version="1.0" encoding="utf-8"?>
+<p:sld xmlns:a="http://schemas.openxmlformats.org/drawingml/2006/main" xmlns:r="http://schemas.openxmlformats.org/officeDocument/2006/relationships" xmlns:p="http://schemas.openxmlformats.org/presentationml/2006/main">
+  <p:cSld>
+    <p:spTree>
+      <p:nvGrpSpPr>
+        <p:cNvPr id="1" name=""/>
+        <p:cNvGrpSpPr/>
+        <p:nvPr/>
+      </p:nvGrpSpPr>
+      <p:grpSpPr>
+        <a:xfrm>
+          <a:off x="0" y="0"/>
+          <a:ext cx="0" cy="0"/>
+          <a:chOff x="0" y="0"/>
+          <a:chExt cx="0" cy="0"/>
+        </a:xfrm>
+      </p:grpSpPr>
+      <p:sp>
+        <p:nvSpPr>
           <p:cNvPr id="2" name="Title 1"/>
           <p:cNvSpPr>
             <a:spLocks noGrp="1"/>
@@ -4414,7 +4630,7 @@
 </p:sld>
 </file>
 
-<file path=ppt/slides/slide17.xml><?xml version="1.0" encoding="utf-8"?>
+<file path=ppt/slides/slide19.xml><?xml version="1.0" encoding="utf-8"?>
 <p:sld xmlns:a="http://schemas.openxmlformats.org/drawingml/2006/main" xmlns:r="http://schemas.openxmlformats.org/officeDocument/2006/relationships" xmlns:p="http://schemas.openxmlformats.org/presentationml/2006/main">
   <p:cSld>
     <p:spTree>
@@ -4483,275 +4699,6 @@
     <p:extLst>
       <p:ext uri="{BB962C8B-B14F-4D97-AF65-F5344CB8AC3E}">
         <p14:creationId xmlns:p14="http://schemas.microsoft.com/office/powerpoint/2010/main" val="1983527589"/>
-      </p:ext>
-    </p:extLst>
-  </p:cSld>
-  <p:clrMapOvr>
-    <a:masterClrMapping/>
-  </p:clrMapOvr>
-</p:sld>
-</file>
-
-<file path=ppt/slides/slide18.xml><?xml version="1.0" encoding="utf-8"?>
-<p:sld xmlns:a="http://schemas.openxmlformats.org/drawingml/2006/main" xmlns:r="http://schemas.openxmlformats.org/officeDocument/2006/relationships" xmlns:p="http://schemas.openxmlformats.org/presentationml/2006/main">
-  <p:cSld>
-    <p:spTree>
-      <p:nvGrpSpPr>
-        <p:cNvPr id="1" name=""/>
-        <p:cNvGrpSpPr/>
-        <p:nvPr/>
-      </p:nvGrpSpPr>
-      <p:grpSpPr>
-        <a:xfrm>
-          <a:off x="0" y="0"/>
-          <a:ext cx="0" cy="0"/>
-          <a:chOff x="0" y="0"/>
-          <a:chExt cx="0" cy="0"/>
-        </a:xfrm>
-      </p:grpSpPr>
-      <p:sp>
-        <p:nvSpPr>
-          <p:cNvPr id="2" name="Title 1"/>
-          <p:cNvSpPr>
-            <a:spLocks noGrp="1"/>
-          </p:cNvSpPr>
-          <p:nvPr>
-            <p:ph type="title"/>
-          </p:nvPr>
-        </p:nvSpPr>
-        <p:spPr/>
-        <p:txBody>
-          <a:bodyPr/>
-          <a:lstStyle/>
-          <a:p>
-            <a:pPr algn="ctr"/>
-            <a:r>
-              <a:rPr lang="en-GB" dirty="0" smtClean="0"/>
-              <a:t>Q-Q plot</a:t>
-            </a:r>
-            <a:endParaRPr lang="en-GB" dirty="0"/>
-          </a:p>
-        </p:txBody>
-      </p:sp>
-      <p:pic>
-        <p:nvPicPr>
-          <p:cNvPr id="6" name="Picture 5"/>
-          <p:cNvPicPr>
-            <a:picLocks noChangeAspect="1"/>
-          </p:cNvPicPr>
-          <p:nvPr/>
-        </p:nvPicPr>
-        <p:blipFill>
-          <a:blip r:embed="rId2"/>
-          <a:stretch>
-            <a:fillRect/>
-          </a:stretch>
-        </p:blipFill>
-        <p:spPr>
-          <a:xfrm>
-            <a:off x="3813057" y="1826989"/>
-            <a:ext cx="4565885" cy="4349974"/>
-          </a:xfrm>
-          <a:prstGeom prst="rect">
-            <a:avLst/>
-          </a:prstGeom>
-        </p:spPr>
-      </p:pic>
-    </p:spTree>
-    <p:extLst>
-      <p:ext uri="{BB962C8B-B14F-4D97-AF65-F5344CB8AC3E}">
-        <p14:creationId xmlns:p14="http://schemas.microsoft.com/office/powerpoint/2010/main" val="2179527099"/>
-      </p:ext>
-    </p:extLst>
-  </p:cSld>
-  <p:clrMapOvr>
-    <a:masterClrMapping/>
-  </p:clrMapOvr>
-</p:sld>
-</file>
-
-<file path=ppt/slides/slide19.xml><?xml version="1.0" encoding="utf-8"?>
-<p:sld xmlns:a="http://schemas.openxmlformats.org/drawingml/2006/main" xmlns:r="http://schemas.openxmlformats.org/officeDocument/2006/relationships" xmlns:p="http://schemas.openxmlformats.org/presentationml/2006/main">
-  <p:cSld>
-    <p:spTree>
-      <p:nvGrpSpPr>
-        <p:cNvPr id="1" name=""/>
-        <p:cNvGrpSpPr/>
-        <p:nvPr/>
-      </p:nvGrpSpPr>
-      <p:grpSpPr>
-        <a:xfrm>
-          <a:off x="0" y="0"/>
-          <a:ext cx="0" cy="0"/>
-          <a:chOff x="0" y="0"/>
-          <a:chExt cx="0" cy="0"/>
-        </a:xfrm>
-      </p:grpSpPr>
-      <p:sp>
-        <p:nvSpPr>
-          <p:cNvPr id="2" name="Title 1"/>
-          <p:cNvSpPr>
-            <a:spLocks noGrp="1"/>
-          </p:cNvSpPr>
-          <p:nvPr>
-            <p:ph type="title"/>
-          </p:nvPr>
-        </p:nvSpPr>
-        <p:spPr/>
-        <p:txBody>
-          <a:bodyPr/>
-          <a:lstStyle/>
-          <a:p>
-            <a:pPr algn="ctr"/>
-            <a:r>
-              <a:rPr lang="en-US" b="1" dirty="0" smtClean="0"/>
-              <a:t>Points from discussion</a:t>
-            </a:r>
-            <a:r>
-              <a:rPr lang="en-GB" b="1" dirty="0"/>
-              <a:t> (8/3/19)</a:t>
-            </a:r>
-          </a:p>
-        </p:txBody>
-      </p:sp>
-      <p:sp>
-        <p:nvSpPr>
-          <p:cNvPr id="3" name="Content Placeholder 2"/>
-          <p:cNvSpPr>
-            <a:spLocks noGrp="1"/>
-          </p:cNvSpPr>
-          <p:nvPr>
-            <p:ph idx="1"/>
-          </p:nvPr>
-        </p:nvSpPr>
-        <p:spPr/>
-        <p:txBody>
-          <a:bodyPr>
-            <a:normAutofit lnSpcReduction="10000"/>
-          </a:bodyPr>
-          <a:lstStyle/>
-          <a:p>
-            <a:r>
-              <a:rPr lang="en-US" dirty="0" smtClean="0"/>
-              <a:t>Cohort-specific </a:t>
-            </a:r>
-            <a:r>
-              <a:rPr lang="en-US" dirty="0" err="1" smtClean="0"/>
-              <a:t>sumstats</a:t>
-            </a:r>
-            <a:r>
-              <a:rPr lang="en-US" dirty="0" smtClean="0"/>
-              <a:t> for N, MAF, HWE, INFO in </a:t>
-            </a:r>
-            <a:r>
-              <a:rPr lang="en-US" dirty="0" err="1" smtClean="0"/>
-              <a:t>qctool</a:t>
-            </a:r>
-            <a:r>
-              <a:rPr lang="en-US" dirty="0" smtClean="0"/>
-              <a:t> –</a:t>
-            </a:r>
-            <a:r>
-              <a:rPr lang="en-US" dirty="0" err="1" smtClean="0"/>
-              <a:t>snp</a:t>
-            </a:r>
-            <a:r>
-              <a:rPr lang="en-US" dirty="0" smtClean="0"/>
-              <a:t>-stats</a:t>
-            </a:r>
-          </a:p>
-          <a:p>
-            <a:r>
-              <a:rPr lang="en-US" dirty="0" err="1"/>
-              <a:t>s</a:t>
-            </a:r>
-            <a:r>
-              <a:rPr lang="en-US" dirty="0" err="1" smtClean="0"/>
-              <a:t>umstats</a:t>
-            </a:r>
-            <a:r>
-              <a:rPr lang="en-US" dirty="0" smtClean="0"/>
-              <a:t>/</a:t>
-            </a:r>
-            <a:r>
-              <a:rPr lang="en-US" dirty="0" err="1" smtClean="0"/>
-              <a:t>Mantattan</a:t>
-            </a:r>
-            <a:r>
-              <a:rPr lang="en-US" dirty="0" smtClean="0"/>
-              <a:t> for cohorts with problematic proteins</a:t>
-            </a:r>
-          </a:p>
-          <a:p>
-            <a:r>
-              <a:rPr lang="en-US" dirty="0" smtClean="0"/>
-              <a:t>Between-cohort MAF-MAF plots</a:t>
-            </a:r>
-          </a:p>
-          <a:p>
-            <a:r>
-              <a:rPr lang="en-US" dirty="0" smtClean="0"/>
-              <a:t>P ~ N (for </a:t>
-            </a:r>
-            <a:r>
-              <a:rPr lang="en-US" dirty="0" err="1" smtClean="0"/>
-              <a:t>finemapping</a:t>
-            </a:r>
-            <a:r>
-              <a:rPr lang="en-US" dirty="0" smtClean="0"/>
-              <a:t>) and consistency, e.g. INTERVAL/STABILITY.</a:t>
-            </a:r>
-          </a:p>
-          <a:p>
-            <a:r>
-              <a:rPr lang="en-US" dirty="0" smtClean="0"/>
-              <a:t>False negative for those in the CVD1 panel to </a:t>
-            </a:r>
-            <a:r>
-              <a:rPr lang="en-US" dirty="0" err="1" smtClean="0"/>
-              <a:t>phenoscanner</a:t>
-            </a:r>
-            <a:endParaRPr lang="en-US" dirty="0" smtClean="0"/>
-          </a:p>
-          <a:p>
-            <a:r>
-              <a:rPr lang="en-US" dirty="0" smtClean="0"/>
-              <a:t>Chr19. NLRP12 from INTERVAL`</a:t>
-            </a:r>
-          </a:p>
-          <a:p>
-            <a:r>
-              <a:rPr lang="en-US" dirty="0" smtClean="0"/>
-              <a:t>RECOMBINE experiment</a:t>
-            </a:r>
-          </a:p>
-          <a:p>
-            <a:r>
-              <a:rPr lang="en-US" dirty="0" smtClean="0"/>
-              <a:t>Total # signals relative to other panels</a:t>
-            </a:r>
-          </a:p>
-          <a:p>
-            <a:r>
-              <a:rPr lang="en-US" dirty="0" err="1" smtClean="0"/>
-              <a:t>Phenoscanner</a:t>
-            </a:r>
-            <a:r>
-              <a:rPr lang="en-US" dirty="0" smtClean="0"/>
-              <a:t> and </a:t>
-            </a:r>
-            <a:r>
-              <a:rPr lang="en-US" dirty="0" err="1" smtClean="0"/>
-              <a:t>eQTL</a:t>
-            </a:r>
-            <a:endParaRPr lang="en-GB" dirty="0"/>
-          </a:p>
-        </p:txBody>
-      </p:sp>
-    </p:spTree>
-    <p:extLst>
-      <p:ext uri="{BB962C8B-B14F-4D97-AF65-F5344CB8AC3E}">
-        <p14:creationId xmlns:p14="http://schemas.microsoft.com/office/powerpoint/2010/main" val="3593078460"/>
       </p:ext>
     </p:extLst>
   </p:cSld>
@@ -6585,6 +6532,275 @@
 </p:sld>
 </file>
 
+<file path=ppt/slides/slide20.xml><?xml version="1.0" encoding="utf-8"?>
+<p:sld xmlns:a="http://schemas.openxmlformats.org/drawingml/2006/main" xmlns:r="http://schemas.openxmlformats.org/officeDocument/2006/relationships" xmlns:p="http://schemas.openxmlformats.org/presentationml/2006/main">
+  <p:cSld>
+    <p:spTree>
+      <p:nvGrpSpPr>
+        <p:cNvPr id="1" name=""/>
+        <p:cNvGrpSpPr/>
+        <p:nvPr/>
+      </p:nvGrpSpPr>
+      <p:grpSpPr>
+        <a:xfrm>
+          <a:off x="0" y="0"/>
+          <a:ext cx="0" cy="0"/>
+          <a:chOff x="0" y="0"/>
+          <a:chExt cx="0" cy="0"/>
+        </a:xfrm>
+      </p:grpSpPr>
+      <p:sp>
+        <p:nvSpPr>
+          <p:cNvPr id="2" name="Title 1"/>
+          <p:cNvSpPr>
+            <a:spLocks noGrp="1"/>
+          </p:cNvSpPr>
+          <p:nvPr>
+            <p:ph type="title"/>
+          </p:nvPr>
+        </p:nvSpPr>
+        <p:spPr/>
+        <p:txBody>
+          <a:bodyPr/>
+          <a:lstStyle/>
+          <a:p>
+            <a:pPr algn="ctr"/>
+            <a:r>
+              <a:rPr lang="en-GB" dirty="0" smtClean="0"/>
+              <a:t>Q-Q plot</a:t>
+            </a:r>
+            <a:endParaRPr lang="en-GB" dirty="0"/>
+          </a:p>
+        </p:txBody>
+      </p:sp>
+      <p:pic>
+        <p:nvPicPr>
+          <p:cNvPr id="6" name="Picture 5"/>
+          <p:cNvPicPr>
+            <a:picLocks noChangeAspect="1"/>
+          </p:cNvPicPr>
+          <p:nvPr/>
+        </p:nvPicPr>
+        <p:blipFill>
+          <a:blip r:embed="rId2"/>
+          <a:stretch>
+            <a:fillRect/>
+          </a:stretch>
+        </p:blipFill>
+        <p:spPr>
+          <a:xfrm>
+            <a:off x="3813057" y="1826989"/>
+            <a:ext cx="4565885" cy="4349974"/>
+          </a:xfrm>
+          <a:prstGeom prst="rect">
+            <a:avLst/>
+          </a:prstGeom>
+        </p:spPr>
+      </p:pic>
+    </p:spTree>
+    <p:extLst>
+      <p:ext uri="{BB962C8B-B14F-4D97-AF65-F5344CB8AC3E}">
+        <p14:creationId xmlns:p14="http://schemas.microsoft.com/office/powerpoint/2010/main" val="2179527099"/>
+      </p:ext>
+    </p:extLst>
+  </p:cSld>
+  <p:clrMapOvr>
+    <a:masterClrMapping/>
+  </p:clrMapOvr>
+</p:sld>
+</file>
+
+<file path=ppt/slides/slide21.xml><?xml version="1.0" encoding="utf-8"?>
+<p:sld xmlns:a="http://schemas.openxmlformats.org/drawingml/2006/main" xmlns:r="http://schemas.openxmlformats.org/officeDocument/2006/relationships" xmlns:p="http://schemas.openxmlformats.org/presentationml/2006/main">
+  <p:cSld>
+    <p:spTree>
+      <p:nvGrpSpPr>
+        <p:cNvPr id="1" name=""/>
+        <p:cNvGrpSpPr/>
+        <p:nvPr/>
+      </p:nvGrpSpPr>
+      <p:grpSpPr>
+        <a:xfrm>
+          <a:off x="0" y="0"/>
+          <a:ext cx="0" cy="0"/>
+          <a:chOff x="0" y="0"/>
+          <a:chExt cx="0" cy="0"/>
+        </a:xfrm>
+      </p:grpSpPr>
+      <p:sp>
+        <p:nvSpPr>
+          <p:cNvPr id="2" name="Title 1"/>
+          <p:cNvSpPr>
+            <a:spLocks noGrp="1"/>
+          </p:cNvSpPr>
+          <p:nvPr>
+            <p:ph type="title"/>
+          </p:nvPr>
+        </p:nvSpPr>
+        <p:spPr/>
+        <p:txBody>
+          <a:bodyPr/>
+          <a:lstStyle/>
+          <a:p>
+            <a:pPr algn="ctr"/>
+            <a:r>
+              <a:rPr lang="en-US" b="1" dirty="0" smtClean="0"/>
+              <a:t>Points from discussion</a:t>
+            </a:r>
+            <a:r>
+              <a:rPr lang="en-GB" b="1" dirty="0"/>
+              <a:t> (8/3/19)</a:t>
+            </a:r>
+          </a:p>
+        </p:txBody>
+      </p:sp>
+      <p:sp>
+        <p:nvSpPr>
+          <p:cNvPr id="3" name="Content Placeholder 2"/>
+          <p:cNvSpPr>
+            <a:spLocks noGrp="1"/>
+          </p:cNvSpPr>
+          <p:nvPr>
+            <p:ph idx="1"/>
+          </p:nvPr>
+        </p:nvSpPr>
+        <p:spPr/>
+        <p:txBody>
+          <a:bodyPr>
+            <a:normAutofit lnSpcReduction="10000"/>
+          </a:bodyPr>
+          <a:lstStyle/>
+          <a:p>
+            <a:r>
+              <a:rPr lang="en-US" dirty="0" smtClean="0"/>
+              <a:t>Cohort-specific </a:t>
+            </a:r>
+            <a:r>
+              <a:rPr lang="en-US" dirty="0" err="1" smtClean="0"/>
+              <a:t>sumstats</a:t>
+            </a:r>
+            <a:r>
+              <a:rPr lang="en-US" dirty="0" smtClean="0"/>
+              <a:t> for N, MAF, HWE, INFO in </a:t>
+            </a:r>
+            <a:r>
+              <a:rPr lang="en-US" dirty="0" err="1" smtClean="0"/>
+              <a:t>qctool</a:t>
+            </a:r>
+            <a:r>
+              <a:rPr lang="en-US" dirty="0" smtClean="0"/>
+              <a:t> –</a:t>
+            </a:r>
+            <a:r>
+              <a:rPr lang="en-US" dirty="0" err="1" smtClean="0"/>
+              <a:t>snp</a:t>
+            </a:r>
+            <a:r>
+              <a:rPr lang="en-US" dirty="0" smtClean="0"/>
+              <a:t>-stats</a:t>
+            </a:r>
+          </a:p>
+          <a:p>
+            <a:r>
+              <a:rPr lang="en-US" dirty="0" err="1"/>
+              <a:t>s</a:t>
+            </a:r>
+            <a:r>
+              <a:rPr lang="en-US" dirty="0" err="1" smtClean="0"/>
+              <a:t>umstats</a:t>
+            </a:r>
+            <a:r>
+              <a:rPr lang="en-US" dirty="0" smtClean="0"/>
+              <a:t>/</a:t>
+            </a:r>
+            <a:r>
+              <a:rPr lang="en-US" dirty="0" err="1" smtClean="0"/>
+              <a:t>Mantattan</a:t>
+            </a:r>
+            <a:r>
+              <a:rPr lang="en-US" dirty="0" smtClean="0"/>
+              <a:t> for cohorts with problematic proteins</a:t>
+            </a:r>
+          </a:p>
+          <a:p>
+            <a:r>
+              <a:rPr lang="en-US" dirty="0" smtClean="0"/>
+              <a:t>Between-cohort MAF-MAF plots</a:t>
+            </a:r>
+          </a:p>
+          <a:p>
+            <a:r>
+              <a:rPr lang="en-US" dirty="0" smtClean="0"/>
+              <a:t>P ~ N (for </a:t>
+            </a:r>
+            <a:r>
+              <a:rPr lang="en-US" dirty="0" err="1" smtClean="0"/>
+              <a:t>finemapping</a:t>
+            </a:r>
+            <a:r>
+              <a:rPr lang="en-US" dirty="0" smtClean="0"/>
+              <a:t>) and consistency, e.g. INTERVAL/STABILITY.</a:t>
+            </a:r>
+          </a:p>
+          <a:p>
+            <a:r>
+              <a:rPr lang="en-US" dirty="0" smtClean="0"/>
+              <a:t>False negative for those in the CVD1 panel to </a:t>
+            </a:r>
+            <a:r>
+              <a:rPr lang="en-US" dirty="0" err="1" smtClean="0"/>
+              <a:t>phenoscanner</a:t>
+            </a:r>
+            <a:endParaRPr lang="en-US" dirty="0" smtClean="0"/>
+          </a:p>
+          <a:p>
+            <a:r>
+              <a:rPr lang="en-US" dirty="0" smtClean="0"/>
+              <a:t>Chr19. NLRP12 from INTERVAL`</a:t>
+            </a:r>
+          </a:p>
+          <a:p>
+            <a:r>
+              <a:rPr lang="en-US" dirty="0" smtClean="0"/>
+              <a:t>RECOMBINE experiment</a:t>
+            </a:r>
+          </a:p>
+          <a:p>
+            <a:r>
+              <a:rPr lang="en-US" dirty="0" smtClean="0"/>
+              <a:t>Total # signals relative to other panels</a:t>
+            </a:r>
+          </a:p>
+          <a:p>
+            <a:r>
+              <a:rPr lang="en-US" dirty="0" err="1" smtClean="0"/>
+              <a:t>Phenoscanner</a:t>
+            </a:r>
+            <a:r>
+              <a:rPr lang="en-US" dirty="0" smtClean="0"/>
+              <a:t> and </a:t>
+            </a:r>
+            <a:r>
+              <a:rPr lang="en-US" dirty="0" err="1" smtClean="0"/>
+              <a:t>eQTL</a:t>
+            </a:r>
+            <a:endParaRPr lang="en-GB" dirty="0"/>
+          </a:p>
+        </p:txBody>
+      </p:sp>
+    </p:spTree>
+    <p:extLst>
+      <p:ext uri="{BB962C8B-B14F-4D97-AF65-F5344CB8AC3E}">
+        <p14:creationId xmlns:p14="http://schemas.microsoft.com/office/powerpoint/2010/main" val="3593078460"/>
+      </p:ext>
+    </p:extLst>
+  </p:cSld>
+  <p:clrMapOvr>
+    <a:masterClrMapping/>
+  </p:clrMapOvr>
+</p:sld>
+</file>
+
 <file path=ppt/slides/slide3.xml><?xml version="1.0" encoding="utf-8"?>
 <p:sld xmlns:a="http://schemas.openxmlformats.org/drawingml/2006/main" xmlns:r="http://schemas.openxmlformats.org/officeDocument/2006/relationships" xmlns:p="http://schemas.openxmlformats.org/presentationml/2006/main">
   <p:cSld>
@@ -6620,11 +6836,7 @@
             <a:pPr algn="ctr"/>
             <a:r>
               <a:rPr lang="en-GB" b="1" dirty="0" smtClean="0"/>
-              <a:t>Association analysis </a:t>
-            </a:r>
-            <a:r>
-              <a:rPr lang="en-GB" b="1" dirty="0" smtClean="0"/>
-              <a:t>for KORA</a:t>
+              <a:t>Association analysis for KORA</a:t>
             </a:r>
             <a:endParaRPr lang="en-GB" b="1" dirty="0"/>
           </a:p>
@@ -6647,11 +6859,7 @@
           <a:p>
             <a:r>
               <a:rPr lang="en-GB" dirty="0" smtClean="0"/>
-              <a:t>Pilot with success/failure </a:t>
-            </a:r>
-            <a:r>
-              <a:rPr lang="en-GB" dirty="0" smtClean="0"/>
-              <a:t>with BOLT-LMM on OPG/TNFSF14</a:t>
+              <a:t>Pilot with success/failure with BOLT-LMM on OPG/TNFSF14</a:t>
             </a:r>
           </a:p>
           <a:p>
@@ -6691,11 +6899,7 @@
           <a:p>
             <a:r>
               <a:rPr lang="en-GB" dirty="0" smtClean="0"/>
-              <a:t>Final sample size </a:t>
-            </a:r>
-            <a:r>
-              <a:rPr lang="en-GB" dirty="0" smtClean="0"/>
-              <a:t>N=1064</a:t>
+              <a:t>Final sample size N=1064</a:t>
             </a:r>
           </a:p>
           <a:p>
@@ -6784,44 +6988,28 @@
           <a:p>
             <a:r>
               <a:rPr lang="en-GB" dirty="0" smtClean="0"/>
-              <a:t>GC </a:t>
-            </a:r>
+              <a:t>GC correction not considered on cohort level.</a:t>
+            </a:r>
+            <a:endParaRPr lang="en-GB" dirty="0"/>
+          </a:p>
+          <a:p>
             <a:r>
               <a:rPr lang="en-GB" dirty="0" smtClean="0"/>
-              <a:t>correction not considered on cohort level.</a:t>
+              <a:t>Based on effect size.</a:t>
             </a:r>
             <a:endParaRPr lang="en-GB" dirty="0"/>
           </a:p>
           <a:p>
             <a:r>
               <a:rPr lang="en-GB" dirty="0" smtClean="0"/>
-              <a:t>Based on effect </a:t>
-            </a:r>
+              <a:t>N&gt;=10.</a:t>
+            </a:r>
+            <a:endParaRPr lang="en-GB" dirty="0"/>
+          </a:p>
+          <a:p>
             <a:r>
               <a:rPr lang="en-GB" dirty="0" smtClean="0"/>
-              <a:t>size.</a:t>
-            </a:r>
-            <a:endParaRPr lang="en-GB" dirty="0"/>
-          </a:p>
-          <a:p>
-            <a:r>
-              <a:rPr lang="en-GB" dirty="0" smtClean="0"/>
-              <a:t>N&gt;=</a:t>
-            </a:r>
-            <a:r>
-              <a:rPr lang="en-GB" dirty="0" smtClean="0"/>
-              <a:t>10.</a:t>
-            </a:r>
-            <a:endParaRPr lang="en-GB" dirty="0"/>
-          </a:p>
-          <a:p>
-            <a:r>
-              <a:rPr lang="en-GB" dirty="0" smtClean="0"/>
-              <a:t>84% above </a:t>
-            </a:r>
-            <a:r>
-              <a:rPr lang="en-GB" dirty="0" smtClean="0"/>
-              <a:t>LLOD.</a:t>
+              <a:t>84% above LLOD.</a:t>
             </a:r>
             <a:endParaRPr lang="en-GB" dirty="0"/>
           </a:p>
@@ -6921,11 +7109,7 @@
           <a:p>
             <a:r>
               <a:rPr lang="en-GB" dirty="0" smtClean="0"/>
-              <a:t>Although </a:t>
-            </a:r>
-            <a:r>
-              <a:rPr lang="en-GB" dirty="0" smtClean="0"/>
-              <a:t>higher MAF </a:t>
+              <a:t>Although higher MAF </a:t>
             </a:r>
             <a:r>
               <a:rPr lang="en-GB" dirty="0" err="1" smtClean="0"/>
@@ -8259,13 +8443,8 @@
             </a:r>
             <a:r>
               <a:rPr lang="en-GB" dirty="0" smtClean="0"/>
-              <a:t> are generally satisfactory</a:t>
-            </a:r>
-            <a:r>
-              <a:rPr lang="en-GB" dirty="0" smtClean="0"/>
-              <a:t>.</a:t>
-            </a:r>
-            <a:endParaRPr lang="en-GB" dirty="0" smtClean="0"/>
+              <a:t> are generally satisfactory.</a:t>
+            </a:r>
           </a:p>
         </p:txBody>
       </p:sp>
@@ -8344,11 +8523,7 @@
           <a:p>
             <a:r>
               <a:rPr lang="en-GB" dirty="0" smtClean="0"/>
-              <a:t>Identification of independent signals with </a:t>
-            </a:r>
-            <a:r>
-              <a:rPr lang="en-GB" dirty="0" smtClean="0"/>
-              <a:t>1KG (built from </a:t>
+              <a:t>Identification of independent signals with 1KG (built from </a:t>
             </a:r>
             <a:r>
               <a:rPr lang="en-GB" dirty="0" err="1" smtClean="0"/>
@@ -8356,19 +8531,7 @@
             </a:r>
             <a:r>
               <a:rPr lang="en-GB" dirty="0" smtClean="0"/>
-              <a:t> 1.4 and also curated databases at cardio), </a:t>
-            </a:r>
-            <a:r>
-              <a:rPr lang="en-GB" dirty="0" smtClean="0"/>
-              <a:t>UK10K+1KG </a:t>
-            </a:r>
-            <a:r>
-              <a:rPr lang="en-GB" dirty="0" smtClean="0"/>
-              <a:t>(INTERVAL genotypes) and </a:t>
-            </a:r>
-            <a:r>
-              <a:rPr lang="en-GB" dirty="0" smtClean="0"/>
-              <a:t>r2=0, 0.1 and contrast with INTERVAL.</a:t>
+              <a:t> 1.4 and also curated databases at cardio), UK10K+1KG (INTERVAL genotypes) and r2=0, 0.1 and contrast with INTERVAL.</a:t>
             </a:r>
           </a:p>
           <a:p>
@@ -8401,11 +8564,7 @@
             </a:r>
             <a:r>
               <a:rPr lang="en-GB" dirty="0" smtClean="0"/>
-              <a:t>/</a:t>
-            </a:r>
-            <a:r>
-              <a:rPr lang="en-GB" dirty="0" smtClean="0"/>
-              <a:t>forest plots, loose ends (</a:t>
+              <a:t>/forest plots, loose ends (</a:t>
             </a:r>
             <a:r>
               <a:rPr lang="en-GB" dirty="0" err="1" smtClean="0"/>
@@ -8423,11 +8582,7 @@
             </a:r>
             <a:r>
               <a:rPr lang="en-GB" dirty="0" smtClean="0"/>
-              <a:t>, LDSC analysis, pathway </a:t>
-            </a:r>
-            <a:r>
-              <a:rPr lang="en-GB" dirty="0" smtClean="0"/>
-              <a:t>analysis?</a:t>
+              <a:t>, LDSC analysis, pathway analysis?</a:t>
             </a:r>
           </a:p>
           <a:p>
@@ -8573,8 +8728,21 @@
             <a:pPr lvl="1"/>
             <a:r>
               <a:rPr lang="en-GB" dirty="0" smtClean="0"/>
-              <a:t>clumping/ on PLINK –clump analysis</a:t>
-            </a:r>
+              <a:t>clumping/ on PLINK –clump </a:t>
+            </a:r>
+            <a:r>
+              <a:rPr lang="en-GB" dirty="0" smtClean="0"/>
+              <a:t>analysis + forest </a:t>
+            </a:r>
+            <a:r>
+              <a:rPr lang="en-GB" dirty="0"/>
+              <a:t>plots (</a:t>
+            </a:r>
+            <a:r>
+              <a:rPr lang="en-GB" dirty="0" smtClean="0"/>
+              <a:t>INF1.UK10K+1KG.r2-0.fp.pdf)</a:t>
+            </a:r>
+            <a:endParaRPr lang="en-GB" dirty="0" smtClean="0"/>
           </a:p>
           <a:p>
             <a:pPr lvl="1"/>
@@ -8608,11 +8776,7 @@
             </a:r>
             <a:r>
               <a:rPr lang="en-GB" dirty="0" smtClean="0"/>
-              <a:t> </a:t>
-            </a:r>
-            <a:r>
-              <a:rPr lang="en-GB" dirty="0" smtClean="0"/>
-              <a:t>collects clumping/</a:t>
+              <a:t> collects clumping/</a:t>
             </a:r>
             <a:r>
               <a:rPr lang="en-GB" dirty="0" err="1" smtClean="0"/>

--- a/doc/SCALLOP_INF1-120419.pptx
+++ b/doc/SCALLOP_INF1-120419.pptx
@@ -14,18 +14,20 @@
     <p:sldId id="278" r:id="rId8"/>
     <p:sldId id="279" r:id="rId9"/>
     <p:sldId id="280" r:id="rId10"/>
-    <p:sldId id="282" r:id="rId11"/>
-    <p:sldId id="283" r:id="rId12"/>
-    <p:sldId id="277" r:id="rId13"/>
-    <p:sldId id="272" r:id="rId14"/>
-    <p:sldId id="265" r:id="rId15"/>
-    <p:sldId id="266" r:id="rId16"/>
-    <p:sldId id="264" r:id="rId17"/>
-    <p:sldId id="267" r:id="rId18"/>
-    <p:sldId id="268" r:id="rId19"/>
-    <p:sldId id="269" r:id="rId20"/>
-    <p:sldId id="270" r:id="rId21"/>
-    <p:sldId id="271" r:id="rId22"/>
+    <p:sldId id="285" r:id="rId11"/>
+    <p:sldId id="284" r:id="rId12"/>
+    <p:sldId id="282" r:id="rId13"/>
+    <p:sldId id="283" r:id="rId14"/>
+    <p:sldId id="277" r:id="rId15"/>
+    <p:sldId id="272" r:id="rId16"/>
+    <p:sldId id="265" r:id="rId17"/>
+    <p:sldId id="266" r:id="rId18"/>
+    <p:sldId id="264" r:id="rId19"/>
+    <p:sldId id="267" r:id="rId20"/>
+    <p:sldId id="268" r:id="rId21"/>
+    <p:sldId id="269" r:id="rId22"/>
+    <p:sldId id="270" r:id="rId23"/>
+    <p:sldId id="271" r:id="rId24"/>
   </p:sldIdLst>
   <p:sldSz cx="12192000" cy="6858000"/>
   <p:notesSz cx="6858000" cy="9144000"/>
@@ -3479,8 +3481,8 @@
         </p:nvSpPr>
         <p:spPr>
           <a:xfrm>
-            <a:off x="838200" y="365125"/>
-            <a:ext cx="5405846" cy="1325563"/>
+            <a:off x="139337" y="365125"/>
+            <a:ext cx="5068389" cy="1325563"/>
           </a:xfrm>
         </p:spPr>
         <p:txBody>
@@ -3490,11 +3492,7 @@
             <a:pPr algn="ctr"/>
             <a:r>
               <a:rPr lang="en-GB" b="1" dirty="0" smtClean="0"/>
-              <a:t>OPG </a:t>
-            </a:r>
-            <a:r>
-              <a:rPr lang="en-GB" b="1" smtClean="0"/>
-              <a:t>(chr8)</a:t>
+              <a:t>OPG Manhattan plot</a:t>
             </a:r>
             <a:endParaRPr lang="en-GB" b="1" dirty="0"/>
           </a:p>
@@ -3524,45 +3522,15 @@
         </p:blipFill>
         <p:spPr>
           <a:xfrm>
-            <a:off x="1055211" y="1773374"/>
-            <a:ext cx="4351338" cy="4351338"/>
+            <a:off x="5223269" y="52546"/>
+            <a:ext cx="6890353" cy="6805454"/>
           </a:xfrm>
-        </p:spPr>
-      </p:pic>
-      <p:pic>
-        <p:nvPicPr>
-          <p:cNvPr id="5" name="Picture 4"/>
-          <p:cNvPicPr>
-            <a:picLocks noChangeAspect="1"/>
-          </p:cNvPicPr>
-          <p:nvPr/>
-        </p:nvPicPr>
-        <p:blipFill>
-          <a:blip r:embed="rId3" cstate="print">
-            <a:extLst>
-              <a:ext uri="{28A0092B-C50C-407E-A947-70E740481C1C}">
-                <a14:useLocalDpi xmlns:a14="http://schemas.microsoft.com/office/drawing/2010/main" val="0"/>
-              </a:ext>
-            </a:extLst>
-          </a:blip>
-          <a:stretch>
-            <a:fillRect/>
-          </a:stretch>
-        </p:blipFill>
-        <p:spPr>
-          <a:xfrm>
-            <a:off x="5619205" y="0"/>
-            <a:ext cx="6858000" cy="6858000"/>
-          </a:xfrm>
-          <a:prstGeom prst="rect">
-            <a:avLst/>
-          </a:prstGeom>
         </p:spPr>
       </p:pic>
     </p:spTree>
     <p:extLst>
       <p:ext uri="{BB962C8B-B14F-4D97-AF65-F5344CB8AC3E}">
-        <p14:creationId xmlns:p14="http://schemas.microsoft.com/office/powerpoint/2010/main" val="1196687135"/>
+        <p14:creationId xmlns:p14="http://schemas.microsoft.com/office/powerpoint/2010/main" val="1619791380"/>
       </p:ext>
     </p:extLst>
   </p:cSld>
@@ -3601,8 +3569,8 @@
         </p:nvSpPr>
         <p:spPr>
           <a:xfrm>
-            <a:off x="838200" y="365125"/>
-            <a:ext cx="3664131" cy="1325563"/>
+            <a:off x="150222" y="452210"/>
+            <a:ext cx="3376749" cy="1325563"/>
           </a:xfrm>
         </p:spPr>
         <p:txBody>
@@ -3612,7 +3580,7 @@
             <a:pPr algn="ctr"/>
             <a:r>
               <a:rPr lang="en-GB" b="1" dirty="0" smtClean="0"/>
-              <a:t>OPG (chr17)</a:t>
+              <a:t>OPG Q-Q plot</a:t>
             </a:r>
             <a:endParaRPr lang="en-GB" b="1" dirty="0"/>
           </a:p>
@@ -3642,35 +3610,8 @@
         </p:blipFill>
         <p:spPr>
           <a:xfrm>
-            <a:off x="1090045" y="1964962"/>
-            <a:ext cx="4351338" cy="4351338"/>
-          </a:xfrm>
-        </p:spPr>
-      </p:pic>
-      <p:pic>
-        <p:nvPicPr>
-          <p:cNvPr id="5" name="Picture 4"/>
-          <p:cNvPicPr>
-            <a:picLocks noChangeAspect="1"/>
-          </p:cNvPicPr>
-          <p:nvPr/>
-        </p:nvPicPr>
-        <p:blipFill>
-          <a:blip r:embed="rId3" cstate="print">
-            <a:extLst>
-              <a:ext uri="{28A0092B-C50C-407E-A947-70E740481C1C}">
-                <a14:useLocalDpi xmlns:a14="http://schemas.microsoft.com/office/drawing/2010/main" val="0"/>
-              </a:ext>
-            </a:extLst>
-          </a:blip>
-          <a:stretch>
-            <a:fillRect/>
-          </a:stretch>
-        </p:blipFill>
-        <p:spPr>
-          <a:xfrm>
-            <a:off x="5305700" y="0"/>
-            <a:ext cx="6858000" cy="6858000"/>
+            <a:off x="3719239" y="0"/>
+            <a:ext cx="8472761" cy="6858000"/>
           </a:xfrm>
           <a:prstGeom prst="rect">
             <a:avLst/>
@@ -3680,7 +3621,7 @@
     </p:spTree>
     <p:extLst>
       <p:ext uri="{BB962C8B-B14F-4D97-AF65-F5344CB8AC3E}">
-        <p14:creationId xmlns:p14="http://schemas.microsoft.com/office/powerpoint/2010/main" val="4186901552"/>
+        <p14:creationId xmlns:p14="http://schemas.microsoft.com/office/powerpoint/2010/main" val="1830815618"/>
       </p:ext>
     </p:extLst>
   </p:cSld>
@@ -3717,7 +3658,12 @@
             <p:ph type="title"/>
           </p:nvPr>
         </p:nvSpPr>
-        <p:spPr/>
+        <p:spPr>
+          <a:xfrm>
+            <a:off x="838200" y="365125"/>
+            <a:ext cx="5405846" cy="1325563"/>
+          </a:xfrm>
+        </p:spPr>
         <p:txBody>
           <a:bodyPr/>
           <a:lstStyle/>
@@ -3725,76 +3671,79 @@
             <a:pPr algn="ctr"/>
             <a:r>
               <a:rPr lang="en-GB" b="1" dirty="0" smtClean="0"/>
-              <a:t>A general sketch of analysis</a:t>
+              <a:t>OPG </a:t>
+            </a:r>
+            <a:r>
+              <a:rPr lang="en-GB" b="1" dirty="0" smtClean="0"/>
+              <a:t>forest plot</a:t>
             </a:r>
             <a:endParaRPr lang="en-GB" b="1" dirty="0"/>
           </a:p>
         </p:txBody>
       </p:sp>
-      <p:sp>
-        <p:nvSpPr>
-          <p:cNvPr id="3" name="Content Placeholder 2"/>
-          <p:cNvSpPr>
-            <a:spLocks noGrp="1"/>
-          </p:cNvSpPr>
+      <p:pic>
+        <p:nvPicPr>
+          <p:cNvPr id="4" name="Content Placeholder 3"/>
+          <p:cNvPicPr>
+            <a:picLocks noGrp="1" noChangeAspect="1"/>
+          </p:cNvPicPr>
           <p:nvPr>
             <p:ph idx="1"/>
           </p:nvPr>
-        </p:nvSpPr>
-        <p:spPr/>
-        <p:txBody>
-          <a:bodyPr/>
-          <a:lstStyle/>
-          <a:p>
-            <a:r>
-              <a:rPr lang="en-GB" dirty="0" smtClean="0"/>
-              <a:t>Discovery, replication – INTERVAL, meta-analysis, NSPHS.</a:t>
-            </a:r>
-          </a:p>
-          <a:p>
-            <a:r>
-              <a:rPr lang="en-GB" dirty="0" smtClean="0"/>
-              <a:t>GCTA –</a:t>
-            </a:r>
-            <a:r>
-              <a:rPr lang="en-GB" dirty="0" err="1" smtClean="0"/>
-              <a:t>cojo</a:t>
-            </a:r>
-            <a:r>
-              <a:rPr lang="en-GB" dirty="0"/>
-              <a:t> </a:t>
-            </a:r>
-            <a:r>
-              <a:rPr lang="en-GB" dirty="0" smtClean="0"/>
-              <a:t>analysis.</a:t>
-            </a:r>
-          </a:p>
-          <a:p>
-            <a:r>
-              <a:rPr lang="en-GB" dirty="0" smtClean="0"/>
-              <a:t>Power issues – plots of effect size from INTERVAL vs INF1 are helpful.</a:t>
-            </a:r>
-            <a:endParaRPr lang="en-GB" dirty="0"/>
-          </a:p>
-          <a:p>
-            <a:r>
-              <a:rPr lang="en-GB" dirty="0" smtClean="0"/>
-              <a:t>Additional information on genotyping and cohort characteristics needs to be requested.</a:t>
-            </a:r>
-          </a:p>
-          <a:p>
-            <a:r>
-              <a:rPr lang="en-GB" dirty="0" smtClean="0"/>
-              <a:t>Elementary summary statistics such as h2 from INTERVAL, with KORA relatively small for GCTA and possibly with INF1 for HESS.</a:t>
-            </a:r>
-            <a:endParaRPr lang="en-GB" dirty="0"/>
-          </a:p>
-        </p:txBody>
-      </p:sp>
+        </p:nvPicPr>
+        <p:blipFill>
+          <a:blip r:embed="rId2" cstate="hqprint">
+            <a:extLst>
+              <a:ext uri="{28A0092B-C50C-407E-A947-70E740481C1C}">
+                <a14:useLocalDpi xmlns:a14="http://schemas.microsoft.com/office/drawing/2010/main" val="0"/>
+              </a:ext>
+            </a:extLst>
+          </a:blip>
+          <a:stretch>
+            <a:fillRect/>
+          </a:stretch>
+        </p:blipFill>
+        <p:spPr>
+          <a:xfrm>
+            <a:off x="0" y="1416617"/>
+            <a:ext cx="5441383" cy="5441383"/>
+          </a:xfrm>
+        </p:spPr>
+      </p:pic>
+      <p:pic>
+        <p:nvPicPr>
+          <p:cNvPr id="5" name="Picture 4"/>
+          <p:cNvPicPr>
+            <a:picLocks noChangeAspect="1"/>
+          </p:cNvPicPr>
+          <p:nvPr/>
+        </p:nvPicPr>
+        <p:blipFill>
+          <a:blip r:embed="rId3" cstate="print">
+            <a:extLst>
+              <a:ext uri="{28A0092B-C50C-407E-A947-70E740481C1C}">
+                <a14:useLocalDpi xmlns:a14="http://schemas.microsoft.com/office/drawing/2010/main" val="0"/>
+              </a:ext>
+            </a:extLst>
+          </a:blip>
+          <a:stretch>
+            <a:fillRect/>
+          </a:stretch>
+        </p:blipFill>
+        <p:spPr>
+          <a:xfrm>
+            <a:off x="5558245" y="-87086"/>
+            <a:ext cx="6858000" cy="6858000"/>
+          </a:xfrm>
+          <a:prstGeom prst="rect">
+            <a:avLst/>
+          </a:prstGeom>
+        </p:spPr>
+      </p:pic>
     </p:spTree>
     <p:extLst>
       <p:ext uri="{BB962C8B-B14F-4D97-AF65-F5344CB8AC3E}">
-        <p14:creationId xmlns:p14="http://schemas.microsoft.com/office/powerpoint/2010/main" val="1596982311"/>
+        <p14:creationId xmlns:p14="http://schemas.microsoft.com/office/powerpoint/2010/main" val="1196687135"/>
       </p:ext>
     </p:extLst>
   </p:cSld>
@@ -3831,7 +3780,12 @@
             <p:ph type="title"/>
           </p:nvPr>
         </p:nvSpPr>
-        <p:spPr/>
+        <p:spPr>
+          <a:xfrm>
+            <a:off x="838200" y="365125"/>
+            <a:ext cx="3664131" cy="1325563"/>
+          </a:xfrm>
+        </p:spPr>
         <p:txBody>
           <a:bodyPr/>
           <a:lstStyle/>
@@ -3839,67 +3793,79 @@
             <a:pPr algn="ctr"/>
             <a:r>
               <a:rPr lang="en-GB" b="1" dirty="0" smtClean="0"/>
-              <a:t>Landmarks</a:t>
+              <a:t>OPG </a:t>
+            </a:r>
+            <a:r>
+              <a:rPr lang="en-GB" b="1" dirty="0" smtClean="0"/>
+              <a:t>forest plot</a:t>
             </a:r>
             <a:endParaRPr lang="en-GB" b="1" dirty="0"/>
           </a:p>
         </p:txBody>
       </p:sp>
-      <p:sp>
-        <p:nvSpPr>
-          <p:cNvPr id="3" name="Content Placeholder 2"/>
-          <p:cNvSpPr>
-            <a:spLocks noGrp="1"/>
-          </p:cNvSpPr>
+      <p:pic>
+        <p:nvPicPr>
+          <p:cNvPr id="4" name="Content Placeholder 3"/>
+          <p:cNvPicPr>
+            <a:picLocks noGrp="1" noChangeAspect="1"/>
+          </p:cNvPicPr>
           <p:nvPr>
             <p:ph idx="1"/>
           </p:nvPr>
-        </p:nvSpPr>
-        <p:spPr/>
-        <p:txBody>
-          <a:bodyPr/>
-          <a:lstStyle/>
-          <a:p>
-            <a:r>
-              <a:rPr lang="en-GB" dirty="0" smtClean="0"/>
-              <a:t>27/3/19 – cross-reference with INTERVAL on INTERVAL genotype data, which showed great similarity with INF1, esp. w.r.t. cis signals.</a:t>
-            </a:r>
-          </a:p>
-          <a:p>
-            <a:r>
-              <a:rPr lang="en-GB" dirty="0" smtClean="0"/>
-              <a:t>8/3/19 – Recognition of MAF </a:t>
-            </a:r>
-            <a:r>
-              <a:rPr lang="en-GB" dirty="0" err="1" smtClean="0"/>
-              <a:t>cutoff</a:t>
-            </a:r>
-            <a:r>
-              <a:rPr lang="en-GB" dirty="0" smtClean="0"/>
-              <a:t> on </a:t>
-            </a:r>
-            <a:r>
-              <a:rPr lang="en-GB" dirty="0" err="1" smtClean="0"/>
-              <a:t>IFN.gamma</a:t>
-            </a:r>
-            <a:r>
-              <a:rPr lang="en-GB" dirty="0" smtClean="0"/>
-              <a:t>, IL.22.RA1, TSLP.</a:t>
-            </a:r>
-          </a:p>
-          <a:p>
-            <a:r>
-              <a:rPr lang="en-GB" dirty="0" smtClean="0"/>
-              <a:t>29/11/18 – 22 proteins with busy Manhattan plots.</a:t>
-            </a:r>
-            <a:endParaRPr lang="en-GB" dirty="0"/>
-          </a:p>
-        </p:txBody>
-      </p:sp>
+        </p:nvPicPr>
+        <p:blipFill>
+          <a:blip r:embed="rId2" cstate="hqprint">
+            <a:extLst>
+              <a:ext uri="{28A0092B-C50C-407E-A947-70E740481C1C}">
+                <a14:useLocalDpi xmlns:a14="http://schemas.microsoft.com/office/drawing/2010/main" val="0"/>
+              </a:ext>
+            </a:extLst>
+          </a:blip>
+          <a:stretch>
+            <a:fillRect/>
+          </a:stretch>
+        </p:blipFill>
+        <p:spPr>
+          <a:xfrm>
+            <a:off x="1" y="1336471"/>
+            <a:ext cx="5334000" cy="5573486"/>
+          </a:xfrm>
+        </p:spPr>
+      </p:pic>
+      <p:pic>
+        <p:nvPicPr>
+          <p:cNvPr id="5" name="Picture 4"/>
+          <p:cNvPicPr>
+            <a:picLocks noChangeAspect="1"/>
+          </p:cNvPicPr>
+          <p:nvPr/>
+        </p:nvPicPr>
+        <p:blipFill>
+          <a:blip r:embed="rId3" cstate="print">
+            <a:extLst>
+              <a:ext uri="{28A0092B-C50C-407E-A947-70E740481C1C}">
+                <a14:useLocalDpi xmlns:a14="http://schemas.microsoft.com/office/drawing/2010/main" val="0"/>
+              </a:ext>
+            </a:extLst>
+          </a:blip>
+          <a:stretch>
+            <a:fillRect/>
+          </a:stretch>
+        </p:blipFill>
+        <p:spPr>
+          <a:xfrm>
+            <a:off x="5334000" y="-4354"/>
+            <a:ext cx="6858000" cy="6862354"/>
+          </a:xfrm>
+          <a:prstGeom prst="rect">
+            <a:avLst/>
+          </a:prstGeom>
+        </p:spPr>
+      </p:pic>
     </p:spTree>
     <p:extLst>
       <p:ext uri="{BB962C8B-B14F-4D97-AF65-F5344CB8AC3E}">
-        <p14:creationId xmlns:p14="http://schemas.microsoft.com/office/powerpoint/2010/main" val="3032432137"/>
+        <p14:creationId xmlns:p14="http://schemas.microsoft.com/office/powerpoint/2010/main" val="4186901552"/>
       </p:ext>
     </p:extLst>
   </p:cSld>
@@ -3944,15 +3910,7 @@
             <a:pPr algn="ctr"/>
             <a:r>
               <a:rPr lang="en-GB" b="1" dirty="0" smtClean="0"/>
-              <a:t>A </a:t>
-            </a:r>
-            <a:r>
-              <a:rPr lang="en-GB" b="1" dirty="0"/>
-              <a:t>brief summary (</a:t>
-            </a:r>
-            <a:r>
-              <a:rPr lang="en-GB" b="1" dirty="0" smtClean="0"/>
-              <a:t>29/11/18)</a:t>
+              <a:t>A general sketch of analysis</a:t>
             </a:r>
             <a:endParaRPr lang="en-GB" b="1" dirty="0"/>
           </a:p>
@@ -3970,46 +3928,58 @@
         </p:nvSpPr>
         <p:spPr/>
         <p:txBody>
-          <a:bodyPr>
-            <a:normAutofit/>
-          </a:bodyPr>
+          <a:bodyPr/>
           <a:lstStyle/>
           <a:p>
             <a:r>
+              <a:rPr lang="en-GB" dirty="0" smtClean="0"/>
+              <a:t>Discovery, replication – INTERVAL, meta-analysis, NSPHS.</a:t>
+            </a:r>
+          </a:p>
+          <a:p>
+            <a:r>
+              <a:rPr lang="en-GB" dirty="0" smtClean="0"/>
+              <a:t>GCTA –</a:t>
+            </a:r>
+            <a:r>
+              <a:rPr lang="en-GB" dirty="0" err="1" smtClean="0"/>
+              <a:t>cojo</a:t>
+            </a:r>
+            <a:r>
               <a:rPr lang="en-GB" dirty="0"/>
-              <a:t>It is still at a very early stage of the analysis.</a:t>
-            </a:r>
-          </a:p>
-          <a:p>
-            <a:r>
-              <a:rPr lang="en-GB" dirty="0"/>
-              <a:t>Results from INTERVAL and benchmarks from meta-analysis were reassuring.</a:t>
-            </a:r>
-          </a:p>
-          <a:p>
-            <a:r>
-              <a:rPr lang="en-GB" dirty="0"/>
-              <a:t>This was based on stricter criteria on –ld-r2 of the PLINK –clump procedure which was somewhat hampered is its inability to handle small p-value.</a:t>
-            </a:r>
-          </a:p>
-          <a:p>
-            <a:r>
-              <a:rPr lang="en-GB" dirty="0"/>
-              <a:t>It is worthwhile to explore approaches.</a:t>
-            </a:r>
-          </a:p>
-          <a:p>
-            <a:r>
-              <a:rPr lang="en-GB" dirty="0"/>
-              <a:t>There will be further effort on the meta-analysis QC.</a:t>
-            </a:r>
+              <a:t> </a:t>
+            </a:r>
+            <a:r>
+              <a:rPr lang="en-GB" dirty="0" smtClean="0"/>
+              <a:t>analysis.</a:t>
+            </a:r>
+          </a:p>
+          <a:p>
+            <a:r>
+              <a:rPr lang="en-GB" dirty="0" smtClean="0"/>
+              <a:t>Power issues – plots of effect size from INTERVAL vs INF1 are helpful.</a:t>
+            </a:r>
+            <a:endParaRPr lang="en-GB" dirty="0"/>
+          </a:p>
+          <a:p>
+            <a:r>
+              <a:rPr lang="en-GB" dirty="0" smtClean="0"/>
+              <a:t>Additional information on genotyping and cohort characteristics needs to be requested.</a:t>
+            </a:r>
+          </a:p>
+          <a:p>
+            <a:r>
+              <a:rPr lang="en-GB" dirty="0" smtClean="0"/>
+              <a:t>Elementary summary statistics such as h2 from INTERVAL, with KORA relatively small for GCTA and possibly with INF1 for HESS.</a:t>
+            </a:r>
+            <a:endParaRPr lang="en-GB" dirty="0"/>
           </a:p>
         </p:txBody>
       </p:sp>
     </p:spTree>
     <p:extLst>
       <p:ext uri="{BB962C8B-B14F-4D97-AF65-F5344CB8AC3E}">
-        <p14:creationId xmlns:p14="http://schemas.microsoft.com/office/powerpoint/2010/main" val="1462860847"/>
+        <p14:creationId xmlns:p14="http://schemas.microsoft.com/office/powerpoint/2010/main" val="1596982311"/>
       </p:ext>
     </p:extLst>
   </p:cSld>
@@ -4038,13 +4008,7 @@
       </p:grpSpPr>
       <p:sp>
         <p:nvSpPr>
-          <p:cNvPr id="2" name="Title 1">
-            <a:extLst>
-              <a:ext uri="{FF2B5EF4-FFF2-40B4-BE49-F238E27FC236}">
-                <a16:creationId xmlns:a16="http://schemas.microsoft.com/office/drawing/2014/main" id="{0B706D4B-56BB-4904-95C8-C7317B2F9042}"/>
-              </a:ext>
-            </a:extLst>
-          </p:cNvPr>
+          <p:cNvPr id="2" name="Title 1"/>
           <p:cNvSpPr>
             <a:spLocks noGrp="1"/>
           </p:cNvSpPr>
@@ -4060,15 +4024,7 @@
             <a:pPr algn="ctr"/>
             <a:r>
               <a:rPr lang="en-GB" b="1" dirty="0" smtClean="0"/>
-              <a:t>On </a:t>
-            </a:r>
-            <a:r>
-              <a:rPr lang="en-GB" b="1" dirty="0"/>
-              <a:t>next steps (</a:t>
-            </a:r>
-            <a:r>
-              <a:rPr lang="en-GB" b="1" dirty="0" smtClean="0"/>
-              <a:t>29/11/18)</a:t>
+              <a:t>Landmarks</a:t>
             </a:r>
             <a:endParaRPr lang="en-GB" b="1" dirty="0"/>
           </a:p>
@@ -4076,13 +4032,7 @@
       </p:sp>
       <p:sp>
         <p:nvSpPr>
-          <p:cNvPr id="3" name="Content Placeholder 2">
-            <a:extLst>
-              <a:ext uri="{FF2B5EF4-FFF2-40B4-BE49-F238E27FC236}">
-                <a16:creationId xmlns:a16="http://schemas.microsoft.com/office/drawing/2014/main" id="{779C168B-FE2B-48BB-9F71-190FE784313F}"/>
-              </a:ext>
-            </a:extLst>
-          </p:cNvPr>
+          <p:cNvPr id="3" name="Content Placeholder 2"/>
           <p:cNvSpPr>
             <a:spLocks noGrp="1"/>
           </p:cNvSpPr>
@@ -4092,88 +4042,49 @@
         </p:nvSpPr>
         <p:spPr/>
         <p:txBody>
-          <a:bodyPr>
-            <a:normAutofit lnSpcReduction="10000"/>
-          </a:bodyPr>
+          <a:bodyPr/>
           <a:lstStyle/>
           <a:p>
             <a:r>
-              <a:rPr lang="en-GB" dirty="0"/>
-              <a:t>KORA individual level data analysis will be conducted centrally.</a:t>
-            </a:r>
-          </a:p>
-          <a:p>
-            <a:r>
-              <a:rPr lang="en-GB" dirty="0"/>
-              <a:t>Additional studies such as COMBINE will be added.</a:t>
-            </a:r>
-          </a:p>
-          <a:p>
-            <a:r>
-              <a:rPr lang="en-GB" dirty="0"/>
-              <a:t>For cohorts contributing results on PLINK, information such as effect allele (frequency), imputation quality is recommended on a per-cohort basis via </a:t>
-            </a:r>
-            <a:r>
-              <a:rPr lang="en-GB" dirty="0" err="1"/>
-              <a:t>qctool</a:t>
-            </a:r>
-            <a:r>
-              <a:rPr lang="en-GB" dirty="0"/>
-              <a:t> as noted in SCALLOP_INF_I_analysis_plan.md.</a:t>
-            </a:r>
-          </a:p>
-          <a:p>
-            <a:r>
-              <a:rPr lang="en-GB" dirty="0"/>
-              <a:t>The QC will be refined and downstream analysis strengthened -- the experiments were based on 1000Genomes extracted from </a:t>
-            </a:r>
-            <a:r>
-              <a:rPr lang="en-GB" dirty="0" err="1"/>
-              <a:t>LocusZoom</a:t>
-            </a:r>
-            <a:r>
-              <a:rPr lang="en-GB" dirty="0"/>
-              <a:t> 1.4 at </a:t>
-            </a:r>
-            <a:r>
-              <a:rPr lang="en-GB" dirty="0" err="1"/>
-              <a:t>tryggve</a:t>
-            </a:r>
-            <a:r>
-              <a:rPr lang="en-GB" dirty="0"/>
-              <a:t> when there was issues with the up-/down-load. A more desirable reference panel would be INTERVAL, </a:t>
-            </a:r>
-            <a:r>
-              <a:rPr lang="en-GB" dirty="0" err="1"/>
-              <a:t>UKBiobank</a:t>
-            </a:r>
-            <a:r>
-              <a:rPr lang="en-GB" dirty="0"/>
-              <a:t>, both involving HRC+UK10K. </a:t>
-            </a:r>
-            <a:r>
-              <a:rPr lang="en-GB" dirty="0" err="1"/>
-              <a:t>Finemapping</a:t>
-            </a:r>
-            <a:r>
-              <a:rPr lang="en-GB" dirty="0"/>
-              <a:t> is set to involve PLINK, GCTA, </a:t>
-            </a:r>
-            <a:r>
-              <a:rPr lang="en-GB" dirty="0" err="1"/>
-              <a:t>finemap</a:t>
-            </a:r>
-            <a:r>
-              <a:rPr lang="en-GB" dirty="0"/>
-              <a:t>, and JAM, among others.</a:t>
-            </a:r>
+              <a:rPr lang="en-GB" dirty="0" smtClean="0"/>
+              <a:t>27/3/19 – cross-reference with INTERVAL on INTERVAL genotype data, which showed great similarity with INF1, esp. w.r.t. cis signals.</a:t>
+            </a:r>
+          </a:p>
+          <a:p>
+            <a:r>
+              <a:rPr lang="en-GB" dirty="0" smtClean="0"/>
+              <a:t>8/3/19 – Recognition of MAF </a:t>
+            </a:r>
+            <a:r>
+              <a:rPr lang="en-GB" dirty="0" err="1" smtClean="0"/>
+              <a:t>cutoff</a:t>
+            </a:r>
+            <a:r>
+              <a:rPr lang="en-GB" dirty="0" smtClean="0"/>
+              <a:t> on </a:t>
+            </a:r>
+            <a:r>
+              <a:rPr lang="en-GB" dirty="0" err="1" smtClean="0"/>
+              <a:t>IFN.gamma</a:t>
+            </a:r>
+            <a:r>
+              <a:rPr lang="en-GB" dirty="0" smtClean="0"/>
+              <a:t>, IL.22.RA1, TSLP.</a:t>
+            </a:r>
+          </a:p>
+          <a:p>
+            <a:r>
+              <a:rPr lang="en-GB" dirty="0" smtClean="0"/>
+              <a:t>29/11/18 – 22 proteins with busy Manhattan plots.</a:t>
+            </a:r>
+            <a:endParaRPr lang="en-GB" dirty="0"/>
           </a:p>
         </p:txBody>
       </p:sp>
     </p:spTree>
     <p:extLst>
       <p:ext uri="{BB962C8B-B14F-4D97-AF65-F5344CB8AC3E}">
-        <p14:creationId xmlns:p14="http://schemas.microsoft.com/office/powerpoint/2010/main" val="1025794882"/>
+        <p14:creationId xmlns:p14="http://schemas.microsoft.com/office/powerpoint/2010/main" val="3032432137"/>
       </p:ext>
     </p:extLst>
   </p:cSld>
@@ -4202,13 +4113,7 @@
       </p:grpSpPr>
       <p:sp>
         <p:nvSpPr>
-          <p:cNvPr id="2" name="Title 1">
-            <a:extLst>
-              <a:ext uri="{FF2B5EF4-FFF2-40B4-BE49-F238E27FC236}">
-                <a16:creationId xmlns:a16="http://schemas.microsoft.com/office/drawing/2014/main" id="{0B706D4B-56BB-4904-95C8-C7317B2F9042}"/>
-              </a:ext>
-            </a:extLst>
-          </p:cNvPr>
+          <p:cNvPr id="2" name="Title 1"/>
           <p:cNvSpPr>
             <a:spLocks noGrp="1"/>
           </p:cNvSpPr>
@@ -4224,23 +4129,15 @@
             <a:pPr algn="ctr"/>
             <a:r>
               <a:rPr lang="en-GB" b="1" dirty="0" smtClean="0"/>
-              <a:t>Updates </a:t>
+              <a:t>A </a:t>
             </a:r>
             <a:r>
               <a:rPr lang="en-GB" b="1" dirty="0"/>
-              <a:t>I </a:t>
+              <a:t>brief summary (</a:t>
             </a:r>
             <a:r>
               <a:rPr lang="en-GB" b="1" dirty="0" smtClean="0"/>
-              <a:t>(</a:t>
-            </a:r>
-            <a:r>
-              <a:rPr lang="en-GB" b="1" dirty="0"/>
-              <a:t>8</a:t>
-            </a:r>
-            <a:r>
-              <a:rPr lang="en-GB" b="1" dirty="0" smtClean="0"/>
-              <a:t>/3/19)</a:t>
+              <a:t>29/11/18)</a:t>
             </a:r>
             <a:endParaRPr lang="en-GB" b="1" dirty="0"/>
           </a:p>
@@ -4248,13 +4145,7 @@
       </p:sp>
       <p:sp>
         <p:nvSpPr>
-          <p:cNvPr id="3" name="Content Placeholder 2">
-            <a:extLst>
-              <a:ext uri="{FF2B5EF4-FFF2-40B4-BE49-F238E27FC236}">
-                <a16:creationId xmlns:a16="http://schemas.microsoft.com/office/drawing/2014/main" id="{779C168B-FE2B-48BB-9F71-190FE784313F}"/>
-              </a:ext>
-            </a:extLst>
-          </p:cNvPr>
+          <p:cNvPr id="3" name="Content Placeholder 2"/>
           <p:cNvSpPr>
             <a:spLocks noGrp="1"/>
           </p:cNvSpPr>
@@ -4265,112 +4156,45 @@
         <p:spPr/>
         <p:txBody>
           <a:bodyPr>
-            <a:normAutofit lnSpcReduction="10000"/>
+            <a:normAutofit/>
           </a:bodyPr>
           <a:lstStyle/>
           <a:p>
             <a:r>
-              <a:rPr lang="en-GB" dirty="0" smtClean="0"/>
-              <a:t>29 chromosomes remain to be analysed for KORA + ARTN reanalysing at TRYGGVE (smaller size). normalised level ~ age+sex+PC1-5+genotype under additive model with SNPTEST.</a:t>
-            </a:r>
-          </a:p>
-          <a:p>
-            <a:r>
-              <a:rPr lang="en-GB" dirty="0" err="1" smtClean="0"/>
-              <a:t>BioFinder</a:t>
-            </a:r>
-            <a:r>
-              <a:rPr lang="en-GB" dirty="0" smtClean="0"/>
-              <a:t>, </a:t>
-            </a:r>
-            <a:r>
-              <a:rPr lang="en-GB" dirty="0" err="1" smtClean="0"/>
-              <a:t>MadCam</a:t>
-            </a:r>
-            <a:r>
-              <a:rPr lang="en-GB" dirty="0" smtClean="0"/>
-              <a:t> and RECOMBINE were available – these were from Anders beside STANLEY lah1/swe6 with </a:t>
-            </a:r>
-            <a:r>
-              <a:rPr lang="en-GB" dirty="0" err="1" smtClean="0"/>
-              <a:t>qctool</a:t>
-            </a:r>
-            <a:r>
-              <a:rPr lang="en-GB" dirty="0" smtClean="0"/>
-              <a:t> –</a:t>
-            </a:r>
-            <a:r>
-              <a:rPr lang="en-GB" dirty="0" err="1" smtClean="0"/>
-              <a:t>snp</a:t>
-            </a:r>
-            <a:r>
-              <a:rPr lang="en-GB" dirty="0" smtClean="0"/>
-              <a:t>-stats pending while </a:t>
-            </a:r>
-            <a:r>
-              <a:rPr lang="en-GB" dirty="0" err="1" smtClean="0"/>
-              <a:t>MadCam</a:t>
-            </a:r>
-            <a:r>
-              <a:rPr lang="en-GB" dirty="0" smtClean="0"/>
-              <a:t> has RSQ_IMP.</a:t>
-            </a:r>
-          </a:p>
-          <a:p>
-            <a:r>
-              <a:rPr lang="en-GB" dirty="0" smtClean="0"/>
-              <a:t>NSPHS has PLINK results but no </a:t>
-            </a:r>
-            <a:r>
-              <a:rPr lang="en-GB" dirty="0" err="1" smtClean="0"/>
-              <a:t>qctool</a:t>
-            </a:r>
-            <a:r>
-              <a:rPr lang="en-GB" dirty="0" smtClean="0"/>
-              <a:t> -</a:t>
-            </a:r>
-            <a:r>
-              <a:rPr lang="en-GB" dirty="0" err="1" smtClean="0"/>
-              <a:t>snp</a:t>
-            </a:r>
-            <a:r>
-              <a:rPr lang="en-GB" dirty="0" smtClean="0"/>
-              <a:t>-stats (in touch with </a:t>
-            </a:r>
-            <a:r>
-              <a:rPr lang="en-US" dirty="0"/>
-              <a:t>Åsa Johansson </a:t>
-            </a:r>
-            <a:r>
-              <a:rPr lang="en-US" dirty="0" smtClean="0"/>
-              <a:t>on 21/2</a:t>
-            </a:r>
-            <a:r>
-              <a:rPr lang="en-GB" dirty="0" smtClean="0"/>
-              <a:t>).</a:t>
-            </a:r>
-          </a:p>
-          <a:p>
-            <a:r>
-              <a:rPr lang="en-GB" dirty="0" smtClean="0"/>
-              <a:t>The number of problematic proteins was reduced from 22 to three, </a:t>
-            </a:r>
-            <a:r>
-              <a:rPr lang="en-GB" dirty="0" err="1" smtClean="0"/>
-              <a:t>IFN.gamma</a:t>
-            </a:r>
-            <a:r>
-              <a:rPr lang="en-GB" dirty="0" smtClean="0"/>
-              <a:t>, IL.22.RA1 and TSLP and then none with MAF set to MAF&gt;0.1 for STABILITY (N=2,951), second to INTERVAL (N=4,996).</a:t>
-            </a:r>
-            <a:endParaRPr lang="en-GB" dirty="0"/>
+              <a:rPr lang="en-GB" dirty="0"/>
+              <a:t>It is still at a very early stage of the analysis.</a:t>
+            </a:r>
+          </a:p>
+          <a:p>
+            <a:r>
+              <a:rPr lang="en-GB" dirty="0"/>
+              <a:t>Results from INTERVAL and benchmarks from meta-analysis were reassuring.</a:t>
+            </a:r>
+          </a:p>
+          <a:p>
+            <a:r>
+              <a:rPr lang="en-GB" dirty="0"/>
+              <a:t>This was based on stricter criteria on –ld-r2 of the PLINK –clump procedure which was somewhat hampered is its inability to handle small p-value.</a:t>
+            </a:r>
+          </a:p>
+          <a:p>
+            <a:r>
+              <a:rPr lang="en-GB" dirty="0"/>
+              <a:t>It is worthwhile to explore approaches.</a:t>
+            </a:r>
+          </a:p>
+          <a:p>
+            <a:r>
+              <a:rPr lang="en-GB" dirty="0"/>
+              <a:t>There will be further effort on the meta-analysis QC.</a:t>
+            </a:r>
           </a:p>
         </p:txBody>
       </p:sp>
     </p:spTree>
     <p:extLst>
       <p:ext uri="{BB962C8B-B14F-4D97-AF65-F5344CB8AC3E}">
-        <p14:creationId xmlns:p14="http://schemas.microsoft.com/office/powerpoint/2010/main" val="435210134"/>
+        <p14:creationId xmlns:p14="http://schemas.microsoft.com/office/powerpoint/2010/main" val="1462860847"/>
       </p:ext>
     </p:extLst>
   </p:cSld>
@@ -4399,7 +4223,13 @@
       </p:grpSpPr>
       <p:sp>
         <p:nvSpPr>
-          <p:cNvPr id="2" name="Title 1"/>
+          <p:cNvPr id="2" name="Title 1">
+            <a:extLst>
+              <a:ext uri="{FF2B5EF4-FFF2-40B4-BE49-F238E27FC236}">
+                <a16:creationId xmlns:a16="http://schemas.microsoft.com/office/drawing/2014/main" id="{0B706D4B-56BB-4904-95C8-C7317B2F9042}"/>
+              </a:ext>
+            </a:extLst>
+          </p:cNvPr>
           <p:cNvSpPr>
             <a:spLocks noGrp="1"/>
           </p:cNvSpPr>
@@ -4415,18 +4245,29 @@
             <a:pPr algn="ctr"/>
             <a:r>
               <a:rPr lang="en-GB" b="1" dirty="0" smtClean="0"/>
-              <a:t>Updates </a:t>
+              <a:t>On </a:t>
             </a:r>
             <a:r>
               <a:rPr lang="en-GB" b="1" dirty="0"/>
-              <a:t>II (8/3/19)</a:t>
-            </a:r>
-          </a:p>
-        </p:txBody>
-      </p:sp>
-      <p:sp>
-        <p:nvSpPr>
-          <p:cNvPr id="3" name="Content Placeholder 2"/>
+              <a:t>next steps (</a:t>
+            </a:r>
+            <a:r>
+              <a:rPr lang="en-GB" b="1" dirty="0" smtClean="0"/>
+              <a:t>29/11/18)</a:t>
+            </a:r>
+            <a:endParaRPr lang="en-GB" b="1" dirty="0"/>
+          </a:p>
+        </p:txBody>
+      </p:sp>
+      <p:sp>
+        <p:nvSpPr>
+          <p:cNvPr id="3" name="Content Placeholder 2">
+            <a:extLst>
+              <a:ext uri="{FF2B5EF4-FFF2-40B4-BE49-F238E27FC236}">
+                <a16:creationId xmlns:a16="http://schemas.microsoft.com/office/drawing/2014/main" id="{779C168B-FE2B-48BB-9F71-190FE784313F}"/>
+              </a:ext>
+            </a:extLst>
+          </p:cNvPr>
           <p:cNvSpPr>
             <a:spLocks noGrp="1"/>
           </p:cNvSpPr>
@@ -4436,63 +4277,88 @@
         </p:nvSpPr>
         <p:spPr/>
         <p:txBody>
-          <a:bodyPr/>
+          <a:bodyPr>
+            <a:normAutofit lnSpcReduction="10000"/>
+          </a:bodyPr>
           <a:lstStyle/>
           <a:p>
             <a:r>
-              <a:rPr lang="en-GB" dirty="0" smtClean="0"/>
-              <a:t>STANLEY added to meta-</a:t>
-            </a:r>
-            <a:r>
-              <a:rPr lang="en-GB" dirty="0" err="1" smtClean="0"/>
-              <a:t>snalysis</a:t>
-            </a:r>
-            <a:r>
-              <a:rPr lang="en-GB" dirty="0" smtClean="0"/>
-              <a:t> when per-SNP sample sizes are available from study description (results from PLINK dosage analysis, with INFO but no N).</a:t>
-            </a:r>
-          </a:p>
-          <a:p>
-            <a:r>
-              <a:rPr lang="en-GB" dirty="0" smtClean="0"/>
-              <a:t>INFO from </a:t>
-            </a:r>
-            <a:r>
-              <a:rPr lang="en-GB" dirty="0" err="1" smtClean="0"/>
+              <a:rPr lang="en-GB" dirty="0"/>
+              <a:t>KORA individual level data analysis will be conducted centrally.</a:t>
+            </a:r>
+          </a:p>
+          <a:p>
+            <a:r>
+              <a:rPr lang="en-GB" dirty="0"/>
+              <a:t>Additional studies such as COMBINE will be added.</a:t>
+            </a:r>
+          </a:p>
+          <a:p>
+            <a:r>
+              <a:rPr lang="en-GB" dirty="0"/>
+              <a:t>For cohorts contributing results on PLINK, information such as effect allele (frequency), imputation quality is recommended on a per-cohort basis via </a:t>
+            </a:r>
+            <a:r>
+              <a:rPr lang="en-GB" dirty="0" err="1"/>
               <a:t>qctool</a:t>
             </a:r>
             <a:r>
-              <a:rPr lang="en-GB" dirty="0" smtClean="0"/>
-              <a:t> –</a:t>
-            </a:r>
-            <a:r>
-              <a:rPr lang="en-GB" dirty="0" err="1" smtClean="0"/>
-              <a:t>snp</a:t>
-            </a:r>
-            <a:r>
-              <a:rPr lang="en-GB" dirty="0" smtClean="0"/>
-              <a:t>-stats was added to INTERVAL.</a:t>
-            </a:r>
-          </a:p>
-          <a:p>
-            <a:r>
-              <a:rPr lang="en-GB" dirty="0" smtClean="0"/>
-              <a:t>Side projects: R/gap, FM-pipeline, EWAS-fusion, etc. updated and results from FM-pipeline but pending on validation.</a:t>
-            </a:r>
-          </a:p>
-          <a:p>
-            <a:r>
-              <a:rPr lang="en-GB" dirty="0" smtClean="0"/>
-              <a:t>INF1.paper.docx at INF/doc as placeholder for paper draft; cohort description needs to be added – an Excel spreadsheet was made available from the (updated) analysis plan and comments are welcome to consolidate.</a:t>
-            </a:r>
-            <a:endParaRPr lang="en-GB" dirty="0"/>
+              <a:rPr lang="en-GB" dirty="0"/>
+              <a:t> as noted in SCALLOP_INF_I_analysis_plan.md.</a:t>
+            </a:r>
+          </a:p>
+          <a:p>
+            <a:r>
+              <a:rPr lang="en-GB" dirty="0"/>
+              <a:t>The QC will be refined and downstream analysis strengthened -- the experiments were based on 1000Genomes extracted from </a:t>
+            </a:r>
+            <a:r>
+              <a:rPr lang="en-GB" dirty="0" err="1"/>
+              <a:t>LocusZoom</a:t>
+            </a:r>
+            <a:r>
+              <a:rPr lang="en-GB" dirty="0"/>
+              <a:t> 1.4 at </a:t>
+            </a:r>
+            <a:r>
+              <a:rPr lang="en-GB" dirty="0" err="1"/>
+              <a:t>tryggve</a:t>
+            </a:r>
+            <a:r>
+              <a:rPr lang="en-GB" dirty="0"/>
+              <a:t> when there was issues with the up-/down-load. A more desirable reference panel would be INTERVAL, </a:t>
+            </a:r>
+            <a:r>
+              <a:rPr lang="en-GB" dirty="0" err="1"/>
+              <a:t>UKBiobank</a:t>
+            </a:r>
+            <a:r>
+              <a:rPr lang="en-GB" dirty="0"/>
+              <a:t>, both involving HRC+UK10K. </a:t>
+            </a:r>
+            <a:r>
+              <a:rPr lang="en-GB" dirty="0" err="1"/>
+              <a:t>Finemapping</a:t>
+            </a:r>
+            <a:r>
+              <a:rPr lang="en-GB" dirty="0"/>
+              <a:t> is set to involve PLINK, GCTA, </a:t>
+            </a:r>
+            <a:r>
+              <a:rPr lang="en-GB" dirty="0" err="1"/>
+              <a:t>finemap</a:t>
+            </a:r>
+            <a:r>
+              <a:rPr lang="en-GB" dirty="0"/>
+              <a:t>, and JAM, among others.</a:t>
+            </a:r>
           </a:p>
         </p:txBody>
       </p:sp>
     </p:spTree>
     <p:extLst>
       <p:ext uri="{BB962C8B-B14F-4D97-AF65-F5344CB8AC3E}">
-        <p14:creationId xmlns:p14="http://schemas.microsoft.com/office/powerpoint/2010/main" val="3409810465"/>
+        <p14:creationId xmlns:p14="http://schemas.microsoft.com/office/powerpoint/2010/main" val="1025794882"/>
       </p:ext>
     </p:extLst>
   </p:cSld>
@@ -4521,7 +4387,13 @@
       </p:grpSpPr>
       <p:sp>
         <p:nvSpPr>
-          <p:cNvPr id="2" name="Title 1"/>
+          <p:cNvPr id="2" name="Title 1">
+            <a:extLst>
+              <a:ext uri="{FF2B5EF4-FFF2-40B4-BE49-F238E27FC236}">
+                <a16:creationId xmlns:a16="http://schemas.microsoft.com/office/drawing/2014/main" id="{0B706D4B-56BB-4904-95C8-C7317B2F9042}"/>
+              </a:ext>
+            </a:extLst>
+          </p:cNvPr>
           <p:cNvSpPr>
             <a:spLocks noGrp="1"/>
           </p:cNvSpPr>
@@ -4537,18 +4409,37 @@
             <a:pPr algn="ctr"/>
             <a:r>
               <a:rPr lang="en-GB" b="1" dirty="0" smtClean="0"/>
-              <a:t>Next </a:t>
+              <a:t>Updates </a:t>
             </a:r>
             <a:r>
               <a:rPr lang="en-GB" b="1" dirty="0"/>
-              <a:t>steps (8/3/19)</a:t>
-            </a:r>
-          </a:p>
-        </p:txBody>
-      </p:sp>
-      <p:sp>
-        <p:nvSpPr>
-          <p:cNvPr id="3" name="Content Placeholder 2"/>
+              <a:t>I </a:t>
+            </a:r>
+            <a:r>
+              <a:rPr lang="en-GB" b="1" dirty="0" smtClean="0"/>
+              <a:t>(</a:t>
+            </a:r>
+            <a:r>
+              <a:rPr lang="en-GB" b="1" dirty="0"/>
+              <a:t>8</a:t>
+            </a:r>
+            <a:r>
+              <a:rPr lang="en-GB" b="1" dirty="0" smtClean="0"/>
+              <a:t>/3/19)</a:t>
+            </a:r>
+            <a:endParaRPr lang="en-GB" b="1" dirty="0"/>
+          </a:p>
+        </p:txBody>
+      </p:sp>
+      <p:sp>
+        <p:nvSpPr>
+          <p:cNvPr id="3" name="Content Placeholder 2">
+            <a:extLst>
+              <a:ext uri="{FF2B5EF4-FFF2-40B4-BE49-F238E27FC236}">
+                <a16:creationId xmlns:a16="http://schemas.microsoft.com/office/drawing/2014/main" id="{779C168B-FE2B-48BB-9F71-190FE784313F}"/>
+              </a:ext>
+            </a:extLst>
+          </p:cNvPr>
           <p:cNvSpPr>
             <a:spLocks noGrp="1"/>
           </p:cNvSpPr>
@@ -4558,60 +4449,104 @@
         </p:nvSpPr>
         <p:spPr/>
         <p:txBody>
-          <a:bodyPr/>
+          <a:bodyPr>
+            <a:normAutofit lnSpcReduction="10000"/>
+          </a:bodyPr>
           <a:lstStyle/>
           <a:p>
             <a:r>
               <a:rPr lang="en-GB" dirty="0" smtClean="0"/>
-              <a:t>Cohort-level QC, esp. MAF and INFO score.</a:t>
-            </a:r>
-          </a:p>
-          <a:p>
+              <a:t>29 chromosomes remain to be analysed for KORA + ARTN reanalysing at TRYGGVE (smaller size). normalised level ~ age+sex+PC1-5+genotype under additive model with SNPTEST.</a:t>
+            </a:r>
+          </a:p>
+          <a:p>
+            <a:r>
+              <a:rPr lang="en-GB" dirty="0" err="1" smtClean="0"/>
+              <a:t>BioFinder</a:t>
+            </a:r>
             <a:r>
               <a:rPr lang="en-GB" dirty="0" smtClean="0"/>
-              <a:t>Meta-analysis for all cohorts (leaving out RECOMBINE?), including Q-Q/Manhattan/forest/</a:t>
+              <a:t>, </a:t>
             </a:r>
             <a:r>
               <a:rPr lang="en-GB" dirty="0" err="1" smtClean="0"/>
-              <a:t>LocusZoom</a:t>
+              <a:t>MadCam</a:t>
             </a:r>
             <a:r>
               <a:rPr lang="en-GB" dirty="0" smtClean="0"/>
-              <a:t>/chord plots – with cis/trans regions when appropriate.</a:t>
-            </a:r>
-          </a:p>
-          <a:p>
+              <a:t> and RECOMBINE were available – these were from Anders beside STANLEY lah1/swe6 with </a:t>
+            </a:r>
+            <a:r>
+              <a:rPr lang="en-GB" dirty="0" err="1" smtClean="0"/>
+              <a:t>qctool</a:t>
+            </a:r>
             <a:r>
               <a:rPr lang="en-GB" dirty="0" smtClean="0"/>
-              <a:t>To corroborate PLINK –clump with GCTA –</a:t>
+              <a:t> –</a:t>
             </a:r>
             <a:r>
               <a:rPr lang="en-GB" dirty="0" err="1" smtClean="0"/>
-              <a:t>cojo-slct</a:t>
+              <a:t>snp</a:t>
             </a:r>
             <a:r>
               <a:rPr lang="en-GB" dirty="0" smtClean="0"/>
-              <a:t>.</a:t>
-            </a:r>
-          </a:p>
-          <a:p>
+              <a:t>-stats pending while </a:t>
+            </a:r>
+            <a:r>
+              <a:rPr lang="en-GB" dirty="0" err="1" smtClean="0"/>
+              <a:t>MadCam</a:t>
+            </a:r>
             <a:r>
               <a:rPr lang="en-GB" dirty="0" smtClean="0"/>
-              <a:t>Replication?</a:t>
+              <a:t> has RSQ_IMP.</a:t>
             </a:r>
           </a:p>
           <a:p>
             <a:r>
               <a:rPr lang="en-GB" dirty="0" smtClean="0"/>
-              <a:t>Downstream analysis, e.g., </a:t>
+              <a:t>NSPHS has PLINK results but no </a:t>
             </a:r>
             <a:r>
               <a:rPr lang="en-GB" dirty="0" err="1" smtClean="0"/>
-              <a:t>phenoscanner</a:t>
+              <a:t>qctool</a:t>
             </a:r>
             <a:r>
               <a:rPr lang="en-GB" dirty="0" smtClean="0"/>
-              <a:t>, MR, GSEA/pathway.</a:t>
+              <a:t> -</a:t>
+            </a:r>
+            <a:r>
+              <a:rPr lang="en-GB" dirty="0" err="1" smtClean="0"/>
+              <a:t>snp</a:t>
+            </a:r>
+            <a:r>
+              <a:rPr lang="en-GB" dirty="0" smtClean="0"/>
+              <a:t>-stats (in touch with </a:t>
+            </a:r>
+            <a:r>
+              <a:rPr lang="en-US" dirty="0"/>
+              <a:t>Åsa Johansson </a:t>
+            </a:r>
+            <a:r>
+              <a:rPr lang="en-US" dirty="0" smtClean="0"/>
+              <a:t>on 21/2</a:t>
+            </a:r>
+            <a:r>
+              <a:rPr lang="en-GB" dirty="0" smtClean="0"/>
+              <a:t>).</a:t>
+            </a:r>
+          </a:p>
+          <a:p>
+            <a:r>
+              <a:rPr lang="en-GB" dirty="0" smtClean="0"/>
+              <a:t>The number of problematic proteins was reduced from 22 to three, </a:t>
+            </a:r>
+            <a:r>
+              <a:rPr lang="en-GB" dirty="0" err="1" smtClean="0"/>
+              <a:t>IFN.gamma</a:t>
+            </a:r>
+            <a:r>
+              <a:rPr lang="en-GB" dirty="0" smtClean="0"/>
+              <a:t>, IL.22.RA1 and TSLP and then none with MAF set to MAF&gt;0.1 for STABILITY (N=2,951), second to INTERVAL (N=4,996).</a:t>
             </a:r>
             <a:endParaRPr lang="en-GB" dirty="0"/>
           </a:p>
@@ -4620,7 +4555,7 @@
     </p:spTree>
     <p:extLst>
       <p:ext uri="{BB962C8B-B14F-4D97-AF65-F5344CB8AC3E}">
-        <p14:creationId xmlns:p14="http://schemas.microsoft.com/office/powerpoint/2010/main" val="1695469006"/>
+        <p14:creationId xmlns:p14="http://schemas.microsoft.com/office/powerpoint/2010/main" val="435210134"/>
       </p:ext>
     </p:extLst>
   </p:cSld>
@@ -4665,40 +4600,84 @@
             <a:pPr algn="ctr"/>
             <a:r>
               <a:rPr lang="en-GB" b="1" dirty="0" smtClean="0"/>
-              <a:t>Manhattan plots</a:t>
-            </a:r>
-            <a:endParaRPr lang="en-GB" b="1" dirty="0"/>
-          </a:p>
-        </p:txBody>
-      </p:sp>
-      <p:pic>
-        <p:nvPicPr>
-          <p:cNvPr id="6" name="Picture 5"/>
-          <p:cNvPicPr>
-            <a:picLocks noChangeAspect="1"/>
-          </p:cNvPicPr>
-          <p:nvPr/>
-        </p:nvPicPr>
-        <p:blipFill>
-          <a:blip r:embed="rId2"/>
-          <a:stretch>
-            <a:fillRect/>
-          </a:stretch>
-        </p:blipFill>
-        <p:spPr>
-          <a:xfrm>
-            <a:off x="1328446" y="1842264"/>
-            <a:ext cx="9685493" cy="4584669"/>
-          </a:xfrm>
-          <a:prstGeom prst="rect">
-            <a:avLst/>
-          </a:prstGeom>
-        </p:spPr>
-      </p:pic>
+              <a:t>Updates </a:t>
+            </a:r>
+            <a:r>
+              <a:rPr lang="en-GB" b="1" dirty="0"/>
+              <a:t>II (8/3/19)</a:t>
+            </a:r>
+          </a:p>
+        </p:txBody>
+      </p:sp>
+      <p:sp>
+        <p:nvSpPr>
+          <p:cNvPr id="3" name="Content Placeholder 2"/>
+          <p:cNvSpPr>
+            <a:spLocks noGrp="1"/>
+          </p:cNvSpPr>
+          <p:nvPr>
+            <p:ph idx="1"/>
+          </p:nvPr>
+        </p:nvSpPr>
+        <p:spPr/>
+        <p:txBody>
+          <a:bodyPr/>
+          <a:lstStyle/>
+          <a:p>
+            <a:r>
+              <a:rPr lang="en-GB" dirty="0" smtClean="0"/>
+              <a:t>STANLEY added to meta-</a:t>
+            </a:r>
+            <a:r>
+              <a:rPr lang="en-GB" dirty="0" err="1" smtClean="0"/>
+              <a:t>snalysis</a:t>
+            </a:r>
+            <a:r>
+              <a:rPr lang="en-GB" dirty="0" smtClean="0"/>
+              <a:t> when per-SNP sample sizes are available from study description (results from PLINK dosage analysis, with INFO but no N).</a:t>
+            </a:r>
+          </a:p>
+          <a:p>
+            <a:r>
+              <a:rPr lang="en-GB" dirty="0" smtClean="0"/>
+              <a:t>INFO from </a:t>
+            </a:r>
+            <a:r>
+              <a:rPr lang="en-GB" dirty="0" err="1" smtClean="0"/>
+              <a:t>qctool</a:t>
+            </a:r>
+            <a:r>
+              <a:rPr lang="en-GB" dirty="0" smtClean="0"/>
+              <a:t> –</a:t>
+            </a:r>
+            <a:r>
+              <a:rPr lang="en-GB" dirty="0" err="1" smtClean="0"/>
+              <a:t>snp</a:t>
+            </a:r>
+            <a:r>
+              <a:rPr lang="en-GB" dirty="0" smtClean="0"/>
+              <a:t>-stats was added to INTERVAL.</a:t>
+            </a:r>
+          </a:p>
+          <a:p>
+            <a:r>
+              <a:rPr lang="en-GB" dirty="0" smtClean="0"/>
+              <a:t>Side projects: R/gap, FM-pipeline, EWAS-fusion, etc. updated and results from FM-pipeline but pending on validation.</a:t>
+            </a:r>
+          </a:p>
+          <a:p>
+            <a:r>
+              <a:rPr lang="en-GB" dirty="0" smtClean="0"/>
+              <a:t>INF1.paper.docx at INF/doc as placeholder for paper draft; cohort description needs to be added – an Excel spreadsheet was made available from the (updated) analysis plan and comments are welcome to consolidate.</a:t>
+            </a:r>
+            <a:endParaRPr lang="en-GB" dirty="0"/>
+          </a:p>
+        </p:txBody>
+      </p:sp>
     </p:spTree>
     <p:extLst>
       <p:ext uri="{BB962C8B-B14F-4D97-AF65-F5344CB8AC3E}">
-        <p14:creationId xmlns:p14="http://schemas.microsoft.com/office/powerpoint/2010/main" val="1983527589"/>
+        <p14:creationId xmlns:p14="http://schemas.microsoft.com/office/powerpoint/2010/main" val="3409810465"/>
       </p:ext>
     </p:extLst>
   </p:cSld>
@@ -6566,6 +6545,212 @@
           <a:p>
             <a:pPr algn="ctr"/>
             <a:r>
+              <a:rPr lang="en-GB" b="1" dirty="0" smtClean="0"/>
+              <a:t>Next </a:t>
+            </a:r>
+            <a:r>
+              <a:rPr lang="en-GB" b="1" dirty="0"/>
+              <a:t>steps (8/3/19)</a:t>
+            </a:r>
+          </a:p>
+        </p:txBody>
+      </p:sp>
+      <p:sp>
+        <p:nvSpPr>
+          <p:cNvPr id="3" name="Content Placeholder 2"/>
+          <p:cNvSpPr>
+            <a:spLocks noGrp="1"/>
+          </p:cNvSpPr>
+          <p:nvPr>
+            <p:ph idx="1"/>
+          </p:nvPr>
+        </p:nvSpPr>
+        <p:spPr/>
+        <p:txBody>
+          <a:bodyPr/>
+          <a:lstStyle/>
+          <a:p>
+            <a:r>
+              <a:rPr lang="en-GB" dirty="0" smtClean="0"/>
+              <a:t>Cohort-level QC, esp. MAF and INFO score.</a:t>
+            </a:r>
+          </a:p>
+          <a:p>
+            <a:r>
+              <a:rPr lang="en-GB" dirty="0" smtClean="0"/>
+              <a:t>Meta-analysis for all cohorts (leaving out RECOMBINE?), including Q-Q/Manhattan/forest/</a:t>
+            </a:r>
+            <a:r>
+              <a:rPr lang="en-GB" dirty="0" err="1" smtClean="0"/>
+              <a:t>LocusZoom</a:t>
+            </a:r>
+            <a:r>
+              <a:rPr lang="en-GB" dirty="0" smtClean="0"/>
+              <a:t>/chord plots – with cis/trans regions when appropriate.</a:t>
+            </a:r>
+          </a:p>
+          <a:p>
+            <a:r>
+              <a:rPr lang="en-GB" dirty="0" smtClean="0"/>
+              <a:t>To corroborate PLINK –clump with GCTA –</a:t>
+            </a:r>
+            <a:r>
+              <a:rPr lang="en-GB" dirty="0" err="1" smtClean="0"/>
+              <a:t>cojo-slct</a:t>
+            </a:r>
+            <a:r>
+              <a:rPr lang="en-GB" dirty="0" smtClean="0"/>
+              <a:t>.</a:t>
+            </a:r>
+          </a:p>
+          <a:p>
+            <a:r>
+              <a:rPr lang="en-GB" dirty="0" smtClean="0"/>
+              <a:t>Replication?</a:t>
+            </a:r>
+          </a:p>
+          <a:p>
+            <a:r>
+              <a:rPr lang="en-GB" dirty="0" smtClean="0"/>
+              <a:t>Downstream analysis, e.g., </a:t>
+            </a:r>
+            <a:r>
+              <a:rPr lang="en-GB" dirty="0" err="1" smtClean="0"/>
+              <a:t>phenoscanner</a:t>
+            </a:r>
+            <a:r>
+              <a:rPr lang="en-GB" dirty="0" smtClean="0"/>
+              <a:t>, MR, GSEA/pathway.</a:t>
+            </a:r>
+            <a:endParaRPr lang="en-GB" dirty="0"/>
+          </a:p>
+        </p:txBody>
+      </p:sp>
+    </p:spTree>
+    <p:extLst>
+      <p:ext uri="{BB962C8B-B14F-4D97-AF65-F5344CB8AC3E}">
+        <p14:creationId xmlns:p14="http://schemas.microsoft.com/office/powerpoint/2010/main" val="1695469006"/>
+      </p:ext>
+    </p:extLst>
+  </p:cSld>
+  <p:clrMapOvr>
+    <a:masterClrMapping/>
+  </p:clrMapOvr>
+</p:sld>
+</file>
+
+<file path=ppt/slides/slide21.xml><?xml version="1.0" encoding="utf-8"?>
+<p:sld xmlns:a="http://schemas.openxmlformats.org/drawingml/2006/main" xmlns:r="http://schemas.openxmlformats.org/officeDocument/2006/relationships" xmlns:p="http://schemas.openxmlformats.org/presentationml/2006/main">
+  <p:cSld>
+    <p:spTree>
+      <p:nvGrpSpPr>
+        <p:cNvPr id="1" name=""/>
+        <p:cNvGrpSpPr/>
+        <p:nvPr/>
+      </p:nvGrpSpPr>
+      <p:grpSpPr>
+        <a:xfrm>
+          <a:off x="0" y="0"/>
+          <a:ext cx="0" cy="0"/>
+          <a:chOff x="0" y="0"/>
+          <a:chExt cx="0" cy="0"/>
+        </a:xfrm>
+      </p:grpSpPr>
+      <p:sp>
+        <p:nvSpPr>
+          <p:cNvPr id="2" name="Title 1"/>
+          <p:cNvSpPr>
+            <a:spLocks noGrp="1"/>
+          </p:cNvSpPr>
+          <p:nvPr>
+            <p:ph type="title"/>
+          </p:nvPr>
+        </p:nvSpPr>
+        <p:spPr/>
+        <p:txBody>
+          <a:bodyPr/>
+          <a:lstStyle/>
+          <a:p>
+            <a:pPr algn="ctr"/>
+            <a:r>
+              <a:rPr lang="en-GB" b="1" dirty="0" smtClean="0"/>
+              <a:t>Manhattan plots</a:t>
+            </a:r>
+            <a:endParaRPr lang="en-GB" b="1" dirty="0"/>
+          </a:p>
+        </p:txBody>
+      </p:sp>
+      <p:pic>
+        <p:nvPicPr>
+          <p:cNvPr id="6" name="Picture 5"/>
+          <p:cNvPicPr>
+            <a:picLocks noChangeAspect="1"/>
+          </p:cNvPicPr>
+          <p:nvPr/>
+        </p:nvPicPr>
+        <p:blipFill>
+          <a:blip r:embed="rId2"/>
+          <a:stretch>
+            <a:fillRect/>
+          </a:stretch>
+        </p:blipFill>
+        <p:spPr>
+          <a:xfrm>
+            <a:off x="1328446" y="1842264"/>
+            <a:ext cx="9685493" cy="4584669"/>
+          </a:xfrm>
+          <a:prstGeom prst="rect">
+            <a:avLst/>
+          </a:prstGeom>
+        </p:spPr>
+      </p:pic>
+    </p:spTree>
+    <p:extLst>
+      <p:ext uri="{BB962C8B-B14F-4D97-AF65-F5344CB8AC3E}">
+        <p14:creationId xmlns:p14="http://schemas.microsoft.com/office/powerpoint/2010/main" val="1983527589"/>
+      </p:ext>
+    </p:extLst>
+  </p:cSld>
+  <p:clrMapOvr>
+    <a:masterClrMapping/>
+  </p:clrMapOvr>
+</p:sld>
+</file>
+
+<file path=ppt/slides/slide22.xml><?xml version="1.0" encoding="utf-8"?>
+<p:sld xmlns:a="http://schemas.openxmlformats.org/drawingml/2006/main" xmlns:r="http://schemas.openxmlformats.org/officeDocument/2006/relationships" xmlns:p="http://schemas.openxmlformats.org/presentationml/2006/main">
+  <p:cSld>
+    <p:spTree>
+      <p:nvGrpSpPr>
+        <p:cNvPr id="1" name=""/>
+        <p:cNvGrpSpPr/>
+        <p:nvPr/>
+      </p:nvGrpSpPr>
+      <p:grpSpPr>
+        <a:xfrm>
+          <a:off x="0" y="0"/>
+          <a:ext cx="0" cy="0"/>
+          <a:chOff x="0" y="0"/>
+          <a:chExt cx="0" cy="0"/>
+        </a:xfrm>
+      </p:grpSpPr>
+      <p:sp>
+        <p:nvSpPr>
+          <p:cNvPr id="2" name="Title 1"/>
+          <p:cNvSpPr>
+            <a:spLocks noGrp="1"/>
+          </p:cNvSpPr>
+          <p:nvPr>
+            <p:ph type="title"/>
+          </p:nvPr>
+        </p:nvSpPr>
+        <p:spPr/>
+        <p:txBody>
+          <a:bodyPr/>
+          <a:lstStyle/>
+          <a:p>
+            <a:pPr algn="ctr"/>
+            <a:r>
               <a:rPr lang="en-GB" dirty="0" smtClean="0"/>
               <a:t>Q-Q plot</a:t>
             </a:r>
@@ -6610,7 +6795,7 @@
 </p:sld>
 </file>
 
-<file path=ppt/slides/slide21.xml><?xml version="1.0" encoding="utf-8"?>
+<file path=ppt/slides/slide23.xml><?xml version="1.0" encoding="utf-8"?>
 <p:sld xmlns:a="http://schemas.openxmlformats.org/drawingml/2006/main" xmlns:r="http://schemas.openxmlformats.org/officeDocument/2006/relationships" xmlns:p="http://schemas.openxmlformats.org/presentationml/2006/main">
   <p:cSld>
     <p:spTree>
@@ -8728,11 +8913,7 @@
             <a:pPr lvl="1"/>
             <a:r>
               <a:rPr lang="en-GB" dirty="0" smtClean="0"/>
-              <a:t>clumping/ on PLINK –clump </a:t>
-            </a:r>
-            <a:r>
-              <a:rPr lang="en-GB" dirty="0" smtClean="0"/>
-              <a:t>analysis + forest </a:t>
+              <a:t>clumping/ on PLINK –clump analysis + forest </a:t>
             </a:r>
             <a:r>
               <a:rPr lang="en-GB" dirty="0"/>
@@ -8742,7 +8923,6 @@
               <a:rPr lang="en-GB" dirty="0" smtClean="0"/>
               <a:t>INF1.UK10K+1KG.r2-0.fp.pdf)</a:t>
             </a:r>
-            <a:endParaRPr lang="en-GB" dirty="0" smtClean="0"/>
           </a:p>
           <a:p>
             <a:pPr lvl="1"/>

--- a/doc/SCALLOP_INF1-120419.pptx
+++ b/doc/SCALLOP_INF1-120419.pptx
@@ -16,8 +16,8 @@
     <p:sldId id="280" r:id="rId10"/>
     <p:sldId id="285" r:id="rId11"/>
     <p:sldId id="284" r:id="rId12"/>
-    <p:sldId id="282" r:id="rId13"/>
-    <p:sldId id="283" r:id="rId14"/>
+    <p:sldId id="286" r:id="rId13"/>
+    <p:sldId id="287" r:id="rId14"/>
     <p:sldId id="277" r:id="rId15"/>
     <p:sldId id="272" r:id="rId16"/>
     <p:sldId id="265" r:id="rId17"/>
@@ -3432,10 +3432,9 @@
           </a:p>
           <a:p>
             <a:r>
-              <a:rPr lang="en-GB" dirty="0" smtClean="0"/>
+              <a:rPr lang="en-GB" dirty="0"/>
               <a:t>12/4/2019</a:t>
             </a:r>
-            <a:endParaRPr lang="en-GB" dirty="0"/>
           </a:p>
         </p:txBody>
       </p:sp>
@@ -3491,10 +3490,9 @@
           <a:p>
             <a:pPr algn="ctr"/>
             <a:r>
-              <a:rPr lang="en-GB" b="1" dirty="0" smtClean="0"/>
+              <a:rPr lang="en-GB" b="1" dirty="0"/>
               <a:t>OPG Manhattan plot</a:t>
             </a:r>
-            <a:endParaRPr lang="en-GB" b="1" dirty="0"/>
           </a:p>
         </p:txBody>
       </p:sp>
@@ -3579,10 +3577,9 @@
           <a:p>
             <a:pPr algn="ctr"/>
             <a:r>
-              <a:rPr lang="en-GB" b="1" dirty="0" smtClean="0"/>
+              <a:rPr lang="en-GB" b="1" dirty="0"/>
               <a:t>OPG Q-Q plot</a:t>
             </a:r>
-            <a:endParaRPr lang="en-GB" b="1" dirty="0"/>
           </a:p>
         </p:txBody>
       </p:sp>
@@ -3650,7 +3647,13 @@
       </p:grpSpPr>
       <p:sp>
         <p:nvSpPr>
-          <p:cNvPr id="2" name="Title 1"/>
+          <p:cNvPr id="2" name="Title 1">
+            <a:extLst>
+              <a:ext uri="{FF2B5EF4-FFF2-40B4-BE49-F238E27FC236}">
+                <a16:creationId xmlns:a16="http://schemas.microsoft.com/office/drawing/2014/main" id="{444FFAF5-994F-4468-A1A8-B6A0B0A455DA}"/>
+              </a:ext>
+            </a:extLst>
+          </p:cNvPr>
           <p:cNvSpPr>
             <a:spLocks noGrp="1"/>
           </p:cNvSpPr>
@@ -3658,32 +3661,29 @@
             <p:ph type="title"/>
           </p:nvPr>
         </p:nvSpPr>
-        <p:spPr>
-          <a:xfrm>
-            <a:off x="838200" y="365125"/>
-            <a:ext cx="5405846" cy="1325563"/>
-          </a:xfrm>
-        </p:spPr>
+        <p:spPr/>
         <p:txBody>
           <a:bodyPr/>
           <a:lstStyle/>
           <a:p>
             <a:pPr algn="ctr"/>
             <a:r>
-              <a:rPr lang="en-GB" b="1" dirty="0" smtClean="0"/>
-              <a:t>OPG </a:t>
-            </a:r>
-            <a:r>
-              <a:rPr lang="en-GB" b="1" dirty="0" smtClean="0"/>
-              <a:t>forest plot</a:t>
-            </a:r>
-            <a:endParaRPr lang="en-GB" b="1" dirty="0"/>
+              <a:rPr lang="en-GB" b="1" dirty="0"/>
+              <a:t>OPG forest plot (chr8)</a:t>
+            </a:r>
+            <a:endParaRPr lang="en-GB" dirty="0"/>
           </a:p>
         </p:txBody>
       </p:sp>
       <p:pic>
         <p:nvPicPr>
-          <p:cNvPr id="4" name="Content Placeholder 3"/>
+          <p:cNvPr id="5" name="Content Placeholder 4">
+            <a:extLst>
+              <a:ext uri="{FF2B5EF4-FFF2-40B4-BE49-F238E27FC236}">
+                <a16:creationId xmlns:a16="http://schemas.microsoft.com/office/drawing/2014/main" id="{A07A1DD0-660D-46F3-9343-08466C095A39}"/>
+              </a:ext>
+            </a:extLst>
+          </p:cNvPr>
           <p:cNvPicPr>
             <a:picLocks noGrp="1" noChangeAspect="1"/>
           </p:cNvPicPr>
@@ -3692,7 +3692,7 @@
           </p:nvPr>
         </p:nvPicPr>
         <p:blipFill>
-          <a:blip r:embed="rId2" cstate="hqprint">
+          <a:blip r:embed="rId2">
             <a:extLst>
               <a:ext uri="{28A0092B-C50C-407E-A947-70E740481C1C}">
                 <a14:useLocalDpi xmlns:a14="http://schemas.microsoft.com/office/drawing/2010/main" val="0"/>
@@ -3705,45 +3705,15 @@
         </p:blipFill>
         <p:spPr>
           <a:xfrm>
-            <a:off x="0" y="1416617"/>
-            <a:ext cx="5441383" cy="5441383"/>
+            <a:off x="917448" y="1323762"/>
+            <a:ext cx="10149840" cy="5534238"/>
           </a:xfrm>
-        </p:spPr>
-      </p:pic>
-      <p:pic>
-        <p:nvPicPr>
-          <p:cNvPr id="5" name="Picture 4"/>
-          <p:cNvPicPr>
-            <a:picLocks noChangeAspect="1"/>
-          </p:cNvPicPr>
-          <p:nvPr/>
-        </p:nvPicPr>
-        <p:blipFill>
-          <a:blip r:embed="rId3" cstate="print">
-            <a:extLst>
-              <a:ext uri="{28A0092B-C50C-407E-A947-70E740481C1C}">
-                <a14:useLocalDpi xmlns:a14="http://schemas.microsoft.com/office/drawing/2010/main" val="0"/>
-              </a:ext>
-            </a:extLst>
-          </a:blip>
-          <a:stretch>
-            <a:fillRect/>
-          </a:stretch>
-        </p:blipFill>
-        <p:spPr>
-          <a:xfrm>
-            <a:off x="5558245" y="-87086"/>
-            <a:ext cx="6858000" cy="6858000"/>
-          </a:xfrm>
-          <a:prstGeom prst="rect">
-            <a:avLst/>
-          </a:prstGeom>
         </p:spPr>
       </p:pic>
     </p:spTree>
     <p:extLst>
       <p:ext uri="{BB962C8B-B14F-4D97-AF65-F5344CB8AC3E}">
-        <p14:creationId xmlns:p14="http://schemas.microsoft.com/office/powerpoint/2010/main" val="1196687135"/>
+        <p14:creationId xmlns:p14="http://schemas.microsoft.com/office/powerpoint/2010/main" val="2359080904"/>
       </p:ext>
     </p:extLst>
   </p:cSld>
@@ -3772,7 +3742,13 @@
       </p:grpSpPr>
       <p:sp>
         <p:nvSpPr>
-          <p:cNvPr id="2" name="Title 1"/>
+          <p:cNvPr id="2" name="Title 1">
+            <a:extLst>
+              <a:ext uri="{FF2B5EF4-FFF2-40B4-BE49-F238E27FC236}">
+                <a16:creationId xmlns:a16="http://schemas.microsoft.com/office/drawing/2014/main" id="{212819E8-8EB2-4497-862D-5FCFEF046FF5}"/>
+              </a:ext>
+            </a:extLst>
+          </p:cNvPr>
           <p:cNvSpPr>
             <a:spLocks noGrp="1"/>
           </p:cNvSpPr>
@@ -3780,32 +3756,29 @@
             <p:ph type="title"/>
           </p:nvPr>
         </p:nvSpPr>
-        <p:spPr>
-          <a:xfrm>
-            <a:off x="838200" y="365125"/>
-            <a:ext cx="3664131" cy="1325563"/>
-          </a:xfrm>
-        </p:spPr>
+        <p:spPr/>
         <p:txBody>
           <a:bodyPr/>
           <a:lstStyle/>
           <a:p>
             <a:pPr algn="ctr"/>
             <a:r>
-              <a:rPr lang="en-GB" b="1" dirty="0" smtClean="0"/>
-              <a:t>OPG </a:t>
-            </a:r>
-            <a:r>
-              <a:rPr lang="en-GB" b="1" dirty="0" smtClean="0"/>
-              <a:t>forest plot</a:t>
-            </a:r>
-            <a:endParaRPr lang="en-GB" b="1" dirty="0"/>
+              <a:rPr lang="en-GB" b="1" dirty="0"/>
+              <a:t>OPG forest plot (chr17)</a:t>
+            </a:r>
+            <a:endParaRPr lang="en-GB" dirty="0"/>
           </a:p>
         </p:txBody>
       </p:sp>
       <p:pic>
         <p:nvPicPr>
-          <p:cNvPr id="4" name="Content Placeholder 3"/>
+          <p:cNvPr id="5" name="Content Placeholder 4">
+            <a:extLst>
+              <a:ext uri="{FF2B5EF4-FFF2-40B4-BE49-F238E27FC236}">
+                <a16:creationId xmlns:a16="http://schemas.microsoft.com/office/drawing/2014/main" id="{23B53529-B7FB-42CC-8A82-9505A02FB2D0}"/>
+              </a:ext>
+            </a:extLst>
+          </p:cNvPr>
           <p:cNvPicPr>
             <a:picLocks noGrp="1" noChangeAspect="1"/>
           </p:cNvPicPr>
@@ -3814,7 +3787,7 @@
           </p:nvPr>
         </p:nvPicPr>
         <p:blipFill>
-          <a:blip r:embed="rId2" cstate="hqprint">
+          <a:blip r:embed="rId2">
             <a:extLst>
               <a:ext uri="{28A0092B-C50C-407E-A947-70E740481C1C}">
                 <a14:useLocalDpi xmlns:a14="http://schemas.microsoft.com/office/drawing/2010/main" val="0"/>
@@ -3827,45 +3800,15 @@
         </p:blipFill>
         <p:spPr>
           <a:xfrm>
-            <a:off x="1" y="1336471"/>
-            <a:ext cx="5334000" cy="5573486"/>
+            <a:off x="707136" y="1365504"/>
+            <a:ext cx="10741152" cy="5432406"/>
           </a:xfrm>
-        </p:spPr>
-      </p:pic>
-      <p:pic>
-        <p:nvPicPr>
-          <p:cNvPr id="5" name="Picture 4"/>
-          <p:cNvPicPr>
-            <a:picLocks noChangeAspect="1"/>
-          </p:cNvPicPr>
-          <p:nvPr/>
-        </p:nvPicPr>
-        <p:blipFill>
-          <a:blip r:embed="rId3" cstate="print">
-            <a:extLst>
-              <a:ext uri="{28A0092B-C50C-407E-A947-70E740481C1C}">
-                <a14:useLocalDpi xmlns:a14="http://schemas.microsoft.com/office/drawing/2010/main" val="0"/>
-              </a:ext>
-            </a:extLst>
-          </a:blip>
-          <a:stretch>
-            <a:fillRect/>
-          </a:stretch>
-        </p:blipFill>
-        <p:spPr>
-          <a:xfrm>
-            <a:off x="5334000" y="-4354"/>
-            <a:ext cx="6858000" cy="6862354"/>
-          </a:xfrm>
-          <a:prstGeom prst="rect">
-            <a:avLst/>
-          </a:prstGeom>
         </p:spPr>
       </p:pic>
     </p:spTree>
     <p:extLst>
       <p:ext uri="{BB962C8B-B14F-4D97-AF65-F5344CB8AC3E}">
-        <p14:creationId xmlns:p14="http://schemas.microsoft.com/office/powerpoint/2010/main" val="4186901552"/>
+        <p14:creationId xmlns:p14="http://schemas.microsoft.com/office/powerpoint/2010/main" val="4107591680"/>
       </p:ext>
     </p:extLst>
   </p:cSld>
@@ -3909,10 +3852,9 @@
           <a:p>
             <a:pPr algn="ctr"/>
             <a:r>
-              <a:rPr lang="en-GB" b="1" dirty="0" smtClean="0"/>
+              <a:rPr lang="en-GB" b="1" dirty="0"/>
               <a:t>A general sketch of analysis</a:t>
             </a:r>
-            <a:endParaRPr lang="en-GB" b="1" dirty="0"/>
           </a:p>
         </p:txBody>
       </p:sp>
@@ -3932,47 +3874,41 @@
           <a:lstStyle/>
           <a:p>
             <a:r>
-              <a:rPr lang="en-GB" dirty="0" smtClean="0"/>
+              <a:rPr lang="en-GB" dirty="0"/>
               <a:t>Discovery, replication – INTERVAL, meta-analysis, NSPHS.</a:t>
             </a:r>
           </a:p>
           <a:p>
             <a:r>
-              <a:rPr lang="en-GB" dirty="0" smtClean="0"/>
+              <a:rPr lang="en-GB" dirty="0"/>
               <a:t>GCTA –</a:t>
             </a:r>
             <a:r>
-              <a:rPr lang="en-GB" dirty="0" err="1" smtClean="0"/>
+              <a:rPr lang="en-GB" dirty="0" err="1"/>
               <a:t>cojo</a:t>
             </a:r>
             <a:r>
               <a:rPr lang="en-GB" dirty="0"/>
-              <a:t> </a:t>
-            </a:r>
-            <a:r>
-              <a:rPr lang="en-GB" dirty="0" smtClean="0"/>
-              <a:t>analysis.</a:t>
-            </a:r>
-          </a:p>
-          <a:p>
-            <a:r>
-              <a:rPr lang="en-GB" dirty="0" smtClean="0"/>
+              <a:t> analysis.</a:t>
+            </a:r>
+          </a:p>
+          <a:p>
+            <a:r>
+              <a:rPr lang="en-GB" dirty="0"/>
               <a:t>Power issues – plots of effect size from INTERVAL vs INF1 are helpful.</a:t>
             </a:r>
-            <a:endParaRPr lang="en-GB" dirty="0"/>
-          </a:p>
-          <a:p>
-            <a:r>
-              <a:rPr lang="en-GB" dirty="0" smtClean="0"/>
+          </a:p>
+          <a:p>
+            <a:r>
+              <a:rPr lang="en-GB" dirty="0"/>
               <a:t>Additional information on genotyping and cohort characteristics needs to be requested.</a:t>
             </a:r>
           </a:p>
           <a:p>
             <a:r>
-              <a:rPr lang="en-GB" dirty="0" smtClean="0"/>
+              <a:rPr lang="en-GB" dirty="0"/>
               <a:t>Elementary summary statistics such as h2 from INTERVAL, with KORA relatively small for GCTA and possibly with INF1 for HESS.</a:t>
             </a:r>
-            <a:endParaRPr lang="en-GB" dirty="0"/>
           </a:p>
         </p:txBody>
       </p:sp>
@@ -4023,10 +3959,9 @@
           <a:p>
             <a:pPr algn="ctr"/>
             <a:r>
-              <a:rPr lang="en-GB" b="1" dirty="0" smtClean="0"/>
+              <a:rPr lang="en-GB" b="1" dirty="0"/>
               <a:t>Landmarks</a:t>
             </a:r>
-            <a:endParaRPr lang="en-GB" b="1" dirty="0"/>
           </a:p>
         </p:txBody>
       </p:sp>
@@ -4046,38 +3981,37 @@
           <a:lstStyle/>
           <a:p>
             <a:r>
-              <a:rPr lang="en-GB" dirty="0" smtClean="0"/>
+              <a:rPr lang="en-GB" dirty="0"/>
               <a:t>27/3/19 – cross-reference with INTERVAL on INTERVAL genotype data, which showed great similarity with INF1, esp. w.r.t. cis signals.</a:t>
             </a:r>
           </a:p>
           <a:p>
             <a:r>
-              <a:rPr lang="en-GB" dirty="0" smtClean="0"/>
+              <a:rPr lang="en-GB" dirty="0"/>
               <a:t>8/3/19 – Recognition of MAF </a:t>
             </a:r>
             <a:r>
-              <a:rPr lang="en-GB" dirty="0" err="1" smtClean="0"/>
+              <a:rPr lang="en-GB" dirty="0" err="1"/>
               <a:t>cutoff</a:t>
             </a:r>
             <a:r>
-              <a:rPr lang="en-GB" dirty="0" smtClean="0"/>
+              <a:rPr lang="en-GB" dirty="0"/>
               <a:t> on </a:t>
             </a:r>
             <a:r>
-              <a:rPr lang="en-GB" dirty="0" err="1" smtClean="0"/>
+              <a:rPr lang="en-GB" dirty="0" err="1"/>
               <a:t>IFN.gamma</a:t>
             </a:r>
             <a:r>
-              <a:rPr lang="en-GB" dirty="0" smtClean="0"/>
+              <a:rPr lang="en-GB" dirty="0"/>
               <a:t>, IL.22.RA1, TSLP.</a:t>
             </a:r>
           </a:p>
           <a:p>
             <a:r>
-              <a:rPr lang="en-GB" dirty="0" smtClean="0"/>
+              <a:rPr lang="en-GB" dirty="0"/>
               <a:t>29/11/18 – 22 proteins with busy Manhattan plots.</a:t>
             </a:r>
-            <a:endParaRPr lang="en-GB" dirty="0"/>
           </a:p>
         </p:txBody>
       </p:sp>
@@ -4128,18 +4062,9 @@
           <a:p>
             <a:pPr algn="ctr"/>
             <a:r>
-              <a:rPr lang="en-GB" b="1" dirty="0" smtClean="0"/>
-              <a:t>A </a:t>
-            </a:r>
-            <a:r>
               <a:rPr lang="en-GB" b="1" dirty="0"/>
-              <a:t>brief summary (</a:t>
-            </a:r>
-            <a:r>
-              <a:rPr lang="en-GB" b="1" dirty="0" smtClean="0"/>
-              <a:t>29/11/18)</a:t>
-            </a:r>
-            <a:endParaRPr lang="en-GB" b="1" dirty="0"/>
+              <a:t>A brief summary (29/11/18)</a:t>
+            </a:r>
           </a:p>
         </p:txBody>
       </p:sp>
@@ -4244,18 +4169,9 @@
           <a:p>
             <a:pPr algn="ctr"/>
             <a:r>
-              <a:rPr lang="en-GB" b="1" dirty="0" smtClean="0"/>
-              <a:t>On </a:t>
-            </a:r>
-            <a:r>
               <a:rPr lang="en-GB" b="1" dirty="0"/>
-              <a:t>next steps (</a:t>
-            </a:r>
-            <a:r>
-              <a:rPr lang="en-GB" b="1" dirty="0" smtClean="0"/>
-              <a:t>29/11/18)</a:t>
-            </a:r>
-            <a:endParaRPr lang="en-GB" b="1" dirty="0"/>
+              <a:t>On next steps (29/11/18)</a:t>
+            </a:r>
           </a:p>
         </p:txBody>
       </p:sp>
@@ -4408,26 +4324,9 @@
           <a:p>
             <a:pPr algn="ctr"/>
             <a:r>
-              <a:rPr lang="en-GB" b="1" dirty="0" smtClean="0"/>
-              <a:t>Updates </a:t>
-            </a:r>
-            <a:r>
               <a:rPr lang="en-GB" b="1" dirty="0"/>
-              <a:t>I </a:t>
-            </a:r>
-            <a:r>
-              <a:rPr lang="en-GB" b="1" dirty="0" smtClean="0"/>
-              <a:t>(</a:t>
-            </a:r>
-            <a:r>
-              <a:rPr lang="en-GB" b="1" dirty="0"/>
-              <a:t>8</a:t>
-            </a:r>
-            <a:r>
-              <a:rPr lang="en-GB" b="1" dirty="0" smtClean="0"/>
-              <a:t>/3/19)</a:t>
-            </a:r>
-            <a:endParaRPr lang="en-GB" b="1" dirty="0"/>
+              <a:t>Updates I (8/3/19)</a:t>
+            </a:r>
           </a:p>
         </p:txBody>
       </p:sp>
@@ -4455,100 +4354,95 @@
           <a:lstStyle/>
           <a:p>
             <a:r>
-              <a:rPr lang="en-GB" dirty="0" smtClean="0"/>
+              <a:rPr lang="en-GB" dirty="0"/>
               <a:t>29 chromosomes remain to be analysed for KORA + ARTN reanalysing at TRYGGVE (smaller size). normalised level ~ age+sex+PC1-5+genotype under additive model with SNPTEST.</a:t>
             </a:r>
           </a:p>
           <a:p>
             <a:r>
-              <a:rPr lang="en-GB" dirty="0" err="1" smtClean="0"/>
+              <a:rPr lang="en-GB" dirty="0" err="1"/>
               <a:t>BioFinder</a:t>
             </a:r>
             <a:r>
-              <a:rPr lang="en-GB" dirty="0" smtClean="0"/>
+              <a:rPr lang="en-GB" dirty="0"/>
               <a:t>, </a:t>
             </a:r>
             <a:r>
-              <a:rPr lang="en-GB" dirty="0" err="1" smtClean="0"/>
+              <a:rPr lang="en-GB" dirty="0" err="1"/>
               <a:t>MadCam</a:t>
             </a:r>
             <a:r>
-              <a:rPr lang="en-GB" dirty="0" smtClean="0"/>
+              <a:rPr lang="en-GB" dirty="0"/>
               <a:t> and RECOMBINE were available – these were from Anders beside STANLEY lah1/swe6 with </a:t>
             </a:r>
             <a:r>
-              <a:rPr lang="en-GB" dirty="0" err="1" smtClean="0"/>
+              <a:rPr lang="en-GB" dirty="0" err="1"/>
               <a:t>qctool</a:t>
             </a:r>
             <a:r>
-              <a:rPr lang="en-GB" dirty="0" smtClean="0"/>
+              <a:rPr lang="en-GB" dirty="0"/>
               <a:t> –</a:t>
             </a:r>
             <a:r>
-              <a:rPr lang="en-GB" dirty="0" err="1" smtClean="0"/>
+              <a:rPr lang="en-GB" dirty="0" err="1"/>
               <a:t>snp</a:t>
             </a:r>
             <a:r>
-              <a:rPr lang="en-GB" dirty="0" smtClean="0"/>
+              <a:rPr lang="en-GB" dirty="0"/>
               <a:t>-stats pending while </a:t>
             </a:r>
             <a:r>
-              <a:rPr lang="en-GB" dirty="0" err="1" smtClean="0"/>
+              <a:rPr lang="en-GB" dirty="0" err="1"/>
               <a:t>MadCam</a:t>
             </a:r>
             <a:r>
-              <a:rPr lang="en-GB" dirty="0" smtClean="0"/>
+              <a:rPr lang="en-GB" dirty="0"/>
               <a:t> has RSQ_IMP.</a:t>
             </a:r>
           </a:p>
           <a:p>
             <a:r>
-              <a:rPr lang="en-GB" dirty="0" smtClean="0"/>
+              <a:rPr lang="en-GB" dirty="0"/>
               <a:t>NSPHS has PLINK results but no </a:t>
             </a:r>
             <a:r>
-              <a:rPr lang="en-GB" dirty="0" err="1" smtClean="0"/>
+              <a:rPr lang="en-GB" dirty="0" err="1"/>
               <a:t>qctool</a:t>
             </a:r>
             <a:r>
-              <a:rPr lang="en-GB" dirty="0" smtClean="0"/>
+              <a:rPr lang="en-GB" dirty="0"/>
               <a:t> -</a:t>
             </a:r>
             <a:r>
-              <a:rPr lang="en-GB" dirty="0" err="1" smtClean="0"/>
+              <a:rPr lang="en-GB" dirty="0" err="1"/>
               <a:t>snp</a:t>
             </a:r>
             <a:r>
-              <a:rPr lang="en-GB" dirty="0" smtClean="0"/>
+              <a:rPr lang="en-GB" dirty="0"/>
               <a:t>-stats (in touch with </a:t>
             </a:r>
             <a:r>
               <a:rPr lang="en-US" dirty="0"/>
-              <a:t>Åsa Johansson </a:t>
-            </a:r>
-            <a:r>
-              <a:rPr lang="en-US" dirty="0" smtClean="0"/>
-              <a:t>on 21/2</a:t>
-            </a:r>
-            <a:r>
-              <a:rPr lang="en-GB" dirty="0" smtClean="0"/>
+              <a:t>Åsa Johansson on 21/2</a:t>
+            </a:r>
+            <a:r>
+              <a:rPr lang="en-GB" dirty="0"/>
               <a:t>).</a:t>
             </a:r>
           </a:p>
           <a:p>
             <a:r>
-              <a:rPr lang="en-GB" dirty="0" smtClean="0"/>
+              <a:rPr lang="en-GB" dirty="0"/>
               <a:t>The number of problematic proteins was reduced from 22 to three, </a:t>
             </a:r>
             <a:r>
-              <a:rPr lang="en-GB" dirty="0" err="1" smtClean="0"/>
+              <a:rPr lang="en-GB" dirty="0" err="1"/>
               <a:t>IFN.gamma</a:t>
             </a:r>
             <a:r>
-              <a:rPr lang="en-GB" dirty="0" smtClean="0"/>
+              <a:rPr lang="en-GB" dirty="0"/>
               <a:t>, IL.22.RA1 and TSLP and then none with MAF set to MAF&gt;0.1 for STABILITY (N=2,951), second to INTERVAL (N=4,996).</a:t>
             </a:r>
-            <a:endParaRPr lang="en-GB" dirty="0"/>
           </a:p>
         </p:txBody>
       </p:sp>
@@ -4599,12 +4493,8 @@
           <a:p>
             <a:pPr algn="ctr"/>
             <a:r>
-              <a:rPr lang="en-GB" b="1" dirty="0" smtClean="0"/>
-              <a:t>Updates </a:t>
-            </a:r>
-            <a:r>
               <a:rPr lang="en-GB" b="1" dirty="0"/>
-              <a:t>II (8/3/19)</a:t>
+              <a:t>Updates II (8/3/19)</a:t>
             </a:r>
           </a:p>
         </p:txBody>
@@ -4625,52 +4515,51 @@
           <a:lstStyle/>
           <a:p>
             <a:r>
-              <a:rPr lang="en-GB" dirty="0" smtClean="0"/>
+              <a:rPr lang="en-GB" dirty="0"/>
               <a:t>STANLEY added to meta-</a:t>
             </a:r>
             <a:r>
-              <a:rPr lang="en-GB" dirty="0" err="1" smtClean="0"/>
+              <a:rPr lang="en-GB" dirty="0" err="1"/>
               <a:t>snalysis</a:t>
             </a:r>
             <a:r>
-              <a:rPr lang="en-GB" dirty="0" smtClean="0"/>
+              <a:rPr lang="en-GB" dirty="0"/>
               <a:t> when per-SNP sample sizes are available from study description (results from PLINK dosage analysis, with INFO but no N).</a:t>
             </a:r>
           </a:p>
           <a:p>
             <a:r>
-              <a:rPr lang="en-GB" dirty="0" smtClean="0"/>
+              <a:rPr lang="en-GB" dirty="0"/>
               <a:t>INFO from </a:t>
             </a:r>
             <a:r>
-              <a:rPr lang="en-GB" dirty="0" err="1" smtClean="0"/>
+              <a:rPr lang="en-GB" dirty="0" err="1"/>
               <a:t>qctool</a:t>
             </a:r>
             <a:r>
-              <a:rPr lang="en-GB" dirty="0" smtClean="0"/>
+              <a:rPr lang="en-GB" dirty="0"/>
               <a:t> –</a:t>
             </a:r>
             <a:r>
-              <a:rPr lang="en-GB" dirty="0" err="1" smtClean="0"/>
+              <a:rPr lang="en-GB" dirty="0" err="1"/>
               <a:t>snp</a:t>
             </a:r>
             <a:r>
-              <a:rPr lang="en-GB" dirty="0" smtClean="0"/>
+              <a:rPr lang="en-GB" dirty="0"/>
               <a:t>-stats was added to INTERVAL.</a:t>
             </a:r>
           </a:p>
           <a:p>
             <a:r>
-              <a:rPr lang="en-GB" dirty="0" smtClean="0"/>
+              <a:rPr lang="en-GB" dirty="0"/>
               <a:t>Side projects: R/gap, FM-pipeline, EWAS-fusion, etc. updated and results from FM-pipeline but pending on validation.</a:t>
             </a:r>
           </a:p>
           <a:p>
             <a:r>
-              <a:rPr lang="en-GB" dirty="0" smtClean="0"/>
+              <a:rPr lang="en-GB" dirty="0"/>
               <a:t>INF1.paper.docx at INF/doc as placeholder for paper draft; cohort description needs to be added – an Excel spreadsheet was made available from the (updated) analysis plan and comments are welcome to consolidate.</a:t>
             </a:r>
-            <a:endParaRPr lang="en-GB" dirty="0"/>
           </a:p>
         </p:txBody>
       </p:sp>
@@ -4726,10 +4615,9 @@
           <a:p>
             <a:pPr algn="ctr"/>
             <a:r>
-              <a:rPr lang="en-GB" b="1" dirty="0" smtClean="0"/>
+              <a:rPr lang="en-GB" b="1" dirty="0"/>
               <a:t>Studies</a:t>
             </a:r>
-            <a:endParaRPr lang="en-GB" b="1" dirty="0"/>
           </a:p>
         </p:txBody>
       </p:sp>
@@ -6545,12 +6433,8 @@
           <a:p>
             <a:pPr algn="ctr"/>
             <a:r>
-              <a:rPr lang="en-GB" b="1" dirty="0" smtClean="0"/>
-              <a:t>Next </a:t>
-            </a:r>
-            <a:r>
               <a:rPr lang="en-GB" b="1" dirty="0"/>
-              <a:t>steps (8/3/19)</a:t>
+              <a:t>Next steps (8/3/19)</a:t>
             </a:r>
           </a:p>
         </p:txBody>
@@ -6571,58 +6455,57 @@
           <a:lstStyle/>
           <a:p>
             <a:r>
-              <a:rPr lang="en-GB" dirty="0" smtClean="0"/>
+              <a:rPr lang="en-GB" dirty="0"/>
               <a:t>Cohort-level QC, esp. MAF and INFO score.</a:t>
             </a:r>
           </a:p>
           <a:p>
             <a:r>
-              <a:rPr lang="en-GB" dirty="0" smtClean="0"/>
+              <a:rPr lang="en-GB" dirty="0"/>
               <a:t>Meta-analysis for all cohorts (leaving out RECOMBINE?), including Q-Q/Manhattan/forest/</a:t>
             </a:r>
             <a:r>
-              <a:rPr lang="en-GB" dirty="0" err="1" smtClean="0"/>
+              <a:rPr lang="en-GB" dirty="0" err="1"/>
               <a:t>LocusZoom</a:t>
             </a:r>
             <a:r>
-              <a:rPr lang="en-GB" dirty="0" smtClean="0"/>
+              <a:rPr lang="en-GB" dirty="0"/>
               <a:t>/chord plots – with cis/trans regions when appropriate.</a:t>
             </a:r>
           </a:p>
           <a:p>
             <a:r>
-              <a:rPr lang="en-GB" dirty="0" smtClean="0"/>
+              <a:rPr lang="en-GB" dirty="0"/>
               <a:t>To corroborate PLINK –clump with GCTA –</a:t>
             </a:r>
             <a:r>
-              <a:rPr lang="en-GB" dirty="0" err="1" smtClean="0"/>
+              <a:rPr lang="en-GB" dirty="0" err="1"/>
               <a:t>cojo-slct</a:t>
             </a:r>
             <a:r>
-              <a:rPr lang="en-GB" dirty="0" smtClean="0"/>
+              <a:rPr lang="en-GB" dirty="0"/>
               <a:t>.</a:t>
             </a:r>
           </a:p>
           <a:p>
             <a:r>
-              <a:rPr lang="en-GB" dirty="0" smtClean="0"/>
+              <a:rPr lang="en-GB" dirty="0"/>
               <a:t>Replication?</a:t>
             </a:r>
           </a:p>
           <a:p>
             <a:r>
-              <a:rPr lang="en-GB" dirty="0" smtClean="0"/>
+              <a:rPr lang="en-GB" dirty="0"/>
               <a:t>Downstream analysis, e.g., </a:t>
             </a:r>
             <a:r>
-              <a:rPr lang="en-GB" dirty="0" err="1" smtClean="0"/>
+              <a:rPr lang="en-GB" dirty="0" err="1"/>
               <a:t>phenoscanner</a:t>
             </a:r>
             <a:r>
-              <a:rPr lang="en-GB" dirty="0" smtClean="0"/>
+              <a:rPr lang="en-GB" dirty="0"/>
               <a:t>, MR, GSEA/pathway.</a:t>
             </a:r>
-            <a:endParaRPr lang="en-GB" dirty="0"/>
           </a:p>
         </p:txBody>
       </p:sp>
@@ -6673,10 +6556,9 @@
           <a:p>
             <a:pPr algn="ctr"/>
             <a:r>
-              <a:rPr lang="en-GB" b="1" dirty="0" smtClean="0"/>
+              <a:rPr lang="en-GB" b="1" dirty="0"/>
               <a:t>Manhattan plots</a:t>
             </a:r>
-            <a:endParaRPr lang="en-GB" b="1" dirty="0"/>
           </a:p>
         </p:txBody>
       </p:sp>
@@ -6751,10 +6633,9 @@
           <a:p>
             <a:pPr algn="ctr"/>
             <a:r>
-              <a:rPr lang="en-GB" dirty="0" smtClean="0"/>
+              <a:rPr lang="en-GB" dirty="0"/>
               <a:t>Q-Q plot</a:t>
             </a:r>
-            <a:endParaRPr lang="en-GB" dirty="0"/>
           </a:p>
         </p:txBody>
       </p:sp>
@@ -6829,7 +6710,7 @@
           <a:p>
             <a:pPr algn="ctr"/>
             <a:r>
-              <a:rPr lang="en-US" b="1" dirty="0" smtClean="0"/>
+              <a:rPr lang="en-US" b="1" dirty="0"/>
               <a:t>Points from discussion</a:t>
             </a:r>
             <a:r>
@@ -6857,116 +6738,112 @@
           <a:lstStyle/>
           <a:p>
             <a:r>
-              <a:rPr lang="en-US" dirty="0" smtClean="0"/>
+              <a:rPr lang="en-US" dirty="0"/>
               <a:t>Cohort-specific </a:t>
             </a:r>
             <a:r>
-              <a:rPr lang="en-US" dirty="0" err="1" smtClean="0"/>
+              <a:rPr lang="en-US" dirty="0" err="1"/>
               <a:t>sumstats</a:t>
             </a:r>
             <a:r>
-              <a:rPr lang="en-US" dirty="0" smtClean="0"/>
+              <a:rPr lang="en-US" dirty="0"/>
               <a:t> for N, MAF, HWE, INFO in </a:t>
             </a:r>
             <a:r>
-              <a:rPr lang="en-US" dirty="0" err="1" smtClean="0"/>
+              <a:rPr lang="en-US" dirty="0" err="1"/>
               <a:t>qctool</a:t>
             </a:r>
             <a:r>
-              <a:rPr lang="en-US" dirty="0" smtClean="0"/>
+              <a:rPr lang="en-US" dirty="0"/>
               <a:t> –</a:t>
             </a:r>
             <a:r>
-              <a:rPr lang="en-US" dirty="0" err="1" smtClean="0"/>
+              <a:rPr lang="en-US" dirty="0" err="1"/>
               <a:t>snp</a:t>
             </a:r>
             <a:r>
-              <a:rPr lang="en-US" dirty="0" smtClean="0"/>
+              <a:rPr lang="en-US" dirty="0"/>
               <a:t>-stats</a:t>
             </a:r>
           </a:p>
           <a:p>
             <a:r>
               <a:rPr lang="en-US" dirty="0" err="1"/>
-              <a:t>s</a:t>
-            </a:r>
-            <a:r>
-              <a:rPr lang="en-US" dirty="0" err="1" smtClean="0"/>
-              <a:t>umstats</a:t>
-            </a:r>
-            <a:r>
-              <a:rPr lang="en-US" dirty="0" smtClean="0"/>
+              <a:t>sumstats</a:t>
+            </a:r>
+            <a:r>
+              <a:rPr lang="en-US" dirty="0"/>
               <a:t>/</a:t>
             </a:r>
             <a:r>
-              <a:rPr lang="en-US" dirty="0" err="1" smtClean="0"/>
+              <a:rPr lang="en-US" dirty="0" err="1"/>
               <a:t>Mantattan</a:t>
             </a:r>
             <a:r>
-              <a:rPr lang="en-US" dirty="0" smtClean="0"/>
+              <a:rPr lang="en-US" dirty="0"/>
               <a:t> for cohorts with problematic proteins</a:t>
             </a:r>
           </a:p>
           <a:p>
             <a:r>
-              <a:rPr lang="en-US" dirty="0" smtClean="0"/>
+              <a:rPr lang="en-US" dirty="0"/>
               <a:t>Between-cohort MAF-MAF plots</a:t>
             </a:r>
           </a:p>
           <a:p>
             <a:r>
-              <a:rPr lang="en-US" dirty="0" smtClean="0"/>
+              <a:rPr lang="en-US" dirty="0"/>
               <a:t>P ~ N (for </a:t>
             </a:r>
             <a:r>
-              <a:rPr lang="en-US" dirty="0" err="1" smtClean="0"/>
+              <a:rPr lang="en-US" dirty="0" err="1"/>
               <a:t>finemapping</a:t>
             </a:r>
             <a:r>
-              <a:rPr lang="en-US" dirty="0" smtClean="0"/>
+              <a:rPr lang="en-US" dirty="0"/>
               <a:t>) and consistency, e.g. INTERVAL/STABILITY.</a:t>
             </a:r>
           </a:p>
           <a:p>
             <a:r>
-              <a:rPr lang="en-US" dirty="0" smtClean="0"/>
+              <a:rPr lang="en-US" dirty="0"/>
               <a:t>False negative for those in the CVD1 panel to </a:t>
             </a:r>
             <a:r>
-              <a:rPr lang="en-US" dirty="0" err="1" smtClean="0"/>
+              <a:rPr lang="en-US" dirty="0" err="1"/>
               <a:t>phenoscanner</a:t>
             </a:r>
-            <a:endParaRPr lang="en-US" dirty="0" smtClean="0"/>
-          </a:p>
-          <a:p>
-            <a:r>
-              <a:rPr lang="en-US" dirty="0" smtClean="0"/>
+            <a:endParaRPr lang="en-US" dirty="0"/>
+          </a:p>
+          <a:p>
+            <a:r>
+              <a:rPr lang="en-US" dirty="0"/>
               <a:t>Chr19. NLRP12 from INTERVAL`</a:t>
             </a:r>
           </a:p>
           <a:p>
             <a:r>
-              <a:rPr lang="en-US" dirty="0" smtClean="0"/>
+              <a:rPr lang="en-US" dirty="0"/>
               <a:t>RECOMBINE experiment</a:t>
             </a:r>
           </a:p>
           <a:p>
             <a:r>
-              <a:rPr lang="en-US" dirty="0" smtClean="0"/>
+              <a:rPr lang="en-US" dirty="0"/>
               <a:t>Total # signals relative to other panels</a:t>
             </a:r>
           </a:p>
           <a:p>
             <a:r>
-              <a:rPr lang="en-US" dirty="0" err="1" smtClean="0"/>
+              <a:rPr lang="en-US" dirty="0" err="1"/>
               <a:t>Phenoscanner</a:t>
             </a:r>
             <a:r>
-              <a:rPr lang="en-US" dirty="0" smtClean="0"/>
+              <a:rPr lang="en-US" dirty="0"/>
               <a:t> and </a:t>
             </a:r>
             <a:r>
-              <a:rPr lang="en-US" dirty="0" err="1" smtClean="0"/>
+              <a:rPr lang="en-US" dirty="0" err="1"/>
               <a:t>eQTL</a:t>
             </a:r>
             <a:endParaRPr lang="en-GB" dirty="0"/>
@@ -7020,10 +6897,9 @@
           <a:p>
             <a:pPr algn="ctr"/>
             <a:r>
-              <a:rPr lang="en-GB" b="1" dirty="0" smtClean="0"/>
+              <a:rPr lang="en-GB" b="1" dirty="0"/>
               <a:t>Association analysis for KORA</a:t>
             </a:r>
-            <a:endParaRPr lang="en-GB" b="1" dirty="0"/>
           </a:p>
         </p:txBody>
       </p:sp>
@@ -7043,56 +6919,55 @@
           <a:lstStyle/>
           <a:p>
             <a:r>
-              <a:rPr lang="en-GB" dirty="0" smtClean="0"/>
+              <a:rPr lang="en-GB" dirty="0"/>
               <a:t>Pilot with success/failure with BOLT-LMM on OPG/TNFSF14</a:t>
             </a:r>
           </a:p>
           <a:p>
             <a:r>
-              <a:rPr lang="en-GB" dirty="0" smtClean="0"/>
+              <a:rPr lang="en-GB" dirty="0"/>
               <a:t>Switch to SNPTEST on transformed measurement ~ age+sex+PC1-PC5</a:t>
             </a:r>
           </a:p>
           <a:p>
             <a:r>
-              <a:rPr lang="en-GB" dirty="0" smtClean="0"/>
+              <a:rPr lang="en-GB" dirty="0"/>
               <a:t>Exclusion of six related individuals</a:t>
             </a:r>
           </a:p>
           <a:p>
             <a:r>
-              <a:rPr lang="en-GB" dirty="0" smtClean="0"/>
+              <a:rPr lang="en-GB" dirty="0"/>
               <a:t>INFO score was compared between SNPTEST and </a:t>
             </a:r>
             <a:r>
-              <a:rPr lang="en-GB" dirty="0" err="1" smtClean="0"/>
+              <a:rPr lang="en-GB" dirty="0" err="1"/>
               <a:t>qctool</a:t>
             </a:r>
             <a:r>
-              <a:rPr lang="en-GB" dirty="0" smtClean="0"/>
+              <a:rPr lang="en-GB" dirty="0"/>
               <a:t> –</a:t>
             </a:r>
             <a:r>
-              <a:rPr lang="en-GB" dirty="0" err="1" smtClean="0"/>
+              <a:rPr lang="en-GB" dirty="0" err="1"/>
               <a:t>snp</a:t>
             </a:r>
             <a:r>
-              <a:rPr lang="en-GB" dirty="0" smtClean="0"/>
+              <a:rPr lang="en-GB" dirty="0"/>
               <a:t>-stats</a:t>
             </a:r>
           </a:p>
           <a:p>
             <a:r>
-              <a:rPr lang="en-GB" dirty="0" smtClean="0"/>
+              <a:rPr lang="en-GB" dirty="0"/>
               <a:t>Final sample size N=1064</a:t>
             </a:r>
           </a:p>
           <a:p>
             <a:r>
-              <a:rPr lang="en-GB" dirty="0" smtClean="0"/>
+              <a:rPr lang="en-GB" dirty="0"/>
               <a:t>Several disruptions on cardio/TRYGGVE and FGF.5 for #SNPs</a:t>
             </a:r>
-            <a:endParaRPr lang="en-GB" dirty="0"/>
           </a:p>
         </p:txBody>
       </p:sp>
@@ -7143,10 +7018,9 @@
           <a:p>
             <a:pPr algn="ctr"/>
             <a:r>
-              <a:rPr lang="en-GB" b="1" dirty="0" smtClean="0"/>
+              <a:rPr lang="en-GB" b="1" dirty="0"/>
               <a:t>Meta-analysis through METAL</a:t>
             </a:r>
-            <a:endParaRPr lang="en-GB" b="1" dirty="0"/>
           </a:p>
         </p:txBody>
       </p:sp>
@@ -7166,37 +7040,33 @@
           <a:lstStyle/>
           <a:p>
             <a:r>
-              <a:rPr lang="en-GB" dirty="0" smtClean="0"/>
+              <a:rPr lang="en-GB" dirty="0"/>
               <a:t>Carried out on TRYGGVE with the latest release.</a:t>
             </a:r>
           </a:p>
           <a:p>
             <a:r>
-              <a:rPr lang="en-GB" dirty="0" smtClean="0"/>
+              <a:rPr lang="en-GB" dirty="0"/>
               <a:t>GC correction not considered on cohort level.</a:t>
             </a:r>
-            <a:endParaRPr lang="en-GB" dirty="0"/>
-          </a:p>
-          <a:p>
-            <a:r>
-              <a:rPr lang="en-GB" dirty="0" smtClean="0"/>
+          </a:p>
+          <a:p>
+            <a:r>
+              <a:rPr lang="en-GB" dirty="0"/>
               <a:t>Based on effect size.</a:t>
             </a:r>
-            <a:endParaRPr lang="en-GB" dirty="0"/>
-          </a:p>
-          <a:p>
-            <a:r>
-              <a:rPr lang="en-GB" dirty="0" smtClean="0"/>
+          </a:p>
+          <a:p>
+            <a:r>
+              <a:rPr lang="en-GB" dirty="0"/>
               <a:t>N&gt;=10.</a:t>
             </a:r>
-            <a:endParaRPr lang="en-GB" dirty="0"/>
-          </a:p>
-          <a:p>
-            <a:r>
-              <a:rPr lang="en-GB" dirty="0" smtClean="0"/>
+          </a:p>
+          <a:p>
+            <a:r>
+              <a:rPr lang="en-GB" dirty="0"/>
               <a:t>84% above LLOD.</a:t>
             </a:r>
-            <a:endParaRPr lang="en-GB" dirty="0"/>
           </a:p>
           <a:p>
             <a:endParaRPr lang="en-GB" dirty="0"/>
@@ -7250,10 +7120,9 @@
           <a:p>
             <a:pPr algn="ctr"/>
             <a:r>
-              <a:rPr lang="en-GB" b="1" dirty="0" smtClean="0"/>
+              <a:rPr lang="en-GB" b="1" dirty="0"/>
               <a:t>A point on LLOD</a:t>
             </a:r>
-            <a:endParaRPr lang="en-GB" b="1" dirty="0"/>
           </a:p>
         </p:txBody>
       </p:sp>
@@ -7273,38 +7142,37 @@
           <a:lstStyle/>
           <a:p>
             <a:r>
-              <a:rPr lang="en-GB" dirty="0" smtClean="0"/>
+              <a:rPr lang="en-GB" dirty="0"/>
               <a:t>An attempt was made by using </a:t>
             </a:r>
             <a:r>
-              <a:rPr lang="en-GB" dirty="0" err="1" smtClean="0"/>
+              <a:rPr lang="en-GB" dirty="0" err="1"/>
               <a:t>llod</a:t>
             </a:r>
             <a:r>
-              <a:rPr lang="en-GB" dirty="0" smtClean="0"/>
+              <a:rPr lang="en-GB" dirty="0"/>
               <a:t>/2.</a:t>
             </a:r>
           </a:p>
           <a:p>
             <a:r>
-              <a:rPr lang="en-GB" dirty="0" smtClean="0"/>
+              <a:rPr lang="en-GB" dirty="0"/>
               <a:t>Busy Manhattan plots is largely related to this.</a:t>
             </a:r>
           </a:p>
           <a:p>
             <a:r>
-              <a:rPr lang="en-GB" dirty="0" smtClean="0"/>
+              <a:rPr lang="en-GB" dirty="0"/>
               <a:t>Although higher MAF </a:t>
             </a:r>
             <a:r>
-              <a:rPr lang="en-GB" dirty="0" err="1" smtClean="0"/>
+              <a:rPr lang="en-GB" dirty="0" err="1"/>
               <a:t>cutoff</a:t>
             </a:r>
             <a:r>
-              <a:rPr lang="en-GB" dirty="0" smtClean="0"/>
+              <a:rPr lang="en-GB" dirty="0"/>
               <a:t> could do away with busy (excessive number of significant hits) Manhattan plots, the associate proteins with low &gt;LLOD% were discarded.</a:t>
             </a:r>
-            <a:endParaRPr lang="en-GB" dirty="0"/>
           </a:p>
         </p:txBody>
       </p:sp>
@@ -7355,10 +7223,9 @@
           <a:p>
             <a:pPr algn="ctr"/>
             <a:r>
-              <a:rPr lang="en-GB" b="1" dirty="0" smtClean="0"/>
+              <a:rPr lang="en-GB" b="1" dirty="0"/>
               <a:t>&gt;LLOD%</a:t>
             </a:r>
-            <a:endParaRPr lang="en-GB" b="1" dirty="0"/>
           </a:p>
         </p:txBody>
       </p:sp>
@@ -7424,10 +7291,9 @@
                     <a:lstStyle/>
                     <a:p>
                       <a:r>
-                        <a:rPr lang="en-GB" dirty="0" smtClean="0"/>
+                        <a:rPr lang="en-GB" dirty="0"/>
                         <a:t>Protein</a:t>
                       </a:r>
-                      <a:endParaRPr lang="en-GB" dirty="0"/>
                     </a:p>
                   </a:txBody>
                   <a:tcPr/>
@@ -7439,10 +7305,9 @@
                     <a:p>
                       <a:pPr algn="l"/>
                       <a:r>
-                        <a:rPr lang="en-GB" dirty="0" smtClean="0"/>
+                        <a:rPr lang="en-GB" dirty="0"/>
                         <a:t>&gt;LLOD%</a:t>
                       </a:r>
-                      <a:endParaRPr lang="en-GB" dirty="0"/>
                     </a:p>
                   </a:txBody>
                   <a:tcPr/>
@@ -7453,10 +7318,9 @@
                     <a:lstStyle/>
                     <a:p>
                       <a:r>
-                        <a:rPr lang="en-GB" dirty="0" smtClean="0"/>
+                        <a:rPr lang="en-GB" dirty="0"/>
                         <a:t>Protein (continued)</a:t>
                       </a:r>
-                      <a:endParaRPr lang="en-GB" dirty="0"/>
                     </a:p>
                   </a:txBody>
                   <a:tcPr/>
@@ -7468,10 +7332,9 @@
                     <a:p>
                       <a:pPr algn="l"/>
                       <a:r>
-                        <a:rPr lang="en-GB" dirty="0" smtClean="0"/>
+                        <a:rPr lang="en-GB" dirty="0"/>
                         <a:t>&gt;LLOD% (continued)</a:t>
                       </a:r>
-                      <a:endParaRPr lang="en-GB" dirty="0"/>
                     </a:p>
                   </a:txBody>
                   <a:tcPr/>
@@ -8584,10 +8447,9 @@
           <a:p>
             <a:pPr algn="ctr"/>
             <a:r>
-              <a:rPr lang="en-GB" b="1" dirty="0" smtClean="0"/>
+              <a:rPr lang="en-GB" b="1" dirty="0"/>
               <a:t>Manhattan plots</a:t>
             </a:r>
-            <a:endParaRPr lang="en-GB" b="1" dirty="0"/>
           </a:p>
         </p:txBody>
       </p:sp>
@@ -8607,27 +8469,27 @@
           <a:lstStyle/>
           <a:p>
             <a:r>
-              <a:rPr lang="en-GB" dirty="0" smtClean="0"/>
+              <a:rPr lang="en-GB" dirty="0"/>
               <a:t>QCGWAS only desirable for small number of (problematic) proteins.</a:t>
             </a:r>
           </a:p>
           <a:p>
             <a:r>
-              <a:rPr lang="en-GB" dirty="0" smtClean="0"/>
+              <a:rPr lang="en-GB" dirty="0"/>
               <a:t>Manhattan plots were produced for each protein from each cohort.</a:t>
             </a:r>
           </a:p>
           <a:p>
             <a:r>
-              <a:rPr lang="en-GB" dirty="0" smtClean="0"/>
+              <a:rPr lang="en-GB" dirty="0"/>
               <a:t>It indicates that </a:t>
             </a:r>
             <a:r>
-              <a:rPr lang="en-GB" dirty="0" err="1" smtClean="0"/>
+              <a:rPr lang="en-GB" dirty="0" err="1"/>
               <a:t>sumstats</a:t>
             </a:r>
             <a:r>
-              <a:rPr lang="en-GB" dirty="0" smtClean="0"/>
+              <a:rPr lang="en-GB" dirty="0"/>
               <a:t> are generally satisfactory.</a:t>
             </a:r>
           </a:p>
@@ -8680,11 +8542,11 @@
           <a:p>
             <a:pPr algn="ctr"/>
             <a:r>
-              <a:rPr lang="en-GB" b="1" dirty="0" smtClean="0"/>
+              <a:rPr lang="en-GB" b="1" dirty="0"/>
               <a:t>Use of </a:t>
             </a:r>
             <a:r>
-              <a:rPr lang="en-GB" b="1" dirty="0" err="1" smtClean="0"/>
+              <a:rPr lang="en-GB" b="1" dirty="0" err="1"/>
               <a:t>sumstats</a:t>
             </a:r>
             <a:endParaRPr lang="en-GB" b="1" dirty="0"/>
@@ -8707,66 +8569,66 @@
           <a:lstStyle/>
           <a:p>
             <a:r>
-              <a:rPr lang="en-GB" dirty="0" smtClean="0"/>
+              <a:rPr lang="en-GB" dirty="0"/>
               <a:t>Identification of independent signals with 1KG (built from </a:t>
             </a:r>
             <a:r>
-              <a:rPr lang="en-GB" dirty="0" err="1" smtClean="0"/>
+              <a:rPr lang="en-GB" dirty="0" err="1"/>
               <a:t>LocusZoom</a:t>
             </a:r>
             <a:r>
-              <a:rPr lang="en-GB" dirty="0" smtClean="0"/>
+              <a:rPr lang="en-GB" dirty="0"/>
               <a:t> 1.4 and also curated databases at cardio), UK10K+1KG (INTERVAL genotypes) and r2=0, 0.1 and contrast with INTERVAL.</a:t>
             </a:r>
           </a:p>
           <a:p>
             <a:pPr lvl="1"/>
             <a:r>
-              <a:rPr lang="en-GB" dirty="0" smtClean="0"/>
+              <a:rPr lang="en-GB" dirty="0"/>
               <a:t>PLINK –clump</a:t>
             </a:r>
           </a:p>
           <a:p>
             <a:pPr lvl="1"/>
             <a:r>
-              <a:rPr lang="en-GB" dirty="0" smtClean="0"/>
+              <a:rPr lang="en-GB" dirty="0"/>
               <a:t>GCTA –</a:t>
             </a:r>
             <a:r>
-              <a:rPr lang="en-GB" dirty="0" err="1" smtClean="0"/>
+              <a:rPr lang="en-GB" dirty="0" err="1"/>
               <a:t>cojo</a:t>
             </a:r>
-            <a:endParaRPr lang="en-GB" dirty="0" smtClean="0"/>
-          </a:p>
-          <a:p>
-            <a:r>
-              <a:rPr lang="en-GB" dirty="0" smtClean="0"/>
+            <a:endParaRPr lang="en-GB" dirty="0"/>
+          </a:p>
+          <a:p>
+            <a:r>
+              <a:rPr lang="en-GB" dirty="0"/>
               <a:t>Manhattan/Q-Q/</a:t>
             </a:r>
             <a:r>
-              <a:rPr lang="en-GB" dirty="0" err="1" smtClean="0"/>
+              <a:rPr lang="en-GB" dirty="0" err="1"/>
               <a:t>LocusZoom</a:t>
             </a:r>
             <a:r>
-              <a:rPr lang="en-GB" dirty="0" smtClean="0"/>
+              <a:rPr lang="en-GB" dirty="0"/>
               <a:t>/forest plots, loose ends (</a:t>
             </a:r>
             <a:r>
-              <a:rPr lang="en-GB" dirty="0" err="1" smtClean="0"/>
+              <a:rPr lang="en-GB" dirty="0" err="1"/>
               <a:t>rsid</a:t>
             </a:r>
             <a:r>
-              <a:rPr lang="en-GB" dirty="0" smtClean="0"/>
+              <a:rPr lang="en-GB" dirty="0"/>
               <a:t> instead of SNPID and right allele labelling/effect size) for the latter two are being done.</a:t>
             </a:r>
           </a:p>
           <a:p>
             <a:r>
-              <a:rPr lang="en-GB" dirty="0" err="1" smtClean="0"/>
+              <a:rPr lang="en-GB" dirty="0" err="1"/>
               <a:t>Finemapping</a:t>
             </a:r>
             <a:r>
-              <a:rPr lang="en-GB" dirty="0" smtClean="0"/>
+              <a:rPr lang="en-GB" dirty="0"/>
               <a:t>, LDSC analysis, pathway analysis?</a:t>
             </a:r>
           </a:p>
@@ -8831,10 +8693,9 @@
           <a:p>
             <a:pPr algn="ctr"/>
             <a:r>
-              <a:rPr lang="en-GB" b="1" dirty="0" smtClean="0"/>
+              <a:rPr lang="en-GB" b="1" dirty="0"/>
               <a:t>Results</a:t>
             </a:r>
-            <a:endParaRPr lang="en-GB" b="1" dirty="0"/>
           </a:p>
         </p:txBody>
       </p:sp>
@@ -8856,88 +8717,80 @@
           <a:lstStyle/>
           <a:p>
             <a:r>
-              <a:rPr lang="en-GB" dirty="0" smtClean="0"/>
+              <a:rPr lang="en-GB" dirty="0"/>
               <a:t>/scratch/jhz22/INF/</a:t>
             </a:r>
           </a:p>
           <a:p>
             <a:pPr lvl="1"/>
             <a:r>
-              <a:rPr lang="en-GB" dirty="0" err="1" smtClean="0"/>
+              <a:rPr lang="en-GB" dirty="0" err="1"/>
               <a:t>sumstats</a:t>
             </a:r>
             <a:r>
-              <a:rPr lang="en-GB" dirty="0" smtClean="0"/>
+              <a:rPr lang="en-GB" dirty="0"/>
               <a:t>/INTERVAL on GWAS </a:t>
             </a:r>
             <a:r>
-              <a:rPr lang="en-GB" dirty="0" err="1" smtClean="0"/>
+              <a:rPr lang="en-GB" dirty="0" err="1"/>
               <a:t>sumstats</a:t>
             </a:r>
             <a:r>
-              <a:rPr lang="en-GB" dirty="0" smtClean="0"/>
+              <a:rPr lang="en-GB" dirty="0"/>
               <a:t> from INTERVAL</a:t>
             </a:r>
           </a:p>
           <a:p>
             <a:pPr lvl="1"/>
             <a:r>
-              <a:rPr lang="en-GB" dirty="0" smtClean="0"/>
+              <a:rPr lang="en-GB" dirty="0"/>
               <a:t>plots/ on Manhattan plots for participating cohorts</a:t>
             </a:r>
           </a:p>
           <a:p>
             <a:pPr lvl="1"/>
             <a:r>
-              <a:rPr lang="en-GB" dirty="0" smtClean="0"/>
+              <a:rPr lang="en-GB" dirty="0"/>
               <a:t>METAL/ on meta-analysed </a:t>
             </a:r>
             <a:r>
-              <a:rPr lang="en-GB" dirty="0" err="1" smtClean="0"/>
+              <a:rPr lang="en-GB" dirty="0" err="1"/>
               <a:t>sumstats+Manhattan</a:t>
             </a:r>
             <a:r>
-              <a:rPr lang="en-GB" dirty="0" smtClean="0"/>
+              <a:rPr lang="en-GB" dirty="0"/>
               <a:t>/Q-Q/</a:t>
             </a:r>
             <a:r>
-              <a:rPr lang="en-GB" dirty="0" err="1" smtClean="0"/>
+              <a:rPr lang="en-GB" dirty="0" err="1"/>
               <a:t>LocusZoom</a:t>
             </a:r>
             <a:r>
-              <a:rPr lang="en-GB" dirty="0" smtClean="0"/>
+              <a:rPr lang="en-GB" dirty="0"/>
               <a:t> plots</a:t>
             </a:r>
           </a:p>
           <a:p>
             <a:pPr lvl="1"/>
             <a:r>
-              <a:rPr lang="en-GB" dirty="0" smtClean="0"/>
-              <a:t>clumping/ on PLINK –clump analysis + forest </a:t>
-            </a:r>
-            <a:r>
-              <a:rPr lang="en-GB" dirty="0"/>
-              <a:t>plots (</a:t>
-            </a:r>
-            <a:r>
-              <a:rPr lang="en-GB" dirty="0" smtClean="0"/>
-              <a:t>INF1.UK10K+1KG.r2-0.fp.pdf)</a:t>
+              <a:rPr lang="en-GB" dirty="0"/>
+              <a:t>clumping/ on PLINK –clump analysis + forest plots (INF1.UK10K+1KG.r2-0.fp.pdf)</a:t>
             </a:r>
           </a:p>
           <a:p>
             <a:pPr lvl="1"/>
             <a:r>
-              <a:rPr lang="en-GB" dirty="0" err="1" smtClean="0"/>
+              <a:rPr lang="en-GB" dirty="0" err="1"/>
               <a:t>cojo</a:t>
             </a:r>
             <a:r>
-              <a:rPr lang="en-GB" dirty="0" smtClean="0"/>
+              <a:rPr lang="en-GB" dirty="0"/>
               <a:t>/ on conditional analysis with 1KG, UK10K+1KG</a:t>
             </a:r>
           </a:p>
           <a:p>
             <a:r>
-              <a:rPr lang="en-GB" dirty="0" smtClean="0"/>
+              <a:rPr lang="en-GB" dirty="0"/>
               <a:t>cis/trans classification tables was generated via customised programs</a:t>
             </a:r>
           </a:p>
@@ -8946,35 +8799,25 @@
               <a:rPr lang="en-GB" u="sng" dirty="0">
                 <a:hlinkClick r:id="rId2"/>
               </a:rPr>
-              <a:t>https://</a:t>
-            </a:r>
-            <a:r>
-              <a:rPr lang="en-GB" u="sng" dirty="0" smtClean="0">
-                <a:hlinkClick r:id="rId2"/>
-              </a:rPr>
-              <a:t>github.com/jinghuazhao/INF/blob/master/doc/INF1.paper.xlsx</a:t>
-            </a:r>
-            <a:r>
-              <a:rPr lang="en-GB" dirty="0" smtClean="0"/>
+              <a:t>https://github.com/jinghuazhao/INF/blob/master/doc/INF1.paper.xlsx</a:t>
+            </a:r>
+            <a:r>
+              <a:rPr lang="en-GB" dirty="0"/>
               <a:t> collects clumping/</a:t>
             </a:r>
             <a:r>
-              <a:rPr lang="en-GB" dirty="0" err="1" smtClean="0"/>
+              <a:rPr lang="en-GB" dirty="0" err="1"/>
               <a:t>cojo</a:t>
             </a:r>
             <a:r>
-              <a:rPr lang="en-GB" dirty="0" smtClean="0"/>
+              <a:rPr lang="en-GB" dirty="0"/>
               <a:t> results</a:t>
             </a:r>
           </a:p>
           <a:p>
             <a:r>
-              <a:rPr lang="en-GB" dirty="0" smtClean="0"/>
-              <a:t>INTERVAL and INF1 share similarity in both number of signals and cis/trans classification, while UK10K+1KG reference panel gave more signals than </a:t>
-            </a:r>
-            <a:r>
-              <a:rPr lang="en-GB" dirty="0"/>
-              <a:t>1KG. GCTA –</a:t>
+              <a:rPr lang="en-GB" dirty="0"/>
+              <a:t>INTERVAL and INF1 share similarity in both number of signals and cis/trans classification, while UK10K+1KG reference panel gave more signals than 1KG. GCTA –</a:t>
             </a:r>
             <a:r>
               <a:rPr lang="en-GB" dirty="0" err="1"/>

--- a/doc/SCALLOP_INF1-120419.pptx
+++ b/doc/SCALLOP_INF1-120419.pptx
@@ -11,23 +11,24 @@
     <p:sldId id="276" r:id="rId5"/>
     <p:sldId id="274" r:id="rId6"/>
     <p:sldId id="281" r:id="rId7"/>
-    <p:sldId id="278" r:id="rId8"/>
-    <p:sldId id="279" r:id="rId9"/>
-    <p:sldId id="280" r:id="rId10"/>
+    <p:sldId id="280" r:id="rId8"/>
+    <p:sldId id="278" r:id="rId9"/>
+    <p:sldId id="279" r:id="rId10"/>
     <p:sldId id="285" r:id="rId11"/>
     <p:sldId id="284" r:id="rId12"/>
-    <p:sldId id="286" r:id="rId13"/>
-    <p:sldId id="287" r:id="rId14"/>
-    <p:sldId id="277" r:id="rId15"/>
-    <p:sldId id="272" r:id="rId16"/>
-    <p:sldId id="265" r:id="rId17"/>
-    <p:sldId id="266" r:id="rId18"/>
-    <p:sldId id="264" r:id="rId19"/>
-    <p:sldId id="267" r:id="rId20"/>
-    <p:sldId id="268" r:id="rId21"/>
+    <p:sldId id="288" r:id="rId13"/>
+    <p:sldId id="286" r:id="rId14"/>
+    <p:sldId id="287" r:id="rId15"/>
+    <p:sldId id="277" r:id="rId16"/>
+    <p:sldId id="272" r:id="rId17"/>
+    <p:sldId id="264" r:id="rId18"/>
+    <p:sldId id="267" r:id="rId19"/>
+    <p:sldId id="268" r:id="rId20"/>
+    <p:sldId id="271" r:id="rId21"/>
     <p:sldId id="269" r:id="rId22"/>
     <p:sldId id="270" r:id="rId23"/>
-    <p:sldId id="271" r:id="rId24"/>
+    <p:sldId id="265" r:id="rId24"/>
+    <p:sldId id="266" r:id="rId25"/>
   </p:sldIdLst>
   <p:sldSz cx="12192000" cy="6858000"/>
   <p:notesSz cx="6858000" cy="9144000"/>
@@ -3650,6 +3651,90 @@
           <p:cNvPr id="2" name="Title 1">
             <a:extLst>
               <a:ext uri="{FF2B5EF4-FFF2-40B4-BE49-F238E27FC236}">
+                <a16:creationId xmlns:a16="http://schemas.microsoft.com/office/drawing/2014/main" id="{B3965497-BDD7-4A5C-BAD8-19997115AF61}"/>
+              </a:ext>
+            </a:extLst>
+          </p:cNvPr>
+          <p:cNvSpPr>
+            <a:spLocks noGrp="1"/>
+          </p:cNvSpPr>
+          <p:nvPr>
+            <p:ph type="title"/>
+          </p:nvPr>
+        </p:nvSpPr>
+        <p:spPr/>
+        <p:txBody>
+          <a:bodyPr/>
+          <a:lstStyle/>
+          <a:p>
+            <a:pPr algn="ctr"/>
+            <a:r>
+              <a:rPr lang="en-GB" b="1" dirty="0"/>
+              <a:t>OPG regional plot</a:t>
+            </a:r>
+          </a:p>
+        </p:txBody>
+      </p:sp>
+      <p:sp>
+        <p:nvSpPr>
+          <p:cNvPr id="3" name="Content Placeholder 2">
+            <a:extLst>
+              <a:ext uri="{FF2B5EF4-FFF2-40B4-BE49-F238E27FC236}">
+                <a16:creationId xmlns:a16="http://schemas.microsoft.com/office/drawing/2014/main" id="{1B443336-3EFA-4025-B4CA-36489292A34E}"/>
+              </a:ext>
+            </a:extLst>
+          </p:cNvPr>
+          <p:cNvSpPr>
+            <a:spLocks noGrp="1"/>
+          </p:cNvSpPr>
+          <p:nvPr>
+            <p:ph idx="1"/>
+          </p:nvPr>
+        </p:nvSpPr>
+        <p:spPr/>
+        <p:txBody>
+          <a:bodyPr/>
+          <a:lstStyle/>
+          <a:p>
+            <a:endParaRPr lang="en-GB"/>
+          </a:p>
+        </p:txBody>
+      </p:sp>
+    </p:spTree>
+    <p:extLst>
+      <p:ext uri="{BB962C8B-B14F-4D97-AF65-F5344CB8AC3E}">
+        <p14:creationId xmlns:p14="http://schemas.microsoft.com/office/powerpoint/2010/main" val="3623640997"/>
+      </p:ext>
+    </p:extLst>
+  </p:cSld>
+  <p:clrMapOvr>
+    <a:masterClrMapping/>
+  </p:clrMapOvr>
+</p:sld>
+</file>
+
+<file path=ppt/slides/slide13.xml><?xml version="1.0" encoding="utf-8"?>
+<p:sld xmlns:a="http://schemas.openxmlformats.org/drawingml/2006/main" xmlns:r="http://schemas.openxmlformats.org/officeDocument/2006/relationships" xmlns:p="http://schemas.openxmlformats.org/presentationml/2006/main">
+  <p:cSld>
+    <p:spTree>
+      <p:nvGrpSpPr>
+        <p:cNvPr id="1" name=""/>
+        <p:cNvGrpSpPr/>
+        <p:nvPr/>
+      </p:nvGrpSpPr>
+      <p:grpSpPr>
+        <a:xfrm>
+          <a:off x="0" y="0"/>
+          <a:ext cx="0" cy="0"/>
+          <a:chOff x="0" y="0"/>
+          <a:chExt cx="0" cy="0"/>
+        </a:xfrm>
+      </p:grpSpPr>
+      <p:sp>
+        <p:nvSpPr>
+          <p:cNvPr id="2" name="Title 1">
+            <a:extLst>
+              <a:ext uri="{FF2B5EF4-FFF2-40B4-BE49-F238E27FC236}">
                 <a16:creationId xmlns:a16="http://schemas.microsoft.com/office/drawing/2014/main" id="{444FFAF5-994F-4468-A1A8-B6A0B0A455DA}"/>
               </a:ext>
             </a:extLst>
@@ -3723,7 +3808,7 @@
 </p:sld>
 </file>
 
-<file path=ppt/slides/slide13.xml><?xml version="1.0" encoding="utf-8"?>
+<file path=ppt/slides/slide14.xml><?xml version="1.0" encoding="utf-8"?>
 <p:sld xmlns:a="http://schemas.openxmlformats.org/drawingml/2006/main" xmlns:r="http://schemas.openxmlformats.org/officeDocument/2006/relationships" xmlns:p="http://schemas.openxmlformats.org/presentationml/2006/main">
   <p:cSld>
     <p:spTree>
@@ -3818,113 +3903,6 @@
 </p:sld>
 </file>
 
-<file path=ppt/slides/slide14.xml><?xml version="1.0" encoding="utf-8"?>
-<p:sld xmlns:a="http://schemas.openxmlformats.org/drawingml/2006/main" xmlns:r="http://schemas.openxmlformats.org/officeDocument/2006/relationships" xmlns:p="http://schemas.openxmlformats.org/presentationml/2006/main">
-  <p:cSld>
-    <p:spTree>
-      <p:nvGrpSpPr>
-        <p:cNvPr id="1" name=""/>
-        <p:cNvGrpSpPr/>
-        <p:nvPr/>
-      </p:nvGrpSpPr>
-      <p:grpSpPr>
-        <a:xfrm>
-          <a:off x="0" y="0"/>
-          <a:ext cx="0" cy="0"/>
-          <a:chOff x="0" y="0"/>
-          <a:chExt cx="0" cy="0"/>
-        </a:xfrm>
-      </p:grpSpPr>
-      <p:sp>
-        <p:nvSpPr>
-          <p:cNvPr id="2" name="Title 1"/>
-          <p:cNvSpPr>
-            <a:spLocks noGrp="1"/>
-          </p:cNvSpPr>
-          <p:nvPr>
-            <p:ph type="title"/>
-          </p:nvPr>
-        </p:nvSpPr>
-        <p:spPr/>
-        <p:txBody>
-          <a:bodyPr/>
-          <a:lstStyle/>
-          <a:p>
-            <a:pPr algn="ctr"/>
-            <a:r>
-              <a:rPr lang="en-GB" b="1" dirty="0"/>
-              <a:t>A general sketch of analysis</a:t>
-            </a:r>
-          </a:p>
-        </p:txBody>
-      </p:sp>
-      <p:sp>
-        <p:nvSpPr>
-          <p:cNvPr id="3" name="Content Placeholder 2"/>
-          <p:cNvSpPr>
-            <a:spLocks noGrp="1"/>
-          </p:cNvSpPr>
-          <p:nvPr>
-            <p:ph idx="1"/>
-          </p:nvPr>
-        </p:nvSpPr>
-        <p:spPr/>
-        <p:txBody>
-          <a:bodyPr/>
-          <a:lstStyle/>
-          <a:p>
-            <a:r>
-              <a:rPr lang="en-GB" dirty="0"/>
-              <a:t>Discovery, replication – INTERVAL, meta-analysis, NSPHS.</a:t>
-            </a:r>
-          </a:p>
-          <a:p>
-            <a:r>
-              <a:rPr lang="en-GB" dirty="0"/>
-              <a:t>GCTA –</a:t>
-            </a:r>
-            <a:r>
-              <a:rPr lang="en-GB" dirty="0" err="1"/>
-              <a:t>cojo</a:t>
-            </a:r>
-            <a:r>
-              <a:rPr lang="en-GB" dirty="0"/>
-              <a:t> analysis.</a:t>
-            </a:r>
-          </a:p>
-          <a:p>
-            <a:r>
-              <a:rPr lang="en-GB" dirty="0"/>
-              <a:t>Power issues – plots of effect size from INTERVAL vs INF1 are helpful.</a:t>
-            </a:r>
-          </a:p>
-          <a:p>
-            <a:r>
-              <a:rPr lang="en-GB" dirty="0"/>
-              <a:t>Additional information on genotyping and cohort characteristics needs to be requested.</a:t>
-            </a:r>
-          </a:p>
-          <a:p>
-            <a:r>
-              <a:rPr lang="en-GB" dirty="0"/>
-              <a:t>Elementary summary statistics such as h2 from INTERVAL, with KORA relatively small for GCTA and possibly with INF1 for HESS.</a:t>
-            </a:r>
-          </a:p>
-        </p:txBody>
-      </p:sp>
-    </p:spTree>
-    <p:extLst>
-      <p:ext uri="{BB962C8B-B14F-4D97-AF65-F5344CB8AC3E}">
-        <p14:creationId xmlns:p14="http://schemas.microsoft.com/office/powerpoint/2010/main" val="1596982311"/>
-      </p:ext>
-    </p:extLst>
-  </p:cSld>
-  <p:clrMapOvr>
-    <a:masterClrMapping/>
-  </p:clrMapOvr>
-</p:sld>
-</file>
-
 <file path=ppt/slides/slide15.xml><?xml version="1.0" encoding="utf-8"?>
 <p:sld xmlns:a="http://schemas.openxmlformats.org/drawingml/2006/main" xmlns:r="http://schemas.openxmlformats.org/officeDocument/2006/relationships" xmlns:p="http://schemas.openxmlformats.org/presentationml/2006/main">
   <p:cSld>
@@ -3960,7 +3938,7 @@
             <a:pPr algn="ctr"/>
             <a:r>
               <a:rPr lang="en-GB" b="1" dirty="0"/>
-              <a:t>Landmarks</a:t>
+              <a:t>A general sketch of analysis</a:t>
             </a:r>
           </a:p>
         </p:txBody>
@@ -3982,35 +3960,39 @@
           <a:p>
             <a:r>
               <a:rPr lang="en-GB" dirty="0"/>
-              <a:t>27/3/19 – cross-reference with INTERVAL on INTERVAL genotype data, which showed great similarity with INF1, esp. w.r.t. cis signals.</a:t>
-            </a:r>
-          </a:p>
-          <a:p>
-            <a:r>
-              <a:rPr lang="en-GB" dirty="0"/>
-              <a:t>8/3/19 – Recognition of MAF </a:t>
+              <a:t>Discovery, replication – INTERVAL, meta-analysis, NSPHS.</a:t>
+            </a:r>
+          </a:p>
+          <a:p>
+            <a:r>
+              <a:rPr lang="en-GB" dirty="0"/>
+              <a:t>GCTA –</a:t>
             </a:r>
             <a:r>
               <a:rPr lang="en-GB" dirty="0" err="1"/>
-              <a:t>cutoff</a:t>
-            </a:r>
-            <a:r>
-              <a:rPr lang="en-GB" dirty="0"/>
-              <a:t> on </a:t>
-            </a:r>
-            <a:r>
-              <a:rPr lang="en-GB" dirty="0" err="1"/>
-              <a:t>IFN.gamma</a:t>
-            </a:r>
-            <a:r>
-              <a:rPr lang="en-GB" dirty="0"/>
-              <a:t>, IL.22.RA1, TSLP.</a:t>
-            </a:r>
-          </a:p>
-          <a:p>
-            <a:r>
-              <a:rPr lang="en-GB" dirty="0"/>
-              <a:t>29/11/18 – 22 proteins with busy Manhattan plots.</a:t>
+              <a:t>cojo</a:t>
+            </a:r>
+            <a:r>
+              <a:rPr lang="en-GB" dirty="0"/>
+              <a:t> analysis.</a:t>
+            </a:r>
+          </a:p>
+          <a:p>
+            <a:r>
+              <a:rPr lang="en-GB" dirty="0"/>
+              <a:t>Power issues – plots of effect size from INTERVAL vs INF1 are helpful.</a:t>
+            </a:r>
+          </a:p>
+          <a:p>
+            <a:r>
+              <a:rPr lang="en-GB" dirty="0"/>
+              <a:t>Additional information on genotyping and cohort characteristics needs to be requested.</a:t>
+            </a:r>
+          </a:p>
+          <a:p>
+            <a:r>
+              <a:rPr lang="en-GB" dirty="0"/>
+              <a:t>Elementary summary statistics such as h2 from INTERVAL, with KORA relatively small for GCTA and possibly with INF1 for HESS.</a:t>
             </a:r>
           </a:p>
         </p:txBody>
@@ -4018,7 +4000,7 @@
     </p:spTree>
     <p:extLst>
       <p:ext uri="{BB962C8B-B14F-4D97-AF65-F5344CB8AC3E}">
-        <p14:creationId xmlns:p14="http://schemas.microsoft.com/office/powerpoint/2010/main" val="3032432137"/>
+        <p14:creationId xmlns:p14="http://schemas.microsoft.com/office/powerpoint/2010/main" val="1596982311"/>
       </p:ext>
     </p:extLst>
   </p:cSld>
@@ -4063,7 +4045,7 @@
             <a:pPr algn="ctr"/>
             <a:r>
               <a:rPr lang="en-GB" b="1" dirty="0"/>
-              <a:t>A brief summary (29/11/18)</a:t>
+              <a:t>Landmarks</a:t>
             </a:r>
           </a:p>
         </p:txBody>
@@ -4080,38 +4062,40 @@
         </p:nvSpPr>
         <p:spPr/>
         <p:txBody>
-          <a:bodyPr>
-            <a:normAutofit/>
-          </a:bodyPr>
+          <a:bodyPr/>
           <a:lstStyle/>
           <a:p>
             <a:r>
               <a:rPr lang="en-GB" dirty="0"/>
-              <a:t>It is still at a very early stage of the analysis.</a:t>
-            </a:r>
-          </a:p>
-          <a:p>
-            <a:r>
-              <a:rPr lang="en-GB" dirty="0"/>
-              <a:t>Results from INTERVAL and benchmarks from meta-analysis were reassuring.</a:t>
-            </a:r>
-          </a:p>
-          <a:p>
-            <a:r>
-              <a:rPr lang="en-GB" dirty="0"/>
-              <a:t>This was based on stricter criteria on –ld-r2 of the PLINK –clump procedure which was somewhat hampered is its inability to handle small p-value.</a:t>
-            </a:r>
-          </a:p>
-          <a:p>
-            <a:r>
-              <a:rPr lang="en-GB" dirty="0"/>
-              <a:t>It is worthwhile to explore approaches.</a:t>
-            </a:r>
-          </a:p>
-          <a:p>
-            <a:r>
-              <a:rPr lang="en-GB" dirty="0"/>
-              <a:t>There will be further effort on the meta-analysis QC.</a:t>
+              <a:t>27/3/19 – cross-reference with INTERVAL on INTERVAL genotype data, which showed great similarity with INF1, esp. w.r.t. cis signals.</a:t>
+            </a:r>
+          </a:p>
+          <a:p>
+            <a:r>
+              <a:rPr lang="en-GB" dirty="0"/>
+              <a:t>8/3/19 – Recognition of MAF </a:t>
+            </a:r>
+            <a:r>
+              <a:rPr lang="en-GB" dirty="0" err="1"/>
+              <a:t>cutoff</a:t>
+            </a:r>
+            <a:r>
+              <a:rPr lang="en-GB" dirty="0"/>
+              <a:t> on </a:t>
+            </a:r>
+            <a:r>
+              <a:rPr lang="en-GB" dirty="0" err="1"/>
+              <a:t>IFN.gamma</a:t>
+            </a:r>
+            <a:r>
+              <a:rPr lang="en-GB" dirty="0"/>
+              <a:t>, IL.22.RA1, TSLP.</a:t>
+            </a:r>
+          </a:p>
+          <a:p>
+            <a:r>
+              <a:rPr lang="en-GB" dirty="0"/>
+              <a:t>29/11/18 – 22 proteins with busy Manhattan plots.</a:t>
             </a:r>
           </a:p>
         </p:txBody>
@@ -4119,7 +4103,7 @@
     </p:spTree>
     <p:extLst>
       <p:ext uri="{BB962C8B-B14F-4D97-AF65-F5344CB8AC3E}">
-        <p14:creationId xmlns:p14="http://schemas.microsoft.com/office/powerpoint/2010/main" val="1462860847"/>
+        <p14:creationId xmlns:p14="http://schemas.microsoft.com/office/powerpoint/2010/main" val="3032432137"/>
       </p:ext>
     </p:extLst>
   </p:cSld>
@@ -4170,7 +4154,7 @@
             <a:pPr algn="ctr"/>
             <a:r>
               <a:rPr lang="en-GB" b="1" dirty="0"/>
-              <a:t>On next steps (29/11/18)</a:t>
+              <a:t>Updates I (8/3/19)</a:t>
             </a:r>
           </a:p>
         </p:txBody>
@@ -4200,19 +4184,25 @@
           <a:p>
             <a:r>
               <a:rPr lang="en-GB" dirty="0"/>
-              <a:t>KORA individual level data analysis will be conducted centrally.</a:t>
-            </a:r>
-          </a:p>
-          <a:p>
-            <a:r>
-              <a:rPr lang="en-GB" dirty="0"/>
-              <a:t>Additional studies such as COMBINE will be added.</a:t>
-            </a:r>
-          </a:p>
-          <a:p>
-            <a:r>
-              <a:rPr lang="en-GB" dirty="0"/>
-              <a:t>For cohorts contributing results on PLINK, information such as effect allele (frequency), imputation quality is recommended on a per-cohort basis via </a:t>
+              <a:t>29 chromosomes remain to be analysed for KORA + ARTN reanalysing at TRYGGVE (smaller size). normalised level ~ age+sex+PC1-5+genotype under additive model with SNPTEST.</a:t>
+            </a:r>
+          </a:p>
+          <a:p>
+            <a:r>
+              <a:rPr lang="en-GB" dirty="0" err="1"/>
+              <a:t>BioFinder</a:t>
+            </a:r>
+            <a:r>
+              <a:rPr lang="en-GB" dirty="0"/>
+              <a:t>, </a:t>
+            </a:r>
+            <a:r>
+              <a:rPr lang="en-GB" dirty="0" err="1"/>
+              <a:t>MadCam</a:t>
+            </a:r>
+            <a:r>
+              <a:rPr lang="en-GB" dirty="0"/>
+              <a:t> and RECOMBINE were available – these were from Anders beside STANLEY lah1/swe6 with </a:t>
             </a:r>
             <a:r>
               <a:rPr lang="en-GB" dirty="0" err="1"/>
@@ -4220,53 +4210,67 @@
             </a:r>
             <a:r>
               <a:rPr lang="en-GB" dirty="0"/>
-              <a:t> as noted in SCALLOP_INF_I_analysis_plan.md.</a:t>
-            </a:r>
-          </a:p>
-          <a:p>
-            <a:r>
-              <a:rPr lang="en-GB" dirty="0"/>
-              <a:t>The QC will be refined and downstream analysis strengthened -- the experiments were based on 1000Genomes extracted from </a:t>
+              <a:t> –</a:t>
             </a:r>
             <a:r>
               <a:rPr lang="en-GB" dirty="0" err="1"/>
-              <a:t>LocusZoom</a:t>
-            </a:r>
-            <a:r>
-              <a:rPr lang="en-GB" dirty="0"/>
-              <a:t> 1.4 at </a:t>
+              <a:t>snp</a:t>
+            </a:r>
+            <a:r>
+              <a:rPr lang="en-GB" dirty="0"/>
+              <a:t>-stats pending while </a:t>
             </a:r>
             <a:r>
               <a:rPr lang="en-GB" dirty="0" err="1"/>
-              <a:t>tryggve</a:t>
-            </a:r>
-            <a:r>
-              <a:rPr lang="en-GB" dirty="0"/>
-              <a:t> when there was issues with the up-/down-load. A more desirable reference panel would be INTERVAL, </a:t>
+              <a:t>MadCam</a:t>
+            </a:r>
+            <a:r>
+              <a:rPr lang="en-GB" dirty="0"/>
+              <a:t> has RSQ_IMP.</a:t>
+            </a:r>
+          </a:p>
+          <a:p>
+            <a:r>
+              <a:rPr lang="en-GB" dirty="0"/>
+              <a:t>NSPHS has PLINK results but no </a:t>
             </a:r>
             <a:r>
               <a:rPr lang="en-GB" dirty="0" err="1"/>
-              <a:t>UKBiobank</a:t>
-            </a:r>
-            <a:r>
-              <a:rPr lang="en-GB" dirty="0"/>
-              <a:t>, both involving HRC+UK10K. </a:t>
+              <a:t>qctool</a:t>
+            </a:r>
+            <a:r>
+              <a:rPr lang="en-GB" dirty="0"/>
+              <a:t> -</a:t>
             </a:r>
             <a:r>
               <a:rPr lang="en-GB" dirty="0" err="1"/>
-              <a:t>Finemapping</a:t>
-            </a:r>
-            <a:r>
-              <a:rPr lang="en-GB" dirty="0"/>
-              <a:t> is set to involve PLINK, GCTA, </a:t>
+              <a:t>snp</a:t>
+            </a:r>
+            <a:r>
+              <a:rPr lang="en-GB" dirty="0"/>
+              <a:t>-stats (in touch with </a:t>
+            </a:r>
+            <a:r>
+              <a:rPr lang="en-US" dirty="0"/>
+              <a:t>Åsa Johansson on 21/2</a:t>
+            </a:r>
+            <a:r>
+              <a:rPr lang="en-GB" dirty="0"/>
+              <a:t>).</a:t>
+            </a:r>
+          </a:p>
+          <a:p>
+            <a:r>
+              <a:rPr lang="en-GB" dirty="0"/>
+              <a:t>The number of problematic proteins was reduced from 22 to three, </a:t>
             </a:r>
             <a:r>
               <a:rPr lang="en-GB" dirty="0" err="1"/>
-              <a:t>finemap</a:t>
-            </a:r>
-            <a:r>
-              <a:rPr lang="en-GB" dirty="0"/>
-              <a:t>, and JAM, among others.</a:t>
+              <a:t>IFN.gamma</a:t>
+            </a:r>
+            <a:r>
+              <a:rPr lang="en-GB" dirty="0"/>
+              <a:t>, IL.22.RA1 and TSLP and then none with MAF set to MAF&gt;0.1 for STABILITY (N=2,951), second to INTERVAL (N=4,996).</a:t>
             </a:r>
           </a:p>
         </p:txBody>
@@ -4274,7 +4278,7 @@
     </p:spTree>
     <p:extLst>
       <p:ext uri="{BB962C8B-B14F-4D97-AF65-F5344CB8AC3E}">
-        <p14:creationId xmlns:p14="http://schemas.microsoft.com/office/powerpoint/2010/main" val="1025794882"/>
+        <p14:creationId xmlns:p14="http://schemas.microsoft.com/office/powerpoint/2010/main" val="435210134"/>
       </p:ext>
     </p:extLst>
   </p:cSld>
@@ -4303,13 +4307,7 @@
       </p:grpSpPr>
       <p:sp>
         <p:nvSpPr>
-          <p:cNvPr id="2" name="Title 1">
-            <a:extLst>
-              <a:ext uri="{FF2B5EF4-FFF2-40B4-BE49-F238E27FC236}">
-                <a16:creationId xmlns:a16="http://schemas.microsoft.com/office/drawing/2014/main" id="{0B706D4B-56BB-4904-95C8-C7317B2F9042}"/>
-              </a:ext>
-            </a:extLst>
-          </p:cNvPr>
+          <p:cNvPr id="2" name="Title 1"/>
           <p:cNvSpPr>
             <a:spLocks noGrp="1"/>
           </p:cNvSpPr>
@@ -4325,20 +4323,14 @@
             <a:pPr algn="ctr"/>
             <a:r>
               <a:rPr lang="en-GB" b="1" dirty="0"/>
-              <a:t>Updates I (8/3/19)</a:t>
-            </a:r>
-          </a:p>
-        </p:txBody>
-      </p:sp>
-      <p:sp>
-        <p:nvSpPr>
-          <p:cNvPr id="3" name="Content Placeholder 2">
-            <a:extLst>
-              <a:ext uri="{FF2B5EF4-FFF2-40B4-BE49-F238E27FC236}">
-                <a16:creationId xmlns:a16="http://schemas.microsoft.com/office/drawing/2014/main" id="{779C168B-FE2B-48BB-9F71-190FE784313F}"/>
-              </a:ext>
-            </a:extLst>
-          </p:cNvPr>
+              <a:t>Updates II (8/3/19)</a:t>
+            </a:r>
+          </a:p>
+        </p:txBody>
+      </p:sp>
+      <p:sp>
+        <p:nvSpPr>
+          <p:cNvPr id="3" name="Content Placeholder 2"/>
           <p:cNvSpPr>
             <a:spLocks noGrp="1"/>
           </p:cNvSpPr>
@@ -4348,32 +4340,26 @@
         </p:nvSpPr>
         <p:spPr/>
         <p:txBody>
-          <a:bodyPr>
-            <a:normAutofit lnSpcReduction="10000"/>
-          </a:bodyPr>
+          <a:bodyPr/>
           <a:lstStyle/>
           <a:p>
             <a:r>
               <a:rPr lang="en-GB" dirty="0"/>
-              <a:t>29 chromosomes remain to be analysed for KORA + ARTN reanalysing at TRYGGVE (smaller size). normalised level ~ age+sex+PC1-5+genotype under additive model with SNPTEST.</a:t>
-            </a:r>
-          </a:p>
-          <a:p>
+              <a:t>STANLEY added to meta-</a:t>
+            </a:r>
             <a:r>
               <a:rPr lang="en-GB" dirty="0" err="1"/>
-              <a:t>BioFinder</a:t>
-            </a:r>
-            <a:r>
-              <a:rPr lang="en-GB" dirty="0"/>
-              <a:t>, </a:t>
-            </a:r>
-            <a:r>
-              <a:rPr lang="en-GB" dirty="0" err="1"/>
-              <a:t>MadCam</a:t>
-            </a:r>
-            <a:r>
-              <a:rPr lang="en-GB" dirty="0"/>
-              <a:t> and RECOMBINE were available – these were from Anders beside STANLEY lah1/swe6 with </a:t>
+              <a:t>snalysis</a:t>
+            </a:r>
+            <a:r>
+              <a:rPr lang="en-GB" dirty="0"/>
+              <a:t> when per-SNP sample sizes are available from study description (results from PLINK dosage analysis, with INFO but no N).</a:t>
+            </a:r>
+          </a:p>
+          <a:p>
+            <a:r>
+              <a:rPr lang="en-GB" dirty="0"/>
+              <a:t>INFO from </a:t>
             </a:r>
             <a:r>
               <a:rPr lang="en-GB" dirty="0" err="1"/>
@@ -4389,59 +4375,19 @@
             </a:r>
             <a:r>
               <a:rPr lang="en-GB" dirty="0"/>
-              <a:t>-stats pending while </a:t>
-            </a:r>
-            <a:r>
-              <a:rPr lang="en-GB" dirty="0" err="1"/>
-              <a:t>MadCam</a:t>
-            </a:r>
-            <a:r>
-              <a:rPr lang="en-GB" dirty="0"/>
-              <a:t> has RSQ_IMP.</a:t>
-            </a:r>
-          </a:p>
-          <a:p>
-            <a:r>
-              <a:rPr lang="en-GB" dirty="0"/>
-              <a:t>NSPHS has PLINK results but no </a:t>
-            </a:r>
-            <a:r>
-              <a:rPr lang="en-GB" dirty="0" err="1"/>
-              <a:t>qctool</a:t>
-            </a:r>
-            <a:r>
-              <a:rPr lang="en-GB" dirty="0"/>
-              <a:t> -</a:t>
-            </a:r>
-            <a:r>
-              <a:rPr lang="en-GB" dirty="0" err="1"/>
-              <a:t>snp</a:t>
-            </a:r>
-            <a:r>
-              <a:rPr lang="en-GB" dirty="0"/>
-              <a:t>-stats (in touch with </a:t>
-            </a:r>
-            <a:r>
-              <a:rPr lang="en-US" dirty="0"/>
-              <a:t>Åsa Johansson on 21/2</a:t>
-            </a:r>
-            <a:r>
-              <a:rPr lang="en-GB" dirty="0"/>
-              <a:t>).</a:t>
-            </a:r>
-          </a:p>
-          <a:p>
-            <a:r>
-              <a:rPr lang="en-GB" dirty="0"/>
-              <a:t>The number of problematic proteins was reduced from 22 to three, </a:t>
-            </a:r>
-            <a:r>
-              <a:rPr lang="en-GB" dirty="0" err="1"/>
-              <a:t>IFN.gamma</a:t>
-            </a:r>
-            <a:r>
-              <a:rPr lang="en-GB" dirty="0"/>
-              <a:t>, IL.22.RA1 and TSLP and then none with MAF set to MAF&gt;0.1 for STABILITY (N=2,951), second to INTERVAL (N=4,996).</a:t>
+              <a:t>-stats was added to INTERVAL.</a:t>
+            </a:r>
+          </a:p>
+          <a:p>
+            <a:r>
+              <a:rPr lang="en-GB" dirty="0"/>
+              <a:t>Side projects: R/gap, FM-pipeline, EWAS-fusion, etc. updated and results from FM-pipeline but pending on validation.</a:t>
+            </a:r>
+          </a:p>
+          <a:p>
+            <a:r>
+              <a:rPr lang="en-GB" dirty="0"/>
+              <a:t>INF1.paper.docx at INF/doc as placeholder for paper draft; cohort description needs to be added – an Excel spreadsheet was made available from the (updated) analysis plan and comments are welcome to consolidate.</a:t>
             </a:r>
           </a:p>
         </p:txBody>
@@ -4449,7 +4395,7 @@
     </p:spTree>
     <p:extLst>
       <p:ext uri="{BB962C8B-B14F-4D97-AF65-F5344CB8AC3E}">
-        <p14:creationId xmlns:p14="http://schemas.microsoft.com/office/powerpoint/2010/main" val="435210134"/>
+        <p14:creationId xmlns:p14="http://schemas.microsoft.com/office/powerpoint/2010/main" val="3409810465"/>
       </p:ext>
     </p:extLst>
   </p:cSld>
@@ -4494,7 +4440,7 @@
             <a:pPr algn="ctr"/>
             <a:r>
               <a:rPr lang="en-GB" b="1" dirty="0"/>
-              <a:t>Updates II (8/3/19)</a:t>
+              <a:t>Next steps (8/3/19)</a:t>
             </a:r>
           </a:p>
         </p:txBody>
@@ -4516,49 +4462,55 @@
           <a:p>
             <a:r>
               <a:rPr lang="en-GB" dirty="0"/>
-              <a:t>STANLEY added to meta-</a:t>
+              <a:t>Cohort-level QC, esp. MAF and INFO score.</a:t>
+            </a:r>
+          </a:p>
+          <a:p>
+            <a:r>
+              <a:rPr lang="en-GB" dirty="0"/>
+              <a:t>Meta-analysis for all cohorts (leaving out RECOMBINE?), including Q-Q/Manhattan/forest/</a:t>
             </a:r>
             <a:r>
               <a:rPr lang="en-GB" dirty="0" err="1"/>
-              <a:t>snalysis</a:t>
-            </a:r>
-            <a:r>
-              <a:rPr lang="en-GB" dirty="0"/>
-              <a:t> when per-SNP sample sizes are available from study description (results from PLINK dosage analysis, with INFO but no N).</a:t>
-            </a:r>
-          </a:p>
-          <a:p>
-            <a:r>
-              <a:rPr lang="en-GB" dirty="0"/>
-              <a:t>INFO from </a:t>
+              <a:t>LocusZoom</a:t>
+            </a:r>
+            <a:r>
+              <a:rPr lang="en-GB" dirty="0"/>
+              <a:t>/chord plots – with cis/trans regions when appropriate.</a:t>
+            </a:r>
+          </a:p>
+          <a:p>
+            <a:r>
+              <a:rPr lang="en-GB" dirty="0"/>
+              <a:t>To corroborate PLINK –clump with GCTA –</a:t>
             </a:r>
             <a:r>
               <a:rPr lang="en-GB" dirty="0" err="1"/>
-              <a:t>qctool</a:t>
-            </a:r>
-            <a:r>
-              <a:rPr lang="en-GB" dirty="0"/>
-              <a:t> –</a:t>
+              <a:t>cojo-slct</a:t>
+            </a:r>
+            <a:r>
+              <a:rPr lang="en-GB" dirty="0"/>
+              <a:t>.</a:t>
+            </a:r>
+          </a:p>
+          <a:p>
+            <a:r>
+              <a:rPr lang="en-GB" dirty="0"/>
+              <a:t>Replication?</a:t>
+            </a:r>
+          </a:p>
+          <a:p>
+            <a:r>
+              <a:rPr lang="en-GB" dirty="0"/>
+              <a:t>Downstream analysis, e.g., </a:t>
             </a:r>
             <a:r>
               <a:rPr lang="en-GB" dirty="0" err="1"/>
-              <a:t>snp</a:t>
-            </a:r>
-            <a:r>
-              <a:rPr lang="en-GB" dirty="0"/>
-              <a:t>-stats was added to INTERVAL.</a:t>
-            </a:r>
-          </a:p>
-          <a:p>
-            <a:r>
-              <a:rPr lang="en-GB" dirty="0"/>
-              <a:t>Side projects: R/gap, FM-pipeline, EWAS-fusion, etc. updated and results from FM-pipeline but pending on validation.</a:t>
-            </a:r>
-          </a:p>
-          <a:p>
-            <a:r>
-              <a:rPr lang="en-GB" dirty="0"/>
-              <a:t>INF1.paper.docx at INF/doc as placeholder for paper draft; cohort description needs to be added – an Excel spreadsheet was made available from the (updated) analysis plan and comments are welcome to consolidate.</a:t>
+              <a:t>phenoscanner</a:t>
+            </a:r>
+            <a:r>
+              <a:rPr lang="en-GB" dirty="0"/>
+              <a:t>, MR, GSEA/pathway.</a:t>
             </a:r>
           </a:p>
         </p:txBody>
@@ -4566,7 +4518,7 @@
     </p:spTree>
     <p:extLst>
       <p:ext uri="{BB962C8B-B14F-4D97-AF65-F5344CB8AC3E}">
-        <p14:creationId xmlns:p14="http://schemas.microsoft.com/office/powerpoint/2010/main" val="3409810465"/>
+        <p14:creationId xmlns:p14="http://schemas.microsoft.com/office/powerpoint/2010/main" val="1695469006"/>
       </p:ext>
     </p:extLst>
   </p:cSld>
@@ -6433,8 +6385,12 @@
           <a:p>
             <a:pPr algn="ctr"/>
             <a:r>
+              <a:rPr lang="en-US" b="1" dirty="0"/>
+              <a:t>Points from discussion</a:t>
+            </a:r>
+            <a:r>
               <a:rPr lang="en-GB" b="1" dirty="0"/>
-              <a:t>Next steps (8/3/19)</a:t>
+              <a:t> (8/3/19)</a:t>
             </a:r>
           </a:p>
         </p:txBody>
@@ -6451,68 +6407,128 @@
         </p:nvSpPr>
         <p:spPr/>
         <p:txBody>
-          <a:bodyPr/>
+          <a:bodyPr>
+            <a:normAutofit lnSpcReduction="10000"/>
+          </a:bodyPr>
           <a:lstStyle/>
           <a:p>
             <a:r>
-              <a:rPr lang="en-GB" dirty="0"/>
-              <a:t>Cohort-level QC, esp. MAF and INFO score.</a:t>
-            </a:r>
-          </a:p>
-          <a:p>
-            <a:r>
-              <a:rPr lang="en-GB" dirty="0"/>
-              <a:t>Meta-analysis for all cohorts (leaving out RECOMBINE?), including Q-Q/Manhattan/forest/</a:t>
-            </a:r>
-            <a:r>
-              <a:rPr lang="en-GB" dirty="0" err="1"/>
-              <a:t>LocusZoom</a:t>
-            </a:r>
-            <a:r>
-              <a:rPr lang="en-GB" dirty="0"/>
-              <a:t>/chord plots – with cis/trans regions when appropriate.</a:t>
-            </a:r>
-          </a:p>
-          <a:p>
-            <a:r>
-              <a:rPr lang="en-GB" dirty="0"/>
-              <a:t>To corroborate PLINK –clump with GCTA –</a:t>
-            </a:r>
-            <a:r>
-              <a:rPr lang="en-GB" dirty="0" err="1"/>
-              <a:t>cojo-slct</a:t>
-            </a:r>
-            <a:r>
-              <a:rPr lang="en-GB" dirty="0"/>
-              <a:t>.</a:t>
-            </a:r>
-          </a:p>
-          <a:p>
-            <a:r>
-              <a:rPr lang="en-GB" dirty="0"/>
-              <a:t>Replication?</a:t>
-            </a:r>
-          </a:p>
-          <a:p>
-            <a:r>
-              <a:rPr lang="en-GB" dirty="0"/>
-              <a:t>Downstream analysis, e.g., </a:t>
-            </a:r>
-            <a:r>
-              <a:rPr lang="en-GB" dirty="0" err="1"/>
+              <a:rPr lang="en-US" dirty="0"/>
+              <a:t>Cohort-specific </a:t>
+            </a:r>
+            <a:r>
+              <a:rPr lang="en-US" dirty="0" err="1"/>
+              <a:t>sumstats</a:t>
+            </a:r>
+            <a:r>
+              <a:rPr lang="en-US" dirty="0"/>
+              <a:t> for N, MAF, HWE, INFO in </a:t>
+            </a:r>
+            <a:r>
+              <a:rPr lang="en-US" dirty="0" err="1"/>
+              <a:t>qctool</a:t>
+            </a:r>
+            <a:r>
+              <a:rPr lang="en-US" dirty="0"/>
+              <a:t> –</a:t>
+            </a:r>
+            <a:r>
+              <a:rPr lang="en-US" dirty="0" err="1"/>
+              <a:t>snp</a:t>
+            </a:r>
+            <a:r>
+              <a:rPr lang="en-US" dirty="0"/>
+              <a:t>-stats</a:t>
+            </a:r>
+          </a:p>
+          <a:p>
+            <a:r>
+              <a:rPr lang="en-US" dirty="0" err="1"/>
+              <a:t>sumstats</a:t>
+            </a:r>
+            <a:r>
+              <a:rPr lang="en-US" dirty="0"/>
+              <a:t>/</a:t>
+            </a:r>
+            <a:r>
+              <a:rPr lang="en-US" dirty="0" err="1"/>
+              <a:t>Mantattan</a:t>
+            </a:r>
+            <a:r>
+              <a:rPr lang="en-US" dirty="0"/>
+              <a:t> for cohorts with problematic proteins</a:t>
+            </a:r>
+          </a:p>
+          <a:p>
+            <a:r>
+              <a:rPr lang="en-US" dirty="0"/>
+              <a:t>Between-cohort MAF-MAF plots</a:t>
+            </a:r>
+          </a:p>
+          <a:p>
+            <a:r>
+              <a:rPr lang="en-US" dirty="0"/>
+              <a:t>P ~ N (for </a:t>
+            </a:r>
+            <a:r>
+              <a:rPr lang="en-US" dirty="0" err="1"/>
+              <a:t>finemapping</a:t>
+            </a:r>
+            <a:r>
+              <a:rPr lang="en-US" dirty="0"/>
+              <a:t>) and consistency, e.g. INTERVAL/STABILITY.</a:t>
+            </a:r>
+          </a:p>
+          <a:p>
+            <a:r>
+              <a:rPr lang="en-US" dirty="0"/>
+              <a:t>False negative for those in the CVD1 panel to </a:t>
+            </a:r>
+            <a:r>
+              <a:rPr lang="en-US" dirty="0" err="1"/>
               <a:t>phenoscanner</a:t>
             </a:r>
-            <a:r>
-              <a:rPr lang="en-GB" dirty="0"/>
-              <a:t>, MR, GSEA/pathway.</a:t>
-            </a:r>
+            <a:endParaRPr lang="en-US" dirty="0"/>
+          </a:p>
+          <a:p>
+            <a:r>
+              <a:rPr lang="en-US" dirty="0"/>
+              <a:t>Chr19. NLRP12 from INTERVAL`</a:t>
+            </a:r>
+          </a:p>
+          <a:p>
+            <a:r>
+              <a:rPr lang="en-US" dirty="0"/>
+              <a:t>RECOMBINE experiment</a:t>
+            </a:r>
+          </a:p>
+          <a:p>
+            <a:r>
+              <a:rPr lang="en-US" dirty="0"/>
+              <a:t>Total # signals relative to other panels</a:t>
+            </a:r>
+          </a:p>
+          <a:p>
+            <a:r>
+              <a:rPr lang="en-US" dirty="0" err="1"/>
+              <a:t>Phenoscanner</a:t>
+            </a:r>
+            <a:r>
+              <a:rPr lang="en-US" dirty="0"/>
+              <a:t> and </a:t>
+            </a:r>
+            <a:r>
+              <a:rPr lang="en-US" dirty="0" err="1"/>
+              <a:t>eQTL</a:t>
+            </a:r>
+            <a:endParaRPr lang="en-GB" dirty="0"/>
           </a:p>
         </p:txBody>
       </p:sp>
     </p:spTree>
     <p:extLst>
       <p:ext uri="{BB962C8B-B14F-4D97-AF65-F5344CB8AC3E}">
-        <p14:creationId xmlns:p14="http://schemas.microsoft.com/office/powerpoint/2010/main" val="1695469006"/>
+        <p14:creationId xmlns:p14="http://schemas.microsoft.com/office/powerpoint/2010/main" val="3593078460"/>
       </p:ext>
     </p:extLst>
   </p:cSld>
@@ -6710,12 +6726,8 @@
           <a:p>
             <a:pPr algn="ctr"/>
             <a:r>
-              <a:rPr lang="en-US" b="1" dirty="0"/>
-              <a:t>Points from discussion</a:t>
-            </a:r>
-            <a:r>
               <a:rPr lang="en-GB" b="1" dirty="0"/>
-              <a:t> (8/3/19)</a:t>
+              <a:t>A brief summary (29/11/18)</a:t>
             </a:r>
           </a:p>
         </p:txBody>
@@ -6723,6 +6735,119 @@
       <p:sp>
         <p:nvSpPr>
           <p:cNvPr id="3" name="Content Placeholder 2"/>
+          <p:cNvSpPr>
+            <a:spLocks noGrp="1"/>
+          </p:cNvSpPr>
+          <p:nvPr>
+            <p:ph idx="1"/>
+          </p:nvPr>
+        </p:nvSpPr>
+        <p:spPr/>
+        <p:txBody>
+          <a:bodyPr>
+            <a:normAutofit/>
+          </a:bodyPr>
+          <a:lstStyle/>
+          <a:p>
+            <a:r>
+              <a:rPr lang="en-GB" dirty="0"/>
+              <a:t>It is still at a very early stage of the analysis.</a:t>
+            </a:r>
+          </a:p>
+          <a:p>
+            <a:r>
+              <a:rPr lang="en-GB" dirty="0"/>
+              <a:t>Results from INTERVAL and benchmarks from meta-analysis were reassuring.</a:t>
+            </a:r>
+          </a:p>
+          <a:p>
+            <a:r>
+              <a:rPr lang="en-GB" dirty="0"/>
+              <a:t>This was based on stricter criteria on –ld-r2 of the PLINK –clump procedure which was somewhat hampered is its inability to handle small p-value.</a:t>
+            </a:r>
+          </a:p>
+          <a:p>
+            <a:r>
+              <a:rPr lang="en-GB" dirty="0"/>
+              <a:t>It is worthwhile to explore approaches.</a:t>
+            </a:r>
+          </a:p>
+          <a:p>
+            <a:r>
+              <a:rPr lang="en-GB" dirty="0"/>
+              <a:t>There will be further effort on the meta-analysis QC.</a:t>
+            </a:r>
+          </a:p>
+        </p:txBody>
+      </p:sp>
+    </p:spTree>
+    <p:extLst>
+      <p:ext uri="{BB962C8B-B14F-4D97-AF65-F5344CB8AC3E}">
+        <p14:creationId xmlns:p14="http://schemas.microsoft.com/office/powerpoint/2010/main" val="1462860847"/>
+      </p:ext>
+    </p:extLst>
+  </p:cSld>
+  <p:clrMapOvr>
+    <a:masterClrMapping/>
+  </p:clrMapOvr>
+</p:sld>
+</file>
+
+<file path=ppt/slides/slide24.xml><?xml version="1.0" encoding="utf-8"?>
+<p:sld xmlns:a="http://schemas.openxmlformats.org/drawingml/2006/main" xmlns:r="http://schemas.openxmlformats.org/officeDocument/2006/relationships" xmlns:p="http://schemas.openxmlformats.org/presentationml/2006/main">
+  <p:cSld>
+    <p:spTree>
+      <p:nvGrpSpPr>
+        <p:cNvPr id="1" name=""/>
+        <p:cNvGrpSpPr/>
+        <p:nvPr/>
+      </p:nvGrpSpPr>
+      <p:grpSpPr>
+        <a:xfrm>
+          <a:off x="0" y="0"/>
+          <a:ext cx="0" cy="0"/>
+          <a:chOff x="0" y="0"/>
+          <a:chExt cx="0" cy="0"/>
+        </a:xfrm>
+      </p:grpSpPr>
+      <p:sp>
+        <p:nvSpPr>
+          <p:cNvPr id="2" name="Title 1">
+            <a:extLst>
+              <a:ext uri="{FF2B5EF4-FFF2-40B4-BE49-F238E27FC236}">
+                <a16:creationId xmlns:a16="http://schemas.microsoft.com/office/drawing/2014/main" id="{0B706D4B-56BB-4904-95C8-C7317B2F9042}"/>
+              </a:ext>
+            </a:extLst>
+          </p:cNvPr>
+          <p:cNvSpPr>
+            <a:spLocks noGrp="1"/>
+          </p:cNvSpPr>
+          <p:nvPr>
+            <p:ph type="title"/>
+          </p:nvPr>
+        </p:nvSpPr>
+        <p:spPr/>
+        <p:txBody>
+          <a:bodyPr/>
+          <a:lstStyle/>
+          <a:p>
+            <a:pPr algn="ctr"/>
+            <a:r>
+              <a:rPr lang="en-GB" b="1" dirty="0"/>
+              <a:t>On next steps (29/11/18)</a:t>
+            </a:r>
+          </a:p>
+        </p:txBody>
+      </p:sp>
+      <p:sp>
+        <p:nvSpPr>
+          <p:cNvPr id="3" name="Content Placeholder 2">
+            <a:extLst>
+              <a:ext uri="{FF2B5EF4-FFF2-40B4-BE49-F238E27FC236}">
+                <a16:creationId xmlns:a16="http://schemas.microsoft.com/office/drawing/2014/main" id="{779C168B-FE2B-48BB-9F71-190FE784313F}"/>
+              </a:ext>
+            </a:extLst>
+          </p:cNvPr>
           <p:cNvSpPr>
             <a:spLocks noGrp="1"/>
           </p:cNvSpPr>
@@ -6738,122 +6863,82 @@
           <a:lstStyle/>
           <a:p>
             <a:r>
-              <a:rPr lang="en-US" dirty="0"/>
-              <a:t>Cohort-specific </a:t>
-            </a:r>
-            <a:r>
-              <a:rPr lang="en-US" dirty="0" err="1"/>
-              <a:t>sumstats</a:t>
-            </a:r>
-            <a:r>
-              <a:rPr lang="en-US" dirty="0"/>
-              <a:t> for N, MAF, HWE, INFO in </a:t>
-            </a:r>
-            <a:r>
-              <a:rPr lang="en-US" dirty="0" err="1"/>
+              <a:rPr lang="en-GB" dirty="0"/>
+              <a:t>KORA individual level data analysis will be conducted centrally.</a:t>
+            </a:r>
+          </a:p>
+          <a:p>
+            <a:r>
+              <a:rPr lang="en-GB" dirty="0"/>
+              <a:t>Additional studies such as COMBINE will be added.</a:t>
+            </a:r>
+          </a:p>
+          <a:p>
+            <a:r>
+              <a:rPr lang="en-GB" dirty="0"/>
+              <a:t>For cohorts contributing results on PLINK, information such as effect allele (frequency), imputation quality is recommended on a per-cohort basis via </a:t>
+            </a:r>
+            <a:r>
+              <a:rPr lang="en-GB" dirty="0" err="1"/>
               <a:t>qctool</a:t>
             </a:r>
             <a:r>
-              <a:rPr lang="en-US" dirty="0"/>
-              <a:t> –</a:t>
-            </a:r>
-            <a:r>
-              <a:rPr lang="en-US" dirty="0" err="1"/>
-              <a:t>snp</a:t>
-            </a:r>
-            <a:r>
-              <a:rPr lang="en-US" dirty="0"/>
-              <a:t>-stats</a:t>
-            </a:r>
-          </a:p>
-          <a:p>
-            <a:r>
-              <a:rPr lang="en-US" dirty="0" err="1"/>
-              <a:t>sumstats</a:t>
-            </a:r>
-            <a:r>
-              <a:rPr lang="en-US" dirty="0"/>
-              <a:t>/</a:t>
-            </a:r>
-            <a:r>
-              <a:rPr lang="en-US" dirty="0" err="1"/>
-              <a:t>Mantattan</a:t>
-            </a:r>
-            <a:r>
-              <a:rPr lang="en-US" dirty="0"/>
-              <a:t> for cohorts with problematic proteins</a:t>
-            </a:r>
-          </a:p>
-          <a:p>
-            <a:r>
-              <a:rPr lang="en-US" dirty="0"/>
-              <a:t>Between-cohort MAF-MAF plots</a:t>
-            </a:r>
-          </a:p>
-          <a:p>
-            <a:r>
-              <a:rPr lang="en-US" dirty="0"/>
-              <a:t>P ~ N (for </a:t>
-            </a:r>
-            <a:r>
-              <a:rPr lang="en-US" dirty="0" err="1"/>
-              <a:t>finemapping</a:t>
-            </a:r>
-            <a:r>
-              <a:rPr lang="en-US" dirty="0"/>
-              <a:t>) and consistency, e.g. INTERVAL/STABILITY.</a:t>
-            </a:r>
-          </a:p>
-          <a:p>
-            <a:r>
-              <a:rPr lang="en-US" dirty="0"/>
-              <a:t>False negative for those in the CVD1 panel to </a:t>
-            </a:r>
-            <a:r>
-              <a:rPr lang="en-US" dirty="0" err="1"/>
-              <a:t>phenoscanner</a:t>
-            </a:r>
-            <a:endParaRPr lang="en-US" dirty="0"/>
-          </a:p>
-          <a:p>
-            <a:r>
-              <a:rPr lang="en-US" dirty="0"/>
-              <a:t>Chr19. NLRP12 from INTERVAL`</a:t>
-            </a:r>
-          </a:p>
-          <a:p>
-            <a:r>
-              <a:rPr lang="en-US" dirty="0"/>
-              <a:t>RECOMBINE experiment</a:t>
-            </a:r>
-          </a:p>
-          <a:p>
-            <a:r>
-              <a:rPr lang="en-US" dirty="0"/>
-              <a:t>Total # signals relative to other panels</a:t>
-            </a:r>
-          </a:p>
-          <a:p>
-            <a:r>
-              <a:rPr lang="en-US" dirty="0" err="1"/>
-              <a:t>Phenoscanner</a:t>
-            </a:r>
-            <a:r>
-              <a:rPr lang="en-US" dirty="0"/>
-              <a:t> and </a:t>
-            </a:r>
-            <a:r>
-              <a:rPr lang="en-US" dirty="0" err="1"/>
-              <a:t>eQTL</a:t>
-            </a:r>
-            <a:endParaRPr lang="en-GB" dirty="0"/>
+              <a:rPr lang="en-GB" dirty="0"/>
+              <a:t> as noted in SCALLOP_INF_I_analysis_plan.md.</a:t>
+            </a:r>
+          </a:p>
+          <a:p>
+            <a:r>
+              <a:rPr lang="en-GB" dirty="0"/>
+              <a:t>The QC will be refined and downstream analysis strengthened -- the experiments were based on 1000Genomes extracted from </a:t>
+            </a:r>
+            <a:r>
+              <a:rPr lang="en-GB" dirty="0" err="1"/>
+              <a:t>LocusZoom</a:t>
+            </a:r>
+            <a:r>
+              <a:rPr lang="en-GB" dirty="0"/>
+              <a:t> 1.4 at </a:t>
+            </a:r>
+            <a:r>
+              <a:rPr lang="en-GB" dirty="0" err="1"/>
+              <a:t>tryggve</a:t>
+            </a:r>
+            <a:r>
+              <a:rPr lang="en-GB" dirty="0"/>
+              <a:t> when there was issues with the up-/down-load. A more desirable reference panel would be INTERVAL, </a:t>
+            </a:r>
+            <a:r>
+              <a:rPr lang="en-GB" dirty="0" err="1"/>
+              <a:t>UKBiobank</a:t>
+            </a:r>
+            <a:r>
+              <a:rPr lang="en-GB" dirty="0"/>
+              <a:t>, both involving HRC+UK10K. </a:t>
+            </a:r>
+            <a:r>
+              <a:rPr lang="en-GB" dirty="0" err="1"/>
+              <a:t>Finemapping</a:t>
+            </a:r>
+            <a:r>
+              <a:rPr lang="en-GB" dirty="0"/>
+              <a:t> is set to involve PLINK, GCTA, </a:t>
+            </a:r>
+            <a:r>
+              <a:rPr lang="en-GB" dirty="0" err="1"/>
+              <a:t>finemap</a:t>
+            </a:r>
+            <a:r>
+              <a:rPr lang="en-GB" dirty="0"/>
+              <a:t>, and JAM, among others.</a:t>
+            </a:r>
           </a:p>
         </p:txBody>
       </p:sp>
     </p:spTree>
     <p:extLst>
       <p:ext uri="{BB962C8B-B14F-4D97-AF65-F5344CB8AC3E}">
-        <p14:creationId xmlns:p14="http://schemas.microsoft.com/office/powerpoint/2010/main" val="3593078460"/>
+        <p14:creationId xmlns:p14="http://schemas.microsoft.com/office/powerpoint/2010/main" val="1025794882"/>
       </p:ext>
     </p:extLst>
   </p:cSld>
@@ -8448,7 +8533,7 @@
             <a:pPr algn="ctr"/>
             <a:r>
               <a:rPr lang="en-GB" b="1" dirty="0"/>
-              <a:t>Manhattan plots</a:t>
+              <a:t>Results</a:t>
             </a:r>
           </a:p>
         </p:txBody>
@@ -8465,40 +8550,132 @@
         </p:nvSpPr>
         <p:spPr/>
         <p:txBody>
-          <a:bodyPr/>
+          <a:bodyPr>
+            <a:normAutofit fontScale="92500" lnSpcReduction="10000"/>
+          </a:bodyPr>
           <a:lstStyle/>
           <a:p>
             <a:r>
               <a:rPr lang="en-GB" dirty="0"/>
-              <a:t>QCGWAS only desirable for small number of (problematic) proteins.</a:t>
-            </a:r>
-          </a:p>
-          <a:p>
-            <a:r>
-              <a:rPr lang="en-GB" dirty="0"/>
-              <a:t>Manhattan plots were produced for each protein from each cohort.</a:t>
-            </a:r>
-          </a:p>
-          <a:p>
-            <a:r>
-              <a:rPr lang="en-GB" dirty="0"/>
-              <a:t>It indicates that </a:t>
-            </a:r>
+              <a:t>/scratch/jhz22/INF/</a:t>
+            </a:r>
+          </a:p>
+          <a:p>
+            <a:pPr lvl="1"/>
             <a:r>
               <a:rPr lang="en-GB" dirty="0" err="1"/>
               <a:t>sumstats</a:t>
             </a:r>
             <a:r>
               <a:rPr lang="en-GB" dirty="0"/>
-              <a:t> are generally satisfactory.</a:t>
-            </a:r>
+              <a:t>/INTERVAL on GWAS </a:t>
+            </a:r>
+            <a:r>
+              <a:rPr lang="en-GB" dirty="0" err="1"/>
+              <a:t>sumstats</a:t>
+            </a:r>
+            <a:r>
+              <a:rPr lang="en-GB" dirty="0"/>
+              <a:t> from INTERVAL</a:t>
+            </a:r>
+          </a:p>
+          <a:p>
+            <a:pPr lvl="1"/>
+            <a:r>
+              <a:rPr lang="en-GB" dirty="0"/>
+              <a:t>plots/ on Manhattan plots for participating cohorts</a:t>
+            </a:r>
+          </a:p>
+          <a:p>
+            <a:pPr lvl="1"/>
+            <a:r>
+              <a:rPr lang="en-GB" dirty="0"/>
+              <a:t>METAL/ on meta-analysed </a:t>
+            </a:r>
+            <a:r>
+              <a:rPr lang="en-GB" dirty="0" err="1"/>
+              <a:t>sumstats+Manhattan</a:t>
+            </a:r>
+            <a:r>
+              <a:rPr lang="en-GB" dirty="0"/>
+              <a:t>/Q-Q/</a:t>
+            </a:r>
+            <a:r>
+              <a:rPr lang="en-GB" dirty="0" err="1"/>
+              <a:t>LocusZoom</a:t>
+            </a:r>
+            <a:r>
+              <a:rPr lang="en-GB" dirty="0"/>
+              <a:t> plots</a:t>
+            </a:r>
+          </a:p>
+          <a:p>
+            <a:pPr lvl="1"/>
+            <a:r>
+              <a:rPr lang="en-GB" dirty="0"/>
+              <a:t>clumping/ on PLINK –clump analysis + forest plots (INF1.UK10K+1KG.r2-0.fp.pdf)</a:t>
+            </a:r>
+          </a:p>
+          <a:p>
+            <a:pPr lvl="1"/>
+            <a:r>
+              <a:rPr lang="en-GB" dirty="0" err="1"/>
+              <a:t>cojo</a:t>
+            </a:r>
+            <a:r>
+              <a:rPr lang="en-GB" dirty="0"/>
+              <a:t>/ on conditional analysis with 1KG, UK10K+1KG</a:t>
+            </a:r>
+          </a:p>
+          <a:p>
+            <a:r>
+              <a:rPr lang="en-GB" dirty="0"/>
+              <a:t>cis/trans classification tables was generated via customised programs</a:t>
+            </a:r>
+          </a:p>
+          <a:p>
+            <a:r>
+              <a:rPr lang="en-GB" u="sng" dirty="0">
+                <a:hlinkClick r:id="rId2"/>
+              </a:rPr>
+              <a:t>https://github.com/jinghuazhao/INF/blob/master/doc/INF1.paper.xlsx</a:t>
+            </a:r>
+            <a:r>
+              <a:rPr lang="en-GB" dirty="0"/>
+              <a:t> collects clumping/</a:t>
+            </a:r>
+            <a:r>
+              <a:rPr lang="en-GB" dirty="0" err="1"/>
+              <a:t>cojo</a:t>
+            </a:r>
+            <a:r>
+              <a:rPr lang="en-GB" dirty="0"/>
+              <a:t> results</a:t>
+            </a:r>
+          </a:p>
+          <a:p>
+            <a:r>
+              <a:rPr lang="en-GB" dirty="0"/>
+              <a:t>INTERVAL and INF1 share similarity in both number of signals and cis/trans classification, while UK10K+1KG reference panel gave more signals than 1KG. GCTA –</a:t>
+            </a:r>
+            <a:r>
+              <a:rPr lang="en-GB" dirty="0" err="1"/>
+              <a:t>cojo</a:t>
+            </a:r>
+            <a:r>
+              <a:rPr lang="en-GB" dirty="0"/>
+              <a:t> appears to be a good compromise between r2=0, 0.1</a:t>
+            </a:r>
+          </a:p>
+          <a:p>
+            <a:endParaRPr lang="en-GB" dirty="0"/>
           </a:p>
         </p:txBody>
       </p:sp>
     </p:spTree>
     <p:extLst>
       <p:ext uri="{BB962C8B-B14F-4D97-AF65-F5344CB8AC3E}">
-        <p14:creationId xmlns:p14="http://schemas.microsoft.com/office/powerpoint/2010/main" val="1815722324"/>
+        <p14:creationId xmlns:p14="http://schemas.microsoft.com/office/powerpoint/2010/main" val="101094381"/>
       </p:ext>
     </p:extLst>
   </p:cSld>
@@ -8543,13 +8720,8 @@
             <a:pPr algn="ctr"/>
             <a:r>
               <a:rPr lang="en-GB" b="1" dirty="0"/>
-              <a:t>Use of </a:t>
-            </a:r>
-            <a:r>
-              <a:rPr lang="en-GB" b="1" dirty="0" err="1"/>
-              <a:t>sumstats</a:t>
-            </a:r>
-            <a:endParaRPr lang="en-GB" b="1" dirty="0"/>
+              <a:t>Manhattan plots</a:t>
+            </a:r>
           </a:p>
         </p:txBody>
       </p:sp>
@@ -8570,86 +8742,35 @@
           <a:p>
             <a:r>
               <a:rPr lang="en-GB" dirty="0"/>
-              <a:t>Identification of independent signals with 1KG (built from </a:t>
+              <a:t>QCGWAS only desirable for small number of (problematic) proteins.</a:t>
+            </a:r>
+          </a:p>
+          <a:p>
+            <a:r>
+              <a:rPr lang="en-GB" dirty="0"/>
+              <a:t>Manhattan plots were produced for each protein from each cohort.</a:t>
+            </a:r>
+          </a:p>
+          <a:p>
+            <a:r>
+              <a:rPr lang="en-GB" dirty="0"/>
+              <a:t>It indicates that </a:t>
             </a:r>
             <a:r>
               <a:rPr lang="en-GB" dirty="0" err="1"/>
-              <a:t>LocusZoom</a:t>
-            </a:r>
-            <a:r>
-              <a:rPr lang="en-GB" dirty="0"/>
-              <a:t> 1.4 and also curated databases at cardio), UK10K+1KG (INTERVAL genotypes) and r2=0, 0.1 and contrast with INTERVAL.</a:t>
-            </a:r>
-          </a:p>
-          <a:p>
-            <a:pPr lvl="1"/>
-            <a:r>
-              <a:rPr lang="en-GB" dirty="0"/>
-              <a:t>PLINK –clump</a:t>
-            </a:r>
-          </a:p>
-          <a:p>
-            <a:pPr lvl="1"/>
-            <a:r>
-              <a:rPr lang="en-GB" dirty="0"/>
-              <a:t>GCTA –</a:t>
-            </a:r>
-            <a:r>
-              <a:rPr lang="en-GB" dirty="0" err="1"/>
-              <a:t>cojo</a:t>
-            </a:r>
-            <a:endParaRPr lang="en-GB" dirty="0"/>
-          </a:p>
-          <a:p>
-            <a:r>
-              <a:rPr lang="en-GB" dirty="0"/>
-              <a:t>Manhattan/Q-Q/</a:t>
-            </a:r>
-            <a:r>
-              <a:rPr lang="en-GB" dirty="0" err="1"/>
-              <a:t>LocusZoom</a:t>
-            </a:r>
-            <a:r>
-              <a:rPr lang="en-GB" dirty="0"/>
-              <a:t>/forest plots, loose ends (</a:t>
-            </a:r>
-            <a:r>
-              <a:rPr lang="en-GB" dirty="0" err="1"/>
-              <a:t>rsid</a:t>
-            </a:r>
-            <a:r>
-              <a:rPr lang="en-GB" dirty="0"/>
-              <a:t> instead of SNPID and right allele labelling/effect size) for the latter two are being done.</a:t>
-            </a:r>
-          </a:p>
-          <a:p>
-            <a:r>
-              <a:rPr lang="en-GB" dirty="0" err="1"/>
-              <a:t>Finemapping</a:t>
-            </a:r>
-            <a:r>
-              <a:rPr lang="en-GB" dirty="0"/>
-              <a:t>, LDSC analysis, pathway analysis?</a:t>
-            </a:r>
-          </a:p>
-          <a:p>
-            <a:r>
-              <a:rPr lang="en-GB" dirty="0"/>
-              <a:t>Quantitative trait/disease outcomes, e.g., CVD, lung function.</a:t>
-            </a:r>
-          </a:p>
-          <a:p>
-            <a:pPr marL="0" indent="0">
-              <a:buNone/>
-            </a:pPr>
-            <a:endParaRPr lang="en-GB" dirty="0"/>
+              <a:t>sumstats</a:t>
+            </a:r>
+            <a:r>
+              <a:rPr lang="en-GB" dirty="0"/>
+              <a:t> are generally satisfactory.</a:t>
+            </a:r>
           </a:p>
         </p:txBody>
       </p:sp>
     </p:spTree>
     <p:extLst>
       <p:ext uri="{BB962C8B-B14F-4D97-AF65-F5344CB8AC3E}">
-        <p14:creationId xmlns:p14="http://schemas.microsoft.com/office/powerpoint/2010/main" val="2840599358"/>
+        <p14:creationId xmlns:p14="http://schemas.microsoft.com/office/powerpoint/2010/main" val="1815722324"/>
       </p:ext>
     </p:extLst>
   </p:cSld>
@@ -8694,8 +8815,13 @@
             <a:pPr algn="ctr"/>
             <a:r>
               <a:rPr lang="en-GB" b="1" dirty="0"/>
-              <a:t>Results</a:t>
-            </a:r>
+              <a:t>Use of </a:t>
+            </a:r>
+            <a:r>
+              <a:rPr lang="en-GB" b="1" dirty="0" err="1"/>
+              <a:t>sumstats</a:t>
+            </a:r>
+            <a:endParaRPr lang="en-GB" b="1" dirty="0"/>
           </a:p>
         </p:txBody>
       </p:sp>
@@ -8711,55 +8837,12 @@
         </p:nvSpPr>
         <p:spPr/>
         <p:txBody>
-          <a:bodyPr>
-            <a:normAutofit fontScale="92500" lnSpcReduction="10000"/>
-          </a:bodyPr>
+          <a:bodyPr/>
           <a:lstStyle/>
           <a:p>
             <a:r>
               <a:rPr lang="en-GB" dirty="0"/>
-              <a:t>/scratch/jhz22/INF/</a:t>
-            </a:r>
-          </a:p>
-          <a:p>
-            <a:pPr lvl="1"/>
-            <a:r>
-              <a:rPr lang="en-GB" dirty="0" err="1"/>
-              <a:t>sumstats</a:t>
-            </a:r>
-            <a:r>
-              <a:rPr lang="en-GB" dirty="0"/>
-              <a:t>/INTERVAL on GWAS </a:t>
-            </a:r>
-            <a:r>
-              <a:rPr lang="en-GB" dirty="0" err="1"/>
-              <a:t>sumstats</a:t>
-            </a:r>
-            <a:r>
-              <a:rPr lang="en-GB" dirty="0"/>
-              <a:t> from INTERVAL</a:t>
-            </a:r>
-          </a:p>
-          <a:p>
-            <a:pPr lvl="1"/>
-            <a:r>
-              <a:rPr lang="en-GB" dirty="0"/>
-              <a:t>plots/ on Manhattan plots for participating cohorts</a:t>
-            </a:r>
-          </a:p>
-          <a:p>
-            <a:pPr lvl="1"/>
-            <a:r>
-              <a:rPr lang="en-GB" dirty="0"/>
-              <a:t>METAL/ on meta-analysed </a:t>
-            </a:r>
-            <a:r>
-              <a:rPr lang="en-GB" dirty="0" err="1"/>
-              <a:t>sumstats+Manhattan</a:t>
-            </a:r>
-            <a:r>
-              <a:rPr lang="en-GB" dirty="0"/>
-              <a:t>/Q-Q/</a:t>
+              <a:t>Identification of independent signals with 1KG (built from </a:t>
             </a:r>
             <a:r>
               <a:rPr lang="en-GB" dirty="0" err="1"/>
@@ -8767,68 +8850,70 @@
             </a:r>
             <a:r>
               <a:rPr lang="en-GB" dirty="0"/>
-              <a:t> plots</a:t>
+              <a:t> 1.4 and also curated databases at cardio), UK10K+1KG (INTERVAL genotypes) and r2=0, 0.1 and contrast with INTERVAL.</a:t>
             </a:r>
           </a:p>
           <a:p>
             <a:pPr lvl="1"/>
             <a:r>
               <a:rPr lang="en-GB" dirty="0"/>
-              <a:t>clumping/ on PLINK –clump analysis + forest plots (INF1.UK10K+1KG.r2-0.fp.pdf)</a:t>
+              <a:t>PLINK –clump</a:t>
             </a:r>
           </a:p>
           <a:p>
             <a:pPr lvl="1"/>
+            <a:r>
+              <a:rPr lang="en-GB" dirty="0"/>
+              <a:t>GCTA –</a:t>
+            </a:r>
             <a:r>
               <a:rPr lang="en-GB" dirty="0" err="1"/>
               <a:t>cojo</a:t>
             </a:r>
-            <a:r>
-              <a:rPr lang="en-GB" dirty="0"/>
-              <a:t>/ on conditional analysis with 1KG, UK10K+1KG</a:t>
-            </a:r>
-          </a:p>
-          <a:p>
-            <a:r>
-              <a:rPr lang="en-GB" dirty="0"/>
-              <a:t>cis/trans classification tables was generated via customised programs</a:t>
-            </a:r>
-          </a:p>
-          <a:p>
-            <a:r>
-              <a:rPr lang="en-GB" u="sng" dirty="0">
-                <a:hlinkClick r:id="rId2"/>
-              </a:rPr>
-              <a:t>https://github.com/jinghuazhao/INF/blob/master/doc/INF1.paper.xlsx</a:t>
-            </a:r>
-            <a:r>
-              <a:rPr lang="en-GB" dirty="0"/>
-              <a:t> collects clumping/</a:t>
+            <a:endParaRPr lang="en-GB" dirty="0"/>
+          </a:p>
+          <a:p>
+            <a:r>
+              <a:rPr lang="en-GB" dirty="0"/>
+              <a:t>Manhattan/Q-Q/</a:t>
             </a:r>
             <a:r>
               <a:rPr lang="en-GB" dirty="0" err="1"/>
-              <a:t>cojo</a:t>
-            </a:r>
-            <a:r>
-              <a:rPr lang="en-GB" dirty="0"/>
-              <a:t> results</a:t>
-            </a:r>
-          </a:p>
-          <a:p>
-            <a:r>
-              <a:rPr lang="en-GB" dirty="0"/>
-              <a:t>INTERVAL and INF1 share similarity in both number of signals and cis/trans classification, while UK10K+1KG reference panel gave more signals than 1KG. GCTA –</a:t>
+              <a:t>LocusZoom</a:t>
+            </a:r>
+            <a:r>
+              <a:rPr lang="en-GB" dirty="0"/>
+              <a:t>/forest plots, loose ends (</a:t>
             </a:r>
             <a:r>
               <a:rPr lang="en-GB" dirty="0" err="1"/>
-              <a:t>cojo</a:t>
-            </a:r>
-            <a:r>
-              <a:rPr lang="en-GB" dirty="0"/>
-              <a:t> appears to be a good compromise between r2=0, 0.1</a:t>
-            </a:r>
-          </a:p>
-          <a:p>
+              <a:t>rsid</a:t>
+            </a:r>
+            <a:r>
+              <a:rPr lang="en-GB" dirty="0"/>
+              <a:t> instead of SNPID and right allele labelling/effect size) for the latter two are being done.</a:t>
+            </a:r>
+          </a:p>
+          <a:p>
+            <a:r>
+              <a:rPr lang="en-GB" dirty="0" err="1"/>
+              <a:t>Finemapping</a:t>
+            </a:r>
+            <a:r>
+              <a:rPr lang="en-GB" dirty="0"/>
+              <a:t>, LDSC analysis, pathway analysis?</a:t>
+            </a:r>
+          </a:p>
+          <a:p>
+            <a:r>
+              <a:rPr lang="en-GB" dirty="0"/>
+              <a:t>Quantitative trait/disease outcomes, e.g., CVD, lung function.</a:t>
+            </a:r>
+          </a:p>
+          <a:p>
+            <a:pPr marL="0" indent="0">
+              <a:buNone/>
+            </a:pPr>
             <a:endParaRPr lang="en-GB" dirty="0"/>
           </a:p>
         </p:txBody>
@@ -8836,7 +8921,7 @@
     </p:spTree>
     <p:extLst>
       <p:ext uri="{BB962C8B-B14F-4D97-AF65-F5344CB8AC3E}">
-        <p14:creationId xmlns:p14="http://schemas.microsoft.com/office/powerpoint/2010/main" val="101094381"/>
+        <p14:creationId xmlns:p14="http://schemas.microsoft.com/office/powerpoint/2010/main" val="2840599358"/>
       </p:ext>
     </p:extLst>
   </p:cSld>

--- a/doc/SCALLOP_INF1-120419.pptx
+++ b/doc/SCALLOP_INF1-120419.pptx
@@ -3660,7 +3660,7 @@
         </p:nvSpPr>
         <p:spPr>
           <a:xfrm>
-            <a:off x="838200" y="365125"/>
+            <a:off x="341811" y="312874"/>
             <a:ext cx="5405846" cy="1325563"/>
           </a:xfrm>
         </p:spPr>
@@ -3671,11 +3671,7 @@
             <a:pPr algn="ctr"/>
             <a:r>
               <a:rPr lang="en-GB" b="1" dirty="0" smtClean="0"/>
-              <a:t>OPG </a:t>
-            </a:r>
-            <a:r>
-              <a:rPr lang="en-GB" b="1" dirty="0" smtClean="0"/>
-              <a:t>forest plot</a:t>
+              <a:t>OPG forest plot</a:t>
             </a:r>
             <a:endParaRPr lang="en-GB" b="1" dirty="0"/>
           </a:p>
@@ -3712,7 +3708,7 @@
       </p:pic>
       <p:pic>
         <p:nvPicPr>
-          <p:cNvPr id="5" name="Picture 4"/>
+          <p:cNvPr id="3" name="Picture 2"/>
           <p:cNvPicPr>
             <a:picLocks noChangeAspect="1"/>
           </p:cNvPicPr>
@@ -3732,7 +3728,7 @@
         </p:blipFill>
         <p:spPr>
           <a:xfrm>
-            <a:off x="5558245" y="-87086"/>
+            <a:off x="5262154" y="0"/>
             <a:ext cx="6858000" cy="6858000"/>
           </a:xfrm>
           <a:prstGeom prst="rect">
@@ -3793,11 +3789,7 @@
             <a:pPr algn="ctr"/>
             <a:r>
               <a:rPr lang="en-GB" b="1" dirty="0" smtClean="0"/>
-              <a:t>OPG </a:t>
-            </a:r>
-            <a:r>
-              <a:rPr lang="en-GB" b="1" dirty="0" smtClean="0"/>
-              <a:t>forest plot</a:t>
+              <a:t>OPG forest plot</a:t>
             </a:r>
             <a:endParaRPr lang="en-GB" b="1" dirty="0"/>
           </a:p>
@@ -3834,7 +3826,7 @@
       </p:pic>
       <p:pic>
         <p:nvPicPr>
-          <p:cNvPr id="5" name="Picture 4"/>
+          <p:cNvPr id="3" name="Picture 2"/>
           <p:cNvPicPr>
             <a:picLocks noChangeAspect="1"/>
           </p:cNvPicPr>
@@ -3854,8 +3846,8 @@
         </p:blipFill>
         <p:spPr>
           <a:xfrm>
-            <a:off x="5334000" y="-4354"/>
-            <a:ext cx="6858000" cy="6862354"/>
+            <a:off x="5340538" y="0"/>
+            <a:ext cx="6858000" cy="6858000"/>
           </a:xfrm>
           <a:prstGeom prst="rect">
             <a:avLst/>

--- a/doc/SCALLOP_INF1-120419.pptx
+++ b/doc/SCALLOP_INF1-120419.pptx
@@ -284,7 +284,7 @@
           <a:p>
             <a:fld id="{E1BC1721-5CED-45EF-BE6E-B0E4EE9D0A2D}" type="datetimeFigureOut">
               <a:rPr lang="en-GB" smtClean="0"/>
-              <a:t>09/04/2019</a:t>
+              <a:t>10/04/2019</a:t>
             </a:fld>
             <a:endParaRPr lang="en-GB"/>
           </a:p>
@@ -484,7 +484,7 @@
           <a:p>
             <a:fld id="{E1BC1721-5CED-45EF-BE6E-B0E4EE9D0A2D}" type="datetimeFigureOut">
               <a:rPr lang="en-GB" smtClean="0"/>
-              <a:t>09/04/2019</a:t>
+              <a:t>10/04/2019</a:t>
             </a:fld>
             <a:endParaRPr lang="en-GB"/>
           </a:p>
@@ -694,7 +694,7 @@
           <a:p>
             <a:fld id="{E1BC1721-5CED-45EF-BE6E-B0E4EE9D0A2D}" type="datetimeFigureOut">
               <a:rPr lang="en-GB" smtClean="0"/>
-              <a:t>09/04/2019</a:t>
+              <a:t>10/04/2019</a:t>
             </a:fld>
             <a:endParaRPr lang="en-GB"/>
           </a:p>
@@ -894,7 +894,7 @@
           <a:p>
             <a:fld id="{E1BC1721-5CED-45EF-BE6E-B0E4EE9D0A2D}" type="datetimeFigureOut">
               <a:rPr lang="en-GB" smtClean="0"/>
-              <a:t>09/04/2019</a:t>
+              <a:t>10/04/2019</a:t>
             </a:fld>
             <a:endParaRPr lang="en-GB"/>
           </a:p>
@@ -1170,7 +1170,7 @@
           <a:p>
             <a:fld id="{E1BC1721-5CED-45EF-BE6E-B0E4EE9D0A2D}" type="datetimeFigureOut">
               <a:rPr lang="en-GB" smtClean="0"/>
-              <a:t>09/04/2019</a:t>
+              <a:t>10/04/2019</a:t>
             </a:fld>
             <a:endParaRPr lang="en-GB"/>
           </a:p>
@@ -1438,7 +1438,7 @@
           <a:p>
             <a:fld id="{E1BC1721-5CED-45EF-BE6E-B0E4EE9D0A2D}" type="datetimeFigureOut">
               <a:rPr lang="en-GB" smtClean="0"/>
-              <a:t>09/04/2019</a:t>
+              <a:t>10/04/2019</a:t>
             </a:fld>
             <a:endParaRPr lang="en-GB"/>
           </a:p>
@@ -1853,7 +1853,7 @@
           <a:p>
             <a:fld id="{E1BC1721-5CED-45EF-BE6E-B0E4EE9D0A2D}" type="datetimeFigureOut">
               <a:rPr lang="en-GB" smtClean="0"/>
-              <a:t>09/04/2019</a:t>
+              <a:t>10/04/2019</a:t>
             </a:fld>
             <a:endParaRPr lang="en-GB"/>
           </a:p>
@@ -1995,7 +1995,7 @@
           <a:p>
             <a:fld id="{E1BC1721-5CED-45EF-BE6E-B0E4EE9D0A2D}" type="datetimeFigureOut">
               <a:rPr lang="en-GB" smtClean="0"/>
-              <a:t>09/04/2019</a:t>
+              <a:t>10/04/2019</a:t>
             </a:fld>
             <a:endParaRPr lang="en-GB"/>
           </a:p>
@@ -2108,7 +2108,7 @@
           <a:p>
             <a:fld id="{E1BC1721-5CED-45EF-BE6E-B0E4EE9D0A2D}" type="datetimeFigureOut">
               <a:rPr lang="en-GB" smtClean="0"/>
-              <a:t>09/04/2019</a:t>
+              <a:t>10/04/2019</a:t>
             </a:fld>
             <a:endParaRPr lang="en-GB"/>
           </a:p>
@@ -2421,7 +2421,7 @@
           <a:p>
             <a:fld id="{E1BC1721-5CED-45EF-BE6E-B0E4EE9D0A2D}" type="datetimeFigureOut">
               <a:rPr lang="en-GB" smtClean="0"/>
-              <a:t>09/04/2019</a:t>
+              <a:t>10/04/2019</a:t>
             </a:fld>
             <a:endParaRPr lang="en-GB"/>
           </a:p>
@@ -2710,7 +2710,7 @@
           <a:p>
             <a:fld id="{E1BC1721-5CED-45EF-BE6E-B0E4EE9D0A2D}" type="datetimeFigureOut">
               <a:rPr lang="en-GB" smtClean="0"/>
-              <a:t>09/04/2019</a:t>
+              <a:t>10/04/2019</a:t>
             </a:fld>
             <a:endParaRPr lang="en-GB"/>
           </a:p>
@@ -2953,7 +2953,7 @@
           <a:p>
             <a:fld id="{E1BC1721-5CED-45EF-BE6E-B0E4EE9D0A2D}" type="datetimeFigureOut">
               <a:rPr lang="en-GB" smtClean="0"/>
-              <a:t>09/04/2019</a:t>
+              <a:t>10/04/2019</a:t>
             </a:fld>
             <a:endParaRPr lang="en-GB"/>
           </a:p>
@@ -3974,8 +3974,25 @@
             </a:r>
             <a:r>
               <a:rPr lang="en-GB" dirty="0"/>
-              <a:t> analysis.</a:t>
-            </a:r>
+              <a:t> </a:t>
+            </a:r>
+            <a:r>
+              <a:rPr lang="en-GB" dirty="0" smtClean="0"/>
+              <a:t>analysis, which can be intersected with approximately independent LD blocks for </a:t>
+            </a:r>
+            <a:r>
+              <a:rPr lang="en-GB" dirty="0" err="1" smtClean="0"/>
+              <a:t>finemapping</a:t>
+            </a:r>
+            <a:r>
+              <a:rPr lang="en-GB" dirty="0" smtClean="0"/>
+              <a:t>; the results with PLINK –clump are </a:t>
+            </a:r>
+            <a:r>
+              <a:rPr lang="en-GB" smtClean="0"/>
+              <a:t>readily available (INF1.UK10K+1KG.AILD.r2-0/0.1.ranges).</a:t>
+            </a:r>
+            <a:endParaRPr lang="en-GB" dirty="0"/>
           </a:p>
           <a:p>
             <a:r>

--- a/doc/SCALLOP_INF1-120419.pptx
+++ b/doc/SCALLOP_INF1-120419.pptx
@@ -8,27 +8,28 @@
     <p:sldId id="256" r:id="rId2"/>
     <p:sldId id="273" r:id="rId3"/>
     <p:sldId id="275" r:id="rId4"/>
-    <p:sldId id="276" r:id="rId5"/>
-    <p:sldId id="274" r:id="rId6"/>
-    <p:sldId id="281" r:id="rId7"/>
-    <p:sldId id="280" r:id="rId8"/>
-    <p:sldId id="278" r:id="rId9"/>
-    <p:sldId id="279" r:id="rId10"/>
-    <p:sldId id="285" r:id="rId11"/>
-    <p:sldId id="284" r:id="rId12"/>
-    <p:sldId id="288" r:id="rId13"/>
-    <p:sldId id="286" r:id="rId14"/>
-    <p:sldId id="287" r:id="rId15"/>
-    <p:sldId id="277" r:id="rId16"/>
-    <p:sldId id="272" r:id="rId17"/>
-    <p:sldId id="264" r:id="rId18"/>
-    <p:sldId id="267" r:id="rId19"/>
-    <p:sldId id="268" r:id="rId20"/>
-    <p:sldId id="271" r:id="rId21"/>
-    <p:sldId id="269" r:id="rId22"/>
-    <p:sldId id="270" r:id="rId23"/>
-    <p:sldId id="265" r:id="rId24"/>
-    <p:sldId id="266" r:id="rId25"/>
+    <p:sldId id="274" r:id="rId5"/>
+    <p:sldId id="281" r:id="rId6"/>
+    <p:sldId id="278" r:id="rId7"/>
+    <p:sldId id="276" r:id="rId8"/>
+    <p:sldId id="280" r:id="rId9"/>
+    <p:sldId id="285" r:id="rId10"/>
+    <p:sldId id="284" r:id="rId11"/>
+    <p:sldId id="288" r:id="rId12"/>
+    <p:sldId id="286" r:id="rId13"/>
+    <p:sldId id="287" r:id="rId14"/>
+    <p:sldId id="289" r:id="rId15"/>
+    <p:sldId id="279" r:id="rId16"/>
+    <p:sldId id="277" r:id="rId17"/>
+    <p:sldId id="272" r:id="rId18"/>
+    <p:sldId id="264" r:id="rId19"/>
+    <p:sldId id="267" r:id="rId20"/>
+    <p:sldId id="268" r:id="rId21"/>
+    <p:sldId id="271" r:id="rId22"/>
+    <p:sldId id="269" r:id="rId23"/>
+    <p:sldId id="270" r:id="rId24"/>
+    <p:sldId id="265" r:id="rId25"/>
+    <p:sldId id="266" r:id="rId26"/>
   </p:sldIdLst>
   <p:sldSz cx="12192000" cy="6858000"/>
   <p:notesSz cx="6858000" cy="9144000"/>
@@ -3481,93 +3482,6 @@
         </p:nvSpPr>
         <p:spPr>
           <a:xfrm>
-            <a:off x="139337" y="365125"/>
-            <a:ext cx="5068389" cy="1325563"/>
-          </a:xfrm>
-        </p:spPr>
-        <p:txBody>
-          <a:bodyPr/>
-          <a:lstStyle/>
-          <a:p>
-            <a:pPr algn="ctr"/>
-            <a:r>
-              <a:rPr lang="en-GB" b="1" dirty="0"/>
-              <a:t>OPG Manhattan plot</a:t>
-            </a:r>
-          </a:p>
-        </p:txBody>
-      </p:sp>
-      <p:pic>
-        <p:nvPicPr>
-          <p:cNvPr id="4" name="Content Placeholder 3"/>
-          <p:cNvPicPr>
-            <a:picLocks noGrp="1" noChangeAspect="1"/>
-          </p:cNvPicPr>
-          <p:nvPr>
-            <p:ph idx="1"/>
-          </p:nvPr>
-        </p:nvPicPr>
-        <p:blipFill>
-          <a:blip r:embed="rId2" cstate="hqprint">
-            <a:extLst>
-              <a:ext uri="{28A0092B-C50C-407E-A947-70E740481C1C}">
-                <a14:useLocalDpi xmlns:a14="http://schemas.microsoft.com/office/drawing/2010/main" val="0"/>
-              </a:ext>
-            </a:extLst>
-          </a:blip>
-          <a:stretch>
-            <a:fillRect/>
-          </a:stretch>
-        </p:blipFill>
-        <p:spPr>
-          <a:xfrm>
-            <a:off x="5223269" y="52546"/>
-            <a:ext cx="6890353" cy="6805454"/>
-          </a:xfrm>
-        </p:spPr>
-      </p:pic>
-    </p:spTree>
-    <p:extLst>
-      <p:ext uri="{BB962C8B-B14F-4D97-AF65-F5344CB8AC3E}">
-        <p14:creationId xmlns:p14="http://schemas.microsoft.com/office/powerpoint/2010/main" val="1619791380"/>
-      </p:ext>
-    </p:extLst>
-  </p:cSld>
-  <p:clrMapOvr>
-    <a:masterClrMapping/>
-  </p:clrMapOvr>
-</p:sld>
-</file>
-
-<file path=ppt/slides/slide11.xml><?xml version="1.0" encoding="utf-8"?>
-<p:sld xmlns:a="http://schemas.openxmlformats.org/drawingml/2006/main" xmlns:r="http://schemas.openxmlformats.org/officeDocument/2006/relationships" xmlns:p="http://schemas.openxmlformats.org/presentationml/2006/main">
-  <p:cSld>
-    <p:spTree>
-      <p:nvGrpSpPr>
-        <p:cNvPr id="1" name=""/>
-        <p:cNvGrpSpPr/>
-        <p:nvPr/>
-      </p:nvGrpSpPr>
-      <p:grpSpPr>
-        <a:xfrm>
-          <a:off x="0" y="0"/>
-          <a:ext cx="0" cy="0"/>
-          <a:chOff x="0" y="0"/>
-          <a:chExt cx="0" cy="0"/>
-        </a:xfrm>
-      </p:grpSpPr>
-      <p:sp>
-        <p:nvSpPr>
-          <p:cNvPr id="2" name="Title 1"/>
-          <p:cNvSpPr>
-            <a:spLocks noGrp="1"/>
-          </p:cNvSpPr>
-          <p:nvPr>
-            <p:ph type="title"/>
-          </p:nvPr>
-        </p:nvSpPr>
-        <p:spPr>
-          <a:xfrm>
             <a:off x="150222" y="452210"/>
             <a:ext cx="3376749" cy="1325563"/>
           </a:xfrm>
@@ -3629,7 +3543,7 @@
 </p:sld>
 </file>
 
-<file path=ppt/slides/slide12.xml><?xml version="1.0" encoding="utf-8"?>
+<file path=ppt/slides/slide11.xml><?xml version="1.0" encoding="utf-8"?>
 <p:sld xmlns:a="http://schemas.openxmlformats.org/drawingml/2006/main" xmlns:r="http://schemas.openxmlformats.org/officeDocument/2006/relationships" xmlns:p="http://schemas.openxmlformats.org/presentationml/2006/main">
   <p:cSld>
     <p:spTree>
@@ -3713,7 +3627,7 @@
 </p:sld>
 </file>
 
-<file path=ppt/slides/slide13.xml><?xml version="1.0" encoding="utf-8"?>
+<file path=ppt/slides/slide12.xml><?xml version="1.0" encoding="utf-8"?>
 <p:sld xmlns:a="http://schemas.openxmlformats.org/drawingml/2006/main" xmlns:r="http://schemas.openxmlformats.org/officeDocument/2006/relationships" xmlns:p="http://schemas.openxmlformats.org/presentationml/2006/main">
   <p:cSld>
     <p:spTree>
@@ -3808,7 +3722,7 @@
 </p:sld>
 </file>
 
-<file path=ppt/slides/slide14.xml><?xml version="1.0" encoding="utf-8"?>
+<file path=ppt/slides/slide13.xml><?xml version="1.0" encoding="utf-8"?>
 <p:sld xmlns:a="http://schemas.openxmlformats.org/drawingml/2006/main" xmlns:r="http://schemas.openxmlformats.org/officeDocument/2006/relationships" xmlns:p="http://schemas.openxmlformats.org/presentationml/2006/main">
   <p:cSld>
     <p:spTree>
@@ -3903,6 +3817,201 @@
 </p:sld>
 </file>
 
+<file path=ppt/slides/slide14.xml><?xml version="1.0" encoding="utf-8"?>
+<p:sld xmlns:a="http://schemas.openxmlformats.org/drawingml/2006/main" xmlns:r="http://schemas.openxmlformats.org/officeDocument/2006/relationships" xmlns:p="http://schemas.openxmlformats.org/presentationml/2006/main">
+  <p:cSld>
+    <p:spTree>
+      <p:nvGrpSpPr>
+        <p:cNvPr id="1" name=""/>
+        <p:cNvGrpSpPr/>
+        <p:nvPr/>
+      </p:nvGrpSpPr>
+      <p:grpSpPr>
+        <a:xfrm>
+          <a:off x="0" y="0"/>
+          <a:ext cx="0" cy="0"/>
+          <a:chOff x="0" y="0"/>
+          <a:chExt cx="0" cy="0"/>
+        </a:xfrm>
+      </p:grpSpPr>
+      <p:sp>
+        <p:nvSpPr>
+          <p:cNvPr id="2" name="Title 1"/>
+          <p:cNvSpPr>
+            <a:spLocks noGrp="1"/>
+          </p:cNvSpPr>
+          <p:nvPr>
+            <p:ph type="title"/>
+          </p:nvPr>
+        </p:nvSpPr>
+        <p:spPr/>
+        <p:txBody>
+          <a:bodyPr/>
+          <a:lstStyle/>
+          <a:p>
+            <a:pPr algn="ctr"/>
+            <a:r>
+              <a:rPr lang="en-GB" b="1" dirty="0" smtClean="0"/>
+              <a:t>Near-independent signals</a:t>
+            </a:r>
+            <a:endParaRPr lang="en-GB" b="1" dirty="0"/>
+          </a:p>
+        </p:txBody>
+      </p:sp>
+      <p:sp>
+        <p:nvSpPr>
+          <p:cNvPr id="3" name="Content Placeholder 2"/>
+          <p:cNvSpPr>
+            <a:spLocks noGrp="1"/>
+          </p:cNvSpPr>
+          <p:nvPr>
+            <p:ph idx="1"/>
+          </p:nvPr>
+        </p:nvSpPr>
+        <p:spPr/>
+        <p:txBody>
+          <a:bodyPr>
+            <a:normAutofit fontScale="92500" lnSpcReduction="10000"/>
+          </a:bodyPr>
+          <a:lstStyle/>
+          <a:p>
+            <a:r>
+              <a:rPr lang="en-GB" dirty="0" smtClean="0"/>
+              <a:t>1KG (</a:t>
+            </a:r>
+            <a:r>
+              <a:rPr lang="en-GB" dirty="0" err="1" smtClean="0"/>
+              <a:t>LocusZoom</a:t>
+            </a:r>
+            <a:r>
+              <a:rPr lang="en-GB" dirty="0" smtClean="0"/>
+              <a:t> 1.4, cardio), and UK10K+1KG as LD references, with balanced </a:t>
+            </a:r>
+            <a:r>
+              <a:rPr lang="en-GB" dirty="0"/>
+              <a:t>and comparable </a:t>
+            </a:r>
+            <a:r>
+              <a:rPr lang="en-GB" dirty="0" smtClean="0"/>
+              <a:t>parameters, e.g.,</a:t>
+            </a:r>
+          </a:p>
+          <a:p>
+            <a:r>
+              <a:rPr lang="en-GB" dirty="0" smtClean="0"/>
+              <a:t>PLINK</a:t>
+            </a:r>
+          </a:p>
+          <a:p>
+            <a:pPr lvl="1"/>
+            <a:r>
+              <a:rPr lang="en-GB" dirty="0" smtClean="0"/>
+              <a:t>--clump-r2 0 / --clump-r2 0.1</a:t>
+            </a:r>
+          </a:p>
+          <a:p>
+            <a:r>
+              <a:rPr lang="en-GB" dirty="0" smtClean="0"/>
+              <a:t>GCTA</a:t>
+            </a:r>
+          </a:p>
+          <a:p>
+            <a:pPr lvl="1"/>
+            <a:r>
+              <a:rPr lang="en-GB" dirty="0"/>
+              <a:t>--</a:t>
+            </a:r>
+            <a:r>
+              <a:rPr lang="en-GB" dirty="0" err="1"/>
+              <a:t>cojo</a:t>
+            </a:r>
+            <a:r>
+              <a:rPr lang="en-GB" dirty="0"/>
+              <a:t>-collinear </a:t>
+            </a:r>
+            <a:r>
+              <a:rPr lang="en-GB" dirty="0" smtClean="0"/>
+              <a:t>0.1</a:t>
+            </a:r>
+          </a:p>
+          <a:p>
+            <a:r>
+              <a:rPr lang="en-GB" u="sng" dirty="0" smtClean="0">
+                <a:hlinkClick r:id="rId2"/>
+              </a:rPr>
+              <a:t>https</a:t>
+            </a:r>
+            <a:r>
+              <a:rPr lang="en-GB" u="sng" dirty="0">
+                <a:hlinkClick r:id="rId2"/>
+              </a:rPr>
+              <a:t>://github.com/jinghuazhao/INF/blob/master/doc/INF1.paper.xlsx</a:t>
+            </a:r>
+            <a:r>
+              <a:rPr lang="en-GB" dirty="0"/>
+              <a:t> collects clumping/</a:t>
+            </a:r>
+            <a:r>
+              <a:rPr lang="en-GB" dirty="0" err="1"/>
+              <a:t>cojo</a:t>
+            </a:r>
+            <a:r>
+              <a:rPr lang="en-GB" dirty="0"/>
+              <a:t> </a:t>
+            </a:r>
+            <a:r>
+              <a:rPr lang="en-GB" dirty="0" smtClean="0"/>
+              <a:t>results and </a:t>
+            </a:r>
+            <a:r>
+              <a:rPr lang="en-GB" dirty="0"/>
+              <a:t>cis/trans classification </a:t>
+            </a:r>
+            <a:r>
+              <a:rPr lang="en-GB" dirty="0" smtClean="0"/>
+              <a:t>tables.</a:t>
+            </a:r>
+          </a:p>
+          <a:p>
+            <a:r>
+              <a:rPr lang="en-GB" dirty="0"/>
+              <a:t>INTERVAL and INF1 share similarity in both number of signals and cis/trans classification, while UK10K+1KG reference panel gave more signals than 1KG. GCTA –</a:t>
+            </a:r>
+            <a:r>
+              <a:rPr lang="en-GB" dirty="0" err="1"/>
+              <a:t>cojo</a:t>
+            </a:r>
+            <a:r>
+              <a:rPr lang="en-GB" dirty="0"/>
+              <a:t> appears to be a good compromise between r2=0, </a:t>
+            </a:r>
+            <a:r>
+              <a:rPr lang="en-GB" dirty="0" smtClean="0"/>
+              <a:t>0.1.</a:t>
+            </a:r>
+            <a:endParaRPr lang="en-GB" dirty="0"/>
+          </a:p>
+          <a:p>
+            <a:endParaRPr lang="en-GB" dirty="0"/>
+          </a:p>
+          <a:p>
+            <a:endParaRPr lang="en-GB" dirty="0" smtClean="0"/>
+          </a:p>
+        </p:txBody>
+      </p:sp>
+    </p:spTree>
+    <p:extLst>
+      <p:ext uri="{BB962C8B-B14F-4D97-AF65-F5344CB8AC3E}">
+        <p14:creationId xmlns:p14="http://schemas.microsoft.com/office/powerpoint/2010/main" val="1894997912"/>
+      </p:ext>
+    </p:extLst>
+  </p:cSld>
+  <p:clrMapOvr>
+    <a:masterClrMapping/>
+  </p:clrMapOvr>
+</p:sld>
+</file>
+
 <file path=ppt/slides/slide15.xml><?xml version="1.0" encoding="utf-8"?>
 <p:sld xmlns:a="http://schemas.openxmlformats.org/drawingml/2006/main" xmlns:r="http://schemas.openxmlformats.org/officeDocument/2006/relationships" xmlns:p="http://schemas.openxmlformats.org/presentationml/2006/main">
   <p:cSld>
@@ -3938,8 +4047,13 @@
             <a:pPr algn="ctr"/>
             <a:r>
               <a:rPr lang="en-GB" b="1" dirty="0"/>
-              <a:t>A general sketch of analysis</a:t>
-            </a:r>
+              <a:t>Use of </a:t>
+            </a:r>
+            <a:r>
+              <a:rPr lang="en-GB" b="1" dirty="0" err="1"/>
+              <a:t>sumstats</a:t>
+            </a:r>
+            <a:endParaRPr lang="en-GB" b="1" dirty="0"/>
           </a:p>
         </p:txBody>
       </p:sp>
@@ -3960,64 +4074,71 @@
           <a:p>
             <a:r>
               <a:rPr lang="en-GB" dirty="0"/>
-              <a:t>Discovery, replication – INTERVAL, meta-analysis, NSPHS.</a:t>
-            </a:r>
-          </a:p>
-          <a:p>
-            <a:r>
-              <a:rPr lang="en-GB" dirty="0"/>
-              <a:t>GCTA –</a:t>
+              <a:t>Identification of independent signals with 1KG (built from </a:t>
             </a:r>
             <a:r>
               <a:rPr lang="en-GB" dirty="0" err="1"/>
-              <a:t>cojo</a:t>
-            </a:r>
-            <a:r>
-              <a:rPr lang="en-GB" dirty="0"/>
-              <a:t> </a:t>
-            </a:r>
+              <a:t>LocusZoom</a:t>
+            </a:r>
+            <a:r>
+              <a:rPr lang="en-GB" dirty="0"/>
+              <a:t> 1.4 and also curated databases at cardio), UK10K+1KG (INTERVAL genotypes) and r2=0, 0.1 and contrast with INTERVAL.</a:t>
+            </a:r>
+          </a:p>
+          <a:p>
             <a:r>
               <a:rPr lang="en-GB" dirty="0" smtClean="0"/>
-              <a:t>analysis, which can be intersected with approximately independent LD blocks for </a:t>
+              <a:t>Manhattan/Q-Q/</a:t>
             </a:r>
             <a:r>
               <a:rPr lang="en-GB" dirty="0" err="1" smtClean="0"/>
-              <a:t>finemapping</a:t>
+              <a:t>LocusZoom</a:t>
             </a:r>
             <a:r>
               <a:rPr lang="en-GB" dirty="0" smtClean="0"/>
-              <a:t>; the results with PLINK –clump are </a:t>
-            </a:r>
-            <a:r>
-              <a:rPr lang="en-GB" smtClean="0"/>
-              <a:t>readily available (INF1.UK10K+1KG.AILD.r2-0/0.1.ranges).</a:t>
-            </a:r>
+              <a:t>/forest </a:t>
+            </a:r>
+            <a:r>
+              <a:rPr lang="en-GB" dirty="0"/>
+              <a:t>plots, loose ends (</a:t>
+            </a:r>
+            <a:r>
+              <a:rPr lang="en-GB" dirty="0" err="1"/>
+              <a:t>rsid</a:t>
+            </a:r>
+            <a:r>
+              <a:rPr lang="en-GB" dirty="0"/>
+              <a:t> instead of SNPID and right allele labelling/effect size) for the latter two are being done.</a:t>
+            </a:r>
+          </a:p>
+          <a:p>
+            <a:r>
+              <a:rPr lang="en-GB" dirty="0" err="1"/>
+              <a:t>Finemapping</a:t>
+            </a:r>
+            <a:r>
+              <a:rPr lang="en-GB" dirty="0"/>
+              <a:t>, LDSC analysis, pathway analysis?</a:t>
+            </a:r>
+          </a:p>
+          <a:p>
+            <a:r>
+              <a:rPr lang="en-GB" dirty="0"/>
+              <a:t>Quantitative trait/disease outcomes, e.g., CVD, lung function.</a:t>
+            </a:r>
+          </a:p>
+          <a:p>
+            <a:pPr marL="0" indent="0">
+              <a:buNone/>
+            </a:pPr>
             <a:endParaRPr lang="en-GB" dirty="0"/>
-          </a:p>
-          <a:p>
-            <a:r>
-              <a:rPr lang="en-GB" dirty="0"/>
-              <a:t>Power issues – plots of effect size from INTERVAL vs INF1 are helpful.</a:t>
-            </a:r>
-          </a:p>
-          <a:p>
-            <a:r>
-              <a:rPr lang="en-GB" dirty="0"/>
-              <a:t>Additional information on genotyping and cohort characteristics needs to be requested.</a:t>
-            </a:r>
-          </a:p>
-          <a:p>
-            <a:r>
-              <a:rPr lang="en-GB" dirty="0"/>
-              <a:t>Elementary summary statistics such as h2 from INTERVAL, with KORA relatively small for GCTA and possibly with INF1 for HESS.</a:t>
-            </a:r>
           </a:p>
         </p:txBody>
       </p:sp>
     </p:spTree>
     <p:extLst>
       <p:ext uri="{BB962C8B-B14F-4D97-AF65-F5344CB8AC3E}">
-        <p14:creationId xmlns:p14="http://schemas.microsoft.com/office/powerpoint/2010/main" val="1596982311"/>
+        <p14:creationId xmlns:p14="http://schemas.microsoft.com/office/powerpoint/2010/main" val="2840599358"/>
       </p:ext>
     </p:extLst>
   </p:cSld>
@@ -4062,7 +4183,7 @@
             <a:pPr algn="ctr"/>
             <a:r>
               <a:rPr lang="en-GB" b="1" dirty="0"/>
-              <a:t>Landmarks</a:t>
+              <a:t>A general sketch of analysis</a:t>
             </a:r>
           </a:p>
         </p:txBody>
@@ -4079,40 +4200,63 @@
         </p:nvSpPr>
         <p:spPr/>
         <p:txBody>
-          <a:bodyPr/>
+          <a:bodyPr>
+            <a:normAutofit lnSpcReduction="10000"/>
+          </a:bodyPr>
           <a:lstStyle/>
           <a:p>
             <a:r>
               <a:rPr lang="en-GB" dirty="0"/>
-              <a:t>27/3/19 – cross-reference with INTERVAL on INTERVAL genotype data, which showed great similarity with INF1, esp. w.r.t. cis signals.</a:t>
-            </a:r>
-          </a:p>
-          <a:p>
-            <a:r>
-              <a:rPr lang="en-GB" dirty="0"/>
-              <a:t>8/3/19 – Recognition of MAF </a:t>
+              <a:t>Discovery, replication – INTERVAL, meta-analysis, NSPHS.</a:t>
+            </a:r>
+          </a:p>
+          <a:p>
+            <a:r>
+              <a:rPr lang="en-GB" dirty="0"/>
+              <a:t>GCTA –</a:t>
             </a:r>
             <a:r>
               <a:rPr lang="en-GB" dirty="0" err="1"/>
-              <a:t>cutoff</a:t>
-            </a:r>
-            <a:r>
-              <a:rPr lang="en-GB" dirty="0"/>
-              <a:t> on </a:t>
-            </a:r>
-            <a:r>
-              <a:rPr lang="en-GB" dirty="0" err="1"/>
-              <a:t>IFN.gamma</a:t>
-            </a:r>
-            <a:r>
-              <a:rPr lang="en-GB" dirty="0"/>
-              <a:t>, IL.22.RA1, TSLP.</a:t>
-            </a:r>
-          </a:p>
-          <a:p>
-            <a:r>
-              <a:rPr lang="en-GB" dirty="0"/>
-              <a:t>29/11/18 – 22 proteins with busy Manhattan plots.</a:t>
+              <a:t>cojo</a:t>
+            </a:r>
+            <a:r>
+              <a:rPr lang="en-GB" dirty="0"/>
+              <a:t> </a:t>
+            </a:r>
+            <a:r>
+              <a:rPr lang="en-GB" dirty="0" smtClean="0"/>
+              <a:t>analysis almost done, </a:t>
+            </a:r>
+            <a:r>
+              <a:rPr lang="en-GB" dirty="0" smtClean="0"/>
+              <a:t>which can be intersected with approximately independent LD blocks for </a:t>
+            </a:r>
+            <a:r>
+              <a:rPr lang="en-GB" dirty="0" err="1" smtClean="0"/>
+              <a:t>finemapping</a:t>
+            </a:r>
+            <a:r>
+              <a:rPr lang="en-GB" dirty="0" smtClean="0"/>
+              <a:t>; the results with PLINK –clump are readily available (INF1.UK10K+1KG.AILD.r2-0/0.1.ranges).</a:t>
+            </a:r>
+            <a:endParaRPr lang="en-GB" dirty="0"/>
+          </a:p>
+          <a:p>
+            <a:r>
+              <a:rPr lang="en-GB" dirty="0"/>
+              <a:t>Power issues – plots of effect size from INTERVAL vs INF1 are helpful.</a:t>
+            </a:r>
+          </a:p>
+          <a:p>
+            <a:r>
+              <a:rPr lang="en-GB" dirty="0"/>
+              <a:t>Additional information on genotyping and cohort characteristics needs to be requested.</a:t>
+            </a:r>
+          </a:p>
+          <a:p>
+            <a:r>
+              <a:rPr lang="en-GB" dirty="0"/>
+              <a:t>Elementary summary statistics such as h2 from INTERVAL, with KORA relatively small for GCTA and possibly with INF1 for HESS.</a:t>
             </a:r>
           </a:p>
         </p:txBody>
@@ -4120,7 +4264,7 @@
     </p:spTree>
     <p:extLst>
       <p:ext uri="{BB962C8B-B14F-4D97-AF65-F5344CB8AC3E}">
-        <p14:creationId xmlns:p14="http://schemas.microsoft.com/office/powerpoint/2010/main" val="3032432137"/>
+        <p14:creationId xmlns:p14="http://schemas.microsoft.com/office/powerpoint/2010/main" val="1596982311"/>
       </p:ext>
     </p:extLst>
   </p:cSld>
@@ -4149,13 +4293,7 @@
       </p:grpSpPr>
       <p:sp>
         <p:nvSpPr>
-          <p:cNvPr id="2" name="Title 1">
-            <a:extLst>
-              <a:ext uri="{FF2B5EF4-FFF2-40B4-BE49-F238E27FC236}">
-                <a16:creationId xmlns:a16="http://schemas.microsoft.com/office/drawing/2014/main" id="{0B706D4B-56BB-4904-95C8-C7317B2F9042}"/>
-              </a:ext>
-            </a:extLst>
-          </p:cNvPr>
+          <p:cNvPr id="2" name="Title 1"/>
           <p:cNvSpPr>
             <a:spLocks noGrp="1"/>
           </p:cNvSpPr>
@@ -4171,20 +4309,14 @@
             <a:pPr algn="ctr"/>
             <a:r>
               <a:rPr lang="en-GB" b="1" dirty="0"/>
-              <a:t>Updates I (8/3/19)</a:t>
-            </a:r>
-          </a:p>
-        </p:txBody>
-      </p:sp>
-      <p:sp>
-        <p:nvSpPr>
-          <p:cNvPr id="3" name="Content Placeholder 2">
-            <a:extLst>
-              <a:ext uri="{FF2B5EF4-FFF2-40B4-BE49-F238E27FC236}">
-                <a16:creationId xmlns:a16="http://schemas.microsoft.com/office/drawing/2014/main" id="{779C168B-FE2B-48BB-9F71-190FE784313F}"/>
-              </a:ext>
-            </a:extLst>
-          </p:cNvPr>
+              <a:t>Landmarks</a:t>
+            </a:r>
+          </a:p>
+        </p:txBody>
+      </p:sp>
+      <p:sp>
+        <p:nvSpPr>
+          <p:cNvPr id="3" name="Content Placeholder 2"/>
           <p:cNvSpPr>
             <a:spLocks noGrp="1"/>
           </p:cNvSpPr>
@@ -4194,92 +4326,26 @@
         </p:nvSpPr>
         <p:spPr/>
         <p:txBody>
-          <a:bodyPr>
-            <a:normAutofit lnSpcReduction="10000"/>
-          </a:bodyPr>
+          <a:bodyPr/>
           <a:lstStyle/>
           <a:p>
             <a:r>
               <a:rPr lang="en-GB" dirty="0"/>
-              <a:t>29 chromosomes remain to be analysed for KORA + ARTN reanalysing at TRYGGVE (smaller size). normalised level ~ age+sex+PC1-5+genotype under additive model with SNPTEST.</a:t>
-            </a:r>
-          </a:p>
-          <a:p>
+              <a:t>27/3/19 – cross-reference with INTERVAL on INTERVAL genotype data, which showed great similarity with INF1, esp. w.r.t. cis signals.</a:t>
+            </a:r>
+          </a:p>
+          <a:p>
+            <a:r>
+              <a:rPr lang="en-GB" dirty="0"/>
+              <a:t>8/3/19 – Recognition of MAF </a:t>
+            </a:r>
             <a:r>
               <a:rPr lang="en-GB" dirty="0" err="1"/>
-              <a:t>BioFinder</a:t>
-            </a:r>
-            <a:r>
-              <a:rPr lang="en-GB" dirty="0"/>
-              <a:t>, </a:t>
-            </a:r>
-            <a:r>
-              <a:rPr lang="en-GB" dirty="0" err="1"/>
-              <a:t>MadCam</a:t>
-            </a:r>
-            <a:r>
-              <a:rPr lang="en-GB" dirty="0"/>
-              <a:t> and RECOMBINE were available – these were from Anders beside STANLEY lah1/swe6 with </a:t>
-            </a:r>
-            <a:r>
-              <a:rPr lang="en-GB" dirty="0" err="1"/>
-              <a:t>qctool</a:t>
-            </a:r>
-            <a:r>
-              <a:rPr lang="en-GB" dirty="0"/>
-              <a:t> –</a:t>
-            </a:r>
-            <a:r>
-              <a:rPr lang="en-GB" dirty="0" err="1"/>
-              <a:t>snp</a:t>
-            </a:r>
-            <a:r>
-              <a:rPr lang="en-GB" dirty="0"/>
-              <a:t>-stats pending while </a:t>
-            </a:r>
-            <a:r>
-              <a:rPr lang="en-GB" dirty="0" err="1"/>
-              <a:t>MadCam</a:t>
-            </a:r>
-            <a:r>
-              <a:rPr lang="en-GB" dirty="0"/>
-              <a:t> has RSQ_IMP.</a:t>
-            </a:r>
-          </a:p>
-          <a:p>
-            <a:r>
-              <a:rPr lang="en-GB" dirty="0"/>
-              <a:t>NSPHS has PLINK results but no </a:t>
-            </a:r>
-            <a:r>
-              <a:rPr lang="en-GB" dirty="0" err="1"/>
-              <a:t>qctool</a:t>
-            </a:r>
-            <a:r>
-              <a:rPr lang="en-GB" dirty="0"/>
-              <a:t> -</a:t>
-            </a:r>
-            <a:r>
-              <a:rPr lang="en-GB" dirty="0" err="1"/>
-              <a:t>snp</a:t>
-            </a:r>
-            <a:r>
-              <a:rPr lang="en-GB" dirty="0"/>
-              <a:t>-stats (in touch with </a:t>
-            </a:r>
-            <a:r>
-              <a:rPr lang="en-US" dirty="0"/>
-              <a:t>Åsa Johansson on 21/2</a:t>
-            </a:r>
-            <a:r>
-              <a:rPr lang="en-GB" dirty="0"/>
-              <a:t>).</a:t>
-            </a:r>
-          </a:p>
-          <a:p>
-            <a:r>
-              <a:rPr lang="en-GB" dirty="0"/>
-              <a:t>The number of problematic proteins was reduced from 22 to three, </a:t>
+              <a:t>cutoff</a:t>
+            </a:r>
+            <a:r>
+              <a:rPr lang="en-GB" dirty="0"/>
+              <a:t> on </a:t>
             </a:r>
             <a:r>
               <a:rPr lang="en-GB" dirty="0" err="1"/>
@@ -4287,7 +4353,13 @@
             </a:r>
             <a:r>
               <a:rPr lang="en-GB" dirty="0"/>
-              <a:t>, IL.22.RA1 and TSLP and then none with MAF set to MAF&gt;0.1 for STABILITY (N=2,951), second to INTERVAL (N=4,996).</a:t>
+              <a:t>, IL.22.RA1, TSLP.</a:t>
+            </a:r>
+          </a:p>
+          <a:p>
+            <a:r>
+              <a:rPr lang="en-GB" dirty="0"/>
+              <a:t>29/11/18 – 22 proteins with busy Manhattan plots.</a:t>
             </a:r>
           </a:p>
         </p:txBody>
@@ -4295,7 +4367,7 @@
     </p:spTree>
     <p:extLst>
       <p:ext uri="{BB962C8B-B14F-4D97-AF65-F5344CB8AC3E}">
-        <p14:creationId xmlns:p14="http://schemas.microsoft.com/office/powerpoint/2010/main" val="435210134"/>
+        <p14:creationId xmlns:p14="http://schemas.microsoft.com/office/powerpoint/2010/main" val="3032432137"/>
       </p:ext>
     </p:extLst>
   </p:cSld>
@@ -4324,7 +4396,13 @@
       </p:grpSpPr>
       <p:sp>
         <p:nvSpPr>
-          <p:cNvPr id="2" name="Title 1"/>
+          <p:cNvPr id="2" name="Title 1">
+            <a:extLst>
+              <a:ext uri="{FF2B5EF4-FFF2-40B4-BE49-F238E27FC236}">
+                <a16:creationId xmlns:a16="http://schemas.microsoft.com/office/drawing/2014/main" id="{0B706D4B-56BB-4904-95C8-C7317B2F9042}"/>
+              </a:ext>
+            </a:extLst>
+          </p:cNvPr>
           <p:cNvSpPr>
             <a:spLocks noGrp="1"/>
           </p:cNvSpPr>
@@ -4340,14 +4418,20 @@
             <a:pPr algn="ctr"/>
             <a:r>
               <a:rPr lang="en-GB" b="1" dirty="0"/>
-              <a:t>Updates II (8/3/19)</a:t>
-            </a:r>
-          </a:p>
-        </p:txBody>
-      </p:sp>
-      <p:sp>
-        <p:nvSpPr>
-          <p:cNvPr id="3" name="Content Placeholder 2"/>
+              <a:t>Updates I (8/3/19)</a:t>
+            </a:r>
+          </a:p>
+        </p:txBody>
+      </p:sp>
+      <p:sp>
+        <p:nvSpPr>
+          <p:cNvPr id="3" name="Content Placeholder 2">
+            <a:extLst>
+              <a:ext uri="{FF2B5EF4-FFF2-40B4-BE49-F238E27FC236}">
+                <a16:creationId xmlns:a16="http://schemas.microsoft.com/office/drawing/2014/main" id="{779C168B-FE2B-48BB-9F71-190FE784313F}"/>
+              </a:ext>
+            </a:extLst>
+          </p:cNvPr>
           <p:cNvSpPr>
             <a:spLocks noGrp="1"/>
           </p:cNvSpPr>
@@ -4357,26 +4441,32 @@
         </p:nvSpPr>
         <p:spPr/>
         <p:txBody>
-          <a:bodyPr/>
+          <a:bodyPr>
+            <a:normAutofit lnSpcReduction="10000"/>
+          </a:bodyPr>
           <a:lstStyle/>
           <a:p>
             <a:r>
               <a:rPr lang="en-GB" dirty="0"/>
-              <a:t>STANLEY added to meta-</a:t>
-            </a:r>
+              <a:t>29 chromosomes remain to be analysed for KORA + ARTN reanalysing at TRYGGVE (smaller size). normalised level ~ age+sex+PC1-5+genotype under additive model with SNPTEST.</a:t>
+            </a:r>
+          </a:p>
+          <a:p>
             <a:r>
               <a:rPr lang="en-GB" dirty="0" err="1"/>
-              <a:t>snalysis</a:t>
-            </a:r>
-            <a:r>
-              <a:rPr lang="en-GB" dirty="0"/>
-              <a:t> when per-SNP sample sizes are available from study description (results from PLINK dosage analysis, with INFO but no N).</a:t>
-            </a:r>
-          </a:p>
-          <a:p>
-            <a:r>
-              <a:rPr lang="en-GB" dirty="0"/>
-              <a:t>INFO from </a:t>
+              <a:t>BioFinder</a:t>
+            </a:r>
+            <a:r>
+              <a:rPr lang="en-GB" dirty="0"/>
+              <a:t>, </a:t>
+            </a:r>
+            <a:r>
+              <a:rPr lang="en-GB" dirty="0" err="1"/>
+              <a:t>MadCam</a:t>
+            </a:r>
+            <a:r>
+              <a:rPr lang="en-GB" dirty="0"/>
+              <a:t> and RECOMBINE were available – these were from Anders beside STANLEY lah1/swe6 with </a:t>
             </a:r>
             <a:r>
               <a:rPr lang="en-GB" dirty="0" err="1"/>
@@ -4392,19 +4482,59 @@
             </a:r>
             <a:r>
               <a:rPr lang="en-GB" dirty="0"/>
-              <a:t>-stats was added to INTERVAL.</a:t>
-            </a:r>
-          </a:p>
-          <a:p>
-            <a:r>
-              <a:rPr lang="en-GB" dirty="0"/>
-              <a:t>Side projects: R/gap, FM-pipeline, EWAS-fusion, etc. updated and results from FM-pipeline but pending on validation.</a:t>
-            </a:r>
-          </a:p>
-          <a:p>
-            <a:r>
-              <a:rPr lang="en-GB" dirty="0"/>
-              <a:t>INF1.paper.docx at INF/doc as placeholder for paper draft; cohort description needs to be added – an Excel spreadsheet was made available from the (updated) analysis plan and comments are welcome to consolidate.</a:t>
+              <a:t>-stats pending while </a:t>
+            </a:r>
+            <a:r>
+              <a:rPr lang="en-GB" dirty="0" err="1"/>
+              <a:t>MadCam</a:t>
+            </a:r>
+            <a:r>
+              <a:rPr lang="en-GB" dirty="0"/>
+              <a:t> has RSQ_IMP.</a:t>
+            </a:r>
+          </a:p>
+          <a:p>
+            <a:r>
+              <a:rPr lang="en-GB" dirty="0"/>
+              <a:t>NSPHS has PLINK results but no </a:t>
+            </a:r>
+            <a:r>
+              <a:rPr lang="en-GB" dirty="0" err="1"/>
+              <a:t>qctool</a:t>
+            </a:r>
+            <a:r>
+              <a:rPr lang="en-GB" dirty="0"/>
+              <a:t> -</a:t>
+            </a:r>
+            <a:r>
+              <a:rPr lang="en-GB" dirty="0" err="1"/>
+              <a:t>snp</a:t>
+            </a:r>
+            <a:r>
+              <a:rPr lang="en-GB" dirty="0"/>
+              <a:t>-stats (in touch with </a:t>
+            </a:r>
+            <a:r>
+              <a:rPr lang="en-US" dirty="0"/>
+              <a:t>Åsa Johansson on 21/2</a:t>
+            </a:r>
+            <a:r>
+              <a:rPr lang="en-GB" dirty="0"/>
+              <a:t>).</a:t>
+            </a:r>
+          </a:p>
+          <a:p>
+            <a:r>
+              <a:rPr lang="en-GB" dirty="0"/>
+              <a:t>The number of problematic proteins was reduced from 22 to three, </a:t>
+            </a:r>
+            <a:r>
+              <a:rPr lang="en-GB" dirty="0" err="1"/>
+              <a:t>IFN.gamma</a:t>
+            </a:r>
+            <a:r>
+              <a:rPr lang="en-GB" dirty="0"/>
+              <a:t>, IL.22.RA1 and TSLP and then none with MAF set to MAF&gt;0.1 for STABILITY (N=2,951), second to INTERVAL (N=4,996).</a:t>
             </a:r>
           </a:p>
         </p:txBody>
@@ -4412,7 +4542,7 @@
     </p:spTree>
     <p:extLst>
       <p:ext uri="{BB962C8B-B14F-4D97-AF65-F5344CB8AC3E}">
-        <p14:creationId xmlns:p14="http://schemas.microsoft.com/office/powerpoint/2010/main" val="3409810465"/>
+        <p14:creationId xmlns:p14="http://schemas.microsoft.com/office/powerpoint/2010/main" val="435210134"/>
       </p:ext>
     </p:extLst>
   </p:cSld>
@@ -4457,7 +4587,7 @@
             <a:pPr algn="ctr"/>
             <a:r>
               <a:rPr lang="en-GB" b="1" dirty="0"/>
-              <a:t>Next steps (8/3/19)</a:t>
+              <a:t>Updates II (8/3/19)</a:t>
             </a:r>
           </a:p>
         </p:txBody>
@@ -4479,55 +4609,49 @@
           <a:p>
             <a:r>
               <a:rPr lang="en-GB" dirty="0"/>
-              <a:t>Cohort-level QC, esp. MAF and INFO score.</a:t>
-            </a:r>
-          </a:p>
-          <a:p>
-            <a:r>
-              <a:rPr lang="en-GB" dirty="0"/>
-              <a:t>Meta-analysis for all cohorts (leaving out RECOMBINE?), including Q-Q/Manhattan/forest/</a:t>
+              <a:t>STANLEY added to meta-</a:t>
             </a:r>
             <a:r>
               <a:rPr lang="en-GB" dirty="0" err="1"/>
-              <a:t>LocusZoom</a:t>
-            </a:r>
-            <a:r>
-              <a:rPr lang="en-GB" dirty="0"/>
-              <a:t>/chord plots – with cis/trans regions when appropriate.</a:t>
-            </a:r>
-          </a:p>
-          <a:p>
-            <a:r>
-              <a:rPr lang="en-GB" dirty="0"/>
-              <a:t>To corroborate PLINK –clump with GCTA –</a:t>
+              <a:t>snalysis</a:t>
+            </a:r>
+            <a:r>
+              <a:rPr lang="en-GB" dirty="0"/>
+              <a:t> when per-SNP sample sizes are available from study description (results from PLINK dosage analysis, with INFO but no N).</a:t>
+            </a:r>
+          </a:p>
+          <a:p>
+            <a:r>
+              <a:rPr lang="en-GB" dirty="0"/>
+              <a:t>INFO from </a:t>
             </a:r>
             <a:r>
               <a:rPr lang="en-GB" dirty="0" err="1"/>
-              <a:t>cojo-slct</a:t>
-            </a:r>
-            <a:r>
-              <a:rPr lang="en-GB" dirty="0"/>
-              <a:t>.</a:t>
-            </a:r>
-          </a:p>
-          <a:p>
-            <a:r>
-              <a:rPr lang="en-GB" dirty="0"/>
-              <a:t>Replication?</a:t>
-            </a:r>
-          </a:p>
-          <a:p>
-            <a:r>
-              <a:rPr lang="en-GB" dirty="0"/>
-              <a:t>Downstream analysis, e.g., </a:t>
+              <a:t>qctool</a:t>
+            </a:r>
+            <a:r>
+              <a:rPr lang="en-GB" dirty="0"/>
+              <a:t> –</a:t>
             </a:r>
             <a:r>
               <a:rPr lang="en-GB" dirty="0" err="1"/>
-              <a:t>phenoscanner</a:t>
-            </a:r>
-            <a:r>
-              <a:rPr lang="en-GB" dirty="0"/>
-              <a:t>, MR, GSEA/pathway.</a:t>
+              <a:t>snp</a:t>
+            </a:r>
+            <a:r>
+              <a:rPr lang="en-GB" dirty="0"/>
+              <a:t>-stats was added to INTERVAL.</a:t>
+            </a:r>
+          </a:p>
+          <a:p>
+            <a:r>
+              <a:rPr lang="en-GB" dirty="0"/>
+              <a:t>Side projects: R/gap, FM-pipeline, EWAS-fusion, etc. updated and results from FM-pipeline but pending on validation.</a:t>
+            </a:r>
+          </a:p>
+          <a:p>
+            <a:r>
+              <a:rPr lang="en-GB" dirty="0"/>
+              <a:t>INF1.paper.docx at INF/doc as placeholder for paper draft; cohort description needs to be added – an Excel spreadsheet was made available from the (updated) analysis plan and comments are welcome to consolidate.</a:t>
             </a:r>
           </a:p>
         </p:txBody>
@@ -4535,7 +4659,7 @@
     </p:spTree>
     <p:extLst>
       <p:ext uri="{BB962C8B-B14F-4D97-AF65-F5344CB8AC3E}">
-        <p14:creationId xmlns:p14="http://schemas.microsoft.com/office/powerpoint/2010/main" val="1695469006"/>
+        <p14:creationId xmlns:p14="http://schemas.microsoft.com/office/powerpoint/2010/main" val="3409810465"/>
       </p:ext>
     </p:extLst>
   </p:cSld>
@@ -6402,6 +6526,129 @@
           <a:p>
             <a:pPr algn="ctr"/>
             <a:r>
+              <a:rPr lang="en-GB" b="1" dirty="0"/>
+              <a:t>Next steps (8/3/19)</a:t>
+            </a:r>
+          </a:p>
+        </p:txBody>
+      </p:sp>
+      <p:sp>
+        <p:nvSpPr>
+          <p:cNvPr id="3" name="Content Placeholder 2"/>
+          <p:cNvSpPr>
+            <a:spLocks noGrp="1"/>
+          </p:cNvSpPr>
+          <p:nvPr>
+            <p:ph idx="1"/>
+          </p:nvPr>
+        </p:nvSpPr>
+        <p:spPr/>
+        <p:txBody>
+          <a:bodyPr/>
+          <a:lstStyle/>
+          <a:p>
+            <a:r>
+              <a:rPr lang="en-GB" dirty="0"/>
+              <a:t>Cohort-level QC, esp. MAF and INFO score.</a:t>
+            </a:r>
+          </a:p>
+          <a:p>
+            <a:r>
+              <a:rPr lang="en-GB" dirty="0"/>
+              <a:t>Meta-analysis for all cohorts (leaving out RECOMBINE?), including Q-Q/Manhattan/forest/</a:t>
+            </a:r>
+            <a:r>
+              <a:rPr lang="en-GB" dirty="0" err="1"/>
+              <a:t>LocusZoom</a:t>
+            </a:r>
+            <a:r>
+              <a:rPr lang="en-GB" dirty="0"/>
+              <a:t>/chord plots – with cis/trans regions when appropriate.</a:t>
+            </a:r>
+          </a:p>
+          <a:p>
+            <a:r>
+              <a:rPr lang="en-GB" dirty="0"/>
+              <a:t>To corroborate PLINK –clump with GCTA –</a:t>
+            </a:r>
+            <a:r>
+              <a:rPr lang="en-GB" dirty="0" err="1"/>
+              <a:t>cojo-slct</a:t>
+            </a:r>
+            <a:r>
+              <a:rPr lang="en-GB" dirty="0"/>
+              <a:t>.</a:t>
+            </a:r>
+          </a:p>
+          <a:p>
+            <a:r>
+              <a:rPr lang="en-GB" dirty="0"/>
+              <a:t>Replication?</a:t>
+            </a:r>
+          </a:p>
+          <a:p>
+            <a:r>
+              <a:rPr lang="en-GB" dirty="0"/>
+              <a:t>Downstream analysis, e.g., </a:t>
+            </a:r>
+            <a:r>
+              <a:rPr lang="en-GB" dirty="0" err="1"/>
+              <a:t>phenoscanner</a:t>
+            </a:r>
+            <a:r>
+              <a:rPr lang="en-GB" dirty="0"/>
+              <a:t>, MR, GSEA/pathway.</a:t>
+            </a:r>
+          </a:p>
+        </p:txBody>
+      </p:sp>
+    </p:spTree>
+    <p:extLst>
+      <p:ext uri="{BB962C8B-B14F-4D97-AF65-F5344CB8AC3E}">
+        <p14:creationId xmlns:p14="http://schemas.microsoft.com/office/powerpoint/2010/main" val="1695469006"/>
+      </p:ext>
+    </p:extLst>
+  </p:cSld>
+  <p:clrMapOvr>
+    <a:masterClrMapping/>
+  </p:clrMapOvr>
+</p:sld>
+</file>
+
+<file path=ppt/slides/slide21.xml><?xml version="1.0" encoding="utf-8"?>
+<p:sld xmlns:a="http://schemas.openxmlformats.org/drawingml/2006/main" xmlns:r="http://schemas.openxmlformats.org/officeDocument/2006/relationships" xmlns:p="http://schemas.openxmlformats.org/presentationml/2006/main">
+  <p:cSld>
+    <p:spTree>
+      <p:nvGrpSpPr>
+        <p:cNvPr id="1" name=""/>
+        <p:cNvGrpSpPr/>
+        <p:nvPr/>
+      </p:nvGrpSpPr>
+      <p:grpSpPr>
+        <a:xfrm>
+          <a:off x="0" y="0"/>
+          <a:ext cx="0" cy="0"/>
+          <a:chOff x="0" y="0"/>
+          <a:chExt cx="0" cy="0"/>
+        </a:xfrm>
+      </p:grpSpPr>
+      <p:sp>
+        <p:nvSpPr>
+          <p:cNvPr id="2" name="Title 1"/>
+          <p:cNvSpPr>
+            <a:spLocks noGrp="1"/>
+          </p:cNvSpPr>
+          <p:nvPr>
+            <p:ph type="title"/>
+          </p:nvPr>
+        </p:nvSpPr>
+        <p:spPr/>
+        <p:txBody>
+          <a:bodyPr/>
+          <a:lstStyle/>
+          <a:p>
+            <a:pPr algn="ctr"/>
+            <a:r>
               <a:rPr lang="en-US" b="1" dirty="0"/>
               <a:t>Points from discussion</a:t>
             </a:r>
@@ -6555,7 +6802,7 @@
 </p:sld>
 </file>
 
-<file path=ppt/slides/slide21.xml><?xml version="1.0" encoding="utf-8"?>
+<file path=ppt/slides/slide22.xml><?xml version="1.0" encoding="utf-8"?>
 <p:sld xmlns:a="http://schemas.openxmlformats.org/drawingml/2006/main" xmlns:r="http://schemas.openxmlformats.org/officeDocument/2006/relationships" xmlns:p="http://schemas.openxmlformats.org/presentationml/2006/main">
   <p:cSld>
     <p:spTree>
@@ -6632,7 +6879,7 @@
 </p:sld>
 </file>
 
-<file path=ppt/slides/slide22.xml><?xml version="1.0" encoding="utf-8"?>
+<file path=ppt/slides/slide23.xml><?xml version="1.0" encoding="utf-8"?>
 <p:sld xmlns:a="http://schemas.openxmlformats.org/drawingml/2006/main" xmlns:r="http://schemas.openxmlformats.org/officeDocument/2006/relationships" xmlns:p="http://schemas.openxmlformats.org/presentationml/2006/main">
   <p:cSld>
     <p:spTree>
@@ -6709,7 +6956,7 @@
 </p:sld>
 </file>
 
-<file path=ppt/slides/slide23.xml><?xml version="1.0" encoding="utf-8"?>
+<file path=ppt/slides/slide24.xml><?xml version="1.0" encoding="utf-8"?>
 <p:sld xmlns:a="http://schemas.openxmlformats.org/drawingml/2006/main" xmlns:r="http://schemas.openxmlformats.org/officeDocument/2006/relationships" xmlns:p="http://schemas.openxmlformats.org/presentationml/2006/main">
   <p:cSld>
     <p:spTree>
@@ -6810,7 +7057,7 @@
 </p:sld>
 </file>
 
-<file path=ppt/slides/slide24.xml><?xml version="1.0" encoding="utf-8"?>
+<file path=ppt/slides/slide25.xml><?xml version="1.0" encoding="utf-8"?>
 <p:sld xmlns:a="http://schemas.openxmlformats.org/drawingml/2006/main" xmlns:r="http://schemas.openxmlformats.org/officeDocument/2006/relationships" xmlns:p="http://schemas.openxmlformats.org/presentationml/2006/main">
   <p:cSld>
     <p:spTree>
@@ -7121,7 +7368,7 @@
             <a:pPr algn="ctr"/>
             <a:r>
               <a:rPr lang="en-GB" b="1" dirty="0"/>
-              <a:t>Meta-analysis through METAL</a:t>
+              <a:t>A point on LLOD</a:t>
             </a:r>
           </a:p>
         </p:txBody>
@@ -7143,42 +7390,43 @@
           <a:p>
             <a:r>
               <a:rPr lang="en-GB" dirty="0"/>
-              <a:t>Carried out on TRYGGVE with the latest release.</a:t>
-            </a:r>
-          </a:p>
-          <a:p>
-            <a:r>
-              <a:rPr lang="en-GB" dirty="0"/>
-              <a:t>GC correction not considered on cohort level.</a:t>
-            </a:r>
-          </a:p>
-          <a:p>
-            <a:r>
-              <a:rPr lang="en-GB" dirty="0"/>
-              <a:t>Based on effect size.</a:t>
-            </a:r>
-          </a:p>
-          <a:p>
-            <a:r>
-              <a:rPr lang="en-GB" dirty="0"/>
-              <a:t>N&gt;=10.</a:t>
-            </a:r>
-          </a:p>
-          <a:p>
-            <a:r>
-              <a:rPr lang="en-GB" dirty="0"/>
-              <a:t>84% above LLOD.</a:t>
-            </a:r>
-          </a:p>
-          <a:p>
-            <a:endParaRPr lang="en-GB" dirty="0"/>
+              <a:t>An attempt was made by using </a:t>
+            </a:r>
+            <a:r>
+              <a:rPr lang="en-GB" dirty="0" err="1"/>
+              <a:t>llod</a:t>
+            </a:r>
+            <a:r>
+              <a:rPr lang="en-GB" dirty="0"/>
+              <a:t>/2.</a:t>
+            </a:r>
+          </a:p>
+          <a:p>
+            <a:r>
+              <a:rPr lang="en-GB" dirty="0"/>
+              <a:t>Busy Manhattan plots is largely related to this.</a:t>
+            </a:r>
+          </a:p>
+          <a:p>
+            <a:r>
+              <a:rPr lang="en-GB" dirty="0"/>
+              <a:t>Although higher MAF </a:t>
+            </a:r>
+            <a:r>
+              <a:rPr lang="en-GB" dirty="0" err="1"/>
+              <a:t>cutoff</a:t>
+            </a:r>
+            <a:r>
+              <a:rPr lang="en-GB" dirty="0"/>
+              <a:t> could do away with busy (excessive number of significant hits) Manhattan plots, the associate proteins with low &gt;LLOD% were discarded.</a:t>
+            </a:r>
           </a:p>
         </p:txBody>
       </p:sp>
     </p:spTree>
     <p:extLst>
       <p:ext uri="{BB962C8B-B14F-4D97-AF65-F5344CB8AC3E}">
-        <p14:creationId xmlns:p14="http://schemas.microsoft.com/office/powerpoint/2010/main" val="3002967337"/>
+        <p14:creationId xmlns:p14="http://schemas.microsoft.com/office/powerpoint/2010/main" val="979399102"/>
       </p:ext>
     </p:extLst>
   </p:cSld>
@@ -7222,111 +7470,12 @@
           <a:p>
             <a:pPr algn="ctr"/>
             <a:r>
+              <a:rPr lang="en-GB" b="1" dirty="0" smtClean="0"/>
+              <a:t>Busy Manhattan plots and &gt;LLOD</a:t>
+            </a:r>
+            <a:r>
               <a:rPr lang="en-GB" b="1" dirty="0"/>
-              <a:t>A point on LLOD</a:t>
-            </a:r>
-          </a:p>
-        </p:txBody>
-      </p:sp>
-      <p:sp>
-        <p:nvSpPr>
-          <p:cNvPr id="3" name="Content Placeholder 2"/>
-          <p:cNvSpPr>
-            <a:spLocks noGrp="1"/>
-          </p:cNvSpPr>
-          <p:nvPr>
-            <p:ph idx="1"/>
-          </p:nvPr>
-        </p:nvSpPr>
-        <p:spPr/>
-        <p:txBody>
-          <a:bodyPr/>
-          <a:lstStyle/>
-          <a:p>
-            <a:r>
-              <a:rPr lang="en-GB" dirty="0"/>
-              <a:t>An attempt was made by using </a:t>
-            </a:r>
-            <a:r>
-              <a:rPr lang="en-GB" dirty="0" err="1"/>
-              <a:t>llod</a:t>
-            </a:r>
-            <a:r>
-              <a:rPr lang="en-GB" dirty="0"/>
-              <a:t>/2.</a:t>
-            </a:r>
-          </a:p>
-          <a:p>
-            <a:r>
-              <a:rPr lang="en-GB" dirty="0"/>
-              <a:t>Busy Manhattan plots is largely related to this.</a:t>
-            </a:r>
-          </a:p>
-          <a:p>
-            <a:r>
-              <a:rPr lang="en-GB" dirty="0"/>
-              <a:t>Although higher MAF </a:t>
-            </a:r>
-            <a:r>
-              <a:rPr lang="en-GB" dirty="0" err="1"/>
-              <a:t>cutoff</a:t>
-            </a:r>
-            <a:r>
-              <a:rPr lang="en-GB" dirty="0"/>
-              <a:t> could do away with busy (excessive number of significant hits) Manhattan plots, the associate proteins with low &gt;LLOD% were discarded.</a:t>
-            </a:r>
-          </a:p>
-        </p:txBody>
-      </p:sp>
-    </p:spTree>
-    <p:extLst>
-      <p:ext uri="{BB962C8B-B14F-4D97-AF65-F5344CB8AC3E}">
-        <p14:creationId xmlns:p14="http://schemas.microsoft.com/office/powerpoint/2010/main" val="979399102"/>
-      </p:ext>
-    </p:extLst>
-  </p:cSld>
-  <p:clrMapOvr>
-    <a:masterClrMapping/>
-  </p:clrMapOvr>
-</p:sld>
-</file>
-
-<file path=ppt/slides/slide6.xml><?xml version="1.0" encoding="utf-8"?>
-<p:sld xmlns:a="http://schemas.openxmlformats.org/drawingml/2006/main" xmlns:r="http://schemas.openxmlformats.org/officeDocument/2006/relationships" xmlns:p="http://schemas.openxmlformats.org/presentationml/2006/main">
-  <p:cSld>
-    <p:spTree>
-      <p:nvGrpSpPr>
-        <p:cNvPr id="1" name=""/>
-        <p:cNvGrpSpPr/>
-        <p:nvPr/>
-      </p:nvGrpSpPr>
-      <p:grpSpPr>
-        <a:xfrm>
-          <a:off x="0" y="0"/>
-          <a:ext cx="0" cy="0"/>
-          <a:chOff x="0" y="0"/>
-          <a:chExt cx="0" cy="0"/>
-        </a:xfrm>
-      </p:grpSpPr>
-      <p:sp>
-        <p:nvSpPr>
-          <p:cNvPr id="2" name="Title 1"/>
-          <p:cNvSpPr>
-            <a:spLocks noGrp="1"/>
-          </p:cNvSpPr>
-          <p:nvPr>
-            <p:ph type="title"/>
-          </p:nvPr>
-        </p:nvSpPr>
-        <p:spPr/>
-        <p:txBody>
-          <a:bodyPr/>
-          <a:lstStyle/>
-          <a:p>
-            <a:pPr algn="ctr"/>
-            <a:r>
-              <a:rPr lang="en-GB" b="1" dirty="0"/>
-              <a:t>&gt;LLOD%</a:t>
+              <a:t>%</a:t>
             </a:r>
           </a:p>
         </p:txBody>
@@ -8515,6 +8664,120 @@
 </p:sld>
 </file>
 
+<file path=ppt/slides/slide6.xml><?xml version="1.0" encoding="utf-8"?>
+<p:sld xmlns:a="http://schemas.openxmlformats.org/drawingml/2006/main" xmlns:r="http://schemas.openxmlformats.org/officeDocument/2006/relationships" xmlns:p="http://schemas.openxmlformats.org/presentationml/2006/main">
+  <p:cSld>
+    <p:spTree>
+      <p:nvGrpSpPr>
+        <p:cNvPr id="1" name=""/>
+        <p:cNvGrpSpPr/>
+        <p:nvPr/>
+      </p:nvGrpSpPr>
+      <p:grpSpPr>
+        <a:xfrm>
+          <a:off x="0" y="0"/>
+          <a:ext cx="0" cy="0"/>
+          <a:chOff x="0" y="0"/>
+          <a:chExt cx="0" cy="0"/>
+        </a:xfrm>
+      </p:grpSpPr>
+      <p:sp>
+        <p:nvSpPr>
+          <p:cNvPr id="2" name="Title 1"/>
+          <p:cNvSpPr>
+            <a:spLocks noGrp="1"/>
+          </p:cNvSpPr>
+          <p:nvPr>
+            <p:ph type="title"/>
+          </p:nvPr>
+        </p:nvSpPr>
+        <p:spPr/>
+        <p:txBody>
+          <a:bodyPr/>
+          <a:lstStyle/>
+          <a:p>
+            <a:pPr algn="ctr"/>
+            <a:r>
+              <a:rPr lang="en-GB" b="1" dirty="0"/>
+              <a:t>Manhattan plots</a:t>
+            </a:r>
+          </a:p>
+        </p:txBody>
+      </p:sp>
+      <p:sp>
+        <p:nvSpPr>
+          <p:cNvPr id="3" name="Content Placeholder 2"/>
+          <p:cNvSpPr>
+            <a:spLocks noGrp="1"/>
+          </p:cNvSpPr>
+          <p:nvPr>
+            <p:ph idx="1"/>
+          </p:nvPr>
+        </p:nvSpPr>
+        <p:spPr/>
+        <p:txBody>
+          <a:bodyPr/>
+          <a:lstStyle/>
+          <a:p>
+            <a:r>
+              <a:rPr lang="en-GB" dirty="0"/>
+              <a:t>QCGWAS only desirable for small number of (problematic) proteins.</a:t>
+            </a:r>
+          </a:p>
+          <a:p>
+            <a:r>
+              <a:rPr lang="en-GB" dirty="0"/>
+              <a:t>Manhattan plots were produced for each protein from each cohort.</a:t>
+            </a:r>
+          </a:p>
+          <a:p>
+            <a:r>
+              <a:rPr lang="en-GB" dirty="0"/>
+              <a:t>It indicates that </a:t>
+            </a:r>
+            <a:r>
+              <a:rPr lang="en-GB" dirty="0" err="1"/>
+              <a:t>sumstats</a:t>
+            </a:r>
+            <a:r>
+              <a:rPr lang="en-GB" dirty="0"/>
+              <a:t> are generally satisfactory</a:t>
+            </a:r>
+            <a:r>
+              <a:rPr lang="en-GB" dirty="0" smtClean="0"/>
+              <a:t>.</a:t>
+            </a:r>
+          </a:p>
+          <a:p>
+            <a:r>
+              <a:rPr lang="en-GB" dirty="0" smtClean="0"/>
+              <a:t>Plots for METAL </a:t>
+            </a:r>
+            <a:r>
+              <a:rPr lang="en-GB" dirty="0" err="1" smtClean="0"/>
+              <a:t>sumstats</a:t>
+            </a:r>
+            <a:r>
+              <a:rPr lang="en-GB" dirty="0" smtClean="0"/>
+              <a:t> were also produced.</a:t>
+            </a:r>
+            <a:endParaRPr lang="en-GB" dirty="0"/>
+          </a:p>
+        </p:txBody>
+      </p:sp>
+    </p:spTree>
+    <p:extLst>
+      <p:ext uri="{BB962C8B-B14F-4D97-AF65-F5344CB8AC3E}">
+        <p14:creationId xmlns:p14="http://schemas.microsoft.com/office/powerpoint/2010/main" val="1815722324"/>
+      </p:ext>
+    </p:extLst>
+  </p:cSld>
+  <p:clrMapOvr>
+    <a:masterClrMapping/>
+  </p:clrMapOvr>
+</p:sld>
+</file>
+
 <file path=ppt/slides/slide7.xml><?xml version="1.0" encoding="utf-8"?>
 <p:sld xmlns:a="http://schemas.openxmlformats.org/drawingml/2006/main" xmlns:r="http://schemas.openxmlformats.org/officeDocument/2006/relationships" xmlns:p="http://schemas.openxmlformats.org/presentationml/2006/main">
   <p:cSld>
@@ -8550,7 +8813,7 @@
             <a:pPr algn="ctr"/>
             <a:r>
               <a:rPr lang="en-GB" b="1" dirty="0"/>
-              <a:t>Results</a:t>
+              <a:t>Meta-analysis through METAL</a:t>
             </a:r>
           </a:p>
         </p:txBody>
@@ -8567,121 +8830,36 @@
         </p:nvSpPr>
         <p:spPr/>
         <p:txBody>
-          <a:bodyPr>
-            <a:normAutofit fontScale="92500" lnSpcReduction="10000"/>
-          </a:bodyPr>
+          <a:bodyPr/>
           <a:lstStyle/>
           <a:p>
             <a:r>
               <a:rPr lang="en-GB" dirty="0"/>
-              <a:t>/scratch/jhz22/INF/</a:t>
-            </a:r>
-          </a:p>
-          <a:p>
-            <a:pPr lvl="1"/>
-            <a:r>
-              <a:rPr lang="en-GB" dirty="0" err="1"/>
-              <a:t>sumstats</a:t>
-            </a:r>
-            <a:r>
-              <a:rPr lang="en-GB" dirty="0"/>
-              <a:t>/INTERVAL on GWAS </a:t>
-            </a:r>
-            <a:r>
-              <a:rPr lang="en-GB" dirty="0" err="1"/>
-              <a:t>sumstats</a:t>
-            </a:r>
-            <a:r>
-              <a:rPr lang="en-GB" dirty="0"/>
-              <a:t> from INTERVAL</a:t>
-            </a:r>
-          </a:p>
-          <a:p>
-            <a:pPr lvl="1"/>
-            <a:r>
-              <a:rPr lang="en-GB" dirty="0"/>
-              <a:t>plots/ on Manhattan plots for participating cohorts</a:t>
-            </a:r>
-          </a:p>
-          <a:p>
-            <a:pPr lvl="1"/>
-            <a:r>
-              <a:rPr lang="en-GB" dirty="0"/>
-              <a:t>METAL/ on meta-analysed </a:t>
-            </a:r>
-            <a:r>
-              <a:rPr lang="en-GB" dirty="0" err="1"/>
-              <a:t>sumstats+Manhattan</a:t>
-            </a:r>
-            <a:r>
-              <a:rPr lang="en-GB" dirty="0"/>
-              <a:t>/Q-Q/</a:t>
-            </a:r>
-            <a:r>
-              <a:rPr lang="en-GB" dirty="0" err="1"/>
-              <a:t>LocusZoom</a:t>
-            </a:r>
-            <a:r>
-              <a:rPr lang="en-GB" dirty="0"/>
-              <a:t> plots</a:t>
-            </a:r>
-          </a:p>
-          <a:p>
-            <a:pPr lvl="1"/>
-            <a:r>
-              <a:rPr lang="en-GB" dirty="0"/>
-              <a:t>clumping/ on PLINK –clump analysis + forest plots (INF1.UK10K+1KG.r2-0.fp.pdf)</a:t>
-            </a:r>
-          </a:p>
-          <a:p>
-            <a:pPr lvl="1"/>
-            <a:r>
-              <a:rPr lang="en-GB" dirty="0" err="1"/>
-              <a:t>cojo</a:t>
-            </a:r>
-            <a:r>
-              <a:rPr lang="en-GB" dirty="0"/>
-              <a:t>/ on conditional analysis with 1KG, UK10K+1KG</a:t>
-            </a:r>
-          </a:p>
-          <a:p>
-            <a:r>
-              <a:rPr lang="en-GB" dirty="0"/>
-              <a:t>cis/trans classification tables was generated via customised programs</a:t>
-            </a:r>
-          </a:p>
-          <a:p>
-            <a:r>
-              <a:rPr lang="en-GB" u="sng" dirty="0">
-                <a:hlinkClick r:id="rId2"/>
-              </a:rPr>
-              <a:t>https://github.com/jinghuazhao/INF/blob/master/doc/INF1.paper.xlsx</a:t>
-            </a:r>
-            <a:r>
-              <a:rPr lang="en-GB" dirty="0"/>
-              <a:t> collects clumping/</a:t>
-            </a:r>
-            <a:r>
-              <a:rPr lang="en-GB" dirty="0" err="1"/>
-              <a:t>cojo</a:t>
-            </a:r>
-            <a:r>
-              <a:rPr lang="en-GB" dirty="0"/>
-              <a:t> results</a:t>
-            </a:r>
-          </a:p>
-          <a:p>
-            <a:r>
-              <a:rPr lang="en-GB" dirty="0"/>
-              <a:t>INTERVAL and INF1 share similarity in both number of signals and cis/trans classification, while UK10K+1KG reference panel gave more signals than 1KG. GCTA –</a:t>
-            </a:r>
-            <a:r>
-              <a:rPr lang="en-GB" dirty="0" err="1"/>
-              <a:t>cojo</a:t>
-            </a:r>
-            <a:r>
-              <a:rPr lang="en-GB" dirty="0"/>
-              <a:t> appears to be a good compromise between r2=0, 0.1</a:t>
+              <a:t>Carried out on TRYGGVE with the latest release.</a:t>
+            </a:r>
+          </a:p>
+          <a:p>
+            <a:r>
+              <a:rPr lang="en-GB" dirty="0"/>
+              <a:t>GC correction not considered on cohort level.</a:t>
+            </a:r>
+          </a:p>
+          <a:p>
+            <a:r>
+              <a:rPr lang="en-GB" dirty="0"/>
+              <a:t>Based on effect size.</a:t>
+            </a:r>
+          </a:p>
+          <a:p>
+            <a:r>
+              <a:rPr lang="en-GB" dirty="0"/>
+              <a:t>N&gt;=10.</a:t>
+            </a:r>
+          </a:p>
+          <a:p>
+            <a:r>
+              <a:rPr lang="en-GB" dirty="0"/>
+              <a:t>84% above LLOD.</a:t>
             </a:r>
           </a:p>
           <a:p>
@@ -8692,7 +8870,7 @@
     </p:spTree>
     <p:extLst>
       <p:ext uri="{BB962C8B-B14F-4D97-AF65-F5344CB8AC3E}">
-        <p14:creationId xmlns:p14="http://schemas.microsoft.com/office/powerpoint/2010/main" val="101094381"/>
+        <p14:creationId xmlns:p14="http://schemas.microsoft.com/office/powerpoint/2010/main" val="3002967337"/>
       </p:ext>
     </p:extLst>
   </p:cSld>
@@ -8736,9 +8914,14 @@
           <a:p>
             <a:pPr algn="ctr"/>
             <a:r>
-              <a:rPr lang="en-GB" b="1" dirty="0"/>
-              <a:t>Manhattan plots</a:t>
-            </a:r>
+              <a:rPr lang="en-GB" b="1" dirty="0" smtClean="0"/>
+              <a:t>Meta-analysis r</a:t>
+            </a:r>
+            <a:r>
+              <a:rPr lang="en-GB" b="1" dirty="0" smtClean="0"/>
+              <a:t>esults</a:t>
+            </a:r>
+            <a:endParaRPr lang="en-GB" b="1" dirty="0"/>
           </a:p>
         </p:txBody>
       </p:sp>
@@ -8754,40 +8937,95 @@
         </p:nvSpPr>
         <p:spPr/>
         <p:txBody>
-          <a:bodyPr/>
+          <a:bodyPr>
+            <a:normAutofit/>
+          </a:bodyPr>
           <a:lstStyle/>
           <a:p>
             <a:r>
               <a:rPr lang="en-GB" dirty="0"/>
-              <a:t>QCGWAS only desirable for small number of (problematic) proteins.</a:t>
-            </a:r>
-          </a:p>
-          <a:p>
-            <a:r>
-              <a:rPr lang="en-GB" dirty="0"/>
-              <a:t>Manhattan plots were produced for each protein from each cohort.</a:t>
-            </a:r>
-          </a:p>
-          <a:p>
-            <a:r>
-              <a:rPr lang="en-GB" dirty="0"/>
-              <a:t>It indicates that </a:t>
-            </a:r>
+              <a:t>/scratch/jhz22/INF/</a:t>
+            </a:r>
+          </a:p>
+          <a:p>
+            <a:pPr lvl="1"/>
             <a:r>
               <a:rPr lang="en-GB" dirty="0" err="1"/>
               <a:t>sumstats</a:t>
             </a:r>
             <a:r>
               <a:rPr lang="en-GB" dirty="0"/>
-              <a:t> are generally satisfactory.</a:t>
-            </a:r>
+              <a:t>/INTERVAL on GWAS </a:t>
+            </a:r>
+            <a:r>
+              <a:rPr lang="en-GB" dirty="0" err="1"/>
+              <a:t>sumstats</a:t>
+            </a:r>
+            <a:r>
+              <a:rPr lang="en-GB" dirty="0"/>
+              <a:t> from INTERVAL</a:t>
+            </a:r>
+          </a:p>
+          <a:p>
+            <a:pPr lvl="1"/>
+            <a:r>
+              <a:rPr lang="en-GB" dirty="0"/>
+              <a:t>plots/ on Manhattan plots for participating cohorts</a:t>
+            </a:r>
+          </a:p>
+          <a:p>
+            <a:pPr lvl="1"/>
+            <a:r>
+              <a:rPr lang="en-GB" dirty="0"/>
+              <a:t>METAL/ on meta-analysed </a:t>
+            </a:r>
+            <a:r>
+              <a:rPr lang="en-GB" dirty="0" err="1"/>
+              <a:t>sumstats+Manhattan</a:t>
+            </a:r>
+            <a:r>
+              <a:rPr lang="en-GB" dirty="0"/>
+              <a:t>/Q-Q/</a:t>
+            </a:r>
+            <a:r>
+              <a:rPr lang="en-GB" dirty="0" err="1"/>
+              <a:t>LocusZoom</a:t>
+            </a:r>
+            <a:r>
+              <a:rPr lang="en-GB" dirty="0"/>
+              <a:t> plots</a:t>
+            </a:r>
+          </a:p>
+          <a:p>
+            <a:pPr lvl="1"/>
+            <a:r>
+              <a:rPr lang="en-GB" dirty="0"/>
+              <a:t>clumping/ on PLINK –clump analysis + forest plots (INF1.UK10K+1KG.r2-0.fp.pdf)</a:t>
+            </a:r>
+          </a:p>
+          <a:p>
+            <a:pPr lvl="1"/>
+            <a:r>
+              <a:rPr lang="en-GB" dirty="0" err="1"/>
+              <a:t>cojo</a:t>
+            </a:r>
+            <a:r>
+              <a:rPr lang="en-GB" dirty="0"/>
+              <a:t>/ on conditional analysis with 1KG, UK10K+1KG</a:t>
+            </a:r>
+          </a:p>
+          <a:p>
+            <a:pPr marL="0" indent="0">
+              <a:buNone/>
+            </a:pPr>
+            <a:endParaRPr lang="en-GB" dirty="0"/>
           </a:p>
         </p:txBody>
       </p:sp>
     </p:spTree>
     <p:extLst>
       <p:ext uri="{BB962C8B-B14F-4D97-AF65-F5344CB8AC3E}">
-        <p14:creationId xmlns:p14="http://schemas.microsoft.com/office/powerpoint/2010/main" val="1815722324"/>
+        <p14:creationId xmlns:p14="http://schemas.microsoft.com/office/powerpoint/2010/main" val="101094381"/>
       </p:ext>
     </p:extLst>
   </p:cSld>
@@ -8824,7 +9062,12 @@
             <p:ph type="title"/>
           </p:nvPr>
         </p:nvSpPr>
-        <p:spPr/>
+        <p:spPr>
+          <a:xfrm>
+            <a:off x="139337" y="365125"/>
+            <a:ext cx="5068389" cy="1325563"/>
+          </a:xfrm>
+        </p:spPr>
         <p:txBody>
           <a:bodyPr/>
           <a:lstStyle/>
@@ -8832,113 +9075,44 @@
             <a:pPr algn="ctr"/>
             <a:r>
               <a:rPr lang="en-GB" b="1" dirty="0"/>
-              <a:t>Use of </a:t>
-            </a:r>
-            <a:r>
-              <a:rPr lang="en-GB" b="1" dirty="0" err="1"/>
-              <a:t>sumstats</a:t>
-            </a:r>
-            <a:endParaRPr lang="en-GB" b="1" dirty="0"/>
-          </a:p>
-        </p:txBody>
-      </p:sp>
-      <p:sp>
-        <p:nvSpPr>
-          <p:cNvPr id="3" name="Content Placeholder 2"/>
-          <p:cNvSpPr>
-            <a:spLocks noGrp="1"/>
-          </p:cNvSpPr>
+              <a:t>OPG Manhattan plot</a:t>
+            </a:r>
+          </a:p>
+        </p:txBody>
+      </p:sp>
+      <p:pic>
+        <p:nvPicPr>
+          <p:cNvPr id="4" name="Content Placeholder 3"/>
+          <p:cNvPicPr>
+            <a:picLocks noGrp="1" noChangeAspect="1"/>
+          </p:cNvPicPr>
           <p:nvPr>
             <p:ph idx="1"/>
           </p:nvPr>
-        </p:nvSpPr>
-        <p:spPr/>
-        <p:txBody>
-          <a:bodyPr/>
-          <a:lstStyle/>
-          <a:p>
-            <a:r>
-              <a:rPr lang="en-GB" dirty="0"/>
-              <a:t>Identification of independent signals with 1KG (built from </a:t>
-            </a:r>
-            <a:r>
-              <a:rPr lang="en-GB" dirty="0" err="1"/>
-              <a:t>LocusZoom</a:t>
-            </a:r>
-            <a:r>
-              <a:rPr lang="en-GB" dirty="0"/>
-              <a:t> 1.4 and also curated databases at cardio), UK10K+1KG (INTERVAL genotypes) and r2=0, 0.1 and contrast with INTERVAL.</a:t>
-            </a:r>
-          </a:p>
-          <a:p>
-            <a:pPr lvl="1"/>
-            <a:r>
-              <a:rPr lang="en-GB" dirty="0"/>
-              <a:t>PLINK –clump</a:t>
-            </a:r>
-          </a:p>
-          <a:p>
-            <a:pPr lvl="1"/>
-            <a:r>
-              <a:rPr lang="en-GB" dirty="0"/>
-              <a:t>GCTA –</a:t>
-            </a:r>
-            <a:r>
-              <a:rPr lang="en-GB" dirty="0" err="1"/>
-              <a:t>cojo</a:t>
-            </a:r>
-            <a:endParaRPr lang="en-GB" dirty="0"/>
-          </a:p>
-          <a:p>
-            <a:r>
-              <a:rPr lang="en-GB" dirty="0"/>
-              <a:t>Manhattan/Q-Q/</a:t>
-            </a:r>
-            <a:r>
-              <a:rPr lang="en-GB" dirty="0" err="1"/>
-              <a:t>LocusZoom</a:t>
-            </a:r>
-            <a:r>
-              <a:rPr lang="en-GB" dirty="0"/>
-              <a:t>/forest plots, loose ends (</a:t>
-            </a:r>
-            <a:r>
-              <a:rPr lang="en-GB" dirty="0" err="1"/>
-              <a:t>rsid</a:t>
-            </a:r>
-            <a:r>
-              <a:rPr lang="en-GB" dirty="0"/>
-              <a:t> instead of SNPID and right allele labelling/effect size) for the latter two are being done.</a:t>
-            </a:r>
-          </a:p>
-          <a:p>
-            <a:r>
-              <a:rPr lang="en-GB" dirty="0" err="1"/>
-              <a:t>Finemapping</a:t>
-            </a:r>
-            <a:r>
-              <a:rPr lang="en-GB" dirty="0"/>
-              <a:t>, LDSC analysis, pathway analysis?</a:t>
-            </a:r>
-          </a:p>
-          <a:p>
-            <a:r>
-              <a:rPr lang="en-GB" dirty="0"/>
-              <a:t>Quantitative trait/disease outcomes, e.g., CVD, lung function.</a:t>
-            </a:r>
-          </a:p>
-          <a:p>
-            <a:pPr marL="0" indent="0">
-              <a:buNone/>
-            </a:pPr>
-            <a:endParaRPr lang="en-GB" dirty="0"/>
-          </a:p>
-        </p:txBody>
-      </p:sp>
+        </p:nvPicPr>
+        <p:blipFill>
+          <a:blip r:embed="rId2" cstate="hqprint">
+            <a:extLst>
+              <a:ext uri="{28A0092B-C50C-407E-A947-70E740481C1C}">
+                <a14:useLocalDpi xmlns:a14="http://schemas.microsoft.com/office/drawing/2010/main" val="0"/>
+              </a:ext>
+            </a:extLst>
+          </a:blip>
+          <a:stretch>
+            <a:fillRect/>
+          </a:stretch>
+        </p:blipFill>
+        <p:spPr>
+          <a:xfrm>
+            <a:off x="5223269" y="52546"/>
+            <a:ext cx="6890353" cy="6805454"/>
+          </a:xfrm>
+        </p:spPr>
+      </p:pic>
     </p:spTree>
     <p:extLst>
       <p:ext uri="{BB962C8B-B14F-4D97-AF65-F5344CB8AC3E}">
-        <p14:creationId xmlns:p14="http://schemas.microsoft.com/office/powerpoint/2010/main" val="2840599358"/>
+        <p14:creationId xmlns:p14="http://schemas.microsoft.com/office/powerpoint/2010/main" val="1619791380"/>
       </p:ext>
     </p:extLst>
   </p:cSld>

--- a/doc/SCALLOP_INF1-120419.pptx
+++ b/doc/SCALLOP_INF1-120419.pptx
@@ -5,31 +5,33 @@
     <p:sldMasterId id="2147483648" r:id="rId1"/>
   </p:sldMasterIdLst>
   <p:sldIdLst>
-    <p:sldId id="256" r:id="rId2"/>
-    <p:sldId id="273" r:id="rId3"/>
-    <p:sldId id="275" r:id="rId4"/>
-    <p:sldId id="274" r:id="rId5"/>
-    <p:sldId id="281" r:id="rId6"/>
-    <p:sldId id="278" r:id="rId7"/>
-    <p:sldId id="276" r:id="rId8"/>
-    <p:sldId id="280" r:id="rId9"/>
-    <p:sldId id="285" r:id="rId10"/>
-    <p:sldId id="284" r:id="rId11"/>
-    <p:sldId id="288" r:id="rId12"/>
+    <p:sldId id="291" r:id="rId2"/>
+    <p:sldId id="290" r:id="rId3"/>
+    <p:sldId id="273" r:id="rId4"/>
+    <p:sldId id="275" r:id="rId5"/>
+    <p:sldId id="274" r:id="rId6"/>
+    <p:sldId id="281" r:id="rId7"/>
+    <p:sldId id="278" r:id="rId8"/>
+    <p:sldId id="292" r:id="rId9"/>
+    <p:sldId id="276" r:id="rId10"/>
+    <p:sldId id="280" r:id="rId11"/>
+    <p:sldId id="279" r:id="rId12"/>
     <p:sldId id="286" r:id="rId13"/>
     <p:sldId id="287" r:id="rId14"/>
-    <p:sldId id="289" r:id="rId15"/>
-    <p:sldId id="279" r:id="rId16"/>
-    <p:sldId id="277" r:id="rId17"/>
-    <p:sldId id="272" r:id="rId18"/>
-    <p:sldId id="264" r:id="rId19"/>
-    <p:sldId id="267" r:id="rId20"/>
-    <p:sldId id="268" r:id="rId21"/>
-    <p:sldId id="271" r:id="rId22"/>
-    <p:sldId id="269" r:id="rId23"/>
-    <p:sldId id="270" r:id="rId24"/>
-    <p:sldId id="265" r:id="rId25"/>
-    <p:sldId id="266" r:id="rId26"/>
+    <p:sldId id="285" r:id="rId15"/>
+    <p:sldId id="284" r:id="rId16"/>
+    <p:sldId id="288" r:id="rId17"/>
+    <p:sldId id="289" r:id="rId18"/>
+    <p:sldId id="277" r:id="rId19"/>
+    <p:sldId id="272" r:id="rId20"/>
+    <p:sldId id="264" r:id="rId21"/>
+    <p:sldId id="267" r:id="rId22"/>
+    <p:sldId id="268" r:id="rId23"/>
+    <p:sldId id="271" r:id="rId24"/>
+    <p:sldId id="269" r:id="rId25"/>
+    <p:sldId id="270" r:id="rId26"/>
+    <p:sldId id="265" r:id="rId27"/>
+    <p:sldId id="266" r:id="rId28"/>
   </p:sldIdLst>
   <p:sldSz cx="12192000" cy="6858000"/>
   <p:notesSz cx="6858000" cy="9144000"/>
@@ -3373,13 +3375,7 @@
       </p:grpSpPr>
       <p:sp>
         <p:nvSpPr>
-          <p:cNvPr id="2" name="Title 1">
-            <a:extLst>
-              <a:ext uri="{FF2B5EF4-FFF2-40B4-BE49-F238E27FC236}">
-                <a16:creationId xmlns:a16="http://schemas.microsoft.com/office/drawing/2014/main" id="{8E2C35EA-F324-47F1-9BA3-AB3A8D7FED1E}"/>
-              </a:ext>
-            </a:extLst>
-          </p:cNvPr>
+          <p:cNvPr id="4" name="Title 3"/>
           <p:cNvSpPr>
             <a:spLocks noGrp="1"/>
           </p:cNvSpPr>
@@ -3389,31 +3385,19 @@
         </p:nvSpPr>
         <p:spPr/>
         <p:txBody>
-          <a:bodyPr>
-            <a:normAutofit/>
-          </a:bodyPr>
+          <a:bodyPr/>
           <a:lstStyle/>
           <a:p>
             <a:r>
               <a:rPr lang="en-GB" b="1" dirty="0"/>
               <a:t>SCALLOP/INF1 analysis</a:t>
             </a:r>
-            <a:br>
-              <a:rPr lang="en-GB" b="1" dirty="0"/>
-            </a:br>
-            <a:endParaRPr lang="en-GB" sz="3100" b="1" dirty="0"/>
-          </a:p>
-        </p:txBody>
-      </p:sp>
-      <p:sp>
-        <p:nvSpPr>
-          <p:cNvPr id="3" name="Subtitle 2">
-            <a:extLst>
-              <a:ext uri="{FF2B5EF4-FFF2-40B4-BE49-F238E27FC236}">
-                <a16:creationId xmlns:a16="http://schemas.microsoft.com/office/drawing/2014/main" id="{44BAB449-8D67-49E1-BAF4-5631E0374D63}"/>
-              </a:ext>
-            </a:extLst>
-          </p:cNvPr>
+          </a:p>
+        </p:txBody>
+      </p:sp>
+      <p:sp>
+        <p:nvSpPr>
+          <p:cNvPr id="5" name="Subtitle 4"/>
           <p:cNvSpPr>
             <a:spLocks noGrp="1"/>
           </p:cNvSpPr>
@@ -3437,13 +3421,16 @@
               <a:rPr lang="en-GB" dirty="0"/>
               <a:t>12/4/2019</a:t>
             </a:r>
+          </a:p>
+          <a:p>
+            <a:endParaRPr lang="en-GB" dirty="0"/>
           </a:p>
         </p:txBody>
       </p:sp>
     </p:spTree>
     <p:extLst>
       <p:ext uri="{BB962C8B-B14F-4D97-AF65-F5344CB8AC3E}">
-        <p14:creationId xmlns:p14="http://schemas.microsoft.com/office/powerpoint/2010/main" val="4043611119"/>
+        <p14:creationId xmlns:p14="http://schemas.microsoft.com/office/powerpoint/2010/main" val="1535533304"/>
       </p:ext>
     </p:extLst>
   </p:cSld>
@@ -3480,60 +3467,162 @@
             <p:ph type="title"/>
           </p:nvPr>
         </p:nvSpPr>
-        <p:spPr>
-          <a:xfrm>
-            <a:off x="150222" y="452210"/>
-            <a:ext cx="3376749" cy="1325563"/>
-          </a:xfrm>
-        </p:spPr>
+        <p:spPr/>
         <p:txBody>
           <a:bodyPr/>
           <a:lstStyle/>
           <a:p>
             <a:pPr algn="ctr"/>
             <a:r>
-              <a:rPr lang="en-GB" b="1" dirty="0"/>
-              <a:t>OPG Q-Q plot</a:t>
-            </a:r>
-          </a:p>
-        </p:txBody>
-      </p:sp>
-      <p:pic>
-        <p:nvPicPr>
-          <p:cNvPr id="4" name="Content Placeholder 3"/>
-          <p:cNvPicPr>
-            <a:picLocks noGrp="1" noChangeAspect="1"/>
-          </p:cNvPicPr>
+              <a:rPr lang="en-GB" b="1" dirty="0" err="1" smtClean="0"/>
+              <a:t>Sumstats</a:t>
+            </a:r>
+            <a:r>
+              <a:rPr lang="en-GB" b="1" dirty="0" smtClean="0"/>
+              <a:t> (</a:t>
+            </a:r>
+            <a:r>
+              <a:rPr lang="en-GB" b="1" dirty="0" smtClean="0"/>
+              <a:t>/scratch/jhz22/INF)</a:t>
+            </a:r>
+            <a:endParaRPr lang="en-GB" b="1" dirty="0"/>
+          </a:p>
+        </p:txBody>
+      </p:sp>
+      <p:sp>
+        <p:nvSpPr>
+          <p:cNvPr id="3" name="Content Placeholder 2"/>
+          <p:cNvSpPr>
+            <a:spLocks noGrp="1"/>
+          </p:cNvSpPr>
           <p:nvPr>
             <p:ph idx="1"/>
           </p:nvPr>
-        </p:nvPicPr>
-        <p:blipFill>
-          <a:blip r:embed="rId2" cstate="hqprint">
-            <a:extLst>
-              <a:ext uri="{28A0092B-C50C-407E-A947-70E740481C1C}">
-                <a14:useLocalDpi xmlns:a14="http://schemas.microsoft.com/office/drawing/2010/main" val="0"/>
-              </a:ext>
-            </a:extLst>
-          </a:blip>
-          <a:stretch>
-            <a:fillRect/>
-          </a:stretch>
-        </p:blipFill>
-        <p:spPr>
-          <a:xfrm>
-            <a:off x="3719239" y="0"/>
-            <a:ext cx="8472761" cy="6858000"/>
-          </a:xfrm>
-          <a:prstGeom prst="rect">
-            <a:avLst/>
-          </a:prstGeom>
-        </p:spPr>
-      </p:pic>
+        </p:nvSpPr>
+        <p:spPr/>
+        <p:txBody>
+          <a:bodyPr>
+            <a:normAutofit/>
+          </a:bodyPr>
+          <a:lstStyle/>
+          <a:p>
+            <a:r>
+              <a:rPr lang="en-GB" dirty="0" err="1" smtClean="0"/>
+              <a:t>sumstats</a:t>
+            </a:r>
+            <a:r>
+              <a:rPr lang="en-GB" dirty="0" smtClean="0"/>
+              <a:t>/INTERVAL	GWAS </a:t>
+            </a:r>
+            <a:r>
+              <a:rPr lang="en-GB" dirty="0" err="1" smtClean="0"/>
+              <a:t>sumstats</a:t>
+            </a:r>
+            <a:r>
+              <a:rPr lang="en-GB" dirty="0" smtClean="0"/>
+              <a:t> from INTERVAL</a:t>
+            </a:r>
+          </a:p>
+          <a:p>
+            <a:r>
+              <a:rPr lang="en-GB" dirty="0" smtClean="0"/>
+              <a:t>plots</a:t>
+            </a:r>
+            <a:r>
+              <a:rPr lang="en-GB" dirty="0"/>
+              <a:t>/ </a:t>
+            </a:r>
+            <a:r>
+              <a:rPr lang="en-GB" dirty="0" smtClean="0"/>
+              <a:t>			Manhattan </a:t>
+            </a:r>
+            <a:r>
+              <a:rPr lang="en-GB" dirty="0"/>
+              <a:t>plots for participating cohorts</a:t>
+            </a:r>
+          </a:p>
+          <a:p>
+            <a:r>
+              <a:rPr lang="en-GB" dirty="0"/>
+              <a:t>METAL/ </a:t>
+            </a:r>
+            <a:r>
+              <a:rPr lang="en-GB" dirty="0" smtClean="0"/>
+              <a:t>			</a:t>
+            </a:r>
+            <a:r>
+              <a:rPr lang="en-GB" dirty="0" err="1" smtClean="0"/>
+              <a:t>sumstats+Manhattan</a:t>
+            </a:r>
+            <a:r>
+              <a:rPr lang="en-GB" dirty="0" smtClean="0"/>
+              <a:t>/Q-Q/</a:t>
+            </a:r>
+            <a:r>
+              <a:rPr lang="en-GB" dirty="0" err="1" smtClean="0"/>
+              <a:t>LocusZoom</a:t>
+            </a:r>
+            <a:r>
+              <a:rPr lang="en-GB" dirty="0" smtClean="0"/>
+              <a:t> </a:t>
+            </a:r>
+            <a:r>
+              <a:rPr lang="en-GB" dirty="0"/>
+              <a:t>plots</a:t>
+            </a:r>
+          </a:p>
+          <a:p>
+            <a:r>
+              <a:rPr lang="en-GB" dirty="0"/>
+              <a:t>clumping/ </a:t>
+            </a:r>
+            <a:r>
+              <a:rPr lang="en-GB" dirty="0" smtClean="0"/>
+              <a:t>			PLINK </a:t>
+            </a:r>
+            <a:r>
+              <a:rPr lang="en-GB" dirty="0"/>
+              <a:t>–clump analysis + forest plots </a:t>
+            </a:r>
+            <a:r>
+              <a:rPr lang="en-GB" dirty="0" smtClean="0"/>
+              <a:t>							(</a:t>
+            </a:r>
+            <a:r>
+              <a:rPr lang="en-GB" dirty="0"/>
+              <a:t>INF1.UK10K+1KG.r2-0.fp.pdf)</a:t>
+            </a:r>
+          </a:p>
+          <a:p>
+            <a:r>
+              <a:rPr lang="en-GB" dirty="0" err="1"/>
+              <a:t>cojo</a:t>
+            </a:r>
+            <a:r>
+              <a:rPr lang="en-GB" dirty="0"/>
+              <a:t>/ </a:t>
+            </a:r>
+            <a:r>
+              <a:rPr lang="en-GB" dirty="0" smtClean="0"/>
+              <a:t>			conditional </a:t>
+            </a:r>
+            <a:r>
+              <a:rPr lang="en-GB" dirty="0"/>
+              <a:t>analysis with 1KG, UK10K+1KG</a:t>
+            </a:r>
+          </a:p>
+          <a:p>
+            <a:pPr marL="0" indent="0">
+              <a:buNone/>
+            </a:pPr>
+            <a:endParaRPr lang="en-GB" dirty="0"/>
+          </a:p>
+        </p:txBody>
+      </p:sp>
     </p:spTree>
     <p:extLst>
       <p:ext uri="{BB962C8B-B14F-4D97-AF65-F5344CB8AC3E}">
-        <p14:creationId xmlns:p14="http://schemas.microsoft.com/office/powerpoint/2010/main" val="1830815618"/>
+        <p14:creationId xmlns:p14="http://schemas.microsoft.com/office/powerpoint/2010/main" val="101094381"/>
       </p:ext>
     </p:extLst>
   </p:cSld>
@@ -3562,13 +3651,7 @@
       </p:grpSpPr>
       <p:sp>
         <p:nvSpPr>
-          <p:cNvPr id="2" name="Title 1">
-            <a:extLst>
-              <a:ext uri="{FF2B5EF4-FFF2-40B4-BE49-F238E27FC236}">
-                <a16:creationId xmlns:a16="http://schemas.microsoft.com/office/drawing/2014/main" id="{B3965497-BDD7-4A5C-BAD8-19997115AF61}"/>
-              </a:ext>
-            </a:extLst>
-          </p:cNvPr>
+          <p:cNvPr id="2" name="Title 1"/>
           <p:cNvSpPr>
             <a:spLocks noGrp="1"/>
           </p:cNvSpPr>
@@ -3584,20 +3667,19 @@
             <a:pPr algn="ctr"/>
             <a:r>
               <a:rPr lang="en-GB" b="1" dirty="0"/>
-              <a:t>OPG regional plot</a:t>
-            </a:r>
-          </a:p>
-        </p:txBody>
-      </p:sp>
-      <p:sp>
-        <p:nvSpPr>
-          <p:cNvPr id="3" name="Content Placeholder 2">
-            <a:extLst>
-              <a:ext uri="{FF2B5EF4-FFF2-40B4-BE49-F238E27FC236}">
-                <a16:creationId xmlns:a16="http://schemas.microsoft.com/office/drawing/2014/main" id="{1B443336-3EFA-4025-B4CA-36489292A34E}"/>
-              </a:ext>
-            </a:extLst>
-          </p:cNvPr>
+              <a:t>Use of </a:t>
+            </a:r>
+            <a:r>
+              <a:rPr lang="en-GB" b="1" dirty="0" err="1"/>
+              <a:t>sumstats</a:t>
+            </a:r>
+            <a:endParaRPr lang="en-GB" b="1" dirty="0"/>
+          </a:p>
+        </p:txBody>
+      </p:sp>
+      <p:sp>
+        <p:nvSpPr>
+          <p:cNvPr id="3" name="Content Placeholder 2"/>
           <p:cNvSpPr>
             <a:spLocks noGrp="1"/>
           </p:cNvSpPr>
@@ -3610,14 +3692,73 @@
           <a:bodyPr/>
           <a:lstStyle/>
           <a:p>
-            <a:endParaRPr lang="en-GB"/>
+            <a:r>
+              <a:rPr lang="en-GB" dirty="0" smtClean="0"/>
+              <a:t>Manhattan/Q-Q/</a:t>
+            </a:r>
+            <a:r>
+              <a:rPr lang="en-GB" dirty="0" err="1" smtClean="0"/>
+              <a:t>LocusZoom</a:t>
+            </a:r>
+            <a:r>
+              <a:rPr lang="en-GB" dirty="0" smtClean="0"/>
+              <a:t>/forest </a:t>
+            </a:r>
+            <a:r>
+              <a:rPr lang="en-GB" dirty="0"/>
+              <a:t>plots, loose ends (</a:t>
+            </a:r>
+            <a:r>
+              <a:rPr lang="en-GB" dirty="0" err="1"/>
+              <a:t>rsid</a:t>
+            </a:r>
+            <a:r>
+              <a:rPr lang="en-GB" dirty="0"/>
+              <a:t> instead of SNPID and right allele labelling/effect size) for the latter two are being done.</a:t>
+            </a:r>
+          </a:p>
+          <a:p>
+            <a:r>
+              <a:rPr lang="en-GB" dirty="0"/>
+              <a:t>Identification of near-independent signals with 1KG (built from </a:t>
+            </a:r>
+            <a:r>
+              <a:rPr lang="en-GB" dirty="0" err="1"/>
+              <a:t>LocusZoom</a:t>
+            </a:r>
+            <a:r>
+              <a:rPr lang="en-GB" dirty="0"/>
+              <a:t> 1.4 and also curated databases at cardio), UK10K+1KG (INTERVAL genotypes) and r2=0, 0.1 and contrast with INTERVAL.</a:t>
+            </a:r>
+          </a:p>
+          <a:p>
+            <a:r>
+              <a:rPr lang="en-GB" dirty="0" err="1" smtClean="0"/>
+              <a:t>Finemapping</a:t>
+            </a:r>
+            <a:r>
+              <a:rPr lang="en-GB" dirty="0"/>
+              <a:t>, LDSC analysis, pathway analysis?</a:t>
+            </a:r>
+          </a:p>
+          <a:p>
+            <a:r>
+              <a:rPr lang="en-GB" dirty="0"/>
+              <a:t>Quantitative trait/disease outcomes, e.g., CVD, lung function.</a:t>
+            </a:r>
+          </a:p>
+          <a:p>
+            <a:pPr marL="0" indent="0">
+              <a:buNone/>
+            </a:pPr>
+            <a:endParaRPr lang="en-GB" dirty="0"/>
           </a:p>
         </p:txBody>
       </p:sp>
     </p:spTree>
     <p:extLst>
       <p:ext uri="{BB962C8B-B14F-4D97-AF65-F5344CB8AC3E}">
-        <p14:creationId xmlns:p14="http://schemas.microsoft.com/office/powerpoint/2010/main" val="3623640997"/>
+        <p14:creationId xmlns:p14="http://schemas.microsoft.com/office/powerpoint/2010/main" val="2840599358"/>
       </p:ext>
     </p:extLst>
   </p:cSld>
@@ -3844,165 +3985,57 @@
             <p:ph type="title"/>
           </p:nvPr>
         </p:nvSpPr>
-        <p:spPr/>
+        <p:spPr>
+          <a:xfrm>
+            <a:off x="139337" y="365125"/>
+            <a:ext cx="5068389" cy="1325563"/>
+          </a:xfrm>
+        </p:spPr>
         <p:txBody>
           <a:bodyPr/>
           <a:lstStyle/>
           <a:p>
             <a:pPr algn="ctr"/>
             <a:r>
-              <a:rPr lang="en-GB" b="1" dirty="0" smtClean="0"/>
-              <a:t>Near-independent signals</a:t>
-            </a:r>
-            <a:endParaRPr lang="en-GB" b="1" dirty="0"/>
-          </a:p>
-        </p:txBody>
-      </p:sp>
-      <p:sp>
-        <p:nvSpPr>
-          <p:cNvPr id="3" name="Content Placeholder 2"/>
-          <p:cNvSpPr>
-            <a:spLocks noGrp="1"/>
-          </p:cNvSpPr>
+              <a:rPr lang="en-GB" b="1" dirty="0"/>
+              <a:t>OPG Manhattan plot</a:t>
+            </a:r>
+          </a:p>
+        </p:txBody>
+      </p:sp>
+      <p:pic>
+        <p:nvPicPr>
+          <p:cNvPr id="4" name="Content Placeholder 3"/>
+          <p:cNvPicPr>
+            <a:picLocks noGrp="1" noChangeAspect="1"/>
+          </p:cNvPicPr>
           <p:nvPr>
             <p:ph idx="1"/>
           </p:nvPr>
-        </p:nvSpPr>
-        <p:spPr/>
-        <p:txBody>
-          <a:bodyPr>
-            <a:normAutofit fontScale="92500" lnSpcReduction="10000"/>
-          </a:bodyPr>
-          <a:lstStyle/>
-          <a:p>
-            <a:r>
-              <a:rPr lang="en-GB" dirty="0" smtClean="0"/>
-              <a:t>1KG (</a:t>
-            </a:r>
-            <a:r>
-              <a:rPr lang="en-GB" dirty="0" err="1" smtClean="0"/>
-              <a:t>LocusZoom</a:t>
-            </a:r>
-            <a:r>
-              <a:rPr lang="en-GB" dirty="0" smtClean="0"/>
-              <a:t> 1.4, cardio), and UK10K+1KG as LD references, with balanced </a:t>
-            </a:r>
-            <a:r>
-              <a:rPr lang="en-GB" dirty="0"/>
-              <a:t>and comparable </a:t>
-            </a:r>
-            <a:r>
-              <a:rPr lang="en-GB" dirty="0" smtClean="0"/>
-              <a:t>parameters, e.g.,</a:t>
-            </a:r>
-          </a:p>
-          <a:p>
-            <a:r>
-              <a:rPr lang="en-GB" dirty="0" smtClean="0"/>
-              <a:t>PLINK</a:t>
-            </a:r>
-          </a:p>
-          <a:p>
-            <a:pPr lvl="1"/>
-            <a:r>
-              <a:rPr lang="en-GB" dirty="0" smtClean="0"/>
-              <a:t>--clump-r2 0 / --clump-r2 0.1</a:t>
-            </a:r>
-          </a:p>
-          <a:p>
-            <a:r>
-              <a:rPr lang="en-GB" dirty="0" smtClean="0"/>
-              <a:t>GCTA</a:t>
-            </a:r>
-          </a:p>
-          <a:p>
-            <a:pPr lvl="1"/>
-            <a:r>
-              <a:rPr lang="en-GB" dirty="0"/>
-              <a:t>--</a:t>
-            </a:r>
-            <a:r>
-              <a:rPr lang="en-GB" dirty="0" err="1"/>
-              <a:t>cojo</a:t>
-            </a:r>
-            <a:r>
-              <a:rPr lang="en-GB" dirty="0"/>
-              <a:t>-collinear </a:t>
-            </a:r>
-            <a:r>
-              <a:rPr lang="en-GB" dirty="0" smtClean="0"/>
-              <a:t>0.1</a:t>
-            </a:r>
-          </a:p>
-          <a:p>
-            <a:r>
-              <a:rPr lang="en-GB" u="sng" dirty="0" smtClean="0">
-                <a:hlinkClick r:id="rId2"/>
-              </a:rPr>
-              <a:t>https</a:t>
-            </a:r>
-            <a:r>
-              <a:rPr lang="en-GB" u="sng" dirty="0">
-                <a:hlinkClick r:id="rId2"/>
-              </a:rPr>
-              <a:t>://github.com/jinghuazhao/INF/blob/master/doc/INF1.paper.xlsx</a:t>
-            </a:r>
-            <a:r>
-              <a:rPr lang="en-GB" dirty="0"/>
-              <a:t> collects clumping/</a:t>
-            </a:r>
-            <a:r>
-              <a:rPr lang="en-GB" dirty="0" err="1"/>
-              <a:t>cojo</a:t>
-            </a:r>
-            <a:r>
-              <a:rPr lang="en-GB" dirty="0"/>
-              <a:t> </a:t>
-            </a:r>
-            <a:r>
-              <a:rPr lang="en-GB" dirty="0" smtClean="0"/>
-              <a:t>results and </a:t>
-            </a:r>
-            <a:r>
-              <a:rPr lang="en-GB" dirty="0"/>
-              <a:t>cis/trans classification </a:t>
-            </a:r>
-            <a:r>
-              <a:rPr lang="en-GB" dirty="0" smtClean="0"/>
-              <a:t>tables.</a:t>
-            </a:r>
-          </a:p>
-          <a:p>
-            <a:r>
-              <a:rPr lang="en-GB" dirty="0"/>
-              <a:t>INTERVAL and INF1 share similarity in both number of signals and cis/trans classification, while UK10K+1KG reference panel gave more signals than 1KG. GCTA –</a:t>
-            </a:r>
-            <a:r>
-              <a:rPr lang="en-GB" dirty="0" err="1"/>
-              <a:t>cojo</a:t>
-            </a:r>
-            <a:r>
-              <a:rPr lang="en-GB" dirty="0"/>
-              <a:t> appears to be a good compromise between r2=0, </a:t>
-            </a:r>
-            <a:r>
-              <a:rPr lang="en-GB" dirty="0" smtClean="0"/>
-              <a:t>0.1.</a:t>
-            </a:r>
-            <a:endParaRPr lang="en-GB" dirty="0"/>
-          </a:p>
-          <a:p>
-            <a:endParaRPr lang="en-GB" dirty="0"/>
-          </a:p>
-          <a:p>
-            <a:endParaRPr lang="en-GB" dirty="0" smtClean="0"/>
-          </a:p>
-        </p:txBody>
-      </p:sp>
+        </p:nvPicPr>
+        <p:blipFill>
+          <a:blip r:embed="rId2" cstate="hqprint">
+            <a:extLst>
+              <a:ext uri="{28A0092B-C50C-407E-A947-70E740481C1C}">
+                <a14:useLocalDpi xmlns:a14="http://schemas.microsoft.com/office/drawing/2010/main" val="0"/>
+              </a:ext>
+            </a:extLst>
+          </a:blip>
+          <a:stretch>
+            <a:fillRect/>
+          </a:stretch>
+        </p:blipFill>
+        <p:spPr>
+          <a:xfrm>
+            <a:off x="5223269" y="52546"/>
+            <a:ext cx="6890353" cy="6805454"/>
+          </a:xfrm>
+        </p:spPr>
+      </p:pic>
     </p:spTree>
     <p:extLst>
       <p:ext uri="{BB962C8B-B14F-4D97-AF65-F5344CB8AC3E}">
-        <p14:creationId xmlns:p14="http://schemas.microsoft.com/office/powerpoint/2010/main" val="1894997912"/>
+        <p14:creationId xmlns:p14="http://schemas.microsoft.com/office/powerpoint/2010/main" val="1619791380"/>
       </p:ext>
     </p:extLst>
   </p:cSld>
@@ -4039,7 +4072,12 @@
             <p:ph type="title"/>
           </p:nvPr>
         </p:nvSpPr>
-        <p:spPr/>
+        <p:spPr>
+          <a:xfrm>
+            <a:off x="150222" y="452210"/>
+            <a:ext cx="3376749" cy="1325563"/>
+          </a:xfrm>
+        </p:spPr>
         <p:txBody>
           <a:bodyPr/>
           <a:lstStyle/>
@@ -4047,98 +4085,47 @@
             <a:pPr algn="ctr"/>
             <a:r>
               <a:rPr lang="en-GB" b="1" dirty="0"/>
-              <a:t>Use of </a:t>
-            </a:r>
-            <a:r>
-              <a:rPr lang="en-GB" b="1" dirty="0" err="1"/>
-              <a:t>sumstats</a:t>
-            </a:r>
-            <a:endParaRPr lang="en-GB" b="1" dirty="0"/>
-          </a:p>
-        </p:txBody>
-      </p:sp>
-      <p:sp>
-        <p:nvSpPr>
-          <p:cNvPr id="3" name="Content Placeholder 2"/>
-          <p:cNvSpPr>
-            <a:spLocks noGrp="1"/>
-          </p:cNvSpPr>
+              <a:t>OPG Q-Q plot</a:t>
+            </a:r>
+          </a:p>
+        </p:txBody>
+      </p:sp>
+      <p:pic>
+        <p:nvPicPr>
+          <p:cNvPr id="4" name="Content Placeholder 3"/>
+          <p:cNvPicPr>
+            <a:picLocks noGrp="1" noChangeAspect="1"/>
+          </p:cNvPicPr>
           <p:nvPr>
             <p:ph idx="1"/>
           </p:nvPr>
-        </p:nvSpPr>
-        <p:spPr/>
-        <p:txBody>
-          <a:bodyPr/>
-          <a:lstStyle/>
-          <a:p>
-            <a:r>
-              <a:rPr lang="en-GB" dirty="0"/>
-              <a:t>Identification of independent signals with 1KG (built from </a:t>
-            </a:r>
-            <a:r>
-              <a:rPr lang="en-GB" dirty="0" err="1"/>
-              <a:t>LocusZoom</a:t>
-            </a:r>
-            <a:r>
-              <a:rPr lang="en-GB" dirty="0"/>
-              <a:t> 1.4 and also curated databases at cardio), UK10K+1KG (INTERVAL genotypes) and r2=0, 0.1 and contrast with INTERVAL.</a:t>
-            </a:r>
-          </a:p>
-          <a:p>
-            <a:r>
-              <a:rPr lang="en-GB" dirty="0" smtClean="0"/>
-              <a:t>Manhattan/Q-Q/</a:t>
-            </a:r>
-            <a:r>
-              <a:rPr lang="en-GB" dirty="0" err="1" smtClean="0"/>
-              <a:t>LocusZoom</a:t>
-            </a:r>
-            <a:r>
-              <a:rPr lang="en-GB" dirty="0" smtClean="0"/>
-              <a:t>/forest </a:t>
-            </a:r>
-            <a:r>
-              <a:rPr lang="en-GB" dirty="0"/>
-              <a:t>plots, loose ends (</a:t>
-            </a:r>
-            <a:r>
-              <a:rPr lang="en-GB" dirty="0" err="1"/>
-              <a:t>rsid</a:t>
-            </a:r>
-            <a:r>
-              <a:rPr lang="en-GB" dirty="0"/>
-              <a:t> instead of SNPID and right allele labelling/effect size) for the latter two are being done.</a:t>
-            </a:r>
-          </a:p>
-          <a:p>
-            <a:r>
-              <a:rPr lang="en-GB" dirty="0" err="1"/>
-              <a:t>Finemapping</a:t>
-            </a:r>
-            <a:r>
-              <a:rPr lang="en-GB" dirty="0"/>
-              <a:t>, LDSC analysis, pathway analysis?</a:t>
-            </a:r>
-          </a:p>
-          <a:p>
-            <a:r>
-              <a:rPr lang="en-GB" dirty="0"/>
-              <a:t>Quantitative trait/disease outcomes, e.g., CVD, lung function.</a:t>
-            </a:r>
-          </a:p>
-          <a:p>
-            <a:pPr marL="0" indent="0">
-              <a:buNone/>
-            </a:pPr>
-            <a:endParaRPr lang="en-GB" dirty="0"/>
-          </a:p>
-        </p:txBody>
-      </p:sp>
+        </p:nvPicPr>
+        <p:blipFill>
+          <a:blip r:embed="rId2" cstate="hqprint">
+            <a:extLst>
+              <a:ext uri="{28A0092B-C50C-407E-A947-70E740481C1C}">
+                <a14:useLocalDpi xmlns:a14="http://schemas.microsoft.com/office/drawing/2010/main" val="0"/>
+              </a:ext>
+            </a:extLst>
+          </a:blip>
+          <a:stretch>
+            <a:fillRect/>
+          </a:stretch>
+        </p:blipFill>
+        <p:spPr>
+          <a:xfrm>
+            <a:off x="3719239" y="0"/>
+            <a:ext cx="8472761" cy="6858000"/>
+          </a:xfrm>
+          <a:prstGeom prst="rect">
+            <a:avLst/>
+          </a:prstGeom>
+        </p:spPr>
+      </p:pic>
     </p:spTree>
     <p:extLst>
       <p:ext uri="{BB962C8B-B14F-4D97-AF65-F5344CB8AC3E}">
-        <p14:creationId xmlns:p14="http://schemas.microsoft.com/office/powerpoint/2010/main" val="2840599358"/>
+        <p14:creationId xmlns:p14="http://schemas.microsoft.com/office/powerpoint/2010/main" val="1830815618"/>
       </p:ext>
     </p:extLst>
   </p:cSld>
@@ -4167,7 +4154,13 @@
       </p:grpSpPr>
       <p:sp>
         <p:nvSpPr>
-          <p:cNvPr id="2" name="Title 1"/>
+          <p:cNvPr id="2" name="Title 1">
+            <a:extLst>
+              <a:ext uri="{FF2B5EF4-FFF2-40B4-BE49-F238E27FC236}">
+                <a16:creationId xmlns:a16="http://schemas.microsoft.com/office/drawing/2014/main" id="{B3965497-BDD7-4A5C-BAD8-19997115AF61}"/>
+              </a:ext>
+            </a:extLst>
+          </p:cNvPr>
           <p:cNvSpPr>
             <a:spLocks noGrp="1"/>
           </p:cNvSpPr>
@@ -4183,14 +4176,20 @@
             <a:pPr algn="ctr"/>
             <a:r>
               <a:rPr lang="en-GB" b="1" dirty="0"/>
-              <a:t>A general sketch of analysis</a:t>
-            </a:r>
-          </a:p>
-        </p:txBody>
-      </p:sp>
-      <p:sp>
-        <p:nvSpPr>
-          <p:cNvPr id="3" name="Content Placeholder 2"/>
+              <a:t>OPG regional plot</a:t>
+            </a:r>
+          </a:p>
+        </p:txBody>
+      </p:sp>
+      <p:sp>
+        <p:nvSpPr>
+          <p:cNvPr id="3" name="Content Placeholder 2">
+            <a:extLst>
+              <a:ext uri="{FF2B5EF4-FFF2-40B4-BE49-F238E27FC236}">
+                <a16:creationId xmlns:a16="http://schemas.microsoft.com/office/drawing/2014/main" id="{1B443336-3EFA-4025-B4CA-36489292A34E}"/>
+              </a:ext>
+            </a:extLst>
+          </p:cNvPr>
           <p:cNvSpPr>
             <a:spLocks noGrp="1"/>
           </p:cNvSpPr>
@@ -4200,71 +4199,17 @@
         </p:nvSpPr>
         <p:spPr/>
         <p:txBody>
-          <a:bodyPr>
-            <a:normAutofit lnSpcReduction="10000"/>
-          </a:bodyPr>
+          <a:bodyPr/>
           <a:lstStyle/>
           <a:p>
-            <a:r>
-              <a:rPr lang="en-GB" dirty="0"/>
-              <a:t>Discovery, replication – INTERVAL, meta-analysis, NSPHS.</a:t>
-            </a:r>
-          </a:p>
-          <a:p>
-            <a:r>
-              <a:rPr lang="en-GB" dirty="0"/>
-              <a:t>GCTA –</a:t>
-            </a:r>
-            <a:r>
-              <a:rPr lang="en-GB" dirty="0" err="1"/>
-              <a:t>cojo</a:t>
-            </a:r>
-            <a:r>
-              <a:rPr lang="en-GB" dirty="0"/>
-              <a:t> </a:t>
-            </a:r>
-            <a:r>
-              <a:rPr lang="en-GB" dirty="0" smtClean="0"/>
-              <a:t>analysis almost done, </a:t>
-            </a:r>
-            <a:r>
-              <a:rPr lang="en-GB" dirty="0" smtClean="0"/>
-              <a:t>which can be intersected with approximately independent LD blocks for </a:t>
-            </a:r>
-            <a:r>
-              <a:rPr lang="en-GB" dirty="0" err="1" smtClean="0"/>
-              <a:t>finemapping</a:t>
-            </a:r>
-            <a:r>
-              <a:rPr lang="en-GB" dirty="0" smtClean="0"/>
-              <a:t>; the results with PLINK –clump are readily available (INF1.UK10K+1KG.AILD.r2-0/0.1.ranges).</a:t>
-            </a:r>
-            <a:endParaRPr lang="en-GB" dirty="0"/>
-          </a:p>
-          <a:p>
-            <a:r>
-              <a:rPr lang="en-GB" dirty="0"/>
-              <a:t>Power issues – plots of effect size from INTERVAL vs INF1 are helpful.</a:t>
-            </a:r>
-          </a:p>
-          <a:p>
-            <a:r>
-              <a:rPr lang="en-GB" dirty="0"/>
-              <a:t>Additional information on genotyping and cohort characteristics needs to be requested.</a:t>
-            </a:r>
-          </a:p>
-          <a:p>
-            <a:r>
-              <a:rPr lang="en-GB" dirty="0"/>
-              <a:t>Elementary summary statistics such as h2 from INTERVAL, with KORA relatively small for GCTA and possibly with INF1 for HESS.</a:t>
-            </a:r>
+            <a:endParaRPr lang="en-GB"/>
           </a:p>
         </p:txBody>
       </p:sp>
     </p:spTree>
     <p:extLst>
       <p:ext uri="{BB962C8B-B14F-4D97-AF65-F5344CB8AC3E}">
-        <p14:creationId xmlns:p14="http://schemas.microsoft.com/office/powerpoint/2010/main" val="1596982311"/>
+        <p14:creationId xmlns:p14="http://schemas.microsoft.com/office/powerpoint/2010/main" val="3623640997"/>
       </p:ext>
     </p:extLst>
   </p:cSld>
@@ -4308,9 +4253,10 @@
           <a:p>
             <a:pPr algn="ctr"/>
             <a:r>
-              <a:rPr lang="en-GB" b="1" dirty="0"/>
-              <a:t>Landmarks</a:t>
-            </a:r>
+              <a:rPr lang="en-GB" b="1" dirty="0" smtClean="0"/>
+              <a:t>Near-independent signals</a:t>
+            </a:r>
+            <a:endParaRPr lang="en-GB" b="1" dirty="0"/>
           </a:p>
         </p:txBody>
       </p:sp>
@@ -4326,48 +4272,139 @@
         </p:nvSpPr>
         <p:spPr/>
         <p:txBody>
-          <a:bodyPr/>
+          <a:bodyPr>
+            <a:normAutofit fontScale="92500" lnSpcReduction="10000"/>
+          </a:bodyPr>
           <a:lstStyle/>
           <a:p>
             <a:r>
-              <a:rPr lang="en-GB" dirty="0"/>
-              <a:t>27/3/19 – cross-reference with INTERVAL on INTERVAL genotype data, which showed great similarity with INF1, esp. w.r.t. cis signals.</a:t>
-            </a:r>
-          </a:p>
-          <a:p>
-            <a:r>
-              <a:rPr lang="en-GB" dirty="0"/>
-              <a:t>8/3/19 – Recognition of MAF </a:t>
+              <a:rPr lang="en-GB" dirty="0" smtClean="0"/>
+              <a:t>1KG (</a:t>
+            </a:r>
+            <a:r>
+              <a:rPr lang="en-GB" dirty="0" err="1" smtClean="0"/>
+              <a:t>LocusZoom</a:t>
+            </a:r>
+            <a:r>
+              <a:rPr lang="en-GB" dirty="0" smtClean="0"/>
+              <a:t> 1.4, cardio), and UK10K+1KG as LD references, with balanced </a:t>
+            </a:r>
+            <a:r>
+              <a:rPr lang="en-GB" dirty="0"/>
+              <a:t>and comparable </a:t>
+            </a:r>
+            <a:r>
+              <a:rPr lang="en-GB" dirty="0" smtClean="0"/>
+              <a:t>parameters, e.g.,</a:t>
+            </a:r>
+          </a:p>
+          <a:p>
+            <a:r>
+              <a:rPr lang="en-GB" dirty="0" smtClean="0"/>
+              <a:t>PLINK</a:t>
+            </a:r>
+          </a:p>
+          <a:p>
+            <a:pPr lvl="1"/>
+            <a:r>
+              <a:rPr lang="en-GB" dirty="0" smtClean="0"/>
+              <a:t>--clump-r2 0 / --clump-r2 0.1</a:t>
+            </a:r>
+          </a:p>
+          <a:p>
+            <a:r>
+              <a:rPr lang="en-GB" dirty="0" smtClean="0"/>
+              <a:t>GCTA</a:t>
+            </a:r>
+          </a:p>
+          <a:p>
+            <a:pPr lvl="1"/>
+            <a:r>
+              <a:rPr lang="en-GB" dirty="0"/>
+              <a:t>--</a:t>
             </a:r>
             <a:r>
               <a:rPr lang="en-GB" dirty="0" err="1"/>
-              <a:t>cutoff</a:t>
-            </a:r>
-            <a:r>
-              <a:rPr lang="en-GB" dirty="0"/>
-              <a:t> on </a:t>
+              <a:t>cojo</a:t>
+            </a:r>
+            <a:r>
+              <a:rPr lang="en-GB" dirty="0"/>
+              <a:t>-collinear </a:t>
+            </a:r>
+            <a:r>
+              <a:rPr lang="en-GB" dirty="0" smtClean="0"/>
+              <a:t>0.1</a:t>
+            </a:r>
+          </a:p>
+          <a:p>
+            <a:r>
+              <a:rPr lang="en-GB" u="sng" dirty="0" smtClean="0">
+                <a:hlinkClick r:id="rId2"/>
+              </a:rPr>
+              <a:t>https</a:t>
+            </a:r>
+            <a:r>
+              <a:rPr lang="en-GB" u="sng" dirty="0">
+                <a:hlinkClick r:id="rId2"/>
+              </a:rPr>
+              <a:t>://github.com/jinghuazhao/INF/blob/master/doc/INF1.paper.xlsx</a:t>
+            </a:r>
+            <a:r>
+              <a:rPr lang="en-GB" dirty="0"/>
+              <a:t> collects clumping/</a:t>
             </a:r>
             <a:r>
               <a:rPr lang="en-GB" dirty="0" err="1"/>
-              <a:t>IFN.gamma</a:t>
-            </a:r>
-            <a:r>
-              <a:rPr lang="en-GB" dirty="0"/>
-              <a:t>, IL.22.RA1, TSLP.</a:t>
-            </a:r>
-          </a:p>
-          <a:p>
-            <a:r>
-              <a:rPr lang="en-GB" dirty="0"/>
-              <a:t>29/11/18 – 22 proteins with busy Manhattan plots.</a:t>
-            </a:r>
+              <a:t>cojo</a:t>
+            </a:r>
+            <a:r>
+              <a:rPr lang="en-GB" dirty="0"/>
+              <a:t> </a:t>
+            </a:r>
+            <a:r>
+              <a:rPr lang="en-GB" dirty="0" smtClean="0"/>
+              <a:t>results and </a:t>
+            </a:r>
+            <a:r>
+              <a:rPr lang="en-GB" dirty="0"/>
+              <a:t>cis/trans classification </a:t>
+            </a:r>
+            <a:r>
+              <a:rPr lang="en-GB" dirty="0" smtClean="0"/>
+              <a:t>tables.</a:t>
+            </a:r>
+          </a:p>
+          <a:p>
+            <a:r>
+              <a:rPr lang="en-GB" dirty="0"/>
+              <a:t>INTERVAL and INF1 share similarity in both number of signals and cis/trans classification, while UK10K+1KG reference panel gave more signals than 1KG. GCTA –</a:t>
+            </a:r>
+            <a:r>
+              <a:rPr lang="en-GB" dirty="0" err="1"/>
+              <a:t>cojo</a:t>
+            </a:r>
+            <a:r>
+              <a:rPr lang="en-GB" dirty="0"/>
+              <a:t> appears to be a good compromise between r2=0, </a:t>
+            </a:r>
+            <a:r>
+              <a:rPr lang="en-GB" dirty="0" smtClean="0"/>
+              <a:t>0.1.</a:t>
+            </a:r>
+            <a:endParaRPr lang="en-GB" dirty="0"/>
+          </a:p>
+          <a:p>
+            <a:endParaRPr lang="en-GB" dirty="0"/>
+          </a:p>
+          <a:p>
+            <a:endParaRPr lang="en-GB" dirty="0" smtClean="0"/>
           </a:p>
         </p:txBody>
       </p:sp>
     </p:spTree>
     <p:extLst>
       <p:ext uri="{BB962C8B-B14F-4D97-AF65-F5344CB8AC3E}">
-        <p14:creationId xmlns:p14="http://schemas.microsoft.com/office/powerpoint/2010/main" val="3032432137"/>
+        <p14:creationId xmlns:p14="http://schemas.microsoft.com/office/powerpoint/2010/main" val="1894997912"/>
       </p:ext>
     </p:extLst>
   </p:cSld>
@@ -4396,13 +4433,7 @@
       </p:grpSpPr>
       <p:sp>
         <p:nvSpPr>
-          <p:cNvPr id="2" name="Title 1">
-            <a:extLst>
-              <a:ext uri="{FF2B5EF4-FFF2-40B4-BE49-F238E27FC236}">
-                <a16:creationId xmlns:a16="http://schemas.microsoft.com/office/drawing/2014/main" id="{0B706D4B-56BB-4904-95C8-C7317B2F9042}"/>
-              </a:ext>
-            </a:extLst>
-          </p:cNvPr>
+          <p:cNvPr id="2" name="Title 1"/>
           <p:cNvSpPr>
             <a:spLocks noGrp="1"/>
           </p:cNvSpPr>
@@ -4417,21 +4448,19 @@
           <a:p>
             <a:pPr algn="ctr"/>
             <a:r>
+              <a:rPr lang="en-GB" b="1" smtClean="0"/>
+              <a:t>Outlook </a:t>
+            </a:r>
+            <a:r>
               <a:rPr lang="en-GB" b="1" dirty="0"/>
-              <a:t>Updates I (8/3/19)</a:t>
-            </a:r>
-          </a:p>
-        </p:txBody>
-      </p:sp>
-      <p:sp>
-        <p:nvSpPr>
-          <p:cNvPr id="3" name="Content Placeholder 2">
-            <a:extLst>
-              <a:ext uri="{FF2B5EF4-FFF2-40B4-BE49-F238E27FC236}">
-                <a16:creationId xmlns:a16="http://schemas.microsoft.com/office/drawing/2014/main" id="{779C168B-FE2B-48BB-9F71-190FE784313F}"/>
-              </a:ext>
-            </a:extLst>
-          </p:cNvPr>
+              <a:t>of analysis</a:t>
+            </a:r>
+          </a:p>
+        </p:txBody>
+      </p:sp>
+      <p:sp>
+        <p:nvSpPr>
+          <p:cNvPr id="3" name="Content Placeholder 2"/>
           <p:cNvSpPr>
             <a:spLocks noGrp="1"/>
           </p:cNvSpPr>
@@ -4448,93 +4477,52 @@
           <a:p>
             <a:r>
               <a:rPr lang="en-GB" dirty="0"/>
-              <a:t>29 chromosomes remain to be analysed for KORA + ARTN reanalysing at TRYGGVE (smaller size). normalised level ~ age+sex+PC1-5+genotype under additive model with SNPTEST.</a:t>
-            </a:r>
-          </a:p>
-          <a:p>
+              <a:t>Discovery, replication – INTERVAL, meta-analysis, NSPHS.</a:t>
+            </a:r>
+          </a:p>
+          <a:p>
+            <a:r>
+              <a:rPr lang="en-GB" dirty="0"/>
+              <a:t>GCTA –</a:t>
+            </a:r>
             <a:r>
               <a:rPr lang="en-GB" dirty="0" err="1"/>
-              <a:t>BioFinder</a:t>
-            </a:r>
-            <a:r>
-              <a:rPr lang="en-GB" dirty="0"/>
-              <a:t>, </a:t>
-            </a:r>
-            <a:r>
-              <a:rPr lang="en-GB" dirty="0" err="1"/>
-              <a:t>MadCam</a:t>
-            </a:r>
-            <a:r>
-              <a:rPr lang="en-GB" dirty="0"/>
-              <a:t> and RECOMBINE were available – these were from Anders beside STANLEY lah1/swe6 with </a:t>
-            </a:r>
-            <a:r>
-              <a:rPr lang="en-GB" dirty="0" err="1"/>
-              <a:t>qctool</a:t>
-            </a:r>
-            <a:r>
-              <a:rPr lang="en-GB" dirty="0"/>
-              <a:t> –</a:t>
-            </a:r>
-            <a:r>
-              <a:rPr lang="en-GB" dirty="0" err="1"/>
-              <a:t>snp</a:t>
-            </a:r>
-            <a:r>
-              <a:rPr lang="en-GB" dirty="0"/>
-              <a:t>-stats pending while </a:t>
-            </a:r>
-            <a:r>
-              <a:rPr lang="en-GB" dirty="0" err="1"/>
-              <a:t>MadCam</a:t>
-            </a:r>
-            <a:r>
-              <a:rPr lang="en-GB" dirty="0"/>
-              <a:t> has RSQ_IMP.</a:t>
-            </a:r>
-          </a:p>
-          <a:p>
-            <a:r>
-              <a:rPr lang="en-GB" dirty="0"/>
-              <a:t>NSPHS has PLINK results but no </a:t>
-            </a:r>
-            <a:r>
-              <a:rPr lang="en-GB" dirty="0" err="1"/>
-              <a:t>qctool</a:t>
-            </a:r>
-            <a:r>
-              <a:rPr lang="en-GB" dirty="0"/>
-              <a:t> -</a:t>
-            </a:r>
-            <a:r>
-              <a:rPr lang="en-GB" dirty="0" err="1"/>
-              <a:t>snp</a:t>
-            </a:r>
-            <a:r>
-              <a:rPr lang="en-GB" dirty="0"/>
-              <a:t>-stats (in touch with </a:t>
-            </a:r>
-            <a:r>
-              <a:rPr lang="en-US" dirty="0"/>
-              <a:t>Åsa Johansson on 21/2</a:t>
-            </a:r>
-            <a:r>
-              <a:rPr lang="en-GB" dirty="0"/>
-              <a:t>).</a:t>
-            </a:r>
-          </a:p>
-          <a:p>
-            <a:r>
-              <a:rPr lang="en-GB" dirty="0"/>
-              <a:t>The number of problematic proteins was reduced from 22 to three, </a:t>
-            </a:r>
-            <a:r>
-              <a:rPr lang="en-GB" dirty="0" err="1"/>
-              <a:t>IFN.gamma</a:t>
-            </a:r>
-            <a:r>
-              <a:rPr lang="en-GB" dirty="0"/>
-              <a:t>, IL.22.RA1 and TSLP and then none with MAF set to MAF&gt;0.1 for STABILITY (N=2,951), second to INTERVAL (N=4,996).</a:t>
+              <a:t>cojo</a:t>
+            </a:r>
+            <a:r>
+              <a:rPr lang="en-GB" dirty="0"/>
+              <a:t> </a:t>
+            </a:r>
+            <a:r>
+              <a:rPr lang="en-GB" dirty="0" smtClean="0"/>
+              <a:t>analysis almost done, which can be intersected with approximately independent LD blocks for </a:t>
+            </a:r>
+            <a:r>
+              <a:rPr lang="en-GB" dirty="0" err="1" smtClean="0"/>
+              <a:t>finemapping</a:t>
+            </a:r>
+            <a:r>
+              <a:rPr lang="en-GB" dirty="0" smtClean="0"/>
+              <a:t>; the results with PLINK –clump are readily available (INF1.UK10K+1KG.AILD.r2-0/0.1.ranges).</a:t>
+            </a:r>
+            <a:endParaRPr lang="en-GB" dirty="0"/>
+          </a:p>
+          <a:p>
+            <a:r>
+              <a:rPr lang="en-GB" dirty="0"/>
+              <a:t>Power issues – plots of effect size from INTERVAL vs INF1 are helpful.</a:t>
+            </a:r>
+          </a:p>
+          <a:p>
+            <a:r>
+              <a:rPr lang="en-GB" dirty="0"/>
+              <a:t>Additional information on genotyping and cohort characteristics needs to be requested.</a:t>
+            </a:r>
+          </a:p>
+          <a:p>
+            <a:r>
+              <a:rPr lang="en-GB" dirty="0"/>
+              <a:t>Elementary summary statistics such as h2 from INTERVAL, with KORA relatively small for GCTA and possibly with INF1 for HESS.</a:t>
             </a:r>
           </a:p>
         </p:txBody>
@@ -4542,7 +4530,7 @@
     </p:spTree>
     <p:extLst>
       <p:ext uri="{BB962C8B-B14F-4D97-AF65-F5344CB8AC3E}">
-        <p14:creationId xmlns:p14="http://schemas.microsoft.com/office/powerpoint/2010/main" val="435210134"/>
+        <p14:creationId xmlns:p14="http://schemas.microsoft.com/office/powerpoint/2010/main" val="1596982311"/>
       </p:ext>
     </p:extLst>
   </p:cSld>
@@ -4587,6 +4575,337 @@
             <a:pPr algn="ctr"/>
             <a:r>
               <a:rPr lang="en-GB" b="1" dirty="0"/>
+              <a:t>Landmarks</a:t>
+            </a:r>
+          </a:p>
+        </p:txBody>
+      </p:sp>
+      <p:sp>
+        <p:nvSpPr>
+          <p:cNvPr id="3" name="Content Placeholder 2"/>
+          <p:cNvSpPr>
+            <a:spLocks noGrp="1"/>
+          </p:cNvSpPr>
+          <p:nvPr>
+            <p:ph idx="1"/>
+          </p:nvPr>
+        </p:nvSpPr>
+        <p:spPr/>
+        <p:txBody>
+          <a:bodyPr/>
+          <a:lstStyle/>
+          <a:p>
+            <a:r>
+              <a:rPr lang="en-GB" dirty="0"/>
+              <a:t>27/3/19 – cross-reference with INTERVAL on INTERVAL genotype data, which showed great similarity with INF1, esp. w.r.t. cis signals.</a:t>
+            </a:r>
+          </a:p>
+          <a:p>
+            <a:r>
+              <a:rPr lang="en-GB" dirty="0"/>
+              <a:t>8/3/19 – Recognition of MAF </a:t>
+            </a:r>
+            <a:r>
+              <a:rPr lang="en-GB" dirty="0" err="1"/>
+              <a:t>cutoff</a:t>
+            </a:r>
+            <a:r>
+              <a:rPr lang="en-GB" dirty="0"/>
+              <a:t> on </a:t>
+            </a:r>
+            <a:r>
+              <a:rPr lang="en-GB" dirty="0" err="1"/>
+              <a:t>IFN.gamma</a:t>
+            </a:r>
+            <a:r>
+              <a:rPr lang="en-GB" dirty="0"/>
+              <a:t>, IL.22.RA1, TSLP.</a:t>
+            </a:r>
+          </a:p>
+          <a:p>
+            <a:r>
+              <a:rPr lang="en-GB" dirty="0"/>
+              <a:t>29/11/18 – 22 proteins with busy Manhattan plots.</a:t>
+            </a:r>
+          </a:p>
+        </p:txBody>
+      </p:sp>
+    </p:spTree>
+    <p:extLst>
+      <p:ext uri="{BB962C8B-B14F-4D97-AF65-F5344CB8AC3E}">
+        <p14:creationId xmlns:p14="http://schemas.microsoft.com/office/powerpoint/2010/main" val="3032432137"/>
+      </p:ext>
+    </p:extLst>
+  </p:cSld>
+  <p:clrMapOvr>
+    <a:masterClrMapping/>
+  </p:clrMapOvr>
+</p:sld>
+</file>
+
+<file path=ppt/slides/slide2.xml><?xml version="1.0" encoding="utf-8"?>
+<p:sld xmlns:a="http://schemas.openxmlformats.org/drawingml/2006/main" xmlns:r="http://schemas.openxmlformats.org/officeDocument/2006/relationships" xmlns:p="http://schemas.openxmlformats.org/presentationml/2006/main">
+  <p:cSld>
+    <p:spTree>
+      <p:nvGrpSpPr>
+        <p:cNvPr id="1" name=""/>
+        <p:cNvGrpSpPr/>
+        <p:nvPr/>
+      </p:nvGrpSpPr>
+      <p:grpSpPr>
+        <a:xfrm>
+          <a:off x="0" y="0"/>
+          <a:ext cx="0" cy="0"/>
+          <a:chOff x="0" y="0"/>
+          <a:chExt cx="0" cy="0"/>
+        </a:xfrm>
+      </p:grpSpPr>
+      <p:sp>
+        <p:nvSpPr>
+          <p:cNvPr id="4" name="Title 3"/>
+          <p:cNvSpPr>
+            <a:spLocks noGrp="1"/>
+          </p:cNvSpPr>
+          <p:nvPr>
+            <p:ph type="ctrTitle"/>
+          </p:nvPr>
+        </p:nvSpPr>
+        <p:spPr/>
+        <p:txBody>
+          <a:bodyPr/>
+          <a:lstStyle/>
+          <a:p>
+            <a:r>
+              <a:rPr lang="en-GB" b="1" dirty="0" smtClean="0"/>
+              <a:t>Individual cohorts</a:t>
+            </a:r>
+            <a:endParaRPr lang="en-GB" b="1" dirty="0"/>
+          </a:p>
+        </p:txBody>
+      </p:sp>
+    </p:spTree>
+    <p:extLst>
+      <p:ext uri="{BB962C8B-B14F-4D97-AF65-F5344CB8AC3E}">
+        <p14:creationId xmlns:p14="http://schemas.microsoft.com/office/powerpoint/2010/main" val="3666186758"/>
+      </p:ext>
+    </p:extLst>
+  </p:cSld>
+  <p:clrMapOvr>
+    <a:masterClrMapping/>
+  </p:clrMapOvr>
+</p:sld>
+</file>
+
+<file path=ppt/slides/slide20.xml><?xml version="1.0" encoding="utf-8"?>
+<p:sld xmlns:a="http://schemas.openxmlformats.org/drawingml/2006/main" xmlns:r="http://schemas.openxmlformats.org/officeDocument/2006/relationships" xmlns:p="http://schemas.openxmlformats.org/presentationml/2006/main">
+  <p:cSld>
+    <p:spTree>
+      <p:nvGrpSpPr>
+        <p:cNvPr id="1" name=""/>
+        <p:cNvGrpSpPr/>
+        <p:nvPr/>
+      </p:nvGrpSpPr>
+      <p:grpSpPr>
+        <a:xfrm>
+          <a:off x="0" y="0"/>
+          <a:ext cx="0" cy="0"/>
+          <a:chOff x="0" y="0"/>
+          <a:chExt cx="0" cy="0"/>
+        </a:xfrm>
+      </p:grpSpPr>
+      <p:sp>
+        <p:nvSpPr>
+          <p:cNvPr id="2" name="Title 1">
+            <a:extLst>
+              <a:ext uri="{FF2B5EF4-FFF2-40B4-BE49-F238E27FC236}">
+                <a16:creationId xmlns:a16="http://schemas.microsoft.com/office/drawing/2014/main" id="{0B706D4B-56BB-4904-95C8-C7317B2F9042}"/>
+              </a:ext>
+            </a:extLst>
+          </p:cNvPr>
+          <p:cNvSpPr>
+            <a:spLocks noGrp="1"/>
+          </p:cNvSpPr>
+          <p:nvPr>
+            <p:ph type="title"/>
+          </p:nvPr>
+        </p:nvSpPr>
+        <p:spPr/>
+        <p:txBody>
+          <a:bodyPr/>
+          <a:lstStyle/>
+          <a:p>
+            <a:pPr algn="ctr"/>
+            <a:r>
+              <a:rPr lang="en-GB" b="1" dirty="0"/>
+              <a:t>Updates I (8/3/19)</a:t>
+            </a:r>
+          </a:p>
+        </p:txBody>
+      </p:sp>
+      <p:sp>
+        <p:nvSpPr>
+          <p:cNvPr id="3" name="Content Placeholder 2">
+            <a:extLst>
+              <a:ext uri="{FF2B5EF4-FFF2-40B4-BE49-F238E27FC236}">
+                <a16:creationId xmlns:a16="http://schemas.microsoft.com/office/drawing/2014/main" id="{779C168B-FE2B-48BB-9F71-190FE784313F}"/>
+              </a:ext>
+            </a:extLst>
+          </p:cNvPr>
+          <p:cNvSpPr>
+            <a:spLocks noGrp="1"/>
+          </p:cNvSpPr>
+          <p:nvPr>
+            <p:ph idx="1"/>
+          </p:nvPr>
+        </p:nvSpPr>
+        <p:spPr/>
+        <p:txBody>
+          <a:bodyPr>
+            <a:normAutofit lnSpcReduction="10000"/>
+          </a:bodyPr>
+          <a:lstStyle/>
+          <a:p>
+            <a:r>
+              <a:rPr lang="en-GB" dirty="0"/>
+              <a:t>29 chromosomes remain to be analysed for KORA + ARTN reanalysing at TRYGGVE (smaller size). normalised level ~ age+sex+PC1-5+genotype under additive model with SNPTEST.</a:t>
+            </a:r>
+          </a:p>
+          <a:p>
+            <a:r>
+              <a:rPr lang="en-GB" dirty="0" err="1"/>
+              <a:t>BioFinder</a:t>
+            </a:r>
+            <a:r>
+              <a:rPr lang="en-GB" dirty="0"/>
+              <a:t>, </a:t>
+            </a:r>
+            <a:r>
+              <a:rPr lang="en-GB" dirty="0" err="1"/>
+              <a:t>MadCam</a:t>
+            </a:r>
+            <a:r>
+              <a:rPr lang="en-GB" dirty="0"/>
+              <a:t> and RECOMBINE were available – these were from Anders beside STANLEY lah1/swe6 with </a:t>
+            </a:r>
+            <a:r>
+              <a:rPr lang="en-GB" dirty="0" err="1"/>
+              <a:t>qctool</a:t>
+            </a:r>
+            <a:r>
+              <a:rPr lang="en-GB" dirty="0"/>
+              <a:t> –</a:t>
+            </a:r>
+            <a:r>
+              <a:rPr lang="en-GB" dirty="0" err="1"/>
+              <a:t>snp</a:t>
+            </a:r>
+            <a:r>
+              <a:rPr lang="en-GB" dirty="0"/>
+              <a:t>-stats pending while </a:t>
+            </a:r>
+            <a:r>
+              <a:rPr lang="en-GB" dirty="0" err="1"/>
+              <a:t>MadCam</a:t>
+            </a:r>
+            <a:r>
+              <a:rPr lang="en-GB" dirty="0"/>
+              <a:t> has RSQ_IMP.</a:t>
+            </a:r>
+          </a:p>
+          <a:p>
+            <a:r>
+              <a:rPr lang="en-GB" dirty="0"/>
+              <a:t>NSPHS has PLINK results but no </a:t>
+            </a:r>
+            <a:r>
+              <a:rPr lang="en-GB" dirty="0" err="1"/>
+              <a:t>qctool</a:t>
+            </a:r>
+            <a:r>
+              <a:rPr lang="en-GB" dirty="0"/>
+              <a:t> -</a:t>
+            </a:r>
+            <a:r>
+              <a:rPr lang="en-GB" dirty="0" err="1"/>
+              <a:t>snp</a:t>
+            </a:r>
+            <a:r>
+              <a:rPr lang="en-GB" dirty="0"/>
+              <a:t>-stats (in touch with </a:t>
+            </a:r>
+            <a:r>
+              <a:rPr lang="en-US" dirty="0"/>
+              <a:t>Åsa Johansson on 21/2</a:t>
+            </a:r>
+            <a:r>
+              <a:rPr lang="en-GB" dirty="0"/>
+              <a:t>).</a:t>
+            </a:r>
+          </a:p>
+          <a:p>
+            <a:r>
+              <a:rPr lang="en-GB" dirty="0"/>
+              <a:t>The number of problematic proteins was reduced from 22 to three, </a:t>
+            </a:r>
+            <a:r>
+              <a:rPr lang="en-GB" dirty="0" err="1"/>
+              <a:t>IFN.gamma</a:t>
+            </a:r>
+            <a:r>
+              <a:rPr lang="en-GB" dirty="0"/>
+              <a:t>, IL.22.RA1 and TSLP and then none with MAF set to MAF&gt;0.1 for STABILITY (N=2,951), second to INTERVAL (N=4,996).</a:t>
+            </a:r>
+          </a:p>
+        </p:txBody>
+      </p:sp>
+    </p:spTree>
+    <p:extLst>
+      <p:ext uri="{BB962C8B-B14F-4D97-AF65-F5344CB8AC3E}">
+        <p14:creationId xmlns:p14="http://schemas.microsoft.com/office/powerpoint/2010/main" val="435210134"/>
+      </p:ext>
+    </p:extLst>
+  </p:cSld>
+  <p:clrMapOvr>
+    <a:masterClrMapping/>
+  </p:clrMapOvr>
+</p:sld>
+</file>
+
+<file path=ppt/slides/slide21.xml><?xml version="1.0" encoding="utf-8"?>
+<p:sld xmlns:a="http://schemas.openxmlformats.org/drawingml/2006/main" xmlns:r="http://schemas.openxmlformats.org/officeDocument/2006/relationships" xmlns:p="http://schemas.openxmlformats.org/presentationml/2006/main">
+  <p:cSld>
+    <p:spTree>
+      <p:nvGrpSpPr>
+        <p:cNvPr id="1" name=""/>
+        <p:cNvGrpSpPr/>
+        <p:nvPr/>
+      </p:nvGrpSpPr>
+      <p:grpSpPr>
+        <a:xfrm>
+          <a:off x="0" y="0"/>
+          <a:ext cx="0" cy="0"/>
+          <a:chOff x="0" y="0"/>
+          <a:chExt cx="0" cy="0"/>
+        </a:xfrm>
+      </p:grpSpPr>
+      <p:sp>
+        <p:nvSpPr>
+          <p:cNvPr id="2" name="Title 1"/>
+          <p:cNvSpPr>
+            <a:spLocks noGrp="1"/>
+          </p:cNvSpPr>
+          <p:nvPr>
+            <p:ph type="title"/>
+          </p:nvPr>
+        </p:nvSpPr>
+        <p:spPr/>
+        <p:txBody>
+          <a:bodyPr/>
+          <a:lstStyle/>
+          <a:p>
+            <a:pPr algn="ctr"/>
+            <a:r>
+              <a:rPr lang="en-GB" b="1" dirty="0"/>
               <a:t>Updates II (8/3/19)</a:t>
             </a:r>
           </a:p>
@@ -4669,7 +4988,727 @@
 </p:sld>
 </file>
 
-<file path=ppt/slides/slide2.xml><?xml version="1.0" encoding="utf-8"?>
+<file path=ppt/slides/slide22.xml><?xml version="1.0" encoding="utf-8"?>
+<p:sld xmlns:a="http://schemas.openxmlformats.org/drawingml/2006/main" xmlns:r="http://schemas.openxmlformats.org/officeDocument/2006/relationships" xmlns:p="http://schemas.openxmlformats.org/presentationml/2006/main">
+  <p:cSld>
+    <p:spTree>
+      <p:nvGrpSpPr>
+        <p:cNvPr id="1" name=""/>
+        <p:cNvGrpSpPr/>
+        <p:nvPr/>
+      </p:nvGrpSpPr>
+      <p:grpSpPr>
+        <a:xfrm>
+          <a:off x="0" y="0"/>
+          <a:ext cx="0" cy="0"/>
+          <a:chOff x="0" y="0"/>
+          <a:chExt cx="0" cy="0"/>
+        </a:xfrm>
+      </p:grpSpPr>
+      <p:sp>
+        <p:nvSpPr>
+          <p:cNvPr id="2" name="Title 1"/>
+          <p:cNvSpPr>
+            <a:spLocks noGrp="1"/>
+          </p:cNvSpPr>
+          <p:nvPr>
+            <p:ph type="title"/>
+          </p:nvPr>
+        </p:nvSpPr>
+        <p:spPr/>
+        <p:txBody>
+          <a:bodyPr/>
+          <a:lstStyle/>
+          <a:p>
+            <a:pPr algn="ctr"/>
+            <a:r>
+              <a:rPr lang="en-GB" b="1" dirty="0"/>
+              <a:t>Next steps (8/3/19)</a:t>
+            </a:r>
+          </a:p>
+        </p:txBody>
+      </p:sp>
+      <p:sp>
+        <p:nvSpPr>
+          <p:cNvPr id="3" name="Content Placeholder 2"/>
+          <p:cNvSpPr>
+            <a:spLocks noGrp="1"/>
+          </p:cNvSpPr>
+          <p:nvPr>
+            <p:ph idx="1"/>
+          </p:nvPr>
+        </p:nvSpPr>
+        <p:spPr/>
+        <p:txBody>
+          <a:bodyPr/>
+          <a:lstStyle/>
+          <a:p>
+            <a:r>
+              <a:rPr lang="en-GB" dirty="0"/>
+              <a:t>Cohort-level QC, esp. MAF and INFO score.</a:t>
+            </a:r>
+          </a:p>
+          <a:p>
+            <a:r>
+              <a:rPr lang="en-GB" dirty="0"/>
+              <a:t>Meta-analysis for all cohorts (leaving out RECOMBINE?), including Q-Q/Manhattan/forest/</a:t>
+            </a:r>
+            <a:r>
+              <a:rPr lang="en-GB" dirty="0" err="1"/>
+              <a:t>LocusZoom</a:t>
+            </a:r>
+            <a:r>
+              <a:rPr lang="en-GB" dirty="0"/>
+              <a:t>/chord plots – with cis/trans regions when appropriate.</a:t>
+            </a:r>
+          </a:p>
+          <a:p>
+            <a:r>
+              <a:rPr lang="en-GB" dirty="0"/>
+              <a:t>To corroborate PLINK –clump with GCTA –</a:t>
+            </a:r>
+            <a:r>
+              <a:rPr lang="en-GB" dirty="0" err="1"/>
+              <a:t>cojo-slct</a:t>
+            </a:r>
+            <a:r>
+              <a:rPr lang="en-GB" dirty="0"/>
+              <a:t>.</a:t>
+            </a:r>
+          </a:p>
+          <a:p>
+            <a:r>
+              <a:rPr lang="en-GB" dirty="0"/>
+              <a:t>Replication?</a:t>
+            </a:r>
+          </a:p>
+          <a:p>
+            <a:r>
+              <a:rPr lang="en-GB" dirty="0"/>
+              <a:t>Downstream analysis, e.g., </a:t>
+            </a:r>
+            <a:r>
+              <a:rPr lang="en-GB" dirty="0" err="1"/>
+              <a:t>phenoscanner</a:t>
+            </a:r>
+            <a:r>
+              <a:rPr lang="en-GB" dirty="0"/>
+              <a:t>, MR, GSEA/pathway.</a:t>
+            </a:r>
+          </a:p>
+        </p:txBody>
+      </p:sp>
+    </p:spTree>
+    <p:extLst>
+      <p:ext uri="{BB962C8B-B14F-4D97-AF65-F5344CB8AC3E}">
+        <p14:creationId xmlns:p14="http://schemas.microsoft.com/office/powerpoint/2010/main" val="1695469006"/>
+      </p:ext>
+    </p:extLst>
+  </p:cSld>
+  <p:clrMapOvr>
+    <a:masterClrMapping/>
+  </p:clrMapOvr>
+</p:sld>
+</file>
+
+<file path=ppt/slides/slide23.xml><?xml version="1.0" encoding="utf-8"?>
+<p:sld xmlns:a="http://schemas.openxmlformats.org/drawingml/2006/main" xmlns:r="http://schemas.openxmlformats.org/officeDocument/2006/relationships" xmlns:p="http://schemas.openxmlformats.org/presentationml/2006/main">
+  <p:cSld>
+    <p:spTree>
+      <p:nvGrpSpPr>
+        <p:cNvPr id="1" name=""/>
+        <p:cNvGrpSpPr/>
+        <p:nvPr/>
+      </p:nvGrpSpPr>
+      <p:grpSpPr>
+        <a:xfrm>
+          <a:off x="0" y="0"/>
+          <a:ext cx="0" cy="0"/>
+          <a:chOff x="0" y="0"/>
+          <a:chExt cx="0" cy="0"/>
+        </a:xfrm>
+      </p:grpSpPr>
+      <p:sp>
+        <p:nvSpPr>
+          <p:cNvPr id="2" name="Title 1"/>
+          <p:cNvSpPr>
+            <a:spLocks noGrp="1"/>
+          </p:cNvSpPr>
+          <p:nvPr>
+            <p:ph type="title"/>
+          </p:nvPr>
+        </p:nvSpPr>
+        <p:spPr/>
+        <p:txBody>
+          <a:bodyPr/>
+          <a:lstStyle/>
+          <a:p>
+            <a:pPr algn="ctr"/>
+            <a:r>
+              <a:rPr lang="en-US" b="1" dirty="0"/>
+              <a:t>Points from discussion</a:t>
+            </a:r>
+            <a:r>
+              <a:rPr lang="en-GB" b="1" dirty="0"/>
+              <a:t> (8/3/19)</a:t>
+            </a:r>
+          </a:p>
+        </p:txBody>
+      </p:sp>
+      <p:sp>
+        <p:nvSpPr>
+          <p:cNvPr id="3" name="Content Placeholder 2"/>
+          <p:cNvSpPr>
+            <a:spLocks noGrp="1"/>
+          </p:cNvSpPr>
+          <p:nvPr>
+            <p:ph idx="1"/>
+          </p:nvPr>
+        </p:nvSpPr>
+        <p:spPr/>
+        <p:txBody>
+          <a:bodyPr>
+            <a:normAutofit lnSpcReduction="10000"/>
+          </a:bodyPr>
+          <a:lstStyle/>
+          <a:p>
+            <a:r>
+              <a:rPr lang="en-US" dirty="0"/>
+              <a:t>Cohort-specific </a:t>
+            </a:r>
+            <a:r>
+              <a:rPr lang="en-US" dirty="0" err="1"/>
+              <a:t>sumstats</a:t>
+            </a:r>
+            <a:r>
+              <a:rPr lang="en-US" dirty="0"/>
+              <a:t> for N, MAF, HWE, INFO in </a:t>
+            </a:r>
+            <a:r>
+              <a:rPr lang="en-US" dirty="0" err="1"/>
+              <a:t>qctool</a:t>
+            </a:r>
+            <a:r>
+              <a:rPr lang="en-US" dirty="0"/>
+              <a:t> –</a:t>
+            </a:r>
+            <a:r>
+              <a:rPr lang="en-US" dirty="0" err="1"/>
+              <a:t>snp</a:t>
+            </a:r>
+            <a:r>
+              <a:rPr lang="en-US" dirty="0"/>
+              <a:t>-stats</a:t>
+            </a:r>
+          </a:p>
+          <a:p>
+            <a:r>
+              <a:rPr lang="en-US" dirty="0" err="1"/>
+              <a:t>sumstats</a:t>
+            </a:r>
+            <a:r>
+              <a:rPr lang="en-US" dirty="0"/>
+              <a:t>/</a:t>
+            </a:r>
+            <a:r>
+              <a:rPr lang="en-US" dirty="0" err="1"/>
+              <a:t>Mantattan</a:t>
+            </a:r>
+            <a:r>
+              <a:rPr lang="en-US" dirty="0"/>
+              <a:t> for cohorts with problematic proteins</a:t>
+            </a:r>
+          </a:p>
+          <a:p>
+            <a:r>
+              <a:rPr lang="en-US" dirty="0"/>
+              <a:t>Between-cohort MAF-MAF plots</a:t>
+            </a:r>
+          </a:p>
+          <a:p>
+            <a:r>
+              <a:rPr lang="en-US" dirty="0"/>
+              <a:t>P ~ N (for </a:t>
+            </a:r>
+            <a:r>
+              <a:rPr lang="en-US" dirty="0" err="1"/>
+              <a:t>finemapping</a:t>
+            </a:r>
+            <a:r>
+              <a:rPr lang="en-US" dirty="0"/>
+              <a:t>) and consistency, e.g. INTERVAL/STABILITY.</a:t>
+            </a:r>
+          </a:p>
+          <a:p>
+            <a:r>
+              <a:rPr lang="en-US" dirty="0"/>
+              <a:t>False negative for those in the CVD1 panel to </a:t>
+            </a:r>
+            <a:r>
+              <a:rPr lang="en-US" dirty="0" err="1"/>
+              <a:t>phenoscanner</a:t>
+            </a:r>
+            <a:endParaRPr lang="en-US" dirty="0"/>
+          </a:p>
+          <a:p>
+            <a:r>
+              <a:rPr lang="en-US" dirty="0"/>
+              <a:t>Chr19. NLRP12 from INTERVAL`</a:t>
+            </a:r>
+          </a:p>
+          <a:p>
+            <a:r>
+              <a:rPr lang="en-US" dirty="0"/>
+              <a:t>RECOMBINE experiment</a:t>
+            </a:r>
+          </a:p>
+          <a:p>
+            <a:r>
+              <a:rPr lang="en-US" dirty="0"/>
+              <a:t>Total # signals relative to other panels</a:t>
+            </a:r>
+          </a:p>
+          <a:p>
+            <a:r>
+              <a:rPr lang="en-US" dirty="0" err="1"/>
+              <a:t>Phenoscanner</a:t>
+            </a:r>
+            <a:r>
+              <a:rPr lang="en-US" dirty="0"/>
+              <a:t> and </a:t>
+            </a:r>
+            <a:r>
+              <a:rPr lang="en-US" dirty="0" err="1"/>
+              <a:t>eQTL</a:t>
+            </a:r>
+            <a:endParaRPr lang="en-GB" dirty="0"/>
+          </a:p>
+        </p:txBody>
+      </p:sp>
+    </p:spTree>
+    <p:extLst>
+      <p:ext uri="{BB962C8B-B14F-4D97-AF65-F5344CB8AC3E}">
+        <p14:creationId xmlns:p14="http://schemas.microsoft.com/office/powerpoint/2010/main" val="3593078460"/>
+      </p:ext>
+    </p:extLst>
+  </p:cSld>
+  <p:clrMapOvr>
+    <a:masterClrMapping/>
+  </p:clrMapOvr>
+</p:sld>
+</file>
+
+<file path=ppt/slides/slide24.xml><?xml version="1.0" encoding="utf-8"?>
+<p:sld xmlns:a="http://schemas.openxmlformats.org/drawingml/2006/main" xmlns:r="http://schemas.openxmlformats.org/officeDocument/2006/relationships" xmlns:p="http://schemas.openxmlformats.org/presentationml/2006/main">
+  <p:cSld>
+    <p:spTree>
+      <p:nvGrpSpPr>
+        <p:cNvPr id="1" name=""/>
+        <p:cNvGrpSpPr/>
+        <p:nvPr/>
+      </p:nvGrpSpPr>
+      <p:grpSpPr>
+        <a:xfrm>
+          <a:off x="0" y="0"/>
+          <a:ext cx="0" cy="0"/>
+          <a:chOff x="0" y="0"/>
+          <a:chExt cx="0" cy="0"/>
+        </a:xfrm>
+      </p:grpSpPr>
+      <p:sp>
+        <p:nvSpPr>
+          <p:cNvPr id="2" name="Title 1"/>
+          <p:cNvSpPr>
+            <a:spLocks noGrp="1"/>
+          </p:cNvSpPr>
+          <p:nvPr>
+            <p:ph type="title"/>
+          </p:nvPr>
+        </p:nvSpPr>
+        <p:spPr/>
+        <p:txBody>
+          <a:bodyPr/>
+          <a:lstStyle/>
+          <a:p>
+            <a:pPr algn="ctr"/>
+            <a:r>
+              <a:rPr lang="en-GB" b="1" dirty="0"/>
+              <a:t>Manhattan plots</a:t>
+            </a:r>
+          </a:p>
+        </p:txBody>
+      </p:sp>
+      <p:pic>
+        <p:nvPicPr>
+          <p:cNvPr id="6" name="Picture 5"/>
+          <p:cNvPicPr>
+            <a:picLocks noChangeAspect="1"/>
+          </p:cNvPicPr>
+          <p:nvPr/>
+        </p:nvPicPr>
+        <p:blipFill>
+          <a:blip r:embed="rId2"/>
+          <a:stretch>
+            <a:fillRect/>
+          </a:stretch>
+        </p:blipFill>
+        <p:spPr>
+          <a:xfrm>
+            <a:off x="1328446" y="1842264"/>
+            <a:ext cx="9685493" cy="4584669"/>
+          </a:xfrm>
+          <a:prstGeom prst="rect">
+            <a:avLst/>
+          </a:prstGeom>
+        </p:spPr>
+      </p:pic>
+    </p:spTree>
+    <p:extLst>
+      <p:ext uri="{BB962C8B-B14F-4D97-AF65-F5344CB8AC3E}">
+        <p14:creationId xmlns:p14="http://schemas.microsoft.com/office/powerpoint/2010/main" val="1983527589"/>
+      </p:ext>
+    </p:extLst>
+  </p:cSld>
+  <p:clrMapOvr>
+    <a:masterClrMapping/>
+  </p:clrMapOvr>
+</p:sld>
+</file>
+
+<file path=ppt/slides/slide25.xml><?xml version="1.0" encoding="utf-8"?>
+<p:sld xmlns:a="http://schemas.openxmlformats.org/drawingml/2006/main" xmlns:r="http://schemas.openxmlformats.org/officeDocument/2006/relationships" xmlns:p="http://schemas.openxmlformats.org/presentationml/2006/main">
+  <p:cSld>
+    <p:spTree>
+      <p:nvGrpSpPr>
+        <p:cNvPr id="1" name=""/>
+        <p:cNvGrpSpPr/>
+        <p:nvPr/>
+      </p:nvGrpSpPr>
+      <p:grpSpPr>
+        <a:xfrm>
+          <a:off x="0" y="0"/>
+          <a:ext cx="0" cy="0"/>
+          <a:chOff x="0" y="0"/>
+          <a:chExt cx="0" cy="0"/>
+        </a:xfrm>
+      </p:grpSpPr>
+      <p:sp>
+        <p:nvSpPr>
+          <p:cNvPr id="2" name="Title 1"/>
+          <p:cNvSpPr>
+            <a:spLocks noGrp="1"/>
+          </p:cNvSpPr>
+          <p:nvPr>
+            <p:ph type="title"/>
+          </p:nvPr>
+        </p:nvSpPr>
+        <p:spPr/>
+        <p:txBody>
+          <a:bodyPr/>
+          <a:lstStyle/>
+          <a:p>
+            <a:pPr algn="ctr"/>
+            <a:r>
+              <a:rPr lang="en-GB" dirty="0"/>
+              <a:t>Q-Q plot</a:t>
+            </a:r>
+          </a:p>
+        </p:txBody>
+      </p:sp>
+      <p:pic>
+        <p:nvPicPr>
+          <p:cNvPr id="6" name="Picture 5"/>
+          <p:cNvPicPr>
+            <a:picLocks noChangeAspect="1"/>
+          </p:cNvPicPr>
+          <p:nvPr/>
+        </p:nvPicPr>
+        <p:blipFill>
+          <a:blip r:embed="rId2"/>
+          <a:stretch>
+            <a:fillRect/>
+          </a:stretch>
+        </p:blipFill>
+        <p:spPr>
+          <a:xfrm>
+            <a:off x="3813057" y="1826989"/>
+            <a:ext cx="4565885" cy="4349974"/>
+          </a:xfrm>
+          <a:prstGeom prst="rect">
+            <a:avLst/>
+          </a:prstGeom>
+        </p:spPr>
+      </p:pic>
+    </p:spTree>
+    <p:extLst>
+      <p:ext uri="{BB962C8B-B14F-4D97-AF65-F5344CB8AC3E}">
+        <p14:creationId xmlns:p14="http://schemas.microsoft.com/office/powerpoint/2010/main" val="2179527099"/>
+      </p:ext>
+    </p:extLst>
+  </p:cSld>
+  <p:clrMapOvr>
+    <a:masterClrMapping/>
+  </p:clrMapOvr>
+</p:sld>
+</file>
+
+<file path=ppt/slides/slide26.xml><?xml version="1.0" encoding="utf-8"?>
+<p:sld xmlns:a="http://schemas.openxmlformats.org/drawingml/2006/main" xmlns:r="http://schemas.openxmlformats.org/officeDocument/2006/relationships" xmlns:p="http://schemas.openxmlformats.org/presentationml/2006/main">
+  <p:cSld>
+    <p:spTree>
+      <p:nvGrpSpPr>
+        <p:cNvPr id="1" name=""/>
+        <p:cNvGrpSpPr/>
+        <p:nvPr/>
+      </p:nvGrpSpPr>
+      <p:grpSpPr>
+        <a:xfrm>
+          <a:off x="0" y="0"/>
+          <a:ext cx="0" cy="0"/>
+          <a:chOff x="0" y="0"/>
+          <a:chExt cx="0" cy="0"/>
+        </a:xfrm>
+      </p:grpSpPr>
+      <p:sp>
+        <p:nvSpPr>
+          <p:cNvPr id="2" name="Title 1"/>
+          <p:cNvSpPr>
+            <a:spLocks noGrp="1"/>
+          </p:cNvSpPr>
+          <p:nvPr>
+            <p:ph type="title"/>
+          </p:nvPr>
+        </p:nvSpPr>
+        <p:spPr/>
+        <p:txBody>
+          <a:bodyPr/>
+          <a:lstStyle/>
+          <a:p>
+            <a:pPr algn="ctr"/>
+            <a:r>
+              <a:rPr lang="en-GB" b="1" dirty="0"/>
+              <a:t>A brief summary (29/11/18)</a:t>
+            </a:r>
+          </a:p>
+        </p:txBody>
+      </p:sp>
+      <p:sp>
+        <p:nvSpPr>
+          <p:cNvPr id="3" name="Content Placeholder 2"/>
+          <p:cNvSpPr>
+            <a:spLocks noGrp="1"/>
+          </p:cNvSpPr>
+          <p:nvPr>
+            <p:ph idx="1"/>
+          </p:nvPr>
+        </p:nvSpPr>
+        <p:spPr/>
+        <p:txBody>
+          <a:bodyPr>
+            <a:normAutofit/>
+          </a:bodyPr>
+          <a:lstStyle/>
+          <a:p>
+            <a:r>
+              <a:rPr lang="en-GB" dirty="0"/>
+              <a:t>It is still at a very early stage of the analysis.</a:t>
+            </a:r>
+          </a:p>
+          <a:p>
+            <a:r>
+              <a:rPr lang="en-GB" dirty="0"/>
+              <a:t>Results from INTERVAL and benchmarks from meta-analysis were reassuring.</a:t>
+            </a:r>
+          </a:p>
+          <a:p>
+            <a:r>
+              <a:rPr lang="en-GB" dirty="0"/>
+              <a:t>This was based on stricter criteria on –ld-r2 of the PLINK –clump procedure which was somewhat hampered is its inability to handle small p-value.</a:t>
+            </a:r>
+          </a:p>
+          <a:p>
+            <a:r>
+              <a:rPr lang="en-GB" dirty="0"/>
+              <a:t>It is worthwhile to explore approaches.</a:t>
+            </a:r>
+          </a:p>
+          <a:p>
+            <a:r>
+              <a:rPr lang="en-GB" dirty="0"/>
+              <a:t>There will be further effort on the meta-analysis QC.</a:t>
+            </a:r>
+          </a:p>
+        </p:txBody>
+      </p:sp>
+    </p:spTree>
+    <p:extLst>
+      <p:ext uri="{BB962C8B-B14F-4D97-AF65-F5344CB8AC3E}">
+        <p14:creationId xmlns:p14="http://schemas.microsoft.com/office/powerpoint/2010/main" val="1462860847"/>
+      </p:ext>
+    </p:extLst>
+  </p:cSld>
+  <p:clrMapOvr>
+    <a:masterClrMapping/>
+  </p:clrMapOvr>
+</p:sld>
+</file>
+
+<file path=ppt/slides/slide27.xml><?xml version="1.0" encoding="utf-8"?>
+<p:sld xmlns:a="http://schemas.openxmlformats.org/drawingml/2006/main" xmlns:r="http://schemas.openxmlformats.org/officeDocument/2006/relationships" xmlns:p="http://schemas.openxmlformats.org/presentationml/2006/main">
+  <p:cSld>
+    <p:spTree>
+      <p:nvGrpSpPr>
+        <p:cNvPr id="1" name=""/>
+        <p:cNvGrpSpPr/>
+        <p:nvPr/>
+      </p:nvGrpSpPr>
+      <p:grpSpPr>
+        <a:xfrm>
+          <a:off x="0" y="0"/>
+          <a:ext cx="0" cy="0"/>
+          <a:chOff x="0" y="0"/>
+          <a:chExt cx="0" cy="0"/>
+        </a:xfrm>
+      </p:grpSpPr>
+      <p:sp>
+        <p:nvSpPr>
+          <p:cNvPr id="2" name="Title 1">
+            <a:extLst>
+              <a:ext uri="{FF2B5EF4-FFF2-40B4-BE49-F238E27FC236}">
+                <a16:creationId xmlns:a16="http://schemas.microsoft.com/office/drawing/2014/main" id="{0B706D4B-56BB-4904-95C8-C7317B2F9042}"/>
+              </a:ext>
+            </a:extLst>
+          </p:cNvPr>
+          <p:cNvSpPr>
+            <a:spLocks noGrp="1"/>
+          </p:cNvSpPr>
+          <p:nvPr>
+            <p:ph type="title"/>
+          </p:nvPr>
+        </p:nvSpPr>
+        <p:spPr/>
+        <p:txBody>
+          <a:bodyPr/>
+          <a:lstStyle/>
+          <a:p>
+            <a:pPr algn="ctr"/>
+            <a:r>
+              <a:rPr lang="en-GB" b="1" dirty="0"/>
+              <a:t>On next steps (29/11/18)</a:t>
+            </a:r>
+          </a:p>
+        </p:txBody>
+      </p:sp>
+      <p:sp>
+        <p:nvSpPr>
+          <p:cNvPr id="3" name="Content Placeholder 2">
+            <a:extLst>
+              <a:ext uri="{FF2B5EF4-FFF2-40B4-BE49-F238E27FC236}">
+                <a16:creationId xmlns:a16="http://schemas.microsoft.com/office/drawing/2014/main" id="{779C168B-FE2B-48BB-9F71-190FE784313F}"/>
+              </a:ext>
+            </a:extLst>
+          </p:cNvPr>
+          <p:cNvSpPr>
+            <a:spLocks noGrp="1"/>
+          </p:cNvSpPr>
+          <p:nvPr>
+            <p:ph idx="1"/>
+          </p:nvPr>
+        </p:nvSpPr>
+        <p:spPr/>
+        <p:txBody>
+          <a:bodyPr>
+            <a:normAutofit lnSpcReduction="10000"/>
+          </a:bodyPr>
+          <a:lstStyle/>
+          <a:p>
+            <a:r>
+              <a:rPr lang="en-GB" dirty="0"/>
+              <a:t>KORA individual level data analysis will be conducted centrally.</a:t>
+            </a:r>
+          </a:p>
+          <a:p>
+            <a:r>
+              <a:rPr lang="en-GB" dirty="0"/>
+              <a:t>Additional studies such as COMBINE will be added.</a:t>
+            </a:r>
+          </a:p>
+          <a:p>
+            <a:r>
+              <a:rPr lang="en-GB" dirty="0"/>
+              <a:t>For cohorts contributing results on PLINK, information such as effect allele (frequency), imputation quality is recommended on a per-cohort basis via </a:t>
+            </a:r>
+            <a:r>
+              <a:rPr lang="en-GB" dirty="0" err="1"/>
+              <a:t>qctool</a:t>
+            </a:r>
+            <a:r>
+              <a:rPr lang="en-GB" dirty="0"/>
+              <a:t> as noted in SCALLOP_INF_I_analysis_plan.md.</a:t>
+            </a:r>
+          </a:p>
+          <a:p>
+            <a:r>
+              <a:rPr lang="en-GB" dirty="0"/>
+              <a:t>The QC will be refined and downstream analysis strengthened -- the experiments were based on 1000Genomes extracted from </a:t>
+            </a:r>
+            <a:r>
+              <a:rPr lang="en-GB" dirty="0" err="1"/>
+              <a:t>LocusZoom</a:t>
+            </a:r>
+            <a:r>
+              <a:rPr lang="en-GB" dirty="0"/>
+              <a:t> 1.4 at </a:t>
+            </a:r>
+            <a:r>
+              <a:rPr lang="en-GB" dirty="0" err="1"/>
+              <a:t>tryggve</a:t>
+            </a:r>
+            <a:r>
+              <a:rPr lang="en-GB" dirty="0"/>
+              <a:t> when there was issues with the up-/down-load. A more desirable reference panel would be INTERVAL, </a:t>
+            </a:r>
+            <a:r>
+              <a:rPr lang="en-GB" dirty="0" err="1"/>
+              <a:t>UKBiobank</a:t>
+            </a:r>
+            <a:r>
+              <a:rPr lang="en-GB" dirty="0"/>
+              <a:t>, both involving HRC+UK10K. </a:t>
+            </a:r>
+            <a:r>
+              <a:rPr lang="en-GB" dirty="0" err="1"/>
+              <a:t>Finemapping</a:t>
+            </a:r>
+            <a:r>
+              <a:rPr lang="en-GB" dirty="0"/>
+              <a:t> is set to involve PLINK, GCTA, </a:t>
+            </a:r>
+            <a:r>
+              <a:rPr lang="en-GB" dirty="0" err="1"/>
+              <a:t>finemap</a:t>
+            </a:r>
+            <a:r>
+              <a:rPr lang="en-GB" dirty="0"/>
+              <a:t>, and JAM, among others.</a:t>
+            </a:r>
+          </a:p>
+        </p:txBody>
+      </p:sp>
+    </p:spTree>
+    <p:extLst>
+      <p:ext uri="{BB962C8B-B14F-4D97-AF65-F5344CB8AC3E}">
+        <p14:creationId xmlns:p14="http://schemas.microsoft.com/office/powerpoint/2010/main" val="1025794882"/>
+      </p:ext>
+    </p:extLst>
+  </p:cSld>
+  <p:clrMapOvr>
+    <a:masterClrMapping/>
+  </p:clrMapOvr>
+</p:sld>
+</file>
+
+<file path=ppt/slides/slide3.xml><?xml version="1.0" encoding="utf-8"?>
 <p:sld xmlns:a="http://schemas.openxmlformats.org/drawingml/2006/main" xmlns:r="http://schemas.openxmlformats.org/officeDocument/2006/relationships" xmlns:p="http://schemas.openxmlformats.org/presentationml/2006/main">
   <p:cSld>
     <p:spTree>
@@ -6492,847 +7531,6 @@
 </p:sld>
 </file>
 
-<file path=ppt/slides/slide20.xml><?xml version="1.0" encoding="utf-8"?>
-<p:sld xmlns:a="http://schemas.openxmlformats.org/drawingml/2006/main" xmlns:r="http://schemas.openxmlformats.org/officeDocument/2006/relationships" xmlns:p="http://schemas.openxmlformats.org/presentationml/2006/main">
-  <p:cSld>
-    <p:spTree>
-      <p:nvGrpSpPr>
-        <p:cNvPr id="1" name=""/>
-        <p:cNvGrpSpPr/>
-        <p:nvPr/>
-      </p:nvGrpSpPr>
-      <p:grpSpPr>
-        <a:xfrm>
-          <a:off x="0" y="0"/>
-          <a:ext cx="0" cy="0"/>
-          <a:chOff x="0" y="0"/>
-          <a:chExt cx="0" cy="0"/>
-        </a:xfrm>
-      </p:grpSpPr>
-      <p:sp>
-        <p:nvSpPr>
-          <p:cNvPr id="2" name="Title 1"/>
-          <p:cNvSpPr>
-            <a:spLocks noGrp="1"/>
-          </p:cNvSpPr>
-          <p:nvPr>
-            <p:ph type="title"/>
-          </p:nvPr>
-        </p:nvSpPr>
-        <p:spPr/>
-        <p:txBody>
-          <a:bodyPr/>
-          <a:lstStyle/>
-          <a:p>
-            <a:pPr algn="ctr"/>
-            <a:r>
-              <a:rPr lang="en-GB" b="1" dirty="0"/>
-              <a:t>Next steps (8/3/19)</a:t>
-            </a:r>
-          </a:p>
-        </p:txBody>
-      </p:sp>
-      <p:sp>
-        <p:nvSpPr>
-          <p:cNvPr id="3" name="Content Placeholder 2"/>
-          <p:cNvSpPr>
-            <a:spLocks noGrp="1"/>
-          </p:cNvSpPr>
-          <p:nvPr>
-            <p:ph idx="1"/>
-          </p:nvPr>
-        </p:nvSpPr>
-        <p:spPr/>
-        <p:txBody>
-          <a:bodyPr/>
-          <a:lstStyle/>
-          <a:p>
-            <a:r>
-              <a:rPr lang="en-GB" dirty="0"/>
-              <a:t>Cohort-level QC, esp. MAF and INFO score.</a:t>
-            </a:r>
-          </a:p>
-          <a:p>
-            <a:r>
-              <a:rPr lang="en-GB" dirty="0"/>
-              <a:t>Meta-analysis for all cohorts (leaving out RECOMBINE?), including Q-Q/Manhattan/forest/</a:t>
-            </a:r>
-            <a:r>
-              <a:rPr lang="en-GB" dirty="0" err="1"/>
-              <a:t>LocusZoom</a:t>
-            </a:r>
-            <a:r>
-              <a:rPr lang="en-GB" dirty="0"/>
-              <a:t>/chord plots – with cis/trans regions when appropriate.</a:t>
-            </a:r>
-          </a:p>
-          <a:p>
-            <a:r>
-              <a:rPr lang="en-GB" dirty="0"/>
-              <a:t>To corroborate PLINK –clump with GCTA –</a:t>
-            </a:r>
-            <a:r>
-              <a:rPr lang="en-GB" dirty="0" err="1"/>
-              <a:t>cojo-slct</a:t>
-            </a:r>
-            <a:r>
-              <a:rPr lang="en-GB" dirty="0"/>
-              <a:t>.</a:t>
-            </a:r>
-          </a:p>
-          <a:p>
-            <a:r>
-              <a:rPr lang="en-GB" dirty="0"/>
-              <a:t>Replication?</a:t>
-            </a:r>
-          </a:p>
-          <a:p>
-            <a:r>
-              <a:rPr lang="en-GB" dirty="0"/>
-              <a:t>Downstream analysis, e.g., </a:t>
-            </a:r>
-            <a:r>
-              <a:rPr lang="en-GB" dirty="0" err="1"/>
-              <a:t>phenoscanner</a:t>
-            </a:r>
-            <a:r>
-              <a:rPr lang="en-GB" dirty="0"/>
-              <a:t>, MR, GSEA/pathway.</a:t>
-            </a:r>
-          </a:p>
-        </p:txBody>
-      </p:sp>
-    </p:spTree>
-    <p:extLst>
-      <p:ext uri="{BB962C8B-B14F-4D97-AF65-F5344CB8AC3E}">
-        <p14:creationId xmlns:p14="http://schemas.microsoft.com/office/powerpoint/2010/main" val="1695469006"/>
-      </p:ext>
-    </p:extLst>
-  </p:cSld>
-  <p:clrMapOvr>
-    <a:masterClrMapping/>
-  </p:clrMapOvr>
-</p:sld>
-</file>
-
-<file path=ppt/slides/slide21.xml><?xml version="1.0" encoding="utf-8"?>
-<p:sld xmlns:a="http://schemas.openxmlformats.org/drawingml/2006/main" xmlns:r="http://schemas.openxmlformats.org/officeDocument/2006/relationships" xmlns:p="http://schemas.openxmlformats.org/presentationml/2006/main">
-  <p:cSld>
-    <p:spTree>
-      <p:nvGrpSpPr>
-        <p:cNvPr id="1" name=""/>
-        <p:cNvGrpSpPr/>
-        <p:nvPr/>
-      </p:nvGrpSpPr>
-      <p:grpSpPr>
-        <a:xfrm>
-          <a:off x="0" y="0"/>
-          <a:ext cx="0" cy="0"/>
-          <a:chOff x="0" y="0"/>
-          <a:chExt cx="0" cy="0"/>
-        </a:xfrm>
-      </p:grpSpPr>
-      <p:sp>
-        <p:nvSpPr>
-          <p:cNvPr id="2" name="Title 1"/>
-          <p:cNvSpPr>
-            <a:spLocks noGrp="1"/>
-          </p:cNvSpPr>
-          <p:nvPr>
-            <p:ph type="title"/>
-          </p:nvPr>
-        </p:nvSpPr>
-        <p:spPr/>
-        <p:txBody>
-          <a:bodyPr/>
-          <a:lstStyle/>
-          <a:p>
-            <a:pPr algn="ctr"/>
-            <a:r>
-              <a:rPr lang="en-US" b="1" dirty="0"/>
-              <a:t>Points from discussion</a:t>
-            </a:r>
-            <a:r>
-              <a:rPr lang="en-GB" b="1" dirty="0"/>
-              <a:t> (8/3/19)</a:t>
-            </a:r>
-          </a:p>
-        </p:txBody>
-      </p:sp>
-      <p:sp>
-        <p:nvSpPr>
-          <p:cNvPr id="3" name="Content Placeholder 2"/>
-          <p:cNvSpPr>
-            <a:spLocks noGrp="1"/>
-          </p:cNvSpPr>
-          <p:nvPr>
-            <p:ph idx="1"/>
-          </p:nvPr>
-        </p:nvSpPr>
-        <p:spPr/>
-        <p:txBody>
-          <a:bodyPr>
-            <a:normAutofit lnSpcReduction="10000"/>
-          </a:bodyPr>
-          <a:lstStyle/>
-          <a:p>
-            <a:r>
-              <a:rPr lang="en-US" dirty="0"/>
-              <a:t>Cohort-specific </a:t>
-            </a:r>
-            <a:r>
-              <a:rPr lang="en-US" dirty="0" err="1"/>
-              <a:t>sumstats</a:t>
-            </a:r>
-            <a:r>
-              <a:rPr lang="en-US" dirty="0"/>
-              <a:t> for N, MAF, HWE, INFO in </a:t>
-            </a:r>
-            <a:r>
-              <a:rPr lang="en-US" dirty="0" err="1"/>
-              <a:t>qctool</a:t>
-            </a:r>
-            <a:r>
-              <a:rPr lang="en-US" dirty="0"/>
-              <a:t> –</a:t>
-            </a:r>
-            <a:r>
-              <a:rPr lang="en-US" dirty="0" err="1"/>
-              <a:t>snp</a:t>
-            </a:r>
-            <a:r>
-              <a:rPr lang="en-US" dirty="0"/>
-              <a:t>-stats</a:t>
-            </a:r>
-          </a:p>
-          <a:p>
-            <a:r>
-              <a:rPr lang="en-US" dirty="0" err="1"/>
-              <a:t>sumstats</a:t>
-            </a:r>
-            <a:r>
-              <a:rPr lang="en-US" dirty="0"/>
-              <a:t>/</a:t>
-            </a:r>
-            <a:r>
-              <a:rPr lang="en-US" dirty="0" err="1"/>
-              <a:t>Mantattan</a:t>
-            </a:r>
-            <a:r>
-              <a:rPr lang="en-US" dirty="0"/>
-              <a:t> for cohorts with problematic proteins</a:t>
-            </a:r>
-          </a:p>
-          <a:p>
-            <a:r>
-              <a:rPr lang="en-US" dirty="0"/>
-              <a:t>Between-cohort MAF-MAF plots</a:t>
-            </a:r>
-          </a:p>
-          <a:p>
-            <a:r>
-              <a:rPr lang="en-US" dirty="0"/>
-              <a:t>P ~ N (for </a:t>
-            </a:r>
-            <a:r>
-              <a:rPr lang="en-US" dirty="0" err="1"/>
-              <a:t>finemapping</a:t>
-            </a:r>
-            <a:r>
-              <a:rPr lang="en-US" dirty="0"/>
-              <a:t>) and consistency, e.g. INTERVAL/STABILITY.</a:t>
-            </a:r>
-          </a:p>
-          <a:p>
-            <a:r>
-              <a:rPr lang="en-US" dirty="0"/>
-              <a:t>False negative for those in the CVD1 panel to </a:t>
-            </a:r>
-            <a:r>
-              <a:rPr lang="en-US" dirty="0" err="1"/>
-              <a:t>phenoscanner</a:t>
-            </a:r>
-            <a:endParaRPr lang="en-US" dirty="0"/>
-          </a:p>
-          <a:p>
-            <a:r>
-              <a:rPr lang="en-US" dirty="0"/>
-              <a:t>Chr19. NLRP12 from INTERVAL`</a:t>
-            </a:r>
-          </a:p>
-          <a:p>
-            <a:r>
-              <a:rPr lang="en-US" dirty="0"/>
-              <a:t>RECOMBINE experiment</a:t>
-            </a:r>
-          </a:p>
-          <a:p>
-            <a:r>
-              <a:rPr lang="en-US" dirty="0"/>
-              <a:t>Total # signals relative to other panels</a:t>
-            </a:r>
-          </a:p>
-          <a:p>
-            <a:r>
-              <a:rPr lang="en-US" dirty="0" err="1"/>
-              <a:t>Phenoscanner</a:t>
-            </a:r>
-            <a:r>
-              <a:rPr lang="en-US" dirty="0"/>
-              <a:t> and </a:t>
-            </a:r>
-            <a:r>
-              <a:rPr lang="en-US" dirty="0" err="1"/>
-              <a:t>eQTL</a:t>
-            </a:r>
-            <a:endParaRPr lang="en-GB" dirty="0"/>
-          </a:p>
-        </p:txBody>
-      </p:sp>
-    </p:spTree>
-    <p:extLst>
-      <p:ext uri="{BB962C8B-B14F-4D97-AF65-F5344CB8AC3E}">
-        <p14:creationId xmlns:p14="http://schemas.microsoft.com/office/powerpoint/2010/main" val="3593078460"/>
-      </p:ext>
-    </p:extLst>
-  </p:cSld>
-  <p:clrMapOvr>
-    <a:masterClrMapping/>
-  </p:clrMapOvr>
-</p:sld>
-</file>
-
-<file path=ppt/slides/slide22.xml><?xml version="1.0" encoding="utf-8"?>
-<p:sld xmlns:a="http://schemas.openxmlformats.org/drawingml/2006/main" xmlns:r="http://schemas.openxmlformats.org/officeDocument/2006/relationships" xmlns:p="http://schemas.openxmlformats.org/presentationml/2006/main">
-  <p:cSld>
-    <p:spTree>
-      <p:nvGrpSpPr>
-        <p:cNvPr id="1" name=""/>
-        <p:cNvGrpSpPr/>
-        <p:nvPr/>
-      </p:nvGrpSpPr>
-      <p:grpSpPr>
-        <a:xfrm>
-          <a:off x="0" y="0"/>
-          <a:ext cx="0" cy="0"/>
-          <a:chOff x="0" y="0"/>
-          <a:chExt cx="0" cy="0"/>
-        </a:xfrm>
-      </p:grpSpPr>
-      <p:sp>
-        <p:nvSpPr>
-          <p:cNvPr id="2" name="Title 1"/>
-          <p:cNvSpPr>
-            <a:spLocks noGrp="1"/>
-          </p:cNvSpPr>
-          <p:nvPr>
-            <p:ph type="title"/>
-          </p:nvPr>
-        </p:nvSpPr>
-        <p:spPr/>
-        <p:txBody>
-          <a:bodyPr/>
-          <a:lstStyle/>
-          <a:p>
-            <a:pPr algn="ctr"/>
-            <a:r>
-              <a:rPr lang="en-GB" b="1" dirty="0"/>
-              <a:t>Manhattan plots</a:t>
-            </a:r>
-          </a:p>
-        </p:txBody>
-      </p:sp>
-      <p:pic>
-        <p:nvPicPr>
-          <p:cNvPr id="6" name="Picture 5"/>
-          <p:cNvPicPr>
-            <a:picLocks noChangeAspect="1"/>
-          </p:cNvPicPr>
-          <p:nvPr/>
-        </p:nvPicPr>
-        <p:blipFill>
-          <a:blip r:embed="rId2"/>
-          <a:stretch>
-            <a:fillRect/>
-          </a:stretch>
-        </p:blipFill>
-        <p:spPr>
-          <a:xfrm>
-            <a:off x="1328446" y="1842264"/>
-            <a:ext cx="9685493" cy="4584669"/>
-          </a:xfrm>
-          <a:prstGeom prst="rect">
-            <a:avLst/>
-          </a:prstGeom>
-        </p:spPr>
-      </p:pic>
-    </p:spTree>
-    <p:extLst>
-      <p:ext uri="{BB962C8B-B14F-4D97-AF65-F5344CB8AC3E}">
-        <p14:creationId xmlns:p14="http://schemas.microsoft.com/office/powerpoint/2010/main" val="1983527589"/>
-      </p:ext>
-    </p:extLst>
-  </p:cSld>
-  <p:clrMapOvr>
-    <a:masterClrMapping/>
-  </p:clrMapOvr>
-</p:sld>
-</file>
-
-<file path=ppt/slides/slide23.xml><?xml version="1.0" encoding="utf-8"?>
-<p:sld xmlns:a="http://schemas.openxmlformats.org/drawingml/2006/main" xmlns:r="http://schemas.openxmlformats.org/officeDocument/2006/relationships" xmlns:p="http://schemas.openxmlformats.org/presentationml/2006/main">
-  <p:cSld>
-    <p:spTree>
-      <p:nvGrpSpPr>
-        <p:cNvPr id="1" name=""/>
-        <p:cNvGrpSpPr/>
-        <p:nvPr/>
-      </p:nvGrpSpPr>
-      <p:grpSpPr>
-        <a:xfrm>
-          <a:off x="0" y="0"/>
-          <a:ext cx="0" cy="0"/>
-          <a:chOff x="0" y="0"/>
-          <a:chExt cx="0" cy="0"/>
-        </a:xfrm>
-      </p:grpSpPr>
-      <p:sp>
-        <p:nvSpPr>
-          <p:cNvPr id="2" name="Title 1"/>
-          <p:cNvSpPr>
-            <a:spLocks noGrp="1"/>
-          </p:cNvSpPr>
-          <p:nvPr>
-            <p:ph type="title"/>
-          </p:nvPr>
-        </p:nvSpPr>
-        <p:spPr/>
-        <p:txBody>
-          <a:bodyPr/>
-          <a:lstStyle/>
-          <a:p>
-            <a:pPr algn="ctr"/>
-            <a:r>
-              <a:rPr lang="en-GB" dirty="0"/>
-              <a:t>Q-Q plot</a:t>
-            </a:r>
-          </a:p>
-        </p:txBody>
-      </p:sp>
-      <p:pic>
-        <p:nvPicPr>
-          <p:cNvPr id="6" name="Picture 5"/>
-          <p:cNvPicPr>
-            <a:picLocks noChangeAspect="1"/>
-          </p:cNvPicPr>
-          <p:nvPr/>
-        </p:nvPicPr>
-        <p:blipFill>
-          <a:blip r:embed="rId2"/>
-          <a:stretch>
-            <a:fillRect/>
-          </a:stretch>
-        </p:blipFill>
-        <p:spPr>
-          <a:xfrm>
-            <a:off x="3813057" y="1826989"/>
-            <a:ext cx="4565885" cy="4349974"/>
-          </a:xfrm>
-          <a:prstGeom prst="rect">
-            <a:avLst/>
-          </a:prstGeom>
-        </p:spPr>
-      </p:pic>
-    </p:spTree>
-    <p:extLst>
-      <p:ext uri="{BB962C8B-B14F-4D97-AF65-F5344CB8AC3E}">
-        <p14:creationId xmlns:p14="http://schemas.microsoft.com/office/powerpoint/2010/main" val="2179527099"/>
-      </p:ext>
-    </p:extLst>
-  </p:cSld>
-  <p:clrMapOvr>
-    <a:masterClrMapping/>
-  </p:clrMapOvr>
-</p:sld>
-</file>
-
-<file path=ppt/slides/slide24.xml><?xml version="1.0" encoding="utf-8"?>
-<p:sld xmlns:a="http://schemas.openxmlformats.org/drawingml/2006/main" xmlns:r="http://schemas.openxmlformats.org/officeDocument/2006/relationships" xmlns:p="http://schemas.openxmlformats.org/presentationml/2006/main">
-  <p:cSld>
-    <p:spTree>
-      <p:nvGrpSpPr>
-        <p:cNvPr id="1" name=""/>
-        <p:cNvGrpSpPr/>
-        <p:nvPr/>
-      </p:nvGrpSpPr>
-      <p:grpSpPr>
-        <a:xfrm>
-          <a:off x="0" y="0"/>
-          <a:ext cx="0" cy="0"/>
-          <a:chOff x="0" y="0"/>
-          <a:chExt cx="0" cy="0"/>
-        </a:xfrm>
-      </p:grpSpPr>
-      <p:sp>
-        <p:nvSpPr>
-          <p:cNvPr id="2" name="Title 1"/>
-          <p:cNvSpPr>
-            <a:spLocks noGrp="1"/>
-          </p:cNvSpPr>
-          <p:nvPr>
-            <p:ph type="title"/>
-          </p:nvPr>
-        </p:nvSpPr>
-        <p:spPr/>
-        <p:txBody>
-          <a:bodyPr/>
-          <a:lstStyle/>
-          <a:p>
-            <a:pPr algn="ctr"/>
-            <a:r>
-              <a:rPr lang="en-GB" b="1" dirty="0"/>
-              <a:t>A brief summary (29/11/18)</a:t>
-            </a:r>
-          </a:p>
-        </p:txBody>
-      </p:sp>
-      <p:sp>
-        <p:nvSpPr>
-          <p:cNvPr id="3" name="Content Placeholder 2"/>
-          <p:cNvSpPr>
-            <a:spLocks noGrp="1"/>
-          </p:cNvSpPr>
-          <p:nvPr>
-            <p:ph idx="1"/>
-          </p:nvPr>
-        </p:nvSpPr>
-        <p:spPr/>
-        <p:txBody>
-          <a:bodyPr>
-            <a:normAutofit/>
-          </a:bodyPr>
-          <a:lstStyle/>
-          <a:p>
-            <a:r>
-              <a:rPr lang="en-GB" dirty="0"/>
-              <a:t>It is still at a very early stage of the analysis.</a:t>
-            </a:r>
-          </a:p>
-          <a:p>
-            <a:r>
-              <a:rPr lang="en-GB" dirty="0"/>
-              <a:t>Results from INTERVAL and benchmarks from meta-analysis were reassuring.</a:t>
-            </a:r>
-          </a:p>
-          <a:p>
-            <a:r>
-              <a:rPr lang="en-GB" dirty="0"/>
-              <a:t>This was based on stricter criteria on –ld-r2 of the PLINK –clump procedure which was somewhat hampered is its inability to handle small p-value.</a:t>
-            </a:r>
-          </a:p>
-          <a:p>
-            <a:r>
-              <a:rPr lang="en-GB" dirty="0"/>
-              <a:t>It is worthwhile to explore approaches.</a:t>
-            </a:r>
-          </a:p>
-          <a:p>
-            <a:r>
-              <a:rPr lang="en-GB" dirty="0"/>
-              <a:t>There will be further effort on the meta-analysis QC.</a:t>
-            </a:r>
-          </a:p>
-        </p:txBody>
-      </p:sp>
-    </p:spTree>
-    <p:extLst>
-      <p:ext uri="{BB962C8B-B14F-4D97-AF65-F5344CB8AC3E}">
-        <p14:creationId xmlns:p14="http://schemas.microsoft.com/office/powerpoint/2010/main" val="1462860847"/>
-      </p:ext>
-    </p:extLst>
-  </p:cSld>
-  <p:clrMapOvr>
-    <a:masterClrMapping/>
-  </p:clrMapOvr>
-</p:sld>
-</file>
-
-<file path=ppt/slides/slide25.xml><?xml version="1.0" encoding="utf-8"?>
-<p:sld xmlns:a="http://schemas.openxmlformats.org/drawingml/2006/main" xmlns:r="http://schemas.openxmlformats.org/officeDocument/2006/relationships" xmlns:p="http://schemas.openxmlformats.org/presentationml/2006/main">
-  <p:cSld>
-    <p:spTree>
-      <p:nvGrpSpPr>
-        <p:cNvPr id="1" name=""/>
-        <p:cNvGrpSpPr/>
-        <p:nvPr/>
-      </p:nvGrpSpPr>
-      <p:grpSpPr>
-        <a:xfrm>
-          <a:off x="0" y="0"/>
-          <a:ext cx="0" cy="0"/>
-          <a:chOff x="0" y="0"/>
-          <a:chExt cx="0" cy="0"/>
-        </a:xfrm>
-      </p:grpSpPr>
-      <p:sp>
-        <p:nvSpPr>
-          <p:cNvPr id="2" name="Title 1">
-            <a:extLst>
-              <a:ext uri="{FF2B5EF4-FFF2-40B4-BE49-F238E27FC236}">
-                <a16:creationId xmlns:a16="http://schemas.microsoft.com/office/drawing/2014/main" id="{0B706D4B-56BB-4904-95C8-C7317B2F9042}"/>
-              </a:ext>
-            </a:extLst>
-          </p:cNvPr>
-          <p:cNvSpPr>
-            <a:spLocks noGrp="1"/>
-          </p:cNvSpPr>
-          <p:nvPr>
-            <p:ph type="title"/>
-          </p:nvPr>
-        </p:nvSpPr>
-        <p:spPr/>
-        <p:txBody>
-          <a:bodyPr/>
-          <a:lstStyle/>
-          <a:p>
-            <a:pPr algn="ctr"/>
-            <a:r>
-              <a:rPr lang="en-GB" b="1" dirty="0"/>
-              <a:t>On next steps (29/11/18)</a:t>
-            </a:r>
-          </a:p>
-        </p:txBody>
-      </p:sp>
-      <p:sp>
-        <p:nvSpPr>
-          <p:cNvPr id="3" name="Content Placeholder 2">
-            <a:extLst>
-              <a:ext uri="{FF2B5EF4-FFF2-40B4-BE49-F238E27FC236}">
-                <a16:creationId xmlns:a16="http://schemas.microsoft.com/office/drawing/2014/main" id="{779C168B-FE2B-48BB-9F71-190FE784313F}"/>
-              </a:ext>
-            </a:extLst>
-          </p:cNvPr>
-          <p:cNvSpPr>
-            <a:spLocks noGrp="1"/>
-          </p:cNvSpPr>
-          <p:nvPr>
-            <p:ph idx="1"/>
-          </p:nvPr>
-        </p:nvSpPr>
-        <p:spPr/>
-        <p:txBody>
-          <a:bodyPr>
-            <a:normAutofit lnSpcReduction="10000"/>
-          </a:bodyPr>
-          <a:lstStyle/>
-          <a:p>
-            <a:r>
-              <a:rPr lang="en-GB" dirty="0"/>
-              <a:t>KORA individual level data analysis will be conducted centrally.</a:t>
-            </a:r>
-          </a:p>
-          <a:p>
-            <a:r>
-              <a:rPr lang="en-GB" dirty="0"/>
-              <a:t>Additional studies such as COMBINE will be added.</a:t>
-            </a:r>
-          </a:p>
-          <a:p>
-            <a:r>
-              <a:rPr lang="en-GB" dirty="0"/>
-              <a:t>For cohorts contributing results on PLINK, information such as effect allele (frequency), imputation quality is recommended on a per-cohort basis via </a:t>
-            </a:r>
-            <a:r>
-              <a:rPr lang="en-GB" dirty="0" err="1"/>
-              <a:t>qctool</a:t>
-            </a:r>
-            <a:r>
-              <a:rPr lang="en-GB" dirty="0"/>
-              <a:t> as noted in SCALLOP_INF_I_analysis_plan.md.</a:t>
-            </a:r>
-          </a:p>
-          <a:p>
-            <a:r>
-              <a:rPr lang="en-GB" dirty="0"/>
-              <a:t>The QC will be refined and downstream analysis strengthened -- the experiments were based on 1000Genomes extracted from </a:t>
-            </a:r>
-            <a:r>
-              <a:rPr lang="en-GB" dirty="0" err="1"/>
-              <a:t>LocusZoom</a:t>
-            </a:r>
-            <a:r>
-              <a:rPr lang="en-GB" dirty="0"/>
-              <a:t> 1.4 at </a:t>
-            </a:r>
-            <a:r>
-              <a:rPr lang="en-GB" dirty="0" err="1"/>
-              <a:t>tryggve</a:t>
-            </a:r>
-            <a:r>
-              <a:rPr lang="en-GB" dirty="0"/>
-              <a:t> when there was issues with the up-/down-load. A more desirable reference panel would be INTERVAL, </a:t>
-            </a:r>
-            <a:r>
-              <a:rPr lang="en-GB" dirty="0" err="1"/>
-              <a:t>UKBiobank</a:t>
-            </a:r>
-            <a:r>
-              <a:rPr lang="en-GB" dirty="0"/>
-              <a:t>, both involving HRC+UK10K. </a:t>
-            </a:r>
-            <a:r>
-              <a:rPr lang="en-GB" dirty="0" err="1"/>
-              <a:t>Finemapping</a:t>
-            </a:r>
-            <a:r>
-              <a:rPr lang="en-GB" dirty="0"/>
-              <a:t> is set to involve PLINK, GCTA, </a:t>
-            </a:r>
-            <a:r>
-              <a:rPr lang="en-GB" dirty="0" err="1"/>
-              <a:t>finemap</a:t>
-            </a:r>
-            <a:r>
-              <a:rPr lang="en-GB" dirty="0"/>
-              <a:t>, and JAM, among others.</a:t>
-            </a:r>
-          </a:p>
-        </p:txBody>
-      </p:sp>
-    </p:spTree>
-    <p:extLst>
-      <p:ext uri="{BB962C8B-B14F-4D97-AF65-F5344CB8AC3E}">
-        <p14:creationId xmlns:p14="http://schemas.microsoft.com/office/powerpoint/2010/main" val="1025794882"/>
-      </p:ext>
-    </p:extLst>
-  </p:cSld>
-  <p:clrMapOvr>
-    <a:masterClrMapping/>
-  </p:clrMapOvr>
-</p:sld>
-</file>
-
-<file path=ppt/slides/slide3.xml><?xml version="1.0" encoding="utf-8"?>
-<p:sld xmlns:a="http://schemas.openxmlformats.org/drawingml/2006/main" xmlns:r="http://schemas.openxmlformats.org/officeDocument/2006/relationships" xmlns:p="http://schemas.openxmlformats.org/presentationml/2006/main">
-  <p:cSld>
-    <p:spTree>
-      <p:nvGrpSpPr>
-        <p:cNvPr id="1" name=""/>
-        <p:cNvGrpSpPr/>
-        <p:nvPr/>
-      </p:nvGrpSpPr>
-      <p:grpSpPr>
-        <a:xfrm>
-          <a:off x="0" y="0"/>
-          <a:ext cx="0" cy="0"/>
-          <a:chOff x="0" y="0"/>
-          <a:chExt cx="0" cy="0"/>
-        </a:xfrm>
-      </p:grpSpPr>
-      <p:sp>
-        <p:nvSpPr>
-          <p:cNvPr id="2" name="Title 1"/>
-          <p:cNvSpPr>
-            <a:spLocks noGrp="1"/>
-          </p:cNvSpPr>
-          <p:nvPr>
-            <p:ph type="title"/>
-          </p:nvPr>
-        </p:nvSpPr>
-        <p:spPr/>
-        <p:txBody>
-          <a:bodyPr/>
-          <a:lstStyle/>
-          <a:p>
-            <a:pPr algn="ctr"/>
-            <a:r>
-              <a:rPr lang="en-GB" b="1" dirty="0"/>
-              <a:t>Association analysis for KORA</a:t>
-            </a:r>
-          </a:p>
-        </p:txBody>
-      </p:sp>
-      <p:sp>
-        <p:nvSpPr>
-          <p:cNvPr id="3" name="Content Placeholder 2"/>
-          <p:cNvSpPr>
-            <a:spLocks noGrp="1"/>
-          </p:cNvSpPr>
-          <p:nvPr>
-            <p:ph idx="1"/>
-          </p:nvPr>
-        </p:nvSpPr>
-        <p:spPr/>
-        <p:txBody>
-          <a:bodyPr/>
-          <a:lstStyle/>
-          <a:p>
-            <a:r>
-              <a:rPr lang="en-GB" dirty="0"/>
-              <a:t>Pilot with success/failure with BOLT-LMM on OPG/TNFSF14</a:t>
-            </a:r>
-          </a:p>
-          <a:p>
-            <a:r>
-              <a:rPr lang="en-GB" dirty="0"/>
-              <a:t>Switch to SNPTEST on transformed measurement ~ age+sex+PC1-PC5</a:t>
-            </a:r>
-          </a:p>
-          <a:p>
-            <a:r>
-              <a:rPr lang="en-GB" dirty="0"/>
-              <a:t>Exclusion of six related individuals</a:t>
-            </a:r>
-          </a:p>
-          <a:p>
-            <a:r>
-              <a:rPr lang="en-GB" dirty="0"/>
-              <a:t>INFO score was compared between SNPTEST and </a:t>
-            </a:r>
-            <a:r>
-              <a:rPr lang="en-GB" dirty="0" err="1"/>
-              <a:t>qctool</a:t>
-            </a:r>
-            <a:r>
-              <a:rPr lang="en-GB" dirty="0"/>
-              <a:t> –</a:t>
-            </a:r>
-            <a:r>
-              <a:rPr lang="en-GB" dirty="0" err="1"/>
-              <a:t>snp</a:t>
-            </a:r>
-            <a:r>
-              <a:rPr lang="en-GB" dirty="0"/>
-              <a:t>-stats</a:t>
-            </a:r>
-          </a:p>
-          <a:p>
-            <a:r>
-              <a:rPr lang="en-GB" dirty="0"/>
-              <a:t>Final sample size N=1064</a:t>
-            </a:r>
-          </a:p>
-          <a:p>
-            <a:r>
-              <a:rPr lang="en-GB" dirty="0"/>
-              <a:t>Several disruptions on cardio/TRYGGVE and FGF.5 for #SNPs</a:t>
-            </a:r>
-          </a:p>
-        </p:txBody>
-      </p:sp>
-    </p:spTree>
-    <p:extLst>
-      <p:ext uri="{BB962C8B-B14F-4D97-AF65-F5344CB8AC3E}">
-        <p14:creationId xmlns:p14="http://schemas.microsoft.com/office/powerpoint/2010/main" val="2298769052"/>
-      </p:ext>
-    </p:extLst>
-  </p:cSld>
-  <p:clrMapOvr>
-    <a:masterClrMapping/>
-  </p:clrMapOvr>
-</p:sld>
-</file>
-
 <file path=ppt/slides/slide4.xml><?xml version="1.0" encoding="utf-8"?>
 <p:sld xmlns:a="http://schemas.openxmlformats.org/drawingml/2006/main" xmlns:r="http://schemas.openxmlformats.org/officeDocument/2006/relationships" xmlns:p="http://schemas.openxmlformats.org/presentationml/2006/main">
   <p:cSld>
@@ -7368,6 +7566,127 @@
             <a:pPr algn="ctr"/>
             <a:r>
               <a:rPr lang="en-GB" b="1" dirty="0"/>
+              <a:t>Association analysis for KORA</a:t>
+            </a:r>
+          </a:p>
+        </p:txBody>
+      </p:sp>
+      <p:sp>
+        <p:nvSpPr>
+          <p:cNvPr id="3" name="Content Placeholder 2"/>
+          <p:cNvSpPr>
+            <a:spLocks noGrp="1"/>
+          </p:cNvSpPr>
+          <p:nvPr>
+            <p:ph idx="1"/>
+          </p:nvPr>
+        </p:nvSpPr>
+        <p:spPr/>
+        <p:txBody>
+          <a:bodyPr/>
+          <a:lstStyle/>
+          <a:p>
+            <a:r>
+              <a:rPr lang="en-GB" dirty="0"/>
+              <a:t>Pilot with success/failure with BOLT-LMM on OPG/TNFSF14</a:t>
+            </a:r>
+          </a:p>
+          <a:p>
+            <a:r>
+              <a:rPr lang="en-GB" dirty="0"/>
+              <a:t>Switch to SNPTEST on transformed measurement ~ age+sex+PC1-PC5</a:t>
+            </a:r>
+          </a:p>
+          <a:p>
+            <a:r>
+              <a:rPr lang="en-GB" dirty="0"/>
+              <a:t>Exclusion of six related individuals</a:t>
+            </a:r>
+          </a:p>
+          <a:p>
+            <a:r>
+              <a:rPr lang="en-GB" dirty="0"/>
+              <a:t>INFO score was compared between SNPTEST and </a:t>
+            </a:r>
+            <a:r>
+              <a:rPr lang="en-GB" dirty="0" err="1"/>
+              <a:t>qctool</a:t>
+            </a:r>
+            <a:r>
+              <a:rPr lang="en-GB" dirty="0"/>
+              <a:t> –</a:t>
+            </a:r>
+            <a:r>
+              <a:rPr lang="en-GB" dirty="0" err="1"/>
+              <a:t>snp</a:t>
+            </a:r>
+            <a:r>
+              <a:rPr lang="en-GB" dirty="0"/>
+              <a:t>-stats</a:t>
+            </a:r>
+          </a:p>
+          <a:p>
+            <a:r>
+              <a:rPr lang="en-GB" dirty="0"/>
+              <a:t>Final sample size N=1064</a:t>
+            </a:r>
+          </a:p>
+          <a:p>
+            <a:r>
+              <a:rPr lang="en-GB" dirty="0"/>
+              <a:t>Several disruptions on cardio/TRYGGVE and FGF.5 for #SNPs</a:t>
+            </a:r>
+          </a:p>
+        </p:txBody>
+      </p:sp>
+    </p:spTree>
+    <p:extLst>
+      <p:ext uri="{BB962C8B-B14F-4D97-AF65-F5344CB8AC3E}">
+        <p14:creationId xmlns:p14="http://schemas.microsoft.com/office/powerpoint/2010/main" val="2298769052"/>
+      </p:ext>
+    </p:extLst>
+  </p:cSld>
+  <p:clrMapOvr>
+    <a:masterClrMapping/>
+  </p:clrMapOvr>
+</p:sld>
+</file>
+
+<file path=ppt/slides/slide5.xml><?xml version="1.0" encoding="utf-8"?>
+<p:sld xmlns:a="http://schemas.openxmlformats.org/drawingml/2006/main" xmlns:r="http://schemas.openxmlformats.org/officeDocument/2006/relationships" xmlns:p="http://schemas.openxmlformats.org/presentationml/2006/main">
+  <p:cSld>
+    <p:spTree>
+      <p:nvGrpSpPr>
+        <p:cNvPr id="1" name=""/>
+        <p:cNvGrpSpPr/>
+        <p:nvPr/>
+      </p:nvGrpSpPr>
+      <p:grpSpPr>
+        <a:xfrm>
+          <a:off x="0" y="0"/>
+          <a:ext cx="0" cy="0"/>
+          <a:chOff x="0" y="0"/>
+          <a:chExt cx="0" cy="0"/>
+        </a:xfrm>
+      </p:grpSpPr>
+      <p:sp>
+        <p:nvSpPr>
+          <p:cNvPr id="2" name="Title 1"/>
+          <p:cNvSpPr>
+            <a:spLocks noGrp="1"/>
+          </p:cNvSpPr>
+          <p:nvPr>
+            <p:ph type="title"/>
+          </p:nvPr>
+        </p:nvSpPr>
+        <p:spPr/>
+        <p:txBody>
+          <a:bodyPr/>
+          <a:lstStyle/>
+          <a:p>
+            <a:pPr algn="ctr"/>
+            <a:r>
+              <a:rPr lang="en-GB" b="1" dirty="0"/>
               <a:t>A point on LLOD</a:t>
             </a:r>
           </a:p>
@@ -7436,7 +7755,7 @@
 </p:sld>
 </file>
 
-<file path=ppt/slides/slide5.xml><?xml version="1.0" encoding="utf-8"?>
+<file path=ppt/slides/slide6.xml><?xml version="1.0" encoding="utf-8"?>
 <p:sld xmlns:a="http://schemas.openxmlformats.org/drawingml/2006/main" xmlns:r="http://schemas.openxmlformats.org/officeDocument/2006/relationships" xmlns:p="http://schemas.openxmlformats.org/presentationml/2006/main">
   <p:cSld>
     <p:spTree>
@@ -8664,120 +8983,6 @@
 </p:sld>
 </file>
 
-<file path=ppt/slides/slide6.xml><?xml version="1.0" encoding="utf-8"?>
-<p:sld xmlns:a="http://schemas.openxmlformats.org/drawingml/2006/main" xmlns:r="http://schemas.openxmlformats.org/officeDocument/2006/relationships" xmlns:p="http://schemas.openxmlformats.org/presentationml/2006/main">
-  <p:cSld>
-    <p:spTree>
-      <p:nvGrpSpPr>
-        <p:cNvPr id="1" name=""/>
-        <p:cNvGrpSpPr/>
-        <p:nvPr/>
-      </p:nvGrpSpPr>
-      <p:grpSpPr>
-        <a:xfrm>
-          <a:off x="0" y="0"/>
-          <a:ext cx="0" cy="0"/>
-          <a:chOff x="0" y="0"/>
-          <a:chExt cx="0" cy="0"/>
-        </a:xfrm>
-      </p:grpSpPr>
-      <p:sp>
-        <p:nvSpPr>
-          <p:cNvPr id="2" name="Title 1"/>
-          <p:cNvSpPr>
-            <a:spLocks noGrp="1"/>
-          </p:cNvSpPr>
-          <p:nvPr>
-            <p:ph type="title"/>
-          </p:nvPr>
-        </p:nvSpPr>
-        <p:spPr/>
-        <p:txBody>
-          <a:bodyPr/>
-          <a:lstStyle/>
-          <a:p>
-            <a:pPr algn="ctr"/>
-            <a:r>
-              <a:rPr lang="en-GB" b="1" dirty="0"/>
-              <a:t>Manhattan plots</a:t>
-            </a:r>
-          </a:p>
-        </p:txBody>
-      </p:sp>
-      <p:sp>
-        <p:nvSpPr>
-          <p:cNvPr id="3" name="Content Placeholder 2"/>
-          <p:cNvSpPr>
-            <a:spLocks noGrp="1"/>
-          </p:cNvSpPr>
-          <p:nvPr>
-            <p:ph idx="1"/>
-          </p:nvPr>
-        </p:nvSpPr>
-        <p:spPr/>
-        <p:txBody>
-          <a:bodyPr/>
-          <a:lstStyle/>
-          <a:p>
-            <a:r>
-              <a:rPr lang="en-GB" dirty="0"/>
-              <a:t>QCGWAS only desirable for small number of (problematic) proteins.</a:t>
-            </a:r>
-          </a:p>
-          <a:p>
-            <a:r>
-              <a:rPr lang="en-GB" dirty="0"/>
-              <a:t>Manhattan plots were produced for each protein from each cohort.</a:t>
-            </a:r>
-          </a:p>
-          <a:p>
-            <a:r>
-              <a:rPr lang="en-GB" dirty="0"/>
-              <a:t>It indicates that </a:t>
-            </a:r>
-            <a:r>
-              <a:rPr lang="en-GB" dirty="0" err="1"/>
-              <a:t>sumstats</a:t>
-            </a:r>
-            <a:r>
-              <a:rPr lang="en-GB" dirty="0"/>
-              <a:t> are generally satisfactory</a:t>
-            </a:r>
-            <a:r>
-              <a:rPr lang="en-GB" dirty="0" smtClean="0"/>
-              <a:t>.</a:t>
-            </a:r>
-          </a:p>
-          <a:p>
-            <a:r>
-              <a:rPr lang="en-GB" dirty="0" smtClean="0"/>
-              <a:t>Plots for METAL </a:t>
-            </a:r>
-            <a:r>
-              <a:rPr lang="en-GB" dirty="0" err="1" smtClean="0"/>
-              <a:t>sumstats</a:t>
-            </a:r>
-            <a:r>
-              <a:rPr lang="en-GB" dirty="0" smtClean="0"/>
-              <a:t> were also produced.</a:t>
-            </a:r>
-            <a:endParaRPr lang="en-GB" dirty="0"/>
-          </a:p>
-        </p:txBody>
-      </p:sp>
-    </p:spTree>
-    <p:extLst>
-      <p:ext uri="{BB962C8B-B14F-4D97-AF65-F5344CB8AC3E}">
-        <p14:creationId xmlns:p14="http://schemas.microsoft.com/office/powerpoint/2010/main" val="1815722324"/>
-      </p:ext>
-    </p:extLst>
-  </p:cSld>
-  <p:clrMapOvr>
-    <a:masterClrMapping/>
-  </p:clrMapOvr>
-</p:sld>
-</file>
-
 <file path=ppt/slides/slide7.xml><?xml version="1.0" encoding="utf-8"?>
 <p:sld xmlns:a="http://schemas.openxmlformats.org/drawingml/2006/main" xmlns:r="http://schemas.openxmlformats.org/officeDocument/2006/relationships" xmlns:p="http://schemas.openxmlformats.org/presentationml/2006/main">
   <p:cSld>
@@ -8813,7 +9018,7 @@
             <a:pPr algn="ctr"/>
             <a:r>
               <a:rPr lang="en-GB" b="1" dirty="0"/>
-              <a:t>Meta-analysis through METAL</a:t>
+              <a:t>Manhattan plots</a:t>
             </a:r>
           </a:p>
         </p:txBody>
@@ -8835,34 +9040,46 @@
           <a:p>
             <a:r>
               <a:rPr lang="en-GB" dirty="0"/>
-              <a:t>Carried out on TRYGGVE with the latest release.</a:t>
-            </a:r>
-          </a:p>
-          <a:p>
-            <a:r>
-              <a:rPr lang="en-GB" dirty="0"/>
-              <a:t>GC correction not considered on cohort level.</a:t>
-            </a:r>
-          </a:p>
-          <a:p>
-            <a:r>
-              <a:rPr lang="en-GB" dirty="0"/>
-              <a:t>Based on effect size.</a:t>
-            </a:r>
-          </a:p>
-          <a:p>
-            <a:r>
-              <a:rPr lang="en-GB" dirty="0"/>
-              <a:t>N&gt;=10.</a:t>
-            </a:r>
-          </a:p>
-          <a:p>
-            <a:r>
-              <a:rPr lang="en-GB" dirty="0"/>
-              <a:t>84% above LLOD.</a:t>
-            </a:r>
-          </a:p>
-          <a:p>
+              <a:t>QCGWAS only desirable for small number of (problematic) proteins.</a:t>
+            </a:r>
+          </a:p>
+          <a:p>
+            <a:r>
+              <a:rPr lang="en-GB" dirty="0"/>
+              <a:t>Manhattan plots were produced for each protein from each cohort.</a:t>
+            </a:r>
+          </a:p>
+          <a:p>
+            <a:r>
+              <a:rPr lang="en-GB" dirty="0"/>
+              <a:t>It indicates that </a:t>
+            </a:r>
+            <a:r>
+              <a:rPr lang="en-GB" dirty="0" err="1"/>
+              <a:t>sumstats</a:t>
+            </a:r>
+            <a:r>
+              <a:rPr lang="en-GB" dirty="0"/>
+              <a:t> are generally satisfactory</a:t>
+            </a:r>
+            <a:r>
+              <a:rPr lang="en-GB" dirty="0" smtClean="0"/>
+              <a:t>.</a:t>
+            </a:r>
+          </a:p>
+          <a:p>
+            <a:r>
+              <a:rPr lang="en-GB" dirty="0" smtClean="0"/>
+              <a:t>Plots for METAL </a:t>
+            </a:r>
+            <a:r>
+              <a:rPr lang="en-GB" dirty="0" err="1" smtClean="0"/>
+              <a:t>sumstats</a:t>
+            </a:r>
+            <a:r>
+              <a:rPr lang="en-GB" dirty="0" smtClean="0"/>
+              <a:t> were also produced.</a:t>
+            </a:r>
             <a:endParaRPr lang="en-GB" dirty="0"/>
           </a:p>
         </p:txBody>
@@ -8870,7 +9087,7 @@
     </p:spTree>
     <p:extLst>
       <p:ext uri="{BB962C8B-B14F-4D97-AF65-F5344CB8AC3E}">
-        <p14:creationId xmlns:p14="http://schemas.microsoft.com/office/powerpoint/2010/main" val="3002967337"/>
+        <p14:creationId xmlns:p14="http://schemas.microsoft.com/office/powerpoint/2010/main" val="1815722324"/>
       </p:ext>
     </p:extLst>
   </p:cSld>
@@ -8899,12 +9116,12 @@
       </p:grpSpPr>
       <p:sp>
         <p:nvSpPr>
-          <p:cNvPr id="2" name="Title 1"/>
-          <p:cNvSpPr>
-            <a:spLocks noGrp="1"/>
-          </p:cNvSpPr>
-          <p:nvPr>
-            <p:ph type="title"/>
+          <p:cNvPr id="4" name="Title 3"/>
+          <p:cNvSpPr>
+            <a:spLocks noGrp="1"/>
+          </p:cNvSpPr>
+          <p:nvPr>
+            <p:ph type="ctrTitle"/>
           </p:nvPr>
         </p:nvSpPr>
         <p:spPr/>
@@ -8912,120 +9129,18 @@
           <a:bodyPr/>
           <a:lstStyle/>
           <a:p>
-            <a:pPr algn="ctr"/>
             <a:r>
               <a:rPr lang="en-GB" b="1" dirty="0" smtClean="0"/>
-              <a:t>Meta-analysis r</a:t>
-            </a:r>
-            <a:r>
-              <a:rPr lang="en-GB" b="1" dirty="0" smtClean="0"/>
-              <a:t>esults</a:t>
+              <a:t>Meta-analysis</a:t>
             </a:r>
             <a:endParaRPr lang="en-GB" b="1" dirty="0"/>
-          </a:p>
-        </p:txBody>
-      </p:sp>
-      <p:sp>
-        <p:nvSpPr>
-          <p:cNvPr id="3" name="Content Placeholder 2"/>
-          <p:cNvSpPr>
-            <a:spLocks noGrp="1"/>
-          </p:cNvSpPr>
-          <p:nvPr>
-            <p:ph idx="1"/>
-          </p:nvPr>
-        </p:nvSpPr>
-        <p:spPr/>
-        <p:txBody>
-          <a:bodyPr>
-            <a:normAutofit/>
-          </a:bodyPr>
-          <a:lstStyle/>
-          <a:p>
-            <a:r>
-              <a:rPr lang="en-GB" dirty="0"/>
-              <a:t>/scratch/jhz22/INF/</a:t>
-            </a:r>
-          </a:p>
-          <a:p>
-            <a:pPr lvl="1"/>
-            <a:r>
-              <a:rPr lang="en-GB" dirty="0" err="1"/>
-              <a:t>sumstats</a:t>
-            </a:r>
-            <a:r>
-              <a:rPr lang="en-GB" dirty="0"/>
-              <a:t>/INTERVAL on GWAS </a:t>
-            </a:r>
-            <a:r>
-              <a:rPr lang="en-GB" dirty="0" err="1"/>
-              <a:t>sumstats</a:t>
-            </a:r>
-            <a:r>
-              <a:rPr lang="en-GB" dirty="0"/>
-              <a:t> from INTERVAL</a:t>
-            </a:r>
-          </a:p>
-          <a:p>
-            <a:pPr lvl="1"/>
-            <a:r>
-              <a:rPr lang="en-GB" dirty="0"/>
-              <a:t>plots/ on Manhattan plots for participating cohorts</a:t>
-            </a:r>
-          </a:p>
-          <a:p>
-            <a:pPr lvl="1"/>
-            <a:r>
-              <a:rPr lang="en-GB" dirty="0"/>
-              <a:t>METAL/ on meta-analysed </a:t>
-            </a:r>
-            <a:r>
-              <a:rPr lang="en-GB" dirty="0" err="1"/>
-              <a:t>sumstats+Manhattan</a:t>
-            </a:r>
-            <a:r>
-              <a:rPr lang="en-GB" dirty="0"/>
-              <a:t>/Q-Q/</a:t>
-            </a:r>
-            <a:r>
-              <a:rPr lang="en-GB" dirty="0" err="1"/>
-              <a:t>LocusZoom</a:t>
-            </a:r>
-            <a:r>
-              <a:rPr lang="en-GB" dirty="0"/>
-              <a:t> plots</a:t>
-            </a:r>
-          </a:p>
-          <a:p>
-            <a:pPr lvl="1"/>
-            <a:r>
-              <a:rPr lang="en-GB" dirty="0"/>
-              <a:t>clumping/ on PLINK –clump analysis + forest plots (INF1.UK10K+1KG.r2-0.fp.pdf)</a:t>
-            </a:r>
-          </a:p>
-          <a:p>
-            <a:pPr lvl="1"/>
-            <a:r>
-              <a:rPr lang="en-GB" dirty="0" err="1"/>
-              <a:t>cojo</a:t>
-            </a:r>
-            <a:r>
-              <a:rPr lang="en-GB" dirty="0"/>
-              <a:t>/ on conditional analysis with 1KG, UK10K+1KG</a:t>
-            </a:r>
-          </a:p>
-          <a:p>
-            <a:pPr marL="0" indent="0">
-              <a:buNone/>
-            </a:pPr>
-            <a:endParaRPr lang="en-GB" dirty="0"/>
           </a:p>
         </p:txBody>
       </p:sp>
     </p:spTree>
     <p:extLst>
       <p:ext uri="{BB962C8B-B14F-4D97-AF65-F5344CB8AC3E}">
-        <p14:creationId xmlns:p14="http://schemas.microsoft.com/office/powerpoint/2010/main" val="101094381"/>
+        <p14:creationId xmlns:p14="http://schemas.microsoft.com/office/powerpoint/2010/main" val="3001592755"/>
       </p:ext>
     </p:extLst>
   </p:cSld>
@@ -9062,57 +9177,90 @@
             <p:ph type="title"/>
           </p:nvPr>
         </p:nvSpPr>
-        <p:spPr>
-          <a:xfrm>
-            <a:off x="139337" y="365125"/>
-            <a:ext cx="5068389" cy="1325563"/>
-          </a:xfrm>
-        </p:spPr>
+        <p:spPr/>
         <p:txBody>
           <a:bodyPr/>
           <a:lstStyle/>
           <a:p>
             <a:pPr algn="ctr"/>
             <a:r>
-              <a:rPr lang="en-GB" b="1" dirty="0"/>
-              <a:t>OPG Manhattan plot</a:t>
-            </a:r>
-          </a:p>
-        </p:txBody>
-      </p:sp>
-      <p:pic>
-        <p:nvPicPr>
-          <p:cNvPr id="4" name="Content Placeholder 3"/>
-          <p:cNvPicPr>
-            <a:picLocks noGrp="1" noChangeAspect="1"/>
-          </p:cNvPicPr>
+              <a:rPr lang="en-GB" b="1" dirty="0" smtClean="0"/>
+              <a:t>Details of meta-analysis</a:t>
+            </a:r>
+            <a:endParaRPr lang="en-GB" b="1" dirty="0"/>
+          </a:p>
+        </p:txBody>
+      </p:sp>
+      <p:sp>
+        <p:nvSpPr>
+          <p:cNvPr id="3" name="Content Placeholder 2"/>
+          <p:cNvSpPr>
+            <a:spLocks noGrp="1"/>
+          </p:cNvSpPr>
           <p:nvPr>
             <p:ph idx="1"/>
           </p:nvPr>
-        </p:nvPicPr>
-        <p:blipFill>
-          <a:blip r:embed="rId2" cstate="hqprint">
-            <a:extLst>
-              <a:ext uri="{28A0092B-C50C-407E-A947-70E740481C1C}">
-                <a14:useLocalDpi xmlns:a14="http://schemas.microsoft.com/office/drawing/2010/main" val="0"/>
-              </a:ext>
-            </a:extLst>
-          </a:blip>
-          <a:stretch>
-            <a:fillRect/>
-          </a:stretch>
-        </p:blipFill>
-        <p:spPr>
-          <a:xfrm>
-            <a:off x="5223269" y="52546"/>
-            <a:ext cx="6890353" cy="6805454"/>
-          </a:xfrm>
-        </p:spPr>
-      </p:pic>
+        </p:nvSpPr>
+        <p:spPr/>
+        <p:txBody>
+          <a:bodyPr/>
+          <a:lstStyle/>
+          <a:p>
+            <a:r>
+              <a:rPr lang="en-GB" dirty="0"/>
+              <a:t>Carried out on TRYGGVE </a:t>
+            </a:r>
+            <a:r>
+              <a:rPr lang="en-GB" dirty="0" smtClean="0"/>
+              <a:t>(~</a:t>
+            </a:r>
+            <a:r>
+              <a:rPr lang="en-GB" dirty="0"/>
+              <a:t>36hr) with </a:t>
+            </a:r>
+            <a:r>
+              <a:rPr lang="en-GB" dirty="0"/>
+              <a:t>the latest </a:t>
+            </a:r>
+            <a:r>
+              <a:rPr lang="en-GB" dirty="0" smtClean="0"/>
+              <a:t>release.</a:t>
+            </a:r>
+            <a:endParaRPr lang="en-GB" dirty="0"/>
+          </a:p>
+          <a:p>
+            <a:r>
+              <a:rPr lang="en-GB" dirty="0"/>
+              <a:t>GC correction not considered on cohort level.</a:t>
+            </a:r>
+          </a:p>
+          <a:p>
+            <a:r>
+              <a:rPr lang="en-GB" dirty="0"/>
+              <a:t>Based on effect size.</a:t>
+            </a:r>
+          </a:p>
+          <a:p>
+            <a:r>
+              <a:rPr lang="en-GB" dirty="0"/>
+              <a:t>N&gt;=10.</a:t>
+            </a:r>
+          </a:p>
+          <a:p>
+            <a:r>
+              <a:rPr lang="en-GB" dirty="0"/>
+              <a:t>84% above LLOD.</a:t>
+            </a:r>
+          </a:p>
+          <a:p>
+            <a:endParaRPr lang="en-GB" dirty="0"/>
+          </a:p>
+        </p:txBody>
+      </p:sp>
     </p:spTree>
     <p:extLst>
       <p:ext uri="{BB962C8B-B14F-4D97-AF65-F5344CB8AC3E}">
-        <p14:creationId xmlns:p14="http://schemas.microsoft.com/office/powerpoint/2010/main" val="1619791380"/>
+        <p14:creationId xmlns:p14="http://schemas.microsoft.com/office/powerpoint/2010/main" val="3002967337"/>
       </p:ext>
     </p:extLst>
   </p:cSld>

--- a/doc/SCALLOP_INF1-120419.pptx
+++ b/doc/SCALLOP_INF1-120419.pptx
@@ -3474,18 +3474,13 @@
           <a:p>
             <a:pPr algn="ctr"/>
             <a:r>
-              <a:rPr lang="en-GB" b="1" dirty="0" err="1" smtClean="0"/>
+              <a:rPr lang="en-GB" b="1" dirty="0" err="1"/>
               <a:t>Sumstats</a:t>
             </a:r>
             <a:r>
-              <a:rPr lang="en-GB" b="1" dirty="0" smtClean="0"/>
-              <a:t> (</a:t>
-            </a:r>
-            <a:r>
-              <a:rPr lang="en-GB" b="1" dirty="0" smtClean="0"/>
-              <a:t>/scratch/jhz22/INF)</a:t>
-            </a:r>
-            <a:endParaRPr lang="en-GB" b="1" dirty="0"/>
+              <a:rPr lang="en-GB" b="1" dirty="0"/>
+              <a:t> (/scratch/jhz22/INF)</a:t>
+            </a:r>
           </a:p>
         </p:txBody>
       </p:sp>
@@ -3507,90 +3502,54 @@
           <a:lstStyle/>
           <a:p>
             <a:r>
-              <a:rPr lang="en-GB" dirty="0" err="1" smtClean="0"/>
+              <a:rPr lang="en-GB" dirty="0" err="1"/>
               <a:t>sumstats</a:t>
             </a:r>
             <a:r>
-              <a:rPr lang="en-GB" dirty="0" smtClean="0"/>
+              <a:rPr lang="en-GB" dirty="0"/>
               <a:t>/INTERVAL	GWAS </a:t>
             </a:r>
             <a:r>
-              <a:rPr lang="en-GB" dirty="0" err="1" smtClean="0"/>
+              <a:rPr lang="en-GB" dirty="0" err="1"/>
               <a:t>sumstats</a:t>
             </a:r>
             <a:r>
-              <a:rPr lang="en-GB" dirty="0" smtClean="0"/>
+              <a:rPr lang="en-GB" dirty="0"/>
               <a:t> from INTERVAL</a:t>
             </a:r>
           </a:p>
           <a:p>
             <a:r>
-              <a:rPr lang="en-GB" dirty="0" smtClean="0"/>
-              <a:t>plots</a:t>
-            </a:r>
-            <a:r>
-              <a:rPr lang="en-GB" dirty="0"/>
-              <a:t>/ </a:t>
-            </a:r>
-            <a:r>
-              <a:rPr lang="en-GB" dirty="0" smtClean="0"/>
-              <a:t>			Manhattan </a:t>
-            </a:r>
-            <a:r>
-              <a:rPr lang="en-GB" dirty="0"/>
-              <a:t>plots for participating cohorts</a:t>
-            </a:r>
-          </a:p>
-          <a:p>
-            <a:r>
-              <a:rPr lang="en-GB" dirty="0"/>
-              <a:t>METAL/ </a:t>
-            </a:r>
-            <a:r>
-              <a:rPr lang="en-GB" dirty="0" smtClean="0"/>
-              <a:t>			</a:t>
-            </a:r>
-            <a:r>
-              <a:rPr lang="en-GB" dirty="0" err="1" smtClean="0"/>
+              <a:rPr lang="en-GB" dirty="0"/>
+              <a:t>plots/ 			Manhattan plots for participating cohorts</a:t>
+            </a:r>
+          </a:p>
+          <a:p>
+            <a:r>
+              <a:rPr lang="en-GB" dirty="0"/>
+              <a:t>METAL/ 			</a:t>
+            </a:r>
+            <a:r>
+              <a:rPr lang="en-GB" dirty="0" err="1"/>
               <a:t>sumstats+Manhattan</a:t>
             </a:r>
             <a:r>
-              <a:rPr lang="en-GB" dirty="0" smtClean="0"/>
+              <a:rPr lang="en-GB" dirty="0"/>
               <a:t>/Q-Q/</a:t>
             </a:r>
             <a:r>
-              <a:rPr lang="en-GB" dirty="0" err="1" smtClean="0"/>
+              <a:rPr lang="en-GB" dirty="0" err="1"/>
               <a:t>LocusZoom</a:t>
             </a:r>
             <a:r>
-              <a:rPr lang="en-GB" dirty="0" smtClean="0"/>
-              <a:t> </a:t>
-            </a:r>
-            <a:r>
-              <a:rPr lang="en-GB" dirty="0"/>
-              <a:t>plots</a:t>
-            </a:r>
-          </a:p>
-          <a:p>
-            <a:r>
-              <a:rPr lang="en-GB" dirty="0"/>
-              <a:t>clumping/ </a:t>
-            </a:r>
-            <a:r>
-              <a:rPr lang="en-GB" dirty="0" smtClean="0"/>
-              <a:t>			PLINK </a:t>
-            </a:r>
-            <a:r>
-              <a:rPr lang="en-GB" dirty="0"/>
-              <a:t>–clump analysis + forest plots </a:t>
-            </a:r>
-            <a:r>
-              <a:rPr lang="en-GB" dirty="0" smtClean="0"/>
-              <a:t>							(</a:t>
-            </a:r>
-            <a:r>
-              <a:rPr lang="en-GB" dirty="0"/>
-              <a:t>INF1.UK10K+1KG.r2-0.fp.pdf)</a:t>
+              <a:rPr lang="en-GB" dirty="0"/>
+              <a:t> plots</a:t>
+            </a:r>
+          </a:p>
+          <a:p>
+            <a:r>
+              <a:rPr lang="en-GB" dirty="0"/>
+              <a:t>clumping/ 			PLINK –clump analysis + forest plots 							(INF1.UK10K+1KG.r2-0.fp.pdf)</a:t>
             </a:r>
           </a:p>
           <a:p>
@@ -3600,15 +3559,7 @@
             </a:r>
             <a:r>
               <a:rPr lang="en-GB" dirty="0"/>
-              <a:t>/ </a:t>
-            </a:r>
-            <a:r>
-              <a:rPr lang="en-GB" dirty="0" smtClean="0"/>
-              <a:t>			conditional </a:t>
-            </a:r>
-            <a:r>
-              <a:rPr lang="en-GB" dirty="0"/>
-              <a:t>analysis with 1KG, UK10K+1KG</a:t>
+              <a:t>/ 			conditional analysis with 1KG, UK10K+1KG</a:t>
             </a:r>
           </a:p>
           <a:p>
@@ -3693,20 +3644,16 @@
           <a:lstStyle/>
           <a:p>
             <a:r>
-              <a:rPr lang="en-GB" dirty="0" smtClean="0"/>
+              <a:rPr lang="en-GB" dirty="0"/>
               <a:t>Manhattan/Q-Q/</a:t>
             </a:r>
             <a:r>
-              <a:rPr lang="en-GB" dirty="0" err="1" smtClean="0"/>
+              <a:rPr lang="en-GB" dirty="0" err="1"/>
               <a:t>LocusZoom</a:t>
             </a:r>
             <a:r>
-              <a:rPr lang="en-GB" dirty="0" smtClean="0"/>
-              <a:t>/forest </a:t>
-            </a:r>
-            <a:r>
-              <a:rPr lang="en-GB" dirty="0"/>
-              <a:t>plots, loose ends (</a:t>
+              <a:rPr lang="en-GB" dirty="0"/>
+              <a:t>/forest plots, loose ends (</a:t>
             </a:r>
             <a:r>
               <a:rPr lang="en-GB" dirty="0" err="1"/>
@@ -3733,7 +3680,7 @@
           </a:p>
           <a:p>
             <a:r>
-              <a:rPr lang="en-GB" dirty="0" err="1" smtClean="0"/>
+              <a:rPr lang="en-GB" dirty="0" err="1"/>
               <a:t>Finemapping</a:t>
             </a:r>
             <a:r>
@@ -4176,36 +4123,46 @@
             <a:pPr algn="ctr"/>
             <a:r>
               <a:rPr lang="en-GB" b="1" dirty="0"/>
-              <a:t>OPG regional plot</a:t>
-            </a:r>
-          </a:p>
-        </p:txBody>
-      </p:sp>
-      <p:sp>
-        <p:nvSpPr>
-          <p:cNvPr id="3" name="Content Placeholder 2">
+              <a:t>OPG regional plot (chr8)</a:t>
+            </a:r>
+          </a:p>
+        </p:txBody>
+      </p:sp>
+      <p:pic>
+        <p:nvPicPr>
+          <p:cNvPr id="5" name="Content Placeholder 4">
             <a:extLst>
               <a:ext uri="{FF2B5EF4-FFF2-40B4-BE49-F238E27FC236}">
-                <a16:creationId xmlns:a16="http://schemas.microsoft.com/office/drawing/2014/main" id="{1B443336-3EFA-4025-B4CA-36489292A34E}"/>
+                <a16:creationId xmlns:a16="http://schemas.microsoft.com/office/drawing/2014/main" id="{22C0F854-B611-4CF3-B4DB-50BEACF53AEF}"/>
               </a:ext>
             </a:extLst>
           </p:cNvPr>
-          <p:cNvSpPr>
-            <a:spLocks noGrp="1"/>
-          </p:cNvSpPr>
+          <p:cNvPicPr>
+            <a:picLocks noGrp="1" noChangeAspect="1"/>
+          </p:cNvPicPr>
           <p:nvPr>
             <p:ph idx="1"/>
           </p:nvPr>
-        </p:nvSpPr>
-        <p:spPr/>
-        <p:txBody>
-          <a:bodyPr/>
-          <a:lstStyle/>
-          <a:p>
-            <a:endParaRPr lang="en-GB"/>
-          </a:p>
-        </p:txBody>
-      </p:sp>
+        </p:nvPicPr>
+        <p:blipFill>
+          <a:blip r:embed="rId2">
+            <a:extLst>
+              <a:ext uri="{28A0092B-C50C-407E-A947-70E740481C1C}">
+                <a14:useLocalDpi xmlns:a14="http://schemas.microsoft.com/office/drawing/2010/main" val="0"/>
+              </a:ext>
+            </a:extLst>
+          </a:blip>
+          <a:stretch>
+            <a:fillRect/>
+          </a:stretch>
+        </p:blipFill>
+        <p:spPr>
+          <a:xfrm>
+            <a:off x="2395728" y="1677620"/>
+            <a:ext cx="7400543" cy="5180380"/>
+          </a:xfrm>
+        </p:spPr>
+      </p:pic>
     </p:spTree>
     <p:extLst>
       <p:ext uri="{BB962C8B-B14F-4D97-AF65-F5344CB8AC3E}">
@@ -4253,10 +4210,9 @@
           <a:p>
             <a:pPr algn="ctr"/>
             <a:r>
-              <a:rPr lang="en-GB" b="1" dirty="0" smtClean="0"/>
+              <a:rPr lang="en-GB" b="1" dirty="0"/>
               <a:t>Near-independent signals</a:t>
             </a:r>
-            <a:endParaRPr lang="en-GB" b="1" dirty="0"/>
           </a:p>
         </p:txBody>
       </p:sp>
@@ -4278,42 +4234,34 @@
           <a:lstStyle/>
           <a:p>
             <a:r>
-              <a:rPr lang="en-GB" dirty="0" smtClean="0"/>
+              <a:rPr lang="en-GB" dirty="0"/>
               <a:t>1KG (</a:t>
             </a:r>
             <a:r>
-              <a:rPr lang="en-GB" dirty="0" err="1" smtClean="0"/>
+              <a:rPr lang="en-GB" dirty="0" err="1"/>
               <a:t>LocusZoom</a:t>
             </a:r>
             <a:r>
-              <a:rPr lang="en-GB" dirty="0" smtClean="0"/>
-              <a:t> 1.4, cardio), and UK10K+1KG as LD references, with balanced </a:t>
-            </a:r>
-            <a:r>
-              <a:rPr lang="en-GB" dirty="0"/>
-              <a:t>and comparable </a:t>
-            </a:r>
-            <a:r>
-              <a:rPr lang="en-GB" dirty="0" smtClean="0"/>
-              <a:t>parameters, e.g.,</a:t>
-            </a:r>
-          </a:p>
-          <a:p>
-            <a:r>
-              <a:rPr lang="en-GB" dirty="0" smtClean="0"/>
+              <a:rPr lang="en-GB" dirty="0"/>
+              <a:t> 1.4, cardio), and UK10K+1KG as LD references, with balanced and comparable parameters, e.g.,</a:t>
+            </a:r>
+          </a:p>
+          <a:p>
+            <a:r>
+              <a:rPr lang="en-GB" dirty="0"/>
               <a:t>PLINK</a:t>
             </a:r>
           </a:p>
           <a:p>
             <a:pPr lvl="1"/>
             <a:r>
-              <a:rPr lang="en-GB" dirty="0" smtClean="0"/>
+              <a:rPr lang="en-GB" dirty="0"/>
               <a:t>--clump-r2 0 / --clump-r2 0.1</a:t>
             </a:r>
           </a:p>
           <a:p>
             <a:r>
-              <a:rPr lang="en-GB" dirty="0" smtClean="0"/>
+              <a:rPr lang="en-GB" dirty="0"/>
               <a:t>GCTA</a:t>
             </a:r>
           </a:p>
@@ -4329,25 +4277,15 @@
             </a:r>
             <a:r>
               <a:rPr lang="en-GB" dirty="0"/>
-              <a:t>-collinear </a:t>
-            </a:r>
-            <a:r>
-              <a:rPr lang="en-GB" dirty="0" smtClean="0"/>
-              <a:t>0.1</a:t>
-            </a:r>
-          </a:p>
-          <a:p>
-            <a:r>
-              <a:rPr lang="en-GB" u="sng" dirty="0" smtClean="0">
-                <a:hlinkClick r:id="rId2"/>
-              </a:rPr>
-              <a:t>https</a:t>
-            </a:r>
+              <a:t>-collinear 0.1</a:t>
+            </a:r>
+          </a:p>
+          <a:p>
             <a:r>
               <a:rPr lang="en-GB" u="sng" dirty="0">
                 <a:hlinkClick r:id="rId2"/>
               </a:rPr>
-              <a:t>://github.com/jinghuazhao/INF/blob/master/doc/INF1.paper.xlsx</a:t>
+              <a:t>https://github.com/jinghuazhao/INF/blob/master/doc/INF1.paper.xlsx</a:t>
             </a:r>
             <a:r>
               <a:rPr lang="en-GB" dirty="0"/>
@@ -4359,19 +4297,7 @@
             </a:r>
             <a:r>
               <a:rPr lang="en-GB" dirty="0"/>
-              <a:t> </a:t>
-            </a:r>
-            <a:r>
-              <a:rPr lang="en-GB" dirty="0" smtClean="0"/>
-              <a:t>results and </a:t>
-            </a:r>
-            <a:r>
-              <a:rPr lang="en-GB" dirty="0"/>
-              <a:t>cis/trans classification </a:t>
-            </a:r>
-            <a:r>
-              <a:rPr lang="en-GB" dirty="0" smtClean="0"/>
-              <a:t>tables.</a:t>
+              <a:t> results and cis/trans classification tables.</a:t>
             </a:r>
           </a:p>
           <a:p>
@@ -4385,19 +4311,14 @@
             </a:r>
             <a:r>
               <a:rPr lang="en-GB" dirty="0"/>
-              <a:t> appears to be a good compromise between r2=0, </a:t>
-            </a:r>
-            <a:r>
-              <a:rPr lang="en-GB" dirty="0" smtClean="0"/>
-              <a:t>0.1.</a:t>
-            </a:r>
+              <a:t> appears to be a good compromise between r2=0, 0.1.</a:t>
+            </a:r>
+          </a:p>
+          <a:p>
             <a:endParaRPr lang="en-GB" dirty="0"/>
           </a:p>
           <a:p>
             <a:endParaRPr lang="en-GB" dirty="0"/>
-          </a:p>
-          <a:p>
-            <a:endParaRPr lang="en-GB" dirty="0" smtClean="0"/>
           </a:p>
         </p:txBody>
       </p:sp>
@@ -4448,7 +4369,7 @@
           <a:p>
             <a:pPr algn="ctr"/>
             <a:r>
-              <a:rPr lang="en-GB" b="1" smtClean="0"/>
+              <a:rPr lang="en-GB" b="1"/>
               <a:t>Outlook </a:t>
             </a:r>
             <a:r>
@@ -4491,21 +4412,16 @@
             </a:r>
             <a:r>
               <a:rPr lang="en-GB" dirty="0"/>
-              <a:t> </a:t>
-            </a:r>
-            <a:r>
-              <a:rPr lang="en-GB" dirty="0" smtClean="0"/>
-              <a:t>analysis almost done, which can be intersected with approximately independent LD blocks for </a:t>
-            </a:r>
-            <a:r>
-              <a:rPr lang="en-GB" dirty="0" err="1" smtClean="0"/>
+              <a:t> analysis almost done, which can be intersected with approximately independent LD blocks for </a:t>
+            </a:r>
+            <a:r>
+              <a:rPr lang="en-GB" dirty="0" err="1"/>
               <a:t>finemapping</a:t>
             </a:r>
             <a:r>
-              <a:rPr lang="en-GB" dirty="0" smtClean="0"/>
+              <a:rPr lang="en-GB" dirty="0"/>
               <a:t>; the results with PLINK –clump are readily available (INF1.UK10K+1KG.AILD.r2-0/0.1.ranges).</a:t>
             </a:r>
-            <a:endParaRPr lang="en-GB" dirty="0"/>
           </a:p>
           <a:p>
             <a:r>
@@ -4676,10 +4592,9 @@
           <a:lstStyle/>
           <a:p>
             <a:r>
-              <a:rPr lang="en-GB" b="1" dirty="0" smtClean="0"/>
+              <a:rPr lang="en-GB" b="1" dirty="0"/>
               <a:t>Individual cohorts</a:t>
             </a:r>
-            <a:endParaRPr lang="en-GB" b="1" dirty="0"/>
           </a:p>
         </p:txBody>
       </p:sp>
@@ -7789,12 +7704,8 @@
           <a:p>
             <a:pPr algn="ctr"/>
             <a:r>
-              <a:rPr lang="en-GB" b="1" dirty="0" smtClean="0"/>
-              <a:t>Busy Manhattan plots and &gt;LLOD</a:t>
-            </a:r>
-            <a:r>
               <a:rPr lang="en-GB" b="1" dirty="0"/>
-              <a:t>%</a:t>
+              <a:t>Busy Manhattan plots and &gt;LLOD%</a:t>
             </a:r>
           </a:p>
         </p:txBody>
@@ -9060,27 +8971,22 @@
             </a:r>
             <a:r>
               <a:rPr lang="en-GB" dirty="0"/>
-              <a:t> are generally satisfactory</a:t>
-            </a:r>
-            <a:r>
-              <a:rPr lang="en-GB" dirty="0" smtClean="0"/>
-              <a:t>.</a:t>
-            </a:r>
-          </a:p>
-          <a:p>
-            <a:r>
-              <a:rPr lang="en-GB" dirty="0" smtClean="0"/>
+              <a:t> are generally satisfactory.</a:t>
+            </a:r>
+          </a:p>
+          <a:p>
+            <a:r>
+              <a:rPr lang="en-GB" dirty="0"/>
               <a:t>Plots for METAL </a:t>
             </a:r>
             <a:r>
-              <a:rPr lang="en-GB" dirty="0" err="1" smtClean="0"/>
+              <a:rPr lang="en-GB" dirty="0" err="1"/>
               <a:t>sumstats</a:t>
             </a:r>
             <a:r>
-              <a:rPr lang="en-GB" dirty="0" smtClean="0"/>
+              <a:rPr lang="en-GB" dirty="0"/>
               <a:t> were also produced.</a:t>
             </a:r>
-            <a:endParaRPr lang="en-GB" dirty="0"/>
           </a:p>
         </p:txBody>
       </p:sp>
@@ -9130,10 +9036,9 @@
           <a:lstStyle/>
           <a:p>
             <a:r>
-              <a:rPr lang="en-GB" b="1" dirty="0" smtClean="0"/>
+              <a:rPr lang="en-GB" b="1" dirty="0"/>
               <a:t>Meta-analysis</a:t>
             </a:r>
-            <a:endParaRPr lang="en-GB" b="1" dirty="0"/>
           </a:p>
         </p:txBody>
       </p:sp>
@@ -9184,10 +9089,9 @@
           <a:p>
             <a:pPr algn="ctr"/>
             <a:r>
-              <a:rPr lang="en-GB" b="1" dirty="0" smtClean="0"/>
+              <a:rPr lang="en-GB" b="1" dirty="0"/>
               <a:t>Details of meta-analysis</a:t>
             </a:r>
-            <a:endParaRPr lang="en-GB" b="1" dirty="0"/>
           </a:p>
         </p:txBody>
       </p:sp>
@@ -9208,25 +9112,8 @@
           <a:p>
             <a:r>
               <a:rPr lang="en-GB" dirty="0"/>
-              <a:t>Carried out on TRYGGVE </a:t>
-            </a:r>
-            <a:r>
-              <a:rPr lang="en-GB" dirty="0" smtClean="0"/>
-              <a:t>(~</a:t>
-            </a:r>
-            <a:r>
-              <a:rPr lang="en-GB" dirty="0"/>
-              <a:t>36hr) with </a:t>
-            </a:r>
-            <a:r>
-              <a:rPr lang="en-GB" dirty="0"/>
-              <a:t>the latest </a:t>
-            </a:r>
-            <a:r>
-              <a:rPr lang="en-GB" dirty="0" smtClean="0"/>
-              <a:t>release.</a:t>
-            </a:r>
-            <a:endParaRPr lang="en-GB" dirty="0"/>
+              <a:t>Carried out on TRYGGVE (~36hr) with the latest release.</a:t>
+            </a:r>
           </a:p>
           <a:p>
             <a:r>

--- a/doc/SCALLOP_INF1-120419.pptx
+++ b/doc/SCALLOP_INF1-120419.pptx
@@ -287,7 +287,7 @@
           <a:p>
             <a:fld id="{E1BC1721-5CED-45EF-BE6E-B0E4EE9D0A2D}" type="datetimeFigureOut">
               <a:rPr lang="en-GB" smtClean="0"/>
-              <a:t>10/04/2019</a:t>
+              <a:t>11/04/2019</a:t>
             </a:fld>
             <a:endParaRPr lang="en-GB"/>
           </a:p>
@@ -487,7 +487,7 @@
           <a:p>
             <a:fld id="{E1BC1721-5CED-45EF-BE6E-B0E4EE9D0A2D}" type="datetimeFigureOut">
               <a:rPr lang="en-GB" smtClean="0"/>
-              <a:t>10/04/2019</a:t>
+              <a:t>11/04/2019</a:t>
             </a:fld>
             <a:endParaRPr lang="en-GB"/>
           </a:p>
@@ -697,7 +697,7 @@
           <a:p>
             <a:fld id="{E1BC1721-5CED-45EF-BE6E-B0E4EE9D0A2D}" type="datetimeFigureOut">
               <a:rPr lang="en-GB" smtClean="0"/>
-              <a:t>10/04/2019</a:t>
+              <a:t>11/04/2019</a:t>
             </a:fld>
             <a:endParaRPr lang="en-GB"/>
           </a:p>
@@ -897,7 +897,7 @@
           <a:p>
             <a:fld id="{E1BC1721-5CED-45EF-BE6E-B0E4EE9D0A2D}" type="datetimeFigureOut">
               <a:rPr lang="en-GB" smtClean="0"/>
-              <a:t>10/04/2019</a:t>
+              <a:t>11/04/2019</a:t>
             </a:fld>
             <a:endParaRPr lang="en-GB"/>
           </a:p>
@@ -1173,7 +1173,7 @@
           <a:p>
             <a:fld id="{E1BC1721-5CED-45EF-BE6E-B0E4EE9D0A2D}" type="datetimeFigureOut">
               <a:rPr lang="en-GB" smtClean="0"/>
-              <a:t>10/04/2019</a:t>
+              <a:t>11/04/2019</a:t>
             </a:fld>
             <a:endParaRPr lang="en-GB"/>
           </a:p>
@@ -1441,7 +1441,7 @@
           <a:p>
             <a:fld id="{E1BC1721-5CED-45EF-BE6E-B0E4EE9D0A2D}" type="datetimeFigureOut">
               <a:rPr lang="en-GB" smtClean="0"/>
-              <a:t>10/04/2019</a:t>
+              <a:t>11/04/2019</a:t>
             </a:fld>
             <a:endParaRPr lang="en-GB"/>
           </a:p>
@@ -1856,7 +1856,7 @@
           <a:p>
             <a:fld id="{E1BC1721-5CED-45EF-BE6E-B0E4EE9D0A2D}" type="datetimeFigureOut">
               <a:rPr lang="en-GB" smtClean="0"/>
-              <a:t>10/04/2019</a:t>
+              <a:t>11/04/2019</a:t>
             </a:fld>
             <a:endParaRPr lang="en-GB"/>
           </a:p>
@@ -1998,7 +1998,7 @@
           <a:p>
             <a:fld id="{E1BC1721-5CED-45EF-BE6E-B0E4EE9D0A2D}" type="datetimeFigureOut">
               <a:rPr lang="en-GB" smtClean="0"/>
-              <a:t>10/04/2019</a:t>
+              <a:t>11/04/2019</a:t>
             </a:fld>
             <a:endParaRPr lang="en-GB"/>
           </a:p>
@@ -2111,7 +2111,7 @@
           <a:p>
             <a:fld id="{E1BC1721-5CED-45EF-BE6E-B0E4EE9D0A2D}" type="datetimeFigureOut">
               <a:rPr lang="en-GB" smtClean="0"/>
-              <a:t>10/04/2019</a:t>
+              <a:t>11/04/2019</a:t>
             </a:fld>
             <a:endParaRPr lang="en-GB"/>
           </a:p>
@@ -2424,7 +2424,7 @@
           <a:p>
             <a:fld id="{E1BC1721-5CED-45EF-BE6E-B0E4EE9D0A2D}" type="datetimeFigureOut">
               <a:rPr lang="en-GB" smtClean="0"/>
-              <a:t>10/04/2019</a:t>
+              <a:t>11/04/2019</a:t>
             </a:fld>
             <a:endParaRPr lang="en-GB"/>
           </a:p>
@@ -2713,7 +2713,7 @@
           <a:p>
             <a:fld id="{E1BC1721-5CED-45EF-BE6E-B0E4EE9D0A2D}" type="datetimeFigureOut">
               <a:rPr lang="en-GB" smtClean="0"/>
-              <a:t>10/04/2019</a:t>
+              <a:t>11/04/2019</a:t>
             </a:fld>
             <a:endParaRPr lang="en-GB"/>
           </a:p>
@@ -2956,7 +2956,7 @@
           <a:p>
             <a:fld id="{E1BC1721-5CED-45EF-BE6E-B0E4EE9D0A2D}" type="datetimeFigureOut">
               <a:rPr lang="en-GB" smtClean="0"/>
-              <a:t>10/04/2019</a:t>
+              <a:t>11/04/2019</a:t>
             </a:fld>
             <a:endParaRPr lang="en-GB"/>
           </a:p>
@@ -3474,12 +3474,20 @@
           <a:p>
             <a:pPr algn="ctr"/>
             <a:r>
-              <a:rPr lang="en-GB" b="1" dirty="0" err="1"/>
-              <a:t>Sumstats</a:t>
+              <a:rPr lang="en-GB" b="1" dirty="0" err="1" smtClean="0"/>
+              <a:t>s</a:t>
+            </a:r>
+            <a:r>
+              <a:rPr lang="en-GB" b="1" dirty="0" err="1" smtClean="0"/>
+              <a:t>umstats</a:t>
+            </a:r>
+            <a:r>
+              <a:rPr lang="en-GB" b="1" dirty="0" smtClean="0"/>
+              <a:t> and derivatives (/</a:t>
             </a:r>
             <a:r>
               <a:rPr lang="en-GB" b="1" dirty="0"/>
-              <a:t> (/scratch/jhz22/INF)</a:t>
+              <a:t>scratch/jhz22/INF)</a:t>
             </a:r>
           </a:p>
         </p:txBody>
@@ -3617,11 +3625,11 @@
           <a:p>
             <a:pPr algn="ctr"/>
             <a:r>
-              <a:rPr lang="en-GB" b="1" dirty="0"/>
-              <a:t>Use of </a:t>
-            </a:r>
-            <a:r>
-              <a:rPr lang="en-GB" b="1" dirty="0" err="1"/>
+              <a:rPr lang="en-GB" b="1" dirty="0" smtClean="0"/>
+              <a:t>More on </a:t>
+            </a:r>
+            <a:r>
+              <a:rPr lang="en-GB" b="1" dirty="0" err="1" smtClean="0"/>
               <a:t>sumstats</a:t>
             </a:r>
             <a:endParaRPr lang="en-GB" b="1" dirty="0"/>
@@ -4145,7 +4153,7 @@
           </p:nvPr>
         </p:nvPicPr>
         <p:blipFill>
-          <a:blip r:embed="rId2">
+          <a:blip r:embed="rId2" cstate="hqprint">
             <a:extLst>
               <a:ext uri="{28A0092B-C50C-407E-A947-70E740481C1C}">
                 <a14:useLocalDpi xmlns:a14="http://schemas.microsoft.com/office/drawing/2010/main" val="0"/>
@@ -4592,9 +4600,10 @@
           <a:lstStyle/>
           <a:p>
             <a:r>
-              <a:rPr lang="en-GB" b="1" dirty="0"/>
-              <a:t>Individual cohorts</a:t>
-            </a:r>
+              <a:rPr lang="en-GB" b="1" dirty="0" smtClean="0"/>
+              <a:t>Individual studies</a:t>
+            </a:r>
+            <a:endParaRPr lang="en-GB" b="1" dirty="0"/>
           </a:p>
         </p:txBody>
       </p:sp>
@@ -5662,9 +5671,10 @@
           <a:p>
             <a:pPr algn="ctr"/>
             <a:r>
-              <a:rPr lang="en-GB" b="1" dirty="0"/>
-              <a:t>Studies</a:t>
-            </a:r>
+              <a:rPr lang="en-GB" b="1" dirty="0" smtClean="0"/>
+              <a:t>Study information</a:t>
+            </a:r>
+            <a:endParaRPr lang="en-GB" b="1" dirty="0"/>
           </a:p>
         </p:txBody>
       </p:sp>
@@ -7601,9 +7611,10 @@
           <a:p>
             <a:pPr algn="ctr"/>
             <a:r>
-              <a:rPr lang="en-GB" b="1" dirty="0"/>
-              <a:t>A point on LLOD</a:t>
-            </a:r>
+              <a:rPr lang="en-GB" b="1" dirty="0" smtClean="0"/>
+              <a:t>LLOD in a specific study</a:t>
+            </a:r>
+            <a:endParaRPr lang="en-GB" b="1" dirty="0"/>
           </a:p>
         </p:txBody>
       </p:sp>
@@ -7705,8 +7716,13 @@
             <a:pPr algn="ctr"/>
             <a:r>
               <a:rPr lang="en-GB" b="1" dirty="0"/>
-              <a:t>Busy Manhattan plots and &gt;LLOD%</a:t>
-            </a:r>
+              <a:t>Busy Manhattan plots and </a:t>
+            </a:r>
+            <a:r>
+              <a:rPr lang="en-GB" b="1" dirty="0" smtClean="0"/>
+              <a:t>% (above LLOD)</a:t>
+            </a:r>
+            <a:endParaRPr lang="en-GB" b="1" dirty="0"/>
           </a:p>
         </p:txBody>
       </p:sp>
@@ -7720,7 +7736,7 @@
             <p:ph idx="1"/>
             <p:extLst>
               <p:ext uri="{D42A27DB-BD31-4B8C-83A1-F6EECF244321}">
-                <p14:modId xmlns:p14="http://schemas.microsoft.com/office/powerpoint/2010/main" val="4127268847"/>
+                <p14:modId xmlns:p14="http://schemas.microsoft.com/office/powerpoint/2010/main" val="4014672955"/>
               </p:ext>
             </p:extLst>
           </p:nvPr>
@@ -7786,9 +7802,10 @@
                     <a:p>
                       <a:pPr algn="l"/>
                       <a:r>
-                        <a:rPr lang="en-GB" dirty="0"/>
-                        <a:t>&gt;LLOD%</a:t>
-                      </a:r>
+                        <a:rPr lang="en-GB" dirty="0" smtClean="0"/>
+                        <a:t>%</a:t>
+                      </a:r>
+                      <a:endParaRPr lang="en-GB" dirty="0"/>
                     </a:p>
                   </a:txBody>
                   <a:tcPr/>
@@ -7813,8 +7830,12 @@
                     <a:p>
                       <a:pPr algn="l"/>
                       <a:r>
+                        <a:rPr lang="en-GB" dirty="0" smtClean="0"/>
+                        <a:t>% </a:t>
+                      </a:r>
+                      <a:r>
                         <a:rPr lang="en-GB" dirty="0"/>
-                        <a:t>&gt;LLOD% (continued)</a:t>
+                        <a:t>(continued)</a:t>
                       </a:r>
                     </a:p>
                   </a:txBody>
@@ -8929,8 +8950,13 @@
             <a:pPr algn="ctr"/>
             <a:r>
               <a:rPr lang="en-GB" b="1" dirty="0"/>
-              <a:t>Manhattan plots</a:t>
-            </a:r>
+              <a:t>Manhattan </a:t>
+            </a:r>
+            <a:r>
+              <a:rPr lang="en-GB" b="1" dirty="0" smtClean="0"/>
+              <a:t>plots for all proteins/studies</a:t>
+            </a:r>
+            <a:endParaRPr lang="en-GB" b="1" dirty="0"/>
           </a:p>
         </p:txBody>
       </p:sp>
@@ -8971,22 +8997,13 @@
             </a:r>
             <a:r>
               <a:rPr lang="en-GB" dirty="0"/>
-              <a:t> are generally satisfactory.</a:t>
-            </a:r>
-          </a:p>
-          <a:p>
-            <a:r>
-              <a:rPr lang="en-GB" dirty="0"/>
-              <a:t>Plots for METAL </a:t>
-            </a:r>
-            <a:r>
-              <a:rPr lang="en-GB" dirty="0" err="1"/>
-              <a:t>sumstats</a:t>
-            </a:r>
-            <a:r>
-              <a:rPr lang="en-GB" dirty="0"/>
-              <a:t> were also produced.</a:t>
-            </a:r>
+              <a:t> are generally satisfactory</a:t>
+            </a:r>
+            <a:r>
+              <a:rPr lang="en-GB" dirty="0" smtClean="0"/>
+              <a:t>.</a:t>
+            </a:r>
+            <a:endParaRPr lang="en-GB" dirty="0"/>
           </a:p>
         </p:txBody>
       </p:sp>
@@ -9089,9 +9106,10 @@
           <a:p>
             <a:pPr algn="ctr"/>
             <a:r>
-              <a:rPr lang="en-GB" b="1" dirty="0"/>
-              <a:t>Details of meta-analysis</a:t>
-            </a:r>
+              <a:rPr lang="en-GB" b="1" dirty="0" smtClean="0"/>
+              <a:t>Details for METAL</a:t>
+            </a:r>
+            <a:endParaRPr lang="en-GB" b="1" dirty="0"/>
           </a:p>
         </p:txBody>
       </p:sp>
@@ -9112,20 +9130,65 @@
           <a:p>
             <a:r>
               <a:rPr lang="en-GB" dirty="0"/>
-              <a:t>Carried out on TRYGGVE (~36hr) with the latest release.</a:t>
-            </a:r>
-          </a:p>
-          <a:p>
-            <a:r>
-              <a:rPr lang="en-GB" dirty="0"/>
-              <a:t>GC correction not considered on cohort level.</a:t>
-            </a:r>
-          </a:p>
-          <a:p>
-            <a:r>
-              <a:rPr lang="en-GB" dirty="0"/>
-              <a:t>Based on effect size.</a:t>
-            </a:r>
+              <a:t>TACKPOSITIONS/CUSTOMVARIABLE </a:t>
+            </a:r>
+            <a:r>
+              <a:rPr lang="en-GB" dirty="0" smtClean="0"/>
+              <a:t>with 2018-08-28 release.</a:t>
+            </a:r>
+          </a:p>
+          <a:p>
+            <a:r>
+              <a:rPr lang="en-GB" dirty="0" smtClean="0"/>
+              <a:t>~ 36hr on TRYGGVE.</a:t>
+            </a:r>
+            <a:endParaRPr lang="en-GB" dirty="0"/>
+          </a:p>
+          <a:p>
+            <a:r>
+              <a:rPr lang="en-GB" dirty="0" smtClean="0"/>
+              <a:t>No GC </a:t>
+            </a:r>
+            <a:r>
+              <a:rPr lang="en-GB" dirty="0"/>
+              <a:t>correction </a:t>
+            </a:r>
+            <a:r>
+              <a:rPr lang="en-GB" dirty="0" smtClean="0"/>
+              <a:t>(</a:t>
+            </a:r>
+            <a:r>
+              <a:rPr lang="en-GB" dirty="0" err="1" smtClean="0"/>
+              <a:t>polygenicity</a:t>
+            </a:r>
+            <a:r>
+              <a:rPr lang="en-GB" dirty="0" smtClean="0"/>
+              <a:t>/population stratification) on </a:t>
+            </a:r>
+            <a:r>
+              <a:rPr lang="en-GB" dirty="0" smtClean="0"/>
+              <a:t>individual studies</a:t>
+            </a:r>
+            <a:r>
+              <a:rPr lang="en-GB" dirty="0" smtClean="0"/>
+              <a:t>.</a:t>
+            </a:r>
+            <a:endParaRPr lang="en-GB" dirty="0"/>
+          </a:p>
+          <a:p>
+            <a:r>
+              <a:rPr lang="en-GB" dirty="0" smtClean="0"/>
+              <a:t>Effect size-based (could be compared with </a:t>
+            </a:r>
+            <a:r>
+              <a:rPr lang="en-GB" dirty="0" err="1" smtClean="0"/>
+              <a:t>p/N</a:t>
+            </a:r>
+            <a:r>
+              <a:rPr lang="en-GB" dirty="0" smtClean="0"/>
+              <a:t> counterpart).</a:t>
+            </a:r>
+            <a:endParaRPr lang="en-GB" dirty="0"/>
           </a:p>
           <a:p>
             <a:r>
